--- a/Batch 8 .pptx
+++ b/Batch 8 .pptx
@@ -2,10 +2,14 @@
 <file path=ppt/presentation.xml><?xml version="1.0" encoding="utf-8"?>
 <p:presentation xmlns:a="http://schemas.openxmlformats.org/drawingml/2006/main" xmlns:r="http://schemas.openxmlformats.org/officeDocument/2006/relationships" xmlns:p="http://schemas.openxmlformats.org/presentationml/2006/main" saveSubsetFonts="1">
   <p:sldMasterIdLst>
-    <p:sldMasterId id="2147483648" r:id="rId1"/>
+    <p:sldMasterId id="2147483706" r:id="rId1"/>
   </p:sldMasterIdLst>
   <p:sldIdLst>
     <p:sldId id="256" r:id="rId2"/>
+    <p:sldId id="257" r:id="rId3"/>
+    <p:sldId id="258" r:id="rId4"/>
+    <p:sldId id="259" r:id="rId5"/>
+    <p:sldId id="260" r:id="rId6"/>
   </p:sldIdLst>
   <p:sldSz cx="12192000" cy="6858000"/>
   <p:notesSz cx="6858000" cy="9144000"/>
@@ -104,6 +108,11 @@
       </a:defRPr>
     </a:lvl9pPr>
   </p:defaultTextStyle>
+  <p:extLst>
+    <p:ext uri="{EFAFB233-063F-42B5-8137-9DF3F51BA10A}">
+      <p15:sldGuideLst xmlns:p15="http://schemas.microsoft.com/office/powerpoint/2012/main"/>
+    </p:ext>
+  </p:extLst>
 </p:presentation>
 </file>
 
@@ -129,7 +138,7 @@
           <p:cNvPr id="2" name="Title 1">
             <a:extLst>
               <a:ext uri="{FF2B5EF4-FFF2-40B4-BE49-F238E27FC236}">
-                <a16:creationId xmlns:a16="http://schemas.microsoft.com/office/drawing/2014/main" id="{8911D4DA-B84F-F0D4-E54C-D22A9BE6992F}"/>
+                <a16:creationId xmlns:a16="http://schemas.microsoft.com/office/drawing/2014/main" id="{8509A44D-FDC8-0BA9-A2C0-52EF3EDB11EF}"/>
               </a:ext>
             </a:extLst>
           </p:cNvPr>
@@ -166,7 +175,7 @@
           <p:cNvPr id="3" name="Subtitle 2">
             <a:extLst>
               <a:ext uri="{FF2B5EF4-FFF2-40B4-BE49-F238E27FC236}">
-                <a16:creationId xmlns:a16="http://schemas.microsoft.com/office/drawing/2014/main" id="{01A629CC-74C8-D5CC-1C91-D4FB92C47D7A}"/>
+                <a16:creationId xmlns:a16="http://schemas.microsoft.com/office/drawing/2014/main" id="{E9A2B6CF-F358-1307-BE4D-842FB5DCFBB5}"/>
               </a:ext>
             </a:extLst>
           </p:cNvPr>
@@ -236,7 +245,7 @@
           <p:cNvPr id="4" name="Date Placeholder 3">
             <a:extLst>
               <a:ext uri="{FF2B5EF4-FFF2-40B4-BE49-F238E27FC236}">
-                <a16:creationId xmlns:a16="http://schemas.microsoft.com/office/drawing/2014/main" id="{8EA1C11F-00F8-0ED0-BB1A-522493C4E8BC}"/>
+                <a16:creationId xmlns:a16="http://schemas.microsoft.com/office/drawing/2014/main" id="{6B06FB84-1F53-9148-316B-6425BF7CEA58}"/>
               </a:ext>
             </a:extLst>
           </p:cNvPr>
@@ -265,7 +274,7 @@
           <p:cNvPr id="5" name="Footer Placeholder 4">
             <a:extLst>
               <a:ext uri="{FF2B5EF4-FFF2-40B4-BE49-F238E27FC236}">
-                <a16:creationId xmlns:a16="http://schemas.microsoft.com/office/drawing/2014/main" id="{D4C5C4BD-5762-F265-2B09-5225B06D3475}"/>
+                <a16:creationId xmlns:a16="http://schemas.microsoft.com/office/drawing/2014/main" id="{3DF83023-2FBD-CB44-E0CC-E9C0295F76DC}"/>
               </a:ext>
             </a:extLst>
           </p:cNvPr>
@@ -290,7 +299,7 @@
           <p:cNvPr id="6" name="Slide Number Placeholder 5">
             <a:extLst>
               <a:ext uri="{FF2B5EF4-FFF2-40B4-BE49-F238E27FC236}">
-                <a16:creationId xmlns:a16="http://schemas.microsoft.com/office/drawing/2014/main" id="{3304803B-2248-35F8-2A63-6651D999ABD2}"/>
+                <a16:creationId xmlns:a16="http://schemas.microsoft.com/office/drawing/2014/main" id="{467EB903-3F1F-6D52-9E06-E43D5EAE0963}"/>
               </a:ext>
             </a:extLst>
           </p:cNvPr>
@@ -317,7 +326,7 @@
     </p:spTree>
     <p:extLst>
       <p:ext uri="{BB962C8B-B14F-4D97-AF65-F5344CB8AC3E}">
-        <p14:creationId xmlns:p14="http://schemas.microsoft.com/office/powerpoint/2010/main" val="3976319352"/>
+        <p14:creationId xmlns:p14="http://schemas.microsoft.com/office/powerpoint/2010/main" val="3295584792"/>
       </p:ext>
     </p:extLst>
   </p:cSld>
@@ -349,7 +358,7 @@
           <p:cNvPr id="2" name="Title 1">
             <a:extLst>
               <a:ext uri="{FF2B5EF4-FFF2-40B4-BE49-F238E27FC236}">
-                <a16:creationId xmlns:a16="http://schemas.microsoft.com/office/drawing/2014/main" id="{7530A07E-1628-8048-B6BB-B2A9DCF3AAD8}"/>
+                <a16:creationId xmlns:a16="http://schemas.microsoft.com/office/drawing/2014/main" id="{832CC101-C881-41B7-B342-9F5EF46FB6FC}"/>
               </a:ext>
             </a:extLst>
           </p:cNvPr>
@@ -377,7 +386,7 @@
           <p:cNvPr id="3" name="Vertical Text Placeholder 2">
             <a:extLst>
               <a:ext uri="{FF2B5EF4-FFF2-40B4-BE49-F238E27FC236}">
-                <a16:creationId xmlns:a16="http://schemas.microsoft.com/office/drawing/2014/main" id="{35276257-6B51-6528-22B4-C90705033782}"/>
+                <a16:creationId xmlns:a16="http://schemas.microsoft.com/office/drawing/2014/main" id="{48AE25D3-053E-F1F1-BDCF-FED8BB0515A7}"/>
               </a:ext>
             </a:extLst>
           </p:cNvPr>
@@ -434,7 +443,7 @@
           <p:cNvPr id="4" name="Date Placeholder 3">
             <a:extLst>
               <a:ext uri="{FF2B5EF4-FFF2-40B4-BE49-F238E27FC236}">
-                <a16:creationId xmlns:a16="http://schemas.microsoft.com/office/drawing/2014/main" id="{DCD349DB-E13B-7C7C-9238-14FCC474396B}"/>
+                <a16:creationId xmlns:a16="http://schemas.microsoft.com/office/drawing/2014/main" id="{A1DF444C-56D1-B1B5-3D69-7E2D1121A1B4}"/>
               </a:ext>
             </a:extLst>
           </p:cNvPr>
@@ -463,7 +472,7 @@
           <p:cNvPr id="5" name="Footer Placeholder 4">
             <a:extLst>
               <a:ext uri="{FF2B5EF4-FFF2-40B4-BE49-F238E27FC236}">
-                <a16:creationId xmlns:a16="http://schemas.microsoft.com/office/drawing/2014/main" id="{0DCF3D02-86E3-3035-74E3-480AB19AFD85}"/>
+                <a16:creationId xmlns:a16="http://schemas.microsoft.com/office/drawing/2014/main" id="{8B31B39F-E515-4773-2265-92F959DE54F1}"/>
               </a:ext>
             </a:extLst>
           </p:cNvPr>
@@ -488,7 +497,7 @@
           <p:cNvPr id="6" name="Slide Number Placeholder 5">
             <a:extLst>
               <a:ext uri="{FF2B5EF4-FFF2-40B4-BE49-F238E27FC236}">
-                <a16:creationId xmlns:a16="http://schemas.microsoft.com/office/drawing/2014/main" id="{58F15AFA-7DE2-7226-294B-5C57DABA363D}"/>
+                <a16:creationId xmlns:a16="http://schemas.microsoft.com/office/drawing/2014/main" id="{53268645-6ECB-AF92-7179-72F082E8AAFF}"/>
               </a:ext>
             </a:extLst>
           </p:cNvPr>
@@ -515,7 +524,7 @@
     </p:spTree>
     <p:extLst>
       <p:ext uri="{BB962C8B-B14F-4D97-AF65-F5344CB8AC3E}">
-        <p14:creationId xmlns:p14="http://schemas.microsoft.com/office/powerpoint/2010/main" val="2956131715"/>
+        <p14:creationId xmlns:p14="http://schemas.microsoft.com/office/powerpoint/2010/main" val="4288448274"/>
       </p:ext>
     </p:extLst>
   </p:cSld>
@@ -547,7 +556,7 @@
           <p:cNvPr id="2" name="Vertical Title 1">
             <a:extLst>
               <a:ext uri="{FF2B5EF4-FFF2-40B4-BE49-F238E27FC236}">
-                <a16:creationId xmlns:a16="http://schemas.microsoft.com/office/drawing/2014/main" id="{DCC08E44-2312-1A60-2F22-DCADC76DD28D}"/>
+                <a16:creationId xmlns:a16="http://schemas.microsoft.com/office/drawing/2014/main" id="{5F7160DA-1FB8-F4B6-F890-A34F18E61209}"/>
               </a:ext>
             </a:extLst>
           </p:cNvPr>
@@ -580,7 +589,7 @@
           <p:cNvPr id="3" name="Vertical Text Placeholder 2">
             <a:extLst>
               <a:ext uri="{FF2B5EF4-FFF2-40B4-BE49-F238E27FC236}">
-                <a16:creationId xmlns:a16="http://schemas.microsoft.com/office/drawing/2014/main" id="{4C0612F0-CAE5-CD53-2405-2BD405FEDF49}"/>
+                <a16:creationId xmlns:a16="http://schemas.microsoft.com/office/drawing/2014/main" id="{E3C37925-5380-3CF7-7796-3AD74D3D8519}"/>
               </a:ext>
             </a:extLst>
           </p:cNvPr>
@@ -642,7 +651,7 @@
           <p:cNvPr id="4" name="Date Placeholder 3">
             <a:extLst>
               <a:ext uri="{FF2B5EF4-FFF2-40B4-BE49-F238E27FC236}">
-                <a16:creationId xmlns:a16="http://schemas.microsoft.com/office/drawing/2014/main" id="{57B2714D-F425-4FCE-A1DE-B4150BA22028}"/>
+                <a16:creationId xmlns:a16="http://schemas.microsoft.com/office/drawing/2014/main" id="{06C1991F-AEE1-C636-8854-2A644A11AB3F}"/>
               </a:ext>
             </a:extLst>
           </p:cNvPr>
@@ -671,7 +680,7 @@
           <p:cNvPr id="5" name="Footer Placeholder 4">
             <a:extLst>
               <a:ext uri="{FF2B5EF4-FFF2-40B4-BE49-F238E27FC236}">
-                <a16:creationId xmlns:a16="http://schemas.microsoft.com/office/drawing/2014/main" id="{BD3DE4BC-D577-8FB9-2089-877B048F2103}"/>
+                <a16:creationId xmlns:a16="http://schemas.microsoft.com/office/drawing/2014/main" id="{54A1216A-9F37-B74A-8118-D93845CA5456}"/>
               </a:ext>
             </a:extLst>
           </p:cNvPr>
@@ -696,7 +705,7 @@
           <p:cNvPr id="6" name="Slide Number Placeholder 5">
             <a:extLst>
               <a:ext uri="{FF2B5EF4-FFF2-40B4-BE49-F238E27FC236}">
-                <a16:creationId xmlns:a16="http://schemas.microsoft.com/office/drawing/2014/main" id="{E9221FCA-94F1-1C42-93BD-36864D1B6657}"/>
+                <a16:creationId xmlns:a16="http://schemas.microsoft.com/office/drawing/2014/main" id="{D165F787-892B-0D4F-D9CE-C3CDE771AD54}"/>
               </a:ext>
             </a:extLst>
           </p:cNvPr>
@@ -723,7 +732,7 @@
     </p:spTree>
     <p:extLst>
       <p:ext uri="{BB962C8B-B14F-4D97-AF65-F5344CB8AC3E}">
-        <p14:creationId xmlns:p14="http://schemas.microsoft.com/office/powerpoint/2010/main" val="2426219828"/>
+        <p14:creationId xmlns:p14="http://schemas.microsoft.com/office/powerpoint/2010/main" val="38995386"/>
       </p:ext>
     </p:extLst>
   </p:cSld>
@@ -755,7 +764,7 @@
           <p:cNvPr id="2" name="Title 1">
             <a:extLst>
               <a:ext uri="{FF2B5EF4-FFF2-40B4-BE49-F238E27FC236}">
-                <a16:creationId xmlns:a16="http://schemas.microsoft.com/office/drawing/2014/main" id="{D0E93AEE-DB30-1BD2-0BEE-E6E96BB60487}"/>
+                <a16:creationId xmlns:a16="http://schemas.microsoft.com/office/drawing/2014/main" id="{65FA91E7-C88D-D22B-0E64-06B8C22E9CF6}"/>
               </a:ext>
             </a:extLst>
           </p:cNvPr>
@@ -783,7 +792,7 @@
           <p:cNvPr id="3" name="Content Placeholder 2">
             <a:extLst>
               <a:ext uri="{FF2B5EF4-FFF2-40B4-BE49-F238E27FC236}">
-                <a16:creationId xmlns:a16="http://schemas.microsoft.com/office/drawing/2014/main" id="{6AE1EF46-B15B-AFFE-7594-3A0B49BF3361}"/>
+                <a16:creationId xmlns:a16="http://schemas.microsoft.com/office/drawing/2014/main" id="{F88C9945-0CDE-423B-2DBD-F62BA583CA01}"/>
               </a:ext>
             </a:extLst>
           </p:cNvPr>
@@ -840,7 +849,7 @@
           <p:cNvPr id="4" name="Date Placeholder 3">
             <a:extLst>
               <a:ext uri="{FF2B5EF4-FFF2-40B4-BE49-F238E27FC236}">
-                <a16:creationId xmlns:a16="http://schemas.microsoft.com/office/drawing/2014/main" id="{3DE97F4C-E263-0C6E-C2C7-DAAE445DC23B}"/>
+                <a16:creationId xmlns:a16="http://schemas.microsoft.com/office/drawing/2014/main" id="{7A923B8A-10D1-99FF-8FD9-361A207B89D8}"/>
               </a:ext>
             </a:extLst>
           </p:cNvPr>
@@ -869,7 +878,7 @@
           <p:cNvPr id="5" name="Footer Placeholder 4">
             <a:extLst>
               <a:ext uri="{FF2B5EF4-FFF2-40B4-BE49-F238E27FC236}">
-                <a16:creationId xmlns:a16="http://schemas.microsoft.com/office/drawing/2014/main" id="{3604EB5D-256D-21C5-9A67-A4B47DED93F3}"/>
+                <a16:creationId xmlns:a16="http://schemas.microsoft.com/office/drawing/2014/main" id="{28B5C38E-CAC9-CAA3-4E84-9B8739143B07}"/>
               </a:ext>
             </a:extLst>
           </p:cNvPr>
@@ -894,7 +903,7 @@
           <p:cNvPr id="6" name="Slide Number Placeholder 5">
             <a:extLst>
               <a:ext uri="{FF2B5EF4-FFF2-40B4-BE49-F238E27FC236}">
-                <a16:creationId xmlns:a16="http://schemas.microsoft.com/office/drawing/2014/main" id="{7AF5102A-756C-AA34-CBF1-A245709E68EC}"/>
+                <a16:creationId xmlns:a16="http://schemas.microsoft.com/office/drawing/2014/main" id="{50CF89C5-17DA-B823-A9E1-9C0F967D799A}"/>
               </a:ext>
             </a:extLst>
           </p:cNvPr>
@@ -921,7 +930,7 @@
     </p:spTree>
     <p:extLst>
       <p:ext uri="{BB962C8B-B14F-4D97-AF65-F5344CB8AC3E}">
-        <p14:creationId xmlns:p14="http://schemas.microsoft.com/office/powerpoint/2010/main" val="12092843"/>
+        <p14:creationId xmlns:p14="http://schemas.microsoft.com/office/powerpoint/2010/main" val="4206243037"/>
       </p:ext>
     </p:extLst>
   </p:cSld>
@@ -953,7 +962,7 @@
           <p:cNvPr id="2" name="Title 1">
             <a:extLst>
               <a:ext uri="{FF2B5EF4-FFF2-40B4-BE49-F238E27FC236}">
-                <a16:creationId xmlns:a16="http://schemas.microsoft.com/office/drawing/2014/main" id="{67D940C5-80E3-6CA8-68AC-0B9B2DF7E7C9}"/>
+                <a16:creationId xmlns:a16="http://schemas.microsoft.com/office/drawing/2014/main" id="{391461B9-C3FF-5800-DA76-F6833340ED9E}"/>
               </a:ext>
             </a:extLst>
           </p:cNvPr>
@@ -990,7 +999,7 @@
           <p:cNvPr id="3" name="Text Placeholder 2">
             <a:extLst>
               <a:ext uri="{FF2B5EF4-FFF2-40B4-BE49-F238E27FC236}">
-                <a16:creationId xmlns:a16="http://schemas.microsoft.com/office/drawing/2014/main" id="{F3622088-6A51-5660-79CE-2A55BB73AEB8}"/>
+                <a16:creationId xmlns:a16="http://schemas.microsoft.com/office/drawing/2014/main" id="{67BB5B54-9969-F8DB-580E-E17AA4E96AC6}"/>
               </a:ext>
             </a:extLst>
           </p:cNvPr>
@@ -1115,7 +1124,7 @@
           <p:cNvPr id="4" name="Date Placeholder 3">
             <a:extLst>
               <a:ext uri="{FF2B5EF4-FFF2-40B4-BE49-F238E27FC236}">
-                <a16:creationId xmlns:a16="http://schemas.microsoft.com/office/drawing/2014/main" id="{5093E63C-FF29-8376-B921-22F90114E416}"/>
+                <a16:creationId xmlns:a16="http://schemas.microsoft.com/office/drawing/2014/main" id="{8865CDC5-A757-5B1A-C145-20FC0A1E287B}"/>
               </a:ext>
             </a:extLst>
           </p:cNvPr>
@@ -1144,7 +1153,7 @@
           <p:cNvPr id="5" name="Footer Placeholder 4">
             <a:extLst>
               <a:ext uri="{FF2B5EF4-FFF2-40B4-BE49-F238E27FC236}">
-                <a16:creationId xmlns:a16="http://schemas.microsoft.com/office/drawing/2014/main" id="{8A6D46B8-8299-3F7F-3809-6B3BAC1D2055}"/>
+                <a16:creationId xmlns:a16="http://schemas.microsoft.com/office/drawing/2014/main" id="{BB376F37-207A-18DC-FF2D-C3EB40EAEBE4}"/>
               </a:ext>
             </a:extLst>
           </p:cNvPr>
@@ -1169,7 +1178,7 @@
           <p:cNvPr id="6" name="Slide Number Placeholder 5">
             <a:extLst>
               <a:ext uri="{FF2B5EF4-FFF2-40B4-BE49-F238E27FC236}">
-                <a16:creationId xmlns:a16="http://schemas.microsoft.com/office/drawing/2014/main" id="{A92883AF-A368-F63F-9783-1E07D0CCF864}"/>
+                <a16:creationId xmlns:a16="http://schemas.microsoft.com/office/drawing/2014/main" id="{DF4DF56D-BF19-A0FC-B0E3-D4434154E92A}"/>
               </a:ext>
             </a:extLst>
           </p:cNvPr>
@@ -1196,7 +1205,7 @@
     </p:spTree>
     <p:extLst>
       <p:ext uri="{BB962C8B-B14F-4D97-AF65-F5344CB8AC3E}">
-        <p14:creationId xmlns:p14="http://schemas.microsoft.com/office/powerpoint/2010/main" val="1113994507"/>
+        <p14:creationId xmlns:p14="http://schemas.microsoft.com/office/powerpoint/2010/main" val="17031554"/>
       </p:ext>
     </p:extLst>
   </p:cSld>
@@ -1228,7 +1237,7 @@
           <p:cNvPr id="2" name="Title 1">
             <a:extLst>
               <a:ext uri="{FF2B5EF4-FFF2-40B4-BE49-F238E27FC236}">
-                <a16:creationId xmlns:a16="http://schemas.microsoft.com/office/drawing/2014/main" id="{BDC462A0-F010-2A70-0004-726B7540698A}"/>
+                <a16:creationId xmlns:a16="http://schemas.microsoft.com/office/drawing/2014/main" id="{B96BD4F8-4676-1E2B-6113-55D2320C4EF5}"/>
               </a:ext>
             </a:extLst>
           </p:cNvPr>
@@ -1256,7 +1265,7 @@
           <p:cNvPr id="3" name="Content Placeholder 2">
             <a:extLst>
               <a:ext uri="{FF2B5EF4-FFF2-40B4-BE49-F238E27FC236}">
-                <a16:creationId xmlns:a16="http://schemas.microsoft.com/office/drawing/2014/main" id="{8C81520E-1C02-5F2E-901A-3B83D1473395}"/>
+                <a16:creationId xmlns:a16="http://schemas.microsoft.com/office/drawing/2014/main" id="{809ABB3C-C8E1-D9CB-59AD-EE8DADF91EB4}"/>
               </a:ext>
             </a:extLst>
           </p:cNvPr>
@@ -1318,7 +1327,7 @@
           <p:cNvPr id="4" name="Content Placeholder 3">
             <a:extLst>
               <a:ext uri="{FF2B5EF4-FFF2-40B4-BE49-F238E27FC236}">
-                <a16:creationId xmlns:a16="http://schemas.microsoft.com/office/drawing/2014/main" id="{5A3FA7FF-930F-13A2-CCFA-FD40985D3323}"/>
+                <a16:creationId xmlns:a16="http://schemas.microsoft.com/office/drawing/2014/main" id="{DD8C8A5C-2B2B-DB98-52F7-B7496C2BB396}"/>
               </a:ext>
             </a:extLst>
           </p:cNvPr>
@@ -1380,7 +1389,7 @@
           <p:cNvPr id="5" name="Date Placeholder 4">
             <a:extLst>
               <a:ext uri="{FF2B5EF4-FFF2-40B4-BE49-F238E27FC236}">
-                <a16:creationId xmlns:a16="http://schemas.microsoft.com/office/drawing/2014/main" id="{AAB6B309-C112-76CD-9AEC-641C878CBC62}"/>
+                <a16:creationId xmlns:a16="http://schemas.microsoft.com/office/drawing/2014/main" id="{2A5BB31A-235F-1BAA-6D5F-395FDFBF5E8C}"/>
               </a:ext>
             </a:extLst>
           </p:cNvPr>
@@ -1409,7 +1418,7 @@
           <p:cNvPr id="6" name="Footer Placeholder 5">
             <a:extLst>
               <a:ext uri="{FF2B5EF4-FFF2-40B4-BE49-F238E27FC236}">
-                <a16:creationId xmlns:a16="http://schemas.microsoft.com/office/drawing/2014/main" id="{5F34839D-CC29-1A74-F07F-4358F49B4C80}"/>
+                <a16:creationId xmlns:a16="http://schemas.microsoft.com/office/drawing/2014/main" id="{60FB6488-5239-214A-7E35-CFEB0DD0B4D7}"/>
               </a:ext>
             </a:extLst>
           </p:cNvPr>
@@ -1434,7 +1443,7 @@
           <p:cNvPr id="7" name="Slide Number Placeholder 6">
             <a:extLst>
               <a:ext uri="{FF2B5EF4-FFF2-40B4-BE49-F238E27FC236}">
-                <a16:creationId xmlns:a16="http://schemas.microsoft.com/office/drawing/2014/main" id="{6535CF7D-4FCB-5F6C-1BBB-667C291D8589}"/>
+                <a16:creationId xmlns:a16="http://schemas.microsoft.com/office/drawing/2014/main" id="{BDC30EEA-F1FE-5CD5-96F2-01001E465483}"/>
               </a:ext>
             </a:extLst>
           </p:cNvPr>
@@ -1461,7 +1470,7 @@
     </p:spTree>
     <p:extLst>
       <p:ext uri="{BB962C8B-B14F-4D97-AF65-F5344CB8AC3E}">
-        <p14:creationId xmlns:p14="http://schemas.microsoft.com/office/powerpoint/2010/main" val="1172200617"/>
+        <p14:creationId xmlns:p14="http://schemas.microsoft.com/office/powerpoint/2010/main" val="1199277946"/>
       </p:ext>
     </p:extLst>
   </p:cSld>
@@ -1493,7 +1502,7 @@
           <p:cNvPr id="2" name="Title 1">
             <a:extLst>
               <a:ext uri="{FF2B5EF4-FFF2-40B4-BE49-F238E27FC236}">
-                <a16:creationId xmlns:a16="http://schemas.microsoft.com/office/drawing/2014/main" id="{C1601E67-26A4-0951-5D79-7204DFBDE63F}"/>
+                <a16:creationId xmlns:a16="http://schemas.microsoft.com/office/drawing/2014/main" id="{499B70AB-9FB3-DD83-7526-E226A3D466E0}"/>
               </a:ext>
             </a:extLst>
           </p:cNvPr>
@@ -1526,7 +1535,7 @@
           <p:cNvPr id="3" name="Text Placeholder 2">
             <a:extLst>
               <a:ext uri="{FF2B5EF4-FFF2-40B4-BE49-F238E27FC236}">
-                <a16:creationId xmlns:a16="http://schemas.microsoft.com/office/drawing/2014/main" id="{F54D35D3-38FE-24C7-9695-BE154929F3DC}"/>
+                <a16:creationId xmlns:a16="http://schemas.microsoft.com/office/drawing/2014/main" id="{5FD96F54-F271-2F94-8F2C-2815AB0C471E}"/>
               </a:ext>
             </a:extLst>
           </p:cNvPr>
@@ -1597,7 +1606,7 @@
           <p:cNvPr id="4" name="Content Placeholder 3">
             <a:extLst>
               <a:ext uri="{FF2B5EF4-FFF2-40B4-BE49-F238E27FC236}">
-                <a16:creationId xmlns:a16="http://schemas.microsoft.com/office/drawing/2014/main" id="{376D0D37-48BF-C454-515F-5622798B4FA7}"/>
+                <a16:creationId xmlns:a16="http://schemas.microsoft.com/office/drawing/2014/main" id="{462993BA-8101-1FAB-9978-D8365C305C08}"/>
               </a:ext>
             </a:extLst>
           </p:cNvPr>
@@ -1659,7 +1668,7 @@
           <p:cNvPr id="5" name="Text Placeholder 4">
             <a:extLst>
               <a:ext uri="{FF2B5EF4-FFF2-40B4-BE49-F238E27FC236}">
-                <a16:creationId xmlns:a16="http://schemas.microsoft.com/office/drawing/2014/main" id="{4BFC5CCD-2323-7AD8-62B5-2043EF98FA81}"/>
+                <a16:creationId xmlns:a16="http://schemas.microsoft.com/office/drawing/2014/main" id="{56700254-D296-358B-7BC0-3E29DEC79468}"/>
               </a:ext>
             </a:extLst>
           </p:cNvPr>
@@ -1730,7 +1739,7 @@
           <p:cNvPr id="6" name="Content Placeholder 5">
             <a:extLst>
               <a:ext uri="{FF2B5EF4-FFF2-40B4-BE49-F238E27FC236}">
-                <a16:creationId xmlns:a16="http://schemas.microsoft.com/office/drawing/2014/main" id="{279FC3CE-EE22-F757-B96E-F90FE130C90F}"/>
+                <a16:creationId xmlns:a16="http://schemas.microsoft.com/office/drawing/2014/main" id="{9815D0F8-152E-753D-7277-03699BB3001D}"/>
               </a:ext>
             </a:extLst>
           </p:cNvPr>
@@ -1792,7 +1801,7 @@
           <p:cNvPr id="7" name="Date Placeholder 6">
             <a:extLst>
               <a:ext uri="{FF2B5EF4-FFF2-40B4-BE49-F238E27FC236}">
-                <a16:creationId xmlns:a16="http://schemas.microsoft.com/office/drawing/2014/main" id="{377CECFD-5987-3E0E-98B1-94CB63F115A6}"/>
+                <a16:creationId xmlns:a16="http://schemas.microsoft.com/office/drawing/2014/main" id="{FEE0B3E1-730A-D8C8-A897-D3550473C790}"/>
               </a:ext>
             </a:extLst>
           </p:cNvPr>
@@ -1821,7 +1830,7 @@
           <p:cNvPr id="8" name="Footer Placeholder 7">
             <a:extLst>
               <a:ext uri="{FF2B5EF4-FFF2-40B4-BE49-F238E27FC236}">
-                <a16:creationId xmlns:a16="http://schemas.microsoft.com/office/drawing/2014/main" id="{0479D9C1-FB86-E99E-68C8-2497F8D8E817}"/>
+                <a16:creationId xmlns:a16="http://schemas.microsoft.com/office/drawing/2014/main" id="{8636BC6B-8CEF-DA8D-B558-C53159C730C7}"/>
               </a:ext>
             </a:extLst>
           </p:cNvPr>
@@ -1846,7 +1855,7 @@
           <p:cNvPr id="9" name="Slide Number Placeholder 8">
             <a:extLst>
               <a:ext uri="{FF2B5EF4-FFF2-40B4-BE49-F238E27FC236}">
-                <a16:creationId xmlns:a16="http://schemas.microsoft.com/office/drawing/2014/main" id="{9B67EB5E-C3E3-3F05-6E81-CB19771F43C3}"/>
+                <a16:creationId xmlns:a16="http://schemas.microsoft.com/office/drawing/2014/main" id="{2C4D48BC-96BF-FF6A-58DA-B4D98227E172}"/>
               </a:ext>
             </a:extLst>
           </p:cNvPr>
@@ -1873,7 +1882,7 @@
     </p:spTree>
     <p:extLst>
       <p:ext uri="{BB962C8B-B14F-4D97-AF65-F5344CB8AC3E}">
-        <p14:creationId xmlns:p14="http://schemas.microsoft.com/office/powerpoint/2010/main" val="821690634"/>
+        <p14:creationId xmlns:p14="http://schemas.microsoft.com/office/powerpoint/2010/main" val="3603205106"/>
       </p:ext>
     </p:extLst>
   </p:cSld>
@@ -1905,7 +1914,7 @@
           <p:cNvPr id="2" name="Title 1">
             <a:extLst>
               <a:ext uri="{FF2B5EF4-FFF2-40B4-BE49-F238E27FC236}">
-                <a16:creationId xmlns:a16="http://schemas.microsoft.com/office/drawing/2014/main" id="{CA787827-D938-9DB0-CE24-086A3183DF73}"/>
+                <a16:creationId xmlns:a16="http://schemas.microsoft.com/office/drawing/2014/main" id="{5F55A4AD-0B8A-4CE0-B35F-822D966EF175}"/>
               </a:ext>
             </a:extLst>
           </p:cNvPr>
@@ -1933,7 +1942,7 @@
           <p:cNvPr id="3" name="Date Placeholder 2">
             <a:extLst>
               <a:ext uri="{FF2B5EF4-FFF2-40B4-BE49-F238E27FC236}">
-                <a16:creationId xmlns:a16="http://schemas.microsoft.com/office/drawing/2014/main" id="{46300DD2-5C42-647F-C0A5-1015C4D1D42C}"/>
+                <a16:creationId xmlns:a16="http://schemas.microsoft.com/office/drawing/2014/main" id="{41AC1BFC-6BD6-C6F9-5684-082B544B9E44}"/>
               </a:ext>
             </a:extLst>
           </p:cNvPr>
@@ -1962,7 +1971,7 @@
           <p:cNvPr id="4" name="Footer Placeholder 3">
             <a:extLst>
               <a:ext uri="{FF2B5EF4-FFF2-40B4-BE49-F238E27FC236}">
-                <a16:creationId xmlns:a16="http://schemas.microsoft.com/office/drawing/2014/main" id="{97261D9B-901D-757D-EFD6-16A8A8E73D8E}"/>
+                <a16:creationId xmlns:a16="http://schemas.microsoft.com/office/drawing/2014/main" id="{1626F161-D328-59F5-6F27-D228B080C8C8}"/>
               </a:ext>
             </a:extLst>
           </p:cNvPr>
@@ -1987,7 +1996,7 @@
           <p:cNvPr id="5" name="Slide Number Placeholder 4">
             <a:extLst>
               <a:ext uri="{FF2B5EF4-FFF2-40B4-BE49-F238E27FC236}">
-                <a16:creationId xmlns:a16="http://schemas.microsoft.com/office/drawing/2014/main" id="{E9CA54BF-256F-1F37-AE68-8113CDC73F4F}"/>
+                <a16:creationId xmlns:a16="http://schemas.microsoft.com/office/drawing/2014/main" id="{112F243C-9ACE-A2A8-508E-CD5532A2D5F8}"/>
               </a:ext>
             </a:extLst>
           </p:cNvPr>
@@ -2014,7 +2023,7 @@
     </p:spTree>
     <p:extLst>
       <p:ext uri="{BB962C8B-B14F-4D97-AF65-F5344CB8AC3E}">
-        <p14:creationId xmlns:p14="http://schemas.microsoft.com/office/powerpoint/2010/main" val="2527137374"/>
+        <p14:creationId xmlns:p14="http://schemas.microsoft.com/office/powerpoint/2010/main" val="1964154955"/>
       </p:ext>
     </p:extLst>
   </p:cSld>
@@ -2046,7 +2055,7 @@
           <p:cNvPr id="2" name="Date Placeholder 1">
             <a:extLst>
               <a:ext uri="{FF2B5EF4-FFF2-40B4-BE49-F238E27FC236}">
-                <a16:creationId xmlns:a16="http://schemas.microsoft.com/office/drawing/2014/main" id="{11CE6FA2-D383-D063-F885-F944786698ED}"/>
+                <a16:creationId xmlns:a16="http://schemas.microsoft.com/office/drawing/2014/main" id="{7D318E58-D3AF-4270-E0B2-5CF8E2F89BEA}"/>
               </a:ext>
             </a:extLst>
           </p:cNvPr>
@@ -2075,7 +2084,7 @@
           <p:cNvPr id="3" name="Footer Placeholder 2">
             <a:extLst>
               <a:ext uri="{FF2B5EF4-FFF2-40B4-BE49-F238E27FC236}">
-                <a16:creationId xmlns:a16="http://schemas.microsoft.com/office/drawing/2014/main" id="{38A18FA0-D698-F276-1E44-F585D1DD2644}"/>
+                <a16:creationId xmlns:a16="http://schemas.microsoft.com/office/drawing/2014/main" id="{3B620C67-52F6-7336-91A6-A3195EE94E94}"/>
               </a:ext>
             </a:extLst>
           </p:cNvPr>
@@ -2100,7 +2109,7 @@
           <p:cNvPr id="4" name="Slide Number Placeholder 3">
             <a:extLst>
               <a:ext uri="{FF2B5EF4-FFF2-40B4-BE49-F238E27FC236}">
-                <a16:creationId xmlns:a16="http://schemas.microsoft.com/office/drawing/2014/main" id="{740B0D35-B026-9F8D-A305-FAF878B1F541}"/>
+                <a16:creationId xmlns:a16="http://schemas.microsoft.com/office/drawing/2014/main" id="{DBC8F840-2DAB-C320-71A5-8DAE7783A650}"/>
               </a:ext>
             </a:extLst>
           </p:cNvPr>
@@ -2127,7 +2136,7 @@
     </p:spTree>
     <p:extLst>
       <p:ext uri="{BB962C8B-B14F-4D97-AF65-F5344CB8AC3E}">
-        <p14:creationId xmlns:p14="http://schemas.microsoft.com/office/powerpoint/2010/main" val="1270891914"/>
+        <p14:creationId xmlns:p14="http://schemas.microsoft.com/office/powerpoint/2010/main" val="2417288030"/>
       </p:ext>
     </p:extLst>
   </p:cSld>
@@ -2159,7 +2168,7 @@
           <p:cNvPr id="2" name="Title 1">
             <a:extLst>
               <a:ext uri="{FF2B5EF4-FFF2-40B4-BE49-F238E27FC236}">
-                <a16:creationId xmlns:a16="http://schemas.microsoft.com/office/drawing/2014/main" id="{781F1F83-1CDB-1A01-209D-6FAF299E57C7}"/>
+                <a16:creationId xmlns:a16="http://schemas.microsoft.com/office/drawing/2014/main" id="{79F8EC6E-ECC8-C9DC-5C27-8AFBCAFA5617}"/>
               </a:ext>
             </a:extLst>
           </p:cNvPr>
@@ -2196,7 +2205,7 @@
           <p:cNvPr id="3" name="Content Placeholder 2">
             <a:extLst>
               <a:ext uri="{FF2B5EF4-FFF2-40B4-BE49-F238E27FC236}">
-                <a16:creationId xmlns:a16="http://schemas.microsoft.com/office/drawing/2014/main" id="{08C85D67-0F2D-56B9-37ED-BAFE3F99106D}"/>
+                <a16:creationId xmlns:a16="http://schemas.microsoft.com/office/drawing/2014/main" id="{6FCEFE41-B3B7-9666-60FA-AAAFCD2724FA}"/>
               </a:ext>
             </a:extLst>
           </p:cNvPr>
@@ -2286,7 +2295,7 @@
           <p:cNvPr id="4" name="Text Placeholder 3">
             <a:extLst>
               <a:ext uri="{FF2B5EF4-FFF2-40B4-BE49-F238E27FC236}">
-                <a16:creationId xmlns:a16="http://schemas.microsoft.com/office/drawing/2014/main" id="{DF89EC79-ACAF-4DCC-C3E0-5461417BA2F6}"/>
+                <a16:creationId xmlns:a16="http://schemas.microsoft.com/office/drawing/2014/main" id="{05801CD5-819C-F1A3-E5E0-2AA1B8796FFA}"/>
               </a:ext>
             </a:extLst>
           </p:cNvPr>
@@ -2357,7 +2366,7 @@
           <p:cNvPr id="5" name="Date Placeholder 4">
             <a:extLst>
               <a:ext uri="{FF2B5EF4-FFF2-40B4-BE49-F238E27FC236}">
-                <a16:creationId xmlns:a16="http://schemas.microsoft.com/office/drawing/2014/main" id="{D4B73671-4AD5-AFC9-09A9-45C9EF20D2DE}"/>
+                <a16:creationId xmlns:a16="http://schemas.microsoft.com/office/drawing/2014/main" id="{DA49AA5A-F513-1A8F-83B2-3B412A3F32BF}"/>
               </a:ext>
             </a:extLst>
           </p:cNvPr>
@@ -2386,7 +2395,7 @@
           <p:cNvPr id="6" name="Footer Placeholder 5">
             <a:extLst>
               <a:ext uri="{FF2B5EF4-FFF2-40B4-BE49-F238E27FC236}">
-                <a16:creationId xmlns:a16="http://schemas.microsoft.com/office/drawing/2014/main" id="{2783E04A-CAD6-25BD-EFC2-7B42913592BA}"/>
+                <a16:creationId xmlns:a16="http://schemas.microsoft.com/office/drawing/2014/main" id="{DB894E10-AF2F-8EBE-42D6-B75B2FF56991}"/>
               </a:ext>
             </a:extLst>
           </p:cNvPr>
@@ -2411,7 +2420,7 @@
           <p:cNvPr id="7" name="Slide Number Placeholder 6">
             <a:extLst>
               <a:ext uri="{FF2B5EF4-FFF2-40B4-BE49-F238E27FC236}">
-                <a16:creationId xmlns:a16="http://schemas.microsoft.com/office/drawing/2014/main" id="{48E2C852-D895-F759-1E7D-F94D4902C95C}"/>
+                <a16:creationId xmlns:a16="http://schemas.microsoft.com/office/drawing/2014/main" id="{5EFC9EE3-4865-52AC-FF6F-904CDF50B67D}"/>
               </a:ext>
             </a:extLst>
           </p:cNvPr>
@@ -2438,7 +2447,7 @@
     </p:spTree>
     <p:extLst>
       <p:ext uri="{BB962C8B-B14F-4D97-AF65-F5344CB8AC3E}">
-        <p14:creationId xmlns:p14="http://schemas.microsoft.com/office/powerpoint/2010/main" val="3116279341"/>
+        <p14:creationId xmlns:p14="http://schemas.microsoft.com/office/powerpoint/2010/main" val="3538868200"/>
       </p:ext>
     </p:extLst>
   </p:cSld>
@@ -2470,7 +2479,7 @@
           <p:cNvPr id="2" name="Title 1">
             <a:extLst>
               <a:ext uri="{FF2B5EF4-FFF2-40B4-BE49-F238E27FC236}">
-                <a16:creationId xmlns:a16="http://schemas.microsoft.com/office/drawing/2014/main" id="{F698DFFF-D439-605C-F584-B92A0A0DB62C}"/>
+                <a16:creationId xmlns:a16="http://schemas.microsoft.com/office/drawing/2014/main" id="{53B3E606-01F6-ECD1-1319-35ABAFF5A899}"/>
               </a:ext>
             </a:extLst>
           </p:cNvPr>
@@ -2507,7 +2516,7 @@
           <p:cNvPr id="3" name="Picture Placeholder 2">
             <a:extLst>
               <a:ext uri="{FF2B5EF4-FFF2-40B4-BE49-F238E27FC236}">
-                <a16:creationId xmlns:a16="http://schemas.microsoft.com/office/drawing/2014/main" id="{A4FAA07E-83F8-A04A-29D2-D259206B62B8}"/>
+                <a16:creationId xmlns:a16="http://schemas.microsoft.com/office/drawing/2014/main" id="{055413D1-41BD-57DA-74F0-EA8019B15E80}"/>
               </a:ext>
             </a:extLst>
           </p:cNvPr>
@@ -2574,7 +2583,7 @@
           <p:cNvPr id="4" name="Text Placeholder 3">
             <a:extLst>
               <a:ext uri="{FF2B5EF4-FFF2-40B4-BE49-F238E27FC236}">
-                <a16:creationId xmlns:a16="http://schemas.microsoft.com/office/drawing/2014/main" id="{0FE582F8-14E4-554A-F6C4-3F132553386B}"/>
+                <a16:creationId xmlns:a16="http://schemas.microsoft.com/office/drawing/2014/main" id="{D035A0F4-4D3B-DEC0-7F17-272DF82A3E80}"/>
               </a:ext>
             </a:extLst>
           </p:cNvPr>
@@ -2645,7 +2654,7 @@
           <p:cNvPr id="5" name="Date Placeholder 4">
             <a:extLst>
               <a:ext uri="{FF2B5EF4-FFF2-40B4-BE49-F238E27FC236}">
-                <a16:creationId xmlns:a16="http://schemas.microsoft.com/office/drawing/2014/main" id="{5C7CF6CF-1BB4-D37D-ABDE-984C929B0920}"/>
+                <a16:creationId xmlns:a16="http://schemas.microsoft.com/office/drawing/2014/main" id="{4B2E13A6-3D3E-9088-1DA6-F75252C8A024}"/>
               </a:ext>
             </a:extLst>
           </p:cNvPr>
@@ -2674,7 +2683,7 @@
           <p:cNvPr id="6" name="Footer Placeholder 5">
             <a:extLst>
               <a:ext uri="{FF2B5EF4-FFF2-40B4-BE49-F238E27FC236}">
-                <a16:creationId xmlns:a16="http://schemas.microsoft.com/office/drawing/2014/main" id="{05C9A0A1-F5F3-7F67-5761-C64DDFA76031}"/>
+                <a16:creationId xmlns:a16="http://schemas.microsoft.com/office/drawing/2014/main" id="{2E077585-14D7-7C71-93F6-7CCD65FB98B5}"/>
               </a:ext>
             </a:extLst>
           </p:cNvPr>
@@ -2699,7 +2708,7 @@
           <p:cNvPr id="7" name="Slide Number Placeholder 6">
             <a:extLst>
               <a:ext uri="{FF2B5EF4-FFF2-40B4-BE49-F238E27FC236}">
-                <a16:creationId xmlns:a16="http://schemas.microsoft.com/office/drawing/2014/main" id="{DA58F2A0-0BBE-0254-ADF5-12143D28F02C}"/>
+                <a16:creationId xmlns:a16="http://schemas.microsoft.com/office/drawing/2014/main" id="{0243CE41-AB21-8618-9522-C13369E00259}"/>
               </a:ext>
             </a:extLst>
           </p:cNvPr>
@@ -2726,7 +2735,7 @@
     </p:spTree>
     <p:extLst>
       <p:ext uri="{BB962C8B-B14F-4D97-AF65-F5344CB8AC3E}">
-        <p14:creationId xmlns:p14="http://schemas.microsoft.com/office/powerpoint/2010/main" val="4147322491"/>
+        <p14:creationId xmlns:p14="http://schemas.microsoft.com/office/powerpoint/2010/main" val="1068128088"/>
       </p:ext>
     </p:extLst>
   </p:cSld>
@@ -2740,7 +2749,7 @@
 <p:sldMaster xmlns:a="http://schemas.openxmlformats.org/drawingml/2006/main" xmlns:r="http://schemas.openxmlformats.org/officeDocument/2006/relationships" xmlns:p="http://schemas.openxmlformats.org/presentationml/2006/main">
   <p:cSld>
     <p:bg>
-      <p:bgRef idx="1001">
+      <p:bgRef idx="1003">
         <a:schemeClr val="bg1"/>
       </p:bgRef>
     </p:bg>
@@ -2763,7 +2772,7 @@
           <p:cNvPr id="2" name="Title Placeholder 1">
             <a:extLst>
               <a:ext uri="{FF2B5EF4-FFF2-40B4-BE49-F238E27FC236}">
-                <a16:creationId xmlns:a16="http://schemas.microsoft.com/office/drawing/2014/main" id="{520E8C31-A9FA-A580-CA1C-9F085EFBD1C1}"/>
+                <a16:creationId xmlns:a16="http://schemas.microsoft.com/office/drawing/2014/main" id="{27D76891-E8AB-F215-A462-22E1B934235F}"/>
               </a:ext>
             </a:extLst>
           </p:cNvPr>
@@ -2801,7 +2810,7 @@
           <p:cNvPr id="3" name="Text Placeholder 2">
             <a:extLst>
               <a:ext uri="{FF2B5EF4-FFF2-40B4-BE49-F238E27FC236}">
-                <a16:creationId xmlns:a16="http://schemas.microsoft.com/office/drawing/2014/main" id="{95FE240E-2808-4FEA-BA3B-8F72672E92D1}"/>
+                <a16:creationId xmlns:a16="http://schemas.microsoft.com/office/drawing/2014/main" id="{B47D980F-F54D-CB37-0F82-287A4B009559}"/>
               </a:ext>
             </a:extLst>
           </p:cNvPr>
@@ -2868,7 +2877,7 @@
           <p:cNvPr id="4" name="Date Placeholder 3">
             <a:extLst>
               <a:ext uri="{FF2B5EF4-FFF2-40B4-BE49-F238E27FC236}">
-                <a16:creationId xmlns:a16="http://schemas.microsoft.com/office/drawing/2014/main" id="{1BE1A12F-9BDA-64FB-F4A6-2AE9531DD946}"/>
+                <a16:creationId xmlns:a16="http://schemas.microsoft.com/office/drawing/2014/main" id="{088A6136-03B7-A080-3E5F-E91B15DCB1F2}"/>
               </a:ext>
             </a:extLst>
           </p:cNvPr>
@@ -2915,7 +2924,7 @@
           <p:cNvPr id="5" name="Footer Placeholder 4">
             <a:extLst>
               <a:ext uri="{FF2B5EF4-FFF2-40B4-BE49-F238E27FC236}">
-                <a16:creationId xmlns:a16="http://schemas.microsoft.com/office/drawing/2014/main" id="{2E970335-D235-8631-27F4-BC6B9C397680}"/>
+                <a16:creationId xmlns:a16="http://schemas.microsoft.com/office/drawing/2014/main" id="{70F48B49-62E5-CAD4-EDD2-8BF4C9EBFC59}"/>
               </a:ext>
             </a:extLst>
           </p:cNvPr>
@@ -2958,7 +2967,7 @@
           <p:cNvPr id="6" name="Slide Number Placeholder 5">
             <a:extLst>
               <a:ext uri="{FF2B5EF4-FFF2-40B4-BE49-F238E27FC236}">
-                <a16:creationId xmlns:a16="http://schemas.microsoft.com/office/drawing/2014/main" id="{0935568B-2262-F738-794C-01C180325610}"/>
+                <a16:creationId xmlns:a16="http://schemas.microsoft.com/office/drawing/2014/main" id="{2AAD47C1-F666-FECB-EE78-102E053C0A45}"/>
               </a:ext>
             </a:extLst>
           </p:cNvPr>
@@ -3003,23 +3012,23 @@
     </p:spTree>
     <p:extLst>
       <p:ext uri="{BB962C8B-B14F-4D97-AF65-F5344CB8AC3E}">
-        <p14:creationId xmlns:p14="http://schemas.microsoft.com/office/powerpoint/2010/main" val="1316586268"/>
+        <p14:creationId xmlns:p14="http://schemas.microsoft.com/office/powerpoint/2010/main" val="3949243861"/>
       </p:ext>
     </p:extLst>
   </p:cSld>
   <p:clrMap bg1="lt1" tx1="dk1" bg2="lt2" tx2="dk2" accent1="accent1" accent2="accent2" accent3="accent3" accent4="accent4" accent5="accent5" accent6="accent6" hlink="hlink" folHlink="folHlink"/>
   <p:sldLayoutIdLst>
-    <p:sldLayoutId id="2147483649" r:id="rId1"/>
-    <p:sldLayoutId id="2147483650" r:id="rId2"/>
-    <p:sldLayoutId id="2147483651" r:id="rId3"/>
-    <p:sldLayoutId id="2147483652" r:id="rId4"/>
-    <p:sldLayoutId id="2147483653" r:id="rId5"/>
-    <p:sldLayoutId id="2147483654" r:id="rId6"/>
-    <p:sldLayoutId id="2147483655" r:id="rId7"/>
-    <p:sldLayoutId id="2147483656" r:id="rId8"/>
-    <p:sldLayoutId id="2147483657" r:id="rId9"/>
-    <p:sldLayoutId id="2147483658" r:id="rId10"/>
-    <p:sldLayoutId id="2147483659" r:id="rId11"/>
+    <p:sldLayoutId id="2147483707" r:id="rId1"/>
+    <p:sldLayoutId id="2147483708" r:id="rId2"/>
+    <p:sldLayoutId id="2147483709" r:id="rId3"/>
+    <p:sldLayoutId id="2147483710" r:id="rId4"/>
+    <p:sldLayoutId id="2147483711" r:id="rId5"/>
+    <p:sldLayoutId id="2147483712" r:id="rId6"/>
+    <p:sldLayoutId id="2147483713" r:id="rId7"/>
+    <p:sldLayoutId id="2147483714" r:id="rId8"/>
+    <p:sldLayoutId id="2147483715" r:id="rId9"/>
+    <p:sldLayoutId id="2147483716" r:id="rId10"/>
+    <p:sldLayoutId id="2147483717" r:id="rId11"/>
   </p:sldLayoutIdLst>
   <p:txStyles>
     <p:titleStyle>
@@ -3321,10 +3330,1056 @@
           <a:chExt cx="0" cy="0"/>
         </a:xfrm>
       </p:grpSpPr>
+      <p:grpSp>
+        <p:nvGrpSpPr>
+          <p:cNvPr id="3" name="Group 2">
+            <a:extLst>
+              <a:ext uri="{FF2B5EF4-FFF2-40B4-BE49-F238E27FC236}">
+                <a16:creationId xmlns:a16="http://schemas.microsoft.com/office/drawing/2014/main" id="{46A5520D-DA3D-BD71-B734-95EBDC824B1E}"/>
+              </a:ext>
+            </a:extLst>
+          </p:cNvPr>
+          <p:cNvGrpSpPr/>
+          <p:nvPr/>
+        </p:nvGrpSpPr>
+        <p:grpSpPr>
+          <a:xfrm>
+            <a:off x="633730" y="171212"/>
+            <a:ext cx="10924540" cy="1828800"/>
+            <a:chOff x="633730" y="171212"/>
+            <a:chExt cx="10924540" cy="1828800"/>
+          </a:xfrm>
+        </p:grpSpPr>
+        <p:sp>
+          <p:nvSpPr>
+            <p:cNvPr id="2" name="TextBox 1">
+              <a:extLst>
+                <a:ext uri="{FF2B5EF4-FFF2-40B4-BE49-F238E27FC236}">
+                  <a16:creationId xmlns:a16="http://schemas.microsoft.com/office/drawing/2014/main" id="{A78F993E-2294-966A-ABDD-16A50160B126}"/>
+                </a:ext>
+              </a:extLst>
+            </p:cNvPr>
+            <p:cNvSpPr txBox="1"/>
+            <p:nvPr/>
+          </p:nvSpPr>
+          <p:spPr>
+            <a:xfrm>
+              <a:off x="2820670" y="547003"/>
+              <a:ext cx="8737600" cy="1077218"/>
+            </a:xfrm>
+            <a:prstGeom prst="rect">
+              <a:avLst/>
+            </a:prstGeom>
+            <a:noFill/>
+          </p:spPr>
+          <p:txBody>
+            <a:bodyPr wrap="square" rtlCol="0">
+              <a:spAutoFit/>
+            </a:bodyPr>
+            <a:lstStyle/>
+            <a:p>
+              <a:r>
+                <a:rPr lang="en-US" sz="3200" b="1" dirty="0">
+                  <a:latin typeface="Times New Roman" panose="02020603050405020304" pitchFamily="18" charset="0"/>
+                  <a:cs typeface="Times New Roman" panose="02020603050405020304" pitchFamily="18" charset="0"/>
+                </a:rPr>
+                <a:t>RAJAMAHENDRI INSTITUTE OF ENGINEERING AND TECCHNOLOGY</a:t>
+              </a:r>
+            </a:p>
+          </p:txBody>
+        </p:sp>
+        <p:pic>
+          <p:nvPicPr>
+            <p:cNvPr id="1028" name="Picture 4" descr="Rajamahendri Institute of Engineering &amp; Technology RIET">
+              <a:extLst>
+                <a:ext uri="{FF2B5EF4-FFF2-40B4-BE49-F238E27FC236}">
+                  <a16:creationId xmlns:a16="http://schemas.microsoft.com/office/drawing/2014/main" id="{1EB5FA0C-8CB0-D8E9-FEE8-A5B275B78D4C}"/>
+                </a:ext>
+              </a:extLst>
+            </p:cNvPr>
+            <p:cNvPicPr>
+              <a:picLocks noChangeAspect="1" noChangeArrowheads="1"/>
+            </p:cNvPicPr>
+            <p:nvPr/>
+          </p:nvPicPr>
+          <p:blipFill>
+            <a:blip r:embed="rId2">
+              <a:extLst>
+                <a:ext uri="{28A0092B-C50C-407E-A947-70E740481C1C}">
+                  <a14:useLocalDpi xmlns:a14="http://schemas.microsoft.com/office/drawing/2010/main" val="0"/>
+                </a:ext>
+              </a:extLst>
+            </a:blip>
+            <a:srcRect/>
+            <a:stretch>
+              <a:fillRect/>
+            </a:stretch>
+          </p:blipFill>
+          <p:spPr bwMode="auto">
+            <a:xfrm>
+              <a:off x="633730" y="171212"/>
+              <a:ext cx="1943100" cy="1828800"/>
+            </a:xfrm>
+            <a:prstGeom prst="rect">
+              <a:avLst/>
+            </a:prstGeom>
+            <a:noFill/>
+            <a:extLst>
+              <a:ext uri="{909E8E84-426E-40DD-AFC4-6F175D3DCCD1}">
+                <a14:hiddenFill xmlns:a14="http://schemas.microsoft.com/office/drawing/2010/main">
+                  <a:solidFill>
+                    <a:srgbClr val="FFFFFF"/>
+                  </a:solidFill>
+                </a14:hiddenFill>
+              </a:ext>
+            </a:extLst>
+          </p:spPr>
+        </p:pic>
+      </p:grpSp>
+      <p:sp>
+        <p:nvSpPr>
+          <p:cNvPr id="4" name="TextBox 3">
+            <a:extLst>
+              <a:ext uri="{FF2B5EF4-FFF2-40B4-BE49-F238E27FC236}">
+                <a16:creationId xmlns:a16="http://schemas.microsoft.com/office/drawing/2014/main" id="{93E7C734-362F-B208-D45E-EC517E0F3D18}"/>
+              </a:ext>
+            </a:extLst>
+          </p:cNvPr>
+          <p:cNvSpPr txBox="1"/>
+          <p:nvPr/>
+        </p:nvSpPr>
+        <p:spPr>
+          <a:xfrm>
+            <a:off x="1894840" y="2049304"/>
+            <a:ext cx="8402320" cy="461665"/>
+          </a:xfrm>
+          <a:prstGeom prst="rect">
+            <a:avLst/>
+          </a:prstGeom>
+          <a:noFill/>
+        </p:spPr>
+        <p:txBody>
+          <a:bodyPr wrap="square" rtlCol="0">
+            <a:spAutoFit/>
+          </a:bodyPr>
+          <a:lstStyle/>
+          <a:p>
+            <a:pPr algn="ctr"/>
+            <a:r>
+              <a:rPr lang="en-US" sz="2400" dirty="0">
+                <a:latin typeface="Arial" panose="020B0604020202020204" pitchFamily="34" charset="0"/>
+                <a:cs typeface="Arial" panose="020B0604020202020204" pitchFamily="34" charset="0"/>
+              </a:rPr>
+              <a:t>ELECTRONICS AND COMMUNICATION ENGINEERING </a:t>
+            </a:r>
+          </a:p>
+        </p:txBody>
+      </p:sp>
+      <p:sp>
+        <p:nvSpPr>
+          <p:cNvPr id="5" name="TextBox 4">
+            <a:extLst>
+              <a:ext uri="{FF2B5EF4-FFF2-40B4-BE49-F238E27FC236}">
+                <a16:creationId xmlns:a16="http://schemas.microsoft.com/office/drawing/2014/main" id="{E20B0A40-D484-44AC-19B4-B5DA138AAB7E}"/>
+              </a:ext>
+            </a:extLst>
+          </p:cNvPr>
+          <p:cNvSpPr txBox="1"/>
+          <p:nvPr/>
+        </p:nvSpPr>
+        <p:spPr>
+          <a:xfrm>
+            <a:off x="633730" y="4116307"/>
+            <a:ext cx="3348990" cy="1200329"/>
+          </a:xfrm>
+          <a:prstGeom prst="rect">
+            <a:avLst/>
+          </a:prstGeom>
+          <a:noFill/>
+        </p:spPr>
+        <p:txBody>
+          <a:bodyPr wrap="square" rtlCol="0">
+            <a:spAutoFit/>
+          </a:bodyPr>
+          <a:lstStyle/>
+          <a:p>
+            <a:r>
+              <a:rPr lang="en-US" sz="2400" b="1" dirty="0">
+                <a:cs typeface="Times New Roman" panose="02020603050405020304" pitchFamily="18" charset="0"/>
+              </a:rPr>
+              <a:t>Under the Guidance of</a:t>
+            </a:r>
+          </a:p>
+          <a:p>
+            <a:r>
+              <a:rPr lang="en-US" sz="2400" dirty="0">
+                <a:cs typeface="Times New Roman" panose="02020603050405020304" pitchFamily="18" charset="0"/>
+              </a:rPr>
+              <a:t>Dr. CH. SURYABABU,</a:t>
+            </a:r>
+          </a:p>
+          <a:p>
+            <a:r>
+              <a:rPr lang="en-US" sz="2400" dirty="0">
+                <a:cs typeface="Times New Roman" panose="02020603050405020304" pitchFamily="18" charset="0"/>
+              </a:rPr>
+              <a:t>M.Tech, Ph.D.</a:t>
+            </a:r>
+          </a:p>
+        </p:txBody>
+      </p:sp>
+      <p:sp>
+        <p:nvSpPr>
+          <p:cNvPr id="6" name="TextBox 5">
+            <a:extLst>
+              <a:ext uri="{FF2B5EF4-FFF2-40B4-BE49-F238E27FC236}">
+                <a16:creationId xmlns:a16="http://schemas.microsoft.com/office/drawing/2014/main" id="{5D03C4C9-EDC5-24D3-4AF9-620A472F2588}"/>
+              </a:ext>
+            </a:extLst>
+          </p:cNvPr>
+          <p:cNvSpPr txBox="1"/>
+          <p:nvPr/>
+        </p:nvSpPr>
+        <p:spPr>
+          <a:xfrm>
+            <a:off x="6096000" y="4116307"/>
+            <a:ext cx="6096000" cy="1938992"/>
+          </a:xfrm>
+          <a:prstGeom prst="rect">
+            <a:avLst/>
+          </a:prstGeom>
+          <a:noFill/>
+        </p:spPr>
+        <p:txBody>
+          <a:bodyPr wrap="square" rtlCol="0">
+            <a:spAutoFit/>
+          </a:bodyPr>
+          <a:lstStyle/>
+          <a:p>
+            <a:r>
+              <a:rPr lang="en-US" sz="2400" b="1" dirty="0">
+                <a:cs typeface="Times New Roman" panose="02020603050405020304" pitchFamily="18" charset="0"/>
+              </a:rPr>
+              <a:t>PRESENTED BY:</a:t>
+            </a:r>
+            <a:br>
+              <a:rPr lang="en-US" sz="2400" dirty="0">
+                <a:cs typeface="Times New Roman" panose="02020603050405020304" pitchFamily="18" charset="0"/>
+              </a:rPr>
+            </a:br>
+            <a:r>
+              <a:rPr lang="en-US" sz="2400" dirty="0">
+                <a:cs typeface="Times New Roman" panose="02020603050405020304" pitchFamily="18" charset="0"/>
+              </a:rPr>
+              <a:t>J. DHEERAJ			21MD1A0429</a:t>
+            </a:r>
+          </a:p>
+          <a:p>
+            <a:r>
+              <a:rPr lang="en-US" sz="2400" dirty="0">
+                <a:cs typeface="Times New Roman" panose="02020603050405020304" pitchFamily="18" charset="0"/>
+              </a:rPr>
+              <a:t>G. BHARATH CHANDU		21MD1A0422</a:t>
+            </a:r>
+          </a:p>
+          <a:p>
+            <a:r>
+              <a:rPr lang="en-US" sz="2400" dirty="0">
+                <a:cs typeface="Times New Roman" panose="02020603050405020304" pitchFamily="18" charset="0"/>
+              </a:rPr>
+              <a:t>N. SATISH CHANDRA 		22MD5A0407</a:t>
+            </a:r>
+          </a:p>
+          <a:p>
+            <a:r>
+              <a:rPr lang="en-US" sz="2400" dirty="0">
+                <a:cs typeface="Times New Roman" panose="02020603050405020304" pitchFamily="18" charset="0"/>
+              </a:rPr>
+              <a:t>M. JAGADIESHESWAR 		21MD1A0440</a:t>
+            </a:r>
+          </a:p>
+        </p:txBody>
+      </p:sp>
     </p:spTree>
     <p:extLst>
       <p:ext uri="{BB962C8B-B14F-4D97-AF65-F5344CB8AC3E}">
         <p14:creationId xmlns:p14="http://schemas.microsoft.com/office/powerpoint/2010/main" val="406996146"/>
+      </p:ext>
+    </p:extLst>
+  </p:cSld>
+  <p:clrMapOvr>
+    <a:masterClrMapping/>
+  </p:clrMapOvr>
+</p:sld>
+</file>
+
+<file path=ppt/slides/slide2.xml><?xml version="1.0" encoding="utf-8"?>
+<p:sld xmlns:a="http://schemas.openxmlformats.org/drawingml/2006/main" xmlns:r="http://schemas.openxmlformats.org/officeDocument/2006/relationships" xmlns:p="http://schemas.openxmlformats.org/presentationml/2006/main">
+  <p:cSld>
+    <p:spTree>
+      <p:nvGrpSpPr>
+        <p:cNvPr id="1" name=""/>
+        <p:cNvGrpSpPr/>
+        <p:nvPr/>
+      </p:nvGrpSpPr>
+      <p:grpSpPr>
+        <a:xfrm>
+          <a:off x="0" y="0"/>
+          <a:ext cx="0" cy="0"/>
+          <a:chOff x="0" y="0"/>
+          <a:chExt cx="0" cy="0"/>
+        </a:xfrm>
+      </p:grpSpPr>
+      <p:sp>
+        <p:nvSpPr>
+          <p:cNvPr id="4" name="TextBox 3">
+            <a:extLst>
+              <a:ext uri="{FF2B5EF4-FFF2-40B4-BE49-F238E27FC236}">
+                <a16:creationId xmlns:a16="http://schemas.microsoft.com/office/drawing/2014/main" id="{17C97D89-3979-D9EC-2F9E-F1BA5D0A9EF4}"/>
+              </a:ext>
+            </a:extLst>
+          </p:cNvPr>
+          <p:cNvSpPr txBox="1"/>
+          <p:nvPr/>
+        </p:nvSpPr>
+        <p:spPr>
+          <a:xfrm>
+            <a:off x="721360" y="695960"/>
+            <a:ext cx="1351280" cy="646331"/>
+          </a:xfrm>
+          <a:prstGeom prst="rect">
+            <a:avLst/>
+          </a:prstGeom>
+          <a:noFill/>
+        </p:spPr>
+        <p:txBody>
+          <a:bodyPr wrap="square" rtlCol="0">
+            <a:spAutoFit/>
+          </a:bodyPr>
+          <a:lstStyle/>
+          <a:p>
+            <a:r>
+              <a:rPr lang="en-US" sz="3600" b="1" dirty="0"/>
+              <a:t>TITLE</a:t>
+            </a:r>
+          </a:p>
+        </p:txBody>
+      </p:sp>
+      <p:cxnSp>
+        <p:nvCxnSpPr>
+          <p:cNvPr id="9" name="Straight Connector 8">
+            <a:extLst>
+              <a:ext uri="{FF2B5EF4-FFF2-40B4-BE49-F238E27FC236}">
+                <a16:creationId xmlns:a16="http://schemas.microsoft.com/office/drawing/2014/main" id="{06DEB5C5-95DE-9DEC-6F84-929E462EC78F}"/>
+              </a:ext>
+            </a:extLst>
+          </p:cNvPr>
+          <p:cNvCxnSpPr/>
+          <p:nvPr/>
+        </p:nvCxnSpPr>
+        <p:spPr>
+          <a:xfrm>
+            <a:off x="355600" y="1382931"/>
+            <a:ext cx="1828800" cy="0"/>
+          </a:xfrm>
+          <a:prstGeom prst="line">
+            <a:avLst/>
+          </a:prstGeom>
+          <a:ln w="28575"/>
+          <a:effectLst>
+            <a:outerShdw blurRad="50800" dist="38100" dir="2700000" algn="tl" rotWithShape="0">
+              <a:prstClr val="black">
+                <a:alpha val="40000"/>
+              </a:prstClr>
+            </a:outerShdw>
+          </a:effectLst>
+        </p:spPr>
+        <p:style>
+          <a:lnRef idx="1">
+            <a:schemeClr val="accent1"/>
+          </a:lnRef>
+          <a:fillRef idx="0">
+            <a:schemeClr val="accent1"/>
+          </a:fillRef>
+          <a:effectRef idx="0">
+            <a:schemeClr val="accent1"/>
+          </a:effectRef>
+          <a:fontRef idx="minor">
+            <a:schemeClr val="tx1"/>
+          </a:fontRef>
+        </p:style>
+      </p:cxnSp>
+      <p:sp>
+        <p:nvSpPr>
+          <p:cNvPr id="10" name="TextBox 9">
+            <a:extLst>
+              <a:ext uri="{FF2B5EF4-FFF2-40B4-BE49-F238E27FC236}">
+                <a16:creationId xmlns:a16="http://schemas.microsoft.com/office/drawing/2014/main" id="{603D59D7-9A28-C65D-5390-DFAD2739FC7B}"/>
+              </a:ext>
+            </a:extLst>
+          </p:cNvPr>
+          <p:cNvSpPr txBox="1"/>
+          <p:nvPr/>
+        </p:nvSpPr>
+        <p:spPr>
+          <a:xfrm>
+            <a:off x="670560" y="2459504"/>
+            <a:ext cx="6522720" cy="2308324"/>
+          </a:xfrm>
+          <a:prstGeom prst="rect">
+            <a:avLst/>
+          </a:prstGeom>
+          <a:noFill/>
+        </p:spPr>
+        <p:txBody>
+          <a:bodyPr wrap="square" rtlCol="0">
+            <a:spAutoFit/>
+          </a:bodyPr>
+          <a:lstStyle/>
+          <a:p>
+            <a:r>
+              <a:rPr lang="en-US" sz="3600" b="1" dirty="0">
+                <a:latin typeface="+mj-lt"/>
+                <a:cs typeface="Times New Roman" panose="02020603050405020304" pitchFamily="18" charset="0"/>
+              </a:rPr>
+              <a:t>Mean Based Approach To Omnidirectional Pathfinding Algorithm Using Single Ultrasonic Sensor for Robotic Car</a:t>
+            </a:r>
+          </a:p>
+        </p:txBody>
+      </p:sp>
+      <p:pic>
+        <p:nvPicPr>
+          <p:cNvPr id="13" name="Picture 12">
+            <a:extLst>
+              <a:ext uri="{FF2B5EF4-FFF2-40B4-BE49-F238E27FC236}">
+                <a16:creationId xmlns:a16="http://schemas.microsoft.com/office/drawing/2014/main" id="{CFD124E6-63D7-8D3A-1091-87D4B848AF4D}"/>
+              </a:ext>
+            </a:extLst>
+          </p:cNvPr>
+          <p:cNvPicPr>
+            <a:picLocks noChangeAspect="1"/>
+          </p:cNvPicPr>
+          <p:nvPr/>
+        </p:nvPicPr>
+        <p:blipFill>
+          <a:blip r:embed="rId2"/>
+          <a:stretch>
+            <a:fillRect/>
+          </a:stretch>
+        </p:blipFill>
+        <p:spPr>
+          <a:xfrm>
+            <a:off x="7193280" y="2247264"/>
+            <a:ext cx="4460240" cy="3300095"/>
+          </a:xfrm>
+          <a:prstGeom prst="rect">
+            <a:avLst/>
+          </a:prstGeom>
+        </p:spPr>
+      </p:pic>
+    </p:spTree>
+    <p:extLst>
+      <p:ext uri="{BB962C8B-B14F-4D97-AF65-F5344CB8AC3E}">
+        <p14:creationId xmlns:p14="http://schemas.microsoft.com/office/powerpoint/2010/main" val="550662415"/>
+      </p:ext>
+    </p:extLst>
+  </p:cSld>
+  <p:clrMapOvr>
+    <a:masterClrMapping/>
+  </p:clrMapOvr>
+</p:sld>
+</file>
+
+<file path=ppt/slides/slide3.xml><?xml version="1.0" encoding="utf-8"?>
+<p:sld xmlns:a="http://schemas.openxmlformats.org/drawingml/2006/main" xmlns:r="http://schemas.openxmlformats.org/officeDocument/2006/relationships" xmlns:p="http://schemas.openxmlformats.org/presentationml/2006/main">
+  <p:cSld>
+    <p:spTree>
+      <p:nvGrpSpPr>
+        <p:cNvPr id="1" name=""/>
+        <p:cNvGrpSpPr/>
+        <p:nvPr/>
+      </p:nvGrpSpPr>
+      <p:grpSpPr>
+        <a:xfrm>
+          <a:off x="0" y="0"/>
+          <a:ext cx="0" cy="0"/>
+          <a:chOff x="0" y="0"/>
+          <a:chExt cx="0" cy="0"/>
+        </a:xfrm>
+      </p:grpSpPr>
+      <p:sp>
+        <p:nvSpPr>
+          <p:cNvPr id="4" name="TextBox 3">
+            <a:extLst>
+              <a:ext uri="{FF2B5EF4-FFF2-40B4-BE49-F238E27FC236}">
+                <a16:creationId xmlns:a16="http://schemas.microsoft.com/office/drawing/2014/main" id="{17C97D89-3979-D9EC-2F9E-F1BA5D0A9EF4}"/>
+              </a:ext>
+            </a:extLst>
+          </p:cNvPr>
+          <p:cNvSpPr txBox="1"/>
+          <p:nvPr/>
+        </p:nvSpPr>
+        <p:spPr>
+          <a:xfrm>
+            <a:off x="721360" y="675640"/>
+            <a:ext cx="2194560" cy="646331"/>
+          </a:xfrm>
+          <a:prstGeom prst="rect">
+            <a:avLst/>
+          </a:prstGeom>
+          <a:noFill/>
+        </p:spPr>
+        <p:txBody>
+          <a:bodyPr wrap="square" rtlCol="0">
+            <a:spAutoFit/>
+          </a:bodyPr>
+          <a:lstStyle/>
+          <a:p>
+            <a:r>
+              <a:rPr lang="en-US" sz="3600" b="1" dirty="0"/>
+              <a:t>Contents </a:t>
+            </a:r>
+          </a:p>
+        </p:txBody>
+      </p:sp>
+      <p:cxnSp>
+        <p:nvCxnSpPr>
+          <p:cNvPr id="9" name="Straight Connector 8">
+            <a:extLst>
+              <a:ext uri="{FF2B5EF4-FFF2-40B4-BE49-F238E27FC236}">
+                <a16:creationId xmlns:a16="http://schemas.microsoft.com/office/drawing/2014/main" id="{06DEB5C5-95DE-9DEC-6F84-929E462EC78F}"/>
+              </a:ext>
+            </a:extLst>
+          </p:cNvPr>
+          <p:cNvCxnSpPr>
+            <a:cxnSpLocks/>
+          </p:cNvCxnSpPr>
+          <p:nvPr/>
+        </p:nvCxnSpPr>
+        <p:spPr>
+          <a:xfrm>
+            <a:off x="355600" y="1382931"/>
+            <a:ext cx="2743200" cy="0"/>
+          </a:xfrm>
+          <a:prstGeom prst="line">
+            <a:avLst/>
+          </a:prstGeom>
+          <a:ln w="28575"/>
+          <a:effectLst>
+            <a:outerShdw blurRad="50800" dist="38100" dir="2700000" algn="tl" rotWithShape="0">
+              <a:prstClr val="black">
+                <a:alpha val="40000"/>
+              </a:prstClr>
+            </a:outerShdw>
+          </a:effectLst>
+        </p:spPr>
+        <p:style>
+          <a:lnRef idx="1">
+            <a:schemeClr val="accent1"/>
+          </a:lnRef>
+          <a:fillRef idx="0">
+            <a:schemeClr val="accent1"/>
+          </a:fillRef>
+          <a:effectRef idx="0">
+            <a:schemeClr val="accent1"/>
+          </a:effectRef>
+          <a:fontRef idx="minor">
+            <a:schemeClr val="tx1"/>
+          </a:fontRef>
+        </p:style>
+      </p:cxnSp>
+      <p:sp>
+        <p:nvSpPr>
+          <p:cNvPr id="10" name="TextBox 9">
+            <a:extLst>
+              <a:ext uri="{FF2B5EF4-FFF2-40B4-BE49-F238E27FC236}">
+                <a16:creationId xmlns:a16="http://schemas.microsoft.com/office/drawing/2014/main" id="{603D59D7-9A28-C65D-5390-DFAD2739FC7B}"/>
+              </a:ext>
+            </a:extLst>
+          </p:cNvPr>
+          <p:cNvSpPr txBox="1"/>
+          <p:nvPr/>
+        </p:nvSpPr>
+        <p:spPr>
+          <a:xfrm>
+            <a:off x="1036320" y="1781155"/>
+            <a:ext cx="6522720" cy="4401205"/>
+          </a:xfrm>
+          <a:prstGeom prst="rect">
+            <a:avLst/>
+          </a:prstGeom>
+          <a:noFill/>
+        </p:spPr>
+        <p:txBody>
+          <a:bodyPr wrap="square" rtlCol="0">
+            <a:spAutoFit/>
+          </a:bodyPr>
+          <a:lstStyle/>
+          <a:p>
+            <a:pPr marL="342900" indent="-342900">
+              <a:buFont typeface="Arial" panose="020B0604020202020204" pitchFamily="34" charset="0"/>
+              <a:buChar char="•"/>
+            </a:pPr>
+            <a:r>
+              <a:rPr lang="en-US" sz="2800" dirty="0">
+                <a:latin typeface="+mj-lt"/>
+                <a:cs typeface="Times New Roman" panose="02020603050405020304" pitchFamily="18" charset="0"/>
+              </a:rPr>
+              <a:t>Abstract</a:t>
+            </a:r>
+          </a:p>
+          <a:p>
+            <a:pPr marL="342900" indent="-342900">
+              <a:buFont typeface="Arial" panose="020B0604020202020204" pitchFamily="34" charset="0"/>
+              <a:buChar char="•"/>
+            </a:pPr>
+            <a:r>
+              <a:rPr lang="en-US" sz="2800" dirty="0">
+                <a:latin typeface="+mj-lt"/>
+                <a:cs typeface="Times New Roman" panose="02020603050405020304" pitchFamily="18" charset="0"/>
+              </a:rPr>
+              <a:t>Introduction</a:t>
+            </a:r>
+          </a:p>
+          <a:p>
+            <a:pPr marL="342900" indent="-342900">
+              <a:buFont typeface="Arial" panose="020B0604020202020204" pitchFamily="34" charset="0"/>
+              <a:buChar char="•"/>
+            </a:pPr>
+            <a:r>
+              <a:rPr lang="en-US" sz="2800" dirty="0">
+                <a:latin typeface="+mj-lt"/>
+                <a:cs typeface="Times New Roman" panose="02020603050405020304" pitchFamily="18" charset="0"/>
+              </a:rPr>
+              <a:t>Problem statement &amp; challenges</a:t>
+            </a:r>
+          </a:p>
+          <a:p>
+            <a:pPr marL="342900" indent="-342900">
+              <a:buFont typeface="Arial" panose="020B0604020202020204" pitchFamily="34" charset="0"/>
+              <a:buChar char="•"/>
+            </a:pPr>
+            <a:r>
+              <a:rPr lang="en-US" sz="2800" dirty="0">
+                <a:latin typeface="+mj-lt"/>
+                <a:cs typeface="Times New Roman" panose="02020603050405020304" pitchFamily="18" charset="0"/>
+              </a:rPr>
+              <a:t>System components</a:t>
+            </a:r>
+          </a:p>
+          <a:p>
+            <a:pPr marL="342900" indent="-342900">
+              <a:buFont typeface="Arial" panose="020B0604020202020204" pitchFamily="34" charset="0"/>
+              <a:buChar char="•"/>
+            </a:pPr>
+            <a:r>
+              <a:rPr lang="en-US" sz="2800" dirty="0">
+                <a:latin typeface="+mj-lt"/>
+                <a:cs typeface="Times New Roman" panose="02020603050405020304" pitchFamily="18" charset="0"/>
+              </a:rPr>
+              <a:t>Working mechanism</a:t>
+            </a:r>
+          </a:p>
+          <a:p>
+            <a:pPr marL="342900" indent="-342900">
+              <a:buFont typeface="Arial" panose="020B0604020202020204" pitchFamily="34" charset="0"/>
+              <a:buChar char="•"/>
+            </a:pPr>
+            <a:r>
+              <a:rPr lang="en-US" sz="2800" dirty="0">
+                <a:latin typeface="+mj-lt"/>
+                <a:cs typeface="Times New Roman" panose="02020603050405020304" pitchFamily="18" charset="0"/>
+              </a:rPr>
+              <a:t>Block diagram</a:t>
+            </a:r>
+          </a:p>
+          <a:p>
+            <a:pPr marL="342900" indent="-342900">
+              <a:buFont typeface="Arial" panose="020B0604020202020204" pitchFamily="34" charset="0"/>
+              <a:buChar char="•"/>
+            </a:pPr>
+            <a:r>
+              <a:rPr lang="en-US" sz="2800" dirty="0">
+                <a:latin typeface="+mj-lt"/>
+                <a:cs typeface="Times New Roman" panose="02020603050405020304" pitchFamily="18" charset="0"/>
+              </a:rPr>
+              <a:t>Sensors used</a:t>
+            </a:r>
+          </a:p>
+          <a:p>
+            <a:pPr marL="342900" indent="-342900">
+              <a:buFont typeface="Arial" panose="020B0604020202020204" pitchFamily="34" charset="0"/>
+              <a:buChar char="•"/>
+            </a:pPr>
+            <a:r>
+              <a:rPr lang="en-US" sz="2800" dirty="0">
+                <a:latin typeface="+mj-lt"/>
+                <a:cs typeface="Times New Roman" panose="02020603050405020304" pitchFamily="18" charset="0"/>
+              </a:rPr>
+              <a:t>Existing methods &amp; limitations</a:t>
+            </a:r>
+          </a:p>
+          <a:p>
+            <a:pPr marL="342900" indent="-342900">
+              <a:buFont typeface="Arial" panose="020B0604020202020204" pitchFamily="34" charset="0"/>
+              <a:buChar char="•"/>
+            </a:pPr>
+            <a:r>
+              <a:rPr lang="en-US" sz="2800" dirty="0">
+                <a:latin typeface="+mj-lt"/>
+                <a:cs typeface="Times New Roman" panose="02020603050405020304" pitchFamily="18" charset="0"/>
+              </a:rPr>
+              <a:t>Proposed method</a:t>
+            </a:r>
+          </a:p>
+          <a:p>
+            <a:pPr marL="342900" indent="-342900">
+              <a:buFont typeface="Arial" panose="020B0604020202020204" pitchFamily="34" charset="0"/>
+              <a:buChar char="•"/>
+            </a:pPr>
+            <a:r>
+              <a:rPr lang="en-US" sz="2800" dirty="0">
+                <a:latin typeface="+mj-lt"/>
+                <a:cs typeface="Times New Roman" panose="02020603050405020304" pitchFamily="18" charset="0"/>
+              </a:rPr>
+              <a:t>Advantages and future scope </a:t>
+            </a:r>
+          </a:p>
+        </p:txBody>
+      </p:sp>
+    </p:spTree>
+    <p:extLst>
+      <p:ext uri="{BB962C8B-B14F-4D97-AF65-F5344CB8AC3E}">
+        <p14:creationId xmlns:p14="http://schemas.microsoft.com/office/powerpoint/2010/main" val="1958613399"/>
+      </p:ext>
+    </p:extLst>
+  </p:cSld>
+  <p:clrMapOvr>
+    <a:masterClrMapping/>
+  </p:clrMapOvr>
+</p:sld>
+</file>
+
+<file path=ppt/slides/slide4.xml><?xml version="1.0" encoding="utf-8"?>
+<p:sld xmlns:a="http://schemas.openxmlformats.org/drawingml/2006/main" xmlns:r="http://schemas.openxmlformats.org/officeDocument/2006/relationships" xmlns:p="http://schemas.openxmlformats.org/presentationml/2006/main">
+  <p:cSld>
+    <p:spTree>
+      <p:nvGrpSpPr>
+        <p:cNvPr id="1" name=""/>
+        <p:cNvGrpSpPr/>
+        <p:nvPr/>
+      </p:nvGrpSpPr>
+      <p:grpSpPr>
+        <a:xfrm>
+          <a:off x="0" y="0"/>
+          <a:ext cx="0" cy="0"/>
+          <a:chOff x="0" y="0"/>
+          <a:chExt cx="0" cy="0"/>
+        </a:xfrm>
+      </p:grpSpPr>
+      <p:sp>
+        <p:nvSpPr>
+          <p:cNvPr id="4" name="TextBox 3">
+            <a:extLst>
+              <a:ext uri="{FF2B5EF4-FFF2-40B4-BE49-F238E27FC236}">
+                <a16:creationId xmlns:a16="http://schemas.microsoft.com/office/drawing/2014/main" id="{17C97D89-3979-D9EC-2F9E-F1BA5D0A9EF4}"/>
+              </a:ext>
+            </a:extLst>
+          </p:cNvPr>
+          <p:cNvSpPr txBox="1"/>
+          <p:nvPr/>
+        </p:nvSpPr>
+        <p:spPr>
+          <a:xfrm>
+            <a:off x="721360" y="675640"/>
+            <a:ext cx="2194560" cy="646331"/>
+          </a:xfrm>
+          <a:prstGeom prst="rect">
+            <a:avLst/>
+          </a:prstGeom>
+          <a:noFill/>
+        </p:spPr>
+        <p:txBody>
+          <a:bodyPr wrap="square" rtlCol="0">
+            <a:spAutoFit/>
+          </a:bodyPr>
+          <a:lstStyle/>
+          <a:p>
+            <a:pPr algn="ctr"/>
+            <a:r>
+              <a:rPr lang="en-US" sz="3600" b="1" dirty="0"/>
+              <a:t>Abstract </a:t>
+            </a:r>
+          </a:p>
+        </p:txBody>
+      </p:sp>
+      <p:cxnSp>
+        <p:nvCxnSpPr>
+          <p:cNvPr id="9" name="Straight Connector 8">
+            <a:extLst>
+              <a:ext uri="{FF2B5EF4-FFF2-40B4-BE49-F238E27FC236}">
+                <a16:creationId xmlns:a16="http://schemas.microsoft.com/office/drawing/2014/main" id="{06DEB5C5-95DE-9DEC-6F84-929E462EC78F}"/>
+              </a:ext>
+            </a:extLst>
+          </p:cNvPr>
+          <p:cNvCxnSpPr>
+            <a:cxnSpLocks/>
+          </p:cNvCxnSpPr>
+          <p:nvPr/>
+        </p:nvCxnSpPr>
+        <p:spPr>
+          <a:xfrm>
+            <a:off x="355600" y="1382931"/>
+            <a:ext cx="2743200" cy="0"/>
+          </a:xfrm>
+          <a:prstGeom prst="line">
+            <a:avLst/>
+          </a:prstGeom>
+          <a:ln w="28575"/>
+          <a:effectLst>
+            <a:outerShdw blurRad="50800" dist="38100" dir="2700000" algn="tl" rotWithShape="0">
+              <a:prstClr val="black">
+                <a:alpha val="40000"/>
+              </a:prstClr>
+            </a:outerShdw>
+          </a:effectLst>
+        </p:spPr>
+        <p:style>
+          <a:lnRef idx="1">
+            <a:schemeClr val="accent1"/>
+          </a:lnRef>
+          <a:fillRef idx="0">
+            <a:schemeClr val="accent1"/>
+          </a:fillRef>
+          <a:effectRef idx="0">
+            <a:schemeClr val="accent1"/>
+          </a:effectRef>
+          <a:fontRef idx="minor">
+            <a:schemeClr val="tx1"/>
+          </a:fontRef>
+        </p:style>
+      </p:cxnSp>
+      <p:sp>
+        <p:nvSpPr>
+          <p:cNvPr id="10" name="TextBox 9">
+            <a:extLst>
+              <a:ext uri="{FF2B5EF4-FFF2-40B4-BE49-F238E27FC236}">
+                <a16:creationId xmlns:a16="http://schemas.microsoft.com/office/drawing/2014/main" id="{603D59D7-9A28-C65D-5390-DFAD2739FC7B}"/>
+              </a:ext>
+            </a:extLst>
+          </p:cNvPr>
+          <p:cNvSpPr txBox="1"/>
+          <p:nvPr/>
+        </p:nvSpPr>
+        <p:spPr>
+          <a:xfrm>
+            <a:off x="1036320" y="1781155"/>
+            <a:ext cx="10434320" cy="3046988"/>
+          </a:xfrm>
+          <a:prstGeom prst="rect">
+            <a:avLst/>
+          </a:prstGeom>
+          <a:noFill/>
+        </p:spPr>
+        <p:txBody>
+          <a:bodyPr wrap="square" rtlCol="0">
+            <a:spAutoFit/>
+          </a:bodyPr>
+          <a:lstStyle/>
+          <a:p>
+            <a:r>
+              <a:rPr lang="en-US" sz="2400" dirty="0"/>
+              <a:t>We propose an </a:t>
+            </a:r>
+            <a:r>
+              <a:rPr lang="en-US" sz="2400" b="1" dirty="0"/>
+              <a:t>IoT-enabled</a:t>
+            </a:r>
+            <a:r>
+              <a:rPr lang="en-US" sz="2400" dirty="0"/>
+              <a:t> omnidirectional pathfinding system to improve real-time obstacle detection and navigation for autonomous robotic vehicles. By integrating a </a:t>
+            </a:r>
+            <a:r>
+              <a:rPr lang="en-US" sz="2400" b="1" dirty="0"/>
+              <a:t>single ultrasonic sensor</a:t>
+            </a:r>
+            <a:r>
+              <a:rPr lang="en-US" sz="2400" dirty="0"/>
+              <a:t>, a servo motor, L293D motor driver, and IoT-based monitoring, our system scans a 180-degree field for better detection and accuracy. Processed data from the sensor allows smooth navigation via a </a:t>
+            </a:r>
+            <a:r>
+              <a:rPr lang="en-US" sz="2400" b="1" dirty="0"/>
+              <a:t>mean-based pathfinding algorithm</a:t>
+            </a:r>
+            <a:r>
+              <a:rPr lang="en-US" sz="2400" dirty="0"/>
+              <a:t>. This system reduces false positives, optimizes movement, and enables remote monitoring, ideal for applications like search-and-rescue, industrial automation, and hazardous environment exploration.</a:t>
+            </a:r>
+            <a:endParaRPr lang="en-US" sz="2400" dirty="0">
+              <a:latin typeface="+mj-lt"/>
+              <a:cs typeface="Times New Roman" panose="02020603050405020304" pitchFamily="18" charset="0"/>
+            </a:endParaRPr>
+          </a:p>
+        </p:txBody>
+      </p:sp>
+    </p:spTree>
+    <p:extLst>
+      <p:ext uri="{BB962C8B-B14F-4D97-AF65-F5344CB8AC3E}">
+        <p14:creationId xmlns:p14="http://schemas.microsoft.com/office/powerpoint/2010/main" val="1234326362"/>
+      </p:ext>
+    </p:extLst>
+  </p:cSld>
+  <p:clrMapOvr>
+    <a:masterClrMapping/>
+  </p:clrMapOvr>
+</p:sld>
+</file>
+
+<file path=ppt/slides/slide5.xml><?xml version="1.0" encoding="utf-8"?>
+<p:sld xmlns:a="http://schemas.openxmlformats.org/drawingml/2006/main" xmlns:r="http://schemas.openxmlformats.org/officeDocument/2006/relationships" xmlns:p="http://schemas.openxmlformats.org/presentationml/2006/main">
+  <p:cSld>
+    <p:spTree>
+      <p:nvGrpSpPr>
+        <p:cNvPr id="1" name=""/>
+        <p:cNvGrpSpPr/>
+        <p:nvPr/>
+      </p:nvGrpSpPr>
+      <p:grpSpPr>
+        <a:xfrm>
+          <a:off x="0" y="0"/>
+          <a:ext cx="0" cy="0"/>
+          <a:chOff x="0" y="0"/>
+          <a:chExt cx="0" cy="0"/>
+        </a:xfrm>
+      </p:grpSpPr>
+      <p:sp>
+        <p:nvSpPr>
+          <p:cNvPr id="4" name="TextBox 3">
+            <a:extLst>
+              <a:ext uri="{FF2B5EF4-FFF2-40B4-BE49-F238E27FC236}">
+                <a16:creationId xmlns:a16="http://schemas.microsoft.com/office/drawing/2014/main" id="{17C97D89-3979-D9EC-2F9E-F1BA5D0A9EF4}"/>
+              </a:ext>
+            </a:extLst>
+          </p:cNvPr>
+          <p:cNvSpPr txBox="1"/>
+          <p:nvPr/>
+        </p:nvSpPr>
+        <p:spPr>
+          <a:xfrm>
+            <a:off x="436880" y="675640"/>
+            <a:ext cx="2915920" cy="646331"/>
+          </a:xfrm>
+          <a:prstGeom prst="rect">
+            <a:avLst/>
+          </a:prstGeom>
+          <a:noFill/>
+        </p:spPr>
+        <p:txBody>
+          <a:bodyPr wrap="square" rtlCol="0">
+            <a:spAutoFit/>
+          </a:bodyPr>
+          <a:lstStyle/>
+          <a:p>
+            <a:pPr algn="ctr"/>
+            <a:r>
+              <a:rPr lang="en-US" sz="3600" b="1" dirty="0"/>
+              <a:t>Introduction </a:t>
+            </a:r>
+          </a:p>
+        </p:txBody>
+      </p:sp>
+      <p:cxnSp>
+        <p:nvCxnSpPr>
+          <p:cNvPr id="9" name="Straight Connector 8">
+            <a:extLst>
+              <a:ext uri="{FF2B5EF4-FFF2-40B4-BE49-F238E27FC236}">
+                <a16:creationId xmlns:a16="http://schemas.microsoft.com/office/drawing/2014/main" id="{06DEB5C5-95DE-9DEC-6F84-929E462EC78F}"/>
+              </a:ext>
+            </a:extLst>
+          </p:cNvPr>
+          <p:cNvCxnSpPr>
+            <a:cxnSpLocks/>
+          </p:cNvCxnSpPr>
+          <p:nvPr/>
+        </p:nvCxnSpPr>
+        <p:spPr>
+          <a:xfrm>
+            <a:off x="355600" y="1382931"/>
+            <a:ext cx="2743200" cy="0"/>
+          </a:xfrm>
+          <a:prstGeom prst="line">
+            <a:avLst/>
+          </a:prstGeom>
+          <a:ln w="28575"/>
+          <a:effectLst>
+            <a:outerShdw blurRad="50800" dist="38100" dir="2700000" algn="tl" rotWithShape="0">
+              <a:prstClr val="black">
+                <a:alpha val="40000"/>
+              </a:prstClr>
+            </a:outerShdw>
+          </a:effectLst>
+        </p:spPr>
+        <p:style>
+          <a:lnRef idx="1">
+            <a:schemeClr val="accent1"/>
+          </a:lnRef>
+          <a:fillRef idx="0">
+            <a:schemeClr val="accent1"/>
+          </a:fillRef>
+          <a:effectRef idx="0">
+            <a:schemeClr val="accent1"/>
+          </a:effectRef>
+          <a:fontRef idx="minor">
+            <a:schemeClr val="tx1"/>
+          </a:fontRef>
+        </p:style>
+      </p:cxnSp>
+      <p:sp>
+        <p:nvSpPr>
+          <p:cNvPr id="10" name="TextBox 9">
+            <a:extLst>
+              <a:ext uri="{FF2B5EF4-FFF2-40B4-BE49-F238E27FC236}">
+                <a16:creationId xmlns:a16="http://schemas.microsoft.com/office/drawing/2014/main" id="{603D59D7-9A28-C65D-5390-DFAD2739FC7B}"/>
+              </a:ext>
+            </a:extLst>
+          </p:cNvPr>
+          <p:cNvSpPr txBox="1"/>
+          <p:nvPr/>
+        </p:nvSpPr>
+        <p:spPr>
+          <a:xfrm>
+            <a:off x="1036320" y="1781155"/>
+            <a:ext cx="10434320" cy="461665"/>
+          </a:xfrm>
+          <a:prstGeom prst="rect">
+            <a:avLst/>
+          </a:prstGeom>
+          <a:noFill/>
+        </p:spPr>
+        <p:txBody>
+          <a:bodyPr wrap="square" rtlCol="0">
+            <a:spAutoFit/>
+          </a:bodyPr>
+          <a:lstStyle/>
+          <a:p>
+            <a:r>
+              <a:rPr lang="en-US" sz="2400">
+                <a:latin typeface="+mj-lt"/>
+                <a:cs typeface="Times New Roman" panose="02020603050405020304" pitchFamily="18" charset="0"/>
+              </a:rPr>
+              <a:t>-54564654</a:t>
+            </a:r>
+            <a:endParaRPr lang="en-US" sz="2400" dirty="0">
+              <a:latin typeface="+mj-lt"/>
+              <a:cs typeface="Times New Roman" panose="02020603050405020304" pitchFamily="18" charset="0"/>
+            </a:endParaRPr>
+          </a:p>
+        </p:txBody>
+      </p:sp>
+    </p:spTree>
+    <p:extLst>
+      <p:ext uri="{BB962C8B-B14F-4D97-AF65-F5344CB8AC3E}">
+        <p14:creationId xmlns:p14="http://schemas.microsoft.com/office/powerpoint/2010/main" val="3940119373"/>
       </p:ext>
     </p:extLst>
   </p:cSld>

--- a/Batch 8 .pptx
+++ b/Batch 8 .pptx
@@ -10,6 +10,18 @@
     <p:sldId id="258" r:id="rId4"/>
     <p:sldId id="259" r:id="rId5"/>
     <p:sldId id="260" r:id="rId6"/>
+    <p:sldId id="261" r:id="rId7"/>
+    <p:sldId id="262" r:id="rId8"/>
+    <p:sldId id="263" r:id="rId9"/>
+    <p:sldId id="264" r:id="rId10"/>
+    <p:sldId id="265" r:id="rId11"/>
+    <p:sldId id="266" r:id="rId12"/>
+    <p:sldId id="267" r:id="rId13"/>
+    <p:sldId id="268" r:id="rId14"/>
+    <p:sldId id="269" r:id="rId15"/>
+    <p:sldId id="270" r:id="rId16"/>
+    <p:sldId id="271" r:id="rId17"/>
+    <p:sldId id="272" r:id="rId18"/>
   </p:sldIdLst>
   <p:sldSz cx="12192000" cy="6858000"/>
   <p:notesSz cx="6858000" cy="9144000"/>
@@ -263,7 +275,7 @@
           <a:p>
             <a:fld id="{06E713BE-B739-4CC0-B4CE-95E82AEB026E}" type="datetimeFigureOut">
               <a:rPr lang="en-US" smtClean="0"/>
-              <a:t>2/19/2025</a:t>
+              <a:t>2/20/2025</a:t>
             </a:fld>
             <a:endParaRPr lang="en-US"/>
           </a:p>
@@ -461,7 +473,7 @@
           <a:p>
             <a:fld id="{06E713BE-B739-4CC0-B4CE-95E82AEB026E}" type="datetimeFigureOut">
               <a:rPr lang="en-US" smtClean="0"/>
-              <a:t>2/19/2025</a:t>
+              <a:t>2/20/2025</a:t>
             </a:fld>
             <a:endParaRPr lang="en-US"/>
           </a:p>
@@ -669,7 +681,7 @@
           <a:p>
             <a:fld id="{06E713BE-B739-4CC0-B4CE-95E82AEB026E}" type="datetimeFigureOut">
               <a:rPr lang="en-US" smtClean="0"/>
-              <a:t>2/19/2025</a:t>
+              <a:t>2/20/2025</a:t>
             </a:fld>
             <a:endParaRPr lang="en-US"/>
           </a:p>
@@ -867,7 +879,7 @@
           <a:p>
             <a:fld id="{06E713BE-B739-4CC0-B4CE-95E82AEB026E}" type="datetimeFigureOut">
               <a:rPr lang="en-US" smtClean="0"/>
-              <a:t>2/19/2025</a:t>
+              <a:t>2/20/2025</a:t>
             </a:fld>
             <a:endParaRPr lang="en-US"/>
           </a:p>
@@ -1142,7 +1154,7 @@
           <a:p>
             <a:fld id="{06E713BE-B739-4CC0-B4CE-95E82AEB026E}" type="datetimeFigureOut">
               <a:rPr lang="en-US" smtClean="0"/>
-              <a:t>2/19/2025</a:t>
+              <a:t>2/20/2025</a:t>
             </a:fld>
             <a:endParaRPr lang="en-US"/>
           </a:p>
@@ -1407,7 +1419,7 @@
           <a:p>
             <a:fld id="{06E713BE-B739-4CC0-B4CE-95E82AEB026E}" type="datetimeFigureOut">
               <a:rPr lang="en-US" smtClean="0"/>
-              <a:t>2/19/2025</a:t>
+              <a:t>2/20/2025</a:t>
             </a:fld>
             <a:endParaRPr lang="en-US"/>
           </a:p>
@@ -1819,7 +1831,7 @@
           <a:p>
             <a:fld id="{06E713BE-B739-4CC0-B4CE-95E82AEB026E}" type="datetimeFigureOut">
               <a:rPr lang="en-US" smtClean="0"/>
-              <a:t>2/19/2025</a:t>
+              <a:t>2/20/2025</a:t>
             </a:fld>
             <a:endParaRPr lang="en-US"/>
           </a:p>
@@ -1960,7 +1972,7 @@
           <a:p>
             <a:fld id="{06E713BE-B739-4CC0-B4CE-95E82AEB026E}" type="datetimeFigureOut">
               <a:rPr lang="en-US" smtClean="0"/>
-              <a:t>2/19/2025</a:t>
+              <a:t>2/20/2025</a:t>
             </a:fld>
             <a:endParaRPr lang="en-US"/>
           </a:p>
@@ -2073,7 +2085,7 @@
           <a:p>
             <a:fld id="{06E713BE-B739-4CC0-B4CE-95E82AEB026E}" type="datetimeFigureOut">
               <a:rPr lang="en-US" smtClean="0"/>
-              <a:t>2/19/2025</a:t>
+              <a:t>2/20/2025</a:t>
             </a:fld>
             <a:endParaRPr lang="en-US"/>
           </a:p>
@@ -2384,7 +2396,7 @@
           <a:p>
             <a:fld id="{06E713BE-B739-4CC0-B4CE-95E82AEB026E}" type="datetimeFigureOut">
               <a:rPr lang="en-US" smtClean="0"/>
-              <a:t>2/19/2025</a:t>
+              <a:t>2/20/2025</a:t>
             </a:fld>
             <a:endParaRPr lang="en-US"/>
           </a:p>
@@ -2672,7 +2684,7 @@
           <a:p>
             <a:fld id="{06E713BE-B739-4CC0-B4CE-95E82AEB026E}" type="datetimeFigureOut">
               <a:rPr lang="en-US" smtClean="0"/>
-              <a:t>2/19/2025</a:t>
+              <a:t>2/20/2025</a:t>
             </a:fld>
             <a:endParaRPr lang="en-US"/>
           </a:p>
@@ -2913,7 +2925,7 @@
           <a:p>
             <a:fld id="{06E713BE-B739-4CC0-B4CE-95E82AEB026E}" type="datetimeFigureOut">
               <a:rPr lang="en-US" smtClean="0"/>
-              <a:t>2/19/2025</a:t>
+              <a:t>2/20/2025</a:t>
             </a:fld>
             <a:endParaRPr lang="en-US"/>
           </a:p>
@@ -3613,6 +3625,2862 @@
 </p:sld>
 </file>
 
+<file path=ppt/slides/slide10.xml><?xml version="1.0" encoding="utf-8"?>
+<p:sld xmlns:a="http://schemas.openxmlformats.org/drawingml/2006/main" xmlns:r="http://schemas.openxmlformats.org/officeDocument/2006/relationships" xmlns:p="http://schemas.openxmlformats.org/presentationml/2006/main">
+  <p:cSld>
+    <p:spTree>
+      <p:nvGrpSpPr>
+        <p:cNvPr id="1" name=""/>
+        <p:cNvGrpSpPr/>
+        <p:nvPr/>
+      </p:nvGrpSpPr>
+      <p:grpSpPr>
+        <a:xfrm>
+          <a:off x="0" y="0"/>
+          <a:ext cx="0" cy="0"/>
+          <a:chOff x="0" y="0"/>
+          <a:chExt cx="0" cy="0"/>
+        </a:xfrm>
+      </p:grpSpPr>
+      <p:sp>
+        <p:nvSpPr>
+          <p:cNvPr id="4" name="TextBox 3">
+            <a:extLst>
+              <a:ext uri="{FF2B5EF4-FFF2-40B4-BE49-F238E27FC236}">
+                <a16:creationId xmlns:a16="http://schemas.microsoft.com/office/drawing/2014/main" id="{17C97D89-3979-D9EC-2F9E-F1BA5D0A9EF4}"/>
+              </a:ext>
+            </a:extLst>
+          </p:cNvPr>
+          <p:cNvSpPr txBox="1"/>
+          <p:nvPr/>
+        </p:nvSpPr>
+        <p:spPr>
+          <a:xfrm>
+            <a:off x="416560" y="675640"/>
+            <a:ext cx="4856480" cy="646331"/>
+          </a:xfrm>
+          <a:prstGeom prst="rect">
+            <a:avLst/>
+          </a:prstGeom>
+          <a:noFill/>
+        </p:spPr>
+        <p:txBody>
+          <a:bodyPr wrap="square" rtlCol="0">
+            <a:spAutoFit/>
+          </a:bodyPr>
+          <a:lstStyle/>
+          <a:p>
+            <a:r>
+              <a:rPr lang="en-US" sz="3600" b="1" dirty="0"/>
+              <a:t>System Components </a:t>
+            </a:r>
+          </a:p>
+        </p:txBody>
+      </p:sp>
+      <p:cxnSp>
+        <p:nvCxnSpPr>
+          <p:cNvPr id="9" name="Straight Connector 8">
+            <a:extLst>
+              <a:ext uri="{FF2B5EF4-FFF2-40B4-BE49-F238E27FC236}">
+                <a16:creationId xmlns:a16="http://schemas.microsoft.com/office/drawing/2014/main" id="{06DEB5C5-95DE-9DEC-6F84-929E462EC78F}"/>
+              </a:ext>
+            </a:extLst>
+          </p:cNvPr>
+          <p:cNvCxnSpPr>
+            <a:cxnSpLocks/>
+          </p:cNvCxnSpPr>
+          <p:nvPr/>
+        </p:nvCxnSpPr>
+        <p:spPr>
+          <a:xfrm>
+            <a:off x="335280" y="1382931"/>
+            <a:ext cx="2743200" cy="0"/>
+          </a:xfrm>
+          <a:prstGeom prst="line">
+            <a:avLst/>
+          </a:prstGeom>
+          <a:ln w="28575"/>
+          <a:effectLst>
+            <a:outerShdw blurRad="50800" dist="38100" dir="2700000" algn="tl" rotWithShape="0">
+              <a:prstClr val="black">
+                <a:alpha val="40000"/>
+              </a:prstClr>
+            </a:outerShdw>
+          </a:effectLst>
+        </p:spPr>
+        <p:style>
+          <a:lnRef idx="1">
+            <a:schemeClr val="accent1"/>
+          </a:lnRef>
+          <a:fillRef idx="0">
+            <a:schemeClr val="accent1"/>
+          </a:fillRef>
+          <a:effectRef idx="0">
+            <a:schemeClr val="accent1"/>
+          </a:effectRef>
+          <a:fontRef idx="minor">
+            <a:schemeClr val="tx1"/>
+          </a:fontRef>
+        </p:style>
+      </p:cxnSp>
+      <p:sp>
+        <p:nvSpPr>
+          <p:cNvPr id="10" name="TextBox 9">
+            <a:extLst>
+              <a:ext uri="{FF2B5EF4-FFF2-40B4-BE49-F238E27FC236}">
+                <a16:creationId xmlns:a16="http://schemas.microsoft.com/office/drawing/2014/main" id="{603D59D7-9A28-C65D-5390-DFAD2739FC7B}"/>
+              </a:ext>
+            </a:extLst>
+          </p:cNvPr>
+          <p:cNvSpPr txBox="1"/>
+          <p:nvPr/>
+        </p:nvSpPr>
+        <p:spPr>
+          <a:xfrm>
+            <a:off x="675640" y="1577955"/>
+            <a:ext cx="4434840" cy="584775"/>
+          </a:xfrm>
+          <a:prstGeom prst="rect">
+            <a:avLst/>
+          </a:prstGeom>
+          <a:noFill/>
+        </p:spPr>
+        <p:txBody>
+          <a:bodyPr wrap="square" rtlCol="0">
+            <a:spAutoFit/>
+          </a:bodyPr>
+          <a:lstStyle/>
+          <a:p>
+            <a:r>
+              <a:rPr lang="en-US" sz="3200" b="1" dirty="0">
+                <a:latin typeface="+mj-lt"/>
+              </a:rPr>
+              <a:t>2. </a:t>
+            </a:r>
+            <a:r>
+              <a:rPr lang="en-US" sz="3200" b="1" dirty="0"/>
+              <a:t>L293D Motor Driver</a:t>
+            </a:r>
+          </a:p>
+        </p:txBody>
+      </p:sp>
+      <p:sp>
+        <p:nvSpPr>
+          <p:cNvPr id="3" name="TextBox 2">
+            <a:extLst>
+              <a:ext uri="{FF2B5EF4-FFF2-40B4-BE49-F238E27FC236}">
+                <a16:creationId xmlns:a16="http://schemas.microsoft.com/office/drawing/2014/main" id="{53AFE975-4E33-1ED1-CE2B-8A0EBC213B1C}"/>
+              </a:ext>
+            </a:extLst>
+          </p:cNvPr>
+          <p:cNvSpPr txBox="1"/>
+          <p:nvPr/>
+        </p:nvSpPr>
+        <p:spPr>
+          <a:xfrm>
+            <a:off x="1217930" y="2357753"/>
+            <a:ext cx="5426710" cy="2677656"/>
+          </a:xfrm>
+          <a:prstGeom prst="rect">
+            <a:avLst/>
+          </a:prstGeom>
+          <a:noFill/>
+        </p:spPr>
+        <p:txBody>
+          <a:bodyPr wrap="square" rtlCol="0">
+            <a:spAutoFit/>
+          </a:bodyPr>
+          <a:lstStyle/>
+          <a:p>
+            <a:r>
+              <a:rPr lang="en-US" sz="2800" dirty="0">
+                <a:latin typeface="+mj-lt"/>
+              </a:rPr>
+              <a:t>The </a:t>
+            </a:r>
+            <a:r>
+              <a:rPr lang="en-US" sz="2800" b="1" dirty="0">
+                <a:latin typeface="+mj-lt"/>
+              </a:rPr>
+              <a:t>L293D</a:t>
+            </a:r>
+            <a:r>
+              <a:rPr lang="en-US" sz="2800" dirty="0">
+                <a:latin typeface="+mj-lt"/>
+              </a:rPr>
+              <a:t> is a popular motor driver IC used to control the direction and speed of DC motors. It contains two H-bridge circuits, allowing it to control two DC motors simultaneously</a:t>
+            </a:r>
+          </a:p>
+        </p:txBody>
+      </p:sp>
+      <p:pic>
+        <p:nvPicPr>
+          <p:cNvPr id="3075" name="Picture 3" descr="L293D Dual H-Bridge Motor Driver IC Pins, Circuit, Working">
+            <a:extLst>
+              <a:ext uri="{FF2B5EF4-FFF2-40B4-BE49-F238E27FC236}">
+                <a16:creationId xmlns:a16="http://schemas.microsoft.com/office/drawing/2014/main" id="{6B5FEC76-6E02-412E-F6AA-D41B7CBC8AAB}"/>
+              </a:ext>
+            </a:extLst>
+          </p:cNvPr>
+          <p:cNvPicPr>
+            <a:picLocks noChangeAspect="1" noChangeArrowheads="1"/>
+          </p:cNvPicPr>
+          <p:nvPr/>
+        </p:nvPicPr>
+        <p:blipFill>
+          <a:blip r:embed="rId2">
+            <a:extLst>
+              <a:ext uri="{28A0092B-C50C-407E-A947-70E740481C1C}">
+                <a14:useLocalDpi xmlns:a14="http://schemas.microsoft.com/office/drawing/2010/main" val="0"/>
+              </a:ext>
+            </a:extLst>
+          </a:blip>
+          <a:srcRect/>
+          <a:stretch>
+            <a:fillRect/>
+          </a:stretch>
+        </p:blipFill>
+        <p:spPr bwMode="auto">
+          <a:xfrm>
+            <a:off x="6902450" y="2162730"/>
+            <a:ext cx="4771390" cy="3802361"/>
+          </a:xfrm>
+          <a:prstGeom prst="rect">
+            <a:avLst/>
+          </a:prstGeom>
+          <a:noFill/>
+          <a:extLst>
+            <a:ext uri="{909E8E84-426E-40DD-AFC4-6F175D3DCCD1}">
+              <a14:hiddenFill xmlns:a14="http://schemas.microsoft.com/office/drawing/2010/main">
+                <a:solidFill>
+                  <a:srgbClr val="FFFFFF"/>
+                </a:solidFill>
+              </a14:hiddenFill>
+            </a:ext>
+          </a:extLst>
+        </p:spPr>
+      </p:pic>
+    </p:spTree>
+    <p:extLst>
+      <p:ext uri="{BB962C8B-B14F-4D97-AF65-F5344CB8AC3E}">
+        <p14:creationId xmlns:p14="http://schemas.microsoft.com/office/powerpoint/2010/main" val="1972259746"/>
+      </p:ext>
+    </p:extLst>
+  </p:cSld>
+  <p:clrMapOvr>
+    <a:masterClrMapping/>
+  </p:clrMapOvr>
+</p:sld>
+</file>
+
+<file path=ppt/slides/slide11.xml><?xml version="1.0" encoding="utf-8"?>
+<p:sld xmlns:a="http://schemas.openxmlformats.org/drawingml/2006/main" xmlns:r="http://schemas.openxmlformats.org/officeDocument/2006/relationships" xmlns:p="http://schemas.openxmlformats.org/presentationml/2006/main">
+  <p:cSld>
+    <p:spTree>
+      <p:nvGrpSpPr>
+        <p:cNvPr id="1" name=""/>
+        <p:cNvGrpSpPr/>
+        <p:nvPr/>
+      </p:nvGrpSpPr>
+      <p:grpSpPr>
+        <a:xfrm>
+          <a:off x="0" y="0"/>
+          <a:ext cx="0" cy="0"/>
+          <a:chOff x="0" y="0"/>
+          <a:chExt cx="0" cy="0"/>
+        </a:xfrm>
+      </p:grpSpPr>
+      <p:sp>
+        <p:nvSpPr>
+          <p:cNvPr id="4" name="TextBox 3">
+            <a:extLst>
+              <a:ext uri="{FF2B5EF4-FFF2-40B4-BE49-F238E27FC236}">
+                <a16:creationId xmlns:a16="http://schemas.microsoft.com/office/drawing/2014/main" id="{17C97D89-3979-D9EC-2F9E-F1BA5D0A9EF4}"/>
+              </a:ext>
+            </a:extLst>
+          </p:cNvPr>
+          <p:cNvSpPr txBox="1"/>
+          <p:nvPr/>
+        </p:nvSpPr>
+        <p:spPr>
+          <a:xfrm>
+            <a:off x="416560" y="675640"/>
+            <a:ext cx="4856480" cy="646331"/>
+          </a:xfrm>
+          <a:prstGeom prst="rect">
+            <a:avLst/>
+          </a:prstGeom>
+          <a:noFill/>
+        </p:spPr>
+        <p:txBody>
+          <a:bodyPr wrap="square" rtlCol="0">
+            <a:spAutoFit/>
+          </a:bodyPr>
+          <a:lstStyle/>
+          <a:p>
+            <a:r>
+              <a:rPr lang="en-US" sz="3600" b="1" dirty="0"/>
+              <a:t>System Components </a:t>
+            </a:r>
+          </a:p>
+        </p:txBody>
+      </p:sp>
+      <p:cxnSp>
+        <p:nvCxnSpPr>
+          <p:cNvPr id="9" name="Straight Connector 8">
+            <a:extLst>
+              <a:ext uri="{FF2B5EF4-FFF2-40B4-BE49-F238E27FC236}">
+                <a16:creationId xmlns:a16="http://schemas.microsoft.com/office/drawing/2014/main" id="{06DEB5C5-95DE-9DEC-6F84-929E462EC78F}"/>
+              </a:ext>
+            </a:extLst>
+          </p:cNvPr>
+          <p:cNvCxnSpPr>
+            <a:cxnSpLocks/>
+          </p:cNvCxnSpPr>
+          <p:nvPr/>
+        </p:nvCxnSpPr>
+        <p:spPr>
+          <a:xfrm>
+            <a:off x="335280" y="1382931"/>
+            <a:ext cx="2743200" cy="0"/>
+          </a:xfrm>
+          <a:prstGeom prst="line">
+            <a:avLst/>
+          </a:prstGeom>
+          <a:ln w="28575"/>
+          <a:effectLst>
+            <a:outerShdw blurRad="50800" dist="38100" dir="2700000" algn="tl" rotWithShape="0">
+              <a:prstClr val="black">
+                <a:alpha val="40000"/>
+              </a:prstClr>
+            </a:outerShdw>
+          </a:effectLst>
+        </p:spPr>
+        <p:style>
+          <a:lnRef idx="1">
+            <a:schemeClr val="accent1"/>
+          </a:lnRef>
+          <a:fillRef idx="0">
+            <a:schemeClr val="accent1"/>
+          </a:fillRef>
+          <a:effectRef idx="0">
+            <a:schemeClr val="accent1"/>
+          </a:effectRef>
+          <a:fontRef idx="minor">
+            <a:schemeClr val="tx1"/>
+          </a:fontRef>
+        </p:style>
+      </p:cxnSp>
+      <p:sp>
+        <p:nvSpPr>
+          <p:cNvPr id="10" name="TextBox 9">
+            <a:extLst>
+              <a:ext uri="{FF2B5EF4-FFF2-40B4-BE49-F238E27FC236}">
+                <a16:creationId xmlns:a16="http://schemas.microsoft.com/office/drawing/2014/main" id="{603D59D7-9A28-C65D-5390-DFAD2739FC7B}"/>
+              </a:ext>
+            </a:extLst>
+          </p:cNvPr>
+          <p:cNvSpPr txBox="1"/>
+          <p:nvPr/>
+        </p:nvSpPr>
+        <p:spPr>
+          <a:xfrm>
+            <a:off x="675640" y="1577955"/>
+            <a:ext cx="4434840" cy="584775"/>
+          </a:xfrm>
+          <a:prstGeom prst="rect">
+            <a:avLst/>
+          </a:prstGeom>
+          <a:noFill/>
+        </p:spPr>
+        <p:txBody>
+          <a:bodyPr wrap="square" rtlCol="0">
+            <a:spAutoFit/>
+          </a:bodyPr>
+          <a:lstStyle/>
+          <a:p>
+            <a:r>
+              <a:rPr lang="en-US" sz="3200" b="1" dirty="0"/>
+              <a:t>3.</a:t>
+            </a:r>
+            <a:r>
+              <a:rPr lang="en-US" sz="3200" b="1" dirty="0">
+                <a:latin typeface="+mj-lt"/>
+              </a:rPr>
+              <a:t> </a:t>
+            </a:r>
+            <a:r>
+              <a:rPr lang="en-US" sz="3200" b="1" dirty="0"/>
+              <a:t>Chassis</a:t>
+            </a:r>
+          </a:p>
+        </p:txBody>
+      </p:sp>
+      <p:sp>
+        <p:nvSpPr>
+          <p:cNvPr id="2" name="TextBox 1">
+            <a:extLst>
+              <a:ext uri="{FF2B5EF4-FFF2-40B4-BE49-F238E27FC236}">
+                <a16:creationId xmlns:a16="http://schemas.microsoft.com/office/drawing/2014/main" id="{636B8627-F01B-E63B-487A-512E6920E32E}"/>
+              </a:ext>
+            </a:extLst>
+          </p:cNvPr>
+          <p:cNvSpPr txBox="1"/>
+          <p:nvPr/>
+        </p:nvSpPr>
+        <p:spPr>
+          <a:xfrm>
+            <a:off x="955040" y="2357753"/>
+            <a:ext cx="9855200" cy="1200329"/>
+          </a:xfrm>
+          <a:prstGeom prst="rect">
+            <a:avLst/>
+          </a:prstGeom>
+          <a:noFill/>
+        </p:spPr>
+        <p:txBody>
+          <a:bodyPr wrap="square" rtlCol="0">
+            <a:spAutoFit/>
+          </a:bodyPr>
+          <a:lstStyle/>
+          <a:p>
+            <a:r>
+              <a:rPr lang="en-US" sz="2400" dirty="0">
+                <a:latin typeface="+mj-lt"/>
+              </a:rPr>
+              <a:t>The chassis is the structural framework of a vehicle, providing support for all other components, including the body, engine, and wheels. It ensures stability and strength, allowing the vehicle to function properly.</a:t>
+            </a:r>
+          </a:p>
+        </p:txBody>
+      </p:sp>
+      <p:pic>
+        <p:nvPicPr>
+          <p:cNvPr id="6" name="Picture 5">
+            <a:extLst>
+              <a:ext uri="{FF2B5EF4-FFF2-40B4-BE49-F238E27FC236}">
+                <a16:creationId xmlns:a16="http://schemas.microsoft.com/office/drawing/2014/main" id="{937E5A2C-D782-C272-705E-622F552E16E6}"/>
+              </a:ext>
+            </a:extLst>
+          </p:cNvPr>
+          <p:cNvPicPr>
+            <a:picLocks noChangeAspect="1"/>
+          </p:cNvPicPr>
+          <p:nvPr/>
+        </p:nvPicPr>
+        <p:blipFill>
+          <a:blip r:embed="rId2"/>
+          <a:stretch>
+            <a:fillRect/>
+          </a:stretch>
+        </p:blipFill>
+        <p:spPr>
+          <a:xfrm>
+            <a:off x="3006555" y="3639362"/>
+            <a:ext cx="4532969" cy="3077243"/>
+          </a:xfrm>
+          <a:prstGeom prst="rect">
+            <a:avLst/>
+          </a:prstGeom>
+          <a:ln>
+            <a:noFill/>
+          </a:ln>
+          <a:effectLst>
+            <a:softEdge rad="112500"/>
+          </a:effectLst>
+        </p:spPr>
+      </p:pic>
+    </p:spTree>
+    <p:extLst>
+      <p:ext uri="{BB962C8B-B14F-4D97-AF65-F5344CB8AC3E}">
+        <p14:creationId xmlns:p14="http://schemas.microsoft.com/office/powerpoint/2010/main" val="993532961"/>
+      </p:ext>
+    </p:extLst>
+  </p:cSld>
+  <p:clrMapOvr>
+    <a:masterClrMapping/>
+  </p:clrMapOvr>
+</p:sld>
+</file>
+
+<file path=ppt/slides/slide12.xml><?xml version="1.0" encoding="utf-8"?>
+<p:sld xmlns:a="http://schemas.openxmlformats.org/drawingml/2006/main" xmlns:r="http://schemas.openxmlformats.org/officeDocument/2006/relationships" xmlns:p="http://schemas.openxmlformats.org/presentationml/2006/main">
+  <p:cSld>
+    <p:spTree>
+      <p:nvGrpSpPr>
+        <p:cNvPr id="1" name=""/>
+        <p:cNvGrpSpPr/>
+        <p:nvPr/>
+      </p:nvGrpSpPr>
+      <p:grpSpPr>
+        <a:xfrm>
+          <a:off x="0" y="0"/>
+          <a:ext cx="0" cy="0"/>
+          <a:chOff x="0" y="0"/>
+          <a:chExt cx="0" cy="0"/>
+        </a:xfrm>
+      </p:grpSpPr>
+      <p:sp>
+        <p:nvSpPr>
+          <p:cNvPr id="4" name="TextBox 3">
+            <a:extLst>
+              <a:ext uri="{FF2B5EF4-FFF2-40B4-BE49-F238E27FC236}">
+                <a16:creationId xmlns:a16="http://schemas.microsoft.com/office/drawing/2014/main" id="{17C97D89-3979-D9EC-2F9E-F1BA5D0A9EF4}"/>
+              </a:ext>
+            </a:extLst>
+          </p:cNvPr>
+          <p:cNvSpPr txBox="1"/>
+          <p:nvPr/>
+        </p:nvSpPr>
+        <p:spPr>
+          <a:xfrm>
+            <a:off x="416560" y="675640"/>
+            <a:ext cx="4856480" cy="646331"/>
+          </a:xfrm>
+          <a:prstGeom prst="rect">
+            <a:avLst/>
+          </a:prstGeom>
+          <a:noFill/>
+        </p:spPr>
+        <p:txBody>
+          <a:bodyPr wrap="square" rtlCol="0">
+            <a:spAutoFit/>
+          </a:bodyPr>
+          <a:lstStyle/>
+          <a:p>
+            <a:r>
+              <a:rPr lang="en-US" sz="3600" b="1" dirty="0"/>
+              <a:t>System Components </a:t>
+            </a:r>
+          </a:p>
+        </p:txBody>
+      </p:sp>
+      <p:cxnSp>
+        <p:nvCxnSpPr>
+          <p:cNvPr id="9" name="Straight Connector 8">
+            <a:extLst>
+              <a:ext uri="{FF2B5EF4-FFF2-40B4-BE49-F238E27FC236}">
+                <a16:creationId xmlns:a16="http://schemas.microsoft.com/office/drawing/2014/main" id="{06DEB5C5-95DE-9DEC-6F84-929E462EC78F}"/>
+              </a:ext>
+            </a:extLst>
+          </p:cNvPr>
+          <p:cNvCxnSpPr>
+            <a:cxnSpLocks/>
+          </p:cNvCxnSpPr>
+          <p:nvPr/>
+        </p:nvCxnSpPr>
+        <p:spPr>
+          <a:xfrm>
+            <a:off x="335280" y="1382931"/>
+            <a:ext cx="2743200" cy="0"/>
+          </a:xfrm>
+          <a:prstGeom prst="line">
+            <a:avLst/>
+          </a:prstGeom>
+          <a:ln w="28575"/>
+          <a:effectLst>
+            <a:outerShdw blurRad="50800" dist="38100" dir="2700000" algn="tl" rotWithShape="0">
+              <a:prstClr val="black">
+                <a:alpha val="40000"/>
+              </a:prstClr>
+            </a:outerShdw>
+          </a:effectLst>
+        </p:spPr>
+        <p:style>
+          <a:lnRef idx="1">
+            <a:schemeClr val="accent1"/>
+          </a:lnRef>
+          <a:fillRef idx="0">
+            <a:schemeClr val="accent1"/>
+          </a:fillRef>
+          <a:effectRef idx="0">
+            <a:schemeClr val="accent1"/>
+          </a:effectRef>
+          <a:fontRef idx="minor">
+            <a:schemeClr val="tx1"/>
+          </a:fontRef>
+        </p:style>
+      </p:cxnSp>
+      <p:sp>
+        <p:nvSpPr>
+          <p:cNvPr id="10" name="TextBox 9">
+            <a:extLst>
+              <a:ext uri="{FF2B5EF4-FFF2-40B4-BE49-F238E27FC236}">
+                <a16:creationId xmlns:a16="http://schemas.microsoft.com/office/drawing/2014/main" id="{603D59D7-9A28-C65D-5390-DFAD2739FC7B}"/>
+              </a:ext>
+            </a:extLst>
+          </p:cNvPr>
+          <p:cNvSpPr txBox="1"/>
+          <p:nvPr/>
+        </p:nvSpPr>
+        <p:spPr>
+          <a:xfrm>
+            <a:off x="675640" y="1577955"/>
+            <a:ext cx="4434840" cy="584775"/>
+          </a:xfrm>
+          <a:prstGeom prst="rect">
+            <a:avLst/>
+          </a:prstGeom>
+          <a:noFill/>
+        </p:spPr>
+        <p:txBody>
+          <a:bodyPr wrap="square" rtlCol="0">
+            <a:spAutoFit/>
+          </a:bodyPr>
+          <a:lstStyle/>
+          <a:p>
+            <a:r>
+              <a:rPr lang="en-US" sz="3200" b="1" dirty="0"/>
+              <a:t>4.</a:t>
+            </a:r>
+            <a:r>
+              <a:rPr lang="en-US" sz="3200" b="1" dirty="0">
+                <a:latin typeface="+mj-lt"/>
+              </a:rPr>
+              <a:t> </a:t>
+            </a:r>
+            <a:r>
+              <a:rPr lang="en-US" sz="3200" b="1" dirty="0"/>
+              <a:t>servo Motor</a:t>
+            </a:r>
+          </a:p>
+        </p:txBody>
+      </p:sp>
+      <p:sp>
+        <p:nvSpPr>
+          <p:cNvPr id="2" name="TextBox 1">
+            <a:extLst>
+              <a:ext uri="{FF2B5EF4-FFF2-40B4-BE49-F238E27FC236}">
+                <a16:creationId xmlns:a16="http://schemas.microsoft.com/office/drawing/2014/main" id="{636B8627-F01B-E63B-487A-512E6920E32E}"/>
+              </a:ext>
+            </a:extLst>
+          </p:cNvPr>
+          <p:cNvSpPr txBox="1"/>
+          <p:nvPr/>
+        </p:nvSpPr>
+        <p:spPr>
+          <a:xfrm>
+            <a:off x="955040" y="2357753"/>
+            <a:ext cx="6228080" cy="2677656"/>
+          </a:xfrm>
+          <a:prstGeom prst="rect">
+            <a:avLst/>
+          </a:prstGeom>
+          <a:noFill/>
+        </p:spPr>
+        <p:txBody>
+          <a:bodyPr wrap="square" rtlCol="0">
+            <a:spAutoFit/>
+          </a:bodyPr>
+          <a:lstStyle/>
+          <a:p>
+            <a:r>
+              <a:rPr lang="en-US" sz="2400" dirty="0">
+                <a:latin typeface="+mj-lt"/>
+              </a:rPr>
+              <a:t>A servo motor is a rotary actuator that allows for precise control of angular position, velocity, and acceleration. It consists of a motor, a position sensor, and a control circuit. Servo motors are commonly used in robotics, automation, and control systems to perform tasks requiring precise positioning.</a:t>
+            </a:r>
+          </a:p>
+        </p:txBody>
+      </p:sp>
+      <p:pic>
+        <p:nvPicPr>
+          <p:cNvPr id="5122" name="Picture 2" descr="Sensors Modules Servo Motor | Sensors ...">
+            <a:extLst>
+              <a:ext uri="{FF2B5EF4-FFF2-40B4-BE49-F238E27FC236}">
+                <a16:creationId xmlns:a16="http://schemas.microsoft.com/office/drawing/2014/main" id="{5B0CCE1C-9172-131D-12E2-9A64B084ACB0}"/>
+              </a:ext>
+            </a:extLst>
+          </p:cNvPr>
+          <p:cNvPicPr>
+            <a:picLocks noChangeAspect="1" noChangeArrowheads="1"/>
+          </p:cNvPicPr>
+          <p:nvPr/>
+        </p:nvPicPr>
+        <p:blipFill>
+          <a:blip r:embed="rId2">
+            <a:extLst>
+              <a:ext uri="{28A0092B-C50C-407E-A947-70E740481C1C}">
+                <a14:useLocalDpi xmlns:a14="http://schemas.microsoft.com/office/drawing/2010/main" val="0"/>
+              </a:ext>
+            </a:extLst>
+          </a:blip>
+          <a:srcRect/>
+          <a:stretch>
+            <a:fillRect/>
+          </a:stretch>
+        </p:blipFill>
+        <p:spPr bwMode="auto">
+          <a:xfrm>
+            <a:off x="8150225" y="2260241"/>
+            <a:ext cx="3835175" cy="2872679"/>
+          </a:xfrm>
+          <a:prstGeom prst="rect">
+            <a:avLst/>
+          </a:prstGeom>
+          <a:noFill/>
+          <a:extLst>
+            <a:ext uri="{909E8E84-426E-40DD-AFC4-6F175D3DCCD1}">
+              <a14:hiddenFill xmlns:a14="http://schemas.microsoft.com/office/drawing/2010/main">
+                <a:solidFill>
+                  <a:srgbClr val="FFFFFF"/>
+                </a:solidFill>
+              </a14:hiddenFill>
+            </a:ext>
+          </a:extLst>
+        </p:spPr>
+      </p:pic>
+    </p:spTree>
+    <p:extLst>
+      <p:ext uri="{BB962C8B-B14F-4D97-AF65-F5344CB8AC3E}">
+        <p14:creationId xmlns:p14="http://schemas.microsoft.com/office/powerpoint/2010/main" val="3918215659"/>
+      </p:ext>
+    </p:extLst>
+  </p:cSld>
+  <p:clrMapOvr>
+    <a:masterClrMapping/>
+  </p:clrMapOvr>
+</p:sld>
+</file>
+
+<file path=ppt/slides/slide13.xml><?xml version="1.0" encoding="utf-8"?>
+<p:sld xmlns:a="http://schemas.openxmlformats.org/drawingml/2006/main" xmlns:r="http://schemas.openxmlformats.org/officeDocument/2006/relationships" xmlns:p="http://schemas.openxmlformats.org/presentationml/2006/main">
+  <p:cSld>
+    <p:spTree>
+      <p:nvGrpSpPr>
+        <p:cNvPr id="1" name=""/>
+        <p:cNvGrpSpPr/>
+        <p:nvPr/>
+      </p:nvGrpSpPr>
+      <p:grpSpPr>
+        <a:xfrm>
+          <a:off x="0" y="0"/>
+          <a:ext cx="0" cy="0"/>
+          <a:chOff x="0" y="0"/>
+          <a:chExt cx="0" cy="0"/>
+        </a:xfrm>
+      </p:grpSpPr>
+      <p:sp>
+        <p:nvSpPr>
+          <p:cNvPr id="4" name="TextBox 3">
+            <a:extLst>
+              <a:ext uri="{FF2B5EF4-FFF2-40B4-BE49-F238E27FC236}">
+                <a16:creationId xmlns:a16="http://schemas.microsoft.com/office/drawing/2014/main" id="{17C97D89-3979-D9EC-2F9E-F1BA5D0A9EF4}"/>
+              </a:ext>
+            </a:extLst>
+          </p:cNvPr>
+          <p:cNvSpPr txBox="1"/>
+          <p:nvPr/>
+        </p:nvSpPr>
+        <p:spPr>
+          <a:xfrm>
+            <a:off x="416560" y="675640"/>
+            <a:ext cx="4856480" cy="646331"/>
+          </a:xfrm>
+          <a:prstGeom prst="rect">
+            <a:avLst/>
+          </a:prstGeom>
+          <a:noFill/>
+        </p:spPr>
+        <p:txBody>
+          <a:bodyPr wrap="square" rtlCol="0">
+            <a:spAutoFit/>
+          </a:bodyPr>
+          <a:lstStyle/>
+          <a:p>
+            <a:r>
+              <a:rPr lang="en-US" sz="3600" b="1" dirty="0"/>
+              <a:t>System Components </a:t>
+            </a:r>
+          </a:p>
+        </p:txBody>
+      </p:sp>
+      <p:cxnSp>
+        <p:nvCxnSpPr>
+          <p:cNvPr id="9" name="Straight Connector 8">
+            <a:extLst>
+              <a:ext uri="{FF2B5EF4-FFF2-40B4-BE49-F238E27FC236}">
+                <a16:creationId xmlns:a16="http://schemas.microsoft.com/office/drawing/2014/main" id="{06DEB5C5-95DE-9DEC-6F84-929E462EC78F}"/>
+              </a:ext>
+            </a:extLst>
+          </p:cNvPr>
+          <p:cNvCxnSpPr>
+            <a:cxnSpLocks/>
+          </p:cNvCxnSpPr>
+          <p:nvPr/>
+        </p:nvCxnSpPr>
+        <p:spPr>
+          <a:xfrm>
+            <a:off x="335280" y="1382931"/>
+            <a:ext cx="2743200" cy="0"/>
+          </a:xfrm>
+          <a:prstGeom prst="line">
+            <a:avLst/>
+          </a:prstGeom>
+          <a:ln w="28575"/>
+          <a:effectLst>
+            <a:outerShdw blurRad="50800" dist="38100" dir="2700000" algn="tl" rotWithShape="0">
+              <a:prstClr val="black">
+                <a:alpha val="40000"/>
+              </a:prstClr>
+            </a:outerShdw>
+          </a:effectLst>
+        </p:spPr>
+        <p:style>
+          <a:lnRef idx="1">
+            <a:schemeClr val="accent1"/>
+          </a:lnRef>
+          <a:fillRef idx="0">
+            <a:schemeClr val="accent1"/>
+          </a:fillRef>
+          <a:effectRef idx="0">
+            <a:schemeClr val="accent1"/>
+          </a:effectRef>
+          <a:fontRef idx="minor">
+            <a:schemeClr val="tx1"/>
+          </a:fontRef>
+        </p:style>
+      </p:cxnSp>
+      <p:sp>
+        <p:nvSpPr>
+          <p:cNvPr id="10" name="TextBox 9">
+            <a:extLst>
+              <a:ext uri="{FF2B5EF4-FFF2-40B4-BE49-F238E27FC236}">
+                <a16:creationId xmlns:a16="http://schemas.microsoft.com/office/drawing/2014/main" id="{603D59D7-9A28-C65D-5390-DFAD2739FC7B}"/>
+              </a:ext>
+            </a:extLst>
+          </p:cNvPr>
+          <p:cNvSpPr txBox="1"/>
+          <p:nvPr/>
+        </p:nvSpPr>
+        <p:spPr>
+          <a:xfrm>
+            <a:off x="675640" y="1577955"/>
+            <a:ext cx="5908040" cy="584775"/>
+          </a:xfrm>
+          <a:prstGeom prst="rect">
+            <a:avLst/>
+          </a:prstGeom>
+          <a:noFill/>
+        </p:spPr>
+        <p:txBody>
+          <a:bodyPr wrap="square" rtlCol="0">
+            <a:spAutoFit/>
+          </a:bodyPr>
+          <a:lstStyle/>
+          <a:p>
+            <a:r>
+              <a:rPr lang="en-US" sz="3200" b="1" dirty="0"/>
+              <a:t>5.</a:t>
+            </a:r>
+            <a:r>
+              <a:rPr lang="en-US" sz="3200" b="1" dirty="0">
+                <a:latin typeface="+mj-lt"/>
+              </a:rPr>
+              <a:t> </a:t>
+            </a:r>
+            <a:r>
+              <a:rPr lang="en-US" sz="3200" b="1" dirty="0"/>
+              <a:t>Ultra Sonic Sensor HC-SR104</a:t>
+            </a:r>
+          </a:p>
+        </p:txBody>
+      </p:sp>
+      <p:sp>
+        <p:nvSpPr>
+          <p:cNvPr id="2" name="TextBox 1">
+            <a:extLst>
+              <a:ext uri="{FF2B5EF4-FFF2-40B4-BE49-F238E27FC236}">
+                <a16:creationId xmlns:a16="http://schemas.microsoft.com/office/drawing/2014/main" id="{636B8627-F01B-E63B-487A-512E6920E32E}"/>
+              </a:ext>
+            </a:extLst>
+          </p:cNvPr>
+          <p:cNvSpPr txBox="1"/>
+          <p:nvPr/>
+        </p:nvSpPr>
+        <p:spPr>
+          <a:xfrm>
+            <a:off x="955040" y="2357753"/>
+            <a:ext cx="6228080" cy="3416320"/>
+          </a:xfrm>
+          <a:prstGeom prst="rect">
+            <a:avLst/>
+          </a:prstGeom>
+          <a:noFill/>
+        </p:spPr>
+        <p:txBody>
+          <a:bodyPr wrap="square" rtlCol="0">
+            <a:spAutoFit/>
+          </a:bodyPr>
+          <a:lstStyle/>
+          <a:p>
+            <a:r>
+              <a:rPr lang="en-US" sz="2400" dirty="0">
+                <a:latin typeface="+mj-lt"/>
+              </a:rPr>
+              <a:t>An ultrasonic sensor is a device that uses ultrasonic waves to measure the distance to an object. It emits high-frequency sound waves and measures the time it takes for the echo to return. This information is then used to calculate the distance to the object. Ultrasonic sensors are commonly used in robotics, automation, and automotive applications for obstacle detection and distance measurement.</a:t>
+            </a:r>
+          </a:p>
+        </p:txBody>
+      </p:sp>
+      <p:pic>
+        <p:nvPicPr>
+          <p:cNvPr id="6148" name="Picture 4" descr="HC-SR04 Ultrasonic Sensor Module - SRK ELECTRONICS">
+            <a:extLst>
+              <a:ext uri="{FF2B5EF4-FFF2-40B4-BE49-F238E27FC236}">
+                <a16:creationId xmlns:a16="http://schemas.microsoft.com/office/drawing/2014/main" id="{41F24C0A-F703-93C5-6A9E-50143CD7FD81}"/>
+              </a:ext>
+            </a:extLst>
+          </p:cNvPr>
+          <p:cNvPicPr>
+            <a:picLocks noChangeAspect="1" noChangeArrowheads="1"/>
+          </p:cNvPicPr>
+          <p:nvPr/>
+        </p:nvPicPr>
+        <p:blipFill>
+          <a:blip r:embed="rId2">
+            <a:extLst>
+              <a:ext uri="{28A0092B-C50C-407E-A947-70E740481C1C}">
+                <a14:useLocalDpi xmlns:a14="http://schemas.microsoft.com/office/drawing/2010/main" val="0"/>
+              </a:ext>
+            </a:extLst>
+          </a:blip>
+          <a:srcRect/>
+          <a:stretch>
+            <a:fillRect/>
+          </a:stretch>
+        </p:blipFill>
+        <p:spPr bwMode="auto">
+          <a:xfrm>
+            <a:off x="8564880" y="1577955"/>
+            <a:ext cx="3139439" cy="3329932"/>
+          </a:xfrm>
+          <a:prstGeom prst="rect">
+            <a:avLst/>
+          </a:prstGeom>
+          <a:noFill/>
+          <a:extLst>
+            <a:ext uri="{909E8E84-426E-40DD-AFC4-6F175D3DCCD1}">
+              <a14:hiddenFill xmlns:a14="http://schemas.microsoft.com/office/drawing/2010/main">
+                <a:solidFill>
+                  <a:srgbClr val="FFFFFF"/>
+                </a:solidFill>
+              </a14:hiddenFill>
+            </a:ext>
+          </a:extLst>
+        </p:spPr>
+      </p:pic>
+    </p:spTree>
+    <p:extLst>
+      <p:ext uri="{BB962C8B-B14F-4D97-AF65-F5344CB8AC3E}">
+        <p14:creationId xmlns:p14="http://schemas.microsoft.com/office/powerpoint/2010/main" val="584818485"/>
+      </p:ext>
+    </p:extLst>
+  </p:cSld>
+  <p:clrMapOvr>
+    <a:masterClrMapping/>
+  </p:clrMapOvr>
+</p:sld>
+</file>
+
+<file path=ppt/slides/slide14.xml><?xml version="1.0" encoding="utf-8"?>
+<p:sld xmlns:a="http://schemas.openxmlformats.org/drawingml/2006/main" xmlns:r="http://schemas.openxmlformats.org/officeDocument/2006/relationships" xmlns:p="http://schemas.openxmlformats.org/presentationml/2006/main">
+  <p:cSld>
+    <p:spTree>
+      <p:nvGrpSpPr>
+        <p:cNvPr id="1" name=""/>
+        <p:cNvGrpSpPr/>
+        <p:nvPr/>
+      </p:nvGrpSpPr>
+      <p:grpSpPr>
+        <a:xfrm>
+          <a:off x="0" y="0"/>
+          <a:ext cx="0" cy="0"/>
+          <a:chOff x="0" y="0"/>
+          <a:chExt cx="0" cy="0"/>
+        </a:xfrm>
+      </p:grpSpPr>
+      <p:sp>
+        <p:nvSpPr>
+          <p:cNvPr id="4" name="TextBox 3">
+            <a:extLst>
+              <a:ext uri="{FF2B5EF4-FFF2-40B4-BE49-F238E27FC236}">
+                <a16:creationId xmlns:a16="http://schemas.microsoft.com/office/drawing/2014/main" id="{17C97D89-3979-D9EC-2F9E-F1BA5D0A9EF4}"/>
+              </a:ext>
+            </a:extLst>
+          </p:cNvPr>
+          <p:cNvSpPr txBox="1"/>
+          <p:nvPr/>
+        </p:nvSpPr>
+        <p:spPr>
+          <a:xfrm>
+            <a:off x="416560" y="675640"/>
+            <a:ext cx="4856480" cy="646331"/>
+          </a:xfrm>
+          <a:prstGeom prst="rect">
+            <a:avLst/>
+          </a:prstGeom>
+          <a:noFill/>
+        </p:spPr>
+        <p:txBody>
+          <a:bodyPr wrap="square" rtlCol="0">
+            <a:spAutoFit/>
+          </a:bodyPr>
+          <a:lstStyle/>
+          <a:p>
+            <a:r>
+              <a:rPr lang="en-US" sz="3600" b="1" dirty="0"/>
+              <a:t>System Components </a:t>
+            </a:r>
+          </a:p>
+        </p:txBody>
+      </p:sp>
+      <p:cxnSp>
+        <p:nvCxnSpPr>
+          <p:cNvPr id="9" name="Straight Connector 8">
+            <a:extLst>
+              <a:ext uri="{FF2B5EF4-FFF2-40B4-BE49-F238E27FC236}">
+                <a16:creationId xmlns:a16="http://schemas.microsoft.com/office/drawing/2014/main" id="{06DEB5C5-95DE-9DEC-6F84-929E462EC78F}"/>
+              </a:ext>
+            </a:extLst>
+          </p:cNvPr>
+          <p:cNvCxnSpPr>
+            <a:cxnSpLocks/>
+          </p:cNvCxnSpPr>
+          <p:nvPr/>
+        </p:nvCxnSpPr>
+        <p:spPr>
+          <a:xfrm>
+            <a:off x="335280" y="1382931"/>
+            <a:ext cx="2743200" cy="0"/>
+          </a:xfrm>
+          <a:prstGeom prst="line">
+            <a:avLst/>
+          </a:prstGeom>
+          <a:ln w="28575"/>
+          <a:effectLst>
+            <a:outerShdw blurRad="50800" dist="38100" dir="2700000" algn="tl" rotWithShape="0">
+              <a:prstClr val="black">
+                <a:alpha val="40000"/>
+              </a:prstClr>
+            </a:outerShdw>
+          </a:effectLst>
+        </p:spPr>
+        <p:style>
+          <a:lnRef idx="1">
+            <a:schemeClr val="accent1"/>
+          </a:lnRef>
+          <a:fillRef idx="0">
+            <a:schemeClr val="accent1"/>
+          </a:fillRef>
+          <a:effectRef idx="0">
+            <a:schemeClr val="accent1"/>
+          </a:effectRef>
+          <a:fontRef idx="minor">
+            <a:schemeClr val="tx1"/>
+          </a:fontRef>
+        </p:style>
+      </p:cxnSp>
+      <p:sp>
+        <p:nvSpPr>
+          <p:cNvPr id="10" name="TextBox 9">
+            <a:extLst>
+              <a:ext uri="{FF2B5EF4-FFF2-40B4-BE49-F238E27FC236}">
+                <a16:creationId xmlns:a16="http://schemas.microsoft.com/office/drawing/2014/main" id="{603D59D7-9A28-C65D-5390-DFAD2739FC7B}"/>
+              </a:ext>
+            </a:extLst>
+          </p:cNvPr>
+          <p:cNvSpPr txBox="1"/>
+          <p:nvPr/>
+        </p:nvSpPr>
+        <p:spPr>
+          <a:xfrm>
+            <a:off x="675640" y="1577955"/>
+            <a:ext cx="5908040" cy="584775"/>
+          </a:xfrm>
+          <a:prstGeom prst="rect">
+            <a:avLst/>
+          </a:prstGeom>
+          <a:noFill/>
+        </p:spPr>
+        <p:txBody>
+          <a:bodyPr wrap="square" rtlCol="0">
+            <a:spAutoFit/>
+          </a:bodyPr>
+          <a:lstStyle/>
+          <a:p>
+            <a:r>
+              <a:rPr lang="en-US" sz="3200" b="1" dirty="0"/>
+              <a:t>6.</a:t>
+            </a:r>
+            <a:r>
+              <a:rPr lang="en-US" sz="3200" b="1" dirty="0">
+                <a:latin typeface="+mj-lt"/>
+              </a:rPr>
+              <a:t> </a:t>
+            </a:r>
+            <a:r>
+              <a:rPr lang="en-US" sz="3200" b="1" dirty="0"/>
+              <a:t>Jumper Wires</a:t>
+            </a:r>
+          </a:p>
+        </p:txBody>
+      </p:sp>
+      <p:sp>
+        <p:nvSpPr>
+          <p:cNvPr id="2" name="TextBox 1">
+            <a:extLst>
+              <a:ext uri="{FF2B5EF4-FFF2-40B4-BE49-F238E27FC236}">
+                <a16:creationId xmlns:a16="http://schemas.microsoft.com/office/drawing/2014/main" id="{636B8627-F01B-E63B-487A-512E6920E32E}"/>
+              </a:ext>
+            </a:extLst>
+          </p:cNvPr>
+          <p:cNvSpPr txBox="1"/>
+          <p:nvPr/>
+        </p:nvSpPr>
+        <p:spPr>
+          <a:xfrm>
+            <a:off x="955040" y="2357753"/>
+            <a:ext cx="6228080" cy="3416320"/>
+          </a:xfrm>
+          <a:prstGeom prst="rect">
+            <a:avLst/>
+          </a:prstGeom>
+          <a:noFill/>
+        </p:spPr>
+        <p:txBody>
+          <a:bodyPr wrap="square" rtlCol="0">
+            <a:spAutoFit/>
+          </a:bodyPr>
+          <a:lstStyle/>
+          <a:p>
+            <a:r>
+              <a:rPr lang="en-US" sz="2400" dirty="0">
+                <a:latin typeface="+mj-lt"/>
+              </a:rPr>
+              <a:t>Jumper wires are short, flexible wires with connector pins at each end. They are used to establish electrical connections between components on a breadboard or other prototyping tools. These wires come in various lengths and colors, making it easy to create and organize circuits during prototyping and testing. They are essential for building and testing electronic projects quickly and efficiently.</a:t>
+            </a:r>
+          </a:p>
+        </p:txBody>
+      </p:sp>
+      <p:pic>
+        <p:nvPicPr>
+          <p:cNvPr id="7170" name="Picture 2" descr="Jumper Wires M-M, M-F, F-F, 20cm, 60 Pieces - Vayuyaan">
+            <a:extLst>
+              <a:ext uri="{FF2B5EF4-FFF2-40B4-BE49-F238E27FC236}">
+                <a16:creationId xmlns:a16="http://schemas.microsoft.com/office/drawing/2014/main" id="{7F9609D1-0D8A-0157-B674-1F542A292550}"/>
+              </a:ext>
+            </a:extLst>
+          </p:cNvPr>
+          <p:cNvPicPr>
+            <a:picLocks noChangeAspect="1" noChangeArrowheads="1"/>
+          </p:cNvPicPr>
+          <p:nvPr/>
+        </p:nvPicPr>
+        <p:blipFill>
+          <a:blip r:embed="rId2">
+            <a:extLst>
+              <a:ext uri="{28A0092B-C50C-407E-A947-70E740481C1C}">
+                <a14:useLocalDpi xmlns:a14="http://schemas.microsoft.com/office/drawing/2010/main" val="0"/>
+              </a:ext>
+            </a:extLst>
+          </a:blip>
+          <a:srcRect/>
+          <a:stretch>
+            <a:fillRect/>
+          </a:stretch>
+        </p:blipFill>
+        <p:spPr bwMode="auto">
+          <a:xfrm>
+            <a:off x="8265160" y="2357753"/>
+            <a:ext cx="3235960" cy="3235960"/>
+          </a:xfrm>
+          <a:prstGeom prst="rect">
+            <a:avLst/>
+          </a:prstGeom>
+          <a:noFill/>
+          <a:extLst>
+            <a:ext uri="{909E8E84-426E-40DD-AFC4-6F175D3DCCD1}">
+              <a14:hiddenFill xmlns:a14="http://schemas.microsoft.com/office/drawing/2010/main">
+                <a:solidFill>
+                  <a:srgbClr val="FFFFFF"/>
+                </a:solidFill>
+              </a14:hiddenFill>
+            </a:ext>
+          </a:extLst>
+        </p:spPr>
+      </p:pic>
+    </p:spTree>
+    <p:extLst>
+      <p:ext uri="{BB962C8B-B14F-4D97-AF65-F5344CB8AC3E}">
+        <p14:creationId xmlns:p14="http://schemas.microsoft.com/office/powerpoint/2010/main" val="535484963"/>
+      </p:ext>
+    </p:extLst>
+  </p:cSld>
+  <p:clrMapOvr>
+    <a:masterClrMapping/>
+  </p:clrMapOvr>
+</p:sld>
+</file>
+
+<file path=ppt/slides/slide15.xml><?xml version="1.0" encoding="utf-8"?>
+<p:sld xmlns:a="http://schemas.openxmlformats.org/drawingml/2006/main" xmlns:r="http://schemas.openxmlformats.org/officeDocument/2006/relationships" xmlns:p="http://schemas.openxmlformats.org/presentationml/2006/main">
+  <p:cSld>
+    <p:spTree>
+      <p:nvGrpSpPr>
+        <p:cNvPr id="1" name=""/>
+        <p:cNvGrpSpPr/>
+        <p:nvPr/>
+      </p:nvGrpSpPr>
+      <p:grpSpPr>
+        <a:xfrm>
+          <a:off x="0" y="0"/>
+          <a:ext cx="0" cy="0"/>
+          <a:chOff x="0" y="0"/>
+          <a:chExt cx="0" cy="0"/>
+        </a:xfrm>
+      </p:grpSpPr>
+      <p:sp>
+        <p:nvSpPr>
+          <p:cNvPr id="4" name="TextBox 3">
+            <a:extLst>
+              <a:ext uri="{FF2B5EF4-FFF2-40B4-BE49-F238E27FC236}">
+                <a16:creationId xmlns:a16="http://schemas.microsoft.com/office/drawing/2014/main" id="{17C97D89-3979-D9EC-2F9E-F1BA5D0A9EF4}"/>
+              </a:ext>
+            </a:extLst>
+          </p:cNvPr>
+          <p:cNvSpPr txBox="1"/>
+          <p:nvPr/>
+        </p:nvSpPr>
+        <p:spPr>
+          <a:xfrm>
+            <a:off x="416560" y="675640"/>
+            <a:ext cx="4856480" cy="646331"/>
+          </a:xfrm>
+          <a:prstGeom prst="rect">
+            <a:avLst/>
+          </a:prstGeom>
+          <a:noFill/>
+        </p:spPr>
+        <p:txBody>
+          <a:bodyPr wrap="square" rtlCol="0">
+            <a:spAutoFit/>
+          </a:bodyPr>
+          <a:lstStyle/>
+          <a:p>
+            <a:r>
+              <a:rPr lang="en-US" sz="3600" b="1" dirty="0"/>
+              <a:t>Working Mechanism</a:t>
+            </a:r>
+          </a:p>
+        </p:txBody>
+      </p:sp>
+      <p:cxnSp>
+        <p:nvCxnSpPr>
+          <p:cNvPr id="9" name="Straight Connector 8">
+            <a:extLst>
+              <a:ext uri="{FF2B5EF4-FFF2-40B4-BE49-F238E27FC236}">
+                <a16:creationId xmlns:a16="http://schemas.microsoft.com/office/drawing/2014/main" id="{06DEB5C5-95DE-9DEC-6F84-929E462EC78F}"/>
+              </a:ext>
+            </a:extLst>
+          </p:cNvPr>
+          <p:cNvCxnSpPr>
+            <a:cxnSpLocks/>
+          </p:cNvCxnSpPr>
+          <p:nvPr/>
+        </p:nvCxnSpPr>
+        <p:spPr>
+          <a:xfrm>
+            <a:off x="335280" y="1382931"/>
+            <a:ext cx="2743200" cy="0"/>
+          </a:xfrm>
+          <a:prstGeom prst="line">
+            <a:avLst/>
+          </a:prstGeom>
+          <a:ln w="28575"/>
+          <a:effectLst>
+            <a:outerShdw blurRad="50800" dist="38100" dir="2700000" algn="tl" rotWithShape="0">
+              <a:prstClr val="black">
+                <a:alpha val="40000"/>
+              </a:prstClr>
+            </a:outerShdw>
+          </a:effectLst>
+        </p:spPr>
+        <p:style>
+          <a:lnRef idx="1">
+            <a:schemeClr val="accent1"/>
+          </a:lnRef>
+          <a:fillRef idx="0">
+            <a:schemeClr val="accent1"/>
+          </a:fillRef>
+          <a:effectRef idx="0">
+            <a:schemeClr val="accent1"/>
+          </a:effectRef>
+          <a:fontRef idx="minor">
+            <a:schemeClr val="tx1"/>
+          </a:fontRef>
+        </p:style>
+      </p:cxnSp>
+      <p:sp>
+        <p:nvSpPr>
+          <p:cNvPr id="6" name="TextBox 5">
+            <a:extLst>
+              <a:ext uri="{FF2B5EF4-FFF2-40B4-BE49-F238E27FC236}">
+                <a16:creationId xmlns:a16="http://schemas.microsoft.com/office/drawing/2014/main" id="{CF6F4F10-B955-26C4-1954-A6F002AA681F}"/>
+              </a:ext>
+            </a:extLst>
+          </p:cNvPr>
+          <p:cNvSpPr txBox="1"/>
+          <p:nvPr/>
+        </p:nvSpPr>
+        <p:spPr>
+          <a:xfrm>
+            <a:off x="812800" y="1658045"/>
+            <a:ext cx="10342880" cy="4524315"/>
+          </a:xfrm>
+          <a:prstGeom prst="rect">
+            <a:avLst/>
+          </a:prstGeom>
+          <a:noFill/>
+        </p:spPr>
+        <p:txBody>
+          <a:bodyPr wrap="square" rtlCol="0">
+            <a:spAutoFit/>
+          </a:bodyPr>
+          <a:lstStyle/>
+          <a:p>
+            <a:pPr marL="342900" indent="-342900">
+              <a:buFont typeface="Arial" panose="020B0604020202020204" pitchFamily="34" charset="0"/>
+              <a:buChar char="•"/>
+            </a:pPr>
+            <a:r>
+              <a:rPr lang="en-US" sz="2400" b="1" dirty="0"/>
+              <a:t>Normal Detection Method:</a:t>
+            </a:r>
+          </a:p>
+          <a:p>
+            <a:pPr marL="800100" lvl="1" indent="-342900">
+              <a:buFont typeface="Arial" panose="020B0604020202020204" pitchFamily="34" charset="0"/>
+              <a:buChar char="•"/>
+            </a:pPr>
+            <a:r>
+              <a:rPr lang="en-US" sz="2400" dirty="0"/>
+              <a:t>Utilizes an ultrasonic sensor to measure the distance between the car and the nearest object in its line of sight.</a:t>
+            </a:r>
+            <a:endParaRPr lang="en-US" sz="2400" b="1" dirty="0"/>
+          </a:p>
+          <a:p>
+            <a:pPr marL="800100" lvl="1" indent="-342900">
+              <a:buFont typeface="Arial" panose="020B0604020202020204" pitchFamily="34" charset="0"/>
+              <a:buChar char="•"/>
+            </a:pPr>
+            <a:r>
+              <a:rPr lang="en-US" sz="2400" dirty="0"/>
+              <a:t>This method is not omnidirectional, meaning it only detects objects directly in front of the sensor.</a:t>
+            </a:r>
+            <a:endParaRPr lang="en-US" sz="2400" b="1" dirty="0"/>
+          </a:p>
+          <a:p>
+            <a:pPr marL="800100" lvl="1" indent="-342900">
+              <a:buFont typeface="Arial" panose="020B0604020202020204" pitchFamily="34" charset="0"/>
+              <a:buChar char="•"/>
+            </a:pPr>
+            <a:r>
+              <a:rPr lang="en-US" sz="2400" dirty="0"/>
+              <a:t>Most commonly used and does not involve the use of a servo motor</a:t>
+            </a:r>
+            <a:endParaRPr lang="en-US" sz="2400" b="1" dirty="0"/>
+          </a:p>
+          <a:p>
+            <a:pPr marL="342900" indent="-342900">
+              <a:buFont typeface="Arial" panose="020B0604020202020204" pitchFamily="34" charset="0"/>
+              <a:buChar char="•"/>
+            </a:pPr>
+            <a:r>
+              <a:rPr lang="en-US" sz="2400" b="1" dirty="0"/>
+              <a:t>Intensive Detection Method:</a:t>
+            </a:r>
+          </a:p>
+          <a:p>
+            <a:pPr marL="800100" lvl="1" indent="-342900">
+              <a:buFont typeface="Arial" panose="020B0604020202020204" pitchFamily="34" charset="0"/>
+              <a:buChar char="•"/>
+            </a:pPr>
+            <a:r>
+              <a:rPr lang="en-US" sz="2400" dirty="0"/>
+              <a:t>Employs a servo motor to rotate the ultrasonic sensor, providing a 180-degree view for omnidirectional detection</a:t>
+            </a:r>
+            <a:endParaRPr lang="en-US" sz="2400" b="1" dirty="0"/>
+          </a:p>
+          <a:p>
+            <a:pPr marL="800100" lvl="1" indent="-342900">
+              <a:buFont typeface="Arial" panose="020B0604020202020204" pitchFamily="34" charset="0"/>
+              <a:buChar char="•"/>
+            </a:pPr>
+            <a:r>
+              <a:rPr lang="en-US" sz="2400" dirty="0"/>
+              <a:t>Sensor starts at 0 degrees (extreme left) and rotates to 180 degrees (extreme right) in 3-degree steps</a:t>
+            </a:r>
+            <a:endParaRPr lang="en-US" sz="2400" b="1" dirty="0"/>
+          </a:p>
+          <a:p>
+            <a:pPr marL="800100" lvl="1" indent="-342900">
+              <a:buFont typeface="Arial" panose="020B0604020202020204" pitchFamily="34" charset="0"/>
+              <a:buChar char="•"/>
+            </a:pPr>
+            <a:r>
+              <a:rPr lang="en-US" sz="2400" dirty="0"/>
+              <a:t>Collected data is analyzed to determine the subsequent actions</a:t>
+            </a:r>
+            <a:endParaRPr lang="en-US" sz="2400" b="1" dirty="0"/>
+          </a:p>
+        </p:txBody>
+      </p:sp>
+    </p:spTree>
+    <p:extLst>
+      <p:ext uri="{BB962C8B-B14F-4D97-AF65-F5344CB8AC3E}">
+        <p14:creationId xmlns:p14="http://schemas.microsoft.com/office/powerpoint/2010/main" val="1205652728"/>
+      </p:ext>
+    </p:extLst>
+  </p:cSld>
+  <p:clrMapOvr>
+    <a:masterClrMapping/>
+  </p:clrMapOvr>
+</p:sld>
+</file>
+
+<file path=ppt/slides/slide16.xml><?xml version="1.0" encoding="utf-8"?>
+<p:sld xmlns:a="http://schemas.openxmlformats.org/drawingml/2006/main" xmlns:r="http://schemas.openxmlformats.org/officeDocument/2006/relationships" xmlns:p="http://schemas.openxmlformats.org/presentationml/2006/main">
+  <p:cSld>
+    <p:spTree>
+      <p:nvGrpSpPr>
+        <p:cNvPr id="1" name=""/>
+        <p:cNvGrpSpPr/>
+        <p:nvPr/>
+      </p:nvGrpSpPr>
+      <p:grpSpPr>
+        <a:xfrm>
+          <a:off x="0" y="0"/>
+          <a:ext cx="0" cy="0"/>
+          <a:chOff x="0" y="0"/>
+          <a:chExt cx="0" cy="0"/>
+        </a:xfrm>
+      </p:grpSpPr>
+      <p:sp>
+        <p:nvSpPr>
+          <p:cNvPr id="4" name="TextBox 3">
+            <a:extLst>
+              <a:ext uri="{FF2B5EF4-FFF2-40B4-BE49-F238E27FC236}">
+                <a16:creationId xmlns:a16="http://schemas.microsoft.com/office/drawing/2014/main" id="{17C97D89-3979-D9EC-2F9E-F1BA5D0A9EF4}"/>
+              </a:ext>
+            </a:extLst>
+          </p:cNvPr>
+          <p:cNvSpPr txBox="1"/>
+          <p:nvPr/>
+        </p:nvSpPr>
+        <p:spPr>
+          <a:xfrm>
+            <a:off x="416560" y="675640"/>
+            <a:ext cx="4856480" cy="646331"/>
+          </a:xfrm>
+          <a:prstGeom prst="rect">
+            <a:avLst/>
+          </a:prstGeom>
+          <a:noFill/>
+        </p:spPr>
+        <p:txBody>
+          <a:bodyPr wrap="square" rtlCol="0">
+            <a:spAutoFit/>
+          </a:bodyPr>
+          <a:lstStyle/>
+          <a:p>
+            <a:r>
+              <a:rPr lang="en-US" sz="3600" b="1" dirty="0"/>
+              <a:t>Block Diagram</a:t>
+            </a:r>
+          </a:p>
+        </p:txBody>
+      </p:sp>
+      <p:cxnSp>
+        <p:nvCxnSpPr>
+          <p:cNvPr id="9" name="Straight Connector 8">
+            <a:extLst>
+              <a:ext uri="{FF2B5EF4-FFF2-40B4-BE49-F238E27FC236}">
+                <a16:creationId xmlns:a16="http://schemas.microsoft.com/office/drawing/2014/main" id="{06DEB5C5-95DE-9DEC-6F84-929E462EC78F}"/>
+              </a:ext>
+            </a:extLst>
+          </p:cNvPr>
+          <p:cNvCxnSpPr>
+            <a:cxnSpLocks/>
+          </p:cNvCxnSpPr>
+          <p:nvPr/>
+        </p:nvCxnSpPr>
+        <p:spPr>
+          <a:xfrm>
+            <a:off x="335280" y="1382931"/>
+            <a:ext cx="2743200" cy="0"/>
+          </a:xfrm>
+          <a:prstGeom prst="line">
+            <a:avLst/>
+          </a:prstGeom>
+          <a:ln w="28575"/>
+          <a:effectLst>
+            <a:outerShdw blurRad="50800" dist="38100" dir="2700000" algn="tl" rotWithShape="0">
+              <a:prstClr val="black">
+                <a:alpha val="40000"/>
+              </a:prstClr>
+            </a:outerShdw>
+          </a:effectLst>
+        </p:spPr>
+        <p:style>
+          <a:lnRef idx="1">
+            <a:schemeClr val="accent1"/>
+          </a:lnRef>
+          <a:fillRef idx="0">
+            <a:schemeClr val="accent1"/>
+          </a:fillRef>
+          <a:effectRef idx="0">
+            <a:schemeClr val="accent1"/>
+          </a:effectRef>
+          <a:fontRef idx="minor">
+            <a:schemeClr val="tx1"/>
+          </a:fontRef>
+        </p:style>
+      </p:cxnSp>
+      <p:grpSp>
+        <p:nvGrpSpPr>
+          <p:cNvPr id="14" name="Group 13">
+            <a:extLst>
+              <a:ext uri="{FF2B5EF4-FFF2-40B4-BE49-F238E27FC236}">
+                <a16:creationId xmlns:a16="http://schemas.microsoft.com/office/drawing/2014/main" id="{EA43E49D-BA67-3363-83A7-A707E86D3EB2}"/>
+              </a:ext>
+            </a:extLst>
+          </p:cNvPr>
+          <p:cNvGrpSpPr/>
+          <p:nvPr/>
+        </p:nvGrpSpPr>
+        <p:grpSpPr>
+          <a:xfrm>
+            <a:off x="1817939" y="1789561"/>
+            <a:ext cx="8026400" cy="4763869"/>
+            <a:chOff x="1838960" y="2052320"/>
+            <a:chExt cx="8026400" cy="4763869"/>
+          </a:xfrm>
+        </p:grpSpPr>
+        <p:sp>
+          <p:nvSpPr>
+            <p:cNvPr id="2" name="Rectangle 1">
+              <a:extLst>
+                <a:ext uri="{FF2B5EF4-FFF2-40B4-BE49-F238E27FC236}">
+                  <a16:creationId xmlns:a16="http://schemas.microsoft.com/office/drawing/2014/main" id="{D6B150CB-634D-1DCF-1191-712FBEAB9378}"/>
+                </a:ext>
+              </a:extLst>
+            </p:cNvPr>
+            <p:cNvSpPr/>
+            <p:nvPr/>
+          </p:nvSpPr>
+          <p:spPr>
+            <a:xfrm>
+              <a:off x="4480560" y="2052320"/>
+              <a:ext cx="3271520" cy="3586480"/>
+            </a:xfrm>
+            <a:prstGeom prst="rect">
+              <a:avLst/>
+            </a:prstGeom>
+            <a:noFill/>
+            <a:ln w="28575">
+              <a:solidFill>
+                <a:schemeClr val="tx1"/>
+              </a:solidFill>
+            </a:ln>
+          </p:spPr>
+          <p:style>
+            <a:lnRef idx="2">
+              <a:schemeClr val="accent1">
+                <a:shade val="50000"/>
+              </a:schemeClr>
+            </a:lnRef>
+            <a:fillRef idx="1">
+              <a:schemeClr val="accent1"/>
+            </a:fillRef>
+            <a:effectRef idx="0">
+              <a:schemeClr val="accent1"/>
+            </a:effectRef>
+            <a:fontRef idx="minor">
+              <a:schemeClr val="lt1"/>
+            </a:fontRef>
+          </p:style>
+          <p:txBody>
+            <a:bodyPr rtlCol="0" anchor="ctr"/>
+            <a:lstStyle/>
+            <a:p>
+              <a:pPr algn="ctr"/>
+              <a:endParaRPr lang="en-US"/>
+            </a:p>
+          </p:txBody>
+        </p:sp>
+        <p:sp>
+          <p:nvSpPr>
+            <p:cNvPr id="3" name="Rectangle 2">
+              <a:extLst>
+                <a:ext uri="{FF2B5EF4-FFF2-40B4-BE49-F238E27FC236}">
+                  <a16:creationId xmlns:a16="http://schemas.microsoft.com/office/drawing/2014/main" id="{12123AFB-DB80-81C9-8036-999577957262}"/>
+                </a:ext>
+              </a:extLst>
+            </p:cNvPr>
+            <p:cNvSpPr/>
+            <p:nvPr/>
+          </p:nvSpPr>
+          <p:spPr>
+            <a:xfrm>
+              <a:off x="1838960" y="2123440"/>
+              <a:ext cx="1544320" cy="894080"/>
+            </a:xfrm>
+            <a:prstGeom prst="rect">
+              <a:avLst/>
+            </a:prstGeom>
+            <a:noFill/>
+            <a:ln w="28575">
+              <a:solidFill>
+                <a:schemeClr val="tx1"/>
+              </a:solidFill>
+            </a:ln>
+          </p:spPr>
+          <p:style>
+            <a:lnRef idx="2">
+              <a:schemeClr val="accent1">
+                <a:shade val="50000"/>
+              </a:schemeClr>
+            </a:lnRef>
+            <a:fillRef idx="1">
+              <a:schemeClr val="accent1"/>
+            </a:fillRef>
+            <a:effectRef idx="0">
+              <a:schemeClr val="accent1"/>
+            </a:effectRef>
+            <a:fontRef idx="minor">
+              <a:schemeClr val="lt1"/>
+            </a:fontRef>
+          </p:style>
+          <p:txBody>
+            <a:bodyPr rtlCol="0" anchor="ctr"/>
+            <a:lstStyle/>
+            <a:p>
+              <a:pPr algn="ctr"/>
+              <a:endParaRPr lang="en-US" dirty="0"/>
+            </a:p>
+          </p:txBody>
+        </p:sp>
+        <p:sp>
+          <p:nvSpPr>
+            <p:cNvPr id="5" name="Rectangle 4">
+              <a:extLst>
+                <a:ext uri="{FF2B5EF4-FFF2-40B4-BE49-F238E27FC236}">
+                  <a16:creationId xmlns:a16="http://schemas.microsoft.com/office/drawing/2014/main" id="{AE109BF9-B3AE-B05D-DB86-DEE92F77D5B1}"/>
+                </a:ext>
+              </a:extLst>
+            </p:cNvPr>
+            <p:cNvSpPr/>
+            <p:nvPr/>
+          </p:nvSpPr>
+          <p:spPr>
+            <a:xfrm>
+              <a:off x="1838960" y="3670300"/>
+              <a:ext cx="1544320" cy="894080"/>
+            </a:xfrm>
+            <a:prstGeom prst="rect">
+              <a:avLst/>
+            </a:prstGeom>
+            <a:noFill/>
+            <a:ln w="28575">
+              <a:solidFill>
+                <a:schemeClr val="tx1"/>
+              </a:solidFill>
+            </a:ln>
+          </p:spPr>
+          <p:style>
+            <a:lnRef idx="2">
+              <a:schemeClr val="accent1">
+                <a:shade val="50000"/>
+              </a:schemeClr>
+            </a:lnRef>
+            <a:fillRef idx="1">
+              <a:schemeClr val="accent1"/>
+            </a:fillRef>
+            <a:effectRef idx="0">
+              <a:schemeClr val="accent1"/>
+            </a:effectRef>
+            <a:fontRef idx="minor">
+              <a:schemeClr val="lt1"/>
+            </a:fontRef>
+          </p:style>
+          <p:txBody>
+            <a:bodyPr rtlCol="0" anchor="ctr"/>
+            <a:lstStyle/>
+            <a:p>
+              <a:pPr algn="ctr"/>
+              <a:endParaRPr lang="en-US"/>
+            </a:p>
+          </p:txBody>
+        </p:sp>
+        <p:sp>
+          <p:nvSpPr>
+            <p:cNvPr id="7" name="Rectangle 6">
+              <a:extLst>
+                <a:ext uri="{FF2B5EF4-FFF2-40B4-BE49-F238E27FC236}">
+                  <a16:creationId xmlns:a16="http://schemas.microsoft.com/office/drawing/2014/main" id="{B111BBAE-835A-A5C2-F9DA-2AB0DCDA0447}"/>
+                </a:ext>
+              </a:extLst>
+            </p:cNvPr>
+            <p:cNvSpPr/>
+            <p:nvPr/>
+          </p:nvSpPr>
+          <p:spPr>
+            <a:xfrm>
+              <a:off x="5476240" y="6145629"/>
+              <a:ext cx="1239520" cy="447040"/>
+            </a:xfrm>
+            <a:prstGeom prst="rect">
+              <a:avLst/>
+            </a:prstGeom>
+            <a:noFill/>
+            <a:ln w="28575">
+              <a:solidFill>
+                <a:schemeClr val="tx1"/>
+              </a:solidFill>
+            </a:ln>
+          </p:spPr>
+          <p:style>
+            <a:lnRef idx="2">
+              <a:schemeClr val="accent1">
+                <a:shade val="50000"/>
+              </a:schemeClr>
+            </a:lnRef>
+            <a:fillRef idx="1">
+              <a:schemeClr val="accent1"/>
+            </a:fillRef>
+            <a:effectRef idx="0">
+              <a:schemeClr val="accent1"/>
+            </a:effectRef>
+            <a:fontRef idx="minor">
+              <a:schemeClr val="lt1"/>
+            </a:fontRef>
+          </p:style>
+          <p:txBody>
+            <a:bodyPr rtlCol="0" anchor="ctr"/>
+            <a:lstStyle/>
+            <a:p>
+              <a:pPr algn="ctr"/>
+              <a:endParaRPr lang="en-US"/>
+            </a:p>
+          </p:txBody>
+        </p:sp>
+        <p:sp>
+          <p:nvSpPr>
+            <p:cNvPr id="8" name="Rectangle 7">
+              <a:extLst>
+                <a:ext uri="{FF2B5EF4-FFF2-40B4-BE49-F238E27FC236}">
+                  <a16:creationId xmlns:a16="http://schemas.microsoft.com/office/drawing/2014/main" id="{77D758FB-C17A-1055-9D62-E9D4172089B5}"/>
+                </a:ext>
+              </a:extLst>
+            </p:cNvPr>
+            <p:cNvSpPr/>
+            <p:nvPr/>
+          </p:nvSpPr>
+          <p:spPr>
+            <a:xfrm>
+              <a:off x="8321040" y="2123440"/>
+              <a:ext cx="1544320" cy="894080"/>
+            </a:xfrm>
+            <a:prstGeom prst="rect">
+              <a:avLst/>
+            </a:prstGeom>
+            <a:noFill/>
+            <a:ln w="28575">
+              <a:solidFill>
+                <a:schemeClr val="tx1"/>
+              </a:solidFill>
+            </a:ln>
+          </p:spPr>
+          <p:style>
+            <a:lnRef idx="2">
+              <a:schemeClr val="accent1">
+                <a:shade val="50000"/>
+              </a:schemeClr>
+            </a:lnRef>
+            <a:fillRef idx="1">
+              <a:schemeClr val="accent1"/>
+            </a:fillRef>
+            <a:effectRef idx="0">
+              <a:schemeClr val="accent1"/>
+            </a:effectRef>
+            <a:fontRef idx="minor">
+              <a:schemeClr val="lt1"/>
+            </a:fontRef>
+          </p:style>
+          <p:txBody>
+            <a:bodyPr rtlCol="0" anchor="ctr"/>
+            <a:lstStyle/>
+            <a:p>
+              <a:pPr algn="ctr"/>
+              <a:endParaRPr lang="en-US"/>
+            </a:p>
+          </p:txBody>
+        </p:sp>
+        <p:sp>
+          <p:nvSpPr>
+            <p:cNvPr id="10" name="Rectangle 9">
+              <a:extLst>
+                <a:ext uri="{FF2B5EF4-FFF2-40B4-BE49-F238E27FC236}">
+                  <a16:creationId xmlns:a16="http://schemas.microsoft.com/office/drawing/2014/main" id="{6DDD68D7-7290-068C-5361-4AD985B1565D}"/>
+                </a:ext>
+              </a:extLst>
+            </p:cNvPr>
+            <p:cNvSpPr/>
+            <p:nvPr/>
+          </p:nvSpPr>
+          <p:spPr>
+            <a:xfrm>
+              <a:off x="8301771" y="3393441"/>
+              <a:ext cx="1544320" cy="894080"/>
+            </a:xfrm>
+            <a:prstGeom prst="rect">
+              <a:avLst/>
+            </a:prstGeom>
+            <a:noFill/>
+            <a:ln w="28575">
+              <a:solidFill>
+                <a:schemeClr val="tx1"/>
+              </a:solidFill>
+            </a:ln>
+          </p:spPr>
+          <p:style>
+            <a:lnRef idx="2">
+              <a:schemeClr val="accent1">
+                <a:shade val="50000"/>
+              </a:schemeClr>
+            </a:lnRef>
+            <a:fillRef idx="1">
+              <a:schemeClr val="accent1"/>
+            </a:fillRef>
+            <a:effectRef idx="0">
+              <a:schemeClr val="accent1"/>
+            </a:effectRef>
+            <a:fontRef idx="minor">
+              <a:schemeClr val="lt1"/>
+            </a:fontRef>
+          </p:style>
+          <p:txBody>
+            <a:bodyPr rtlCol="0" anchor="ctr"/>
+            <a:lstStyle/>
+            <a:p>
+              <a:pPr algn="ctr"/>
+              <a:endParaRPr lang="en-US"/>
+            </a:p>
+          </p:txBody>
+        </p:sp>
+        <p:sp>
+          <p:nvSpPr>
+            <p:cNvPr id="11" name="Rectangle 10">
+              <a:extLst>
+                <a:ext uri="{FF2B5EF4-FFF2-40B4-BE49-F238E27FC236}">
+                  <a16:creationId xmlns:a16="http://schemas.microsoft.com/office/drawing/2014/main" id="{5CD48D0A-1949-D987-BD49-8146F57129E0}"/>
+                </a:ext>
+              </a:extLst>
+            </p:cNvPr>
+            <p:cNvSpPr/>
+            <p:nvPr/>
+          </p:nvSpPr>
+          <p:spPr>
+            <a:xfrm>
+              <a:off x="8301771" y="4744720"/>
+              <a:ext cx="1544320" cy="894080"/>
+            </a:xfrm>
+            <a:prstGeom prst="rect">
+              <a:avLst/>
+            </a:prstGeom>
+            <a:noFill/>
+            <a:ln w="28575">
+              <a:solidFill>
+                <a:schemeClr val="tx1"/>
+              </a:solidFill>
+            </a:ln>
+          </p:spPr>
+          <p:style>
+            <a:lnRef idx="2">
+              <a:schemeClr val="accent1">
+                <a:shade val="50000"/>
+              </a:schemeClr>
+            </a:lnRef>
+            <a:fillRef idx="1">
+              <a:schemeClr val="accent1"/>
+            </a:fillRef>
+            <a:effectRef idx="0">
+              <a:schemeClr val="accent1"/>
+            </a:effectRef>
+            <a:fontRef idx="minor">
+              <a:schemeClr val="lt1"/>
+            </a:fontRef>
+          </p:style>
+          <p:txBody>
+            <a:bodyPr rtlCol="0" anchor="ctr"/>
+            <a:lstStyle/>
+            <a:p>
+              <a:pPr algn="ctr"/>
+              <a:endParaRPr lang="en-US"/>
+            </a:p>
+          </p:txBody>
+        </p:sp>
+        <p:sp>
+          <p:nvSpPr>
+            <p:cNvPr id="12" name="Rectangle 11">
+              <a:extLst>
+                <a:ext uri="{FF2B5EF4-FFF2-40B4-BE49-F238E27FC236}">
+                  <a16:creationId xmlns:a16="http://schemas.microsoft.com/office/drawing/2014/main" id="{CA8DE0ED-B453-76FA-585E-030D6141F1B9}"/>
+                </a:ext>
+              </a:extLst>
+            </p:cNvPr>
+            <p:cNvSpPr/>
+            <p:nvPr/>
+          </p:nvSpPr>
+          <p:spPr>
+            <a:xfrm>
+              <a:off x="8301771" y="5922109"/>
+              <a:ext cx="656897" cy="894080"/>
+            </a:xfrm>
+            <a:prstGeom prst="rect">
+              <a:avLst/>
+            </a:prstGeom>
+            <a:noFill/>
+            <a:ln w="28575">
+              <a:solidFill>
+                <a:schemeClr val="tx1"/>
+              </a:solidFill>
+            </a:ln>
+          </p:spPr>
+          <p:style>
+            <a:lnRef idx="2">
+              <a:schemeClr val="accent1">
+                <a:shade val="50000"/>
+              </a:schemeClr>
+            </a:lnRef>
+            <a:fillRef idx="1">
+              <a:schemeClr val="accent1"/>
+            </a:fillRef>
+            <a:effectRef idx="0">
+              <a:schemeClr val="accent1"/>
+            </a:effectRef>
+            <a:fontRef idx="minor">
+              <a:schemeClr val="lt1"/>
+            </a:fontRef>
+          </p:style>
+          <p:txBody>
+            <a:bodyPr rtlCol="0" anchor="ctr"/>
+            <a:lstStyle/>
+            <a:p>
+              <a:pPr algn="ctr"/>
+              <a:endParaRPr lang="en-US"/>
+            </a:p>
+          </p:txBody>
+        </p:sp>
+        <p:sp>
+          <p:nvSpPr>
+            <p:cNvPr id="13" name="Rectangle 12">
+              <a:extLst>
+                <a:ext uri="{FF2B5EF4-FFF2-40B4-BE49-F238E27FC236}">
+                  <a16:creationId xmlns:a16="http://schemas.microsoft.com/office/drawing/2014/main" id="{495891BC-25BA-4DA5-BE6E-705C8588C863}"/>
+                </a:ext>
+              </a:extLst>
+            </p:cNvPr>
+            <p:cNvSpPr/>
+            <p:nvPr/>
+          </p:nvSpPr>
+          <p:spPr>
+            <a:xfrm>
+              <a:off x="9208463" y="5922109"/>
+              <a:ext cx="656897" cy="894080"/>
+            </a:xfrm>
+            <a:prstGeom prst="rect">
+              <a:avLst/>
+            </a:prstGeom>
+            <a:noFill/>
+            <a:ln w="28575">
+              <a:solidFill>
+                <a:schemeClr val="tx1"/>
+              </a:solidFill>
+            </a:ln>
+          </p:spPr>
+          <p:style>
+            <a:lnRef idx="2">
+              <a:schemeClr val="accent1">
+                <a:shade val="50000"/>
+              </a:schemeClr>
+            </a:lnRef>
+            <a:fillRef idx="1">
+              <a:schemeClr val="accent1"/>
+            </a:fillRef>
+            <a:effectRef idx="0">
+              <a:schemeClr val="accent1"/>
+            </a:effectRef>
+            <a:fontRef idx="minor">
+              <a:schemeClr val="lt1"/>
+            </a:fontRef>
+          </p:style>
+          <p:txBody>
+            <a:bodyPr rtlCol="0" anchor="ctr"/>
+            <a:lstStyle/>
+            <a:p>
+              <a:pPr algn="ctr"/>
+              <a:endParaRPr lang="en-US"/>
+            </a:p>
+          </p:txBody>
+        </p:sp>
+      </p:grpSp>
+      <p:sp>
+        <p:nvSpPr>
+          <p:cNvPr id="15" name="TextBox 14">
+            <a:extLst>
+              <a:ext uri="{FF2B5EF4-FFF2-40B4-BE49-F238E27FC236}">
+                <a16:creationId xmlns:a16="http://schemas.microsoft.com/office/drawing/2014/main" id="{35092C63-FFA5-9D19-FC77-84329EFF7BEE}"/>
+              </a:ext>
+            </a:extLst>
+          </p:cNvPr>
+          <p:cNvSpPr txBox="1"/>
+          <p:nvPr/>
+        </p:nvSpPr>
+        <p:spPr>
+          <a:xfrm>
+            <a:off x="5638099" y="5904821"/>
+            <a:ext cx="914400" cy="369332"/>
+          </a:xfrm>
+          <a:prstGeom prst="rect">
+            <a:avLst/>
+          </a:prstGeom>
+          <a:noFill/>
+        </p:spPr>
+        <p:txBody>
+          <a:bodyPr wrap="square" rtlCol="0">
+            <a:spAutoFit/>
+          </a:bodyPr>
+          <a:lstStyle/>
+          <a:p>
+            <a:pPr algn="ctr"/>
+            <a:r>
+              <a:rPr lang="en-US" dirty="0"/>
+              <a:t>IOT</a:t>
+            </a:r>
+          </a:p>
+        </p:txBody>
+      </p:sp>
+      <p:sp>
+        <p:nvSpPr>
+          <p:cNvPr id="16" name="TextBox 15">
+            <a:extLst>
+              <a:ext uri="{FF2B5EF4-FFF2-40B4-BE49-F238E27FC236}">
+                <a16:creationId xmlns:a16="http://schemas.microsoft.com/office/drawing/2014/main" id="{3AF00500-902B-E1AC-FA8B-47E60936F473}"/>
+              </a:ext>
+            </a:extLst>
+          </p:cNvPr>
+          <p:cNvSpPr txBox="1"/>
+          <p:nvPr/>
+        </p:nvSpPr>
+        <p:spPr>
+          <a:xfrm>
+            <a:off x="1868214" y="3531415"/>
+            <a:ext cx="1544320" cy="646331"/>
+          </a:xfrm>
+          <a:prstGeom prst="rect">
+            <a:avLst/>
+          </a:prstGeom>
+          <a:noFill/>
+        </p:spPr>
+        <p:txBody>
+          <a:bodyPr wrap="square" rtlCol="0">
+            <a:spAutoFit/>
+          </a:bodyPr>
+          <a:lstStyle/>
+          <a:p>
+            <a:r>
+              <a:rPr lang="en-US" dirty="0"/>
+              <a:t>Ultrasonic Sensor</a:t>
+            </a:r>
+          </a:p>
+        </p:txBody>
+      </p:sp>
+      <p:sp>
+        <p:nvSpPr>
+          <p:cNvPr id="17" name="TextBox 16">
+            <a:extLst>
+              <a:ext uri="{FF2B5EF4-FFF2-40B4-BE49-F238E27FC236}">
+                <a16:creationId xmlns:a16="http://schemas.microsoft.com/office/drawing/2014/main" id="{F15D1806-5948-C608-50E6-B73D716F4142}"/>
+              </a:ext>
+            </a:extLst>
+          </p:cNvPr>
+          <p:cNvSpPr txBox="1"/>
+          <p:nvPr/>
+        </p:nvSpPr>
+        <p:spPr>
+          <a:xfrm>
+            <a:off x="2164080" y="2011110"/>
+            <a:ext cx="914400" cy="646331"/>
+          </a:xfrm>
+          <a:prstGeom prst="rect">
+            <a:avLst/>
+          </a:prstGeom>
+          <a:noFill/>
+        </p:spPr>
+        <p:txBody>
+          <a:bodyPr wrap="square" rtlCol="0">
+            <a:spAutoFit/>
+          </a:bodyPr>
+          <a:lstStyle/>
+          <a:p>
+            <a:r>
+              <a:rPr lang="en-US" dirty="0"/>
+              <a:t>Power</a:t>
+            </a:r>
+            <a:br>
+              <a:rPr lang="en-US" dirty="0"/>
+            </a:br>
+            <a:r>
+              <a:rPr lang="en-US" dirty="0"/>
+              <a:t>supply</a:t>
+            </a:r>
+          </a:p>
+        </p:txBody>
+      </p:sp>
+      <p:sp>
+        <p:nvSpPr>
+          <p:cNvPr id="18" name="TextBox 17">
+            <a:extLst>
+              <a:ext uri="{FF2B5EF4-FFF2-40B4-BE49-F238E27FC236}">
+                <a16:creationId xmlns:a16="http://schemas.microsoft.com/office/drawing/2014/main" id="{ADC64342-9E89-A8D3-F566-322C4C9F46E4}"/>
+              </a:ext>
+            </a:extLst>
+          </p:cNvPr>
+          <p:cNvSpPr txBox="1"/>
+          <p:nvPr/>
+        </p:nvSpPr>
+        <p:spPr>
+          <a:xfrm>
+            <a:off x="8614979" y="2034804"/>
+            <a:ext cx="914400" cy="646331"/>
+          </a:xfrm>
+          <a:prstGeom prst="rect">
+            <a:avLst/>
+          </a:prstGeom>
+          <a:noFill/>
+        </p:spPr>
+        <p:txBody>
+          <a:bodyPr wrap="square" rtlCol="0">
+            <a:spAutoFit/>
+          </a:bodyPr>
+          <a:lstStyle/>
+          <a:p>
+            <a:pPr algn="ctr"/>
+            <a:r>
+              <a:rPr lang="en-US" dirty="0"/>
+              <a:t>16*2 LCD</a:t>
+            </a:r>
+          </a:p>
+        </p:txBody>
+      </p:sp>
+      <p:sp>
+        <p:nvSpPr>
+          <p:cNvPr id="19" name="TextBox 18">
+            <a:extLst>
+              <a:ext uri="{FF2B5EF4-FFF2-40B4-BE49-F238E27FC236}">
+                <a16:creationId xmlns:a16="http://schemas.microsoft.com/office/drawing/2014/main" id="{19B362F6-B1F2-1720-E41E-3D4323430688}"/>
+              </a:ext>
+            </a:extLst>
+          </p:cNvPr>
+          <p:cNvSpPr txBox="1"/>
+          <p:nvPr/>
+        </p:nvSpPr>
+        <p:spPr>
+          <a:xfrm>
+            <a:off x="8595710" y="3295195"/>
+            <a:ext cx="914400" cy="646331"/>
+          </a:xfrm>
+          <a:prstGeom prst="rect">
+            <a:avLst/>
+          </a:prstGeom>
+          <a:noFill/>
+        </p:spPr>
+        <p:txBody>
+          <a:bodyPr wrap="square" rtlCol="0">
+            <a:spAutoFit/>
+          </a:bodyPr>
+          <a:lstStyle/>
+          <a:p>
+            <a:pPr algn="ctr"/>
+            <a:r>
+              <a:rPr lang="en-US" dirty="0"/>
+              <a:t>Servo motor</a:t>
+            </a:r>
+          </a:p>
+        </p:txBody>
+      </p:sp>
+      <p:sp>
+        <p:nvSpPr>
+          <p:cNvPr id="20" name="TextBox 19">
+            <a:extLst>
+              <a:ext uri="{FF2B5EF4-FFF2-40B4-BE49-F238E27FC236}">
+                <a16:creationId xmlns:a16="http://schemas.microsoft.com/office/drawing/2014/main" id="{62EA93DC-0AFA-4EF4-74C6-8BD4D1DDEB98}"/>
+              </a:ext>
+            </a:extLst>
+          </p:cNvPr>
+          <p:cNvSpPr txBox="1"/>
+          <p:nvPr/>
+        </p:nvSpPr>
+        <p:spPr>
+          <a:xfrm>
+            <a:off x="8300019" y="4605835"/>
+            <a:ext cx="1544320" cy="646331"/>
+          </a:xfrm>
+          <a:prstGeom prst="rect">
+            <a:avLst/>
+          </a:prstGeom>
+          <a:noFill/>
+        </p:spPr>
+        <p:txBody>
+          <a:bodyPr wrap="square" rtlCol="0">
+            <a:spAutoFit/>
+          </a:bodyPr>
+          <a:lstStyle/>
+          <a:p>
+            <a:pPr algn="ctr"/>
+            <a:r>
+              <a:rPr lang="en-US" dirty="0"/>
+              <a:t>L293D motor driver</a:t>
+            </a:r>
+          </a:p>
+        </p:txBody>
+      </p:sp>
+      <p:sp>
+        <p:nvSpPr>
+          <p:cNvPr id="21" name="TextBox 20">
+            <a:extLst>
+              <a:ext uri="{FF2B5EF4-FFF2-40B4-BE49-F238E27FC236}">
+                <a16:creationId xmlns:a16="http://schemas.microsoft.com/office/drawing/2014/main" id="{0167A032-2383-70BE-7499-B9FECD46DAAC}"/>
+              </a:ext>
+            </a:extLst>
+          </p:cNvPr>
+          <p:cNvSpPr txBox="1"/>
+          <p:nvPr/>
+        </p:nvSpPr>
+        <p:spPr>
+          <a:xfrm>
+            <a:off x="8349484" y="5960578"/>
+            <a:ext cx="722695" cy="369332"/>
+          </a:xfrm>
+          <a:prstGeom prst="rect">
+            <a:avLst/>
+          </a:prstGeom>
+          <a:noFill/>
+        </p:spPr>
+        <p:txBody>
+          <a:bodyPr wrap="square" rtlCol="0">
+            <a:spAutoFit/>
+          </a:bodyPr>
+          <a:lstStyle/>
+          <a:p>
+            <a:r>
+              <a:rPr lang="en-US" dirty="0"/>
+              <a:t>M1</a:t>
+            </a:r>
+          </a:p>
+        </p:txBody>
+      </p:sp>
+      <p:sp>
+        <p:nvSpPr>
+          <p:cNvPr id="22" name="TextBox 21">
+            <a:extLst>
+              <a:ext uri="{FF2B5EF4-FFF2-40B4-BE49-F238E27FC236}">
+                <a16:creationId xmlns:a16="http://schemas.microsoft.com/office/drawing/2014/main" id="{9DD27AAB-3DA7-EE90-9D65-788BD8363C8C}"/>
+              </a:ext>
+            </a:extLst>
+          </p:cNvPr>
+          <p:cNvSpPr txBox="1"/>
+          <p:nvPr/>
+        </p:nvSpPr>
+        <p:spPr>
+          <a:xfrm>
+            <a:off x="9187442" y="5960578"/>
+            <a:ext cx="722695" cy="369332"/>
+          </a:xfrm>
+          <a:prstGeom prst="rect">
+            <a:avLst/>
+          </a:prstGeom>
+          <a:noFill/>
+        </p:spPr>
+        <p:txBody>
+          <a:bodyPr wrap="square" rtlCol="0">
+            <a:spAutoFit/>
+          </a:bodyPr>
+          <a:lstStyle/>
+          <a:p>
+            <a:r>
+              <a:rPr lang="en-US" dirty="0"/>
+              <a:t>M2</a:t>
+            </a:r>
+          </a:p>
+        </p:txBody>
+      </p:sp>
+      <p:sp>
+        <p:nvSpPr>
+          <p:cNvPr id="26" name="Arrow: Right 25">
+            <a:extLst>
+              <a:ext uri="{FF2B5EF4-FFF2-40B4-BE49-F238E27FC236}">
+                <a16:creationId xmlns:a16="http://schemas.microsoft.com/office/drawing/2014/main" id="{D002BACE-8033-A65D-4E2E-A27547261080}"/>
+              </a:ext>
+            </a:extLst>
+          </p:cNvPr>
+          <p:cNvSpPr/>
+          <p:nvPr/>
+        </p:nvSpPr>
+        <p:spPr>
+          <a:xfrm>
+            <a:off x="3505200" y="2164080"/>
+            <a:ext cx="772160" cy="304800"/>
+          </a:xfrm>
+          <a:prstGeom prst="rightArrow">
+            <a:avLst/>
+          </a:prstGeom>
+        </p:spPr>
+        <p:style>
+          <a:lnRef idx="2">
+            <a:schemeClr val="accent1">
+              <a:shade val="50000"/>
+            </a:schemeClr>
+          </a:lnRef>
+          <a:fillRef idx="1">
+            <a:schemeClr val="accent1"/>
+          </a:fillRef>
+          <a:effectRef idx="0">
+            <a:schemeClr val="accent1"/>
+          </a:effectRef>
+          <a:fontRef idx="minor">
+            <a:schemeClr val="lt1"/>
+          </a:fontRef>
+        </p:style>
+        <p:txBody>
+          <a:bodyPr rtlCol="0" anchor="ctr"/>
+          <a:lstStyle/>
+          <a:p>
+            <a:pPr algn="ctr"/>
+            <a:endParaRPr lang="en-US"/>
+          </a:p>
+        </p:txBody>
+      </p:sp>
+      <p:sp>
+        <p:nvSpPr>
+          <p:cNvPr id="27" name="Arrow: Right 26">
+            <a:extLst>
+              <a:ext uri="{FF2B5EF4-FFF2-40B4-BE49-F238E27FC236}">
+                <a16:creationId xmlns:a16="http://schemas.microsoft.com/office/drawing/2014/main" id="{A9BC0BF0-DCFF-4B44-F5D4-BA42E6911EB6}"/>
+              </a:ext>
+            </a:extLst>
+          </p:cNvPr>
+          <p:cNvSpPr/>
+          <p:nvPr/>
+        </p:nvSpPr>
+        <p:spPr>
+          <a:xfrm>
+            <a:off x="3462809" y="3636726"/>
+            <a:ext cx="772160" cy="304800"/>
+          </a:xfrm>
+          <a:prstGeom prst="rightArrow">
+            <a:avLst/>
+          </a:prstGeom>
+        </p:spPr>
+        <p:style>
+          <a:lnRef idx="2">
+            <a:schemeClr val="accent1">
+              <a:shade val="50000"/>
+            </a:schemeClr>
+          </a:lnRef>
+          <a:fillRef idx="1">
+            <a:schemeClr val="accent1"/>
+          </a:fillRef>
+          <a:effectRef idx="0">
+            <a:schemeClr val="accent1"/>
+          </a:effectRef>
+          <a:fontRef idx="minor">
+            <a:schemeClr val="lt1"/>
+          </a:fontRef>
+        </p:style>
+        <p:txBody>
+          <a:bodyPr rtlCol="0" anchor="ctr"/>
+          <a:lstStyle/>
+          <a:p>
+            <a:pPr algn="ctr"/>
+            <a:endParaRPr lang="en-US"/>
+          </a:p>
+        </p:txBody>
+      </p:sp>
+      <p:sp>
+        <p:nvSpPr>
+          <p:cNvPr id="28" name="Arrow: Right 27">
+            <a:extLst>
+              <a:ext uri="{FF2B5EF4-FFF2-40B4-BE49-F238E27FC236}">
+                <a16:creationId xmlns:a16="http://schemas.microsoft.com/office/drawing/2014/main" id="{21496C2C-EFEE-3E12-FB21-2770A0D96175}"/>
+              </a:ext>
+            </a:extLst>
+          </p:cNvPr>
+          <p:cNvSpPr/>
+          <p:nvPr/>
+        </p:nvSpPr>
+        <p:spPr>
+          <a:xfrm>
+            <a:off x="7731059" y="2164080"/>
+            <a:ext cx="549341" cy="263311"/>
+          </a:xfrm>
+          <a:prstGeom prst="rightArrow">
+            <a:avLst/>
+          </a:prstGeom>
+        </p:spPr>
+        <p:style>
+          <a:lnRef idx="2">
+            <a:schemeClr val="accent1">
+              <a:shade val="50000"/>
+            </a:schemeClr>
+          </a:lnRef>
+          <a:fillRef idx="1">
+            <a:schemeClr val="accent1"/>
+          </a:fillRef>
+          <a:effectRef idx="0">
+            <a:schemeClr val="accent1"/>
+          </a:effectRef>
+          <a:fontRef idx="minor">
+            <a:schemeClr val="lt1"/>
+          </a:fontRef>
+        </p:style>
+        <p:txBody>
+          <a:bodyPr rtlCol="0" anchor="ctr"/>
+          <a:lstStyle/>
+          <a:p>
+            <a:pPr algn="ctr"/>
+            <a:endParaRPr lang="en-US"/>
+          </a:p>
+        </p:txBody>
+      </p:sp>
+      <p:sp>
+        <p:nvSpPr>
+          <p:cNvPr id="29" name="Arrow: Right 28">
+            <a:extLst>
+              <a:ext uri="{FF2B5EF4-FFF2-40B4-BE49-F238E27FC236}">
+                <a16:creationId xmlns:a16="http://schemas.microsoft.com/office/drawing/2014/main" id="{DD06604A-D6CF-DE27-FEA0-2174D5269141}"/>
+              </a:ext>
+            </a:extLst>
+          </p:cNvPr>
+          <p:cNvSpPr/>
+          <p:nvPr/>
+        </p:nvSpPr>
+        <p:spPr>
+          <a:xfrm>
+            <a:off x="7761188" y="3446066"/>
+            <a:ext cx="549341" cy="263311"/>
+          </a:xfrm>
+          <a:prstGeom prst="rightArrow">
+            <a:avLst/>
+          </a:prstGeom>
+        </p:spPr>
+        <p:style>
+          <a:lnRef idx="2">
+            <a:schemeClr val="accent1">
+              <a:shade val="50000"/>
+            </a:schemeClr>
+          </a:lnRef>
+          <a:fillRef idx="1">
+            <a:schemeClr val="accent1"/>
+          </a:fillRef>
+          <a:effectRef idx="0">
+            <a:schemeClr val="accent1"/>
+          </a:effectRef>
+          <a:fontRef idx="minor">
+            <a:schemeClr val="lt1"/>
+          </a:fontRef>
+        </p:style>
+        <p:txBody>
+          <a:bodyPr rtlCol="0" anchor="ctr"/>
+          <a:lstStyle/>
+          <a:p>
+            <a:pPr algn="ctr"/>
+            <a:endParaRPr lang="en-US"/>
+          </a:p>
+        </p:txBody>
+      </p:sp>
+      <p:sp>
+        <p:nvSpPr>
+          <p:cNvPr id="30" name="Arrow: Right 29">
+            <a:extLst>
+              <a:ext uri="{FF2B5EF4-FFF2-40B4-BE49-F238E27FC236}">
+                <a16:creationId xmlns:a16="http://schemas.microsoft.com/office/drawing/2014/main" id="{C0D2F59A-A04C-EE2C-4806-2231A56BBFE1}"/>
+              </a:ext>
+            </a:extLst>
+          </p:cNvPr>
+          <p:cNvSpPr/>
+          <p:nvPr/>
+        </p:nvSpPr>
+        <p:spPr>
+          <a:xfrm>
+            <a:off x="7760837" y="4728052"/>
+            <a:ext cx="549341" cy="263311"/>
+          </a:xfrm>
+          <a:prstGeom prst="rightArrow">
+            <a:avLst/>
+          </a:prstGeom>
+        </p:spPr>
+        <p:style>
+          <a:lnRef idx="2">
+            <a:schemeClr val="accent1">
+              <a:shade val="50000"/>
+            </a:schemeClr>
+          </a:lnRef>
+          <a:fillRef idx="1">
+            <a:schemeClr val="accent1"/>
+          </a:fillRef>
+          <a:effectRef idx="0">
+            <a:schemeClr val="accent1"/>
+          </a:effectRef>
+          <a:fontRef idx="minor">
+            <a:schemeClr val="lt1"/>
+          </a:fontRef>
+        </p:style>
+        <p:txBody>
+          <a:bodyPr rtlCol="0" anchor="ctr"/>
+          <a:lstStyle/>
+          <a:p>
+            <a:pPr algn="ctr"/>
+            <a:endParaRPr lang="en-US"/>
+          </a:p>
+        </p:txBody>
+      </p:sp>
+      <p:sp>
+        <p:nvSpPr>
+          <p:cNvPr id="31" name="Arrow: Right 30">
+            <a:extLst>
+              <a:ext uri="{FF2B5EF4-FFF2-40B4-BE49-F238E27FC236}">
+                <a16:creationId xmlns:a16="http://schemas.microsoft.com/office/drawing/2014/main" id="{141652FF-563D-F5B2-52B2-2F870F70D27D}"/>
+              </a:ext>
+            </a:extLst>
+          </p:cNvPr>
+          <p:cNvSpPr/>
+          <p:nvPr/>
+        </p:nvSpPr>
+        <p:spPr>
+          <a:xfrm rot="16200000">
+            <a:off x="5921877" y="5476928"/>
+            <a:ext cx="549341" cy="263311"/>
+          </a:xfrm>
+          <a:prstGeom prst="rightArrow">
+            <a:avLst/>
+          </a:prstGeom>
+        </p:spPr>
+        <p:style>
+          <a:lnRef idx="2">
+            <a:schemeClr val="accent1">
+              <a:shade val="50000"/>
+            </a:schemeClr>
+          </a:lnRef>
+          <a:fillRef idx="1">
+            <a:schemeClr val="accent1"/>
+          </a:fillRef>
+          <a:effectRef idx="0">
+            <a:schemeClr val="accent1"/>
+          </a:effectRef>
+          <a:fontRef idx="minor">
+            <a:schemeClr val="lt1"/>
+          </a:fontRef>
+        </p:style>
+        <p:txBody>
+          <a:bodyPr rtlCol="0" anchor="ctr"/>
+          <a:lstStyle/>
+          <a:p>
+            <a:pPr algn="ctr"/>
+            <a:endParaRPr lang="en-US"/>
+          </a:p>
+        </p:txBody>
+      </p:sp>
+      <p:cxnSp>
+        <p:nvCxnSpPr>
+          <p:cNvPr id="33" name="Straight Connector 32">
+            <a:extLst>
+              <a:ext uri="{FF2B5EF4-FFF2-40B4-BE49-F238E27FC236}">
+                <a16:creationId xmlns:a16="http://schemas.microsoft.com/office/drawing/2014/main" id="{87AB5C3A-853B-8A08-EE59-950F482F64C1}"/>
+              </a:ext>
+            </a:extLst>
+          </p:cNvPr>
+          <p:cNvCxnSpPr>
+            <a:cxnSpLocks/>
+            <a:endCxn id="12" idx="0"/>
+          </p:cNvCxnSpPr>
+          <p:nvPr/>
+        </p:nvCxnSpPr>
+        <p:spPr>
+          <a:xfrm>
+            <a:off x="8595710" y="5376041"/>
+            <a:ext cx="13489" cy="283309"/>
+          </a:xfrm>
+          <a:prstGeom prst="line">
+            <a:avLst/>
+          </a:prstGeom>
+          <a:ln w="28575"/>
+        </p:spPr>
+        <p:style>
+          <a:lnRef idx="1">
+            <a:schemeClr val="accent1"/>
+          </a:lnRef>
+          <a:fillRef idx="0">
+            <a:schemeClr val="accent1"/>
+          </a:fillRef>
+          <a:effectRef idx="0">
+            <a:schemeClr val="accent1"/>
+          </a:effectRef>
+          <a:fontRef idx="minor">
+            <a:schemeClr val="tx1"/>
+          </a:fontRef>
+        </p:style>
+      </p:cxnSp>
+      <p:cxnSp>
+        <p:nvCxnSpPr>
+          <p:cNvPr id="35" name="Straight Connector 34">
+            <a:extLst>
+              <a:ext uri="{FF2B5EF4-FFF2-40B4-BE49-F238E27FC236}">
+                <a16:creationId xmlns:a16="http://schemas.microsoft.com/office/drawing/2014/main" id="{B9417819-AE97-04E6-E642-A5F9AD9E5055}"/>
+              </a:ext>
+            </a:extLst>
+          </p:cNvPr>
+          <p:cNvCxnSpPr>
+            <a:cxnSpLocks/>
+          </p:cNvCxnSpPr>
+          <p:nvPr/>
+        </p:nvCxnSpPr>
+        <p:spPr>
+          <a:xfrm>
+            <a:off x="9467105" y="5345177"/>
+            <a:ext cx="13489" cy="283309"/>
+          </a:xfrm>
+          <a:prstGeom prst="line">
+            <a:avLst/>
+          </a:prstGeom>
+          <a:ln w="28575"/>
+        </p:spPr>
+        <p:style>
+          <a:lnRef idx="1">
+            <a:schemeClr val="accent1"/>
+          </a:lnRef>
+          <a:fillRef idx="0">
+            <a:schemeClr val="accent1"/>
+          </a:fillRef>
+          <a:effectRef idx="0">
+            <a:schemeClr val="accent1"/>
+          </a:effectRef>
+          <a:fontRef idx="minor">
+            <a:schemeClr val="tx1"/>
+          </a:fontRef>
+        </p:style>
+      </p:cxnSp>
+      <p:sp>
+        <p:nvSpPr>
+          <p:cNvPr id="36" name="TextBox 35">
+            <a:extLst>
+              <a:ext uri="{FF2B5EF4-FFF2-40B4-BE49-F238E27FC236}">
+                <a16:creationId xmlns:a16="http://schemas.microsoft.com/office/drawing/2014/main" id="{7C43C670-FB53-6746-9CF3-0B1BCA0EA53C}"/>
+              </a:ext>
+            </a:extLst>
+          </p:cNvPr>
+          <p:cNvSpPr txBox="1"/>
+          <p:nvPr/>
+        </p:nvSpPr>
+        <p:spPr>
+          <a:xfrm>
+            <a:off x="5281974" y="2818141"/>
+            <a:ext cx="1494148" cy="954107"/>
+          </a:xfrm>
+          <a:prstGeom prst="rect">
+            <a:avLst/>
+          </a:prstGeom>
+          <a:noFill/>
+        </p:spPr>
+        <p:txBody>
+          <a:bodyPr wrap="square" rtlCol="0">
+            <a:spAutoFit/>
+          </a:bodyPr>
+          <a:lstStyle/>
+          <a:p>
+            <a:pPr algn="ctr"/>
+            <a:r>
+              <a:rPr lang="en-US" sz="2800" dirty="0"/>
+              <a:t>Arduino Uno</a:t>
+            </a:r>
+          </a:p>
+        </p:txBody>
+      </p:sp>
+    </p:spTree>
+    <p:extLst>
+      <p:ext uri="{BB962C8B-B14F-4D97-AF65-F5344CB8AC3E}">
+        <p14:creationId xmlns:p14="http://schemas.microsoft.com/office/powerpoint/2010/main" val="3248452303"/>
+      </p:ext>
+    </p:extLst>
+  </p:cSld>
+  <p:clrMapOvr>
+    <a:masterClrMapping/>
+  </p:clrMapOvr>
+</p:sld>
+</file>
+
+<file path=ppt/slides/slide17.xml><?xml version="1.0" encoding="utf-8"?>
+<p:sld xmlns:a="http://schemas.openxmlformats.org/drawingml/2006/main" xmlns:r="http://schemas.openxmlformats.org/officeDocument/2006/relationships" xmlns:p="http://schemas.openxmlformats.org/presentationml/2006/main">
+  <p:cSld>
+    <p:spTree>
+      <p:nvGrpSpPr>
+        <p:cNvPr id="1" name=""/>
+        <p:cNvGrpSpPr/>
+        <p:nvPr/>
+      </p:nvGrpSpPr>
+      <p:grpSpPr>
+        <a:xfrm>
+          <a:off x="0" y="0"/>
+          <a:ext cx="0" cy="0"/>
+          <a:chOff x="0" y="0"/>
+          <a:chExt cx="0" cy="0"/>
+        </a:xfrm>
+      </p:grpSpPr>
+      <p:sp>
+        <p:nvSpPr>
+          <p:cNvPr id="4" name="TextBox 3">
+            <a:extLst>
+              <a:ext uri="{FF2B5EF4-FFF2-40B4-BE49-F238E27FC236}">
+                <a16:creationId xmlns:a16="http://schemas.microsoft.com/office/drawing/2014/main" id="{17C97D89-3979-D9EC-2F9E-F1BA5D0A9EF4}"/>
+              </a:ext>
+            </a:extLst>
+          </p:cNvPr>
+          <p:cNvSpPr txBox="1"/>
+          <p:nvPr/>
+        </p:nvSpPr>
+        <p:spPr>
+          <a:xfrm>
+            <a:off x="416560" y="675640"/>
+            <a:ext cx="4856480" cy="646331"/>
+          </a:xfrm>
+          <a:prstGeom prst="rect">
+            <a:avLst/>
+          </a:prstGeom>
+          <a:noFill/>
+        </p:spPr>
+        <p:txBody>
+          <a:bodyPr wrap="square" rtlCol="0">
+            <a:spAutoFit/>
+          </a:bodyPr>
+          <a:lstStyle/>
+          <a:p>
+            <a:r>
+              <a:rPr lang="en-US" sz="3600" b="1" dirty="0"/>
+              <a:t>Existing Methods</a:t>
+            </a:r>
+          </a:p>
+        </p:txBody>
+      </p:sp>
+      <p:cxnSp>
+        <p:nvCxnSpPr>
+          <p:cNvPr id="9" name="Straight Connector 8">
+            <a:extLst>
+              <a:ext uri="{FF2B5EF4-FFF2-40B4-BE49-F238E27FC236}">
+                <a16:creationId xmlns:a16="http://schemas.microsoft.com/office/drawing/2014/main" id="{06DEB5C5-95DE-9DEC-6F84-929E462EC78F}"/>
+              </a:ext>
+            </a:extLst>
+          </p:cNvPr>
+          <p:cNvCxnSpPr>
+            <a:cxnSpLocks/>
+          </p:cNvCxnSpPr>
+          <p:nvPr/>
+        </p:nvCxnSpPr>
+        <p:spPr>
+          <a:xfrm>
+            <a:off x="335280" y="1382931"/>
+            <a:ext cx="2743200" cy="0"/>
+          </a:xfrm>
+          <a:prstGeom prst="line">
+            <a:avLst/>
+          </a:prstGeom>
+          <a:ln w="28575"/>
+          <a:effectLst>
+            <a:outerShdw blurRad="50800" dist="38100" dir="2700000" algn="tl" rotWithShape="0">
+              <a:prstClr val="black">
+                <a:alpha val="40000"/>
+              </a:prstClr>
+            </a:outerShdw>
+          </a:effectLst>
+        </p:spPr>
+        <p:style>
+          <a:lnRef idx="1">
+            <a:schemeClr val="accent1"/>
+          </a:lnRef>
+          <a:fillRef idx="0">
+            <a:schemeClr val="accent1"/>
+          </a:fillRef>
+          <a:effectRef idx="0">
+            <a:schemeClr val="accent1"/>
+          </a:effectRef>
+          <a:fontRef idx="minor">
+            <a:schemeClr val="tx1"/>
+          </a:fontRef>
+        </p:style>
+      </p:cxnSp>
+      <p:sp>
+        <p:nvSpPr>
+          <p:cNvPr id="6" name="TextBox 5">
+            <a:extLst>
+              <a:ext uri="{FF2B5EF4-FFF2-40B4-BE49-F238E27FC236}">
+                <a16:creationId xmlns:a16="http://schemas.microsoft.com/office/drawing/2014/main" id="{57CC0083-6D2E-CFA0-B34B-C13C38CC22CF}"/>
+              </a:ext>
+            </a:extLst>
+          </p:cNvPr>
+          <p:cNvSpPr txBox="1"/>
+          <p:nvPr/>
+        </p:nvSpPr>
+        <p:spPr>
+          <a:xfrm>
+            <a:off x="1391920" y="1752600"/>
+            <a:ext cx="5049520" cy="369332"/>
+          </a:xfrm>
+          <a:prstGeom prst="rect">
+            <a:avLst/>
+          </a:prstGeom>
+          <a:noFill/>
+        </p:spPr>
+        <p:txBody>
+          <a:bodyPr wrap="square" rtlCol="0">
+            <a:spAutoFit/>
+          </a:bodyPr>
+          <a:lstStyle/>
+          <a:p>
+            <a:pPr marL="285750" indent="-285750">
+              <a:buFont typeface="Arial" panose="020B0604020202020204" pitchFamily="34" charset="0"/>
+              <a:buChar char="•"/>
+            </a:pPr>
+            <a:r>
+              <a:rPr lang="en-US" dirty="0" err="1"/>
+              <a:t>df</a:t>
+            </a:r>
+            <a:endParaRPr lang="en-US" dirty="0"/>
+          </a:p>
+        </p:txBody>
+      </p:sp>
+    </p:spTree>
+    <p:extLst>
+      <p:ext uri="{BB962C8B-B14F-4D97-AF65-F5344CB8AC3E}">
+        <p14:creationId xmlns:p14="http://schemas.microsoft.com/office/powerpoint/2010/main" val="3800121739"/>
+      </p:ext>
+    </p:extLst>
+  </p:cSld>
+  <p:clrMapOvr>
+    <a:masterClrMapping/>
+  </p:clrMapOvr>
+</p:sld>
+</file>
+
 <file path=ppt/slides/slide2.xml><?xml version="1.0" encoding="utf-8"?>
 <p:sld xmlns:a="http://schemas.openxmlformats.org/drawingml/2006/main" xmlns:r="http://schemas.openxmlformats.org/officeDocument/2006/relationships" xmlns:p="http://schemas.openxmlformats.org/presentationml/2006/main">
   <p:cSld>
@@ -3903,7 +6771,7 @@
         <p:spPr>
           <a:xfrm>
             <a:off x="1036320" y="1781155"/>
-            <a:ext cx="6522720" cy="4401205"/>
+            <a:ext cx="6522720" cy="3970318"/>
           </a:xfrm>
           <a:prstGeom prst="rect">
             <a:avLst/>
@@ -3991,19 +6859,6 @@
                 <a:cs typeface="Times New Roman" panose="02020603050405020304" pitchFamily="18" charset="0"/>
               </a:rPr>
               <a:t>Block diagram</a:t>
-            </a:r>
-          </a:p>
-          <a:p>
-            <a:pPr marL="342900" indent="-342900">
-              <a:buFont typeface="Arial" panose="020B0604020202020204" pitchFamily="34" charset="0"/>
-              <a:buChar char="•"/>
-            </a:pPr>
-            <a:r>
-              <a:rPr lang="en-US" sz="2800" dirty="0">
-                <a:latin typeface="+mj-lt"/>
-                <a:cs typeface="Times New Roman" panose="02020603050405020304" pitchFamily="18" charset="0"/>
-              </a:rPr>
-              <a:t>Sensors used</a:t>
             </a:r>
           </a:p>
           <a:p>
@@ -4349,7 +7204,7 @@
         <p:spPr>
           <a:xfrm>
             <a:off x="1036320" y="1781155"/>
-            <a:ext cx="10434320" cy="461665"/>
+            <a:ext cx="10434320" cy="4154984"/>
           </a:xfrm>
           <a:prstGeom prst="rect">
             <a:avLst/>
@@ -4362,12 +7217,55 @@
           </a:bodyPr>
           <a:lstStyle/>
           <a:p>
-            <a:r>
-              <a:rPr lang="en-US" sz="2400">
-                <a:latin typeface="+mj-lt"/>
-                <a:cs typeface="Times New Roman" panose="02020603050405020304" pitchFamily="18" charset="0"/>
-              </a:rPr>
-              <a:t>-54564654</a:t>
+            <a:pPr marL="342900" indent="-342900">
+              <a:buFont typeface="Arial" panose="020B0604020202020204" pitchFamily="34" charset="0"/>
+              <a:buChar char="•"/>
+            </a:pPr>
+            <a:r>
+              <a:rPr lang="en-US" sz="2400" dirty="0"/>
+              <a:t>Pathfinding algorithms are crucial in robotics and automation for finding paths and avoiding obstacles.</a:t>
+            </a:r>
+            <a:br>
+              <a:rPr lang="en-US" sz="2400" dirty="0"/>
+            </a:br>
+            <a:endParaRPr lang="en-US" sz="2400" dirty="0"/>
+          </a:p>
+          <a:p>
+            <a:pPr marL="342900" indent="-342900">
+              <a:buFont typeface="Arial" panose="020B0604020202020204" pitchFamily="34" charset="0"/>
+              <a:buChar char="•"/>
+            </a:pPr>
+            <a:r>
+              <a:rPr lang="en-US" sz="2400" dirty="0"/>
+              <a:t>Existing pathfinding algorithms for ultrasonic sensors are limited by their monodirectional nature, often relying on simple binary decisions (left and right), leading to inaccuracies.</a:t>
+            </a:r>
+            <a:br>
+              <a:rPr lang="en-US" sz="2400" dirty="0"/>
+            </a:br>
+            <a:endParaRPr lang="en-US" sz="2400" dirty="0"/>
+          </a:p>
+          <a:p>
+            <a:pPr marL="342900" indent="-342900">
+              <a:buFont typeface="Arial" panose="020B0604020202020204" pitchFamily="34" charset="0"/>
+              <a:buChar char="•"/>
+            </a:pPr>
+            <a:r>
+              <a:rPr lang="en-US" sz="2400" dirty="0"/>
+              <a:t>Enhancements to these algorithms aim to improve their accuracy.</a:t>
+            </a:r>
+            <a:br>
+              <a:rPr lang="en-US" sz="2400" dirty="0"/>
+            </a:br>
+            <a:endParaRPr lang="en-US" sz="2400" dirty="0"/>
+          </a:p>
+          <a:p>
+            <a:pPr marL="342900" indent="-342900">
+              <a:buFont typeface="Arial" panose="020B0604020202020204" pitchFamily="34" charset="0"/>
+              <a:buChar char="•"/>
+            </a:pPr>
+            <a:r>
+              <a:rPr lang="en-US" sz="2400" dirty="0"/>
+              <a:t>These algorithms have applications in the military to reach inaccessible or dangerous areas.</a:t>
             </a:r>
             <a:endParaRPr lang="en-US" sz="2400" dirty="0">
               <a:latin typeface="+mj-lt"/>
@@ -4380,6 +7278,1120 @@
     <p:extLst>
       <p:ext uri="{BB962C8B-B14F-4D97-AF65-F5344CB8AC3E}">
         <p14:creationId xmlns:p14="http://schemas.microsoft.com/office/powerpoint/2010/main" val="3940119373"/>
+      </p:ext>
+    </p:extLst>
+  </p:cSld>
+  <p:clrMapOvr>
+    <a:masterClrMapping/>
+  </p:clrMapOvr>
+</p:sld>
+</file>
+
+<file path=ppt/slides/slide6.xml><?xml version="1.0" encoding="utf-8"?>
+<p:sld xmlns:a="http://schemas.openxmlformats.org/drawingml/2006/main" xmlns:r="http://schemas.openxmlformats.org/officeDocument/2006/relationships" xmlns:p="http://schemas.openxmlformats.org/presentationml/2006/main">
+  <p:cSld>
+    <p:spTree>
+      <p:nvGrpSpPr>
+        <p:cNvPr id="1" name=""/>
+        <p:cNvGrpSpPr/>
+        <p:nvPr/>
+      </p:nvGrpSpPr>
+      <p:grpSpPr>
+        <a:xfrm>
+          <a:off x="0" y="0"/>
+          <a:ext cx="0" cy="0"/>
+          <a:chOff x="0" y="0"/>
+          <a:chExt cx="0" cy="0"/>
+        </a:xfrm>
+      </p:grpSpPr>
+      <p:sp>
+        <p:nvSpPr>
+          <p:cNvPr id="4" name="TextBox 3">
+            <a:extLst>
+              <a:ext uri="{FF2B5EF4-FFF2-40B4-BE49-F238E27FC236}">
+                <a16:creationId xmlns:a16="http://schemas.microsoft.com/office/drawing/2014/main" id="{17C97D89-3979-D9EC-2F9E-F1BA5D0A9EF4}"/>
+              </a:ext>
+            </a:extLst>
+          </p:cNvPr>
+          <p:cNvSpPr txBox="1"/>
+          <p:nvPr/>
+        </p:nvSpPr>
+        <p:spPr>
+          <a:xfrm>
+            <a:off x="436880" y="675640"/>
+            <a:ext cx="8097520" cy="646331"/>
+          </a:xfrm>
+          <a:prstGeom prst="rect">
+            <a:avLst/>
+          </a:prstGeom>
+          <a:noFill/>
+        </p:spPr>
+        <p:txBody>
+          <a:bodyPr wrap="square" rtlCol="0">
+            <a:spAutoFit/>
+          </a:bodyPr>
+          <a:lstStyle/>
+          <a:p>
+            <a:r>
+              <a:rPr lang="en-US" sz="3600" b="1" dirty="0"/>
+              <a:t>Problem Statement &amp; Challenges</a:t>
+            </a:r>
+          </a:p>
+        </p:txBody>
+      </p:sp>
+      <p:cxnSp>
+        <p:nvCxnSpPr>
+          <p:cNvPr id="9" name="Straight Connector 8">
+            <a:extLst>
+              <a:ext uri="{FF2B5EF4-FFF2-40B4-BE49-F238E27FC236}">
+                <a16:creationId xmlns:a16="http://schemas.microsoft.com/office/drawing/2014/main" id="{06DEB5C5-95DE-9DEC-6F84-929E462EC78F}"/>
+              </a:ext>
+            </a:extLst>
+          </p:cNvPr>
+          <p:cNvCxnSpPr>
+            <a:cxnSpLocks/>
+          </p:cNvCxnSpPr>
+          <p:nvPr/>
+        </p:nvCxnSpPr>
+        <p:spPr>
+          <a:xfrm>
+            <a:off x="355600" y="1382931"/>
+            <a:ext cx="2743200" cy="0"/>
+          </a:xfrm>
+          <a:prstGeom prst="line">
+            <a:avLst/>
+          </a:prstGeom>
+          <a:ln w="28575"/>
+          <a:effectLst>
+            <a:outerShdw blurRad="50800" dist="38100" dir="2700000" algn="tl" rotWithShape="0">
+              <a:prstClr val="black">
+                <a:alpha val="40000"/>
+              </a:prstClr>
+            </a:outerShdw>
+          </a:effectLst>
+        </p:spPr>
+        <p:style>
+          <a:lnRef idx="1">
+            <a:schemeClr val="accent1"/>
+          </a:lnRef>
+          <a:fillRef idx="0">
+            <a:schemeClr val="accent1"/>
+          </a:fillRef>
+          <a:effectRef idx="0">
+            <a:schemeClr val="accent1"/>
+          </a:effectRef>
+          <a:fontRef idx="minor">
+            <a:schemeClr val="tx1"/>
+          </a:fontRef>
+        </p:style>
+      </p:cxnSp>
+      <p:sp>
+        <p:nvSpPr>
+          <p:cNvPr id="10" name="TextBox 9">
+            <a:extLst>
+              <a:ext uri="{FF2B5EF4-FFF2-40B4-BE49-F238E27FC236}">
+                <a16:creationId xmlns:a16="http://schemas.microsoft.com/office/drawing/2014/main" id="{603D59D7-9A28-C65D-5390-DFAD2739FC7B}"/>
+              </a:ext>
+            </a:extLst>
+          </p:cNvPr>
+          <p:cNvSpPr txBox="1"/>
+          <p:nvPr/>
+        </p:nvSpPr>
+        <p:spPr>
+          <a:xfrm>
+            <a:off x="589280" y="1781155"/>
+            <a:ext cx="5659120" cy="4801314"/>
+          </a:xfrm>
+          <a:prstGeom prst="rect">
+            <a:avLst/>
+          </a:prstGeom>
+          <a:noFill/>
+        </p:spPr>
+        <p:txBody>
+          <a:bodyPr wrap="square" rtlCol="0">
+            <a:spAutoFit/>
+          </a:bodyPr>
+          <a:lstStyle/>
+          <a:p>
+            <a:r>
+              <a:rPr lang="en-US" sz="3200" b="1" dirty="0">
+                <a:latin typeface="+mj-lt"/>
+                <a:cs typeface="Times New Roman" panose="02020603050405020304" pitchFamily="18" charset="0"/>
+              </a:rPr>
+              <a:t>Problem Statement: </a:t>
+            </a:r>
+          </a:p>
+          <a:p>
+            <a:endParaRPr lang="en-US" sz="3200" b="1" dirty="0">
+              <a:latin typeface="+mj-lt"/>
+              <a:cs typeface="Times New Roman" panose="02020603050405020304" pitchFamily="18" charset="0"/>
+            </a:endParaRPr>
+          </a:p>
+          <a:p>
+            <a:pPr marL="457200" indent="-457200">
+              <a:buFont typeface="Arial" panose="020B0604020202020204" pitchFamily="34" charset="0"/>
+              <a:buChar char="•"/>
+            </a:pPr>
+            <a:r>
+              <a:rPr lang="en-US" sz="2200" dirty="0"/>
+              <a:t>In modern robotics and automation, the accuracy and efficiency of pathfinding algorithms are limited by the monodirectional nature of ultrasonic sensors</a:t>
+            </a:r>
+            <a:br>
+              <a:rPr lang="en-US" sz="2200" dirty="0"/>
+            </a:br>
+            <a:endParaRPr lang="en-US" sz="2200" b="1" dirty="0">
+              <a:latin typeface="+mj-lt"/>
+              <a:cs typeface="Times New Roman" panose="02020603050405020304" pitchFamily="18" charset="0"/>
+            </a:endParaRPr>
+          </a:p>
+          <a:p>
+            <a:pPr marL="457200" indent="-457200">
+              <a:buFont typeface="Arial" panose="020B0604020202020204" pitchFamily="34" charset="0"/>
+              <a:buChar char="•"/>
+            </a:pPr>
+            <a:r>
+              <a:rPr lang="en-US" sz="2200" dirty="0"/>
+              <a:t>Often rely on simple binary directional decisions (left and right). </a:t>
+            </a:r>
+            <a:br>
+              <a:rPr lang="en-US" sz="2200" dirty="0"/>
+            </a:br>
+            <a:endParaRPr lang="en-US" sz="2200" dirty="0"/>
+          </a:p>
+          <a:p>
+            <a:pPr marL="457200" indent="-457200">
+              <a:buFont typeface="Arial" panose="020B0604020202020204" pitchFamily="34" charset="0"/>
+              <a:buChar char="•"/>
+            </a:pPr>
+            <a:r>
+              <a:rPr lang="en-US" sz="2200" dirty="0"/>
+              <a:t>inaccuracies in pathfinding and obstacle avoidance,</a:t>
+            </a:r>
+          </a:p>
+        </p:txBody>
+      </p:sp>
+      <p:sp>
+        <p:nvSpPr>
+          <p:cNvPr id="2" name="TextBox 1">
+            <a:extLst>
+              <a:ext uri="{FF2B5EF4-FFF2-40B4-BE49-F238E27FC236}">
+                <a16:creationId xmlns:a16="http://schemas.microsoft.com/office/drawing/2014/main" id="{2BB32B86-F08C-B2BC-4409-6A6E8F85F0E0}"/>
+              </a:ext>
+            </a:extLst>
+          </p:cNvPr>
+          <p:cNvSpPr txBox="1"/>
+          <p:nvPr/>
+        </p:nvSpPr>
+        <p:spPr>
+          <a:xfrm>
+            <a:off x="6248400" y="1781155"/>
+            <a:ext cx="5659120" cy="3631763"/>
+          </a:xfrm>
+          <a:prstGeom prst="rect">
+            <a:avLst/>
+          </a:prstGeom>
+          <a:noFill/>
+        </p:spPr>
+        <p:txBody>
+          <a:bodyPr wrap="square" rtlCol="0">
+            <a:spAutoFit/>
+          </a:bodyPr>
+          <a:lstStyle/>
+          <a:p>
+            <a:r>
+              <a:rPr lang="en-US" sz="3200" b="1" dirty="0">
+                <a:latin typeface="+mj-lt"/>
+                <a:cs typeface="Times New Roman" panose="02020603050405020304" pitchFamily="18" charset="0"/>
+              </a:rPr>
+              <a:t>Challenges: </a:t>
+            </a:r>
+          </a:p>
+          <a:p>
+            <a:endParaRPr lang="en-US" sz="3200" b="1" dirty="0">
+              <a:latin typeface="+mj-lt"/>
+              <a:cs typeface="Times New Roman" panose="02020603050405020304" pitchFamily="18" charset="0"/>
+            </a:endParaRPr>
+          </a:p>
+          <a:p>
+            <a:pPr marL="457200" indent="-457200">
+              <a:buFont typeface="Arial" panose="020B0604020202020204" pitchFamily="34" charset="0"/>
+              <a:buChar char="•"/>
+            </a:pPr>
+            <a:r>
+              <a:rPr lang="en-US" sz="2400" dirty="0"/>
+              <a:t>Real-time Processing.</a:t>
+            </a:r>
+            <a:br>
+              <a:rPr lang="en-US" sz="2200" dirty="0"/>
+            </a:br>
+            <a:endParaRPr lang="en-US" sz="2200" dirty="0"/>
+          </a:p>
+          <a:p>
+            <a:pPr marL="457200" indent="-457200">
+              <a:buFont typeface="Arial" panose="020B0604020202020204" pitchFamily="34" charset="0"/>
+              <a:buChar char="•"/>
+            </a:pPr>
+            <a:r>
+              <a:rPr lang="en-US" sz="2400" dirty="0"/>
+              <a:t>Algorithm Enhancement.</a:t>
+            </a:r>
+            <a:br>
+              <a:rPr lang="en-US" sz="2400" dirty="0"/>
+            </a:br>
+            <a:endParaRPr lang="en-US" sz="2400" dirty="0"/>
+          </a:p>
+          <a:p>
+            <a:pPr marL="457200" indent="-457200">
+              <a:buFont typeface="Arial" panose="020B0604020202020204" pitchFamily="34" charset="0"/>
+              <a:buChar char="•"/>
+            </a:pPr>
+            <a:r>
+              <a:rPr lang="en-US" sz="2400" dirty="0"/>
+              <a:t>Environmental Adaptation.</a:t>
+            </a:r>
+            <a:br>
+              <a:rPr lang="en-US" sz="2400" dirty="0"/>
+            </a:br>
+            <a:endParaRPr lang="en-US" sz="2400" dirty="0"/>
+          </a:p>
+          <a:p>
+            <a:pPr marL="457200" indent="-457200">
+              <a:buFont typeface="Arial" panose="020B0604020202020204" pitchFamily="34" charset="0"/>
+              <a:buChar char="•"/>
+            </a:pPr>
+            <a:r>
+              <a:rPr lang="en-US" sz="2400" dirty="0"/>
+              <a:t>Reduce false Alarms.</a:t>
+            </a:r>
+          </a:p>
+        </p:txBody>
+      </p:sp>
+    </p:spTree>
+    <p:extLst>
+      <p:ext uri="{BB962C8B-B14F-4D97-AF65-F5344CB8AC3E}">
+        <p14:creationId xmlns:p14="http://schemas.microsoft.com/office/powerpoint/2010/main" val="1091229494"/>
+      </p:ext>
+    </p:extLst>
+  </p:cSld>
+  <p:clrMapOvr>
+    <a:masterClrMapping/>
+  </p:clrMapOvr>
+</p:sld>
+</file>
+
+<file path=ppt/slides/slide7.xml><?xml version="1.0" encoding="utf-8"?>
+<p:sld xmlns:a="http://schemas.openxmlformats.org/drawingml/2006/main" xmlns:r="http://schemas.openxmlformats.org/officeDocument/2006/relationships" xmlns:p="http://schemas.openxmlformats.org/presentationml/2006/main">
+  <p:cSld>
+    <p:spTree>
+      <p:nvGrpSpPr>
+        <p:cNvPr id="1" name=""/>
+        <p:cNvGrpSpPr/>
+        <p:nvPr/>
+      </p:nvGrpSpPr>
+      <p:grpSpPr>
+        <a:xfrm>
+          <a:off x="0" y="0"/>
+          <a:ext cx="0" cy="0"/>
+          <a:chOff x="0" y="0"/>
+          <a:chExt cx="0" cy="0"/>
+        </a:xfrm>
+      </p:grpSpPr>
+      <p:sp>
+        <p:nvSpPr>
+          <p:cNvPr id="4" name="TextBox 3">
+            <a:extLst>
+              <a:ext uri="{FF2B5EF4-FFF2-40B4-BE49-F238E27FC236}">
+                <a16:creationId xmlns:a16="http://schemas.microsoft.com/office/drawing/2014/main" id="{17C97D89-3979-D9EC-2F9E-F1BA5D0A9EF4}"/>
+              </a:ext>
+            </a:extLst>
+          </p:cNvPr>
+          <p:cNvSpPr txBox="1"/>
+          <p:nvPr/>
+        </p:nvSpPr>
+        <p:spPr>
+          <a:xfrm>
+            <a:off x="436880" y="675640"/>
+            <a:ext cx="4856480" cy="646331"/>
+          </a:xfrm>
+          <a:prstGeom prst="rect">
+            <a:avLst/>
+          </a:prstGeom>
+          <a:noFill/>
+        </p:spPr>
+        <p:txBody>
+          <a:bodyPr wrap="square" rtlCol="0">
+            <a:spAutoFit/>
+          </a:bodyPr>
+          <a:lstStyle/>
+          <a:p>
+            <a:r>
+              <a:rPr lang="en-US" sz="3600" b="1" dirty="0"/>
+              <a:t>System Components </a:t>
+            </a:r>
+          </a:p>
+        </p:txBody>
+      </p:sp>
+      <p:cxnSp>
+        <p:nvCxnSpPr>
+          <p:cNvPr id="9" name="Straight Connector 8">
+            <a:extLst>
+              <a:ext uri="{FF2B5EF4-FFF2-40B4-BE49-F238E27FC236}">
+                <a16:creationId xmlns:a16="http://schemas.microsoft.com/office/drawing/2014/main" id="{06DEB5C5-95DE-9DEC-6F84-929E462EC78F}"/>
+              </a:ext>
+            </a:extLst>
+          </p:cNvPr>
+          <p:cNvCxnSpPr>
+            <a:cxnSpLocks/>
+          </p:cNvCxnSpPr>
+          <p:nvPr/>
+        </p:nvCxnSpPr>
+        <p:spPr>
+          <a:xfrm>
+            <a:off x="355600" y="1382931"/>
+            <a:ext cx="2743200" cy="0"/>
+          </a:xfrm>
+          <a:prstGeom prst="line">
+            <a:avLst/>
+          </a:prstGeom>
+          <a:ln w="28575"/>
+          <a:effectLst>
+            <a:outerShdw blurRad="50800" dist="38100" dir="2700000" algn="tl" rotWithShape="0">
+              <a:prstClr val="black">
+                <a:alpha val="40000"/>
+              </a:prstClr>
+            </a:outerShdw>
+          </a:effectLst>
+        </p:spPr>
+        <p:style>
+          <a:lnRef idx="1">
+            <a:schemeClr val="accent1"/>
+          </a:lnRef>
+          <a:fillRef idx="0">
+            <a:schemeClr val="accent1"/>
+          </a:fillRef>
+          <a:effectRef idx="0">
+            <a:schemeClr val="accent1"/>
+          </a:effectRef>
+          <a:fontRef idx="minor">
+            <a:schemeClr val="tx1"/>
+          </a:fontRef>
+        </p:style>
+      </p:cxnSp>
+      <p:sp>
+        <p:nvSpPr>
+          <p:cNvPr id="10" name="TextBox 9">
+            <a:extLst>
+              <a:ext uri="{FF2B5EF4-FFF2-40B4-BE49-F238E27FC236}">
+                <a16:creationId xmlns:a16="http://schemas.microsoft.com/office/drawing/2014/main" id="{603D59D7-9A28-C65D-5390-DFAD2739FC7B}"/>
+              </a:ext>
+            </a:extLst>
+          </p:cNvPr>
+          <p:cNvSpPr txBox="1"/>
+          <p:nvPr/>
+        </p:nvSpPr>
+        <p:spPr>
+          <a:xfrm>
+            <a:off x="878840" y="2014835"/>
+            <a:ext cx="10434320" cy="3539430"/>
+          </a:xfrm>
+          <a:prstGeom prst="rect">
+            <a:avLst/>
+          </a:prstGeom>
+          <a:noFill/>
+        </p:spPr>
+        <p:txBody>
+          <a:bodyPr wrap="square" rtlCol="0">
+            <a:spAutoFit/>
+          </a:bodyPr>
+          <a:lstStyle/>
+          <a:p>
+            <a:pPr marL="342900" indent="-342900">
+              <a:buFont typeface="Arial" panose="020B0604020202020204" pitchFamily="34" charset="0"/>
+              <a:buChar char="•"/>
+            </a:pPr>
+            <a:r>
+              <a:rPr lang="en-US" sz="3200" dirty="0">
+                <a:latin typeface="+mj-lt"/>
+              </a:rPr>
+              <a:t>Arduino Uno</a:t>
+            </a:r>
+          </a:p>
+          <a:p>
+            <a:pPr marL="342900" indent="-342900">
+              <a:buFont typeface="Arial" panose="020B0604020202020204" pitchFamily="34" charset="0"/>
+              <a:buChar char="•"/>
+            </a:pPr>
+            <a:r>
+              <a:rPr lang="en-US" sz="3200" dirty="0">
+                <a:latin typeface="+mj-lt"/>
+              </a:rPr>
+              <a:t>L293D Motor Driver</a:t>
+            </a:r>
+          </a:p>
+          <a:p>
+            <a:pPr marL="342900" indent="-342900">
+              <a:buFont typeface="Arial" panose="020B0604020202020204" pitchFamily="34" charset="0"/>
+              <a:buChar char="•"/>
+            </a:pPr>
+            <a:r>
+              <a:rPr lang="en-US" sz="3200" dirty="0">
+                <a:latin typeface="+mj-lt"/>
+              </a:rPr>
+              <a:t>Chassis</a:t>
+            </a:r>
+          </a:p>
+          <a:p>
+            <a:pPr marL="342900" indent="-342900">
+              <a:buFont typeface="Arial" panose="020B0604020202020204" pitchFamily="34" charset="0"/>
+              <a:buChar char="•"/>
+            </a:pPr>
+            <a:r>
+              <a:rPr lang="en-US" sz="3200" dirty="0">
+                <a:latin typeface="+mj-lt"/>
+              </a:rPr>
+              <a:t>Motor &amp; wheels</a:t>
+            </a:r>
+          </a:p>
+          <a:p>
+            <a:pPr marL="342900" indent="-342900">
+              <a:buFont typeface="Arial" panose="020B0604020202020204" pitchFamily="34" charset="0"/>
+              <a:buChar char="•"/>
+            </a:pPr>
+            <a:r>
+              <a:rPr lang="en-US" sz="3200" dirty="0">
+                <a:latin typeface="+mj-lt"/>
+              </a:rPr>
+              <a:t>Ultrasonic Sensor HC-SR04</a:t>
+            </a:r>
+          </a:p>
+          <a:p>
+            <a:pPr marL="342900" indent="-342900">
+              <a:buFont typeface="Arial" panose="020B0604020202020204" pitchFamily="34" charset="0"/>
+              <a:buChar char="•"/>
+            </a:pPr>
+            <a:r>
+              <a:rPr lang="en-US" sz="3200" dirty="0">
+                <a:latin typeface="+mj-lt"/>
+              </a:rPr>
+              <a:t>Servo motor</a:t>
+            </a:r>
+          </a:p>
+          <a:p>
+            <a:pPr marL="342900" indent="-342900">
+              <a:buFont typeface="Arial" panose="020B0604020202020204" pitchFamily="34" charset="0"/>
+              <a:buChar char="•"/>
+            </a:pPr>
+            <a:r>
+              <a:rPr lang="en-US" sz="3200" dirty="0">
+                <a:latin typeface="+mj-lt"/>
+              </a:rPr>
+              <a:t>Jumper wires</a:t>
+            </a:r>
+          </a:p>
+        </p:txBody>
+      </p:sp>
+    </p:spTree>
+    <p:extLst>
+      <p:ext uri="{BB962C8B-B14F-4D97-AF65-F5344CB8AC3E}">
+        <p14:creationId xmlns:p14="http://schemas.microsoft.com/office/powerpoint/2010/main" val="1567286819"/>
+      </p:ext>
+    </p:extLst>
+  </p:cSld>
+  <p:clrMapOvr>
+    <a:masterClrMapping/>
+  </p:clrMapOvr>
+</p:sld>
+</file>
+
+<file path=ppt/slides/slide8.xml><?xml version="1.0" encoding="utf-8"?>
+<p:sld xmlns:a="http://schemas.openxmlformats.org/drawingml/2006/main" xmlns:r="http://schemas.openxmlformats.org/officeDocument/2006/relationships" xmlns:p="http://schemas.openxmlformats.org/presentationml/2006/main">
+  <p:cSld>
+    <p:spTree>
+      <p:nvGrpSpPr>
+        <p:cNvPr id="1" name=""/>
+        <p:cNvGrpSpPr/>
+        <p:nvPr/>
+      </p:nvGrpSpPr>
+      <p:grpSpPr>
+        <a:xfrm>
+          <a:off x="0" y="0"/>
+          <a:ext cx="0" cy="0"/>
+          <a:chOff x="0" y="0"/>
+          <a:chExt cx="0" cy="0"/>
+        </a:xfrm>
+      </p:grpSpPr>
+      <p:sp>
+        <p:nvSpPr>
+          <p:cNvPr id="4" name="TextBox 3">
+            <a:extLst>
+              <a:ext uri="{FF2B5EF4-FFF2-40B4-BE49-F238E27FC236}">
+                <a16:creationId xmlns:a16="http://schemas.microsoft.com/office/drawing/2014/main" id="{17C97D89-3979-D9EC-2F9E-F1BA5D0A9EF4}"/>
+              </a:ext>
+            </a:extLst>
+          </p:cNvPr>
+          <p:cNvSpPr txBox="1"/>
+          <p:nvPr/>
+        </p:nvSpPr>
+        <p:spPr>
+          <a:xfrm>
+            <a:off x="436880" y="675640"/>
+            <a:ext cx="4856480" cy="646331"/>
+          </a:xfrm>
+          <a:prstGeom prst="rect">
+            <a:avLst/>
+          </a:prstGeom>
+          <a:noFill/>
+        </p:spPr>
+        <p:txBody>
+          <a:bodyPr wrap="square" rtlCol="0">
+            <a:spAutoFit/>
+          </a:bodyPr>
+          <a:lstStyle/>
+          <a:p>
+            <a:r>
+              <a:rPr lang="en-US" sz="3600" b="1" dirty="0"/>
+              <a:t>System Components </a:t>
+            </a:r>
+          </a:p>
+        </p:txBody>
+      </p:sp>
+      <p:cxnSp>
+        <p:nvCxnSpPr>
+          <p:cNvPr id="9" name="Straight Connector 8">
+            <a:extLst>
+              <a:ext uri="{FF2B5EF4-FFF2-40B4-BE49-F238E27FC236}">
+                <a16:creationId xmlns:a16="http://schemas.microsoft.com/office/drawing/2014/main" id="{06DEB5C5-95DE-9DEC-6F84-929E462EC78F}"/>
+              </a:ext>
+            </a:extLst>
+          </p:cNvPr>
+          <p:cNvCxnSpPr>
+            <a:cxnSpLocks/>
+          </p:cNvCxnSpPr>
+          <p:nvPr/>
+        </p:nvCxnSpPr>
+        <p:spPr>
+          <a:xfrm>
+            <a:off x="355600" y="1382931"/>
+            <a:ext cx="2743200" cy="0"/>
+          </a:xfrm>
+          <a:prstGeom prst="line">
+            <a:avLst/>
+          </a:prstGeom>
+          <a:ln w="28575"/>
+          <a:effectLst>
+            <a:outerShdw blurRad="50800" dist="38100" dir="2700000" algn="tl" rotWithShape="0">
+              <a:prstClr val="black">
+                <a:alpha val="40000"/>
+              </a:prstClr>
+            </a:outerShdw>
+          </a:effectLst>
+        </p:spPr>
+        <p:style>
+          <a:lnRef idx="1">
+            <a:schemeClr val="accent1"/>
+          </a:lnRef>
+          <a:fillRef idx="0">
+            <a:schemeClr val="accent1"/>
+          </a:fillRef>
+          <a:effectRef idx="0">
+            <a:schemeClr val="accent1"/>
+          </a:effectRef>
+          <a:fontRef idx="minor">
+            <a:schemeClr val="tx1"/>
+          </a:fontRef>
+        </p:style>
+      </p:cxnSp>
+      <p:sp>
+        <p:nvSpPr>
+          <p:cNvPr id="10" name="TextBox 9">
+            <a:extLst>
+              <a:ext uri="{FF2B5EF4-FFF2-40B4-BE49-F238E27FC236}">
+                <a16:creationId xmlns:a16="http://schemas.microsoft.com/office/drawing/2014/main" id="{603D59D7-9A28-C65D-5390-DFAD2739FC7B}"/>
+              </a:ext>
+            </a:extLst>
+          </p:cNvPr>
+          <p:cNvSpPr txBox="1"/>
+          <p:nvPr/>
+        </p:nvSpPr>
+        <p:spPr>
+          <a:xfrm>
+            <a:off x="878840" y="2014835"/>
+            <a:ext cx="10434320" cy="3539430"/>
+          </a:xfrm>
+          <a:prstGeom prst="rect">
+            <a:avLst/>
+          </a:prstGeom>
+          <a:noFill/>
+        </p:spPr>
+        <p:txBody>
+          <a:bodyPr wrap="square" rtlCol="0">
+            <a:spAutoFit/>
+          </a:bodyPr>
+          <a:lstStyle/>
+          <a:p>
+            <a:pPr marL="342900" indent="-342900">
+              <a:buFont typeface="Arial" panose="020B0604020202020204" pitchFamily="34" charset="0"/>
+              <a:buChar char="•"/>
+            </a:pPr>
+            <a:r>
+              <a:rPr lang="en-US" sz="3200" dirty="0">
+                <a:latin typeface="+mj-lt"/>
+              </a:rPr>
+              <a:t>Arduino Uno</a:t>
+            </a:r>
+          </a:p>
+          <a:p>
+            <a:pPr marL="342900" indent="-342900">
+              <a:buFont typeface="Arial" panose="020B0604020202020204" pitchFamily="34" charset="0"/>
+              <a:buChar char="•"/>
+            </a:pPr>
+            <a:r>
+              <a:rPr lang="en-US" sz="3200" dirty="0">
+                <a:latin typeface="+mj-lt"/>
+              </a:rPr>
+              <a:t>L293D Motor Driver</a:t>
+            </a:r>
+          </a:p>
+          <a:p>
+            <a:pPr marL="342900" indent="-342900">
+              <a:buFont typeface="Arial" panose="020B0604020202020204" pitchFamily="34" charset="0"/>
+              <a:buChar char="•"/>
+            </a:pPr>
+            <a:r>
+              <a:rPr lang="en-US" sz="3200" dirty="0">
+                <a:latin typeface="+mj-lt"/>
+              </a:rPr>
+              <a:t>Chassis</a:t>
+            </a:r>
+          </a:p>
+          <a:p>
+            <a:pPr marL="342900" indent="-342900">
+              <a:buFont typeface="Arial" panose="020B0604020202020204" pitchFamily="34" charset="0"/>
+              <a:buChar char="•"/>
+            </a:pPr>
+            <a:r>
+              <a:rPr lang="en-US" sz="3200" dirty="0">
+                <a:latin typeface="+mj-lt"/>
+              </a:rPr>
+              <a:t>Motor &amp; wheels</a:t>
+            </a:r>
+          </a:p>
+          <a:p>
+            <a:pPr marL="342900" indent="-342900">
+              <a:buFont typeface="Arial" panose="020B0604020202020204" pitchFamily="34" charset="0"/>
+              <a:buChar char="•"/>
+            </a:pPr>
+            <a:r>
+              <a:rPr lang="en-US" sz="3200" dirty="0">
+                <a:latin typeface="+mj-lt"/>
+              </a:rPr>
+              <a:t>Ultrasonic Sensor HC-SR04</a:t>
+            </a:r>
+          </a:p>
+          <a:p>
+            <a:pPr marL="342900" indent="-342900">
+              <a:buFont typeface="Arial" panose="020B0604020202020204" pitchFamily="34" charset="0"/>
+              <a:buChar char="•"/>
+            </a:pPr>
+            <a:r>
+              <a:rPr lang="en-US" sz="3200" dirty="0">
+                <a:latin typeface="+mj-lt"/>
+              </a:rPr>
+              <a:t>Servo motor</a:t>
+            </a:r>
+          </a:p>
+          <a:p>
+            <a:pPr marL="342900" indent="-342900">
+              <a:buFont typeface="Arial" panose="020B0604020202020204" pitchFamily="34" charset="0"/>
+              <a:buChar char="•"/>
+            </a:pPr>
+            <a:r>
+              <a:rPr lang="en-US" sz="3200" dirty="0">
+                <a:latin typeface="+mj-lt"/>
+              </a:rPr>
+              <a:t>Jumper wires</a:t>
+            </a:r>
+          </a:p>
+        </p:txBody>
+      </p:sp>
+    </p:spTree>
+    <p:extLst>
+      <p:ext uri="{BB962C8B-B14F-4D97-AF65-F5344CB8AC3E}">
+        <p14:creationId xmlns:p14="http://schemas.microsoft.com/office/powerpoint/2010/main" val="761136724"/>
+      </p:ext>
+    </p:extLst>
+  </p:cSld>
+  <p:clrMapOvr>
+    <a:masterClrMapping/>
+  </p:clrMapOvr>
+</p:sld>
+</file>
+
+<file path=ppt/slides/slide9.xml><?xml version="1.0" encoding="utf-8"?>
+<p:sld xmlns:a="http://schemas.openxmlformats.org/drawingml/2006/main" xmlns:r="http://schemas.openxmlformats.org/officeDocument/2006/relationships" xmlns:p="http://schemas.openxmlformats.org/presentationml/2006/main">
+  <p:cSld>
+    <p:spTree>
+      <p:nvGrpSpPr>
+        <p:cNvPr id="1" name=""/>
+        <p:cNvGrpSpPr/>
+        <p:nvPr/>
+      </p:nvGrpSpPr>
+      <p:grpSpPr>
+        <a:xfrm>
+          <a:off x="0" y="0"/>
+          <a:ext cx="0" cy="0"/>
+          <a:chOff x="0" y="0"/>
+          <a:chExt cx="0" cy="0"/>
+        </a:xfrm>
+      </p:grpSpPr>
+      <p:sp>
+        <p:nvSpPr>
+          <p:cNvPr id="4" name="TextBox 3">
+            <a:extLst>
+              <a:ext uri="{FF2B5EF4-FFF2-40B4-BE49-F238E27FC236}">
+                <a16:creationId xmlns:a16="http://schemas.microsoft.com/office/drawing/2014/main" id="{17C97D89-3979-D9EC-2F9E-F1BA5D0A9EF4}"/>
+              </a:ext>
+            </a:extLst>
+          </p:cNvPr>
+          <p:cNvSpPr txBox="1"/>
+          <p:nvPr/>
+        </p:nvSpPr>
+        <p:spPr>
+          <a:xfrm>
+            <a:off x="436880" y="675640"/>
+            <a:ext cx="4856480" cy="646331"/>
+          </a:xfrm>
+          <a:prstGeom prst="rect">
+            <a:avLst/>
+          </a:prstGeom>
+          <a:noFill/>
+        </p:spPr>
+        <p:txBody>
+          <a:bodyPr wrap="square" rtlCol="0">
+            <a:spAutoFit/>
+          </a:bodyPr>
+          <a:lstStyle/>
+          <a:p>
+            <a:r>
+              <a:rPr lang="en-US" sz="3600" b="1" dirty="0"/>
+              <a:t>System Components </a:t>
+            </a:r>
+          </a:p>
+        </p:txBody>
+      </p:sp>
+      <p:cxnSp>
+        <p:nvCxnSpPr>
+          <p:cNvPr id="9" name="Straight Connector 8">
+            <a:extLst>
+              <a:ext uri="{FF2B5EF4-FFF2-40B4-BE49-F238E27FC236}">
+                <a16:creationId xmlns:a16="http://schemas.microsoft.com/office/drawing/2014/main" id="{06DEB5C5-95DE-9DEC-6F84-929E462EC78F}"/>
+              </a:ext>
+            </a:extLst>
+          </p:cNvPr>
+          <p:cNvCxnSpPr>
+            <a:cxnSpLocks/>
+          </p:cNvCxnSpPr>
+          <p:nvPr/>
+        </p:nvCxnSpPr>
+        <p:spPr>
+          <a:xfrm>
+            <a:off x="355600" y="1382931"/>
+            <a:ext cx="2743200" cy="0"/>
+          </a:xfrm>
+          <a:prstGeom prst="line">
+            <a:avLst/>
+          </a:prstGeom>
+          <a:ln w="28575"/>
+          <a:effectLst>
+            <a:outerShdw blurRad="50800" dist="38100" dir="2700000" algn="tl" rotWithShape="0">
+              <a:prstClr val="black">
+                <a:alpha val="40000"/>
+              </a:prstClr>
+            </a:outerShdw>
+          </a:effectLst>
+        </p:spPr>
+        <p:style>
+          <a:lnRef idx="1">
+            <a:schemeClr val="accent1"/>
+          </a:lnRef>
+          <a:fillRef idx="0">
+            <a:schemeClr val="accent1"/>
+          </a:fillRef>
+          <a:effectRef idx="0">
+            <a:schemeClr val="accent1"/>
+          </a:effectRef>
+          <a:fontRef idx="minor">
+            <a:schemeClr val="tx1"/>
+          </a:fontRef>
+        </p:style>
+      </p:cxnSp>
+      <p:sp>
+        <p:nvSpPr>
+          <p:cNvPr id="10" name="TextBox 9">
+            <a:extLst>
+              <a:ext uri="{FF2B5EF4-FFF2-40B4-BE49-F238E27FC236}">
+                <a16:creationId xmlns:a16="http://schemas.microsoft.com/office/drawing/2014/main" id="{603D59D7-9A28-C65D-5390-DFAD2739FC7B}"/>
+              </a:ext>
+            </a:extLst>
+          </p:cNvPr>
+          <p:cNvSpPr txBox="1"/>
+          <p:nvPr/>
+        </p:nvSpPr>
+        <p:spPr>
+          <a:xfrm>
+            <a:off x="695960" y="1577955"/>
+            <a:ext cx="3418840" cy="584775"/>
+          </a:xfrm>
+          <a:prstGeom prst="rect">
+            <a:avLst/>
+          </a:prstGeom>
+          <a:noFill/>
+        </p:spPr>
+        <p:txBody>
+          <a:bodyPr wrap="square" rtlCol="0">
+            <a:spAutoFit/>
+          </a:bodyPr>
+          <a:lstStyle/>
+          <a:p>
+            <a:r>
+              <a:rPr lang="en-US" sz="3200" b="1" dirty="0">
+                <a:latin typeface="+mj-lt"/>
+              </a:rPr>
+              <a:t>1. </a:t>
+            </a:r>
+            <a:r>
+              <a:rPr lang="en-US" sz="3200" b="1" dirty="0"/>
+              <a:t>Arduino Uno</a:t>
+            </a:r>
+          </a:p>
+        </p:txBody>
+      </p:sp>
+      <p:pic>
+        <p:nvPicPr>
+          <p:cNvPr id="1026" name="Picture 2" descr="Inside the Arduino UNO Board: A Comprehensive Tour">
+            <a:extLst>
+              <a:ext uri="{FF2B5EF4-FFF2-40B4-BE49-F238E27FC236}">
+                <a16:creationId xmlns:a16="http://schemas.microsoft.com/office/drawing/2014/main" id="{E0A45467-1F54-FC62-68AE-1C33F20CB071}"/>
+              </a:ext>
+            </a:extLst>
+          </p:cNvPr>
+          <p:cNvPicPr>
+            <a:picLocks noChangeAspect="1" noChangeArrowheads="1"/>
+          </p:cNvPicPr>
+          <p:nvPr/>
+        </p:nvPicPr>
+        <p:blipFill rotWithShape="1">
+          <a:blip r:embed="rId2">
+            <a:extLst>
+              <a:ext uri="{28A0092B-C50C-407E-A947-70E740481C1C}">
+                <a14:useLocalDpi xmlns:a14="http://schemas.microsoft.com/office/drawing/2010/main" val="0"/>
+              </a:ext>
+            </a:extLst>
+          </a:blip>
+          <a:srcRect l="5113" r="4982"/>
+          <a:stretch/>
+        </p:blipFill>
+        <p:spPr bwMode="auto">
+          <a:xfrm rot="5400000">
+            <a:off x="7124703" y="1592580"/>
+            <a:ext cx="5359394" cy="3901440"/>
+          </a:xfrm>
+          <a:prstGeom prst="rect">
+            <a:avLst/>
+          </a:prstGeom>
+          <a:noFill/>
+          <a:extLst>
+            <a:ext uri="{909E8E84-426E-40DD-AFC4-6F175D3DCCD1}">
+              <a14:hiddenFill xmlns:a14="http://schemas.microsoft.com/office/drawing/2010/main">
+                <a:solidFill>
+                  <a:srgbClr val="FFFFFF"/>
+                </a:solidFill>
+              </a14:hiddenFill>
+            </a:ext>
+          </a:extLst>
+        </p:spPr>
+      </p:pic>
+      <p:sp>
+        <p:nvSpPr>
+          <p:cNvPr id="2" name="TextBox 1">
+            <a:extLst>
+              <a:ext uri="{FF2B5EF4-FFF2-40B4-BE49-F238E27FC236}">
+                <a16:creationId xmlns:a16="http://schemas.microsoft.com/office/drawing/2014/main" id="{84A99BB0-8516-FF75-3D0E-B43E9E776D45}"/>
+              </a:ext>
+            </a:extLst>
+          </p:cNvPr>
+          <p:cNvSpPr txBox="1"/>
+          <p:nvPr/>
+        </p:nvSpPr>
+        <p:spPr>
+          <a:xfrm>
+            <a:off x="1127760" y="2357753"/>
+            <a:ext cx="6116320" cy="4062651"/>
+          </a:xfrm>
+          <a:prstGeom prst="rect">
+            <a:avLst/>
+          </a:prstGeom>
+          <a:noFill/>
+        </p:spPr>
+        <p:txBody>
+          <a:bodyPr wrap="square" rtlCol="0">
+            <a:spAutoFit/>
+          </a:bodyPr>
+          <a:lstStyle/>
+          <a:p>
+            <a:pPr marL="285750" indent="-285750">
+              <a:buFont typeface="Arial" panose="020B0604020202020204" pitchFamily="34" charset="0"/>
+              <a:buChar char="•"/>
+            </a:pPr>
+            <a:r>
+              <a:rPr lang="en-US" sz="2400" dirty="0"/>
+              <a:t>Digital Pins (D</a:t>
+            </a:r>
+            <a:r>
+              <a:rPr lang="en-US" sz="2400" baseline="-25000" dirty="0"/>
+              <a:t>0</a:t>
+            </a:r>
+            <a:r>
+              <a:rPr lang="en-US" sz="2400" dirty="0"/>
+              <a:t> – D</a:t>
+            </a:r>
+            <a:r>
+              <a:rPr lang="en-US" sz="2400" baseline="-25000" dirty="0"/>
+              <a:t>13</a:t>
+            </a:r>
+            <a:r>
+              <a:rPr lang="en-US" sz="2400" dirty="0"/>
+              <a:t>)</a:t>
+            </a:r>
+          </a:p>
+          <a:p>
+            <a:pPr marL="285750" indent="-285750">
+              <a:lnSpc>
+                <a:spcPct val="150000"/>
+              </a:lnSpc>
+              <a:buFont typeface="Arial" panose="020B0604020202020204" pitchFamily="34" charset="0"/>
+              <a:buChar char="•"/>
+            </a:pPr>
+            <a:r>
+              <a:rPr lang="en-US" sz="2400" dirty="0"/>
+              <a:t>Analog Pins (A</a:t>
+            </a:r>
+            <a:r>
+              <a:rPr lang="en-US" sz="2400" baseline="-25000" dirty="0"/>
+              <a:t>0</a:t>
+            </a:r>
+            <a:r>
+              <a:rPr lang="en-US" sz="2400" dirty="0"/>
+              <a:t> – A</a:t>
+            </a:r>
+            <a:r>
+              <a:rPr lang="en-US" sz="2400" baseline="-25000" dirty="0"/>
+              <a:t>5</a:t>
+            </a:r>
+            <a:r>
+              <a:rPr lang="en-US" sz="2400" dirty="0"/>
+              <a:t>)</a:t>
+            </a:r>
+          </a:p>
+          <a:p>
+            <a:pPr marL="285750" indent="-285750">
+              <a:lnSpc>
+                <a:spcPct val="150000"/>
+              </a:lnSpc>
+              <a:buFont typeface="Arial" panose="020B0604020202020204" pitchFamily="34" charset="0"/>
+              <a:buChar char="•"/>
+            </a:pPr>
+            <a:r>
+              <a:rPr lang="en-US" sz="2400" dirty="0"/>
+              <a:t>Power pins</a:t>
+            </a:r>
+          </a:p>
+          <a:p>
+            <a:pPr marL="742950" lvl="1" indent="-285750">
+              <a:lnSpc>
+                <a:spcPct val="150000"/>
+              </a:lnSpc>
+              <a:buFont typeface="Arial" panose="020B0604020202020204" pitchFamily="34" charset="0"/>
+              <a:buChar char="•"/>
+            </a:pPr>
+            <a:r>
+              <a:rPr lang="en-US" sz="2400" dirty="0"/>
+              <a:t>V</a:t>
+            </a:r>
+            <a:r>
+              <a:rPr lang="en-US" sz="2400" baseline="-25000" dirty="0"/>
+              <a:t>in </a:t>
+            </a:r>
+            <a:r>
+              <a:rPr lang="en-US" sz="2400" dirty="0"/>
+              <a:t> , 3.3v,5v,ioref,reset</a:t>
+            </a:r>
+            <a:endParaRPr lang="en-US" sz="2400" baseline="-25000" dirty="0"/>
+          </a:p>
+          <a:p>
+            <a:pPr marL="285750" indent="-285750">
+              <a:lnSpc>
+                <a:spcPct val="150000"/>
+              </a:lnSpc>
+              <a:buFont typeface="Arial" panose="020B0604020202020204" pitchFamily="34" charset="0"/>
+              <a:buChar char="•"/>
+            </a:pPr>
+            <a:r>
+              <a:rPr lang="en-US" sz="2400" dirty="0"/>
+              <a:t>Processor: Atmega328P</a:t>
+            </a:r>
+          </a:p>
+          <a:p>
+            <a:pPr marL="285750" indent="-285750">
+              <a:lnSpc>
+                <a:spcPct val="150000"/>
+              </a:lnSpc>
+              <a:buFont typeface="Arial" panose="020B0604020202020204" pitchFamily="34" charset="0"/>
+              <a:buChar char="•"/>
+            </a:pPr>
+            <a:r>
+              <a:rPr lang="en-US" sz="2400" dirty="0"/>
+              <a:t>PWM pins: 3,5,6 , 9,10,11</a:t>
+            </a:r>
+          </a:p>
+          <a:p>
+            <a:pPr marL="285750" indent="-285750">
+              <a:lnSpc>
+                <a:spcPct val="150000"/>
+              </a:lnSpc>
+              <a:buFont typeface="Arial" panose="020B0604020202020204" pitchFamily="34" charset="0"/>
+              <a:buChar char="•"/>
+            </a:pPr>
+            <a:r>
+              <a:rPr lang="en-US" sz="2400" dirty="0"/>
+              <a:t>UART PINS: D</a:t>
+            </a:r>
+            <a:r>
+              <a:rPr lang="en-US" sz="2400" baseline="-25000" dirty="0"/>
+              <a:t>0</a:t>
+            </a:r>
+            <a:r>
+              <a:rPr lang="en-US" sz="2400" dirty="0"/>
+              <a:t>,D</a:t>
+            </a:r>
+            <a:r>
+              <a:rPr lang="en-US" sz="2400" baseline="-25000" dirty="0"/>
+              <a:t>1</a:t>
+            </a:r>
+          </a:p>
+          <a:p>
+            <a:pPr marL="285750" indent="-285750">
+              <a:buFont typeface="Arial" panose="020B0604020202020204" pitchFamily="34" charset="0"/>
+              <a:buChar char="•"/>
+            </a:pPr>
+            <a:endParaRPr lang="en-US" dirty="0"/>
+          </a:p>
+        </p:txBody>
+      </p:sp>
+    </p:spTree>
+    <p:extLst>
+      <p:ext uri="{BB962C8B-B14F-4D97-AF65-F5344CB8AC3E}">
+        <p14:creationId xmlns:p14="http://schemas.microsoft.com/office/powerpoint/2010/main" val="2420312741"/>
       </p:ext>
     </p:extLst>
   </p:cSld>

--- a/Batch 8 .pptx
+++ b/Batch 8 .pptx
@@ -22,6 +22,8 @@
     <p:sldId id="270" r:id="rId16"/>
     <p:sldId id="271" r:id="rId17"/>
     <p:sldId id="272" r:id="rId18"/>
+    <p:sldId id="273" r:id="rId19"/>
+    <p:sldId id="274" r:id="rId20"/>
   </p:sldIdLst>
   <p:sldSz cx="12192000" cy="6858000"/>
   <p:notesSz cx="6858000" cy="9144000"/>
@@ -275,7 +277,7 @@
           <a:p>
             <a:fld id="{06E713BE-B739-4CC0-B4CE-95E82AEB026E}" type="datetimeFigureOut">
               <a:rPr lang="en-US" smtClean="0"/>
-              <a:t>2/20/2025</a:t>
+              <a:t>3/9/2025</a:t>
             </a:fld>
             <a:endParaRPr lang="en-US"/>
           </a:p>
@@ -473,7 +475,7 @@
           <a:p>
             <a:fld id="{06E713BE-B739-4CC0-B4CE-95E82AEB026E}" type="datetimeFigureOut">
               <a:rPr lang="en-US" smtClean="0"/>
-              <a:t>2/20/2025</a:t>
+              <a:t>3/9/2025</a:t>
             </a:fld>
             <a:endParaRPr lang="en-US"/>
           </a:p>
@@ -681,7 +683,7 @@
           <a:p>
             <a:fld id="{06E713BE-B739-4CC0-B4CE-95E82AEB026E}" type="datetimeFigureOut">
               <a:rPr lang="en-US" smtClean="0"/>
-              <a:t>2/20/2025</a:t>
+              <a:t>3/9/2025</a:t>
             </a:fld>
             <a:endParaRPr lang="en-US"/>
           </a:p>
@@ -879,7 +881,7 @@
           <a:p>
             <a:fld id="{06E713BE-B739-4CC0-B4CE-95E82AEB026E}" type="datetimeFigureOut">
               <a:rPr lang="en-US" smtClean="0"/>
-              <a:t>2/20/2025</a:t>
+              <a:t>3/9/2025</a:t>
             </a:fld>
             <a:endParaRPr lang="en-US"/>
           </a:p>
@@ -1154,7 +1156,7 @@
           <a:p>
             <a:fld id="{06E713BE-B739-4CC0-B4CE-95E82AEB026E}" type="datetimeFigureOut">
               <a:rPr lang="en-US" smtClean="0"/>
-              <a:t>2/20/2025</a:t>
+              <a:t>3/9/2025</a:t>
             </a:fld>
             <a:endParaRPr lang="en-US"/>
           </a:p>
@@ -1419,7 +1421,7 @@
           <a:p>
             <a:fld id="{06E713BE-B739-4CC0-B4CE-95E82AEB026E}" type="datetimeFigureOut">
               <a:rPr lang="en-US" smtClean="0"/>
-              <a:t>2/20/2025</a:t>
+              <a:t>3/9/2025</a:t>
             </a:fld>
             <a:endParaRPr lang="en-US"/>
           </a:p>
@@ -1831,7 +1833,7 @@
           <a:p>
             <a:fld id="{06E713BE-B739-4CC0-B4CE-95E82AEB026E}" type="datetimeFigureOut">
               <a:rPr lang="en-US" smtClean="0"/>
-              <a:t>2/20/2025</a:t>
+              <a:t>3/9/2025</a:t>
             </a:fld>
             <a:endParaRPr lang="en-US"/>
           </a:p>
@@ -1972,7 +1974,7 @@
           <a:p>
             <a:fld id="{06E713BE-B739-4CC0-B4CE-95E82AEB026E}" type="datetimeFigureOut">
               <a:rPr lang="en-US" smtClean="0"/>
-              <a:t>2/20/2025</a:t>
+              <a:t>3/9/2025</a:t>
             </a:fld>
             <a:endParaRPr lang="en-US"/>
           </a:p>
@@ -2085,7 +2087,7 @@
           <a:p>
             <a:fld id="{06E713BE-B739-4CC0-B4CE-95E82AEB026E}" type="datetimeFigureOut">
               <a:rPr lang="en-US" smtClean="0"/>
-              <a:t>2/20/2025</a:t>
+              <a:t>3/9/2025</a:t>
             </a:fld>
             <a:endParaRPr lang="en-US"/>
           </a:p>
@@ -2396,7 +2398,7 @@
           <a:p>
             <a:fld id="{06E713BE-B739-4CC0-B4CE-95E82AEB026E}" type="datetimeFigureOut">
               <a:rPr lang="en-US" smtClean="0"/>
-              <a:t>2/20/2025</a:t>
+              <a:t>3/9/2025</a:t>
             </a:fld>
             <a:endParaRPr lang="en-US"/>
           </a:p>
@@ -2684,7 +2686,7 @@
           <a:p>
             <a:fld id="{06E713BE-B739-4CC0-B4CE-95E82AEB026E}" type="datetimeFigureOut">
               <a:rPr lang="en-US" smtClean="0"/>
-              <a:t>2/20/2025</a:t>
+              <a:t>3/9/2025</a:t>
             </a:fld>
             <a:endParaRPr lang="en-US"/>
           </a:p>
@@ -2925,7 +2927,7 @@
           <a:p>
             <a:fld id="{06E713BE-B739-4CC0-B4CE-95E82AEB026E}" type="datetimeFigureOut">
               <a:rPr lang="en-US" smtClean="0"/>
-              <a:t>2/20/2025</a:t>
+              <a:t>3/9/2025</a:t>
             </a:fld>
             <a:endParaRPr lang="en-US"/>
           </a:p>
@@ -4485,43 +4487,188 @@
           </a:p>
         </p:txBody>
       </p:sp>
-      <p:sp>
-        <p:nvSpPr>
-          <p:cNvPr id="2" name="TextBox 1">
-            <a:extLst>
-              <a:ext uri="{FF2B5EF4-FFF2-40B4-BE49-F238E27FC236}">
-                <a16:creationId xmlns:a16="http://schemas.microsoft.com/office/drawing/2014/main" id="{636B8627-F01B-E63B-487A-512E6920E32E}"/>
-              </a:ext>
-            </a:extLst>
-          </p:cNvPr>
-          <p:cNvSpPr txBox="1"/>
-          <p:nvPr/>
-        </p:nvSpPr>
-        <p:spPr>
-          <a:xfrm>
-            <a:off x="955040" y="2357753"/>
-            <a:ext cx="6228080" cy="3416320"/>
-          </a:xfrm>
-          <a:prstGeom prst="rect">
-            <a:avLst/>
-          </a:prstGeom>
-          <a:noFill/>
-        </p:spPr>
-        <p:txBody>
-          <a:bodyPr wrap="square" rtlCol="0">
-            <a:spAutoFit/>
-          </a:bodyPr>
-          <a:lstStyle/>
-          <a:p>
-            <a:r>
-              <a:rPr lang="en-US" sz="2400" dirty="0">
-                <a:latin typeface="+mj-lt"/>
-              </a:rPr>
-              <a:t>An ultrasonic sensor is a device that uses ultrasonic waves to measure the distance to an object. It emits high-frequency sound waves and measures the time it takes for the echo to return. This information is then used to calculate the distance to the object. Ultrasonic sensors are commonly used in robotics, automation, and automotive applications for obstacle detection and distance measurement.</a:t>
-            </a:r>
-          </a:p>
-        </p:txBody>
-      </p:sp>
+      <mc:AlternateContent xmlns:mc="http://schemas.openxmlformats.org/markup-compatibility/2006">
+        <mc:Choice xmlns:a14="http://schemas.microsoft.com/office/drawing/2010/main" Requires="a14">
+          <p:sp>
+            <p:nvSpPr>
+              <p:cNvPr id="2" name="TextBox 1">
+                <a:extLst>
+                  <a:ext uri="{FF2B5EF4-FFF2-40B4-BE49-F238E27FC236}">
+                    <a16:creationId xmlns:a16="http://schemas.microsoft.com/office/drawing/2014/main" id="{636B8627-F01B-E63B-487A-512E6920E32E}"/>
+                  </a:ext>
+                </a:extLst>
+              </p:cNvPr>
+              <p:cNvSpPr txBox="1"/>
+              <p:nvPr/>
+            </p:nvSpPr>
+            <p:spPr>
+              <a:xfrm>
+                <a:off x="955040" y="2357753"/>
+                <a:ext cx="7152640" cy="3008068"/>
+              </a:xfrm>
+              <a:prstGeom prst="rect">
+                <a:avLst/>
+              </a:prstGeom>
+              <a:noFill/>
+            </p:spPr>
+            <p:txBody>
+              <a:bodyPr wrap="square" rtlCol="0">
+                <a:spAutoFit/>
+              </a:bodyPr>
+              <a:lstStyle/>
+              <a:p>
+                <a:r>
+                  <a:rPr lang="en-US" sz="2400" dirty="0">
+                    <a:latin typeface="+mj-lt"/>
+                  </a:rPr>
+                  <a:t>An ultrasonic sensor measures distance by emitting sound waves and timing the returning echo. It's commonly used in robotics, automation, and vehicles for detecting obstacles and measuring distances.</a:t>
+                </a:r>
+              </a:p>
+              <a:p>
+                <a:endParaRPr lang="en-US" sz="2400" dirty="0">
+                  <a:latin typeface="+mj-lt"/>
+                </a:endParaRPr>
+              </a:p>
+              <a:p>
+                <a14:m>
+                  <m:oMathPara xmlns:m="http://schemas.openxmlformats.org/officeDocument/2006/math">
+                    <m:oMathParaPr>
+                      <m:jc m:val="centerGroup"/>
+                    </m:oMathParaPr>
+                    <m:oMath xmlns:m="http://schemas.openxmlformats.org/officeDocument/2006/math">
+                      <m:r>
+                        <a:rPr lang="en-US" sz="2400" b="1" i="1" smtClean="0">
+                          <a:latin typeface="Cambria Math" panose="02040503050406030204" pitchFamily="18" charset="0"/>
+                        </a:rPr>
+                        <m:t>𝑹𝒂𝒏𝒈𝒆</m:t>
+                      </m:r>
+                      <m:r>
+                        <a:rPr lang="en-US" sz="2400" b="0" i="1" smtClean="0">
+                          <a:latin typeface="Cambria Math" panose="02040503050406030204" pitchFamily="18" charset="0"/>
+                        </a:rPr>
+                        <m:t>=</m:t>
+                      </m:r>
+                      <m:f>
+                        <m:fPr>
+                          <m:ctrlPr>
+                            <a:rPr lang="en-US" sz="2400" b="0" i="1" smtClean="0">
+                              <a:latin typeface="Cambria Math" panose="02040503050406030204" pitchFamily="18" charset="0"/>
+                            </a:rPr>
+                          </m:ctrlPr>
+                        </m:fPr>
+                        <m:num>
+                          <m:r>
+                            <a:rPr lang="en-US" sz="2400" b="0" i="1" smtClean="0">
+                              <a:latin typeface="Cambria Math" panose="02040503050406030204" pitchFamily="18" charset="0"/>
+                            </a:rPr>
+                            <m:t>𝑆𝑝𝑒𝑒𝑑</m:t>
+                          </m:r>
+                          <m:r>
+                            <a:rPr lang="en-US" sz="2400" b="0" i="1" smtClean="0">
+                              <a:latin typeface="Cambria Math" panose="02040503050406030204" pitchFamily="18" charset="0"/>
+                            </a:rPr>
+                            <m:t> </m:t>
+                          </m:r>
+                          <m:r>
+                            <a:rPr lang="en-US" sz="2400" b="0" i="1" smtClean="0">
+                              <a:latin typeface="Cambria Math" panose="02040503050406030204" pitchFamily="18" charset="0"/>
+                            </a:rPr>
+                            <m:t>𝑜𝑓</m:t>
+                          </m:r>
+                          <m:r>
+                            <a:rPr lang="en-US" sz="2400" b="0" i="1" smtClean="0">
+                              <a:latin typeface="Cambria Math" panose="02040503050406030204" pitchFamily="18" charset="0"/>
+                            </a:rPr>
+                            <m:t> </m:t>
+                          </m:r>
+                          <m:r>
+                            <a:rPr lang="en-US" sz="2400" b="0" i="1" smtClean="0">
+                              <a:latin typeface="Cambria Math" panose="02040503050406030204" pitchFamily="18" charset="0"/>
+                            </a:rPr>
+                            <m:t>𝑠𝑜𝑢𝑛𝑑</m:t>
+                          </m:r>
+                          <m:r>
+                            <a:rPr lang="en-US" sz="2400" b="0" i="1" smtClean="0">
+                              <a:latin typeface="Cambria Math" panose="02040503050406030204" pitchFamily="18" charset="0"/>
+                            </a:rPr>
+                            <m:t> ×</m:t>
+                          </m:r>
+                          <m:r>
+                            <a:rPr lang="en-US" sz="2400" b="0" i="1" smtClean="0">
+                              <a:latin typeface="Cambria Math" panose="02040503050406030204" pitchFamily="18" charset="0"/>
+                            </a:rPr>
+                            <m:t>𝐷𝑖𝑠𝑡𝑎𝑛𝑐𝑒</m:t>
+                          </m:r>
+                        </m:num>
+                        <m:den>
+                          <m:r>
+                            <a:rPr lang="en-US" sz="2400" b="0" i="1" smtClean="0">
+                              <a:latin typeface="Cambria Math" panose="02040503050406030204" pitchFamily="18" charset="0"/>
+                            </a:rPr>
+                            <m:t>2</m:t>
+                          </m:r>
+                        </m:den>
+                      </m:f>
+                    </m:oMath>
+                  </m:oMathPara>
+                </a14:m>
+                <a:endParaRPr lang="en-US" sz="2400" b="0" dirty="0">
+                  <a:latin typeface="+mj-lt"/>
+                </a:endParaRPr>
+              </a:p>
+              <a:p>
+                <a:endParaRPr lang="en-US" sz="2400" dirty="0">
+                  <a:latin typeface="+mj-lt"/>
+                </a:endParaRPr>
+              </a:p>
+            </p:txBody>
+          </p:sp>
+        </mc:Choice>
+        <mc:Fallback>
+          <p:sp>
+            <p:nvSpPr>
+              <p:cNvPr id="2" name="TextBox 1">
+                <a:extLst>
+                  <a:ext uri="{FF2B5EF4-FFF2-40B4-BE49-F238E27FC236}">
+                    <a16:creationId xmlns:a16="http://schemas.microsoft.com/office/drawing/2014/main" id="{636B8627-F01B-E63B-487A-512E6920E32E}"/>
+                  </a:ext>
+                </a:extLst>
+              </p:cNvPr>
+              <p:cNvSpPr txBox="1">
+                <a:spLocks noRot="1" noChangeAspect="1" noMove="1" noResize="1" noEditPoints="1" noAdjustHandles="1" noChangeArrowheads="1" noChangeShapeType="1" noTextEdit="1"/>
+              </p:cNvSpPr>
+              <p:nvPr/>
+            </p:nvSpPr>
+            <p:spPr>
+              <a:xfrm>
+                <a:off x="955040" y="2357753"/>
+                <a:ext cx="7152640" cy="3008068"/>
+              </a:xfrm>
+              <a:prstGeom prst="rect">
+                <a:avLst/>
+              </a:prstGeom>
+              <a:blipFill>
+                <a:blip r:embed="rId2"/>
+                <a:stretch>
+                  <a:fillRect l="-1364" t="-1623" r="-1535"/>
+                </a:stretch>
+              </a:blipFill>
+            </p:spPr>
+            <p:txBody>
+              <a:bodyPr/>
+              <a:lstStyle/>
+              <a:p>
+                <a:r>
+                  <a:rPr lang="en-US">
+                    <a:noFill/>
+                  </a:rPr>
+                  <a:t> </a:t>
+                </a:r>
+              </a:p>
+            </p:txBody>
+          </p:sp>
+        </mc:Fallback>
+      </mc:AlternateContent>
       <p:pic>
         <p:nvPicPr>
           <p:cNvPr id="6148" name="Picture 4" descr="HC-SR04 Ultrasonic Sensor Module - SRK ELECTRONICS">
@@ -4537,7 +4684,7 @@
           <p:nvPr/>
         </p:nvPicPr>
         <p:blipFill>
-          <a:blip r:embed="rId2">
+          <a:blip r:embed="rId3">
             <a:extLst>
               <a:ext uri="{28A0092B-C50C-407E-A947-70E740481C1C}">
                 <a14:useLocalDpi xmlns:a14="http://schemas.microsoft.com/office/drawing/2010/main" val="0"/>
@@ -4551,7 +4698,7 @@
         </p:blipFill>
         <p:spPr bwMode="auto">
           <a:xfrm>
-            <a:off x="8564880" y="1577955"/>
+            <a:off x="8575040" y="1577955"/>
             <a:ext cx="3139439" cy="3329932"/>
           </a:xfrm>
           <a:prstGeom prst="rect">
@@ -4569,6 +4716,95 @@
           </a:extLst>
         </p:spPr>
       </p:pic>
+      <p:sp>
+        <p:nvSpPr>
+          <p:cNvPr id="3" name="TextBox 2">
+            <a:extLst>
+              <a:ext uri="{FF2B5EF4-FFF2-40B4-BE49-F238E27FC236}">
+                <a16:creationId xmlns:a16="http://schemas.microsoft.com/office/drawing/2014/main" id="{3E32A911-E201-8B8E-D06B-FE56EC965B82}"/>
+              </a:ext>
+            </a:extLst>
+          </p:cNvPr>
+          <p:cNvSpPr txBox="1"/>
+          <p:nvPr/>
+        </p:nvSpPr>
+        <p:spPr>
+          <a:xfrm>
+            <a:off x="955040" y="5244236"/>
+            <a:ext cx="2042160" cy="461665"/>
+          </a:xfrm>
+          <a:prstGeom prst="rect">
+            <a:avLst/>
+          </a:prstGeom>
+          <a:noFill/>
+        </p:spPr>
+        <p:txBody>
+          <a:bodyPr wrap="square" rtlCol="0">
+            <a:spAutoFit/>
+          </a:bodyPr>
+          <a:lstStyle/>
+          <a:p>
+            <a:r>
+              <a:rPr lang="en-US" sz="2400" b="1" dirty="0"/>
+              <a:t>Specification:</a:t>
+            </a:r>
+            <a:endParaRPr lang="en-US" sz="2000" b="1" dirty="0"/>
+          </a:p>
+        </p:txBody>
+      </p:sp>
+      <p:sp>
+        <p:nvSpPr>
+          <p:cNvPr id="5" name="TextBox 4">
+            <a:extLst>
+              <a:ext uri="{FF2B5EF4-FFF2-40B4-BE49-F238E27FC236}">
+                <a16:creationId xmlns:a16="http://schemas.microsoft.com/office/drawing/2014/main" id="{76563A44-D1DE-8997-635C-9D8491003187}"/>
+              </a:ext>
+            </a:extLst>
+          </p:cNvPr>
+          <p:cNvSpPr txBox="1"/>
+          <p:nvPr/>
+        </p:nvSpPr>
+        <p:spPr>
+          <a:xfrm>
+            <a:off x="3078480" y="5365821"/>
+            <a:ext cx="5029200" cy="1200329"/>
+          </a:xfrm>
+          <a:prstGeom prst="rect">
+            <a:avLst/>
+          </a:prstGeom>
+          <a:noFill/>
+        </p:spPr>
+        <p:txBody>
+          <a:bodyPr wrap="square" rtlCol="0">
+            <a:spAutoFit/>
+          </a:bodyPr>
+          <a:lstStyle/>
+          <a:p>
+            <a:r>
+              <a:rPr lang="en-US" sz="2400" dirty="0">
+                <a:latin typeface="+mj-lt"/>
+              </a:rPr>
+              <a:t>Operating voltage: 5V</a:t>
+            </a:r>
+          </a:p>
+          <a:p>
+            <a:r>
+              <a:rPr lang="en-US" sz="2400" dirty="0">
+                <a:latin typeface="+mj-lt"/>
+              </a:rPr>
+              <a:t>Frequency : 40KHz</a:t>
+            </a:r>
+          </a:p>
+          <a:p>
+            <a:r>
+              <a:rPr lang="en-US" sz="2400" dirty="0">
+                <a:latin typeface="+mj-lt"/>
+              </a:rPr>
+              <a:t>Measuring range: 2cm to 400cm</a:t>
+            </a:r>
+          </a:p>
+        </p:txBody>
+      </p:sp>
     </p:spTree>
     <p:extLst>
       <p:ext uri="{BB962C8B-B14F-4D97-AF65-F5344CB8AC3E}">
@@ -4740,7 +4976,7 @@
         <p:spPr>
           <a:xfrm>
             <a:off x="955040" y="2357753"/>
-            <a:ext cx="6228080" cy="3416320"/>
+            <a:ext cx="6228080" cy="2308324"/>
           </a:xfrm>
           <a:prstGeom prst="rect">
             <a:avLst/>
@@ -4757,7 +4993,7 @@
               <a:rPr lang="en-US" sz="2400" dirty="0">
                 <a:latin typeface="+mj-lt"/>
               </a:rPr>
-              <a:t>Jumper wires are short, flexible wires with connector pins at each end. They are used to establish electrical connections between components on a breadboard or other prototyping tools. These wires come in various lengths and colors, making it easy to create and organize circuits during prototyping and testing. They are essential for building and testing electronic projects quickly and efficiently.</a:t>
+              <a:t>Jumper wires are flexible connectors with pins at each end, used to link components on breadboards or prototyping tools. Available in various lengths and colors, they simplify circuit creation and testing, making them essential for quick prototyping.</a:t>
             </a:r>
           </a:p>
         </p:txBody>
@@ -5286,58 +5522,6 @@
             <a:xfrm>
               <a:off x="1838960" y="3670300"/>
               <a:ext cx="1544320" cy="894080"/>
-            </a:xfrm>
-            <a:prstGeom prst="rect">
-              <a:avLst/>
-            </a:prstGeom>
-            <a:noFill/>
-            <a:ln w="28575">
-              <a:solidFill>
-                <a:schemeClr val="tx1"/>
-              </a:solidFill>
-            </a:ln>
-          </p:spPr>
-          <p:style>
-            <a:lnRef idx="2">
-              <a:schemeClr val="accent1">
-                <a:shade val="50000"/>
-              </a:schemeClr>
-            </a:lnRef>
-            <a:fillRef idx="1">
-              <a:schemeClr val="accent1"/>
-            </a:fillRef>
-            <a:effectRef idx="0">
-              <a:schemeClr val="accent1"/>
-            </a:effectRef>
-            <a:fontRef idx="minor">
-              <a:schemeClr val="lt1"/>
-            </a:fontRef>
-          </p:style>
-          <p:txBody>
-            <a:bodyPr rtlCol="0" anchor="ctr"/>
-            <a:lstStyle/>
-            <a:p>
-              <a:pPr algn="ctr"/>
-              <a:endParaRPr lang="en-US"/>
-            </a:p>
-          </p:txBody>
-        </p:sp>
-        <p:sp>
-          <p:nvSpPr>
-            <p:cNvPr id="7" name="Rectangle 6">
-              <a:extLst>
-                <a:ext uri="{FF2B5EF4-FFF2-40B4-BE49-F238E27FC236}">
-                  <a16:creationId xmlns:a16="http://schemas.microsoft.com/office/drawing/2014/main" id="{B111BBAE-835A-A5C2-F9DA-2AB0DCDA0447}"/>
-                </a:ext>
-              </a:extLst>
-            </p:cNvPr>
-            <p:cNvSpPr/>
-            <p:nvPr/>
-          </p:nvSpPr>
-          <p:spPr>
-            <a:xfrm>
-              <a:off x="5476240" y="6145629"/>
-              <a:ext cx="1239520" cy="447040"/>
             </a:xfrm>
             <a:prstGeom prst="rect">
               <a:avLst/>
@@ -5637,42 +5821,6 @@
       </p:grpSp>
       <p:sp>
         <p:nvSpPr>
-          <p:cNvPr id="15" name="TextBox 14">
-            <a:extLst>
-              <a:ext uri="{FF2B5EF4-FFF2-40B4-BE49-F238E27FC236}">
-                <a16:creationId xmlns:a16="http://schemas.microsoft.com/office/drawing/2014/main" id="{35092C63-FFA5-9D19-FC77-84329EFF7BEE}"/>
-              </a:ext>
-            </a:extLst>
-          </p:cNvPr>
-          <p:cNvSpPr txBox="1"/>
-          <p:nvPr/>
-        </p:nvSpPr>
-        <p:spPr>
-          <a:xfrm>
-            <a:off x="5638099" y="5904821"/>
-            <a:ext cx="914400" cy="369332"/>
-          </a:xfrm>
-          <a:prstGeom prst="rect">
-            <a:avLst/>
-          </a:prstGeom>
-          <a:noFill/>
-        </p:spPr>
-        <p:txBody>
-          <a:bodyPr wrap="square" rtlCol="0">
-            <a:spAutoFit/>
-          </a:bodyPr>
-          <a:lstStyle/>
-          <a:p>
-            <a:pPr algn="ctr"/>
-            <a:r>
-              <a:rPr lang="en-US" dirty="0"/>
-              <a:t>IOT</a:t>
-            </a:r>
-          </a:p>
-        </p:txBody>
-      </p:sp>
-      <p:sp>
-        <p:nvSpPr>
           <p:cNvPr id="16" name="TextBox 15">
             <a:extLst>
               <a:ext uri="{FF2B5EF4-FFF2-40B4-BE49-F238E27FC236}">
@@ -6125,52 +6273,6 @@
         <p:spPr>
           <a:xfrm>
             <a:off x="7760837" y="4728052"/>
-            <a:ext cx="549341" cy="263311"/>
-          </a:xfrm>
-          <a:prstGeom prst="rightArrow">
-            <a:avLst/>
-          </a:prstGeom>
-        </p:spPr>
-        <p:style>
-          <a:lnRef idx="2">
-            <a:schemeClr val="accent1">
-              <a:shade val="50000"/>
-            </a:schemeClr>
-          </a:lnRef>
-          <a:fillRef idx="1">
-            <a:schemeClr val="accent1"/>
-          </a:fillRef>
-          <a:effectRef idx="0">
-            <a:schemeClr val="accent1"/>
-          </a:effectRef>
-          <a:fontRef idx="minor">
-            <a:schemeClr val="lt1"/>
-          </a:fontRef>
-        </p:style>
-        <p:txBody>
-          <a:bodyPr rtlCol="0" anchor="ctr"/>
-          <a:lstStyle/>
-          <a:p>
-            <a:pPr algn="ctr"/>
-            <a:endParaRPr lang="en-US"/>
-          </a:p>
-        </p:txBody>
-      </p:sp>
-      <p:sp>
-        <p:nvSpPr>
-          <p:cNvPr id="31" name="Arrow: Right 30">
-            <a:extLst>
-              <a:ext uri="{FF2B5EF4-FFF2-40B4-BE49-F238E27FC236}">
-                <a16:creationId xmlns:a16="http://schemas.microsoft.com/office/drawing/2014/main" id="{141652FF-563D-F5B2-52B2-2F870F70D27D}"/>
-              </a:ext>
-            </a:extLst>
-          </p:cNvPr>
-          <p:cNvSpPr/>
-          <p:nvPr/>
-        </p:nvSpPr>
-        <p:spPr>
-          <a:xfrm rot="16200000">
-            <a:off x="5921877" y="5476928"/>
             <a:ext cx="549341" cy="263311"/>
           </a:xfrm>
           <a:prstGeom prst="rightArrow">
@@ -6362,7 +6464,7 @@
         <p:spPr>
           <a:xfrm>
             <a:off x="416560" y="675640"/>
-            <a:ext cx="4856480" cy="646331"/>
+            <a:ext cx="7081520" cy="646331"/>
           </a:xfrm>
           <a:prstGeom prst="rect">
             <a:avLst/>
@@ -6377,7 +6479,7 @@
           <a:p>
             <a:r>
               <a:rPr lang="en-US" sz="3600" b="1" dirty="0"/>
-              <a:t>Existing Methods</a:t>
+              <a:t>Existing Methods &amp; Limitations </a:t>
             </a:r>
           </a:p>
         </p:txBody>
@@ -6442,8 +6544,8 @@
         </p:nvSpPr>
         <p:spPr>
           <a:xfrm>
-            <a:off x="1391920" y="1752600"/>
-            <a:ext cx="5049520" cy="369332"/>
+            <a:off x="528320" y="1752600"/>
+            <a:ext cx="11104880" cy="3416320"/>
           </a:xfrm>
           <a:prstGeom prst="rect">
             <a:avLst/>
@@ -6461,10 +6563,71 @@
               <a:buChar char="•"/>
             </a:pPr>
             <a:r>
-              <a:rPr lang="en-US" dirty="0" err="1"/>
-              <a:t>df</a:t>
-            </a:r>
-            <a:endParaRPr lang="en-US" dirty="0"/>
+              <a:rPr lang="en-US" sz="2400" dirty="0">
+                <a:latin typeface="+mj-lt"/>
+              </a:rPr>
+              <a:t>Static ultrasonic sensors provide monodirectional obstacle detection, leading to blind spots and inefficiencies in complex environments.</a:t>
+            </a:r>
+            <a:br>
+              <a:rPr lang="en-US" sz="2400" dirty="0">
+                <a:latin typeface="+mj-lt"/>
+              </a:rPr>
+            </a:br>
+            <a:endParaRPr lang="en-US" sz="2400" dirty="0">
+              <a:latin typeface="+mj-lt"/>
+            </a:endParaRPr>
+          </a:p>
+          <a:p>
+            <a:pPr marL="285750" indent="-285750">
+              <a:buFont typeface="Arial" panose="020B0604020202020204" pitchFamily="34" charset="0"/>
+              <a:buChar char="•"/>
+            </a:pPr>
+            <a:r>
+              <a:rPr lang="en-US" sz="2400" dirty="0">
+                <a:latin typeface="+mj-lt"/>
+              </a:rPr>
+              <a:t>Signal reflections cause inaccurate readings, requiring frequent path recalculations</a:t>
+            </a:r>
+            <a:br>
+              <a:rPr lang="en-US" sz="2400" dirty="0">
+                <a:latin typeface="+mj-lt"/>
+              </a:rPr>
+            </a:br>
+            <a:endParaRPr lang="en-US" sz="2400" dirty="0">
+              <a:latin typeface="+mj-lt"/>
+            </a:endParaRPr>
+          </a:p>
+          <a:p>
+            <a:pPr marL="285750" indent="-285750">
+              <a:buFont typeface="Arial" panose="020B0604020202020204" pitchFamily="34" charset="0"/>
+              <a:buChar char="•"/>
+            </a:pPr>
+            <a:r>
+              <a:rPr lang="en-US" sz="2400" dirty="0">
+                <a:latin typeface="+mj-lt"/>
+              </a:rPr>
+              <a:t>Lack of servo motor-driven scanning limits adaptive obstacle detection capabilities.</a:t>
+            </a:r>
+            <a:br>
+              <a:rPr lang="en-US" sz="2400" dirty="0">
+                <a:latin typeface="+mj-lt"/>
+              </a:rPr>
+            </a:br>
+            <a:endParaRPr lang="en-US" sz="2400" dirty="0">
+              <a:latin typeface="+mj-lt"/>
+            </a:endParaRPr>
+          </a:p>
+          <a:p>
+            <a:pPr marL="285750" indent="-285750">
+              <a:buFont typeface="Arial" panose="020B0604020202020204" pitchFamily="34" charset="0"/>
+              <a:buChar char="•"/>
+            </a:pPr>
+            <a:r>
+              <a:rPr lang="en-US" sz="2400" dirty="0">
+                <a:latin typeface="+mj-lt"/>
+              </a:rPr>
+              <a:t>Absence of motor control mechanisms (e.g., L293D driver) results in imprecise movement and inefficient navigation.</a:t>
+            </a:r>
           </a:p>
         </p:txBody>
       </p:sp>
@@ -6472,6 +6635,522 @@
     <p:extLst>
       <p:ext uri="{BB962C8B-B14F-4D97-AF65-F5344CB8AC3E}">
         <p14:creationId xmlns:p14="http://schemas.microsoft.com/office/powerpoint/2010/main" val="3800121739"/>
+      </p:ext>
+    </p:extLst>
+  </p:cSld>
+  <p:clrMapOvr>
+    <a:masterClrMapping/>
+  </p:clrMapOvr>
+</p:sld>
+</file>
+
+<file path=ppt/slides/slide18.xml><?xml version="1.0" encoding="utf-8"?>
+<p:sld xmlns:a="http://schemas.openxmlformats.org/drawingml/2006/main" xmlns:r="http://schemas.openxmlformats.org/officeDocument/2006/relationships" xmlns:p="http://schemas.openxmlformats.org/presentationml/2006/main">
+  <p:cSld>
+    <p:spTree>
+      <p:nvGrpSpPr>
+        <p:cNvPr id="1" name=""/>
+        <p:cNvGrpSpPr/>
+        <p:nvPr/>
+      </p:nvGrpSpPr>
+      <p:grpSpPr>
+        <a:xfrm>
+          <a:off x="0" y="0"/>
+          <a:ext cx="0" cy="0"/>
+          <a:chOff x="0" y="0"/>
+          <a:chExt cx="0" cy="0"/>
+        </a:xfrm>
+      </p:grpSpPr>
+      <p:sp>
+        <p:nvSpPr>
+          <p:cNvPr id="4" name="TextBox 3">
+            <a:extLst>
+              <a:ext uri="{FF2B5EF4-FFF2-40B4-BE49-F238E27FC236}">
+                <a16:creationId xmlns:a16="http://schemas.microsoft.com/office/drawing/2014/main" id="{17C97D89-3979-D9EC-2F9E-F1BA5D0A9EF4}"/>
+              </a:ext>
+            </a:extLst>
+          </p:cNvPr>
+          <p:cNvSpPr txBox="1"/>
+          <p:nvPr/>
+        </p:nvSpPr>
+        <p:spPr>
+          <a:xfrm>
+            <a:off x="416560" y="675640"/>
+            <a:ext cx="3921760" cy="646331"/>
+          </a:xfrm>
+          <a:prstGeom prst="rect">
+            <a:avLst/>
+          </a:prstGeom>
+          <a:noFill/>
+        </p:spPr>
+        <p:txBody>
+          <a:bodyPr wrap="square" rtlCol="0">
+            <a:spAutoFit/>
+          </a:bodyPr>
+          <a:lstStyle/>
+          <a:p>
+            <a:r>
+              <a:rPr lang="en-US" sz="3600" b="1" dirty="0"/>
+              <a:t>Proposed Method</a:t>
+            </a:r>
+          </a:p>
+        </p:txBody>
+      </p:sp>
+      <p:cxnSp>
+        <p:nvCxnSpPr>
+          <p:cNvPr id="9" name="Straight Connector 8">
+            <a:extLst>
+              <a:ext uri="{FF2B5EF4-FFF2-40B4-BE49-F238E27FC236}">
+                <a16:creationId xmlns:a16="http://schemas.microsoft.com/office/drawing/2014/main" id="{06DEB5C5-95DE-9DEC-6F84-929E462EC78F}"/>
+              </a:ext>
+            </a:extLst>
+          </p:cNvPr>
+          <p:cNvCxnSpPr>
+            <a:cxnSpLocks/>
+          </p:cNvCxnSpPr>
+          <p:nvPr/>
+        </p:nvCxnSpPr>
+        <p:spPr>
+          <a:xfrm>
+            <a:off x="335280" y="1382931"/>
+            <a:ext cx="2743200" cy="0"/>
+          </a:xfrm>
+          <a:prstGeom prst="line">
+            <a:avLst/>
+          </a:prstGeom>
+          <a:ln w="28575"/>
+          <a:effectLst>
+            <a:outerShdw blurRad="50800" dist="38100" dir="2700000" algn="tl" rotWithShape="0">
+              <a:prstClr val="black">
+                <a:alpha val="40000"/>
+              </a:prstClr>
+            </a:outerShdw>
+          </a:effectLst>
+        </p:spPr>
+        <p:style>
+          <a:lnRef idx="1">
+            <a:schemeClr val="accent1"/>
+          </a:lnRef>
+          <a:fillRef idx="0">
+            <a:schemeClr val="accent1"/>
+          </a:fillRef>
+          <a:effectRef idx="0">
+            <a:schemeClr val="accent1"/>
+          </a:effectRef>
+          <a:fontRef idx="minor">
+            <a:schemeClr val="tx1"/>
+          </a:fontRef>
+        </p:style>
+      </p:cxnSp>
+      <p:sp>
+        <p:nvSpPr>
+          <p:cNvPr id="6" name="TextBox 5">
+            <a:extLst>
+              <a:ext uri="{FF2B5EF4-FFF2-40B4-BE49-F238E27FC236}">
+                <a16:creationId xmlns:a16="http://schemas.microsoft.com/office/drawing/2014/main" id="{57CC0083-6D2E-CFA0-B34B-C13C38CC22CF}"/>
+              </a:ext>
+            </a:extLst>
+          </p:cNvPr>
+          <p:cNvSpPr txBox="1"/>
+          <p:nvPr/>
+        </p:nvSpPr>
+        <p:spPr>
+          <a:xfrm>
+            <a:off x="528320" y="1752600"/>
+            <a:ext cx="11104880" cy="4524315"/>
+          </a:xfrm>
+          <a:prstGeom prst="rect">
+            <a:avLst/>
+          </a:prstGeom>
+          <a:noFill/>
+        </p:spPr>
+        <p:txBody>
+          <a:bodyPr wrap="square" rtlCol="0">
+            <a:spAutoFit/>
+          </a:bodyPr>
+          <a:lstStyle/>
+          <a:p>
+            <a:pPr marL="285750" indent="-285750">
+              <a:buFont typeface="Arial" panose="020B0604020202020204" pitchFamily="34" charset="0"/>
+              <a:buChar char="•"/>
+            </a:pPr>
+            <a:r>
+              <a:rPr lang="en-US" sz="2400" dirty="0">
+                <a:latin typeface="+mj-lt"/>
+              </a:rPr>
+              <a:t>The system integrates an ultrasonic sensor mounted on a </a:t>
+            </a:r>
+            <a:r>
+              <a:rPr lang="en-US" sz="2400" b="1" dirty="0">
+                <a:latin typeface="+mj-lt"/>
+              </a:rPr>
+              <a:t>servo motor for 180° scanning</a:t>
+            </a:r>
+            <a:r>
+              <a:rPr lang="en-US" sz="2400" dirty="0">
+                <a:latin typeface="+mj-lt"/>
+              </a:rPr>
+              <a:t>, improving obstacle detection.  </a:t>
+            </a:r>
+          </a:p>
+          <a:p>
+            <a:pPr marL="285750" indent="-285750">
+              <a:buFont typeface="Arial" panose="020B0604020202020204" pitchFamily="34" charset="0"/>
+              <a:buChar char="•"/>
+            </a:pPr>
+            <a:endParaRPr lang="en-US" sz="2400" dirty="0">
+              <a:latin typeface="+mj-lt"/>
+            </a:endParaRPr>
+          </a:p>
+          <a:p>
+            <a:pPr marL="285750" indent="-285750">
+              <a:buFont typeface="Arial" panose="020B0604020202020204" pitchFamily="34" charset="0"/>
+              <a:buChar char="•"/>
+            </a:pPr>
+            <a:r>
+              <a:rPr lang="en-US" sz="2400" b="1" dirty="0">
+                <a:latin typeface="+mj-lt"/>
+              </a:rPr>
+              <a:t>A mean-based algorithm</a:t>
+            </a:r>
+            <a:r>
+              <a:rPr lang="en-US" sz="2400" dirty="0">
+                <a:latin typeface="+mj-lt"/>
+              </a:rPr>
+              <a:t> processes the data, reducing false positives and optimizing path selection.  </a:t>
+            </a:r>
+          </a:p>
+          <a:p>
+            <a:pPr marL="285750" indent="-285750">
+              <a:buFont typeface="Arial" panose="020B0604020202020204" pitchFamily="34" charset="0"/>
+              <a:buChar char="•"/>
+            </a:pPr>
+            <a:endParaRPr lang="en-US" sz="2400" dirty="0">
+              <a:latin typeface="+mj-lt"/>
+            </a:endParaRPr>
+          </a:p>
+          <a:p>
+            <a:pPr marL="285750" indent="-285750">
+              <a:buFont typeface="Arial" panose="020B0604020202020204" pitchFamily="34" charset="0"/>
+              <a:buChar char="•"/>
+            </a:pPr>
+            <a:r>
+              <a:rPr lang="en-US" sz="2400" dirty="0">
+                <a:latin typeface="+mj-lt"/>
+              </a:rPr>
+              <a:t>The </a:t>
+            </a:r>
+            <a:r>
+              <a:rPr lang="en-US" sz="2400" b="1" dirty="0">
+                <a:latin typeface="+mj-lt"/>
+              </a:rPr>
+              <a:t>L293D motor driver</a:t>
+            </a:r>
+            <a:r>
+              <a:rPr lang="en-US" sz="2400" dirty="0">
+                <a:latin typeface="+mj-lt"/>
+              </a:rPr>
+              <a:t> ensures precise control of the robot's movements. </a:t>
+            </a:r>
+          </a:p>
+          <a:p>
+            <a:endParaRPr lang="en-US" sz="2400" dirty="0">
+              <a:latin typeface="+mj-lt"/>
+            </a:endParaRPr>
+          </a:p>
+          <a:p>
+            <a:pPr marL="285750" indent="-285750">
+              <a:buFont typeface="Arial" panose="020B0604020202020204" pitchFamily="34" charset="0"/>
+              <a:buChar char="•"/>
+            </a:pPr>
+            <a:r>
+              <a:rPr lang="en-US" sz="2400" dirty="0">
+                <a:latin typeface="+mj-lt"/>
+              </a:rPr>
+              <a:t>Enhanced navigation makes it suitable for industrial, rescue, and autonomous applications.  </a:t>
+            </a:r>
+          </a:p>
+          <a:p>
+            <a:endParaRPr lang="en-US" sz="2400" dirty="0">
+              <a:latin typeface="+mj-lt"/>
+            </a:endParaRPr>
+          </a:p>
+          <a:p>
+            <a:pPr marL="285750" indent="-285750">
+              <a:buFont typeface="Arial" panose="020B0604020202020204" pitchFamily="34" charset="0"/>
+              <a:buChar char="•"/>
+            </a:pPr>
+            <a:r>
+              <a:rPr lang="en-US" sz="2400" dirty="0">
+                <a:latin typeface="+mj-lt"/>
+              </a:rPr>
+              <a:t>This approach provides better accuracy and efficiency compared to traditional systems. </a:t>
+            </a:r>
+          </a:p>
+        </p:txBody>
+      </p:sp>
+    </p:spTree>
+    <p:extLst>
+      <p:ext uri="{BB962C8B-B14F-4D97-AF65-F5344CB8AC3E}">
+        <p14:creationId xmlns:p14="http://schemas.microsoft.com/office/powerpoint/2010/main" val="2003600397"/>
+      </p:ext>
+    </p:extLst>
+  </p:cSld>
+  <p:clrMapOvr>
+    <a:masterClrMapping/>
+  </p:clrMapOvr>
+</p:sld>
+</file>
+
+<file path=ppt/slides/slide19.xml><?xml version="1.0" encoding="utf-8"?>
+<p:sld xmlns:a="http://schemas.openxmlformats.org/drawingml/2006/main" xmlns:r="http://schemas.openxmlformats.org/officeDocument/2006/relationships" xmlns:p="http://schemas.openxmlformats.org/presentationml/2006/main">
+  <p:cSld>
+    <p:spTree>
+      <p:nvGrpSpPr>
+        <p:cNvPr id="1" name=""/>
+        <p:cNvGrpSpPr/>
+        <p:nvPr/>
+      </p:nvGrpSpPr>
+      <p:grpSpPr>
+        <a:xfrm>
+          <a:off x="0" y="0"/>
+          <a:ext cx="0" cy="0"/>
+          <a:chOff x="0" y="0"/>
+          <a:chExt cx="0" cy="0"/>
+        </a:xfrm>
+      </p:grpSpPr>
+      <p:sp>
+        <p:nvSpPr>
+          <p:cNvPr id="4" name="TextBox 3">
+            <a:extLst>
+              <a:ext uri="{FF2B5EF4-FFF2-40B4-BE49-F238E27FC236}">
+                <a16:creationId xmlns:a16="http://schemas.microsoft.com/office/drawing/2014/main" id="{17C97D89-3979-D9EC-2F9E-F1BA5D0A9EF4}"/>
+              </a:ext>
+            </a:extLst>
+          </p:cNvPr>
+          <p:cNvSpPr txBox="1"/>
+          <p:nvPr/>
+        </p:nvSpPr>
+        <p:spPr>
+          <a:xfrm>
+            <a:off x="416560" y="675640"/>
+            <a:ext cx="5679440" cy="646331"/>
+          </a:xfrm>
+          <a:prstGeom prst="rect">
+            <a:avLst/>
+          </a:prstGeom>
+          <a:noFill/>
+        </p:spPr>
+        <p:txBody>
+          <a:bodyPr wrap="square" rtlCol="0">
+            <a:spAutoFit/>
+          </a:bodyPr>
+          <a:lstStyle/>
+          <a:p>
+            <a:r>
+              <a:rPr lang="en-US" sz="3600" b="1" dirty="0"/>
+              <a:t>Advantages &amp; Future Scope</a:t>
+            </a:r>
+          </a:p>
+        </p:txBody>
+      </p:sp>
+      <p:cxnSp>
+        <p:nvCxnSpPr>
+          <p:cNvPr id="9" name="Straight Connector 8">
+            <a:extLst>
+              <a:ext uri="{FF2B5EF4-FFF2-40B4-BE49-F238E27FC236}">
+                <a16:creationId xmlns:a16="http://schemas.microsoft.com/office/drawing/2014/main" id="{06DEB5C5-95DE-9DEC-6F84-929E462EC78F}"/>
+              </a:ext>
+            </a:extLst>
+          </p:cNvPr>
+          <p:cNvCxnSpPr>
+            <a:cxnSpLocks/>
+          </p:cNvCxnSpPr>
+          <p:nvPr/>
+        </p:nvCxnSpPr>
+        <p:spPr>
+          <a:xfrm>
+            <a:off x="335280" y="1382931"/>
+            <a:ext cx="2743200" cy="0"/>
+          </a:xfrm>
+          <a:prstGeom prst="line">
+            <a:avLst/>
+          </a:prstGeom>
+          <a:ln w="28575"/>
+          <a:effectLst>
+            <a:outerShdw blurRad="50800" dist="38100" dir="2700000" algn="tl" rotWithShape="0">
+              <a:prstClr val="black">
+                <a:alpha val="40000"/>
+              </a:prstClr>
+            </a:outerShdw>
+          </a:effectLst>
+        </p:spPr>
+        <p:style>
+          <a:lnRef idx="1">
+            <a:schemeClr val="accent1"/>
+          </a:lnRef>
+          <a:fillRef idx="0">
+            <a:schemeClr val="accent1"/>
+          </a:fillRef>
+          <a:effectRef idx="0">
+            <a:schemeClr val="accent1"/>
+          </a:effectRef>
+          <a:fontRef idx="minor">
+            <a:schemeClr val="tx1"/>
+          </a:fontRef>
+        </p:style>
+      </p:cxnSp>
+      <p:sp>
+        <p:nvSpPr>
+          <p:cNvPr id="6" name="TextBox 5">
+            <a:extLst>
+              <a:ext uri="{FF2B5EF4-FFF2-40B4-BE49-F238E27FC236}">
+                <a16:creationId xmlns:a16="http://schemas.microsoft.com/office/drawing/2014/main" id="{57CC0083-6D2E-CFA0-B34B-C13C38CC22CF}"/>
+              </a:ext>
+            </a:extLst>
+          </p:cNvPr>
+          <p:cNvSpPr txBox="1"/>
+          <p:nvPr/>
+        </p:nvSpPr>
+        <p:spPr>
+          <a:xfrm>
+            <a:off x="528320" y="1752600"/>
+            <a:ext cx="11104880" cy="4524315"/>
+          </a:xfrm>
+          <a:prstGeom prst="rect">
+            <a:avLst/>
+          </a:prstGeom>
+          <a:noFill/>
+        </p:spPr>
+        <p:txBody>
+          <a:bodyPr wrap="square" rtlCol="0">
+            <a:spAutoFit/>
+          </a:bodyPr>
+          <a:lstStyle/>
+          <a:p>
+            <a:pPr marL="285750" indent="-285750">
+              <a:buFont typeface="Arial" panose="020B0604020202020204" pitchFamily="34" charset="0"/>
+              <a:buChar char="•"/>
+            </a:pPr>
+            <a:r>
+              <a:rPr lang="en-US" sz="2400" dirty="0">
+                <a:latin typeface="+mj-lt"/>
+              </a:rPr>
+              <a:t>The system integrates an ultrasonic sensor mounted on a </a:t>
+            </a:r>
+            <a:r>
+              <a:rPr lang="en-US" sz="2400" b="1" dirty="0">
+                <a:latin typeface="+mj-lt"/>
+              </a:rPr>
+              <a:t>servo motor for 180° scanning</a:t>
+            </a:r>
+            <a:r>
+              <a:rPr lang="en-US" sz="2400" dirty="0">
+                <a:latin typeface="+mj-lt"/>
+              </a:rPr>
+              <a:t>, improving obstacle detection.  </a:t>
+            </a:r>
+          </a:p>
+          <a:p>
+            <a:pPr marL="285750" indent="-285750">
+              <a:buFont typeface="Arial" panose="020B0604020202020204" pitchFamily="34" charset="0"/>
+              <a:buChar char="•"/>
+            </a:pPr>
+            <a:endParaRPr lang="en-US" sz="2400" dirty="0">
+              <a:latin typeface="+mj-lt"/>
+            </a:endParaRPr>
+          </a:p>
+          <a:p>
+            <a:pPr marL="285750" indent="-285750">
+              <a:buFont typeface="Arial" panose="020B0604020202020204" pitchFamily="34" charset="0"/>
+              <a:buChar char="•"/>
+            </a:pPr>
+            <a:r>
+              <a:rPr lang="en-US" sz="2400" b="1" dirty="0">
+                <a:latin typeface="+mj-lt"/>
+              </a:rPr>
+              <a:t>A mean-based algorithm</a:t>
+            </a:r>
+            <a:r>
+              <a:rPr lang="en-US" sz="2400" dirty="0">
+                <a:latin typeface="+mj-lt"/>
+              </a:rPr>
+              <a:t> processes the data, reducing false positives and optimizing path selection.  </a:t>
+            </a:r>
+          </a:p>
+          <a:p>
+            <a:pPr marL="285750" indent="-285750">
+              <a:buFont typeface="Arial" panose="020B0604020202020204" pitchFamily="34" charset="0"/>
+              <a:buChar char="•"/>
+            </a:pPr>
+            <a:endParaRPr lang="en-US" sz="2400" dirty="0">
+              <a:latin typeface="+mj-lt"/>
+            </a:endParaRPr>
+          </a:p>
+          <a:p>
+            <a:pPr marL="285750" indent="-285750">
+              <a:buFont typeface="Arial" panose="020B0604020202020204" pitchFamily="34" charset="0"/>
+              <a:buChar char="•"/>
+            </a:pPr>
+            <a:r>
+              <a:rPr lang="en-US" sz="2400" dirty="0">
+                <a:latin typeface="+mj-lt"/>
+              </a:rPr>
+              <a:t>The </a:t>
+            </a:r>
+            <a:r>
+              <a:rPr lang="en-US" sz="2400" b="1" dirty="0">
+                <a:latin typeface="+mj-lt"/>
+              </a:rPr>
+              <a:t>L293D motor driver</a:t>
+            </a:r>
+            <a:r>
+              <a:rPr lang="en-US" sz="2400" dirty="0">
+                <a:latin typeface="+mj-lt"/>
+              </a:rPr>
+              <a:t> ensures precise control of the robot's movements. </a:t>
+            </a:r>
+          </a:p>
+          <a:p>
+            <a:endParaRPr lang="en-US" sz="2400" dirty="0">
+              <a:latin typeface="+mj-lt"/>
+            </a:endParaRPr>
+          </a:p>
+          <a:p>
+            <a:pPr marL="285750" indent="-285750">
+              <a:buFont typeface="Arial" panose="020B0604020202020204" pitchFamily="34" charset="0"/>
+              <a:buChar char="•"/>
+            </a:pPr>
+            <a:r>
+              <a:rPr lang="en-US" sz="2400" dirty="0">
+                <a:latin typeface="+mj-lt"/>
+              </a:rPr>
+              <a:t>Enhanced navigation makes it suitable for industrial, rescue, and autonomous applications.  </a:t>
+            </a:r>
+          </a:p>
+          <a:p>
+            <a:endParaRPr lang="en-US" sz="2400" dirty="0">
+              <a:latin typeface="+mj-lt"/>
+            </a:endParaRPr>
+          </a:p>
+          <a:p>
+            <a:pPr marL="285750" indent="-285750">
+              <a:buFont typeface="Arial" panose="020B0604020202020204" pitchFamily="34" charset="0"/>
+              <a:buChar char="•"/>
+            </a:pPr>
+            <a:r>
+              <a:rPr lang="en-US" sz="2400" dirty="0">
+                <a:latin typeface="+mj-lt"/>
+              </a:rPr>
+              <a:t>This approach provides better accuracy and efficiency compared to traditional systems. </a:t>
+            </a:r>
+          </a:p>
+        </p:txBody>
+      </p:sp>
+    </p:spTree>
+    <p:extLst>
+      <p:ext uri="{BB962C8B-B14F-4D97-AF65-F5344CB8AC3E}">
+        <p14:creationId xmlns:p14="http://schemas.microsoft.com/office/powerpoint/2010/main" val="2205597045"/>
       </p:ext>
     </p:extLst>
   </p:cSld>

--- a/Batch 8 .pptx
+++ b/Batch 8 .pptx
@@ -21,9 +21,10 @@
     <p:sldId id="269" r:id="rId15"/>
     <p:sldId id="270" r:id="rId16"/>
     <p:sldId id="271" r:id="rId17"/>
-    <p:sldId id="272" r:id="rId18"/>
-    <p:sldId id="273" r:id="rId19"/>
-    <p:sldId id="274" r:id="rId20"/>
+    <p:sldId id="275" r:id="rId18"/>
+    <p:sldId id="272" r:id="rId19"/>
+    <p:sldId id="273" r:id="rId20"/>
+    <p:sldId id="274" r:id="rId21"/>
   </p:sldIdLst>
   <p:sldSz cx="12192000" cy="6858000"/>
   <p:notesSz cx="6858000" cy="9144000"/>
@@ -277,7 +278,7 @@
           <a:p>
             <a:fld id="{06E713BE-B739-4CC0-B4CE-95E82AEB026E}" type="datetimeFigureOut">
               <a:rPr lang="en-US" smtClean="0"/>
-              <a:t>3/9/2025</a:t>
+              <a:t>3/10/2025</a:t>
             </a:fld>
             <a:endParaRPr lang="en-US"/>
           </a:p>
@@ -475,7 +476,7 @@
           <a:p>
             <a:fld id="{06E713BE-B739-4CC0-B4CE-95E82AEB026E}" type="datetimeFigureOut">
               <a:rPr lang="en-US" smtClean="0"/>
-              <a:t>3/9/2025</a:t>
+              <a:t>3/10/2025</a:t>
             </a:fld>
             <a:endParaRPr lang="en-US"/>
           </a:p>
@@ -683,7 +684,7 @@
           <a:p>
             <a:fld id="{06E713BE-B739-4CC0-B4CE-95E82AEB026E}" type="datetimeFigureOut">
               <a:rPr lang="en-US" smtClean="0"/>
-              <a:t>3/9/2025</a:t>
+              <a:t>3/10/2025</a:t>
             </a:fld>
             <a:endParaRPr lang="en-US"/>
           </a:p>
@@ -881,7 +882,7 @@
           <a:p>
             <a:fld id="{06E713BE-B739-4CC0-B4CE-95E82AEB026E}" type="datetimeFigureOut">
               <a:rPr lang="en-US" smtClean="0"/>
-              <a:t>3/9/2025</a:t>
+              <a:t>3/10/2025</a:t>
             </a:fld>
             <a:endParaRPr lang="en-US"/>
           </a:p>
@@ -1156,7 +1157,7 @@
           <a:p>
             <a:fld id="{06E713BE-B739-4CC0-B4CE-95E82AEB026E}" type="datetimeFigureOut">
               <a:rPr lang="en-US" smtClean="0"/>
-              <a:t>3/9/2025</a:t>
+              <a:t>3/10/2025</a:t>
             </a:fld>
             <a:endParaRPr lang="en-US"/>
           </a:p>
@@ -1421,7 +1422,7 @@
           <a:p>
             <a:fld id="{06E713BE-B739-4CC0-B4CE-95E82AEB026E}" type="datetimeFigureOut">
               <a:rPr lang="en-US" smtClean="0"/>
-              <a:t>3/9/2025</a:t>
+              <a:t>3/10/2025</a:t>
             </a:fld>
             <a:endParaRPr lang="en-US"/>
           </a:p>
@@ -1833,7 +1834,7 @@
           <a:p>
             <a:fld id="{06E713BE-B739-4CC0-B4CE-95E82AEB026E}" type="datetimeFigureOut">
               <a:rPr lang="en-US" smtClean="0"/>
-              <a:t>3/9/2025</a:t>
+              <a:t>3/10/2025</a:t>
             </a:fld>
             <a:endParaRPr lang="en-US"/>
           </a:p>
@@ -1974,7 +1975,7 @@
           <a:p>
             <a:fld id="{06E713BE-B739-4CC0-B4CE-95E82AEB026E}" type="datetimeFigureOut">
               <a:rPr lang="en-US" smtClean="0"/>
-              <a:t>3/9/2025</a:t>
+              <a:t>3/10/2025</a:t>
             </a:fld>
             <a:endParaRPr lang="en-US"/>
           </a:p>
@@ -2087,7 +2088,7 @@
           <a:p>
             <a:fld id="{06E713BE-B739-4CC0-B4CE-95E82AEB026E}" type="datetimeFigureOut">
               <a:rPr lang="en-US" smtClean="0"/>
-              <a:t>3/9/2025</a:t>
+              <a:t>3/10/2025</a:t>
             </a:fld>
             <a:endParaRPr lang="en-US"/>
           </a:p>
@@ -2398,7 +2399,7 @@
           <a:p>
             <a:fld id="{06E713BE-B739-4CC0-B4CE-95E82AEB026E}" type="datetimeFigureOut">
               <a:rPr lang="en-US" smtClean="0"/>
-              <a:t>3/9/2025</a:t>
+              <a:t>3/10/2025</a:t>
             </a:fld>
             <a:endParaRPr lang="en-US"/>
           </a:p>
@@ -2686,7 +2687,7 @@
           <a:p>
             <a:fld id="{06E713BE-B739-4CC0-B4CE-95E82AEB026E}" type="datetimeFigureOut">
               <a:rPr lang="en-US" smtClean="0"/>
-              <a:t>3/9/2025</a:t>
+              <a:t>3/10/2025</a:t>
             </a:fld>
             <a:endParaRPr lang="en-US"/>
           </a:p>
@@ -2927,7 +2928,7 @@
           <a:p>
             <a:fld id="{06E713BE-B739-4CC0-B4CE-95E82AEB026E}" type="datetimeFigureOut">
               <a:rPr lang="en-US" smtClean="0"/>
-              <a:t>3/9/2025</a:t>
+              <a:t>3/10/2025</a:t>
             </a:fld>
             <a:endParaRPr lang="en-US"/>
           </a:p>
@@ -4487,8 +4488,8 @@
           </a:p>
         </p:txBody>
       </p:sp>
-      <mc:AlternateContent xmlns:mc="http://schemas.openxmlformats.org/markup-compatibility/2006">
-        <mc:Choice xmlns:a14="http://schemas.microsoft.com/office/drawing/2010/main" Requires="a14">
+      <mc:AlternateContent xmlns:mc="http://schemas.openxmlformats.org/markup-compatibility/2006" xmlns:a14="http://schemas.microsoft.com/office/drawing/2010/main">
+        <mc:Choice Requires="a14">
           <p:sp>
             <p:nvSpPr>
               <p:cNvPr id="2" name="TextBox 1">
@@ -4530,6 +4531,7 @@
                 </a:endParaRPr>
               </a:p>
               <a:p>
+                <a:pPr/>
                 <a14:m>
                   <m:oMathPara xmlns:m="http://schemas.openxmlformats.org/officeDocument/2006/math">
                     <m:oMathParaPr>
@@ -4624,7 +4626,7 @@
             </p:txBody>
           </p:sp>
         </mc:Choice>
-        <mc:Fallback>
+        <mc:Fallback xmlns="">
           <p:sp>
             <p:nvSpPr>
               <p:cNvPr id="2" name="TextBox 1">
@@ -6464,7 +6466,7 @@
         <p:spPr>
           <a:xfrm>
             <a:off x="416560" y="675640"/>
-            <a:ext cx="7081520" cy="646331"/>
+            <a:ext cx="5679440" cy="646331"/>
           </a:xfrm>
           <a:prstGeom prst="rect">
             <a:avLst/>
@@ -6479,7 +6481,7 @@
           <a:p>
             <a:r>
               <a:rPr lang="en-US" sz="3600" b="1" dirty="0"/>
-              <a:t>Existing Methods &amp; Limitations </a:t>
+              <a:t>Interfacing of Components</a:t>
             </a:r>
           </a:p>
         </p:txBody>
@@ -6532,10 +6534,535 @@
       </p:cxnSp>
       <p:sp>
         <p:nvSpPr>
-          <p:cNvPr id="6" name="TextBox 5">
-            <a:extLst>
-              <a:ext uri="{FF2B5EF4-FFF2-40B4-BE49-F238E27FC236}">
-                <a16:creationId xmlns:a16="http://schemas.microsoft.com/office/drawing/2014/main" id="{57CC0083-6D2E-CFA0-B34B-C13C38CC22CF}"/>
+          <p:cNvPr id="7" name="Rectangle 6">
+            <a:extLst>
+              <a:ext uri="{FF2B5EF4-FFF2-40B4-BE49-F238E27FC236}">
+                <a16:creationId xmlns:a16="http://schemas.microsoft.com/office/drawing/2014/main" id="{F93811F9-163F-ACB5-D27A-2D6630D2515C}"/>
+              </a:ext>
+            </a:extLst>
+          </p:cNvPr>
+          <p:cNvSpPr/>
+          <p:nvPr/>
+        </p:nvSpPr>
+        <p:spPr>
+          <a:xfrm>
+            <a:off x="721360" y="2961637"/>
+            <a:ext cx="1656080" cy="1676395"/>
+          </a:xfrm>
+          <a:prstGeom prst="rect">
+            <a:avLst/>
+          </a:prstGeom>
+          <a:noFill/>
+          <a:ln w="28575">
+            <a:solidFill>
+              <a:schemeClr val="tx1"/>
+            </a:solidFill>
+          </a:ln>
+        </p:spPr>
+        <p:style>
+          <a:lnRef idx="2">
+            <a:schemeClr val="accent1">
+              <a:shade val="50000"/>
+            </a:schemeClr>
+          </a:lnRef>
+          <a:fillRef idx="1">
+            <a:schemeClr val="accent1"/>
+          </a:fillRef>
+          <a:effectRef idx="0">
+            <a:schemeClr val="accent1"/>
+          </a:effectRef>
+          <a:fontRef idx="minor">
+            <a:schemeClr val="lt1"/>
+          </a:fontRef>
+        </p:style>
+        <p:txBody>
+          <a:bodyPr rtlCol="0" anchor="ctr"/>
+          <a:lstStyle/>
+          <a:p>
+            <a:pPr algn="ctr"/>
+            <a:endParaRPr lang="en-US" dirty="0"/>
+          </a:p>
+        </p:txBody>
+      </p:sp>
+      <p:sp>
+        <p:nvSpPr>
+          <p:cNvPr id="15" name="Rectangle 14">
+            <a:extLst>
+              <a:ext uri="{FF2B5EF4-FFF2-40B4-BE49-F238E27FC236}">
+                <a16:creationId xmlns:a16="http://schemas.microsoft.com/office/drawing/2014/main" id="{627EF967-0454-0F9E-F66A-FDF61DA8DB67}"/>
+              </a:ext>
+            </a:extLst>
+          </p:cNvPr>
+          <p:cNvSpPr/>
+          <p:nvPr/>
+        </p:nvSpPr>
+        <p:spPr>
+          <a:xfrm>
+            <a:off x="4094480" y="2961637"/>
+            <a:ext cx="1656080" cy="1676395"/>
+          </a:xfrm>
+          <a:prstGeom prst="rect">
+            <a:avLst/>
+          </a:prstGeom>
+          <a:noFill/>
+          <a:ln w="28575">
+            <a:solidFill>
+              <a:schemeClr val="tx1"/>
+            </a:solidFill>
+          </a:ln>
+        </p:spPr>
+        <p:style>
+          <a:lnRef idx="2">
+            <a:schemeClr val="accent1">
+              <a:shade val="50000"/>
+            </a:schemeClr>
+          </a:lnRef>
+          <a:fillRef idx="1">
+            <a:schemeClr val="accent1"/>
+          </a:fillRef>
+          <a:effectRef idx="0">
+            <a:schemeClr val="accent1"/>
+          </a:effectRef>
+          <a:fontRef idx="minor">
+            <a:schemeClr val="lt1"/>
+          </a:fontRef>
+        </p:style>
+        <p:txBody>
+          <a:bodyPr rtlCol="0" anchor="ctr"/>
+          <a:lstStyle/>
+          <a:p>
+            <a:pPr algn="ctr"/>
+            <a:endParaRPr lang="en-US" dirty="0"/>
+          </a:p>
+        </p:txBody>
+      </p:sp>
+      <p:sp>
+        <p:nvSpPr>
+          <p:cNvPr id="23" name="Rectangle 22">
+            <a:extLst>
+              <a:ext uri="{FF2B5EF4-FFF2-40B4-BE49-F238E27FC236}">
+                <a16:creationId xmlns:a16="http://schemas.microsoft.com/office/drawing/2014/main" id="{D97168D3-AB37-698E-BF8A-7E767472DF8C}"/>
+              </a:ext>
+            </a:extLst>
+          </p:cNvPr>
+          <p:cNvSpPr/>
+          <p:nvPr/>
+        </p:nvSpPr>
+        <p:spPr>
+          <a:xfrm>
+            <a:off x="7731760" y="2214880"/>
+            <a:ext cx="3169920" cy="3159759"/>
+          </a:xfrm>
+          <a:prstGeom prst="rect">
+            <a:avLst/>
+          </a:prstGeom>
+          <a:noFill/>
+          <a:ln w="28575">
+            <a:solidFill>
+              <a:schemeClr val="tx1"/>
+            </a:solidFill>
+          </a:ln>
+        </p:spPr>
+        <p:style>
+          <a:lnRef idx="2">
+            <a:schemeClr val="accent1">
+              <a:shade val="50000"/>
+            </a:schemeClr>
+          </a:lnRef>
+          <a:fillRef idx="1">
+            <a:schemeClr val="accent1"/>
+          </a:fillRef>
+          <a:effectRef idx="0">
+            <a:schemeClr val="accent1"/>
+          </a:effectRef>
+          <a:fontRef idx="minor">
+            <a:schemeClr val="lt1"/>
+          </a:fontRef>
+        </p:style>
+        <p:txBody>
+          <a:bodyPr rtlCol="0" anchor="ctr"/>
+          <a:lstStyle/>
+          <a:p>
+            <a:pPr algn="ctr"/>
+            <a:endParaRPr lang="en-US" dirty="0"/>
+          </a:p>
+        </p:txBody>
+      </p:sp>
+      <p:grpSp>
+        <p:nvGrpSpPr>
+          <p:cNvPr id="41" name="Group 40">
+            <a:extLst>
+              <a:ext uri="{FF2B5EF4-FFF2-40B4-BE49-F238E27FC236}">
+                <a16:creationId xmlns:a16="http://schemas.microsoft.com/office/drawing/2014/main" id="{DD7857B7-56FD-9316-DE21-E15A2F65EDDF}"/>
+              </a:ext>
+            </a:extLst>
+          </p:cNvPr>
+          <p:cNvGrpSpPr/>
+          <p:nvPr/>
+        </p:nvGrpSpPr>
+        <p:grpSpPr>
+          <a:xfrm>
+            <a:off x="955040" y="4135120"/>
+            <a:ext cx="1112520" cy="200656"/>
+            <a:chOff x="955040" y="4135120"/>
+            <a:chExt cx="1112520" cy="200656"/>
+          </a:xfrm>
+        </p:grpSpPr>
+        <p:sp>
+          <p:nvSpPr>
+            <p:cNvPr id="24" name="Oval 23">
+              <a:extLst>
+                <a:ext uri="{FF2B5EF4-FFF2-40B4-BE49-F238E27FC236}">
+                  <a16:creationId xmlns:a16="http://schemas.microsoft.com/office/drawing/2014/main" id="{73FA5E1E-BDF5-8FB2-54BE-C398493D9FAC}"/>
+                </a:ext>
+              </a:extLst>
+            </p:cNvPr>
+            <p:cNvSpPr/>
+            <p:nvPr/>
+          </p:nvSpPr>
+          <p:spPr>
+            <a:xfrm>
+              <a:off x="955040" y="4135120"/>
+              <a:ext cx="182880" cy="182880"/>
+            </a:xfrm>
+            <a:prstGeom prst="ellipse">
+              <a:avLst/>
+            </a:prstGeom>
+          </p:spPr>
+          <p:style>
+            <a:lnRef idx="2">
+              <a:schemeClr val="accent1">
+                <a:shade val="50000"/>
+              </a:schemeClr>
+            </a:lnRef>
+            <a:fillRef idx="1">
+              <a:schemeClr val="accent1"/>
+            </a:fillRef>
+            <a:effectRef idx="0">
+              <a:schemeClr val="accent1"/>
+            </a:effectRef>
+            <a:fontRef idx="minor">
+              <a:schemeClr val="lt1"/>
+            </a:fontRef>
+          </p:style>
+          <p:txBody>
+            <a:bodyPr rtlCol="0" anchor="ctr"/>
+            <a:lstStyle/>
+            <a:p>
+              <a:pPr algn="ctr"/>
+              <a:endParaRPr lang="en-US"/>
+            </a:p>
+          </p:txBody>
+        </p:sp>
+        <p:sp>
+          <p:nvSpPr>
+            <p:cNvPr id="25" name="Oval 24">
+              <a:extLst>
+                <a:ext uri="{FF2B5EF4-FFF2-40B4-BE49-F238E27FC236}">
+                  <a16:creationId xmlns:a16="http://schemas.microsoft.com/office/drawing/2014/main" id="{DD5779F7-0B67-AB21-9066-DFE908A1FD4B}"/>
+                </a:ext>
+              </a:extLst>
+            </p:cNvPr>
+            <p:cNvSpPr/>
+            <p:nvPr/>
+          </p:nvSpPr>
+          <p:spPr>
+            <a:xfrm>
+              <a:off x="1417320" y="4135120"/>
+              <a:ext cx="182880" cy="182880"/>
+            </a:xfrm>
+            <a:prstGeom prst="ellipse">
+              <a:avLst/>
+            </a:prstGeom>
+          </p:spPr>
+          <p:style>
+            <a:lnRef idx="2">
+              <a:schemeClr val="accent1">
+                <a:shade val="50000"/>
+              </a:schemeClr>
+            </a:lnRef>
+            <a:fillRef idx="1">
+              <a:schemeClr val="accent1"/>
+            </a:fillRef>
+            <a:effectRef idx="0">
+              <a:schemeClr val="accent1"/>
+            </a:effectRef>
+            <a:fontRef idx="minor">
+              <a:schemeClr val="lt1"/>
+            </a:fontRef>
+          </p:style>
+          <p:txBody>
+            <a:bodyPr rtlCol="0" anchor="ctr"/>
+            <a:lstStyle/>
+            <a:p>
+              <a:pPr algn="ctr"/>
+              <a:endParaRPr lang="en-US"/>
+            </a:p>
+          </p:txBody>
+        </p:sp>
+        <p:sp>
+          <p:nvSpPr>
+            <p:cNvPr id="31" name="Oval 30">
+              <a:extLst>
+                <a:ext uri="{FF2B5EF4-FFF2-40B4-BE49-F238E27FC236}">
+                  <a16:creationId xmlns:a16="http://schemas.microsoft.com/office/drawing/2014/main" id="{5C821D5A-F75D-A029-B076-98195ECC0232}"/>
+                </a:ext>
+              </a:extLst>
+            </p:cNvPr>
+            <p:cNvSpPr/>
+            <p:nvPr/>
+          </p:nvSpPr>
+          <p:spPr>
+            <a:xfrm>
+              <a:off x="1884680" y="4152896"/>
+              <a:ext cx="182880" cy="182880"/>
+            </a:xfrm>
+            <a:prstGeom prst="ellipse">
+              <a:avLst/>
+            </a:prstGeom>
+          </p:spPr>
+          <p:style>
+            <a:lnRef idx="2">
+              <a:schemeClr val="accent1">
+                <a:shade val="50000"/>
+              </a:schemeClr>
+            </a:lnRef>
+            <a:fillRef idx="1">
+              <a:schemeClr val="accent1"/>
+            </a:fillRef>
+            <a:effectRef idx="0">
+              <a:schemeClr val="accent1"/>
+            </a:effectRef>
+            <a:fontRef idx="minor">
+              <a:schemeClr val="lt1"/>
+            </a:fontRef>
+          </p:style>
+          <p:txBody>
+            <a:bodyPr rtlCol="0" anchor="ctr"/>
+            <a:lstStyle/>
+            <a:p>
+              <a:pPr algn="ctr"/>
+              <a:endParaRPr lang="en-US"/>
+            </a:p>
+          </p:txBody>
+        </p:sp>
+      </p:grpSp>
+      <p:grpSp>
+        <p:nvGrpSpPr>
+          <p:cNvPr id="42" name="Group 41">
+            <a:extLst>
+              <a:ext uri="{FF2B5EF4-FFF2-40B4-BE49-F238E27FC236}">
+                <a16:creationId xmlns:a16="http://schemas.microsoft.com/office/drawing/2014/main" id="{A1DFC090-1F80-02C6-9C6C-5C5B48FC80BE}"/>
+              </a:ext>
+            </a:extLst>
+          </p:cNvPr>
+          <p:cNvGrpSpPr/>
+          <p:nvPr/>
+        </p:nvGrpSpPr>
+        <p:grpSpPr>
+          <a:xfrm>
+            <a:off x="4373880" y="4152896"/>
+            <a:ext cx="1112520" cy="200656"/>
+            <a:chOff x="955040" y="4135120"/>
+            <a:chExt cx="1112520" cy="200656"/>
+          </a:xfrm>
+        </p:grpSpPr>
+        <p:sp>
+          <p:nvSpPr>
+            <p:cNvPr id="43" name="Oval 42">
+              <a:extLst>
+                <a:ext uri="{FF2B5EF4-FFF2-40B4-BE49-F238E27FC236}">
+                  <a16:creationId xmlns:a16="http://schemas.microsoft.com/office/drawing/2014/main" id="{C979150C-D1D4-199E-F1B8-235407804251}"/>
+                </a:ext>
+              </a:extLst>
+            </p:cNvPr>
+            <p:cNvSpPr/>
+            <p:nvPr/>
+          </p:nvSpPr>
+          <p:spPr>
+            <a:xfrm>
+              <a:off x="955040" y="4135120"/>
+              <a:ext cx="182880" cy="182880"/>
+            </a:xfrm>
+            <a:prstGeom prst="ellipse">
+              <a:avLst/>
+            </a:prstGeom>
+          </p:spPr>
+          <p:style>
+            <a:lnRef idx="2">
+              <a:schemeClr val="accent1">
+                <a:shade val="50000"/>
+              </a:schemeClr>
+            </a:lnRef>
+            <a:fillRef idx="1">
+              <a:schemeClr val="accent1"/>
+            </a:fillRef>
+            <a:effectRef idx="0">
+              <a:schemeClr val="accent1"/>
+            </a:effectRef>
+            <a:fontRef idx="minor">
+              <a:schemeClr val="lt1"/>
+            </a:fontRef>
+          </p:style>
+          <p:txBody>
+            <a:bodyPr rtlCol="0" anchor="ctr"/>
+            <a:lstStyle/>
+            <a:p>
+              <a:pPr algn="ctr"/>
+              <a:endParaRPr lang="en-US" dirty="0"/>
+            </a:p>
+          </p:txBody>
+        </p:sp>
+        <p:sp>
+          <p:nvSpPr>
+            <p:cNvPr id="44" name="Oval 43">
+              <a:extLst>
+                <a:ext uri="{FF2B5EF4-FFF2-40B4-BE49-F238E27FC236}">
+                  <a16:creationId xmlns:a16="http://schemas.microsoft.com/office/drawing/2014/main" id="{FE383CEC-B95F-C83E-3075-815C416E762B}"/>
+                </a:ext>
+              </a:extLst>
+            </p:cNvPr>
+            <p:cNvSpPr/>
+            <p:nvPr/>
+          </p:nvSpPr>
+          <p:spPr>
+            <a:xfrm>
+              <a:off x="1417320" y="4135120"/>
+              <a:ext cx="182880" cy="182880"/>
+            </a:xfrm>
+            <a:prstGeom prst="ellipse">
+              <a:avLst/>
+            </a:prstGeom>
+          </p:spPr>
+          <p:style>
+            <a:lnRef idx="2">
+              <a:schemeClr val="accent1">
+                <a:shade val="50000"/>
+              </a:schemeClr>
+            </a:lnRef>
+            <a:fillRef idx="1">
+              <a:schemeClr val="accent1"/>
+            </a:fillRef>
+            <a:effectRef idx="0">
+              <a:schemeClr val="accent1"/>
+            </a:effectRef>
+            <a:fontRef idx="minor">
+              <a:schemeClr val="lt1"/>
+            </a:fontRef>
+          </p:style>
+          <p:txBody>
+            <a:bodyPr rtlCol="0" anchor="ctr"/>
+            <a:lstStyle/>
+            <a:p>
+              <a:pPr algn="ctr"/>
+              <a:endParaRPr lang="en-US"/>
+            </a:p>
+          </p:txBody>
+        </p:sp>
+        <p:sp>
+          <p:nvSpPr>
+            <p:cNvPr id="45" name="Oval 44">
+              <a:extLst>
+                <a:ext uri="{FF2B5EF4-FFF2-40B4-BE49-F238E27FC236}">
+                  <a16:creationId xmlns:a16="http://schemas.microsoft.com/office/drawing/2014/main" id="{BEB34904-076E-0AD1-0B77-F96CA6691629}"/>
+                </a:ext>
+              </a:extLst>
+            </p:cNvPr>
+            <p:cNvSpPr/>
+            <p:nvPr/>
+          </p:nvSpPr>
+          <p:spPr>
+            <a:xfrm>
+              <a:off x="1884680" y="4152896"/>
+              <a:ext cx="182880" cy="182880"/>
+            </a:xfrm>
+            <a:prstGeom prst="ellipse">
+              <a:avLst/>
+            </a:prstGeom>
+          </p:spPr>
+          <p:style>
+            <a:lnRef idx="2">
+              <a:schemeClr val="accent1">
+                <a:shade val="50000"/>
+              </a:schemeClr>
+            </a:lnRef>
+            <a:fillRef idx="1">
+              <a:schemeClr val="accent1"/>
+            </a:fillRef>
+            <a:effectRef idx="0">
+              <a:schemeClr val="accent1"/>
+            </a:effectRef>
+            <a:fontRef idx="minor">
+              <a:schemeClr val="lt1"/>
+            </a:fontRef>
+          </p:style>
+          <p:txBody>
+            <a:bodyPr rtlCol="0" anchor="ctr"/>
+            <a:lstStyle/>
+            <a:p>
+              <a:pPr algn="ctr"/>
+              <a:endParaRPr lang="en-US"/>
+            </a:p>
+          </p:txBody>
+        </p:sp>
+      </p:grpSp>
+      <p:sp>
+        <p:nvSpPr>
+          <p:cNvPr id="46" name="Rectangle: Rounded Corners 45">
+            <a:extLst>
+              <a:ext uri="{FF2B5EF4-FFF2-40B4-BE49-F238E27FC236}">
+                <a16:creationId xmlns:a16="http://schemas.microsoft.com/office/drawing/2014/main" id="{B9C42C22-3596-0DEB-0CFC-9D353E5C6205}"/>
+              </a:ext>
+            </a:extLst>
+          </p:cNvPr>
+          <p:cNvSpPr/>
+          <p:nvPr/>
+        </p:nvSpPr>
+        <p:spPr>
+          <a:xfrm>
+            <a:off x="8849360" y="2773680"/>
+            <a:ext cx="1625600" cy="2143760"/>
+          </a:xfrm>
+          <a:prstGeom prst="roundRect">
+            <a:avLst/>
+          </a:prstGeom>
+          <a:solidFill>
+            <a:schemeClr val="bg1">
+              <a:lumMod val="95000"/>
+            </a:schemeClr>
+          </a:solidFill>
+        </p:spPr>
+        <p:style>
+          <a:lnRef idx="2">
+            <a:schemeClr val="accent1">
+              <a:shade val="50000"/>
+            </a:schemeClr>
+          </a:lnRef>
+          <a:fillRef idx="1">
+            <a:schemeClr val="accent1"/>
+          </a:fillRef>
+          <a:effectRef idx="0">
+            <a:schemeClr val="accent1"/>
+          </a:effectRef>
+          <a:fontRef idx="minor">
+            <a:schemeClr val="lt1"/>
+          </a:fontRef>
+        </p:style>
+        <p:txBody>
+          <a:bodyPr rtlCol="0" anchor="ctr"/>
+          <a:lstStyle/>
+          <a:p>
+            <a:pPr algn="ctr"/>
+            <a:endParaRPr lang="en-US"/>
+          </a:p>
+        </p:txBody>
+      </p:sp>
+      <p:sp>
+        <p:nvSpPr>
+          <p:cNvPr id="47" name="TextBox 46">
+            <a:extLst>
+              <a:ext uri="{FF2B5EF4-FFF2-40B4-BE49-F238E27FC236}">
+                <a16:creationId xmlns:a16="http://schemas.microsoft.com/office/drawing/2014/main" id="{C44A76F4-E8FE-D573-ACB1-7DE91FEC31B3}"/>
               </a:ext>
             </a:extLst>
           </p:cNvPr>
@@ -6544,8 +7071,78 @@
         </p:nvSpPr>
         <p:spPr>
           <a:xfrm>
-            <a:off x="528320" y="1752600"/>
-            <a:ext cx="11104880" cy="3416320"/>
+            <a:off x="845949" y="3088637"/>
+            <a:ext cx="1325619" cy="369332"/>
+          </a:xfrm>
+          <a:prstGeom prst="rect">
+            <a:avLst/>
+          </a:prstGeom>
+          <a:noFill/>
+        </p:spPr>
+        <p:txBody>
+          <a:bodyPr wrap="none" rtlCol="0">
+            <a:spAutoFit/>
+          </a:bodyPr>
+          <a:lstStyle/>
+          <a:p>
+            <a:r>
+              <a:rPr lang="en-US" dirty="0"/>
+              <a:t>Transformer</a:t>
+            </a:r>
+          </a:p>
+        </p:txBody>
+      </p:sp>
+      <p:sp>
+        <p:nvSpPr>
+          <p:cNvPr id="48" name="TextBox 47">
+            <a:extLst>
+              <a:ext uri="{FF2B5EF4-FFF2-40B4-BE49-F238E27FC236}">
+                <a16:creationId xmlns:a16="http://schemas.microsoft.com/office/drawing/2014/main" id="{6D24254F-A313-287A-6E9A-FC4955DB1727}"/>
+              </a:ext>
+            </a:extLst>
+          </p:cNvPr>
+          <p:cNvSpPr txBox="1"/>
+          <p:nvPr/>
+        </p:nvSpPr>
+        <p:spPr>
+          <a:xfrm>
+            <a:off x="1065293" y="3378707"/>
+            <a:ext cx="910827" cy="369332"/>
+          </a:xfrm>
+          <a:prstGeom prst="rect">
+            <a:avLst/>
+          </a:prstGeom>
+          <a:noFill/>
+        </p:spPr>
+        <p:txBody>
+          <a:bodyPr wrap="none" rtlCol="0">
+            <a:spAutoFit/>
+          </a:bodyPr>
+          <a:lstStyle/>
+          <a:p>
+            <a:r>
+              <a:rPr lang="en-US" dirty="0"/>
+              <a:t>12-0-12</a:t>
+            </a:r>
+          </a:p>
+        </p:txBody>
+      </p:sp>
+      <p:sp>
+        <p:nvSpPr>
+          <p:cNvPr id="49" name="TextBox 48">
+            <a:extLst>
+              <a:ext uri="{FF2B5EF4-FFF2-40B4-BE49-F238E27FC236}">
+                <a16:creationId xmlns:a16="http://schemas.microsoft.com/office/drawing/2014/main" id="{C2311545-5318-CE8A-DF3F-8D106098268E}"/>
+              </a:ext>
+            </a:extLst>
+          </p:cNvPr>
+          <p:cNvSpPr txBox="1"/>
+          <p:nvPr/>
+        </p:nvSpPr>
+        <p:spPr>
+          <a:xfrm>
+            <a:off x="7620000" y="1757681"/>
+            <a:ext cx="2265680" cy="369332"/>
           </a:xfrm>
           <a:prstGeom prst="rect">
             <a:avLst/>
@@ -6558,75 +7155,454 @@
           </a:bodyPr>
           <a:lstStyle/>
           <a:p>
-            <a:pPr marL="285750" indent="-285750">
-              <a:buFont typeface="Arial" panose="020B0604020202020204" pitchFamily="34" charset="0"/>
-              <a:buChar char="•"/>
-            </a:pPr>
-            <a:r>
-              <a:rPr lang="en-US" sz="2400" dirty="0">
-                <a:latin typeface="+mj-lt"/>
-              </a:rPr>
-              <a:t>Static ultrasonic sensors provide monodirectional obstacle detection, leading to blind spots and inefficiencies in complex environments.</a:t>
-            </a:r>
-            <a:br>
-              <a:rPr lang="en-US" sz="2400" dirty="0">
-                <a:latin typeface="+mj-lt"/>
-              </a:rPr>
-            </a:br>
-            <a:endParaRPr lang="en-US" sz="2400" dirty="0">
-              <a:latin typeface="+mj-lt"/>
-            </a:endParaRPr>
-          </a:p>
-          <a:p>
-            <a:pPr marL="285750" indent="-285750">
-              <a:buFont typeface="Arial" panose="020B0604020202020204" pitchFamily="34" charset="0"/>
-              <a:buChar char="•"/>
-            </a:pPr>
-            <a:r>
-              <a:rPr lang="en-US" sz="2400" dirty="0">
-                <a:latin typeface="+mj-lt"/>
-              </a:rPr>
-              <a:t>Signal reflections cause inaccurate readings, requiring frequent path recalculations</a:t>
-            </a:r>
-            <a:br>
-              <a:rPr lang="en-US" sz="2400" dirty="0">
-                <a:latin typeface="+mj-lt"/>
-              </a:rPr>
-            </a:br>
-            <a:endParaRPr lang="en-US" sz="2400" dirty="0">
-              <a:latin typeface="+mj-lt"/>
-            </a:endParaRPr>
-          </a:p>
-          <a:p>
-            <a:pPr marL="285750" indent="-285750">
-              <a:buFont typeface="Arial" panose="020B0604020202020204" pitchFamily="34" charset="0"/>
-              <a:buChar char="•"/>
-            </a:pPr>
-            <a:r>
-              <a:rPr lang="en-US" sz="2400" dirty="0">
-                <a:latin typeface="+mj-lt"/>
-              </a:rPr>
-              <a:t>Lack of servo motor-driven scanning limits adaptive obstacle detection capabilities.</a:t>
-            </a:r>
-            <a:br>
-              <a:rPr lang="en-US" sz="2400" dirty="0">
-                <a:latin typeface="+mj-lt"/>
-              </a:rPr>
-            </a:br>
-            <a:endParaRPr lang="en-US" sz="2400" dirty="0">
-              <a:latin typeface="+mj-lt"/>
-            </a:endParaRPr>
-          </a:p>
-          <a:p>
-            <a:pPr marL="285750" indent="-285750">
-              <a:buFont typeface="Arial" panose="020B0604020202020204" pitchFamily="34" charset="0"/>
-              <a:buChar char="•"/>
-            </a:pPr>
-            <a:r>
-              <a:rPr lang="en-US" sz="2400" dirty="0">
-                <a:latin typeface="+mj-lt"/>
-              </a:rPr>
-              <a:t>Absence of motor control mechanisms (e.g., L293D driver) results in imprecise movement and inefficient navigation.</a:t>
+            <a:r>
+              <a:rPr lang="en-US" dirty="0"/>
+              <a:t>Base Board</a:t>
+            </a:r>
+          </a:p>
+        </p:txBody>
+      </p:sp>
+      <p:sp>
+        <p:nvSpPr>
+          <p:cNvPr id="50" name="TextBox 49">
+            <a:extLst>
+              <a:ext uri="{FF2B5EF4-FFF2-40B4-BE49-F238E27FC236}">
+                <a16:creationId xmlns:a16="http://schemas.microsoft.com/office/drawing/2014/main" id="{300D22E0-CBB3-61EB-8141-FA387D834838}"/>
+              </a:ext>
+            </a:extLst>
+          </p:cNvPr>
+          <p:cNvSpPr txBox="1"/>
+          <p:nvPr/>
+        </p:nvSpPr>
+        <p:spPr>
+          <a:xfrm>
+            <a:off x="4013200" y="2615679"/>
+            <a:ext cx="2265680" cy="369332"/>
+          </a:xfrm>
+          <a:prstGeom prst="rect">
+            <a:avLst/>
+          </a:prstGeom>
+          <a:noFill/>
+        </p:spPr>
+        <p:txBody>
+          <a:bodyPr wrap="square" rtlCol="0">
+            <a:spAutoFit/>
+          </a:bodyPr>
+          <a:lstStyle/>
+          <a:p>
+            <a:r>
+              <a:rPr lang="en-US" dirty="0"/>
+              <a:t>Power supply board</a:t>
+            </a:r>
+          </a:p>
+        </p:txBody>
+      </p:sp>
+      <p:sp>
+        <p:nvSpPr>
+          <p:cNvPr id="51" name="TextBox 50">
+            <a:extLst>
+              <a:ext uri="{FF2B5EF4-FFF2-40B4-BE49-F238E27FC236}">
+                <a16:creationId xmlns:a16="http://schemas.microsoft.com/office/drawing/2014/main" id="{0F25302A-DDF5-B8CE-CF21-4BBE2FF5E3F4}"/>
+              </a:ext>
+            </a:extLst>
+          </p:cNvPr>
+          <p:cNvSpPr txBox="1"/>
+          <p:nvPr/>
+        </p:nvSpPr>
+        <p:spPr>
+          <a:xfrm>
+            <a:off x="8890000" y="3601226"/>
+            <a:ext cx="1544320" cy="369332"/>
+          </a:xfrm>
+          <a:prstGeom prst="rect">
+            <a:avLst/>
+          </a:prstGeom>
+          <a:noFill/>
+        </p:spPr>
+        <p:txBody>
+          <a:bodyPr wrap="square" rtlCol="0">
+            <a:spAutoFit/>
+          </a:bodyPr>
+          <a:lstStyle/>
+          <a:p>
+            <a:pPr algn="ctr"/>
+            <a:r>
+              <a:rPr lang="en-US" dirty="0"/>
+              <a:t>Arduino uno</a:t>
+            </a:r>
+          </a:p>
+        </p:txBody>
+      </p:sp>
+      <p:grpSp>
+        <p:nvGrpSpPr>
+          <p:cNvPr id="52" name="Group 51">
+            <a:extLst>
+              <a:ext uri="{FF2B5EF4-FFF2-40B4-BE49-F238E27FC236}">
+                <a16:creationId xmlns:a16="http://schemas.microsoft.com/office/drawing/2014/main" id="{0A42A00F-C1DD-51B2-47A0-40094340693B}"/>
+              </a:ext>
+            </a:extLst>
+          </p:cNvPr>
+          <p:cNvGrpSpPr/>
+          <p:nvPr/>
+        </p:nvGrpSpPr>
+        <p:grpSpPr>
+          <a:xfrm rot="5400000">
+            <a:off x="7496812" y="3696964"/>
+            <a:ext cx="1112520" cy="200656"/>
+            <a:chOff x="955040" y="4135120"/>
+            <a:chExt cx="1112520" cy="200656"/>
+          </a:xfrm>
+        </p:grpSpPr>
+        <p:sp>
+          <p:nvSpPr>
+            <p:cNvPr id="53" name="Oval 52">
+              <a:extLst>
+                <a:ext uri="{FF2B5EF4-FFF2-40B4-BE49-F238E27FC236}">
+                  <a16:creationId xmlns:a16="http://schemas.microsoft.com/office/drawing/2014/main" id="{3BF21D59-2800-3642-838E-E30522265959}"/>
+                </a:ext>
+              </a:extLst>
+            </p:cNvPr>
+            <p:cNvSpPr/>
+            <p:nvPr/>
+          </p:nvSpPr>
+          <p:spPr>
+            <a:xfrm>
+              <a:off x="955040" y="4135120"/>
+              <a:ext cx="182880" cy="182880"/>
+            </a:xfrm>
+            <a:prstGeom prst="ellipse">
+              <a:avLst/>
+            </a:prstGeom>
+          </p:spPr>
+          <p:style>
+            <a:lnRef idx="2">
+              <a:schemeClr val="accent1">
+                <a:shade val="50000"/>
+              </a:schemeClr>
+            </a:lnRef>
+            <a:fillRef idx="1">
+              <a:schemeClr val="accent1"/>
+            </a:fillRef>
+            <a:effectRef idx="0">
+              <a:schemeClr val="accent1"/>
+            </a:effectRef>
+            <a:fontRef idx="minor">
+              <a:schemeClr val="lt1"/>
+            </a:fontRef>
+          </p:style>
+          <p:txBody>
+            <a:bodyPr rtlCol="0" anchor="ctr"/>
+            <a:lstStyle/>
+            <a:p>
+              <a:pPr algn="ctr"/>
+              <a:endParaRPr lang="en-US"/>
+            </a:p>
+          </p:txBody>
+        </p:sp>
+        <p:sp>
+          <p:nvSpPr>
+            <p:cNvPr id="54" name="Oval 53">
+              <a:extLst>
+                <a:ext uri="{FF2B5EF4-FFF2-40B4-BE49-F238E27FC236}">
+                  <a16:creationId xmlns:a16="http://schemas.microsoft.com/office/drawing/2014/main" id="{08D0D142-6C09-A55F-A4C6-640CC7A2ED2F}"/>
+                </a:ext>
+              </a:extLst>
+            </p:cNvPr>
+            <p:cNvSpPr/>
+            <p:nvPr/>
+          </p:nvSpPr>
+          <p:spPr>
+            <a:xfrm>
+              <a:off x="1417320" y="4135120"/>
+              <a:ext cx="182880" cy="182880"/>
+            </a:xfrm>
+            <a:prstGeom prst="ellipse">
+              <a:avLst/>
+            </a:prstGeom>
+          </p:spPr>
+          <p:style>
+            <a:lnRef idx="2">
+              <a:schemeClr val="accent1">
+                <a:shade val="50000"/>
+              </a:schemeClr>
+            </a:lnRef>
+            <a:fillRef idx="1">
+              <a:schemeClr val="accent1"/>
+            </a:fillRef>
+            <a:effectRef idx="0">
+              <a:schemeClr val="accent1"/>
+            </a:effectRef>
+            <a:fontRef idx="minor">
+              <a:schemeClr val="lt1"/>
+            </a:fontRef>
+          </p:style>
+          <p:txBody>
+            <a:bodyPr rtlCol="0" anchor="ctr"/>
+            <a:lstStyle/>
+            <a:p>
+              <a:pPr algn="ctr"/>
+              <a:endParaRPr lang="en-US"/>
+            </a:p>
+          </p:txBody>
+        </p:sp>
+        <p:sp>
+          <p:nvSpPr>
+            <p:cNvPr id="55" name="Oval 54">
+              <a:extLst>
+                <a:ext uri="{FF2B5EF4-FFF2-40B4-BE49-F238E27FC236}">
+                  <a16:creationId xmlns:a16="http://schemas.microsoft.com/office/drawing/2014/main" id="{41195699-1EB3-8B52-437C-9FF0AEC6246B}"/>
+                </a:ext>
+              </a:extLst>
+            </p:cNvPr>
+            <p:cNvSpPr/>
+            <p:nvPr/>
+          </p:nvSpPr>
+          <p:spPr>
+            <a:xfrm>
+              <a:off x="1884680" y="4152896"/>
+              <a:ext cx="182880" cy="182880"/>
+            </a:xfrm>
+            <a:prstGeom prst="ellipse">
+              <a:avLst/>
+            </a:prstGeom>
+          </p:spPr>
+          <p:style>
+            <a:lnRef idx="2">
+              <a:schemeClr val="accent1">
+                <a:shade val="50000"/>
+              </a:schemeClr>
+            </a:lnRef>
+            <a:fillRef idx="1">
+              <a:schemeClr val="accent1"/>
+            </a:fillRef>
+            <a:effectRef idx="0">
+              <a:schemeClr val="accent1"/>
+            </a:effectRef>
+            <a:fontRef idx="minor">
+              <a:schemeClr val="lt1"/>
+            </a:fontRef>
+          </p:style>
+          <p:txBody>
+            <a:bodyPr rtlCol="0" anchor="ctr"/>
+            <a:lstStyle/>
+            <a:p>
+              <a:pPr algn="ctr"/>
+              <a:endParaRPr lang="en-US"/>
+            </a:p>
+          </p:txBody>
+        </p:sp>
+      </p:grpSp>
+      <p:sp>
+        <p:nvSpPr>
+          <p:cNvPr id="56" name="Isosceles Triangle 55">
+            <a:extLst>
+              <a:ext uri="{FF2B5EF4-FFF2-40B4-BE49-F238E27FC236}">
+                <a16:creationId xmlns:a16="http://schemas.microsoft.com/office/drawing/2014/main" id="{7E5A791F-4569-946D-A269-C8603920BD97}"/>
+              </a:ext>
+            </a:extLst>
+          </p:cNvPr>
+          <p:cNvSpPr/>
+          <p:nvPr/>
+        </p:nvSpPr>
+        <p:spPr>
+          <a:xfrm flipV="1">
+            <a:off x="1381005" y="5506720"/>
+            <a:ext cx="279402" cy="314960"/>
+          </a:xfrm>
+          <a:prstGeom prst="triangle">
+            <a:avLst/>
+          </a:prstGeom>
+        </p:spPr>
+        <p:style>
+          <a:lnRef idx="2">
+            <a:schemeClr val="accent1">
+              <a:shade val="50000"/>
+            </a:schemeClr>
+          </a:lnRef>
+          <a:fillRef idx="1">
+            <a:schemeClr val="accent1"/>
+          </a:fillRef>
+          <a:effectRef idx="0">
+            <a:schemeClr val="accent1"/>
+          </a:effectRef>
+          <a:fontRef idx="minor">
+            <a:schemeClr val="lt1"/>
+          </a:fontRef>
+        </p:style>
+        <p:txBody>
+          <a:bodyPr rtlCol="0" anchor="ctr"/>
+          <a:lstStyle/>
+          <a:p>
+            <a:pPr algn="ctr"/>
+            <a:endParaRPr lang="en-US"/>
+          </a:p>
+        </p:txBody>
+      </p:sp>
+      <p:cxnSp>
+        <p:nvCxnSpPr>
+          <p:cNvPr id="58" name="Straight Connector 57">
+            <a:extLst>
+              <a:ext uri="{FF2B5EF4-FFF2-40B4-BE49-F238E27FC236}">
+                <a16:creationId xmlns:a16="http://schemas.microsoft.com/office/drawing/2014/main" id="{4D127C34-C0FD-9517-85CD-8F85D256A726}"/>
+              </a:ext>
+            </a:extLst>
+          </p:cNvPr>
+          <p:cNvCxnSpPr>
+            <a:cxnSpLocks/>
+            <a:stCxn id="25" idx="4"/>
+            <a:endCxn id="56" idx="3"/>
+          </p:cNvCxnSpPr>
+          <p:nvPr/>
+        </p:nvCxnSpPr>
+        <p:spPr>
+          <a:xfrm>
+            <a:off x="1508760" y="4318000"/>
+            <a:ext cx="11946" cy="1188720"/>
+          </a:xfrm>
+          <a:prstGeom prst="line">
+            <a:avLst/>
+          </a:prstGeom>
+          <a:ln w="28575"/>
+        </p:spPr>
+        <p:style>
+          <a:lnRef idx="1">
+            <a:schemeClr val="accent1"/>
+          </a:lnRef>
+          <a:fillRef idx="0">
+            <a:schemeClr val="accent1"/>
+          </a:fillRef>
+          <a:effectRef idx="0">
+            <a:schemeClr val="accent1"/>
+          </a:effectRef>
+          <a:fontRef idx="minor">
+            <a:schemeClr val="tx1"/>
+          </a:fontRef>
+        </p:style>
+      </p:cxnSp>
+      <p:cxnSp>
+        <p:nvCxnSpPr>
+          <p:cNvPr id="61" name="Straight Arrow Connector 60">
+            <a:extLst>
+              <a:ext uri="{FF2B5EF4-FFF2-40B4-BE49-F238E27FC236}">
+                <a16:creationId xmlns:a16="http://schemas.microsoft.com/office/drawing/2014/main" id="{58C513E8-8F12-55F8-4AC8-933772950D6B}"/>
+              </a:ext>
+            </a:extLst>
+          </p:cNvPr>
+          <p:cNvCxnSpPr>
+            <a:cxnSpLocks/>
+            <a:stCxn id="31" idx="6"/>
+            <a:endCxn id="66" idx="6"/>
+          </p:cNvCxnSpPr>
+          <p:nvPr/>
+        </p:nvCxnSpPr>
+        <p:spPr>
+          <a:xfrm flipV="1">
+            <a:off x="2067560" y="3470147"/>
+            <a:ext cx="2489200" cy="774189"/>
+          </a:xfrm>
+          <a:prstGeom prst="straightConnector1">
+            <a:avLst/>
+          </a:prstGeom>
+          <a:ln w="28575">
+            <a:tailEnd type="triangle"/>
+          </a:ln>
+        </p:spPr>
+        <p:style>
+          <a:lnRef idx="1">
+            <a:schemeClr val="accent1"/>
+          </a:lnRef>
+          <a:fillRef idx="0">
+            <a:schemeClr val="accent1"/>
+          </a:fillRef>
+          <a:effectRef idx="0">
+            <a:schemeClr val="accent1"/>
+          </a:effectRef>
+          <a:fontRef idx="minor">
+            <a:schemeClr val="tx1"/>
+          </a:fontRef>
+        </p:style>
+      </p:cxnSp>
+      <p:sp>
+        <p:nvSpPr>
+          <p:cNvPr id="66" name="Oval 65">
+            <a:extLst>
+              <a:ext uri="{FF2B5EF4-FFF2-40B4-BE49-F238E27FC236}">
+                <a16:creationId xmlns:a16="http://schemas.microsoft.com/office/drawing/2014/main" id="{CB53EF21-3611-51C7-6296-050834A1CDB9}"/>
+              </a:ext>
+            </a:extLst>
+          </p:cNvPr>
+          <p:cNvSpPr/>
+          <p:nvPr/>
+        </p:nvSpPr>
+        <p:spPr>
+          <a:xfrm>
+            <a:off x="4373880" y="3378707"/>
+            <a:ext cx="182880" cy="182880"/>
+          </a:xfrm>
+          <a:prstGeom prst="ellipse">
+            <a:avLst/>
+          </a:prstGeom>
+        </p:spPr>
+        <p:style>
+          <a:lnRef idx="2">
+            <a:schemeClr val="accent1">
+              <a:shade val="50000"/>
+            </a:schemeClr>
+          </a:lnRef>
+          <a:fillRef idx="1">
+            <a:schemeClr val="accent1"/>
+          </a:fillRef>
+          <a:effectRef idx="0">
+            <a:schemeClr val="accent1"/>
+          </a:effectRef>
+          <a:fontRef idx="minor">
+            <a:schemeClr val="lt1"/>
+          </a:fontRef>
+        </p:style>
+        <p:txBody>
+          <a:bodyPr rtlCol="0" anchor="ctr"/>
+          <a:lstStyle/>
+          <a:p>
+            <a:pPr algn="ctr"/>
+            <a:endParaRPr lang="en-US"/>
+          </a:p>
+        </p:txBody>
+      </p:sp>
+      <p:sp>
+        <p:nvSpPr>
+          <p:cNvPr id="69" name="TextBox 68">
+            <a:extLst>
+              <a:ext uri="{FF2B5EF4-FFF2-40B4-BE49-F238E27FC236}">
+                <a16:creationId xmlns:a16="http://schemas.microsoft.com/office/drawing/2014/main" id="{19FDE1F8-46D7-21A1-B5E9-67CD13C73C2D}"/>
+              </a:ext>
+            </a:extLst>
+          </p:cNvPr>
+          <p:cNvSpPr txBox="1"/>
+          <p:nvPr/>
+        </p:nvSpPr>
+        <p:spPr>
+          <a:xfrm>
+            <a:off x="4617720" y="3257523"/>
+            <a:ext cx="970280" cy="369332"/>
+          </a:xfrm>
+          <a:prstGeom prst="rect">
+            <a:avLst/>
+          </a:prstGeom>
+          <a:noFill/>
+        </p:spPr>
+        <p:txBody>
+          <a:bodyPr wrap="square" rtlCol="0">
+            <a:spAutoFit/>
+          </a:bodyPr>
+          <a:lstStyle/>
+          <a:p>
+            <a:r>
+              <a:rPr lang="en-US" dirty="0"/>
+              <a:t>P</a:t>
+            </a:r>
+            <a:r>
+              <a:rPr lang="en-US" baseline="-25000" dirty="0"/>
+              <a:t>in</a:t>
             </a:r>
           </a:p>
         </p:txBody>
@@ -6634,7 +7610,7 @@
     </p:spTree>
     <p:extLst>
       <p:ext uri="{BB962C8B-B14F-4D97-AF65-F5344CB8AC3E}">
-        <p14:creationId xmlns:p14="http://schemas.microsoft.com/office/powerpoint/2010/main" val="3800121739"/>
+        <p14:creationId xmlns:p14="http://schemas.microsoft.com/office/powerpoint/2010/main" val="1416611240"/>
       </p:ext>
     </p:extLst>
   </p:cSld>
@@ -6676,7 +7652,7 @@
         <p:spPr>
           <a:xfrm>
             <a:off x="416560" y="675640"/>
-            <a:ext cx="3921760" cy="646331"/>
+            <a:ext cx="7081520" cy="646331"/>
           </a:xfrm>
           <a:prstGeom prst="rect">
             <a:avLst/>
@@ -6691,7 +7667,7 @@
           <a:p>
             <a:r>
               <a:rPr lang="en-US" sz="3600" b="1" dirty="0"/>
-              <a:t>Proposed Method</a:t>
+              <a:t>Existing Methods &amp; Limitations </a:t>
             </a:r>
           </a:p>
         </p:txBody>
@@ -6757,7 +7733,7 @@
         <p:spPr>
           <a:xfrm>
             <a:off x="528320" y="1752600"/>
-            <a:ext cx="11104880" cy="4524315"/>
+            <a:ext cx="11104880" cy="3416320"/>
           </a:xfrm>
           <a:prstGeom prst="rect">
             <a:avLst/>
@@ -6775,29 +7751,60 @@
               <a:buChar char="•"/>
             </a:pPr>
             <a:r>
+              <a:rPr lang="en-US" sz="2400" b="1" dirty="0">
+                <a:latin typeface="+mj-lt"/>
+              </a:rPr>
+              <a:t>Static ultrasonic sensors</a:t>
+            </a:r>
+            <a:r>
               <a:rPr lang="en-US" sz="2400" dirty="0">
                 <a:latin typeface="+mj-lt"/>
               </a:rPr>
-              <a:t>The system integrates an ultrasonic sensor mounted on a </a:t>
+              <a:t> provide monodirectional obstacle detection, leading to </a:t>
             </a:r>
             <a:r>
               <a:rPr lang="en-US" sz="2400" b="1" dirty="0">
                 <a:latin typeface="+mj-lt"/>
               </a:rPr>
-              <a:t>servo motor for 180° scanning</a:t>
+              <a:t>blind spots</a:t>
             </a:r>
             <a:r>
               <a:rPr lang="en-US" sz="2400" dirty="0">
                 <a:latin typeface="+mj-lt"/>
               </a:rPr>
-              <a:t>, improving obstacle detection.  </a:t>
-            </a:r>
+              <a:t> and inefficiencies in complex environments.</a:t>
+            </a:r>
+            <a:br>
+              <a:rPr lang="en-US" sz="2400" dirty="0">
+                <a:latin typeface="+mj-lt"/>
+              </a:rPr>
+            </a:br>
+            <a:endParaRPr lang="en-US" sz="2400" dirty="0">
+              <a:latin typeface="+mj-lt"/>
+            </a:endParaRPr>
           </a:p>
           <a:p>
             <a:pPr marL="285750" indent="-285750">
               <a:buFont typeface="Arial" panose="020B0604020202020204" pitchFamily="34" charset="0"/>
               <a:buChar char="•"/>
             </a:pPr>
+            <a:r>
+              <a:rPr lang="en-US" sz="2400" dirty="0">
+                <a:latin typeface="+mj-lt"/>
+              </a:rPr>
+              <a:t>Signal reflections cause inaccurate readings, requiring </a:t>
+            </a:r>
+            <a:r>
+              <a:rPr lang="en-US" sz="2400" b="1" dirty="0">
+                <a:latin typeface="+mj-lt"/>
+              </a:rPr>
+              <a:t>frequent path recalculations</a:t>
+            </a:r>
+            <a:br>
+              <a:rPr lang="en-US" sz="2400" dirty="0">
+                <a:latin typeface="+mj-lt"/>
+              </a:rPr>
+            </a:br>
             <a:endParaRPr lang="en-US" sz="2400" dirty="0">
               <a:latin typeface="+mj-lt"/>
             </a:endParaRPr>
@@ -6811,80 +7818,33 @@
               <a:rPr lang="en-US" sz="2400" b="1" dirty="0">
                 <a:latin typeface="+mj-lt"/>
               </a:rPr>
-              <a:t>A mean-based algorithm</a:t>
+              <a:t>Lack of servo motor-driven</a:t>
             </a:r>
             <a:r>
               <a:rPr lang="en-US" sz="2400" dirty="0">
                 <a:latin typeface="+mj-lt"/>
               </a:rPr>
-              <a:t> processes the data, reducing false positives and optimizing path selection.  </a:t>
-            </a:r>
+              <a:t> scanning limits adaptive obstacle detection capabilities.</a:t>
+            </a:r>
+            <a:br>
+              <a:rPr lang="en-US" sz="2400" dirty="0">
+                <a:latin typeface="+mj-lt"/>
+              </a:rPr>
+            </a:br>
+            <a:endParaRPr lang="en-US" sz="2400" dirty="0">
+              <a:latin typeface="+mj-lt"/>
+            </a:endParaRPr>
           </a:p>
           <a:p>
             <a:pPr marL="285750" indent="-285750">
               <a:buFont typeface="Arial" panose="020B0604020202020204" pitchFamily="34" charset="0"/>
               <a:buChar char="•"/>
             </a:pPr>
-            <a:endParaRPr lang="en-US" sz="2400" dirty="0">
-              <a:latin typeface="+mj-lt"/>
-            </a:endParaRPr>
-          </a:p>
-          <a:p>
-            <a:pPr marL="285750" indent="-285750">
-              <a:buFont typeface="Arial" panose="020B0604020202020204" pitchFamily="34" charset="0"/>
-              <a:buChar char="•"/>
-            </a:pPr>
             <a:r>
               <a:rPr lang="en-US" sz="2400" dirty="0">
                 <a:latin typeface="+mj-lt"/>
               </a:rPr>
-              <a:t>The </a:t>
-            </a:r>
-            <a:r>
-              <a:rPr lang="en-US" sz="2400" b="1" dirty="0">
-                <a:latin typeface="+mj-lt"/>
-              </a:rPr>
-              <a:t>L293D motor driver</a:t>
-            </a:r>
-            <a:r>
-              <a:rPr lang="en-US" sz="2400" dirty="0">
-                <a:latin typeface="+mj-lt"/>
-              </a:rPr>
-              <a:t> ensures precise control of the robot's movements. </a:t>
-            </a:r>
-          </a:p>
-          <a:p>
-            <a:endParaRPr lang="en-US" sz="2400" dirty="0">
-              <a:latin typeface="+mj-lt"/>
-            </a:endParaRPr>
-          </a:p>
-          <a:p>
-            <a:pPr marL="285750" indent="-285750">
-              <a:buFont typeface="Arial" panose="020B0604020202020204" pitchFamily="34" charset="0"/>
-              <a:buChar char="•"/>
-            </a:pPr>
-            <a:r>
-              <a:rPr lang="en-US" sz="2400" dirty="0">
-                <a:latin typeface="+mj-lt"/>
-              </a:rPr>
-              <a:t>Enhanced navigation makes it suitable for industrial, rescue, and autonomous applications.  </a:t>
-            </a:r>
-          </a:p>
-          <a:p>
-            <a:endParaRPr lang="en-US" sz="2400" dirty="0">
-              <a:latin typeface="+mj-lt"/>
-            </a:endParaRPr>
-          </a:p>
-          <a:p>
-            <a:pPr marL="285750" indent="-285750">
-              <a:buFont typeface="Arial" panose="020B0604020202020204" pitchFamily="34" charset="0"/>
-              <a:buChar char="•"/>
-            </a:pPr>
-            <a:r>
-              <a:rPr lang="en-US" sz="2400" dirty="0">
-                <a:latin typeface="+mj-lt"/>
-              </a:rPr>
-              <a:t>This approach provides better accuracy and efficiency compared to traditional systems. </a:t>
+              <a:t>Absence of motor control mechanisms (e.g., L293D driver) results in imprecise movement and inefficient navigation.</a:t>
             </a:r>
           </a:p>
         </p:txBody>
@@ -6892,7 +7852,7 @@
     </p:spTree>
     <p:extLst>
       <p:ext uri="{BB962C8B-B14F-4D97-AF65-F5344CB8AC3E}">
-        <p14:creationId xmlns:p14="http://schemas.microsoft.com/office/powerpoint/2010/main" val="2003600397"/>
+        <p14:creationId xmlns:p14="http://schemas.microsoft.com/office/powerpoint/2010/main" val="3800121739"/>
       </p:ext>
     </p:extLst>
   </p:cSld>
@@ -6934,7 +7894,7 @@
         <p:spPr>
           <a:xfrm>
             <a:off x="416560" y="675640"/>
-            <a:ext cx="5679440" cy="646331"/>
+            <a:ext cx="3921760" cy="646331"/>
           </a:xfrm>
           <a:prstGeom prst="rect">
             <a:avLst/>
@@ -6949,7 +7909,7 @@
           <a:p>
             <a:r>
               <a:rPr lang="en-US" sz="3600" b="1" dirty="0"/>
-              <a:t>Advantages &amp; Future Scope</a:t>
+              <a:t>Proposed Method</a:t>
             </a:r>
           </a:p>
         </p:txBody>
@@ -7150,7 +8110,7 @@
     </p:spTree>
     <p:extLst>
       <p:ext uri="{BB962C8B-B14F-4D97-AF65-F5344CB8AC3E}">
-        <p14:creationId xmlns:p14="http://schemas.microsoft.com/office/powerpoint/2010/main" val="2205597045"/>
+        <p14:creationId xmlns:p14="http://schemas.microsoft.com/office/powerpoint/2010/main" val="2003600397"/>
       </p:ext>
     </p:extLst>
   </p:cSld>
@@ -7328,6 +8288,256 @@
     <p:extLst>
       <p:ext uri="{BB962C8B-B14F-4D97-AF65-F5344CB8AC3E}">
         <p14:creationId xmlns:p14="http://schemas.microsoft.com/office/powerpoint/2010/main" val="550662415"/>
+      </p:ext>
+    </p:extLst>
+  </p:cSld>
+  <p:clrMapOvr>
+    <a:masterClrMapping/>
+  </p:clrMapOvr>
+</p:sld>
+</file>
+
+<file path=ppt/slides/slide20.xml><?xml version="1.0" encoding="utf-8"?>
+<p:sld xmlns:a="http://schemas.openxmlformats.org/drawingml/2006/main" xmlns:r="http://schemas.openxmlformats.org/officeDocument/2006/relationships" xmlns:p="http://schemas.openxmlformats.org/presentationml/2006/main">
+  <p:cSld>
+    <p:spTree>
+      <p:nvGrpSpPr>
+        <p:cNvPr id="1" name=""/>
+        <p:cNvGrpSpPr/>
+        <p:nvPr/>
+      </p:nvGrpSpPr>
+      <p:grpSpPr>
+        <a:xfrm>
+          <a:off x="0" y="0"/>
+          <a:ext cx="0" cy="0"/>
+          <a:chOff x="0" y="0"/>
+          <a:chExt cx="0" cy="0"/>
+        </a:xfrm>
+      </p:grpSpPr>
+      <p:sp>
+        <p:nvSpPr>
+          <p:cNvPr id="4" name="TextBox 3">
+            <a:extLst>
+              <a:ext uri="{FF2B5EF4-FFF2-40B4-BE49-F238E27FC236}">
+                <a16:creationId xmlns:a16="http://schemas.microsoft.com/office/drawing/2014/main" id="{17C97D89-3979-D9EC-2F9E-F1BA5D0A9EF4}"/>
+              </a:ext>
+            </a:extLst>
+          </p:cNvPr>
+          <p:cNvSpPr txBox="1"/>
+          <p:nvPr/>
+        </p:nvSpPr>
+        <p:spPr>
+          <a:xfrm>
+            <a:off x="416560" y="675640"/>
+            <a:ext cx="5679440" cy="646331"/>
+          </a:xfrm>
+          <a:prstGeom prst="rect">
+            <a:avLst/>
+          </a:prstGeom>
+          <a:noFill/>
+        </p:spPr>
+        <p:txBody>
+          <a:bodyPr wrap="square" rtlCol="0">
+            <a:spAutoFit/>
+          </a:bodyPr>
+          <a:lstStyle/>
+          <a:p>
+            <a:r>
+              <a:rPr lang="en-US" sz="3600" b="1" dirty="0"/>
+              <a:t>Advantages &amp; Future Scope</a:t>
+            </a:r>
+          </a:p>
+        </p:txBody>
+      </p:sp>
+      <p:cxnSp>
+        <p:nvCxnSpPr>
+          <p:cNvPr id="9" name="Straight Connector 8">
+            <a:extLst>
+              <a:ext uri="{FF2B5EF4-FFF2-40B4-BE49-F238E27FC236}">
+                <a16:creationId xmlns:a16="http://schemas.microsoft.com/office/drawing/2014/main" id="{06DEB5C5-95DE-9DEC-6F84-929E462EC78F}"/>
+              </a:ext>
+            </a:extLst>
+          </p:cNvPr>
+          <p:cNvCxnSpPr>
+            <a:cxnSpLocks/>
+          </p:cNvCxnSpPr>
+          <p:nvPr/>
+        </p:nvCxnSpPr>
+        <p:spPr>
+          <a:xfrm>
+            <a:off x="335280" y="1382931"/>
+            <a:ext cx="2743200" cy="0"/>
+          </a:xfrm>
+          <a:prstGeom prst="line">
+            <a:avLst/>
+          </a:prstGeom>
+          <a:ln w="28575"/>
+          <a:effectLst>
+            <a:outerShdw blurRad="50800" dist="38100" dir="2700000" algn="tl" rotWithShape="0">
+              <a:prstClr val="black">
+                <a:alpha val="40000"/>
+              </a:prstClr>
+            </a:outerShdw>
+          </a:effectLst>
+        </p:spPr>
+        <p:style>
+          <a:lnRef idx="1">
+            <a:schemeClr val="accent1"/>
+          </a:lnRef>
+          <a:fillRef idx="0">
+            <a:schemeClr val="accent1"/>
+          </a:fillRef>
+          <a:effectRef idx="0">
+            <a:schemeClr val="accent1"/>
+          </a:effectRef>
+          <a:fontRef idx="minor">
+            <a:schemeClr val="tx1"/>
+          </a:fontRef>
+        </p:style>
+      </p:cxnSp>
+      <p:sp>
+        <p:nvSpPr>
+          <p:cNvPr id="6" name="TextBox 5">
+            <a:extLst>
+              <a:ext uri="{FF2B5EF4-FFF2-40B4-BE49-F238E27FC236}">
+                <a16:creationId xmlns:a16="http://schemas.microsoft.com/office/drawing/2014/main" id="{57CC0083-6D2E-CFA0-B34B-C13C38CC22CF}"/>
+              </a:ext>
+            </a:extLst>
+          </p:cNvPr>
+          <p:cNvSpPr txBox="1"/>
+          <p:nvPr/>
+        </p:nvSpPr>
+        <p:spPr>
+          <a:xfrm>
+            <a:off x="528320" y="1752600"/>
+            <a:ext cx="11104880" cy="3785652"/>
+          </a:xfrm>
+          <a:prstGeom prst="rect">
+            <a:avLst/>
+          </a:prstGeom>
+          <a:noFill/>
+        </p:spPr>
+        <p:txBody>
+          <a:bodyPr wrap="square" rtlCol="0">
+            <a:spAutoFit/>
+          </a:bodyPr>
+          <a:lstStyle/>
+          <a:p>
+            <a:r>
+              <a:rPr lang="en-US" sz="2400" b="1" dirty="0"/>
+              <a:t>Advantage:</a:t>
+            </a:r>
+          </a:p>
+          <a:p>
+            <a:pPr marL="342900" indent="-342900">
+              <a:buFont typeface="Arial" panose="020B0604020202020204" pitchFamily="34" charset="0"/>
+              <a:buChar char="•"/>
+            </a:pPr>
+            <a:r>
+              <a:rPr lang="en-US" sz="2400" dirty="0">
+                <a:latin typeface="+mj-lt"/>
+              </a:rPr>
+              <a:t>Enhanced Mobility</a:t>
+            </a:r>
+          </a:p>
+          <a:p>
+            <a:pPr marL="342900" indent="-342900">
+              <a:buFont typeface="Arial" panose="020B0604020202020204" pitchFamily="34" charset="0"/>
+              <a:buChar char="•"/>
+            </a:pPr>
+            <a:r>
+              <a:rPr lang="en-US" sz="2400" dirty="0">
+                <a:latin typeface="+mj-lt"/>
+              </a:rPr>
+              <a:t>Time Efficiency</a:t>
+            </a:r>
+            <a:endParaRPr lang="en-US" sz="2400" b="1" dirty="0">
+              <a:latin typeface="+mj-lt"/>
+            </a:endParaRPr>
+          </a:p>
+          <a:p>
+            <a:pPr marL="342900" indent="-342900">
+              <a:buFont typeface="Arial" panose="020B0604020202020204" pitchFamily="34" charset="0"/>
+              <a:buChar char="•"/>
+            </a:pPr>
+            <a:r>
+              <a:rPr lang="en-US" sz="2400" dirty="0">
+                <a:latin typeface="+mj-lt"/>
+              </a:rPr>
+              <a:t>Efficient Pathfinding</a:t>
+            </a:r>
+            <a:endParaRPr lang="en-US" sz="2400" b="1" dirty="0">
+              <a:latin typeface="+mj-lt"/>
+            </a:endParaRPr>
+          </a:p>
+          <a:p>
+            <a:pPr marL="342900" indent="-342900">
+              <a:buFont typeface="Arial" panose="020B0604020202020204" pitchFamily="34" charset="0"/>
+              <a:buChar char="•"/>
+            </a:pPr>
+            <a:r>
+              <a:rPr lang="en-US" sz="2400" dirty="0">
+                <a:latin typeface="+mj-lt"/>
+              </a:rPr>
+              <a:t>Energy Efficiency</a:t>
+            </a:r>
+          </a:p>
+          <a:p>
+            <a:r>
+              <a:rPr lang="en-US" sz="2400" dirty="0">
+                <a:latin typeface="+mj-lt"/>
+              </a:rPr>
+              <a:t> </a:t>
+            </a:r>
+          </a:p>
+          <a:p>
+            <a:r>
+              <a:rPr lang="en-US" sz="2400" b="1" dirty="0"/>
+              <a:t>Future Scopes:</a:t>
+            </a:r>
+          </a:p>
+          <a:p>
+            <a:pPr marL="342900" indent="-342900">
+              <a:buFont typeface="Arial" panose="020B0604020202020204" pitchFamily="34" charset="0"/>
+              <a:buChar char="•"/>
+            </a:pPr>
+            <a:r>
+              <a:rPr lang="en-US" sz="2400" dirty="0">
+                <a:latin typeface="+mj-lt"/>
+              </a:rPr>
+              <a:t>Disaster Response</a:t>
+            </a:r>
+          </a:p>
+          <a:p>
+            <a:pPr marL="342900" indent="-342900">
+              <a:buFont typeface="Arial" panose="020B0604020202020204" pitchFamily="34" charset="0"/>
+              <a:buChar char="•"/>
+            </a:pPr>
+            <a:r>
+              <a:rPr lang="en-US" sz="2400" dirty="0">
+                <a:latin typeface="+mj-lt"/>
+              </a:rPr>
+              <a:t>Smart Vehicles</a:t>
+            </a:r>
+          </a:p>
+          <a:p>
+            <a:pPr marL="342900" indent="-342900">
+              <a:buFont typeface="Arial" panose="020B0604020202020204" pitchFamily="34" charset="0"/>
+              <a:buChar char="•"/>
+            </a:pPr>
+            <a:r>
+              <a:rPr lang="en-US" sz="2400" dirty="0">
+                <a:latin typeface="+mj-lt"/>
+              </a:rPr>
+              <a:t>Space Exploration</a:t>
+            </a:r>
+          </a:p>
+        </p:txBody>
+      </p:sp>
+    </p:spTree>
+    <p:extLst>
+      <p:ext uri="{BB962C8B-B14F-4D97-AF65-F5344CB8AC3E}">
+        <p14:creationId xmlns:p14="http://schemas.microsoft.com/office/powerpoint/2010/main" val="2205597045"/>
       </p:ext>
     </p:extLst>
   </p:cSld>

--- a/Batch 8 .pptx
+++ b/Batch 8 .pptx
@@ -11,20 +11,22 @@
     <p:sldId id="259" r:id="rId5"/>
     <p:sldId id="260" r:id="rId6"/>
     <p:sldId id="261" r:id="rId7"/>
-    <p:sldId id="262" r:id="rId8"/>
-    <p:sldId id="263" r:id="rId9"/>
-    <p:sldId id="264" r:id="rId10"/>
-    <p:sldId id="265" r:id="rId11"/>
-    <p:sldId id="266" r:id="rId12"/>
-    <p:sldId id="267" r:id="rId13"/>
-    <p:sldId id="268" r:id="rId14"/>
-    <p:sldId id="269" r:id="rId15"/>
-    <p:sldId id="270" r:id="rId16"/>
-    <p:sldId id="271" r:id="rId17"/>
-    <p:sldId id="275" r:id="rId18"/>
-    <p:sldId id="272" r:id="rId19"/>
-    <p:sldId id="273" r:id="rId20"/>
-    <p:sldId id="274" r:id="rId21"/>
+    <p:sldId id="263" r:id="rId8"/>
+    <p:sldId id="264" r:id="rId9"/>
+    <p:sldId id="265" r:id="rId10"/>
+    <p:sldId id="266" r:id="rId11"/>
+    <p:sldId id="267" r:id="rId12"/>
+    <p:sldId id="268" r:id="rId13"/>
+    <p:sldId id="269" r:id="rId14"/>
+    <p:sldId id="270" r:id="rId15"/>
+    <p:sldId id="277" r:id="rId16"/>
+    <p:sldId id="278" r:id="rId17"/>
+    <p:sldId id="271" r:id="rId18"/>
+    <p:sldId id="276" r:id="rId19"/>
+    <p:sldId id="272" r:id="rId20"/>
+    <p:sldId id="273" r:id="rId21"/>
+    <p:sldId id="274" r:id="rId22"/>
+    <p:sldId id="279" r:id="rId23"/>
   </p:sldIdLst>
   <p:sldSz cx="12192000" cy="6858000"/>
   <p:notesSz cx="6858000" cy="9144000"/>
@@ -278,7 +280,7 @@
           <a:p>
             <a:fld id="{06E713BE-B739-4CC0-B4CE-95E82AEB026E}" type="datetimeFigureOut">
               <a:rPr lang="en-US" smtClean="0"/>
-              <a:t>3/10/2025</a:t>
+              <a:t>4/10/2025</a:t>
             </a:fld>
             <a:endParaRPr lang="en-US"/>
           </a:p>
@@ -476,7 +478,7 @@
           <a:p>
             <a:fld id="{06E713BE-B739-4CC0-B4CE-95E82AEB026E}" type="datetimeFigureOut">
               <a:rPr lang="en-US" smtClean="0"/>
-              <a:t>3/10/2025</a:t>
+              <a:t>4/10/2025</a:t>
             </a:fld>
             <a:endParaRPr lang="en-US"/>
           </a:p>
@@ -684,7 +686,7 @@
           <a:p>
             <a:fld id="{06E713BE-B739-4CC0-B4CE-95E82AEB026E}" type="datetimeFigureOut">
               <a:rPr lang="en-US" smtClean="0"/>
-              <a:t>3/10/2025</a:t>
+              <a:t>4/10/2025</a:t>
             </a:fld>
             <a:endParaRPr lang="en-US"/>
           </a:p>
@@ -882,7 +884,7 @@
           <a:p>
             <a:fld id="{06E713BE-B739-4CC0-B4CE-95E82AEB026E}" type="datetimeFigureOut">
               <a:rPr lang="en-US" smtClean="0"/>
-              <a:t>3/10/2025</a:t>
+              <a:t>4/10/2025</a:t>
             </a:fld>
             <a:endParaRPr lang="en-US"/>
           </a:p>
@@ -1157,7 +1159,7 @@
           <a:p>
             <a:fld id="{06E713BE-B739-4CC0-B4CE-95E82AEB026E}" type="datetimeFigureOut">
               <a:rPr lang="en-US" smtClean="0"/>
-              <a:t>3/10/2025</a:t>
+              <a:t>4/10/2025</a:t>
             </a:fld>
             <a:endParaRPr lang="en-US"/>
           </a:p>
@@ -1422,7 +1424,7 @@
           <a:p>
             <a:fld id="{06E713BE-B739-4CC0-B4CE-95E82AEB026E}" type="datetimeFigureOut">
               <a:rPr lang="en-US" smtClean="0"/>
-              <a:t>3/10/2025</a:t>
+              <a:t>4/10/2025</a:t>
             </a:fld>
             <a:endParaRPr lang="en-US"/>
           </a:p>
@@ -1834,7 +1836,7 @@
           <a:p>
             <a:fld id="{06E713BE-B739-4CC0-B4CE-95E82AEB026E}" type="datetimeFigureOut">
               <a:rPr lang="en-US" smtClean="0"/>
-              <a:t>3/10/2025</a:t>
+              <a:t>4/10/2025</a:t>
             </a:fld>
             <a:endParaRPr lang="en-US"/>
           </a:p>
@@ -1975,7 +1977,7 @@
           <a:p>
             <a:fld id="{06E713BE-B739-4CC0-B4CE-95E82AEB026E}" type="datetimeFigureOut">
               <a:rPr lang="en-US" smtClean="0"/>
-              <a:t>3/10/2025</a:t>
+              <a:t>4/10/2025</a:t>
             </a:fld>
             <a:endParaRPr lang="en-US"/>
           </a:p>
@@ -2088,7 +2090,7 @@
           <a:p>
             <a:fld id="{06E713BE-B739-4CC0-B4CE-95E82AEB026E}" type="datetimeFigureOut">
               <a:rPr lang="en-US" smtClean="0"/>
-              <a:t>3/10/2025</a:t>
+              <a:t>4/10/2025</a:t>
             </a:fld>
             <a:endParaRPr lang="en-US"/>
           </a:p>
@@ -2399,7 +2401,7 @@
           <a:p>
             <a:fld id="{06E713BE-B739-4CC0-B4CE-95E82AEB026E}" type="datetimeFigureOut">
               <a:rPr lang="en-US" smtClean="0"/>
-              <a:t>3/10/2025</a:t>
+              <a:t>4/10/2025</a:t>
             </a:fld>
             <a:endParaRPr lang="en-US"/>
           </a:p>
@@ -2687,7 +2689,7 @@
           <a:p>
             <a:fld id="{06E713BE-B739-4CC0-B4CE-95E82AEB026E}" type="datetimeFigureOut">
               <a:rPr lang="en-US" smtClean="0"/>
-              <a:t>3/10/2025</a:t>
+              <a:t>4/10/2025</a:t>
             </a:fld>
             <a:endParaRPr lang="en-US"/>
           </a:p>
@@ -2928,7 +2930,7 @@
           <a:p>
             <a:fld id="{06E713BE-B739-4CC0-B4CE-95E82AEB026E}" type="datetimeFigureOut">
               <a:rPr lang="en-US" smtClean="0"/>
-              <a:t>3/10/2025</a:t>
+              <a:t>4/10/2025</a:t>
             </a:fld>
             <a:endParaRPr lang="en-US"/>
           </a:p>
@@ -3755,254 +3757,6 @@
           <a:lstStyle/>
           <a:p>
             <a:r>
-              <a:rPr lang="en-US" sz="3200" b="1" dirty="0">
-                <a:latin typeface="+mj-lt"/>
-              </a:rPr>
-              <a:t>2. </a:t>
-            </a:r>
-            <a:r>
-              <a:rPr lang="en-US" sz="3200" b="1" dirty="0"/>
-              <a:t>L293D Motor Driver</a:t>
-            </a:r>
-          </a:p>
-        </p:txBody>
-      </p:sp>
-      <p:sp>
-        <p:nvSpPr>
-          <p:cNvPr id="3" name="TextBox 2">
-            <a:extLst>
-              <a:ext uri="{FF2B5EF4-FFF2-40B4-BE49-F238E27FC236}">
-                <a16:creationId xmlns:a16="http://schemas.microsoft.com/office/drawing/2014/main" id="{53AFE975-4E33-1ED1-CE2B-8A0EBC213B1C}"/>
-              </a:ext>
-            </a:extLst>
-          </p:cNvPr>
-          <p:cNvSpPr txBox="1"/>
-          <p:nvPr/>
-        </p:nvSpPr>
-        <p:spPr>
-          <a:xfrm>
-            <a:off x="1217930" y="2357753"/>
-            <a:ext cx="5426710" cy="2677656"/>
-          </a:xfrm>
-          <a:prstGeom prst="rect">
-            <a:avLst/>
-          </a:prstGeom>
-          <a:noFill/>
-        </p:spPr>
-        <p:txBody>
-          <a:bodyPr wrap="square" rtlCol="0">
-            <a:spAutoFit/>
-          </a:bodyPr>
-          <a:lstStyle/>
-          <a:p>
-            <a:r>
-              <a:rPr lang="en-US" sz="2800" dirty="0">
-                <a:latin typeface="+mj-lt"/>
-              </a:rPr>
-              <a:t>The </a:t>
-            </a:r>
-            <a:r>
-              <a:rPr lang="en-US" sz="2800" b="1" dirty="0">
-                <a:latin typeface="+mj-lt"/>
-              </a:rPr>
-              <a:t>L293D</a:t>
-            </a:r>
-            <a:r>
-              <a:rPr lang="en-US" sz="2800" dirty="0">
-                <a:latin typeface="+mj-lt"/>
-              </a:rPr>
-              <a:t> is a popular motor driver IC used to control the direction and speed of DC motors. It contains two H-bridge circuits, allowing it to control two DC motors simultaneously</a:t>
-            </a:r>
-          </a:p>
-        </p:txBody>
-      </p:sp>
-      <p:pic>
-        <p:nvPicPr>
-          <p:cNvPr id="3075" name="Picture 3" descr="L293D Dual H-Bridge Motor Driver IC Pins, Circuit, Working">
-            <a:extLst>
-              <a:ext uri="{FF2B5EF4-FFF2-40B4-BE49-F238E27FC236}">
-                <a16:creationId xmlns:a16="http://schemas.microsoft.com/office/drawing/2014/main" id="{6B5FEC76-6E02-412E-F6AA-D41B7CBC8AAB}"/>
-              </a:ext>
-            </a:extLst>
-          </p:cNvPr>
-          <p:cNvPicPr>
-            <a:picLocks noChangeAspect="1" noChangeArrowheads="1"/>
-          </p:cNvPicPr>
-          <p:nvPr/>
-        </p:nvPicPr>
-        <p:blipFill>
-          <a:blip r:embed="rId2">
-            <a:extLst>
-              <a:ext uri="{28A0092B-C50C-407E-A947-70E740481C1C}">
-                <a14:useLocalDpi xmlns:a14="http://schemas.microsoft.com/office/drawing/2010/main" val="0"/>
-              </a:ext>
-            </a:extLst>
-          </a:blip>
-          <a:srcRect/>
-          <a:stretch>
-            <a:fillRect/>
-          </a:stretch>
-        </p:blipFill>
-        <p:spPr bwMode="auto">
-          <a:xfrm>
-            <a:off x="6902450" y="2162730"/>
-            <a:ext cx="4771390" cy="3802361"/>
-          </a:xfrm>
-          <a:prstGeom prst="rect">
-            <a:avLst/>
-          </a:prstGeom>
-          <a:noFill/>
-          <a:extLst>
-            <a:ext uri="{909E8E84-426E-40DD-AFC4-6F175D3DCCD1}">
-              <a14:hiddenFill xmlns:a14="http://schemas.microsoft.com/office/drawing/2010/main">
-                <a:solidFill>
-                  <a:srgbClr val="FFFFFF"/>
-                </a:solidFill>
-              </a14:hiddenFill>
-            </a:ext>
-          </a:extLst>
-        </p:spPr>
-      </p:pic>
-    </p:spTree>
-    <p:extLst>
-      <p:ext uri="{BB962C8B-B14F-4D97-AF65-F5344CB8AC3E}">
-        <p14:creationId xmlns:p14="http://schemas.microsoft.com/office/powerpoint/2010/main" val="1972259746"/>
-      </p:ext>
-    </p:extLst>
-  </p:cSld>
-  <p:clrMapOvr>
-    <a:masterClrMapping/>
-  </p:clrMapOvr>
-</p:sld>
-</file>
-
-<file path=ppt/slides/slide11.xml><?xml version="1.0" encoding="utf-8"?>
-<p:sld xmlns:a="http://schemas.openxmlformats.org/drawingml/2006/main" xmlns:r="http://schemas.openxmlformats.org/officeDocument/2006/relationships" xmlns:p="http://schemas.openxmlformats.org/presentationml/2006/main">
-  <p:cSld>
-    <p:spTree>
-      <p:nvGrpSpPr>
-        <p:cNvPr id="1" name=""/>
-        <p:cNvGrpSpPr/>
-        <p:nvPr/>
-      </p:nvGrpSpPr>
-      <p:grpSpPr>
-        <a:xfrm>
-          <a:off x="0" y="0"/>
-          <a:ext cx="0" cy="0"/>
-          <a:chOff x="0" y="0"/>
-          <a:chExt cx="0" cy="0"/>
-        </a:xfrm>
-      </p:grpSpPr>
-      <p:sp>
-        <p:nvSpPr>
-          <p:cNvPr id="4" name="TextBox 3">
-            <a:extLst>
-              <a:ext uri="{FF2B5EF4-FFF2-40B4-BE49-F238E27FC236}">
-                <a16:creationId xmlns:a16="http://schemas.microsoft.com/office/drawing/2014/main" id="{17C97D89-3979-D9EC-2F9E-F1BA5D0A9EF4}"/>
-              </a:ext>
-            </a:extLst>
-          </p:cNvPr>
-          <p:cNvSpPr txBox="1"/>
-          <p:nvPr/>
-        </p:nvSpPr>
-        <p:spPr>
-          <a:xfrm>
-            <a:off x="416560" y="675640"/>
-            <a:ext cx="4856480" cy="646331"/>
-          </a:xfrm>
-          <a:prstGeom prst="rect">
-            <a:avLst/>
-          </a:prstGeom>
-          <a:noFill/>
-        </p:spPr>
-        <p:txBody>
-          <a:bodyPr wrap="square" rtlCol="0">
-            <a:spAutoFit/>
-          </a:bodyPr>
-          <a:lstStyle/>
-          <a:p>
-            <a:r>
-              <a:rPr lang="en-US" sz="3600" b="1" dirty="0"/>
-              <a:t>System Components </a:t>
-            </a:r>
-          </a:p>
-        </p:txBody>
-      </p:sp>
-      <p:cxnSp>
-        <p:nvCxnSpPr>
-          <p:cNvPr id="9" name="Straight Connector 8">
-            <a:extLst>
-              <a:ext uri="{FF2B5EF4-FFF2-40B4-BE49-F238E27FC236}">
-                <a16:creationId xmlns:a16="http://schemas.microsoft.com/office/drawing/2014/main" id="{06DEB5C5-95DE-9DEC-6F84-929E462EC78F}"/>
-              </a:ext>
-            </a:extLst>
-          </p:cNvPr>
-          <p:cNvCxnSpPr>
-            <a:cxnSpLocks/>
-          </p:cNvCxnSpPr>
-          <p:nvPr/>
-        </p:nvCxnSpPr>
-        <p:spPr>
-          <a:xfrm>
-            <a:off x="335280" y="1382931"/>
-            <a:ext cx="2743200" cy="0"/>
-          </a:xfrm>
-          <a:prstGeom prst="line">
-            <a:avLst/>
-          </a:prstGeom>
-          <a:ln w="28575"/>
-          <a:effectLst>
-            <a:outerShdw blurRad="50800" dist="38100" dir="2700000" algn="tl" rotWithShape="0">
-              <a:prstClr val="black">
-                <a:alpha val="40000"/>
-              </a:prstClr>
-            </a:outerShdw>
-          </a:effectLst>
-        </p:spPr>
-        <p:style>
-          <a:lnRef idx="1">
-            <a:schemeClr val="accent1"/>
-          </a:lnRef>
-          <a:fillRef idx="0">
-            <a:schemeClr val="accent1"/>
-          </a:fillRef>
-          <a:effectRef idx="0">
-            <a:schemeClr val="accent1"/>
-          </a:effectRef>
-          <a:fontRef idx="minor">
-            <a:schemeClr val="tx1"/>
-          </a:fontRef>
-        </p:style>
-      </p:cxnSp>
-      <p:sp>
-        <p:nvSpPr>
-          <p:cNvPr id="10" name="TextBox 9">
-            <a:extLst>
-              <a:ext uri="{FF2B5EF4-FFF2-40B4-BE49-F238E27FC236}">
-                <a16:creationId xmlns:a16="http://schemas.microsoft.com/office/drawing/2014/main" id="{603D59D7-9A28-C65D-5390-DFAD2739FC7B}"/>
-              </a:ext>
-            </a:extLst>
-          </p:cNvPr>
-          <p:cNvSpPr txBox="1"/>
-          <p:nvPr/>
-        </p:nvSpPr>
-        <p:spPr>
-          <a:xfrm>
-            <a:off x="675640" y="1577955"/>
-            <a:ext cx="4434840" cy="584775"/>
-          </a:xfrm>
-          <a:prstGeom prst="rect">
-            <a:avLst/>
-          </a:prstGeom>
-          <a:noFill/>
-        </p:spPr>
-        <p:txBody>
-          <a:bodyPr wrap="square" rtlCol="0">
-            <a:spAutoFit/>
-          </a:bodyPr>
-          <a:lstStyle/>
-          <a:p>
-            <a:r>
               <a:rPr lang="en-US" sz="3200" b="1" dirty="0"/>
               <a:t>3.</a:t>
             </a:r>
@@ -4105,7 +3859,7 @@
 </p:sld>
 </file>
 
-<file path=ppt/slides/slide12.xml><?xml version="1.0" encoding="utf-8"?>
+<file path=ppt/slides/slide11.xml><?xml version="1.0" encoding="utf-8"?>
 <p:sld xmlns:a="http://schemas.openxmlformats.org/drawingml/2006/main" xmlns:r="http://schemas.openxmlformats.org/officeDocument/2006/relationships" xmlns:p="http://schemas.openxmlformats.org/presentationml/2006/main">
   <p:cSld>
     <p:spTree>
@@ -4345,7 +4099,7 @@
 </p:sld>
 </file>
 
-<file path=ppt/slides/slide13.xml><?xml version="1.0" encoding="utf-8"?>
+<file path=ppt/slides/slide12.xml><?xml version="1.0" encoding="utf-8"?>
 <p:sld xmlns:a="http://schemas.openxmlformats.org/drawingml/2006/main" xmlns:r="http://schemas.openxmlformats.org/officeDocument/2006/relationships" xmlns:p="http://schemas.openxmlformats.org/presentationml/2006/main">
   <p:cSld>
     <p:spTree>
@@ -4820,7 +4574,7 @@
 </p:sld>
 </file>
 
-<file path=ppt/slides/slide14.xml><?xml version="1.0" encoding="utf-8"?>
+<file path=ppt/slides/slide13.xml><?xml version="1.0" encoding="utf-8"?>
 <p:sld xmlns:a="http://schemas.openxmlformats.org/drawingml/2006/main" xmlns:r="http://schemas.openxmlformats.org/officeDocument/2006/relationships" xmlns:p="http://schemas.openxmlformats.org/presentationml/2006/main">
   <p:cSld>
     <p:spTree>
@@ -5060,7 +4814,7 @@
 </p:sld>
 </file>
 
-<file path=ppt/slides/slide15.xml><?xml version="1.0" encoding="utf-8"?>
+<file path=ppt/slides/slide14.xml><?xml version="1.0" encoding="utf-8"?>
 <p:sld xmlns:a="http://schemas.openxmlformats.org/drawingml/2006/main" xmlns:r="http://schemas.openxmlformats.org/officeDocument/2006/relationships" xmlns:p="http://schemas.openxmlformats.org/presentationml/2006/main">
   <p:cSld>
     <p:spTree>
@@ -5286,7 +5040,467 @@
 </p:sld>
 </file>
 
+<file path=ppt/slides/slide15.xml><?xml version="1.0" encoding="utf-8"?>
+<p:sld xmlns:a="http://schemas.openxmlformats.org/drawingml/2006/main" xmlns:r="http://schemas.openxmlformats.org/officeDocument/2006/relationships" xmlns:p="http://schemas.openxmlformats.org/presentationml/2006/main">
+  <p:cSld>
+    <p:spTree>
+      <p:nvGrpSpPr>
+        <p:cNvPr id="1" name=""/>
+        <p:cNvGrpSpPr/>
+        <p:nvPr/>
+      </p:nvGrpSpPr>
+      <p:grpSpPr>
+        <a:xfrm>
+          <a:off x="0" y="0"/>
+          <a:ext cx="0" cy="0"/>
+          <a:chOff x="0" y="0"/>
+          <a:chExt cx="0" cy="0"/>
+        </a:xfrm>
+      </p:grpSpPr>
+      <p:sp>
+        <p:nvSpPr>
+          <p:cNvPr id="4" name="TextBox 3">
+            <a:extLst>
+              <a:ext uri="{FF2B5EF4-FFF2-40B4-BE49-F238E27FC236}">
+                <a16:creationId xmlns:a16="http://schemas.microsoft.com/office/drawing/2014/main" id="{17C97D89-3979-D9EC-2F9E-F1BA5D0A9EF4}"/>
+              </a:ext>
+            </a:extLst>
+          </p:cNvPr>
+          <p:cNvSpPr txBox="1"/>
+          <p:nvPr/>
+        </p:nvSpPr>
+        <p:spPr>
+          <a:xfrm>
+            <a:off x="416560" y="675640"/>
+            <a:ext cx="4856480" cy="646331"/>
+          </a:xfrm>
+          <a:prstGeom prst="rect">
+            <a:avLst/>
+          </a:prstGeom>
+          <a:noFill/>
+        </p:spPr>
+        <p:txBody>
+          <a:bodyPr wrap="square" rtlCol="0">
+            <a:spAutoFit/>
+          </a:bodyPr>
+          <a:lstStyle/>
+          <a:p>
+            <a:r>
+              <a:rPr lang="en-US" sz="3600" b="1" dirty="0"/>
+              <a:t>Software's Used</a:t>
+            </a:r>
+          </a:p>
+        </p:txBody>
+      </p:sp>
+      <p:cxnSp>
+        <p:nvCxnSpPr>
+          <p:cNvPr id="9" name="Straight Connector 8">
+            <a:extLst>
+              <a:ext uri="{FF2B5EF4-FFF2-40B4-BE49-F238E27FC236}">
+                <a16:creationId xmlns:a16="http://schemas.microsoft.com/office/drawing/2014/main" id="{06DEB5C5-95DE-9DEC-6F84-929E462EC78F}"/>
+              </a:ext>
+            </a:extLst>
+          </p:cNvPr>
+          <p:cNvCxnSpPr>
+            <a:cxnSpLocks/>
+          </p:cNvCxnSpPr>
+          <p:nvPr/>
+        </p:nvCxnSpPr>
+        <p:spPr>
+          <a:xfrm>
+            <a:off x="335280" y="1382931"/>
+            <a:ext cx="2743200" cy="0"/>
+          </a:xfrm>
+          <a:prstGeom prst="line">
+            <a:avLst/>
+          </a:prstGeom>
+          <a:ln w="28575"/>
+          <a:effectLst>
+            <a:outerShdw blurRad="50800" dist="38100" dir="2700000" algn="tl" rotWithShape="0">
+              <a:prstClr val="black">
+                <a:alpha val="40000"/>
+              </a:prstClr>
+            </a:outerShdw>
+          </a:effectLst>
+        </p:spPr>
+        <p:style>
+          <a:lnRef idx="1">
+            <a:schemeClr val="accent1"/>
+          </a:lnRef>
+          <a:fillRef idx="0">
+            <a:schemeClr val="accent1"/>
+          </a:fillRef>
+          <a:effectRef idx="0">
+            <a:schemeClr val="accent1"/>
+          </a:effectRef>
+          <a:fontRef idx="minor">
+            <a:schemeClr val="tx1"/>
+          </a:fontRef>
+        </p:style>
+      </p:cxnSp>
+      <p:sp>
+        <p:nvSpPr>
+          <p:cNvPr id="6" name="TextBox 5">
+            <a:extLst>
+              <a:ext uri="{FF2B5EF4-FFF2-40B4-BE49-F238E27FC236}">
+                <a16:creationId xmlns:a16="http://schemas.microsoft.com/office/drawing/2014/main" id="{CF6F4F10-B955-26C4-1954-A6F002AA681F}"/>
+              </a:ext>
+            </a:extLst>
+          </p:cNvPr>
+          <p:cNvSpPr txBox="1"/>
+          <p:nvPr/>
+        </p:nvSpPr>
+        <p:spPr>
+          <a:xfrm>
+            <a:off x="812800" y="1658045"/>
+            <a:ext cx="7518400" cy="4278094"/>
+          </a:xfrm>
+          <a:prstGeom prst="rect">
+            <a:avLst/>
+          </a:prstGeom>
+          <a:noFill/>
+        </p:spPr>
+        <p:txBody>
+          <a:bodyPr wrap="square" rtlCol="0">
+            <a:spAutoFit/>
+          </a:bodyPr>
+          <a:lstStyle/>
+          <a:p>
+            <a:r>
+              <a:rPr lang="en-US" sz="2800" b="1" dirty="0"/>
+              <a:t>Arduino IDE  (1.8.X)</a:t>
+            </a:r>
+          </a:p>
+          <a:p>
+            <a:endParaRPr lang="en-US" sz="2400" dirty="0"/>
+          </a:p>
+          <a:p>
+            <a:pPr marL="342900" indent="-342900">
+              <a:buFont typeface="Arial" panose="020B0604020202020204" pitchFamily="34" charset="0"/>
+              <a:buChar char="•"/>
+            </a:pPr>
+            <a:r>
+              <a:rPr lang="en-US" sz="2200" dirty="0"/>
+              <a:t>Arduino IDE (Integrated Development Environment) is a platform used for writing, compiling, and uploading code to Arduino boards.</a:t>
+            </a:r>
+          </a:p>
+          <a:p>
+            <a:pPr marL="342900" indent="-342900">
+              <a:buFont typeface="Arial" panose="020B0604020202020204" pitchFamily="34" charset="0"/>
+              <a:buChar char="•"/>
+            </a:pPr>
+            <a:r>
+              <a:rPr lang="en-US" sz="2200" b="1" dirty="0"/>
+              <a:t>Features: </a:t>
+            </a:r>
+            <a:r>
+              <a:rPr lang="en-US" sz="2200" dirty="0"/>
+              <a:t>Simple user interface, open-source nature, supports multiple programming languages (mainly C and C++).</a:t>
+            </a:r>
+          </a:p>
+          <a:p>
+            <a:pPr marL="342900" indent="-342900">
+              <a:buFont typeface="Arial" panose="020B0604020202020204" pitchFamily="34" charset="0"/>
+              <a:buChar char="•"/>
+            </a:pPr>
+            <a:r>
+              <a:rPr lang="en-US" sz="2200" dirty="0"/>
+              <a:t>Compatibility: Works on Windows, macOS, and Linux systems.</a:t>
+            </a:r>
+          </a:p>
+          <a:p>
+            <a:pPr marL="342900" indent="-342900">
+              <a:buFont typeface="Arial" panose="020B0604020202020204" pitchFamily="34" charset="0"/>
+              <a:buChar char="•"/>
+            </a:pPr>
+            <a:r>
+              <a:rPr lang="en-US" sz="2200" dirty="0"/>
+              <a:t>Applications: Widely used for prototyping, robotics, IoT projects, and educational purposes.</a:t>
+            </a:r>
+          </a:p>
+        </p:txBody>
+      </p:sp>
+      <p:pic>
+        <p:nvPicPr>
+          <p:cNvPr id="3" name="Picture 2">
+            <a:extLst>
+              <a:ext uri="{FF2B5EF4-FFF2-40B4-BE49-F238E27FC236}">
+                <a16:creationId xmlns:a16="http://schemas.microsoft.com/office/drawing/2014/main" id="{5F53F19C-0922-3A05-83D8-D3BD7E174DCA}"/>
+              </a:ext>
+            </a:extLst>
+          </p:cNvPr>
+          <p:cNvPicPr>
+            <a:picLocks noChangeAspect="1"/>
+          </p:cNvPicPr>
+          <p:nvPr/>
+        </p:nvPicPr>
+        <p:blipFill>
+          <a:blip r:embed="rId2"/>
+          <a:stretch>
+            <a:fillRect/>
+          </a:stretch>
+        </p:blipFill>
+        <p:spPr>
+          <a:xfrm>
+            <a:off x="8331200" y="2544492"/>
+            <a:ext cx="3586480" cy="2870788"/>
+          </a:xfrm>
+          <a:prstGeom prst="rect">
+            <a:avLst/>
+          </a:prstGeom>
+        </p:spPr>
+      </p:pic>
+    </p:spTree>
+    <p:extLst>
+      <p:ext uri="{BB962C8B-B14F-4D97-AF65-F5344CB8AC3E}">
+        <p14:creationId xmlns:p14="http://schemas.microsoft.com/office/powerpoint/2010/main" val="4064463697"/>
+      </p:ext>
+    </p:extLst>
+  </p:cSld>
+  <p:clrMapOvr>
+    <a:masterClrMapping/>
+  </p:clrMapOvr>
+</p:sld>
+</file>
+
 <file path=ppt/slides/slide16.xml><?xml version="1.0" encoding="utf-8"?>
+<p:sld xmlns:a="http://schemas.openxmlformats.org/drawingml/2006/main" xmlns:r="http://schemas.openxmlformats.org/officeDocument/2006/relationships" xmlns:p="http://schemas.openxmlformats.org/presentationml/2006/main">
+  <p:cSld>
+    <p:spTree>
+      <p:nvGrpSpPr>
+        <p:cNvPr id="1" name=""/>
+        <p:cNvGrpSpPr/>
+        <p:nvPr/>
+      </p:nvGrpSpPr>
+      <p:grpSpPr>
+        <a:xfrm>
+          <a:off x="0" y="0"/>
+          <a:ext cx="0" cy="0"/>
+          <a:chOff x="0" y="0"/>
+          <a:chExt cx="0" cy="0"/>
+        </a:xfrm>
+      </p:grpSpPr>
+      <p:sp>
+        <p:nvSpPr>
+          <p:cNvPr id="4" name="TextBox 3">
+            <a:extLst>
+              <a:ext uri="{FF2B5EF4-FFF2-40B4-BE49-F238E27FC236}">
+                <a16:creationId xmlns:a16="http://schemas.microsoft.com/office/drawing/2014/main" id="{17C97D89-3979-D9EC-2F9E-F1BA5D0A9EF4}"/>
+              </a:ext>
+            </a:extLst>
+          </p:cNvPr>
+          <p:cNvSpPr txBox="1"/>
+          <p:nvPr/>
+        </p:nvSpPr>
+        <p:spPr>
+          <a:xfrm>
+            <a:off x="416560" y="675640"/>
+            <a:ext cx="4856480" cy="646331"/>
+          </a:xfrm>
+          <a:prstGeom prst="rect">
+            <a:avLst/>
+          </a:prstGeom>
+          <a:noFill/>
+        </p:spPr>
+        <p:txBody>
+          <a:bodyPr wrap="square" rtlCol="0">
+            <a:spAutoFit/>
+          </a:bodyPr>
+          <a:lstStyle/>
+          <a:p>
+            <a:r>
+              <a:rPr lang="en-US" sz="3600" b="1" dirty="0"/>
+              <a:t>Software's Used</a:t>
+            </a:r>
+          </a:p>
+        </p:txBody>
+      </p:sp>
+      <p:cxnSp>
+        <p:nvCxnSpPr>
+          <p:cNvPr id="9" name="Straight Connector 8">
+            <a:extLst>
+              <a:ext uri="{FF2B5EF4-FFF2-40B4-BE49-F238E27FC236}">
+                <a16:creationId xmlns:a16="http://schemas.microsoft.com/office/drawing/2014/main" id="{06DEB5C5-95DE-9DEC-6F84-929E462EC78F}"/>
+              </a:ext>
+            </a:extLst>
+          </p:cNvPr>
+          <p:cNvCxnSpPr>
+            <a:cxnSpLocks/>
+          </p:cNvCxnSpPr>
+          <p:nvPr/>
+        </p:nvCxnSpPr>
+        <p:spPr>
+          <a:xfrm>
+            <a:off x="335280" y="1382931"/>
+            <a:ext cx="2743200" cy="0"/>
+          </a:xfrm>
+          <a:prstGeom prst="line">
+            <a:avLst/>
+          </a:prstGeom>
+          <a:ln w="28575"/>
+          <a:effectLst>
+            <a:outerShdw blurRad="50800" dist="38100" dir="2700000" algn="tl" rotWithShape="0">
+              <a:prstClr val="black">
+                <a:alpha val="40000"/>
+              </a:prstClr>
+            </a:outerShdw>
+          </a:effectLst>
+        </p:spPr>
+        <p:style>
+          <a:lnRef idx="1">
+            <a:schemeClr val="accent1"/>
+          </a:lnRef>
+          <a:fillRef idx="0">
+            <a:schemeClr val="accent1"/>
+          </a:fillRef>
+          <a:effectRef idx="0">
+            <a:schemeClr val="accent1"/>
+          </a:effectRef>
+          <a:fontRef idx="minor">
+            <a:schemeClr val="tx1"/>
+          </a:fontRef>
+        </p:style>
+      </p:cxnSp>
+      <p:sp>
+        <p:nvSpPr>
+          <p:cNvPr id="6" name="TextBox 5">
+            <a:extLst>
+              <a:ext uri="{FF2B5EF4-FFF2-40B4-BE49-F238E27FC236}">
+                <a16:creationId xmlns:a16="http://schemas.microsoft.com/office/drawing/2014/main" id="{CF6F4F10-B955-26C4-1954-A6F002AA681F}"/>
+              </a:ext>
+            </a:extLst>
+          </p:cNvPr>
+          <p:cNvSpPr txBox="1"/>
+          <p:nvPr/>
+        </p:nvSpPr>
+        <p:spPr>
+          <a:xfrm>
+            <a:off x="812800" y="1658045"/>
+            <a:ext cx="7518400" cy="5016758"/>
+          </a:xfrm>
+          <a:prstGeom prst="rect">
+            <a:avLst/>
+          </a:prstGeom>
+          <a:noFill/>
+        </p:spPr>
+        <p:txBody>
+          <a:bodyPr wrap="square" rtlCol="0">
+            <a:spAutoFit/>
+          </a:bodyPr>
+          <a:lstStyle/>
+          <a:p>
+            <a:r>
+              <a:rPr lang="en-US" sz="2800" b="1" dirty="0"/>
+              <a:t>Proteus - ISIS</a:t>
+            </a:r>
+          </a:p>
+          <a:p>
+            <a:endParaRPr lang="en-US" sz="2800" b="1" dirty="0"/>
+          </a:p>
+          <a:p>
+            <a:pPr marL="342900" indent="-342900">
+              <a:buFont typeface="Arial" panose="020B0604020202020204" pitchFamily="34" charset="0"/>
+              <a:buChar char="•"/>
+            </a:pPr>
+            <a:r>
+              <a:rPr lang="en-US" sz="2400" dirty="0"/>
+              <a:t>Proteus ISIS (Intelligent Schematic Input System) is a tool for designing and simulating electronic circuits.</a:t>
+            </a:r>
+          </a:p>
+          <a:p>
+            <a:pPr marL="342900" indent="-342900">
+              <a:buFont typeface="Arial" panose="020B0604020202020204" pitchFamily="34" charset="0"/>
+              <a:buChar char="•"/>
+            </a:pPr>
+            <a:r>
+              <a:rPr lang="en-US" sz="2400" b="1" dirty="0"/>
+              <a:t>Features</a:t>
+            </a:r>
+            <a:r>
+              <a:rPr lang="en-US" sz="2400" dirty="0"/>
+              <a:t>: Offers a vast library of components, real-time simulation, and integration with microcontroller programming.</a:t>
+            </a:r>
+          </a:p>
+          <a:p>
+            <a:pPr marL="342900" indent="-342900">
+              <a:buFont typeface="Arial" panose="020B0604020202020204" pitchFamily="34" charset="0"/>
+              <a:buChar char="•"/>
+            </a:pPr>
+            <a:r>
+              <a:rPr lang="en-US" sz="2400" b="1" dirty="0"/>
+              <a:t>Applications</a:t>
+            </a:r>
+            <a:r>
+              <a:rPr lang="en-US" sz="2400" dirty="0"/>
+              <a:t>: Used for circuit design, testing, and educational purposes, especially in embedded systems and IoT projects.</a:t>
+            </a:r>
+          </a:p>
+          <a:p>
+            <a:pPr marL="342900" indent="-342900">
+              <a:buFont typeface="Arial" panose="020B0604020202020204" pitchFamily="34" charset="0"/>
+              <a:buChar char="•"/>
+            </a:pPr>
+            <a:r>
+              <a:rPr lang="en-US" sz="2400" b="1" dirty="0"/>
+              <a:t>Part of Proteus Suite</a:t>
+            </a:r>
+            <a:r>
+              <a:rPr lang="en-US" sz="2400" dirty="0"/>
+              <a:t>: Bundled with ARES for PCB design, making it a comprehensive electronic design solution.</a:t>
+            </a:r>
+          </a:p>
+        </p:txBody>
+      </p:sp>
+      <p:pic>
+        <p:nvPicPr>
+          <p:cNvPr id="8" name="Picture 7">
+            <a:extLst>
+              <a:ext uri="{FF2B5EF4-FFF2-40B4-BE49-F238E27FC236}">
+                <a16:creationId xmlns:a16="http://schemas.microsoft.com/office/drawing/2014/main" id="{591DE59D-2701-722F-8319-159976C0634E}"/>
+              </a:ext>
+            </a:extLst>
+          </p:cNvPr>
+          <p:cNvPicPr>
+            <a:picLocks noChangeAspect="1"/>
+          </p:cNvPicPr>
+          <p:nvPr/>
+        </p:nvPicPr>
+        <p:blipFill>
+          <a:blip r:embed="rId2">
+            <a:extLst>
+              <a:ext uri="{28A0092B-C50C-407E-A947-70E740481C1C}">
+                <a14:useLocalDpi xmlns:a14="http://schemas.microsoft.com/office/drawing/2010/main" val="0"/>
+              </a:ext>
+            </a:extLst>
+          </a:blip>
+          <a:stretch>
+            <a:fillRect/>
+          </a:stretch>
+        </p:blipFill>
+        <p:spPr>
+          <a:xfrm>
+            <a:off x="8331200" y="2290816"/>
+            <a:ext cx="3657600" cy="3320327"/>
+          </a:xfrm>
+          <a:prstGeom prst="rect">
+            <a:avLst/>
+          </a:prstGeom>
+        </p:spPr>
+      </p:pic>
+    </p:spTree>
+    <p:extLst>
+      <p:ext uri="{BB962C8B-B14F-4D97-AF65-F5344CB8AC3E}">
+        <p14:creationId xmlns:p14="http://schemas.microsoft.com/office/powerpoint/2010/main" val="3056487727"/>
+      </p:ext>
+    </p:extLst>
+  </p:cSld>
+  <p:clrMapOvr>
+    <a:masterClrMapping/>
+  </p:clrMapOvr>
+</p:sld>
+</file>
+
+<file path=ppt/slides/slide17.xml><?xml version="1.0" encoding="utf-8"?>
 <p:sld xmlns:a="http://schemas.openxmlformats.org/drawingml/2006/main" xmlns:r="http://schemas.openxmlformats.org/officeDocument/2006/relationships" xmlns:p="http://schemas.openxmlformats.org/presentationml/2006/main">
   <p:cSld>
     <p:spTree>
@@ -6434,7 +6648,7 @@
 </p:sld>
 </file>
 
-<file path=ppt/slides/slide17.xml><?xml version="1.0" encoding="utf-8"?>
+<file path=ppt/slides/slide18.xml><?xml version="1.0" encoding="utf-8"?>
 <p:sld xmlns:a="http://schemas.openxmlformats.org/drawingml/2006/main" xmlns:r="http://schemas.openxmlformats.org/officeDocument/2006/relationships" xmlns:p="http://schemas.openxmlformats.org/presentationml/2006/main">
   <p:cSld>
     <p:spTree>
@@ -6482,6 +6696,2332 @@
             <a:r>
               <a:rPr lang="en-US" sz="3600" b="1" dirty="0"/>
               <a:t>Interfacing of Components</a:t>
+            </a:r>
+          </a:p>
+        </p:txBody>
+      </p:sp>
+      <p:grpSp>
+        <p:nvGrpSpPr>
+          <p:cNvPr id="65" name="Group 64">
+            <a:extLst>
+              <a:ext uri="{FF2B5EF4-FFF2-40B4-BE49-F238E27FC236}">
+                <a16:creationId xmlns:a16="http://schemas.microsoft.com/office/drawing/2014/main" id="{FF6DE3A9-62CB-E30F-E494-7368B32921DC}"/>
+              </a:ext>
+            </a:extLst>
+          </p:cNvPr>
+          <p:cNvGrpSpPr/>
+          <p:nvPr/>
+        </p:nvGrpSpPr>
+        <p:grpSpPr>
+          <a:xfrm>
+            <a:off x="335280" y="1232276"/>
+            <a:ext cx="10566400" cy="5402500"/>
+            <a:chOff x="335280" y="1232276"/>
+            <a:chExt cx="10566400" cy="5402500"/>
+          </a:xfrm>
+        </p:grpSpPr>
+        <p:grpSp>
+          <p:nvGrpSpPr>
+            <p:cNvPr id="37" name="Group 36">
+              <a:extLst>
+                <a:ext uri="{FF2B5EF4-FFF2-40B4-BE49-F238E27FC236}">
+                  <a16:creationId xmlns:a16="http://schemas.microsoft.com/office/drawing/2014/main" id="{D8A9786F-450C-ACED-CE66-A986D577E16E}"/>
+                </a:ext>
+              </a:extLst>
+            </p:cNvPr>
+            <p:cNvGrpSpPr/>
+            <p:nvPr/>
+          </p:nvGrpSpPr>
+          <p:grpSpPr>
+            <a:xfrm>
+              <a:off x="335280" y="1382931"/>
+              <a:ext cx="10566400" cy="5251845"/>
+              <a:chOff x="335280" y="1382931"/>
+              <a:chExt cx="10566400" cy="5251845"/>
+            </a:xfrm>
+          </p:grpSpPr>
+          <p:cxnSp>
+            <p:nvCxnSpPr>
+              <p:cNvPr id="9" name="Straight Connector 8">
+                <a:extLst>
+                  <a:ext uri="{FF2B5EF4-FFF2-40B4-BE49-F238E27FC236}">
+                    <a16:creationId xmlns:a16="http://schemas.microsoft.com/office/drawing/2014/main" id="{06DEB5C5-95DE-9DEC-6F84-929E462EC78F}"/>
+                  </a:ext>
+                </a:extLst>
+              </p:cNvPr>
+              <p:cNvCxnSpPr>
+                <a:cxnSpLocks/>
+              </p:cNvCxnSpPr>
+              <p:nvPr/>
+            </p:nvCxnSpPr>
+            <p:spPr>
+              <a:xfrm>
+                <a:off x="335280" y="1382931"/>
+                <a:ext cx="2743200" cy="0"/>
+              </a:xfrm>
+              <a:prstGeom prst="line">
+                <a:avLst/>
+              </a:prstGeom>
+              <a:ln w="28575"/>
+              <a:effectLst>
+                <a:outerShdw blurRad="50800" dist="38100" dir="2700000" algn="tl" rotWithShape="0">
+                  <a:prstClr val="black">
+                    <a:alpha val="40000"/>
+                  </a:prstClr>
+                </a:outerShdw>
+              </a:effectLst>
+            </p:spPr>
+            <p:style>
+              <a:lnRef idx="1">
+                <a:schemeClr val="accent1"/>
+              </a:lnRef>
+              <a:fillRef idx="0">
+                <a:schemeClr val="accent1"/>
+              </a:fillRef>
+              <a:effectRef idx="0">
+                <a:schemeClr val="accent1"/>
+              </a:effectRef>
+              <a:fontRef idx="minor">
+                <a:schemeClr val="tx1"/>
+              </a:fontRef>
+            </p:style>
+          </p:cxnSp>
+          <p:sp>
+            <p:nvSpPr>
+              <p:cNvPr id="7" name="Rectangle 6">
+                <a:extLst>
+                  <a:ext uri="{FF2B5EF4-FFF2-40B4-BE49-F238E27FC236}">
+                    <a16:creationId xmlns:a16="http://schemas.microsoft.com/office/drawing/2014/main" id="{F93811F9-163F-ACB5-D27A-2D6630D2515C}"/>
+                  </a:ext>
+                </a:extLst>
+              </p:cNvPr>
+              <p:cNvSpPr/>
+              <p:nvPr/>
+            </p:nvSpPr>
+            <p:spPr>
+              <a:xfrm>
+                <a:off x="721360" y="2961637"/>
+                <a:ext cx="1656080" cy="1676395"/>
+              </a:xfrm>
+              <a:prstGeom prst="rect">
+                <a:avLst/>
+              </a:prstGeom>
+              <a:noFill/>
+              <a:ln w="28575">
+                <a:solidFill>
+                  <a:schemeClr val="tx1"/>
+                </a:solidFill>
+              </a:ln>
+            </p:spPr>
+            <p:style>
+              <a:lnRef idx="2">
+                <a:schemeClr val="accent1">
+                  <a:shade val="50000"/>
+                </a:schemeClr>
+              </a:lnRef>
+              <a:fillRef idx="1">
+                <a:schemeClr val="accent1"/>
+              </a:fillRef>
+              <a:effectRef idx="0">
+                <a:schemeClr val="accent1"/>
+              </a:effectRef>
+              <a:fontRef idx="minor">
+                <a:schemeClr val="lt1"/>
+              </a:fontRef>
+            </p:style>
+            <p:txBody>
+              <a:bodyPr rtlCol="0" anchor="ctr"/>
+              <a:lstStyle/>
+              <a:p>
+                <a:pPr algn="ctr"/>
+                <a:endParaRPr lang="en-US" dirty="0"/>
+              </a:p>
+            </p:txBody>
+          </p:sp>
+          <p:sp>
+            <p:nvSpPr>
+              <p:cNvPr id="15" name="Rectangle 14">
+                <a:extLst>
+                  <a:ext uri="{FF2B5EF4-FFF2-40B4-BE49-F238E27FC236}">
+                    <a16:creationId xmlns:a16="http://schemas.microsoft.com/office/drawing/2014/main" id="{627EF967-0454-0F9E-F66A-FDF61DA8DB67}"/>
+                  </a:ext>
+                </a:extLst>
+              </p:cNvPr>
+              <p:cNvSpPr/>
+              <p:nvPr/>
+            </p:nvSpPr>
+            <p:spPr>
+              <a:xfrm>
+                <a:off x="4094480" y="2961637"/>
+                <a:ext cx="1656080" cy="1676395"/>
+              </a:xfrm>
+              <a:prstGeom prst="rect">
+                <a:avLst/>
+              </a:prstGeom>
+              <a:noFill/>
+              <a:ln w="28575">
+                <a:solidFill>
+                  <a:schemeClr val="tx1"/>
+                </a:solidFill>
+              </a:ln>
+            </p:spPr>
+            <p:style>
+              <a:lnRef idx="2">
+                <a:schemeClr val="accent1">
+                  <a:shade val="50000"/>
+                </a:schemeClr>
+              </a:lnRef>
+              <a:fillRef idx="1">
+                <a:schemeClr val="accent1"/>
+              </a:fillRef>
+              <a:effectRef idx="0">
+                <a:schemeClr val="accent1"/>
+              </a:effectRef>
+              <a:fontRef idx="minor">
+                <a:schemeClr val="lt1"/>
+              </a:fontRef>
+            </p:style>
+            <p:txBody>
+              <a:bodyPr rtlCol="0" anchor="ctr"/>
+              <a:lstStyle/>
+              <a:p>
+                <a:pPr algn="ctr"/>
+                <a:endParaRPr lang="en-US" dirty="0"/>
+              </a:p>
+            </p:txBody>
+          </p:sp>
+          <p:sp>
+            <p:nvSpPr>
+              <p:cNvPr id="23" name="Rectangle 22">
+                <a:extLst>
+                  <a:ext uri="{FF2B5EF4-FFF2-40B4-BE49-F238E27FC236}">
+                    <a16:creationId xmlns:a16="http://schemas.microsoft.com/office/drawing/2014/main" id="{D97168D3-AB37-698E-BF8A-7E767472DF8C}"/>
+                  </a:ext>
+                </a:extLst>
+              </p:cNvPr>
+              <p:cNvSpPr/>
+              <p:nvPr/>
+            </p:nvSpPr>
+            <p:spPr>
+              <a:xfrm>
+                <a:off x="7731760" y="2214880"/>
+                <a:ext cx="3169920" cy="3159759"/>
+              </a:xfrm>
+              <a:prstGeom prst="rect">
+                <a:avLst/>
+              </a:prstGeom>
+              <a:noFill/>
+              <a:ln w="28575">
+                <a:solidFill>
+                  <a:schemeClr val="tx1"/>
+                </a:solidFill>
+              </a:ln>
+            </p:spPr>
+            <p:style>
+              <a:lnRef idx="2">
+                <a:schemeClr val="accent1">
+                  <a:shade val="50000"/>
+                </a:schemeClr>
+              </a:lnRef>
+              <a:fillRef idx="1">
+                <a:schemeClr val="accent1"/>
+              </a:fillRef>
+              <a:effectRef idx="0">
+                <a:schemeClr val="accent1"/>
+              </a:effectRef>
+              <a:fontRef idx="minor">
+                <a:schemeClr val="lt1"/>
+              </a:fontRef>
+            </p:style>
+            <p:txBody>
+              <a:bodyPr rtlCol="0" anchor="ctr"/>
+              <a:lstStyle/>
+              <a:p>
+                <a:pPr algn="ctr"/>
+                <a:endParaRPr lang="en-US" dirty="0"/>
+              </a:p>
+            </p:txBody>
+          </p:sp>
+          <p:grpSp>
+            <p:nvGrpSpPr>
+              <p:cNvPr id="41" name="Group 40">
+                <a:extLst>
+                  <a:ext uri="{FF2B5EF4-FFF2-40B4-BE49-F238E27FC236}">
+                    <a16:creationId xmlns:a16="http://schemas.microsoft.com/office/drawing/2014/main" id="{DD7857B7-56FD-9316-DE21-E15A2F65EDDF}"/>
+                  </a:ext>
+                </a:extLst>
+              </p:cNvPr>
+              <p:cNvGrpSpPr/>
+              <p:nvPr/>
+            </p:nvGrpSpPr>
+            <p:grpSpPr>
+              <a:xfrm>
+                <a:off x="955040" y="4135120"/>
+                <a:ext cx="1112520" cy="200656"/>
+                <a:chOff x="955040" y="4135120"/>
+                <a:chExt cx="1112520" cy="200656"/>
+              </a:xfrm>
+            </p:grpSpPr>
+            <p:sp>
+              <p:nvSpPr>
+                <p:cNvPr id="24" name="Oval 23">
+                  <a:extLst>
+                    <a:ext uri="{FF2B5EF4-FFF2-40B4-BE49-F238E27FC236}">
+                      <a16:creationId xmlns:a16="http://schemas.microsoft.com/office/drawing/2014/main" id="{73FA5E1E-BDF5-8FB2-54BE-C398493D9FAC}"/>
+                    </a:ext>
+                  </a:extLst>
+                </p:cNvPr>
+                <p:cNvSpPr/>
+                <p:nvPr/>
+              </p:nvSpPr>
+              <p:spPr>
+                <a:xfrm>
+                  <a:off x="955040" y="4135120"/>
+                  <a:ext cx="182880" cy="182880"/>
+                </a:xfrm>
+                <a:prstGeom prst="ellipse">
+                  <a:avLst/>
+                </a:prstGeom>
+              </p:spPr>
+              <p:style>
+                <a:lnRef idx="2">
+                  <a:schemeClr val="accent1">
+                    <a:shade val="50000"/>
+                  </a:schemeClr>
+                </a:lnRef>
+                <a:fillRef idx="1">
+                  <a:schemeClr val="accent1"/>
+                </a:fillRef>
+                <a:effectRef idx="0">
+                  <a:schemeClr val="accent1"/>
+                </a:effectRef>
+                <a:fontRef idx="minor">
+                  <a:schemeClr val="lt1"/>
+                </a:fontRef>
+              </p:style>
+              <p:txBody>
+                <a:bodyPr rtlCol="0" anchor="ctr"/>
+                <a:lstStyle/>
+                <a:p>
+                  <a:pPr algn="ctr"/>
+                  <a:endParaRPr lang="en-US"/>
+                </a:p>
+              </p:txBody>
+            </p:sp>
+            <p:sp>
+              <p:nvSpPr>
+                <p:cNvPr id="25" name="Oval 24">
+                  <a:extLst>
+                    <a:ext uri="{FF2B5EF4-FFF2-40B4-BE49-F238E27FC236}">
+                      <a16:creationId xmlns:a16="http://schemas.microsoft.com/office/drawing/2014/main" id="{DD5779F7-0B67-AB21-9066-DFE908A1FD4B}"/>
+                    </a:ext>
+                  </a:extLst>
+                </p:cNvPr>
+                <p:cNvSpPr/>
+                <p:nvPr/>
+              </p:nvSpPr>
+              <p:spPr>
+                <a:xfrm>
+                  <a:off x="1417320" y="4135120"/>
+                  <a:ext cx="182880" cy="182880"/>
+                </a:xfrm>
+                <a:prstGeom prst="ellipse">
+                  <a:avLst/>
+                </a:prstGeom>
+              </p:spPr>
+              <p:style>
+                <a:lnRef idx="2">
+                  <a:schemeClr val="accent1">
+                    <a:shade val="50000"/>
+                  </a:schemeClr>
+                </a:lnRef>
+                <a:fillRef idx="1">
+                  <a:schemeClr val="accent1"/>
+                </a:fillRef>
+                <a:effectRef idx="0">
+                  <a:schemeClr val="accent1"/>
+                </a:effectRef>
+                <a:fontRef idx="minor">
+                  <a:schemeClr val="lt1"/>
+                </a:fontRef>
+              </p:style>
+              <p:txBody>
+                <a:bodyPr rtlCol="0" anchor="ctr"/>
+                <a:lstStyle/>
+                <a:p>
+                  <a:pPr algn="ctr"/>
+                  <a:endParaRPr lang="en-US"/>
+                </a:p>
+              </p:txBody>
+            </p:sp>
+            <p:sp>
+              <p:nvSpPr>
+                <p:cNvPr id="31" name="Oval 30">
+                  <a:extLst>
+                    <a:ext uri="{FF2B5EF4-FFF2-40B4-BE49-F238E27FC236}">
+                      <a16:creationId xmlns:a16="http://schemas.microsoft.com/office/drawing/2014/main" id="{5C821D5A-F75D-A029-B076-98195ECC0232}"/>
+                    </a:ext>
+                  </a:extLst>
+                </p:cNvPr>
+                <p:cNvSpPr/>
+                <p:nvPr/>
+              </p:nvSpPr>
+              <p:spPr>
+                <a:xfrm>
+                  <a:off x="1884680" y="4152896"/>
+                  <a:ext cx="182880" cy="182880"/>
+                </a:xfrm>
+                <a:prstGeom prst="ellipse">
+                  <a:avLst/>
+                </a:prstGeom>
+              </p:spPr>
+              <p:style>
+                <a:lnRef idx="2">
+                  <a:schemeClr val="accent1">
+                    <a:shade val="50000"/>
+                  </a:schemeClr>
+                </a:lnRef>
+                <a:fillRef idx="1">
+                  <a:schemeClr val="accent1"/>
+                </a:fillRef>
+                <a:effectRef idx="0">
+                  <a:schemeClr val="accent1"/>
+                </a:effectRef>
+                <a:fontRef idx="minor">
+                  <a:schemeClr val="lt1"/>
+                </a:fontRef>
+              </p:style>
+              <p:txBody>
+                <a:bodyPr rtlCol="0" anchor="ctr"/>
+                <a:lstStyle/>
+                <a:p>
+                  <a:pPr algn="ctr"/>
+                  <a:endParaRPr lang="en-US"/>
+                </a:p>
+              </p:txBody>
+            </p:sp>
+          </p:grpSp>
+          <p:grpSp>
+            <p:nvGrpSpPr>
+              <p:cNvPr id="42" name="Group 41">
+                <a:extLst>
+                  <a:ext uri="{FF2B5EF4-FFF2-40B4-BE49-F238E27FC236}">
+                    <a16:creationId xmlns:a16="http://schemas.microsoft.com/office/drawing/2014/main" id="{A1DFC090-1F80-02C6-9C6C-5C5B48FC80BE}"/>
+                  </a:ext>
+                </a:extLst>
+              </p:cNvPr>
+              <p:cNvGrpSpPr/>
+              <p:nvPr/>
+            </p:nvGrpSpPr>
+            <p:grpSpPr>
+              <a:xfrm>
+                <a:off x="4373880" y="4152896"/>
+                <a:ext cx="1112520" cy="200656"/>
+                <a:chOff x="955040" y="4135120"/>
+                <a:chExt cx="1112520" cy="200656"/>
+              </a:xfrm>
+            </p:grpSpPr>
+            <p:sp>
+              <p:nvSpPr>
+                <p:cNvPr id="43" name="Oval 42">
+                  <a:extLst>
+                    <a:ext uri="{FF2B5EF4-FFF2-40B4-BE49-F238E27FC236}">
+                      <a16:creationId xmlns:a16="http://schemas.microsoft.com/office/drawing/2014/main" id="{C979150C-D1D4-199E-F1B8-235407804251}"/>
+                    </a:ext>
+                  </a:extLst>
+                </p:cNvPr>
+                <p:cNvSpPr/>
+                <p:nvPr/>
+              </p:nvSpPr>
+              <p:spPr>
+                <a:xfrm>
+                  <a:off x="955040" y="4135120"/>
+                  <a:ext cx="182880" cy="182880"/>
+                </a:xfrm>
+                <a:prstGeom prst="ellipse">
+                  <a:avLst/>
+                </a:prstGeom>
+              </p:spPr>
+              <p:style>
+                <a:lnRef idx="2">
+                  <a:schemeClr val="accent1">
+                    <a:shade val="50000"/>
+                  </a:schemeClr>
+                </a:lnRef>
+                <a:fillRef idx="1">
+                  <a:schemeClr val="accent1"/>
+                </a:fillRef>
+                <a:effectRef idx="0">
+                  <a:schemeClr val="accent1"/>
+                </a:effectRef>
+                <a:fontRef idx="minor">
+                  <a:schemeClr val="lt1"/>
+                </a:fontRef>
+              </p:style>
+              <p:txBody>
+                <a:bodyPr rtlCol="0" anchor="ctr"/>
+                <a:lstStyle/>
+                <a:p>
+                  <a:pPr algn="ctr"/>
+                  <a:endParaRPr lang="en-US" dirty="0"/>
+                </a:p>
+              </p:txBody>
+            </p:sp>
+            <p:sp>
+              <p:nvSpPr>
+                <p:cNvPr id="44" name="Oval 43">
+                  <a:extLst>
+                    <a:ext uri="{FF2B5EF4-FFF2-40B4-BE49-F238E27FC236}">
+                      <a16:creationId xmlns:a16="http://schemas.microsoft.com/office/drawing/2014/main" id="{FE383CEC-B95F-C83E-3075-815C416E762B}"/>
+                    </a:ext>
+                  </a:extLst>
+                </p:cNvPr>
+                <p:cNvSpPr/>
+                <p:nvPr/>
+              </p:nvSpPr>
+              <p:spPr>
+                <a:xfrm>
+                  <a:off x="1417320" y="4135120"/>
+                  <a:ext cx="182880" cy="182880"/>
+                </a:xfrm>
+                <a:prstGeom prst="ellipse">
+                  <a:avLst/>
+                </a:prstGeom>
+              </p:spPr>
+              <p:style>
+                <a:lnRef idx="2">
+                  <a:schemeClr val="accent1">
+                    <a:shade val="50000"/>
+                  </a:schemeClr>
+                </a:lnRef>
+                <a:fillRef idx="1">
+                  <a:schemeClr val="accent1"/>
+                </a:fillRef>
+                <a:effectRef idx="0">
+                  <a:schemeClr val="accent1"/>
+                </a:effectRef>
+                <a:fontRef idx="minor">
+                  <a:schemeClr val="lt1"/>
+                </a:fontRef>
+              </p:style>
+              <p:txBody>
+                <a:bodyPr rtlCol="0" anchor="ctr"/>
+                <a:lstStyle/>
+                <a:p>
+                  <a:pPr algn="ctr"/>
+                  <a:endParaRPr lang="en-US"/>
+                </a:p>
+              </p:txBody>
+            </p:sp>
+            <p:sp>
+              <p:nvSpPr>
+                <p:cNvPr id="45" name="Oval 44">
+                  <a:extLst>
+                    <a:ext uri="{FF2B5EF4-FFF2-40B4-BE49-F238E27FC236}">
+                      <a16:creationId xmlns:a16="http://schemas.microsoft.com/office/drawing/2014/main" id="{BEB34904-076E-0AD1-0B77-F96CA6691629}"/>
+                    </a:ext>
+                  </a:extLst>
+                </p:cNvPr>
+                <p:cNvSpPr/>
+                <p:nvPr/>
+              </p:nvSpPr>
+              <p:spPr>
+                <a:xfrm>
+                  <a:off x="1884680" y="4152896"/>
+                  <a:ext cx="182880" cy="182880"/>
+                </a:xfrm>
+                <a:prstGeom prst="ellipse">
+                  <a:avLst/>
+                </a:prstGeom>
+              </p:spPr>
+              <p:style>
+                <a:lnRef idx="2">
+                  <a:schemeClr val="accent1">
+                    <a:shade val="50000"/>
+                  </a:schemeClr>
+                </a:lnRef>
+                <a:fillRef idx="1">
+                  <a:schemeClr val="accent1"/>
+                </a:fillRef>
+                <a:effectRef idx="0">
+                  <a:schemeClr val="accent1"/>
+                </a:effectRef>
+                <a:fontRef idx="minor">
+                  <a:schemeClr val="lt1"/>
+                </a:fontRef>
+              </p:style>
+              <p:txBody>
+                <a:bodyPr rtlCol="0" anchor="ctr"/>
+                <a:lstStyle/>
+                <a:p>
+                  <a:pPr algn="ctr"/>
+                  <a:endParaRPr lang="en-US"/>
+                </a:p>
+              </p:txBody>
+            </p:sp>
+          </p:grpSp>
+          <p:sp>
+            <p:nvSpPr>
+              <p:cNvPr id="46" name="Rectangle: Rounded Corners 45">
+                <a:extLst>
+                  <a:ext uri="{FF2B5EF4-FFF2-40B4-BE49-F238E27FC236}">
+                    <a16:creationId xmlns:a16="http://schemas.microsoft.com/office/drawing/2014/main" id="{B9C42C22-3596-0DEB-0CFC-9D353E5C6205}"/>
+                  </a:ext>
+                </a:extLst>
+              </p:cNvPr>
+              <p:cNvSpPr/>
+              <p:nvPr/>
+            </p:nvSpPr>
+            <p:spPr>
+              <a:xfrm>
+                <a:off x="8849360" y="2773680"/>
+                <a:ext cx="1625600" cy="2143760"/>
+              </a:xfrm>
+              <a:prstGeom prst="roundRect">
+                <a:avLst/>
+              </a:prstGeom>
+              <a:solidFill>
+                <a:schemeClr val="bg1">
+                  <a:lumMod val="95000"/>
+                </a:schemeClr>
+              </a:solidFill>
+            </p:spPr>
+            <p:style>
+              <a:lnRef idx="2">
+                <a:schemeClr val="accent1">
+                  <a:shade val="50000"/>
+                </a:schemeClr>
+              </a:lnRef>
+              <a:fillRef idx="1">
+                <a:schemeClr val="accent1"/>
+              </a:fillRef>
+              <a:effectRef idx="0">
+                <a:schemeClr val="accent1"/>
+              </a:effectRef>
+              <a:fontRef idx="minor">
+                <a:schemeClr val="lt1"/>
+              </a:fontRef>
+            </p:style>
+            <p:txBody>
+              <a:bodyPr rtlCol="0" anchor="ctr"/>
+              <a:lstStyle/>
+              <a:p>
+                <a:pPr algn="ctr"/>
+                <a:endParaRPr lang="en-US"/>
+              </a:p>
+            </p:txBody>
+          </p:sp>
+          <p:sp>
+            <p:nvSpPr>
+              <p:cNvPr id="47" name="TextBox 46">
+                <a:extLst>
+                  <a:ext uri="{FF2B5EF4-FFF2-40B4-BE49-F238E27FC236}">
+                    <a16:creationId xmlns:a16="http://schemas.microsoft.com/office/drawing/2014/main" id="{C44A76F4-E8FE-D573-ACB1-7DE91FEC31B3}"/>
+                  </a:ext>
+                </a:extLst>
+              </p:cNvPr>
+              <p:cNvSpPr txBox="1"/>
+              <p:nvPr/>
+            </p:nvSpPr>
+            <p:spPr>
+              <a:xfrm>
+                <a:off x="845949" y="3088637"/>
+                <a:ext cx="1325619" cy="369332"/>
+              </a:xfrm>
+              <a:prstGeom prst="rect">
+                <a:avLst/>
+              </a:prstGeom>
+              <a:noFill/>
+            </p:spPr>
+            <p:txBody>
+              <a:bodyPr wrap="none" rtlCol="0">
+                <a:spAutoFit/>
+              </a:bodyPr>
+              <a:lstStyle/>
+              <a:p>
+                <a:r>
+                  <a:rPr lang="en-US" dirty="0"/>
+                  <a:t>Transformer</a:t>
+                </a:r>
+              </a:p>
+            </p:txBody>
+          </p:sp>
+          <p:sp>
+            <p:nvSpPr>
+              <p:cNvPr id="48" name="TextBox 47">
+                <a:extLst>
+                  <a:ext uri="{FF2B5EF4-FFF2-40B4-BE49-F238E27FC236}">
+                    <a16:creationId xmlns:a16="http://schemas.microsoft.com/office/drawing/2014/main" id="{6D24254F-A313-287A-6E9A-FC4955DB1727}"/>
+                  </a:ext>
+                </a:extLst>
+              </p:cNvPr>
+              <p:cNvSpPr txBox="1"/>
+              <p:nvPr/>
+            </p:nvSpPr>
+            <p:spPr>
+              <a:xfrm>
+                <a:off x="1065293" y="3378707"/>
+                <a:ext cx="910827" cy="369332"/>
+              </a:xfrm>
+              <a:prstGeom prst="rect">
+                <a:avLst/>
+              </a:prstGeom>
+              <a:noFill/>
+            </p:spPr>
+            <p:txBody>
+              <a:bodyPr wrap="none" rtlCol="0">
+                <a:spAutoFit/>
+              </a:bodyPr>
+              <a:lstStyle/>
+              <a:p>
+                <a:r>
+                  <a:rPr lang="en-US" dirty="0"/>
+                  <a:t>12-0-12</a:t>
+                </a:r>
+              </a:p>
+            </p:txBody>
+          </p:sp>
+          <p:sp>
+            <p:nvSpPr>
+              <p:cNvPr id="49" name="TextBox 48">
+                <a:extLst>
+                  <a:ext uri="{FF2B5EF4-FFF2-40B4-BE49-F238E27FC236}">
+                    <a16:creationId xmlns:a16="http://schemas.microsoft.com/office/drawing/2014/main" id="{C2311545-5318-CE8A-DF3F-8D106098268E}"/>
+                  </a:ext>
+                </a:extLst>
+              </p:cNvPr>
+              <p:cNvSpPr txBox="1"/>
+              <p:nvPr/>
+            </p:nvSpPr>
+            <p:spPr>
+              <a:xfrm>
+                <a:off x="7620000" y="1757681"/>
+                <a:ext cx="2265680" cy="369332"/>
+              </a:xfrm>
+              <a:prstGeom prst="rect">
+                <a:avLst/>
+              </a:prstGeom>
+              <a:noFill/>
+            </p:spPr>
+            <p:txBody>
+              <a:bodyPr wrap="square" rtlCol="0">
+                <a:spAutoFit/>
+              </a:bodyPr>
+              <a:lstStyle/>
+              <a:p>
+                <a:r>
+                  <a:rPr lang="en-US" dirty="0"/>
+                  <a:t>Base Board</a:t>
+                </a:r>
+              </a:p>
+            </p:txBody>
+          </p:sp>
+          <p:sp>
+            <p:nvSpPr>
+              <p:cNvPr id="50" name="TextBox 49">
+                <a:extLst>
+                  <a:ext uri="{FF2B5EF4-FFF2-40B4-BE49-F238E27FC236}">
+                    <a16:creationId xmlns:a16="http://schemas.microsoft.com/office/drawing/2014/main" id="{300D22E0-CBB3-61EB-8141-FA387D834838}"/>
+                  </a:ext>
+                </a:extLst>
+              </p:cNvPr>
+              <p:cNvSpPr txBox="1"/>
+              <p:nvPr/>
+            </p:nvSpPr>
+            <p:spPr>
+              <a:xfrm>
+                <a:off x="4013200" y="2615679"/>
+                <a:ext cx="2265680" cy="369332"/>
+              </a:xfrm>
+              <a:prstGeom prst="rect">
+                <a:avLst/>
+              </a:prstGeom>
+              <a:noFill/>
+            </p:spPr>
+            <p:txBody>
+              <a:bodyPr wrap="square" rtlCol="0">
+                <a:spAutoFit/>
+              </a:bodyPr>
+              <a:lstStyle/>
+              <a:p>
+                <a:r>
+                  <a:rPr lang="en-US" dirty="0"/>
+                  <a:t>Power supply board</a:t>
+                </a:r>
+              </a:p>
+            </p:txBody>
+          </p:sp>
+          <p:sp>
+            <p:nvSpPr>
+              <p:cNvPr id="51" name="TextBox 50">
+                <a:extLst>
+                  <a:ext uri="{FF2B5EF4-FFF2-40B4-BE49-F238E27FC236}">
+                    <a16:creationId xmlns:a16="http://schemas.microsoft.com/office/drawing/2014/main" id="{0F25302A-DDF5-B8CE-CF21-4BBE2FF5E3F4}"/>
+                  </a:ext>
+                </a:extLst>
+              </p:cNvPr>
+              <p:cNvSpPr txBox="1"/>
+              <p:nvPr/>
+            </p:nvSpPr>
+            <p:spPr>
+              <a:xfrm>
+                <a:off x="8890000" y="3601226"/>
+                <a:ext cx="1544320" cy="369332"/>
+              </a:xfrm>
+              <a:prstGeom prst="rect">
+                <a:avLst/>
+              </a:prstGeom>
+              <a:noFill/>
+            </p:spPr>
+            <p:txBody>
+              <a:bodyPr wrap="square" rtlCol="0">
+                <a:spAutoFit/>
+              </a:bodyPr>
+              <a:lstStyle/>
+              <a:p>
+                <a:pPr algn="ctr"/>
+                <a:r>
+                  <a:rPr lang="en-US" dirty="0"/>
+                  <a:t>Arduino uno</a:t>
+                </a:r>
+              </a:p>
+            </p:txBody>
+          </p:sp>
+          <p:grpSp>
+            <p:nvGrpSpPr>
+              <p:cNvPr id="52" name="Group 51">
+                <a:extLst>
+                  <a:ext uri="{FF2B5EF4-FFF2-40B4-BE49-F238E27FC236}">
+                    <a16:creationId xmlns:a16="http://schemas.microsoft.com/office/drawing/2014/main" id="{0A42A00F-C1DD-51B2-47A0-40094340693B}"/>
+                  </a:ext>
+                </a:extLst>
+              </p:cNvPr>
+              <p:cNvGrpSpPr/>
+              <p:nvPr/>
+            </p:nvGrpSpPr>
+            <p:grpSpPr>
+              <a:xfrm rot="5400000">
+                <a:off x="7496812" y="3696964"/>
+                <a:ext cx="1112520" cy="200656"/>
+                <a:chOff x="955040" y="4135120"/>
+                <a:chExt cx="1112520" cy="200656"/>
+              </a:xfrm>
+            </p:grpSpPr>
+            <p:sp>
+              <p:nvSpPr>
+                <p:cNvPr id="53" name="Oval 52">
+                  <a:extLst>
+                    <a:ext uri="{FF2B5EF4-FFF2-40B4-BE49-F238E27FC236}">
+                      <a16:creationId xmlns:a16="http://schemas.microsoft.com/office/drawing/2014/main" id="{3BF21D59-2800-3642-838E-E30522265959}"/>
+                    </a:ext>
+                  </a:extLst>
+                </p:cNvPr>
+                <p:cNvSpPr/>
+                <p:nvPr/>
+              </p:nvSpPr>
+              <p:spPr>
+                <a:xfrm>
+                  <a:off x="955040" y="4135120"/>
+                  <a:ext cx="182880" cy="182880"/>
+                </a:xfrm>
+                <a:prstGeom prst="ellipse">
+                  <a:avLst/>
+                </a:prstGeom>
+              </p:spPr>
+              <p:style>
+                <a:lnRef idx="2">
+                  <a:schemeClr val="accent1">
+                    <a:shade val="50000"/>
+                  </a:schemeClr>
+                </a:lnRef>
+                <a:fillRef idx="1">
+                  <a:schemeClr val="accent1"/>
+                </a:fillRef>
+                <a:effectRef idx="0">
+                  <a:schemeClr val="accent1"/>
+                </a:effectRef>
+                <a:fontRef idx="minor">
+                  <a:schemeClr val="lt1"/>
+                </a:fontRef>
+              </p:style>
+              <p:txBody>
+                <a:bodyPr rtlCol="0" anchor="ctr"/>
+                <a:lstStyle/>
+                <a:p>
+                  <a:pPr algn="ctr"/>
+                  <a:endParaRPr lang="en-US"/>
+                </a:p>
+              </p:txBody>
+            </p:sp>
+            <p:sp>
+              <p:nvSpPr>
+                <p:cNvPr id="54" name="Oval 53">
+                  <a:extLst>
+                    <a:ext uri="{FF2B5EF4-FFF2-40B4-BE49-F238E27FC236}">
+                      <a16:creationId xmlns:a16="http://schemas.microsoft.com/office/drawing/2014/main" id="{08D0D142-6C09-A55F-A4C6-640CC7A2ED2F}"/>
+                    </a:ext>
+                  </a:extLst>
+                </p:cNvPr>
+                <p:cNvSpPr/>
+                <p:nvPr/>
+              </p:nvSpPr>
+              <p:spPr>
+                <a:xfrm>
+                  <a:off x="1417320" y="4135120"/>
+                  <a:ext cx="182880" cy="182880"/>
+                </a:xfrm>
+                <a:prstGeom prst="ellipse">
+                  <a:avLst/>
+                </a:prstGeom>
+              </p:spPr>
+              <p:style>
+                <a:lnRef idx="2">
+                  <a:schemeClr val="accent1">
+                    <a:shade val="50000"/>
+                  </a:schemeClr>
+                </a:lnRef>
+                <a:fillRef idx="1">
+                  <a:schemeClr val="accent1"/>
+                </a:fillRef>
+                <a:effectRef idx="0">
+                  <a:schemeClr val="accent1"/>
+                </a:effectRef>
+                <a:fontRef idx="minor">
+                  <a:schemeClr val="lt1"/>
+                </a:fontRef>
+              </p:style>
+              <p:txBody>
+                <a:bodyPr rtlCol="0" anchor="ctr"/>
+                <a:lstStyle/>
+                <a:p>
+                  <a:pPr algn="ctr"/>
+                  <a:endParaRPr lang="en-US"/>
+                </a:p>
+              </p:txBody>
+            </p:sp>
+            <p:sp>
+              <p:nvSpPr>
+                <p:cNvPr id="55" name="Oval 54">
+                  <a:extLst>
+                    <a:ext uri="{FF2B5EF4-FFF2-40B4-BE49-F238E27FC236}">
+                      <a16:creationId xmlns:a16="http://schemas.microsoft.com/office/drawing/2014/main" id="{41195699-1EB3-8B52-437C-9FF0AEC6246B}"/>
+                    </a:ext>
+                  </a:extLst>
+                </p:cNvPr>
+                <p:cNvSpPr/>
+                <p:nvPr/>
+              </p:nvSpPr>
+              <p:spPr>
+                <a:xfrm>
+                  <a:off x="1884680" y="4152896"/>
+                  <a:ext cx="182880" cy="182880"/>
+                </a:xfrm>
+                <a:prstGeom prst="ellipse">
+                  <a:avLst/>
+                </a:prstGeom>
+              </p:spPr>
+              <p:style>
+                <a:lnRef idx="2">
+                  <a:schemeClr val="accent1">
+                    <a:shade val="50000"/>
+                  </a:schemeClr>
+                </a:lnRef>
+                <a:fillRef idx="1">
+                  <a:schemeClr val="accent1"/>
+                </a:fillRef>
+                <a:effectRef idx="0">
+                  <a:schemeClr val="accent1"/>
+                </a:effectRef>
+                <a:fontRef idx="minor">
+                  <a:schemeClr val="lt1"/>
+                </a:fontRef>
+              </p:style>
+              <p:txBody>
+                <a:bodyPr rtlCol="0" anchor="ctr"/>
+                <a:lstStyle/>
+                <a:p>
+                  <a:pPr algn="ctr"/>
+                  <a:endParaRPr lang="en-US"/>
+                </a:p>
+              </p:txBody>
+            </p:sp>
+          </p:grpSp>
+          <p:sp>
+            <p:nvSpPr>
+              <p:cNvPr id="56" name="Isosceles Triangle 55">
+                <a:extLst>
+                  <a:ext uri="{FF2B5EF4-FFF2-40B4-BE49-F238E27FC236}">
+                    <a16:creationId xmlns:a16="http://schemas.microsoft.com/office/drawing/2014/main" id="{7E5A791F-4569-946D-A269-C8603920BD97}"/>
+                  </a:ext>
+                </a:extLst>
+              </p:cNvPr>
+              <p:cNvSpPr/>
+              <p:nvPr/>
+            </p:nvSpPr>
+            <p:spPr>
+              <a:xfrm flipV="1">
+                <a:off x="1381005" y="5506720"/>
+                <a:ext cx="279402" cy="314960"/>
+              </a:xfrm>
+              <a:prstGeom prst="triangle">
+                <a:avLst/>
+              </a:prstGeom>
+            </p:spPr>
+            <p:style>
+              <a:lnRef idx="2">
+                <a:schemeClr val="accent1">
+                  <a:shade val="50000"/>
+                </a:schemeClr>
+              </a:lnRef>
+              <a:fillRef idx="1">
+                <a:schemeClr val="accent1"/>
+              </a:fillRef>
+              <a:effectRef idx="0">
+                <a:schemeClr val="accent1"/>
+              </a:effectRef>
+              <a:fontRef idx="minor">
+                <a:schemeClr val="lt1"/>
+              </a:fontRef>
+            </p:style>
+            <p:txBody>
+              <a:bodyPr rtlCol="0" anchor="ctr"/>
+              <a:lstStyle/>
+              <a:p>
+                <a:pPr algn="ctr"/>
+                <a:endParaRPr lang="en-US"/>
+              </a:p>
+            </p:txBody>
+          </p:sp>
+          <p:cxnSp>
+            <p:nvCxnSpPr>
+              <p:cNvPr id="58" name="Straight Connector 57">
+                <a:extLst>
+                  <a:ext uri="{FF2B5EF4-FFF2-40B4-BE49-F238E27FC236}">
+                    <a16:creationId xmlns:a16="http://schemas.microsoft.com/office/drawing/2014/main" id="{4D127C34-C0FD-9517-85CD-8F85D256A726}"/>
+                  </a:ext>
+                </a:extLst>
+              </p:cNvPr>
+              <p:cNvCxnSpPr>
+                <a:cxnSpLocks/>
+                <a:stCxn id="25" idx="4"/>
+                <a:endCxn id="56" idx="3"/>
+              </p:cNvCxnSpPr>
+              <p:nvPr/>
+            </p:nvCxnSpPr>
+            <p:spPr>
+              <a:xfrm>
+                <a:off x="1508760" y="4318000"/>
+                <a:ext cx="11946" cy="1188720"/>
+              </a:xfrm>
+              <a:prstGeom prst="line">
+                <a:avLst/>
+              </a:prstGeom>
+              <a:ln w="28575"/>
+            </p:spPr>
+            <p:style>
+              <a:lnRef idx="1">
+                <a:schemeClr val="accent1"/>
+              </a:lnRef>
+              <a:fillRef idx="0">
+                <a:schemeClr val="accent1"/>
+              </a:fillRef>
+              <a:effectRef idx="0">
+                <a:schemeClr val="accent1"/>
+              </a:effectRef>
+              <a:fontRef idx="minor">
+                <a:schemeClr val="tx1"/>
+              </a:fontRef>
+            </p:style>
+          </p:cxnSp>
+          <p:sp>
+            <p:nvSpPr>
+              <p:cNvPr id="66" name="Oval 65">
+                <a:extLst>
+                  <a:ext uri="{FF2B5EF4-FFF2-40B4-BE49-F238E27FC236}">
+                    <a16:creationId xmlns:a16="http://schemas.microsoft.com/office/drawing/2014/main" id="{CB53EF21-3611-51C7-6296-050834A1CDB9}"/>
+                  </a:ext>
+                </a:extLst>
+              </p:cNvPr>
+              <p:cNvSpPr/>
+              <p:nvPr/>
+            </p:nvSpPr>
+            <p:spPr>
+              <a:xfrm>
+                <a:off x="4373880" y="3378707"/>
+                <a:ext cx="182880" cy="182880"/>
+              </a:xfrm>
+              <a:prstGeom prst="ellipse">
+                <a:avLst/>
+              </a:prstGeom>
+            </p:spPr>
+            <p:style>
+              <a:lnRef idx="2">
+                <a:schemeClr val="accent1">
+                  <a:shade val="50000"/>
+                </a:schemeClr>
+              </a:lnRef>
+              <a:fillRef idx="1">
+                <a:schemeClr val="accent1"/>
+              </a:fillRef>
+              <a:effectRef idx="0">
+                <a:schemeClr val="accent1"/>
+              </a:effectRef>
+              <a:fontRef idx="minor">
+                <a:schemeClr val="lt1"/>
+              </a:fontRef>
+            </p:style>
+            <p:txBody>
+              <a:bodyPr rtlCol="0" anchor="ctr"/>
+              <a:lstStyle/>
+              <a:p>
+                <a:pPr algn="ctr"/>
+                <a:endParaRPr lang="en-US"/>
+              </a:p>
+            </p:txBody>
+          </p:sp>
+          <p:sp>
+            <p:nvSpPr>
+              <p:cNvPr id="69" name="TextBox 68">
+                <a:extLst>
+                  <a:ext uri="{FF2B5EF4-FFF2-40B4-BE49-F238E27FC236}">
+                    <a16:creationId xmlns:a16="http://schemas.microsoft.com/office/drawing/2014/main" id="{19FDE1F8-46D7-21A1-B5E9-67CD13C73C2D}"/>
+                  </a:ext>
+                </a:extLst>
+              </p:cNvPr>
+              <p:cNvSpPr txBox="1"/>
+              <p:nvPr/>
+            </p:nvSpPr>
+            <p:spPr>
+              <a:xfrm>
+                <a:off x="4617720" y="3257523"/>
+                <a:ext cx="970280" cy="369332"/>
+              </a:xfrm>
+              <a:prstGeom prst="rect">
+                <a:avLst/>
+              </a:prstGeom>
+              <a:noFill/>
+            </p:spPr>
+            <p:txBody>
+              <a:bodyPr wrap="square" rtlCol="0">
+                <a:spAutoFit/>
+              </a:bodyPr>
+              <a:lstStyle/>
+              <a:p>
+                <a:r>
+                  <a:rPr lang="en-US" dirty="0"/>
+                  <a:t>P</a:t>
+                </a:r>
+                <a:r>
+                  <a:rPr lang="en-US" baseline="-25000" dirty="0"/>
+                  <a:t>in</a:t>
+                </a:r>
+              </a:p>
+            </p:txBody>
+          </p:sp>
+          <p:cxnSp>
+            <p:nvCxnSpPr>
+              <p:cNvPr id="11" name="Connector: Elbow 10">
+                <a:extLst>
+                  <a:ext uri="{FF2B5EF4-FFF2-40B4-BE49-F238E27FC236}">
+                    <a16:creationId xmlns:a16="http://schemas.microsoft.com/office/drawing/2014/main" id="{9FA2BEBF-F202-4152-CE51-D55AF6634C45}"/>
+                  </a:ext>
+                </a:extLst>
+              </p:cNvPr>
+              <p:cNvCxnSpPr>
+                <a:cxnSpLocks/>
+                <a:stCxn id="31" idx="6"/>
+              </p:cNvCxnSpPr>
+              <p:nvPr/>
+            </p:nvCxnSpPr>
+            <p:spPr>
+              <a:xfrm flipV="1">
+                <a:off x="2067560" y="3455799"/>
+                <a:ext cx="2306320" cy="788537"/>
+              </a:xfrm>
+              <a:prstGeom prst="bentConnector3">
+                <a:avLst>
+                  <a:gd name="adj1" fmla="val 35545"/>
+                </a:avLst>
+              </a:prstGeom>
+              <a:ln w="28575">
+                <a:tailEnd type="triangle"/>
+              </a:ln>
+            </p:spPr>
+            <p:style>
+              <a:lnRef idx="1">
+                <a:schemeClr val="accent1"/>
+              </a:lnRef>
+              <a:fillRef idx="0">
+                <a:schemeClr val="accent1"/>
+              </a:fillRef>
+              <a:effectRef idx="0">
+                <a:schemeClr val="accent1"/>
+              </a:effectRef>
+              <a:fontRef idx="minor">
+                <a:schemeClr val="tx1"/>
+              </a:fontRef>
+            </p:style>
+          </p:cxnSp>
+          <p:sp>
+            <p:nvSpPr>
+              <p:cNvPr id="14" name="TextBox 13">
+                <a:extLst>
+                  <a:ext uri="{FF2B5EF4-FFF2-40B4-BE49-F238E27FC236}">
+                    <a16:creationId xmlns:a16="http://schemas.microsoft.com/office/drawing/2014/main" id="{ECFF137F-5F7C-C8AF-6C67-8C746ECE8CA4}"/>
+                  </a:ext>
+                </a:extLst>
+              </p:cNvPr>
+              <p:cNvSpPr txBox="1"/>
+              <p:nvPr/>
+            </p:nvSpPr>
+            <p:spPr>
+              <a:xfrm>
+                <a:off x="4239397" y="3809351"/>
+                <a:ext cx="635754" cy="307777"/>
+              </a:xfrm>
+              <a:prstGeom prst="rect">
+                <a:avLst/>
+              </a:prstGeom>
+              <a:noFill/>
+            </p:spPr>
+            <p:txBody>
+              <a:bodyPr wrap="square" rtlCol="0">
+                <a:spAutoFit/>
+              </a:bodyPr>
+              <a:lstStyle/>
+              <a:p>
+                <a:r>
+                  <a:rPr lang="en-US" sz="1400" dirty="0">
+                    <a:latin typeface="Times New Roman" panose="02020603050405020304" pitchFamily="18" charset="0"/>
+                    <a:cs typeface="Times New Roman" panose="02020603050405020304" pitchFamily="18" charset="0"/>
+                  </a:rPr>
+                  <a:t>12v</a:t>
+                </a:r>
+                <a:endParaRPr lang="en-US" dirty="0">
+                  <a:latin typeface="Times New Roman" panose="02020603050405020304" pitchFamily="18" charset="0"/>
+                  <a:cs typeface="Times New Roman" panose="02020603050405020304" pitchFamily="18" charset="0"/>
+                </a:endParaRPr>
+              </a:p>
+            </p:txBody>
+          </p:sp>
+          <p:sp>
+            <p:nvSpPr>
+              <p:cNvPr id="17" name="TextBox 16">
+                <a:extLst>
+                  <a:ext uri="{FF2B5EF4-FFF2-40B4-BE49-F238E27FC236}">
+                    <a16:creationId xmlns:a16="http://schemas.microsoft.com/office/drawing/2014/main" id="{40B48BDF-953A-EE3A-9F9A-026EEFC58FCF}"/>
+                  </a:ext>
+                </a:extLst>
+              </p:cNvPr>
+              <p:cNvSpPr txBox="1"/>
+              <p:nvPr/>
+            </p:nvSpPr>
+            <p:spPr>
+              <a:xfrm>
+                <a:off x="4684516" y="3816669"/>
+                <a:ext cx="635754" cy="307777"/>
+              </a:xfrm>
+              <a:prstGeom prst="rect">
+                <a:avLst/>
+              </a:prstGeom>
+              <a:noFill/>
+            </p:spPr>
+            <p:txBody>
+              <a:bodyPr wrap="square">
+                <a:spAutoFit/>
+              </a:bodyPr>
+              <a:lstStyle/>
+              <a:p>
+                <a:r>
+                  <a:rPr lang="en-US" sz="1400" dirty="0">
+                    <a:latin typeface="Times New Roman" panose="02020603050405020304" pitchFamily="18" charset="0"/>
+                    <a:cs typeface="Times New Roman" panose="02020603050405020304" pitchFamily="18" charset="0"/>
+                  </a:rPr>
+                  <a:t>3.3v</a:t>
+                </a:r>
+                <a:endParaRPr lang="en-US" dirty="0"/>
+              </a:p>
+            </p:txBody>
+          </p:sp>
+          <p:sp>
+            <p:nvSpPr>
+              <p:cNvPr id="19" name="TextBox 18">
+                <a:extLst>
+                  <a:ext uri="{FF2B5EF4-FFF2-40B4-BE49-F238E27FC236}">
+                    <a16:creationId xmlns:a16="http://schemas.microsoft.com/office/drawing/2014/main" id="{E1B76CAD-409E-E4BE-A5D3-6B3257A6D52C}"/>
+                  </a:ext>
+                </a:extLst>
+              </p:cNvPr>
+              <p:cNvSpPr txBox="1"/>
+              <p:nvPr/>
+            </p:nvSpPr>
+            <p:spPr>
+              <a:xfrm>
+                <a:off x="5219220" y="3816669"/>
+                <a:ext cx="619760" cy="307777"/>
+              </a:xfrm>
+              <a:prstGeom prst="rect">
+                <a:avLst/>
+              </a:prstGeom>
+              <a:noFill/>
+            </p:spPr>
+            <p:txBody>
+              <a:bodyPr wrap="square">
+                <a:spAutoFit/>
+              </a:bodyPr>
+              <a:lstStyle/>
+              <a:p>
+                <a:r>
+                  <a:rPr lang="en-US" sz="1400" dirty="0">
+                    <a:latin typeface="Times New Roman" panose="02020603050405020304" pitchFamily="18" charset="0"/>
+                    <a:cs typeface="Times New Roman" panose="02020603050405020304" pitchFamily="18" charset="0"/>
+                  </a:rPr>
+                  <a:t>5v</a:t>
+                </a:r>
+                <a:endParaRPr lang="en-US" dirty="0"/>
+              </a:p>
+            </p:txBody>
+          </p:sp>
+          <p:cxnSp>
+            <p:nvCxnSpPr>
+              <p:cNvPr id="20" name="Connector: Elbow 19">
+                <a:extLst>
+                  <a:ext uri="{FF2B5EF4-FFF2-40B4-BE49-F238E27FC236}">
+                    <a16:creationId xmlns:a16="http://schemas.microsoft.com/office/drawing/2014/main" id="{007B8A10-A2E2-01BD-A2E7-2040E2ECE4F2}"/>
+                  </a:ext>
+                </a:extLst>
+              </p:cNvPr>
+              <p:cNvCxnSpPr>
+                <a:cxnSpLocks/>
+                <a:stCxn id="43" idx="4"/>
+              </p:cNvCxnSpPr>
+              <p:nvPr/>
+            </p:nvCxnSpPr>
+            <p:spPr>
+              <a:xfrm rot="5400000" flipH="1" flipV="1">
+                <a:off x="6182992" y="2558408"/>
+                <a:ext cx="59696" cy="3495040"/>
+              </a:xfrm>
+              <a:prstGeom prst="bentConnector4">
+                <a:avLst>
+                  <a:gd name="adj1" fmla="val -1191370"/>
+                  <a:gd name="adj2" fmla="val 86192"/>
+                </a:avLst>
+              </a:prstGeom>
+              <a:ln w="28575">
+                <a:tailEnd type="triangle"/>
+              </a:ln>
+            </p:spPr>
+            <p:style>
+              <a:lnRef idx="1">
+                <a:schemeClr val="accent1"/>
+              </a:lnRef>
+              <a:fillRef idx="0">
+                <a:schemeClr val="accent1"/>
+              </a:fillRef>
+              <a:effectRef idx="0">
+                <a:schemeClr val="accent1"/>
+              </a:effectRef>
+              <a:fontRef idx="minor">
+                <a:schemeClr val="tx1"/>
+              </a:fontRef>
+            </p:style>
+          </p:cxnSp>
+          <p:sp>
+            <p:nvSpPr>
+              <p:cNvPr id="28" name="Rectangle 27">
+                <a:extLst>
+                  <a:ext uri="{FF2B5EF4-FFF2-40B4-BE49-F238E27FC236}">
+                    <a16:creationId xmlns:a16="http://schemas.microsoft.com/office/drawing/2014/main" id="{5063829E-783E-ADF5-EC25-E15930D9B133}"/>
+                  </a:ext>
+                </a:extLst>
+              </p:cNvPr>
+              <p:cNvSpPr/>
+              <p:nvPr/>
+            </p:nvSpPr>
+            <p:spPr>
+              <a:xfrm>
+                <a:off x="5588000" y="1382931"/>
+                <a:ext cx="1206500" cy="539835"/>
+              </a:xfrm>
+              <a:prstGeom prst="rect">
+                <a:avLst/>
+              </a:prstGeom>
+              <a:noFill/>
+              <a:ln w="19050"/>
+            </p:spPr>
+            <p:style>
+              <a:lnRef idx="2">
+                <a:schemeClr val="accent1">
+                  <a:shade val="15000"/>
+                </a:schemeClr>
+              </a:lnRef>
+              <a:fillRef idx="1">
+                <a:schemeClr val="accent1"/>
+              </a:fillRef>
+              <a:effectRef idx="0">
+                <a:schemeClr val="accent1"/>
+              </a:effectRef>
+              <a:fontRef idx="minor">
+                <a:schemeClr val="lt1"/>
+              </a:fontRef>
+            </p:style>
+            <p:txBody>
+              <a:bodyPr rtlCol="0" anchor="ctr"/>
+              <a:lstStyle/>
+              <a:p>
+                <a:pPr algn="ctr"/>
+                <a:endParaRPr lang="en-US">
+                  <a:ln w="0"/>
+                  <a:solidFill>
+                    <a:schemeClr val="tx1"/>
+                  </a:solidFill>
+                  <a:effectLst>
+                    <a:outerShdw blurRad="38100" dist="19050" dir="2700000" algn="tl" rotWithShape="0">
+                      <a:schemeClr val="dk1">
+                        <a:alpha val="40000"/>
+                      </a:schemeClr>
+                    </a:outerShdw>
+                  </a:effectLst>
+                </a:endParaRPr>
+              </a:p>
+            </p:txBody>
+          </p:sp>
+          <p:sp>
+            <p:nvSpPr>
+              <p:cNvPr id="29" name="TextBox 28">
+                <a:extLst>
+                  <a:ext uri="{FF2B5EF4-FFF2-40B4-BE49-F238E27FC236}">
+                    <a16:creationId xmlns:a16="http://schemas.microsoft.com/office/drawing/2014/main" id="{66C77398-408B-292D-3EB1-2DF542110302}"/>
+                  </a:ext>
+                </a:extLst>
+              </p:cNvPr>
+              <p:cNvSpPr txBox="1"/>
+              <p:nvPr/>
+            </p:nvSpPr>
+            <p:spPr>
+              <a:xfrm>
+                <a:off x="5588000" y="1396920"/>
+                <a:ext cx="1206500" cy="461665"/>
+              </a:xfrm>
+              <a:prstGeom prst="rect">
+                <a:avLst/>
+              </a:prstGeom>
+              <a:noFill/>
+            </p:spPr>
+            <p:txBody>
+              <a:bodyPr wrap="square" rtlCol="0">
+                <a:spAutoFit/>
+              </a:bodyPr>
+              <a:lstStyle/>
+              <a:p>
+                <a:r>
+                  <a:rPr lang="en-US" sz="2400" dirty="0"/>
+                  <a:t>Sensors</a:t>
+                </a:r>
+                <a:endParaRPr lang="en-US" dirty="0"/>
+              </a:p>
+            </p:txBody>
+          </p:sp>
+          <p:cxnSp>
+            <p:nvCxnSpPr>
+              <p:cNvPr id="39" name="Connector: Elbow 38">
+                <a:extLst>
+                  <a:ext uri="{FF2B5EF4-FFF2-40B4-BE49-F238E27FC236}">
+                    <a16:creationId xmlns:a16="http://schemas.microsoft.com/office/drawing/2014/main" id="{57C93AFD-8DC5-7192-114C-5FBAC34441CE}"/>
+                  </a:ext>
+                </a:extLst>
+              </p:cNvPr>
+              <p:cNvCxnSpPr>
+                <a:cxnSpLocks/>
+                <a:stCxn id="44" idx="4"/>
+                <a:endCxn id="54" idx="4"/>
+              </p:cNvCxnSpPr>
+              <p:nvPr/>
+            </p:nvCxnSpPr>
+            <p:spPr>
+              <a:xfrm rot="5400000" flipH="1" flipV="1">
+                <a:off x="6178548" y="2543804"/>
+                <a:ext cx="541024" cy="3042920"/>
+              </a:xfrm>
+              <a:prstGeom prst="bentConnector4">
+                <a:avLst>
+                  <a:gd name="adj1" fmla="val -96243"/>
+                  <a:gd name="adj2" fmla="val 51503"/>
+                </a:avLst>
+              </a:prstGeom>
+              <a:ln w="28575">
+                <a:solidFill>
+                  <a:schemeClr val="accent1"/>
+                </a:solidFill>
+                <a:tailEnd type="triangle"/>
+              </a:ln>
+            </p:spPr>
+            <p:style>
+              <a:lnRef idx="1">
+                <a:schemeClr val="accent1"/>
+              </a:lnRef>
+              <a:fillRef idx="0">
+                <a:schemeClr val="accent1"/>
+              </a:fillRef>
+              <a:effectRef idx="0">
+                <a:schemeClr val="accent1"/>
+              </a:effectRef>
+              <a:fontRef idx="minor">
+                <a:schemeClr val="tx1"/>
+              </a:fontRef>
+            </p:style>
+          </p:cxnSp>
+          <p:cxnSp>
+            <p:nvCxnSpPr>
+              <p:cNvPr id="62" name="Connector: Elbow 61">
+                <a:extLst>
+                  <a:ext uri="{FF2B5EF4-FFF2-40B4-BE49-F238E27FC236}">
+                    <a16:creationId xmlns:a16="http://schemas.microsoft.com/office/drawing/2014/main" id="{CD9EA851-EE78-98BD-22BB-DD4F6C930355}"/>
+                  </a:ext>
+                </a:extLst>
+              </p:cNvPr>
+              <p:cNvCxnSpPr>
+                <a:cxnSpLocks/>
+                <a:endCxn id="28" idx="2"/>
+              </p:cNvCxnSpPr>
+              <p:nvPr/>
+            </p:nvCxnSpPr>
+            <p:spPr>
+              <a:xfrm rot="5400000" flipH="1" flipV="1">
+                <a:off x="4674987" y="2745849"/>
+                <a:ext cx="2339346" cy="693180"/>
+              </a:xfrm>
+              <a:prstGeom prst="bentConnector3">
+                <a:avLst>
+                  <a:gd name="adj1" fmla="val -1031"/>
+                </a:avLst>
+              </a:prstGeom>
+              <a:ln w="28575">
+                <a:tailEnd type="triangle"/>
+              </a:ln>
+            </p:spPr>
+            <p:style>
+              <a:lnRef idx="1">
+                <a:schemeClr val="accent1"/>
+              </a:lnRef>
+              <a:fillRef idx="0">
+                <a:schemeClr val="accent1"/>
+              </a:fillRef>
+              <a:effectRef idx="0">
+                <a:schemeClr val="accent1"/>
+              </a:effectRef>
+              <a:fontRef idx="minor">
+                <a:schemeClr val="tx1"/>
+              </a:fontRef>
+            </p:style>
+          </p:cxnSp>
+          <p:cxnSp>
+            <p:nvCxnSpPr>
+              <p:cNvPr id="75" name="Connector: Elbow 74">
+                <a:extLst>
+                  <a:ext uri="{FF2B5EF4-FFF2-40B4-BE49-F238E27FC236}">
+                    <a16:creationId xmlns:a16="http://schemas.microsoft.com/office/drawing/2014/main" id="{8BB4B31C-0682-0339-F4E6-5887C0898391}"/>
+                  </a:ext>
+                </a:extLst>
+              </p:cNvPr>
+              <p:cNvCxnSpPr>
+                <a:cxnSpLocks/>
+                <a:stCxn id="29" idx="3"/>
+                <a:endCxn id="53" idx="4"/>
+              </p:cNvCxnSpPr>
+              <p:nvPr/>
+            </p:nvCxnSpPr>
+            <p:spPr>
+              <a:xfrm>
+                <a:off x="6794500" y="1627753"/>
+                <a:ext cx="1176020" cy="1704719"/>
+              </a:xfrm>
+              <a:prstGeom prst="bentConnector3">
+                <a:avLst>
+                  <a:gd name="adj1" fmla="val 50000"/>
+                </a:avLst>
+              </a:prstGeom>
+              <a:ln w="28575">
+                <a:tailEnd type="triangle"/>
+              </a:ln>
+            </p:spPr>
+            <p:style>
+              <a:lnRef idx="1">
+                <a:schemeClr val="accent1"/>
+              </a:lnRef>
+              <a:fillRef idx="0">
+                <a:schemeClr val="accent1"/>
+              </a:fillRef>
+              <a:effectRef idx="0">
+                <a:schemeClr val="accent1"/>
+              </a:effectRef>
+              <a:fontRef idx="minor">
+                <a:schemeClr val="tx1"/>
+              </a:fontRef>
+            </p:style>
+          </p:cxnSp>
+          <p:sp>
+            <p:nvSpPr>
+              <p:cNvPr id="81" name="TextBox 80">
+                <a:extLst>
+                  <a:ext uri="{FF2B5EF4-FFF2-40B4-BE49-F238E27FC236}">
+                    <a16:creationId xmlns:a16="http://schemas.microsoft.com/office/drawing/2014/main" id="{A88AD133-6350-FD32-47DD-D163628D957C}"/>
+                  </a:ext>
+                </a:extLst>
+              </p:cNvPr>
+              <p:cNvSpPr txBox="1"/>
+              <p:nvPr/>
+            </p:nvSpPr>
+            <p:spPr>
+              <a:xfrm>
+                <a:off x="825020" y="3845119"/>
+                <a:ext cx="534910" cy="307777"/>
+              </a:xfrm>
+              <a:prstGeom prst="rect">
+                <a:avLst/>
+              </a:prstGeom>
+              <a:noFill/>
+            </p:spPr>
+            <p:txBody>
+              <a:bodyPr wrap="square">
+                <a:spAutoFit/>
+              </a:bodyPr>
+              <a:lstStyle/>
+              <a:p>
+                <a:r>
+                  <a:rPr lang="en-US" sz="1400" dirty="0">
+                    <a:latin typeface="Times New Roman" panose="02020603050405020304" pitchFamily="18" charset="0"/>
+                    <a:cs typeface="Times New Roman" panose="02020603050405020304" pitchFamily="18" charset="0"/>
+                  </a:rPr>
+                  <a:t>12v</a:t>
+                </a:r>
+                <a:endParaRPr lang="en-US" dirty="0">
+                  <a:latin typeface="Times New Roman" panose="02020603050405020304" pitchFamily="18" charset="0"/>
+                  <a:cs typeface="Times New Roman" panose="02020603050405020304" pitchFamily="18" charset="0"/>
+                </a:endParaRPr>
+              </a:p>
+            </p:txBody>
+          </p:sp>
+          <p:sp>
+            <p:nvSpPr>
+              <p:cNvPr id="83" name="TextBox 82">
+                <a:extLst>
+                  <a:ext uri="{FF2B5EF4-FFF2-40B4-BE49-F238E27FC236}">
+                    <a16:creationId xmlns:a16="http://schemas.microsoft.com/office/drawing/2014/main" id="{31DB459F-9B83-71F8-1128-2A92230C751E}"/>
+                  </a:ext>
+                </a:extLst>
+              </p:cNvPr>
+              <p:cNvSpPr txBox="1"/>
+              <p:nvPr/>
+            </p:nvSpPr>
+            <p:spPr>
+              <a:xfrm>
+                <a:off x="1726720" y="3862895"/>
+                <a:ext cx="545209" cy="307777"/>
+              </a:xfrm>
+              <a:prstGeom prst="rect">
+                <a:avLst/>
+              </a:prstGeom>
+              <a:noFill/>
+            </p:spPr>
+            <p:txBody>
+              <a:bodyPr wrap="square">
+                <a:spAutoFit/>
+              </a:bodyPr>
+              <a:lstStyle/>
+              <a:p>
+                <a:r>
+                  <a:rPr lang="en-US" sz="1400" dirty="0">
+                    <a:latin typeface="Times New Roman" panose="02020603050405020304" pitchFamily="18" charset="0"/>
+                    <a:cs typeface="Times New Roman" panose="02020603050405020304" pitchFamily="18" charset="0"/>
+                  </a:rPr>
+                  <a:t>12v</a:t>
+                </a:r>
+                <a:endParaRPr lang="en-US" dirty="0"/>
+              </a:p>
+            </p:txBody>
+          </p:sp>
+          <p:grpSp>
+            <p:nvGrpSpPr>
+              <p:cNvPr id="12" name="Group 11">
+                <a:extLst>
+                  <a:ext uri="{FF2B5EF4-FFF2-40B4-BE49-F238E27FC236}">
+                    <a16:creationId xmlns:a16="http://schemas.microsoft.com/office/drawing/2014/main" id="{9E06ABB7-4DB2-D452-1260-7F506246019C}"/>
+                  </a:ext>
+                </a:extLst>
+              </p:cNvPr>
+              <p:cNvGrpSpPr/>
+              <p:nvPr/>
+            </p:nvGrpSpPr>
+            <p:grpSpPr>
+              <a:xfrm>
+                <a:off x="1280158" y="5900707"/>
+                <a:ext cx="457200" cy="281653"/>
+                <a:chOff x="1107440" y="6054291"/>
+                <a:chExt cx="457200" cy="316030"/>
+              </a:xfrm>
+            </p:grpSpPr>
+            <p:cxnSp>
+              <p:nvCxnSpPr>
+                <p:cNvPr id="3" name="Straight Connector 2">
+                  <a:extLst>
+                    <a:ext uri="{FF2B5EF4-FFF2-40B4-BE49-F238E27FC236}">
+                      <a16:creationId xmlns:a16="http://schemas.microsoft.com/office/drawing/2014/main" id="{9D6FCA71-D501-E20C-50BF-724813797DFF}"/>
+                    </a:ext>
+                  </a:extLst>
+                </p:cNvPr>
+                <p:cNvCxnSpPr>
+                  <a:cxnSpLocks/>
+                </p:cNvCxnSpPr>
+                <p:nvPr/>
+              </p:nvCxnSpPr>
+              <p:spPr>
+                <a:xfrm flipH="1">
+                  <a:off x="1107440" y="6054291"/>
+                  <a:ext cx="457200" cy="0"/>
+                </a:xfrm>
+                <a:prstGeom prst="line">
+                  <a:avLst/>
+                </a:prstGeom>
+                <a:ln w="28575"/>
+              </p:spPr>
+              <p:style>
+                <a:lnRef idx="1">
+                  <a:schemeClr val="accent1"/>
+                </a:lnRef>
+                <a:fillRef idx="0">
+                  <a:schemeClr val="accent1"/>
+                </a:fillRef>
+                <a:effectRef idx="0">
+                  <a:schemeClr val="accent1"/>
+                </a:effectRef>
+                <a:fontRef idx="minor">
+                  <a:schemeClr val="tx1"/>
+                </a:fontRef>
+              </p:style>
+            </p:cxnSp>
+            <p:cxnSp>
+              <p:nvCxnSpPr>
+                <p:cNvPr id="6" name="Straight Connector 5">
+                  <a:extLst>
+                    <a:ext uri="{FF2B5EF4-FFF2-40B4-BE49-F238E27FC236}">
+                      <a16:creationId xmlns:a16="http://schemas.microsoft.com/office/drawing/2014/main" id="{1E8C33B8-790A-E13D-BEDE-1CBE21D081B9}"/>
+                    </a:ext>
+                  </a:extLst>
+                </p:cNvPr>
+                <p:cNvCxnSpPr>
+                  <a:cxnSpLocks/>
+                </p:cNvCxnSpPr>
+                <p:nvPr/>
+              </p:nvCxnSpPr>
+              <p:spPr>
+                <a:xfrm flipH="1">
+                  <a:off x="1198880" y="6217921"/>
+                  <a:ext cx="274320" cy="0"/>
+                </a:xfrm>
+                <a:prstGeom prst="line">
+                  <a:avLst/>
+                </a:prstGeom>
+                <a:ln w="28575"/>
+              </p:spPr>
+              <p:style>
+                <a:lnRef idx="1">
+                  <a:schemeClr val="accent1"/>
+                </a:lnRef>
+                <a:fillRef idx="0">
+                  <a:schemeClr val="accent1"/>
+                </a:fillRef>
+                <a:effectRef idx="0">
+                  <a:schemeClr val="accent1"/>
+                </a:effectRef>
+                <a:fontRef idx="minor">
+                  <a:schemeClr val="tx1"/>
+                </a:fontRef>
+              </p:style>
+            </p:cxnSp>
+            <p:cxnSp>
+              <p:nvCxnSpPr>
+                <p:cNvPr id="8" name="Straight Connector 7">
+                  <a:extLst>
+                    <a:ext uri="{FF2B5EF4-FFF2-40B4-BE49-F238E27FC236}">
+                      <a16:creationId xmlns:a16="http://schemas.microsoft.com/office/drawing/2014/main" id="{FD40AA7E-25B2-D00B-A237-B3E267AD8512}"/>
+                    </a:ext>
+                  </a:extLst>
+                </p:cNvPr>
+                <p:cNvCxnSpPr>
+                  <a:cxnSpLocks/>
+                </p:cNvCxnSpPr>
+                <p:nvPr/>
+              </p:nvCxnSpPr>
+              <p:spPr>
+                <a:xfrm flipH="1">
+                  <a:off x="1290320" y="6370321"/>
+                  <a:ext cx="91440" cy="0"/>
+                </a:xfrm>
+                <a:prstGeom prst="line">
+                  <a:avLst/>
+                </a:prstGeom>
+                <a:ln w="28575"/>
+              </p:spPr>
+              <p:style>
+                <a:lnRef idx="1">
+                  <a:schemeClr val="accent1"/>
+                </a:lnRef>
+                <a:fillRef idx="0">
+                  <a:schemeClr val="accent1"/>
+                </a:fillRef>
+                <a:effectRef idx="0">
+                  <a:schemeClr val="accent1"/>
+                </a:effectRef>
+                <a:fontRef idx="minor">
+                  <a:schemeClr val="tx1"/>
+                </a:fontRef>
+              </p:style>
+            </p:cxnSp>
+          </p:grpSp>
+          <p:sp>
+            <p:nvSpPr>
+              <p:cNvPr id="16" name="TextBox 15">
+                <a:extLst>
+                  <a:ext uri="{FF2B5EF4-FFF2-40B4-BE49-F238E27FC236}">
+                    <a16:creationId xmlns:a16="http://schemas.microsoft.com/office/drawing/2014/main" id="{6A676862-75E6-5666-5E9E-CEBA550DC1FE}"/>
+                  </a:ext>
+                </a:extLst>
+              </p:cNvPr>
+              <p:cNvSpPr txBox="1"/>
+              <p:nvPr/>
+            </p:nvSpPr>
+            <p:spPr>
+              <a:xfrm>
+                <a:off x="1737358" y="5813028"/>
+                <a:ext cx="914400" cy="369332"/>
+              </a:xfrm>
+              <a:prstGeom prst="rect">
+                <a:avLst/>
+              </a:prstGeom>
+              <a:noFill/>
+            </p:spPr>
+            <p:txBody>
+              <a:bodyPr wrap="square" rtlCol="0">
+                <a:spAutoFit/>
+              </a:bodyPr>
+              <a:lstStyle/>
+              <a:p>
+                <a:r>
+                  <a:rPr lang="en-US" dirty="0" err="1"/>
+                  <a:t>Gnd</a:t>
+                </a:r>
+                <a:endParaRPr lang="en-US" dirty="0"/>
+              </a:p>
+            </p:txBody>
+          </p:sp>
+          <p:sp>
+            <p:nvSpPr>
+              <p:cNvPr id="18" name="TextBox 17">
+                <a:extLst>
+                  <a:ext uri="{FF2B5EF4-FFF2-40B4-BE49-F238E27FC236}">
+                    <a16:creationId xmlns:a16="http://schemas.microsoft.com/office/drawing/2014/main" id="{7BB37F89-F7B0-651D-E31C-5116B2E3E925}"/>
+                  </a:ext>
+                </a:extLst>
+              </p:cNvPr>
+              <p:cNvSpPr txBox="1"/>
+              <p:nvPr/>
+            </p:nvSpPr>
+            <p:spPr>
+              <a:xfrm>
+                <a:off x="1319840" y="3835718"/>
+                <a:ext cx="534910" cy="307777"/>
+              </a:xfrm>
+              <a:prstGeom prst="rect">
+                <a:avLst/>
+              </a:prstGeom>
+              <a:noFill/>
+            </p:spPr>
+            <p:txBody>
+              <a:bodyPr wrap="square">
+                <a:spAutoFit/>
+              </a:bodyPr>
+              <a:lstStyle/>
+              <a:p>
+                <a:r>
+                  <a:rPr lang="en-US" sz="1400" dirty="0">
+                    <a:latin typeface="Times New Roman" panose="02020603050405020304" pitchFamily="18" charset="0"/>
+                    <a:cs typeface="Times New Roman" panose="02020603050405020304" pitchFamily="18" charset="0"/>
+                  </a:rPr>
+                  <a:t>0v</a:t>
+                </a:r>
+                <a:endParaRPr lang="en-US" dirty="0">
+                  <a:latin typeface="Times New Roman" panose="02020603050405020304" pitchFamily="18" charset="0"/>
+                  <a:cs typeface="Times New Roman" panose="02020603050405020304" pitchFamily="18" charset="0"/>
+                </a:endParaRPr>
+              </a:p>
+            </p:txBody>
+          </p:sp>
+          <p:sp>
+            <p:nvSpPr>
+              <p:cNvPr id="21" name="TextBox 20">
+                <a:extLst>
+                  <a:ext uri="{FF2B5EF4-FFF2-40B4-BE49-F238E27FC236}">
+                    <a16:creationId xmlns:a16="http://schemas.microsoft.com/office/drawing/2014/main" id="{E5D56D45-099D-A6C8-F2A3-21D89F003829}"/>
+                  </a:ext>
+                </a:extLst>
+              </p:cNvPr>
+              <p:cNvSpPr txBox="1"/>
+              <p:nvPr/>
+            </p:nvSpPr>
+            <p:spPr>
+              <a:xfrm>
+                <a:off x="8184820" y="4117128"/>
+                <a:ext cx="613740" cy="369332"/>
+              </a:xfrm>
+              <a:prstGeom prst="rect">
+                <a:avLst/>
+              </a:prstGeom>
+              <a:noFill/>
+            </p:spPr>
+            <p:txBody>
+              <a:bodyPr wrap="square" rtlCol="0">
+                <a:spAutoFit/>
+              </a:bodyPr>
+              <a:lstStyle/>
+              <a:p>
+                <a:r>
+                  <a:rPr lang="en-US" dirty="0"/>
+                  <a:t>P</a:t>
+                </a:r>
+                <a:r>
+                  <a:rPr lang="en-US" baseline="-25000" dirty="0"/>
+                  <a:t>in</a:t>
+                </a:r>
+              </a:p>
+            </p:txBody>
+          </p:sp>
+          <p:grpSp>
+            <p:nvGrpSpPr>
+              <p:cNvPr id="27" name="Group 26">
+                <a:extLst>
+                  <a:ext uri="{FF2B5EF4-FFF2-40B4-BE49-F238E27FC236}">
+                    <a16:creationId xmlns:a16="http://schemas.microsoft.com/office/drawing/2014/main" id="{FD50116B-C3D6-2A12-6B15-EC828B68B3D4}"/>
+                  </a:ext>
+                </a:extLst>
+              </p:cNvPr>
+              <p:cNvGrpSpPr/>
+              <p:nvPr/>
+            </p:nvGrpSpPr>
+            <p:grpSpPr>
+              <a:xfrm>
+                <a:off x="5384800" y="5979837"/>
+                <a:ext cx="1656080" cy="654939"/>
+                <a:chOff x="4693304" y="5651423"/>
+                <a:chExt cx="1656080" cy="654939"/>
+              </a:xfrm>
+            </p:grpSpPr>
+            <p:sp>
+              <p:nvSpPr>
+                <p:cNvPr id="22" name="Rectangle 21">
+                  <a:extLst>
+                    <a:ext uri="{FF2B5EF4-FFF2-40B4-BE49-F238E27FC236}">
+                      <a16:creationId xmlns:a16="http://schemas.microsoft.com/office/drawing/2014/main" id="{6B8864EF-516B-B83B-087C-3EAC81B3C220}"/>
+                    </a:ext>
+                  </a:extLst>
+                </p:cNvPr>
+                <p:cNvSpPr/>
+                <p:nvPr/>
+              </p:nvSpPr>
+              <p:spPr>
+                <a:xfrm>
+                  <a:off x="4693304" y="5651423"/>
+                  <a:ext cx="1656080" cy="654939"/>
+                </a:xfrm>
+                <a:prstGeom prst="rect">
+                  <a:avLst/>
+                </a:prstGeom>
+                <a:noFill/>
+                <a:ln w="19050">
+                  <a:solidFill>
+                    <a:schemeClr val="tx1"/>
+                  </a:solidFill>
+                </a:ln>
+              </p:spPr>
+              <p:style>
+                <a:lnRef idx="2">
+                  <a:schemeClr val="accent6"/>
+                </a:lnRef>
+                <a:fillRef idx="1">
+                  <a:schemeClr val="lt1"/>
+                </a:fillRef>
+                <a:effectRef idx="0">
+                  <a:schemeClr val="accent6"/>
+                </a:effectRef>
+                <a:fontRef idx="minor">
+                  <a:schemeClr val="dk1"/>
+                </a:fontRef>
+              </p:style>
+              <p:txBody>
+                <a:bodyPr rtlCol="0" anchor="ctr"/>
+                <a:lstStyle/>
+                <a:p>
+                  <a:pPr algn="ctr"/>
+                  <a:endParaRPr lang="en-US"/>
+                </a:p>
+              </p:txBody>
+            </p:sp>
+            <p:sp>
+              <p:nvSpPr>
+                <p:cNvPr id="26" name="TextBox 25">
+                  <a:extLst>
+                    <a:ext uri="{FF2B5EF4-FFF2-40B4-BE49-F238E27FC236}">
+                      <a16:creationId xmlns:a16="http://schemas.microsoft.com/office/drawing/2014/main" id="{D8380C00-3A24-749A-F192-98137F96BFAB}"/>
+                    </a:ext>
+                  </a:extLst>
+                </p:cNvPr>
+                <p:cNvSpPr txBox="1"/>
+                <p:nvPr/>
+              </p:nvSpPr>
+              <p:spPr>
+                <a:xfrm>
+                  <a:off x="4995203" y="5778837"/>
+                  <a:ext cx="1052282" cy="400110"/>
+                </a:xfrm>
+                <a:prstGeom prst="rect">
+                  <a:avLst/>
+                </a:prstGeom>
+                <a:noFill/>
+              </p:spPr>
+              <p:txBody>
+                <a:bodyPr wrap="square" rtlCol="0">
+                  <a:spAutoFit/>
+                </a:bodyPr>
+                <a:lstStyle/>
+                <a:p>
+                  <a:r>
+                    <a:rPr lang="en-US" sz="2000" dirty="0"/>
+                    <a:t>Motors</a:t>
+                  </a:r>
+                </a:p>
+              </p:txBody>
+            </p:sp>
+          </p:grpSp>
+          <p:cxnSp>
+            <p:nvCxnSpPr>
+              <p:cNvPr id="32" name="Connector: Elbow 31">
+                <a:extLst>
+                  <a:ext uri="{FF2B5EF4-FFF2-40B4-BE49-F238E27FC236}">
+                    <a16:creationId xmlns:a16="http://schemas.microsoft.com/office/drawing/2014/main" id="{34FA077A-D7B6-8744-085F-3D01AA586F1D}"/>
+                  </a:ext>
+                </a:extLst>
+              </p:cNvPr>
+              <p:cNvCxnSpPr>
+                <a:cxnSpLocks/>
+                <a:stCxn id="54" idx="0"/>
+                <a:endCxn id="22" idx="3"/>
+              </p:cNvCxnSpPr>
+              <p:nvPr/>
+            </p:nvCxnSpPr>
+            <p:spPr>
+              <a:xfrm flipH="1">
+                <a:off x="7040880" y="3794752"/>
+                <a:ext cx="1112520" cy="2512555"/>
+              </a:xfrm>
+              <a:prstGeom prst="bentConnector3">
+                <a:avLst>
+                  <a:gd name="adj1" fmla="val -40447"/>
+                </a:avLst>
+              </a:prstGeom>
+              <a:ln w="28575">
+                <a:headEnd type="triangle"/>
+                <a:tailEnd type="triangle"/>
+              </a:ln>
+            </p:spPr>
+            <p:style>
+              <a:lnRef idx="1">
+                <a:schemeClr val="accent1"/>
+              </a:lnRef>
+              <a:fillRef idx="0">
+                <a:schemeClr val="accent1"/>
+              </a:fillRef>
+              <a:effectRef idx="0">
+                <a:schemeClr val="accent1"/>
+              </a:effectRef>
+              <a:fontRef idx="minor">
+                <a:schemeClr val="tx1"/>
+              </a:fontRef>
+            </p:style>
+          </p:cxnSp>
+        </p:grpSp>
+        <p:grpSp>
+          <p:nvGrpSpPr>
+            <p:cNvPr id="57" name="Group 56">
+              <a:extLst>
+                <a:ext uri="{FF2B5EF4-FFF2-40B4-BE49-F238E27FC236}">
+                  <a16:creationId xmlns:a16="http://schemas.microsoft.com/office/drawing/2014/main" id="{1EDAA28E-E513-1E16-236E-6444AF39D5F6}"/>
+                </a:ext>
+              </a:extLst>
+            </p:cNvPr>
+            <p:cNvGrpSpPr/>
+            <p:nvPr/>
+          </p:nvGrpSpPr>
+          <p:grpSpPr>
+            <a:xfrm>
+              <a:off x="9218930" y="1232276"/>
+              <a:ext cx="1206500" cy="539835"/>
+              <a:chOff x="9218930" y="1232276"/>
+              <a:chExt cx="1206500" cy="539835"/>
+            </a:xfrm>
+          </p:grpSpPr>
+          <p:sp>
+            <p:nvSpPr>
+              <p:cNvPr id="38" name="Rectangle 37">
+                <a:extLst>
+                  <a:ext uri="{FF2B5EF4-FFF2-40B4-BE49-F238E27FC236}">
+                    <a16:creationId xmlns:a16="http://schemas.microsoft.com/office/drawing/2014/main" id="{D8989CF6-B5CA-7E07-C850-CBCBCEDF98ED}"/>
+                  </a:ext>
+                </a:extLst>
+              </p:cNvPr>
+              <p:cNvSpPr/>
+              <p:nvPr/>
+            </p:nvSpPr>
+            <p:spPr>
+              <a:xfrm>
+                <a:off x="9218930" y="1232276"/>
+                <a:ext cx="1206500" cy="539835"/>
+              </a:xfrm>
+              <a:prstGeom prst="rect">
+                <a:avLst/>
+              </a:prstGeom>
+              <a:noFill/>
+              <a:ln w="19050"/>
+            </p:spPr>
+            <p:style>
+              <a:lnRef idx="2">
+                <a:schemeClr val="accent1">
+                  <a:shade val="15000"/>
+                </a:schemeClr>
+              </a:lnRef>
+              <a:fillRef idx="1">
+                <a:schemeClr val="accent1"/>
+              </a:fillRef>
+              <a:effectRef idx="0">
+                <a:schemeClr val="accent1"/>
+              </a:effectRef>
+              <a:fontRef idx="minor">
+                <a:schemeClr val="lt1"/>
+              </a:fontRef>
+            </p:style>
+            <p:txBody>
+              <a:bodyPr rtlCol="0" anchor="ctr"/>
+              <a:lstStyle/>
+              <a:p>
+                <a:pPr algn="ctr"/>
+                <a:endParaRPr lang="en-US">
+                  <a:ln w="0"/>
+                  <a:solidFill>
+                    <a:schemeClr val="tx1"/>
+                  </a:solidFill>
+                  <a:effectLst>
+                    <a:outerShdw blurRad="38100" dist="19050" dir="2700000" algn="tl" rotWithShape="0">
+                      <a:schemeClr val="dk1">
+                        <a:alpha val="40000"/>
+                      </a:schemeClr>
+                    </a:outerShdw>
+                  </a:effectLst>
+                </a:endParaRPr>
+              </a:p>
+            </p:txBody>
+          </p:sp>
+          <p:sp>
+            <p:nvSpPr>
+              <p:cNvPr id="40" name="TextBox 39">
+                <a:extLst>
+                  <a:ext uri="{FF2B5EF4-FFF2-40B4-BE49-F238E27FC236}">
+                    <a16:creationId xmlns:a16="http://schemas.microsoft.com/office/drawing/2014/main" id="{EE8C0CF7-CFD3-CA60-DD0F-D03B8CBC5D82}"/>
+                  </a:ext>
+                </a:extLst>
+              </p:cNvPr>
+              <p:cNvSpPr txBox="1"/>
+              <p:nvPr/>
+            </p:nvSpPr>
+            <p:spPr>
+              <a:xfrm>
+                <a:off x="9245868" y="1271361"/>
+                <a:ext cx="1152625" cy="461665"/>
+              </a:xfrm>
+              <a:prstGeom prst="rect">
+                <a:avLst/>
+              </a:prstGeom>
+              <a:noFill/>
+            </p:spPr>
+            <p:txBody>
+              <a:bodyPr wrap="square" rtlCol="0">
+                <a:spAutoFit/>
+              </a:bodyPr>
+              <a:lstStyle/>
+              <a:p>
+                <a:pPr algn="ctr"/>
+                <a:r>
+                  <a:rPr lang="en-US" sz="2400" dirty="0"/>
+                  <a:t>LCD</a:t>
+                </a:r>
+                <a:endParaRPr lang="en-US" dirty="0"/>
+              </a:p>
+            </p:txBody>
+          </p:sp>
+        </p:grpSp>
+        <p:sp>
+          <p:nvSpPr>
+            <p:cNvPr id="59" name="Oval 58">
+              <a:extLst>
+                <a:ext uri="{FF2B5EF4-FFF2-40B4-BE49-F238E27FC236}">
+                  <a16:creationId xmlns:a16="http://schemas.microsoft.com/office/drawing/2014/main" id="{8C3D2EAA-9B66-D6F8-2DFE-D0B01D260A98}"/>
+                </a:ext>
+              </a:extLst>
+            </p:cNvPr>
+            <p:cNvSpPr/>
+            <p:nvPr/>
+          </p:nvSpPr>
+          <p:spPr>
+            <a:xfrm rot="5400000">
+              <a:off x="9344660" y="2369416"/>
+              <a:ext cx="182880" cy="182880"/>
+            </a:xfrm>
+            <a:prstGeom prst="ellipse">
+              <a:avLst/>
+            </a:prstGeom>
+          </p:spPr>
+          <p:style>
+            <a:lnRef idx="2">
+              <a:schemeClr val="accent1">
+                <a:shade val="50000"/>
+              </a:schemeClr>
+            </a:lnRef>
+            <a:fillRef idx="1">
+              <a:schemeClr val="accent1"/>
+            </a:fillRef>
+            <a:effectRef idx="0">
+              <a:schemeClr val="accent1"/>
+            </a:effectRef>
+            <a:fontRef idx="minor">
+              <a:schemeClr val="lt1"/>
+            </a:fontRef>
+          </p:style>
+          <p:txBody>
+            <a:bodyPr rtlCol="0" anchor="ctr"/>
+            <a:lstStyle/>
+            <a:p>
+              <a:pPr algn="ctr"/>
+              <a:endParaRPr lang="en-US"/>
+            </a:p>
+          </p:txBody>
+        </p:sp>
+        <p:cxnSp>
+          <p:nvCxnSpPr>
+            <p:cNvPr id="60" name="Connector: Elbow 59">
+              <a:extLst>
+                <a:ext uri="{FF2B5EF4-FFF2-40B4-BE49-F238E27FC236}">
+                  <a16:creationId xmlns:a16="http://schemas.microsoft.com/office/drawing/2014/main" id="{0879F405-CA3B-2E95-BB1B-04602069719A}"/>
+                </a:ext>
+              </a:extLst>
+            </p:cNvPr>
+            <p:cNvCxnSpPr>
+              <a:cxnSpLocks/>
+              <a:stCxn id="59" idx="2"/>
+              <a:endCxn id="40" idx="3"/>
+            </p:cNvCxnSpPr>
+            <p:nvPr/>
+          </p:nvCxnSpPr>
+          <p:spPr>
+            <a:xfrm rot="5400000" flipH="1" flipV="1">
+              <a:off x="9483685" y="1454609"/>
+              <a:ext cx="867222" cy="962393"/>
+            </a:xfrm>
+            <a:prstGeom prst="bentConnector4">
+              <a:avLst>
+                <a:gd name="adj1" fmla="val 36691"/>
+                <a:gd name="adj2" fmla="val 123753"/>
+              </a:avLst>
+            </a:prstGeom>
+            <a:ln w="28575">
+              <a:tailEnd type="triangle"/>
+            </a:ln>
+          </p:spPr>
+          <p:style>
+            <a:lnRef idx="1">
+              <a:schemeClr val="accent1"/>
+            </a:lnRef>
+            <a:fillRef idx="0">
+              <a:schemeClr val="accent1"/>
+            </a:fillRef>
+            <a:effectRef idx="0">
+              <a:schemeClr val="accent1"/>
+            </a:effectRef>
+            <a:fontRef idx="minor">
+              <a:schemeClr val="tx1"/>
+            </a:fontRef>
+          </p:style>
+        </p:cxnSp>
+      </p:grpSp>
+    </p:spTree>
+    <p:extLst>
+      <p:ext uri="{BB962C8B-B14F-4D97-AF65-F5344CB8AC3E}">
+        <p14:creationId xmlns:p14="http://schemas.microsoft.com/office/powerpoint/2010/main" val="2617741961"/>
+      </p:ext>
+    </p:extLst>
+  </p:cSld>
+  <p:clrMapOvr>
+    <a:masterClrMapping/>
+  </p:clrMapOvr>
+</p:sld>
+</file>
+
+<file path=ppt/slides/slide19.xml><?xml version="1.0" encoding="utf-8"?>
+<p:sld xmlns:a="http://schemas.openxmlformats.org/drawingml/2006/main" xmlns:r="http://schemas.openxmlformats.org/officeDocument/2006/relationships" xmlns:p="http://schemas.openxmlformats.org/presentationml/2006/main">
+  <p:cSld>
+    <p:spTree>
+      <p:nvGrpSpPr>
+        <p:cNvPr id="1" name=""/>
+        <p:cNvGrpSpPr/>
+        <p:nvPr/>
+      </p:nvGrpSpPr>
+      <p:grpSpPr>
+        <a:xfrm>
+          <a:off x="0" y="0"/>
+          <a:ext cx="0" cy="0"/>
+          <a:chOff x="0" y="0"/>
+          <a:chExt cx="0" cy="0"/>
+        </a:xfrm>
+      </p:grpSpPr>
+      <p:sp>
+        <p:nvSpPr>
+          <p:cNvPr id="4" name="TextBox 3">
+            <a:extLst>
+              <a:ext uri="{FF2B5EF4-FFF2-40B4-BE49-F238E27FC236}">
+                <a16:creationId xmlns:a16="http://schemas.microsoft.com/office/drawing/2014/main" id="{17C97D89-3979-D9EC-2F9E-F1BA5D0A9EF4}"/>
+              </a:ext>
+            </a:extLst>
+          </p:cNvPr>
+          <p:cNvSpPr txBox="1"/>
+          <p:nvPr/>
+        </p:nvSpPr>
+        <p:spPr>
+          <a:xfrm>
+            <a:off x="416560" y="675640"/>
+            <a:ext cx="7081520" cy="646331"/>
+          </a:xfrm>
+          <a:prstGeom prst="rect">
+            <a:avLst/>
+          </a:prstGeom>
+          <a:noFill/>
+        </p:spPr>
+        <p:txBody>
+          <a:bodyPr wrap="square" rtlCol="0">
+            <a:spAutoFit/>
+          </a:bodyPr>
+          <a:lstStyle/>
+          <a:p>
+            <a:r>
+              <a:rPr lang="en-US" sz="3600" b="1" dirty="0"/>
+              <a:t>Existing Methods &amp; Limitations </a:t>
             </a:r>
           </a:p>
         </p:txBody>
@@ -6534,1206 +9074,20 @@
       </p:cxnSp>
       <p:sp>
         <p:nvSpPr>
-          <p:cNvPr id="7" name="Rectangle 6">
-            <a:extLst>
-              <a:ext uri="{FF2B5EF4-FFF2-40B4-BE49-F238E27FC236}">
-                <a16:creationId xmlns:a16="http://schemas.microsoft.com/office/drawing/2014/main" id="{F93811F9-163F-ACB5-D27A-2D6630D2515C}"/>
-              </a:ext>
-            </a:extLst>
-          </p:cNvPr>
-          <p:cNvSpPr/>
+          <p:cNvPr id="6" name="TextBox 5">
+            <a:extLst>
+              <a:ext uri="{FF2B5EF4-FFF2-40B4-BE49-F238E27FC236}">
+                <a16:creationId xmlns:a16="http://schemas.microsoft.com/office/drawing/2014/main" id="{57CC0083-6D2E-CFA0-B34B-C13C38CC22CF}"/>
+              </a:ext>
+            </a:extLst>
+          </p:cNvPr>
+          <p:cNvSpPr txBox="1"/>
           <p:nvPr/>
         </p:nvSpPr>
         <p:spPr>
           <a:xfrm>
-            <a:off x="721360" y="2961637"/>
-            <a:ext cx="1656080" cy="1676395"/>
-          </a:xfrm>
-          <a:prstGeom prst="rect">
-            <a:avLst/>
-          </a:prstGeom>
-          <a:noFill/>
-          <a:ln w="28575">
-            <a:solidFill>
-              <a:schemeClr val="tx1"/>
-            </a:solidFill>
-          </a:ln>
-        </p:spPr>
-        <p:style>
-          <a:lnRef idx="2">
-            <a:schemeClr val="accent1">
-              <a:shade val="50000"/>
-            </a:schemeClr>
-          </a:lnRef>
-          <a:fillRef idx="1">
-            <a:schemeClr val="accent1"/>
-          </a:fillRef>
-          <a:effectRef idx="0">
-            <a:schemeClr val="accent1"/>
-          </a:effectRef>
-          <a:fontRef idx="minor">
-            <a:schemeClr val="lt1"/>
-          </a:fontRef>
-        </p:style>
-        <p:txBody>
-          <a:bodyPr rtlCol="0" anchor="ctr"/>
-          <a:lstStyle/>
-          <a:p>
-            <a:pPr algn="ctr"/>
-            <a:endParaRPr lang="en-US" dirty="0"/>
-          </a:p>
-        </p:txBody>
-      </p:sp>
-      <p:sp>
-        <p:nvSpPr>
-          <p:cNvPr id="15" name="Rectangle 14">
-            <a:extLst>
-              <a:ext uri="{FF2B5EF4-FFF2-40B4-BE49-F238E27FC236}">
-                <a16:creationId xmlns:a16="http://schemas.microsoft.com/office/drawing/2014/main" id="{627EF967-0454-0F9E-F66A-FDF61DA8DB67}"/>
-              </a:ext>
-            </a:extLst>
-          </p:cNvPr>
-          <p:cNvSpPr/>
-          <p:nvPr/>
-        </p:nvSpPr>
-        <p:spPr>
-          <a:xfrm>
-            <a:off x="4094480" y="2961637"/>
-            <a:ext cx="1656080" cy="1676395"/>
-          </a:xfrm>
-          <a:prstGeom prst="rect">
-            <a:avLst/>
-          </a:prstGeom>
-          <a:noFill/>
-          <a:ln w="28575">
-            <a:solidFill>
-              <a:schemeClr val="tx1"/>
-            </a:solidFill>
-          </a:ln>
-        </p:spPr>
-        <p:style>
-          <a:lnRef idx="2">
-            <a:schemeClr val="accent1">
-              <a:shade val="50000"/>
-            </a:schemeClr>
-          </a:lnRef>
-          <a:fillRef idx="1">
-            <a:schemeClr val="accent1"/>
-          </a:fillRef>
-          <a:effectRef idx="0">
-            <a:schemeClr val="accent1"/>
-          </a:effectRef>
-          <a:fontRef idx="minor">
-            <a:schemeClr val="lt1"/>
-          </a:fontRef>
-        </p:style>
-        <p:txBody>
-          <a:bodyPr rtlCol="0" anchor="ctr"/>
-          <a:lstStyle/>
-          <a:p>
-            <a:pPr algn="ctr"/>
-            <a:endParaRPr lang="en-US" dirty="0"/>
-          </a:p>
-        </p:txBody>
-      </p:sp>
-      <p:sp>
-        <p:nvSpPr>
-          <p:cNvPr id="23" name="Rectangle 22">
-            <a:extLst>
-              <a:ext uri="{FF2B5EF4-FFF2-40B4-BE49-F238E27FC236}">
-                <a16:creationId xmlns:a16="http://schemas.microsoft.com/office/drawing/2014/main" id="{D97168D3-AB37-698E-BF8A-7E767472DF8C}"/>
-              </a:ext>
-            </a:extLst>
-          </p:cNvPr>
-          <p:cNvSpPr/>
-          <p:nvPr/>
-        </p:nvSpPr>
-        <p:spPr>
-          <a:xfrm>
-            <a:off x="7731760" y="2214880"/>
-            <a:ext cx="3169920" cy="3159759"/>
-          </a:xfrm>
-          <a:prstGeom prst="rect">
-            <a:avLst/>
-          </a:prstGeom>
-          <a:noFill/>
-          <a:ln w="28575">
-            <a:solidFill>
-              <a:schemeClr val="tx1"/>
-            </a:solidFill>
-          </a:ln>
-        </p:spPr>
-        <p:style>
-          <a:lnRef idx="2">
-            <a:schemeClr val="accent1">
-              <a:shade val="50000"/>
-            </a:schemeClr>
-          </a:lnRef>
-          <a:fillRef idx="1">
-            <a:schemeClr val="accent1"/>
-          </a:fillRef>
-          <a:effectRef idx="0">
-            <a:schemeClr val="accent1"/>
-          </a:effectRef>
-          <a:fontRef idx="minor">
-            <a:schemeClr val="lt1"/>
-          </a:fontRef>
-        </p:style>
-        <p:txBody>
-          <a:bodyPr rtlCol="0" anchor="ctr"/>
-          <a:lstStyle/>
-          <a:p>
-            <a:pPr algn="ctr"/>
-            <a:endParaRPr lang="en-US" dirty="0"/>
-          </a:p>
-        </p:txBody>
-      </p:sp>
-      <p:grpSp>
-        <p:nvGrpSpPr>
-          <p:cNvPr id="41" name="Group 40">
-            <a:extLst>
-              <a:ext uri="{FF2B5EF4-FFF2-40B4-BE49-F238E27FC236}">
-                <a16:creationId xmlns:a16="http://schemas.microsoft.com/office/drawing/2014/main" id="{DD7857B7-56FD-9316-DE21-E15A2F65EDDF}"/>
-              </a:ext>
-            </a:extLst>
-          </p:cNvPr>
-          <p:cNvGrpSpPr/>
-          <p:nvPr/>
-        </p:nvGrpSpPr>
-        <p:grpSpPr>
-          <a:xfrm>
-            <a:off x="955040" y="4135120"/>
-            <a:ext cx="1112520" cy="200656"/>
-            <a:chOff x="955040" y="4135120"/>
-            <a:chExt cx="1112520" cy="200656"/>
-          </a:xfrm>
-        </p:grpSpPr>
-        <p:sp>
-          <p:nvSpPr>
-            <p:cNvPr id="24" name="Oval 23">
-              <a:extLst>
-                <a:ext uri="{FF2B5EF4-FFF2-40B4-BE49-F238E27FC236}">
-                  <a16:creationId xmlns:a16="http://schemas.microsoft.com/office/drawing/2014/main" id="{73FA5E1E-BDF5-8FB2-54BE-C398493D9FAC}"/>
-                </a:ext>
-              </a:extLst>
-            </p:cNvPr>
-            <p:cNvSpPr/>
-            <p:nvPr/>
-          </p:nvSpPr>
-          <p:spPr>
-            <a:xfrm>
-              <a:off x="955040" y="4135120"/>
-              <a:ext cx="182880" cy="182880"/>
-            </a:xfrm>
-            <a:prstGeom prst="ellipse">
-              <a:avLst/>
-            </a:prstGeom>
-          </p:spPr>
-          <p:style>
-            <a:lnRef idx="2">
-              <a:schemeClr val="accent1">
-                <a:shade val="50000"/>
-              </a:schemeClr>
-            </a:lnRef>
-            <a:fillRef idx="1">
-              <a:schemeClr val="accent1"/>
-            </a:fillRef>
-            <a:effectRef idx="0">
-              <a:schemeClr val="accent1"/>
-            </a:effectRef>
-            <a:fontRef idx="minor">
-              <a:schemeClr val="lt1"/>
-            </a:fontRef>
-          </p:style>
-          <p:txBody>
-            <a:bodyPr rtlCol="0" anchor="ctr"/>
-            <a:lstStyle/>
-            <a:p>
-              <a:pPr algn="ctr"/>
-              <a:endParaRPr lang="en-US"/>
-            </a:p>
-          </p:txBody>
-        </p:sp>
-        <p:sp>
-          <p:nvSpPr>
-            <p:cNvPr id="25" name="Oval 24">
-              <a:extLst>
-                <a:ext uri="{FF2B5EF4-FFF2-40B4-BE49-F238E27FC236}">
-                  <a16:creationId xmlns:a16="http://schemas.microsoft.com/office/drawing/2014/main" id="{DD5779F7-0B67-AB21-9066-DFE908A1FD4B}"/>
-                </a:ext>
-              </a:extLst>
-            </p:cNvPr>
-            <p:cNvSpPr/>
-            <p:nvPr/>
-          </p:nvSpPr>
-          <p:spPr>
-            <a:xfrm>
-              <a:off x="1417320" y="4135120"/>
-              <a:ext cx="182880" cy="182880"/>
-            </a:xfrm>
-            <a:prstGeom prst="ellipse">
-              <a:avLst/>
-            </a:prstGeom>
-          </p:spPr>
-          <p:style>
-            <a:lnRef idx="2">
-              <a:schemeClr val="accent1">
-                <a:shade val="50000"/>
-              </a:schemeClr>
-            </a:lnRef>
-            <a:fillRef idx="1">
-              <a:schemeClr val="accent1"/>
-            </a:fillRef>
-            <a:effectRef idx="0">
-              <a:schemeClr val="accent1"/>
-            </a:effectRef>
-            <a:fontRef idx="minor">
-              <a:schemeClr val="lt1"/>
-            </a:fontRef>
-          </p:style>
-          <p:txBody>
-            <a:bodyPr rtlCol="0" anchor="ctr"/>
-            <a:lstStyle/>
-            <a:p>
-              <a:pPr algn="ctr"/>
-              <a:endParaRPr lang="en-US"/>
-            </a:p>
-          </p:txBody>
-        </p:sp>
-        <p:sp>
-          <p:nvSpPr>
-            <p:cNvPr id="31" name="Oval 30">
-              <a:extLst>
-                <a:ext uri="{FF2B5EF4-FFF2-40B4-BE49-F238E27FC236}">
-                  <a16:creationId xmlns:a16="http://schemas.microsoft.com/office/drawing/2014/main" id="{5C821D5A-F75D-A029-B076-98195ECC0232}"/>
-                </a:ext>
-              </a:extLst>
-            </p:cNvPr>
-            <p:cNvSpPr/>
-            <p:nvPr/>
-          </p:nvSpPr>
-          <p:spPr>
-            <a:xfrm>
-              <a:off x="1884680" y="4152896"/>
-              <a:ext cx="182880" cy="182880"/>
-            </a:xfrm>
-            <a:prstGeom prst="ellipse">
-              <a:avLst/>
-            </a:prstGeom>
-          </p:spPr>
-          <p:style>
-            <a:lnRef idx="2">
-              <a:schemeClr val="accent1">
-                <a:shade val="50000"/>
-              </a:schemeClr>
-            </a:lnRef>
-            <a:fillRef idx="1">
-              <a:schemeClr val="accent1"/>
-            </a:fillRef>
-            <a:effectRef idx="0">
-              <a:schemeClr val="accent1"/>
-            </a:effectRef>
-            <a:fontRef idx="minor">
-              <a:schemeClr val="lt1"/>
-            </a:fontRef>
-          </p:style>
-          <p:txBody>
-            <a:bodyPr rtlCol="0" anchor="ctr"/>
-            <a:lstStyle/>
-            <a:p>
-              <a:pPr algn="ctr"/>
-              <a:endParaRPr lang="en-US"/>
-            </a:p>
-          </p:txBody>
-        </p:sp>
-      </p:grpSp>
-      <p:grpSp>
-        <p:nvGrpSpPr>
-          <p:cNvPr id="42" name="Group 41">
-            <a:extLst>
-              <a:ext uri="{FF2B5EF4-FFF2-40B4-BE49-F238E27FC236}">
-                <a16:creationId xmlns:a16="http://schemas.microsoft.com/office/drawing/2014/main" id="{A1DFC090-1F80-02C6-9C6C-5C5B48FC80BE}"/>
-              </a:ext>
-            </a:extLst>
-          </p:cNvPr>
-          <p:cNvGrpSpPr/>
-          <p:nvPr/>
-        </p:nvGrpSpPr>
-        <p:grpSpPr>
-          <a:xfrm>
-            <a:off x="4373880" y="4152896"/>
-            <a:ext cx="1112520" cy="200656"/>
-            <a:chOff x="955040" y="4135120"/>
-            <a:chExt cx="1112520" cy="200656"/>
-          </a:xfrm>
-        </p:grpSpPr>
-        <p:sp>
-          <p:nvSpPr>
-            <p:cNvPr id="43" name="Oval 42">
-              <a:extLst>
-                <a:ext uri="{FF2B5EF4-FFF2-40B4-BE49-F238E27FC236}">
-                  <a16:creationId xmlns:a16="http://schemas.microsoft.com/office/drawing/2014/main" id="{C979150C-D1D4-199E-F1B8-235407804251}"/>
-                </a:ext>
-              </a:extLst>
-            </p:cNvPr>
-            <p:cNvSpPr/>
-            <p:nvPr/>
-          </p:nvSpPr>
-          <p:spPr>
-            <a:xfrm>
-              <a:off x="955040" y="4135120"/>
-              <a:ext cx="182880" cy="182880"/>
-            </a:xfrm>
-            <a:prstGeom prst="ellipse">
-              <a:avLst/>
-            </a:prstGeom>
-          </p:spPr>
-          <p:style>
-            <a:lnRef idx="2">
-              <a:schemeClr val="accent1">
-                <a:shade val="50000"/>
-              </a:schemeClr>
-            </a:lnRef>
-            <a:fillRef idx="1">
-              <a:schemeClr val="accent1"/>
-            </a:fillRef>
-            <a:effectRef idx="0">
-              <a:schemeClr val="accent1"/>
-            </a:effectRef>
-            <a:fontRef idx="minor">
-              <a:schemeClr val="lt1"/>
-            </a:fontRef>
-          </p:style>
-          <p:txBody>
-            <a:bodyPr rtlCol="0" anchor="ctr"/>
-            <a:lstStyle/>
-            <a:p>
-              <a:pPr algn="ctr"/>
-              <a:endParaRPr lang="en-US" dirty="0"/>
-            </a:p>
-          </p:txBody>
-        </p:sp>
-        <p:sp>
-          <p:nvSpPr>
-            <p:cNvPr id="44" name="Oval 43">
-              <a:extLst>
-                <a:ext uri="{FF2B5EF4-FFF2-40B4-BE49-F238E27FC236}">
-                  <a16:creationId xmlns:a16="http://schemas.microsoft.com/office/drawing/2014/main" id="{FE383CEC-B95F-C83E-3075-815C416E762B}"/>
-                </a:ext>
-              </a:extLst>
-            </p:cNvPr>
-            <p:cNvSpPr/>
-            <p:nvPr/>
-          </p:nvSpPr>
-          <p:spPr>
-            <a:xfrm>
-              <a:off x="1417320" y="4135120"/>
-              <a:ext cx="182880" cy="182880"/>
-            </a:xfrm>
-            <a:prstGeom prst="ellipse">
-              <a:avLst/>
-            </a:prstGeom>
-          </p:spPr>
-          <p:style>
-            <a:lnRef idx="2">
-              <a:schemeClr val="accent1">
-                <a:shade val="50000"/>
-              </a:schemeClr>
-            </a:lnRef>
-            <a:fillRef idx="1">
-              <a:schemeClr val="accent1"/>
-            </a:fillRef>
-            <a:effectRef idx="0">
-              <a:schemeClr val="accent1"/>
-            </a:effectRef>
-            <a:fontRef idx="minor">
-              <a:schemeClr val="lt1"/>
-            </a:fontRef>
-          </p:style>
-          <p:txBody>
-            <a:bodyPr rtlCol="0" anchor="ctr"/>
-            <a:lstStyle/>
-            <a:p>
-              <a:pPr algn="ctr"/>
-              <a:endParaRPr lang="en-US"/>
-            </a:p>
-          </p:txBody>
-        </p:sp>
-        <p:sp>
-          <p:nvSpPr>
-            <p:cNvPr id="45" name="Oval 44">
-              <a:extLst>
-                <a:ext uri="{FF2B5EF4-FFF2-40B4-BE49-F238E27FC236}">
-                  <a16:creationId xmlns:a16="http://schemas.microsoft.com/office/drawing/2014/main" id="{BEB34904-076E-0AD1-0B77-F96CA6691629}"/>
-                </a:ext>
-              </a:extLst>
-            </p:cNvPr>
-            <p:cNvSpPr/>
-            <p:nvPr/>
-          </p:nvSpPr>
-          <p:spPr>
-            <a:xfrm>
-              <a:off x="1884680" y="4152896"/>
-              <a:ext cx="182880" cy="182880"/>
-            </a:xfrm>
-            <a:prstGeom prst="ellipse">
-              <a:avLst/>
-            </a:prstGeom>
-          </p:spPr>
-          <p:style>
-            <a:lnRef idx="2">
-              <a:schemeClr val="accent1">
-                <a:shade val="50000"/>
-              </a:schemeClr>
-            </a:lnRef>
-            <a:fillRef idx="1">
-              <a:schemeClr val="accent1"/>
-            </a:fillRef>
-            <a:effectRef idx="0">
-              <a:schemeClr val="accent1"/>
-            </a:effectRef>
-            <a:fontRef idx="minor">
-              <a:schemeClr val="lt1"/>
-            </a:fontRef>
-          </p:style>
-          <p:txBody>
-            <a:bodyPr rtlCol="0" anchor="ctr"/>
-            <a:lstStyle/>
-            <a:p>
-              <a:pPr algn="ctr"/>
-              <a:endParaRPr lang="en-US"/>
-            </a:p>
-          </p:txBody>
-        </p:sp>
-      </p:grpSp>
-      <p:sp>
-        <p:nvSpPr>
-          <p:cNvPr id="46" name="Rectangle: Rounded Corners 45">
-            <a:extLst>
-              <a:ext uri="{FF2B5EF4-FFF2-40B4-BE49-F238E27FC236}">
-                <a16:creationId xmlns:a16="http://schemas.microsoft.com/office/drawing/2014/main" id="{B9C42C22-3596-0DEB-0CFC-9D353E5C6205}"/>
-              </a:ext>
-            </a:extLst>
-          </p:cNvPr>
-          <p:cNvSpPr/>
-          <p:nvPr/>
-        </p:nvSpPr>
-        <p:spPr>
-          <a:xfrm>
-            <a:off x="8849360" y="2773680"/>
-            <a:ext cx="1625600" cy="2143760"/>
-          </a:xfrm>
-          <a:prstGeom prst="roundRect">
-            <a:avLst/>
-          </a:prstGeom>
-          <a:solidFill>
-            <a:schemeClr val="bg1">
-              <a:lumMod val="95000"/>
-            </a:schemeClr>
-          </a:solidFill>
-        </p:spPr>
-        <p:style>
-          <a:lnRef idx="2">
-            <a:schemeClr val="accent1">
-              <a:shade val="50000"/>
-            </a:schemeClr>
-          </a:lnRef>
-          <a:fillRef idx="1">
-            <a:schemeClr val="accent1"/>
-          </a:fillRef>
-          <a:effectRef idx="0">
-            <a:schemeClr val="accent1"/>
-          </a:effectRef>
-          <a:fontRef idx="minor">
-            <a:schemeClr val="lt1"/>
-          </a:fontRef>
-        </p:style>
-        <p:txBody>
-          <a:bodyPr rtlCol="0" anchor="ctr"/>
-          <a:lstStyle/>
-          <a:p>
-            <a:pPr algn="ctr"/>
-            <a:endParaRPr lang="en-US"/>
-          </a:p>
-        </p:txBody>
-      </p:sp>
-      <p:sp>
-        <p:nvSpPr>
-          <p:cNvPr id="47" name="TextBox 46">
-            <a:extLst>
-              <a:ext uri="{FF2B5EF4-FFF2-40B4-BE49-F238E27FC236}">
-                <a16:creationId xmlns:a16="http://schemas.microsoft.com/office/drawing/2014/main" id="{C44A76F4-E8FE-D573-ACB1-7DE91FEC31B3}"/>
-              </a:ext>
-            </a:extLst>
-          </p:cNvPr>
-          <p:cNvSpPr txBox="1"/>
-          <p:nvPr/>
-        </p:nvSpPr>
-        <p:spPr>
-          <a:xfrm>
-            <a:off x="845949" y="3088637"/>
-            <a:ext cx="1325619" cy="369332"/>
-          </a:xfrm>
-          <a:prstGeom prst="rect">
-            <a:avLst/>
-          </a:prstGeom>
-          <a:noFill/>
-        </p:spPr>
-        <p:txBody>
-          <a:bodyPr wrap="none" rtlCol="0">
-            <a:spAutoFit/>
-          </a:bodyPr>
-          <a:lstStyle/>
-          <a:p>
-            <a:r>
-              <a:rPr lang="en-US" dirty="0"/>
-              <a:t>Transformer</a:t>
-            </a:r>
-          </a:p>
-        </p:txBody>
-      </p:sp>
-      <p:sp>
-        <p:nvSpPr>
-          <p:cNvPr id="48" name="TextBox 47">
-            <a:extLst>
-              <a:ext uri="{FF2B5EF4-FFF2-40B4-BE49-F238E27FC236}">
-                <a16:creationId xmlns:a16="http://schemas.microsoft.com/office/drawing/2014/main" id="{6D24254F-A313-287A-6E9A-FC4955DB1727}"/>
-              </a:ext>
-            </a:extLst>
-          </p:cNvPr>
-          <p:cNvSpPr txBox="1"/>
-          <p:nvPr/>
-        </p:nvSpPr>
-        <p:spPr>
-          <a:xfrm>
-            <a:off x="1065293" y="3378707"/>
-            <a:ext cx="910827" cy="369332"/>
-          </a:xfrm>
-          <a:prstGeom prst="rect">
-            <a:avLst/>
-          </a:prstGeom>
-          <a:noFill/>
-        </p:spPr>
-        <p:txBody>
-          <a:bodyPr wrap="none" rtlCol="0">
-            <a:spAutoFit/>
-          </a:bodyPr>
-          <a:lstStyle/>
-          <a:p>
-            <a:r>
-              <a:rPr lang="en-US" dirty="0"/>
-              <a:t>12-0-12</a:t>
-            </a:r>
-          </a:p>
-        </p:txBody>
-      </p:sp>
-      <p:sp>
-        <p:nvSpPr>
-          <p:cNvPr id="49" name="TextBox 48">
-            <a:extLst>
-              <a:ext uri="{FF2B5EF4-FFF2-40B4-BE49-F238E27FC236}">
-                <a16:creationId xmlns:a16="http://schemas.microsoft.com/office/drawing/2014/main" id="{C2311545-5318-CE8A-DF3F-8D106098268E}"/>
-              </a:ext>
-            </a:extLst>
-          </p:cNvPr>
-          <p:cNvSpPr txBox="1"/>
-          <p:nvPr/>
-        </p:nvSpPr>
-        <p:spPr>
-          <a:xfrm>
-            <a:off x="7620000" y="1757681"/>
-            <a:ext cx="2265680" cy="369332"/>
-          </a:xfrm>
-          <a:prstGeom prst="rect">
-            <a:avLst/>
-          </a:prstGeom>
-          <a:noFill/>
-        </p:spPr>
-        <p:txBody>
-          <a:bodyPr wrap="square" rtlCol="0">
-            <a:spAutoFit/>
-          </a:bodyPr>
-          <a:lstStyle/>
-          <a:p>
-            <a:r>
-              <a:rPr lang="en-US" dirty="0"/>
-              <a:t>Base Board</a:t>
-            </a:r>
-          </a:p>
-        </p:txBody>
-      </p:sp>
-      <p:sp>
-        <p:nvSpPr>
-          <p:cNvPr id="50" name="TextBox 49">
-            <a:extLst>
-              <a:ext uri="{FF2B5EF4-FFF2-40B4-BE49-F238E27FC236}">
-                <a16:creationId xmlns:a16="http://schemas.microsoft.com/office/drawing/2014/main" id="{300D22E0-CBB3-61EB-8141-FA387D834838}"/>
-              </a:ext>
-            </a:extLst>
-          </p:cNvPr>
-          <p:cNvSpPr txBox="1"/>
-          <p:nvPr/>
-        </p:nvSpPr>
-        <p:spPr>
-          <a:xfrm>
-            <a:off x="4013200" y="2615679"/>
-            <a:ext cx="2265680" cy="369332"/>
-          </a:xfrm>
-          <a:prstGeom prst="rect">
-            <a:avLst/>
-          </a:prstGeom>
-          <a:noFill/>
-        </p:spPr>
-        <p:txBody>
-          <a:bodyPr wrap="square" rtlCol="0">
-            <a:spAutoFit/>
-          </a:bodyPr>
-          <a:lstStyle/>
-          <a:p>
-            <a:r>
-              <a:rPr lang="en-US" dirty="0"/>
-              <a:t>Power supply board</a:t>
-            </a:r>
-          </a:p>
-        </p:txBody>
-      </p:sp>
-      <p:sp>
-        <p:nvSpPr>
-          <p:cNvPr id="51" name="TextBox 50">
-            <a:extLst>
-              <a:ext uri="{FF2B5EF4-FFF2-40B4-BE49-F238E27FC236}">
-                <a16:creationId xmlns:a16="http://schemas.microsoft.com/office/drawing/2014/main" id="{0F25302A-DDF5-B8CE-CF21-4BBE2FF5E3F4}"/>
-              </a:ext>
-            </a:extLst>
-          </p:cNvPr>
-          <p:cNvSpPr txBox="1"/>
-          <p:nvPr/>
-        </p:nvSpPr>
-        <p:spPr>
-          <a:xfrm>
-            <a:off x="8890000" y="3601226"/>
-            <a:ext cx="1544320" cy="369332"/>
-          </a:xfrm>
-          <a:prstGeom prst="rect">
-            <a:avLst/>
-          </a:prstGeom>
-          <a:noFill/>
-        </p:spPr>
-        <p:txBody>
-          <a:bodyPr wrap="square" rtlCol="0">
-            <a:spAutoFit/>
-          </a:bodyPr>
-          <a:lstStyle/>
-          <a:p>
-            <a:pPr algn="ctr"/>
-            <a:r>
-              <a:rPr lang="en-US" dirty="0"/>
-              <a:t>Arduino uno</a:t>
-            </a:r>
-          </a:p>
-        </p:txBody>
-      </p:sp>
-      <p:grpSp>
-        <p:nvGrpSpPr>
-          <p:cNvPr id="52" name="Group 51">
-            <a:extLst>
-              <a:ext uri="{FF2B5EF4-FFF2-40B4-BE49-F238E27FC236}">
-                <a16:creationId xmlns:a16="http://schemas.microsoft.com/office/drawing/2014/main" id="{0A42A00F-C1DD-51B2-47A0-40094340693B}"/>
-              </a:ext>
-            </a:extLst>
-          </p:cNvPr>
-          <p:cNvGrpSpPr/>
-          <p:nvPr/>
-        </p:nvGrpSpPr>
-        <p:grpSpPr>
-          <a:xfrm rot="5400000">
-            <a:off x="7496812" y="3696964"/>
-            <a:ext cx="1112520" cy="200656"/>
-            <a:chOff x="955040" y="4135120"/>
-            <a:chExt cx="1112520" cy="200656"/>
-          </a:xfrm>
-        </p:grpSpPr>
-        <p:sp>
-          <p:nvSpPr>
-            <p:cNvPr id="53" name="Oval 52">
-              <a:extLst>
-                <a:ext uri="{FF2B5EF4-FFF2-40B4-BE49-F238E27FC236}">
-                  <a16:creationId xmlns:a16="http://schemas.microsoft.com/office/drawing/2014/main" id="{3BF21D59-2800-3642-838E-E30522265959}"/>
-                </a:ext>
-              </a:extLst>
-            </p:cNvPr>
-            <p:cNvSpPr/>
-            <p:nvPr/>
-          </p:nvSpPr>
-          <p:spPr>
-            <a:xfrm>
-              <a:off x="955040" y="4135120"/>
-              <a:ext cx="182880" cy="182880"/>
-            </a:xfrm>
-            <a:prstGeom prst="ellipse">
-              <a:avLst/>
-            </a:prstGeom>
-          </p:spPr>
-          <p:style>
-            <a:lnRef idx="2">
-              <a:schemeClr val="accent1">
-                <a:shade val="50000"/>
-              </a:schemeClr>
-            </a:lnRef>
-            <a:fillRef idx="1">
-              <a:schemeClr val="accent1"/>
-            </a:fillRef>
-            <a:effectRef idx="0">
-              <a:schemeClr val="accent1"/>
-            </a:effectRef>
-            <a:fontRef idx="minor">
-              <a:schemeClr val="lt1"/>
-            </a:fontRef>
-          </p:style>
-          <p:txBody>
-            <a:bodyPr rtlCol="0" anchor="ctr"/>
-            <a:lstStyle/>
-            <a:p>
-              <a:pPr algn="ctr"/>
-              <a:endParaRPr lang="en-US"/>
-            </a:p>
-          </p:txBody>
-        </p:sp>
-        <p:sp>
-          <p:nvSpPr>
-            <p:cNvPr id="54" name="Oval 53">
-              <a:extLst>
-                <a:ext uri="{FF2B5EF4-FFF2-40B4-BE49-F238E27FC236}">
-                  <a16:creationId xmlns:a16="http://schemas.microsoft.com/office/drawing/2014/main" id="{08D0D142-6C09-A55F-A4C6-640CC7A2ED2F}"/>
-                </a:ext>
-              </a:extLst>
-            </p:cNvPr>
-            <p:cNvSpPr/>
-            <p:nvPr/>
-          </p:nvSpPr>
-          <p:spPr>
-            <a:xfrm>
-              <a:off x="1417320" y="4135120"/>
-              <a:ext cx="182880" cy="182880"/>
-            </a:xfrm>
-            <a:prstGeom prst="ellipse">
-              <a:avLst/>
-            </a:prstGeom>
-          </p:spPr>
-          <p:style>
-            <a:lnRef idx="2">
-              <a:schemeClr val="accent1">
-                <a:shade val="50000"/>
-              </a:schemeClr>
-            </a:lnRef>
-            <a:fillRef idx="1">
-              <a:schemeClr val="accent1"/>
-            </a:fillRef>
-            <a:effectRef idx="0">
-              <a:schemeClr val="accent1"/>
-            </a:effectRef>
-            <a:fontRef idx="minor">
-              <a:schemeClr val="lt1"/>
-            </a:fontRef>
-          </p:style>
-          <p:txBody>
-            <a:bodyPr rtlCol="0" anchor="ctr"/>
-            <a:lstStyle/>
-            <a:p>
-              <a:pPr algn="ctr"/>
-              <a:endParaRPr lang="en-US"/>
-            </a:p>
-          </p:txBody>
-        </p:sp>
-        <p:sp>
-          <p:nvSpPr>
-            <p:cNvPr id="55" name="Oval 54">
-              <a:extLst>
-                <a:ext uri="{FF2B5EF4-FFF2-40B4-BE49-F238E27FC236}">
-                  <a16:creationId xmlns:a16="http://schemas.microsoft.com/office/drawing/2014/main" id="{41195699-1EB3-8B52-437C-9FF0AEC6246B}"/>
-                </a:ext>
-              </a:extLst>
-            </p:cNvPr>
-            <p:cNvSpPr/>
-            <p:nvPr/>
-          </p:nvSpPr>
-          <p:spPr>
-            <a:xfrm>
-              <a:off x="1884680" y="4152896"/>
-              <a:ext cx="182880" cy="182880"/>
-            </a:xfrm>
-            <a:prstGeom prst="ellipse">
-              <a:avLst/>
-            </a:prstGeom>
-          </p:spPr>
-          <p:style>
-            <a:lnRef idx="2">
-              <a:schemeClr val="accent1">
-                <a:shade val="50000"/>
-              </a:schemeClr>
-            </a:lnRef>
-            <a:fillRef idx="1">
-              <a:schemeClr val="accent1"/>
-            </a:fillRef>
-            <a:effectRef idx="0">
-              <a:schemeClr val="accent1"/>
-            </a:effectRef>
-            <a:fontRef idx="minor">
-              <a:schemeClr val="lt1"/>
-            </a:fontRef>
-          </p:style>
-          <p:txBody>
-            <a:bodyPr rtlCol="0" anchor="ctr"/>
-            <a:lstStyle/>
-            <a:p>
-              <a:pPr algn="ctr"/>
-              <a:endParaRPr lang="en-US"/>
-            </a:p>
-          </p:txBody>
-        </p:sp>
-      </p:grpSp>
-      <p:sp>
-        <p:nvSpPr>
-          <p:cNvPr id="56" name="Isosceles Triangle 55">
-            <a:extLst>
-              <a:ext uri="{FF2B5EF4-FFF2-40B4-BE49-F238E27FC236}">
-                <a16:creationId xmlns:a16="http://schemas.microsoft.com/office/drawing/2014/main" id="{7E5A791F-4569-946D-A269-C8603920BD97}"/>
-              </a:ext>
-            </a:extLst>
-          </p:cNvPr>
-          <p:cNvSpPr/>
-          <p:nvPr/>
-        </p:nvSpPr>
-        <p:spPr>
-          <a:xfrm flipV="1">
-            <a:off x="1381005" y="5506720"/>
-            <a:ext cx="279402" cy="314960"/>
-          </a:xfrm>
-          <a:prstGeom prst="triangle">
-            <a:avLst/>
-          </a:prstGeom>
-        </p:spPr>
-        <p:style>
-          <a:lnRef idx="2">
-            <a:schemeClr val="accent1">
-              <a:shade val="50000"/>
-            </a:schemeClr>
-          </a:lnRef>
-          <a:fillRef idx="1">
-            <a:schemeClr val="accent1"/>
-          </a:fillRef>
-          <a:effectRef idx="0">
-            <a:schemeClr val="accent1"/>
-          </a:effectRef>
-          <a:fontRef idx="minor">
-            <a:schemeClr val="lt1"/>
-          </a:fontRef>
-        </p:style>
-        <p:txBody>
-          <a:bodyPr rtlCol="0" anchor="ctr"/>
-          <a:lstStyle/>
-          <a:p>
-            <a:pPr algn="ctr"/>
-            <a:endParaRPr lang="en-US"/>
-          </a:p>
-        </p:txBody>
-      </p:sp>
-      <p:cxnSp>
-        <p:nvCxnSpPr>
-          <p:cNvPr id="58" name="Straight Connector 57">
-            <a:extLst>
-              <a:ext uri="{FF2B5EF4-FFF2-40B4-BE49-F238E27FC236}">
-                <a16:creationId xmlns:a16="http://schemas.microsoft.com/office/drawing/2014/main" id="{4D127C34-C0FD-9517-85CD-8F85D256A726}"/>
-              </a:ext>
-            </a:extLst>
-          </p:cNvPr>
-          <p:cNvCxnSpPr>
-            <a:cxnSpLocks/>
-            <a:stCxn id="25" idx="4"/>
-            <a:endCxn id="56" idx="3"/>
-          </p:cNvCxnSpPr>
-          <p:nvPr/>
-        </p:nvCxnSpPr>
-        <p:spPr>
-          <a:xfrm>
-            <a:off x="1508760" y="4318000"/>
-            <a:ext cx="11946" cy="1188720"/>
-          </a:xfrm>
-          <a:prstGeom prst="line">
-            <a:avLst/>
-          </a:prstGeom>
-          <a:ln w="28575"/>
-        </p:spPr>
-        <p:style>
-          <a:lnRef idx="1">
-            <a:schemeClr val="accent1"/>
-          </a:lnRef>
-          <a:fillRef idx="0">
-            <a:schemeClr val="accent1"/>
-          </a:fillRef>
-          <a:effectRef idx="0">
-            <a:schemeClr val="accent1"/>
-          </a:effectRef>
-          <a:fontRef idx="minor">
-            <a:schemeClr val="tx1"/>
-          </a:fontRef>
-        </p:style>
-      </p:cxnSp>
-      <p:cxnSp>
-        <p:nvCxnSpPr>
-          <p:cNvPr id="61" name="Straight Arrow Connector 60">
-            <a:extLst>
-              <a:ext uri="{FF2B5EF4-FFF2-40B4-BE49-F238E27FC236}">
-                <a16:creationId xmlns:a16="http://schemas.microsoft.com/office/drawing/2014/main" id="{58C513E8-8F12-55F8-4AC8-933772950D6B}"/>
-              </a:ext>
-            </a:extLst>
-          </p:cNvPr>
-          <p:cNvCxnSpPr>
-            <a:cxnSpLocks/>
-            <a:stCxn id="31" idx="6"/>
-            <a:endCxn id="66" idx="6"/>
-          </p:cNvCxnSpPr>
-          <p:nvPr/>
-        </p:nvCxnSpPr>
-        <p:spPr>
-          <a:xfrm flipV="1">
-            <a:off x="2067560" y="3470147"/>
-            <a:ext cx="2489200" cy="774189"/>
-          </a:xfrm>
-          <a:prstGeom prst="straightConnector1">
-            <a:avLst/>
-          </a:prstGeom>
-          <a:ln w="28575">
-            <a:tailEnd type="triangle"/>
-          </a:ln>
-        </p:spPr>
-        <p:style>
-          <a:lnRef idx="1">
-            <a:schemeClr val="accent1"/>
-          </a:lnRef>
-          <a:fillRef idx="0">
-            <a:schemeClr val="accent1"/>
-          </a:fillRef>
-          <a:effectRef idx="0">
-            <a:schemeClr val="accent1"/>
-          </a:effectRef>
-          <a:fontRef idx="minor">
-            <a:schemeClr val="tx1"/>
-          </a:fontRef>
-        </p:style>
-      </p:cxnSp>
-      <p:sp>
-        <p:nvSpPr>
-          <p:cNvPr id="66" name="Oval 65">
-            <a:extLst>
-              <a:ext uri="{FF2B5EF4-FFF2-40B4-BE49-F238E27FC236}">
-                <a16:creationId xmlns:a16="http://schemas.microsoft.com/office/drawing/2014/main" id="{CB53EF21-3611-51C7-6296-050834A1CDB9}"/>
-              </a:ext>
-            </a:extLst>
-          </p:cNvPr>
-          <p:cNvSpPr/>
-          <p:nvPr/>
-        </p:nvSpPr>
-        <p:spPr>
-          <a:xfrm>
-            <a:off x="4373880" y="3378707"/>
-            <a:ext cx="182880" cy="182880"/>
-          </a:xfrm>
-          <a:prstGeom prst="ellipse">
-            <a:avLst/>
-          </a:prstGeom>
-        </p:spPr>
-        <p:style>
-          <a:lnRef idx="2">
-            <a:schemeClr val="accent1">
-              <a:shade val="50000"/>
-            </a:schemeClr>
-          </a:lnRef>
-          <a:fillRef idx="1">
-            <a:schemeClr val="accent1"/>
-          </a:fillRef>
-          <a:effectRef idx="0">
-            <a:schemeClr val="accent1"/>
-          </a:effectRef>
-          <a:fontRef idx="minor">
-            <a:schemeClr val="lt1"/>
-          </a:fontRef>
-        </p:style>
-        <p:txBody>
-          <a:bodyPr rtlCol="0" anchor="ctr"/>
-          <a:lstStyle/>
-          <a:p>
-            <a:pPr algn="ctr"/>
-            <a:endParaRPr lang="en-US"/>
-          </a:p>
-        </p:txBody>
-      </p:sp>
-      <p:sp>
-        <p:nvSpPr>
-          <p:cNvPr id="69" name="TextBox 68">
-            <a:extLst>
-              <a:ext uri="{FF2B5EF4-FFF2-40B4-BE49-F238E27FC236}">
-                <a16:creationId xmlns:a16="http://schemas.microsoft.com/office/drawing/2014/main" id="{19FDE1F8-46D7-21A1-B5E9-67CD13C73C2D}"/>
-              </a:ext>
-            </a:extLst>
-          </p:cNvPr>
-          <p:cNvSpPr txBox="1"/>
-          <p:nvPr/>
-        </p:nvSpPr>
-        <p:spPr>
-          <a:xfrm>
-            <a:off x="4617720" y="3257523"/>
-            <a:ext cx="970280" cy="369332"/>
-          </a:xfrm>
-          <a:prstGeom prst="rect">
-            <a:avLst/>
-          </a:prstGeom>
-          <a:noFill/>
-        </p:spPr>
-        <p:txBody>
-          <a:bodyPr wrap="square" rtlCol="0">
-            <a:spAutoFit/>
-          </a:bodyPr>
-          <a:lstStyle/>
-          <a:p>
-            <a:r>
-              <a:rPr lang="en-US" dirty="0"/>
-              <a:t>P</a:t>
-            </a:r>
-            <a:r>
-              <a:rPr lang="en-US" baseline="-25000" dirty="0"/>
-              <a:t>in</a:t>
-            </a:r>
-          </a:p>
-        </p:txBody>
-      </p:sp>
-    </p:spTree>
-    <p:extLst>
-      <p:ext uri="{BB962C8B-B14F-4D97-AF65-F5344CB8AC3E}">
-        <p14:creationId xmlns:p14="http://schemas.microsoft.com/office/powerpoint/2010/main" val="1416611240"/>
-      </p:ext>
-    </p:extLst>
-  </p:cSld>
-  <p:clrMapOvr>
-    <a:masterClrMapping/>
-  </p:clrMapOvr>
-</p:sld>
-</file>
-
-<file path=ppt/slides/slide18.xml><?xml version="1.0" encoding="utf-8"?>
-<p:sld xmlns:a="http://schemas.openxmlformats.org/drawingml/2006/main" xmlns:r="http://schemas.openxmlformats.org/officeDocument/2006/relationships" xmlns:p="http://schemas.openxmlformats.org/presentationml/2006/main">
-  <p:cSld>
-    <p:spTree>
-      <p:nvGrpSpPr>
-        <p:cNvPr id="1" name=""/>
-        <p:cNvGrpSpPr/>
-        <p:nvPr/>
-      </p:nvGrpSpPr>
-      <p:grpSpPr>
-        <a:xfrm>
-          <a:off x="0" y="0"/>
-          <a:ext cx="0" cy="0"/>
-          <a:chOff x="0" y="0"/>
-          <a:chExt cx="0" cy="0"/>
-        </a:xfrm>
-      </p:grpSpPr>
-      <p:sp>
-        <p:nvSpPr>
-          <p:cNvPr id="4" name="TextBox 3">
-            <a:extLst>
-              <a:ext uri="{FF2B5EF4-FFF2-40B4-BE49-F238E27FC236}">
-                <a16:creationId xmlns:a16="http://schemas.microsoft.com/office/drawing/2014/main" id="{17C97D89-3979-D9EC-2F9E-F1BA5D0A9EF4}"/>
-              </a:ext>
-            </a:extLst>
-          </p:cNvPr>
-          <p:cNvSpPr txBox="1"/>
-          <p:nvPr/>
-        </p:nvSpPr>
-        <p:spPr>
-          <a:xfrm>
-            <a:off x="416560" y="675640"/>
-            <a:ext cx="7081520" cy="646331"/>
-          </a:xfrm>
-          <a:prstGeom prst="rect">
-            <a:avLst/>
-          </a:prstGeom>
-          <a:noFill/>
-        </p:spPr>
-        <p:txBody>
-          <a:bodyPr wrap="square" rtlCol="0">
-            <a:spAutoFit/>
-          </a:bodyPr>
-          <a:lstStyle/>
-          <a:p>
-            <a:r>
-              <a:rPr lang="en-US" sz="3600" b="1" dirty="0"/>
-              <a:t>Existing Methods &amp; Limitations </a:t>
-            </a:r>
-          </a:p>
-        </p:txBody>
-      </p:sp>
-      <p:cxnSp>
-        <p:nvCxnSpPr>
-          <p:cNvPr id="9" name="Straight Connector 8">
-            <a:extLst>
-              <a:ext uri="{FF2B5EF4-FFF2-40B4-BE49-F238E27FC236}">
-                <a16:creationId xmlns:a16="http://schemas.microsoft.com/office/drawing/2014/main" id="{06DEB5C5-95DE-9DEC-6F84-929E462EC78F}"/>
-              </a:ext>
-            </a:extLst>
-          </p:cNvPr>
-          <p:cNvCxnSpPr>
-            <a:cxnSpLocks/>
-          </p:cNvCxnSpPr>
-          <p:nvPr/>
-        </p:nvCxnSpPr>
-        <p:spPr>
-          <a:xfrm>
-            <a:off x="335280" y="1382931"/>
-            <a:ext cx="2743200" cy="0"/>
-          </a:xfrm>
-          <a:prstGeom prst="line">
-            <a:avLst/>
-          </a:prstGeom>
-          <a:ln w="28575"/>
-          <a:effectLst>
-            <a:outerShdw blurRad="50800" dist="38100" dir="2700000" algn="tl" rotWithShape="0">
-              <a:prstClr val="black">
-                <a:alpha val="40000"/>
-              </a:prstClr>
-            </a:outerShdw>
-          </a:effectLst>
-        </p:spPr>
-        <p:style>
-          <a:lnRef idx="1">
-            <a:schemeClr val="accent1"/>
-          </a:lnRef>
-          <a:fillRef idx="0">
-            <a:schemeClr val="accent1"/>
-          </a:fillRef>
-          <a:effectRef idx="0">
-            <a:schemeClr val="accent1"/>
-          </a:effectRef>
-          <a:fontRef idx="minor">
-            <a:schemeClr val="tx1"/>
-          </a:fontRef>
-        </p:style>
-      </p:cxnSp>
-      <p:sp>
-        <p:nvSpPr>
-          <p:cNvPr id="6" name="TextBox 5">
-            <a:extLst>
-              <a:ext uri="{FF2B5EF4-FFF2-40B4-BE49-F238E27FC236}">
-                <a16:creationId xmlns:a16="http://schemas.microsoft.com/office/drawing/2014/main" id="{57CC0083-6D2E-CFA0-B34B-C13C38CC22CF}"/>
-              </a:ext>
-            </a:extLst>
-          </p:cNvPr>
-          <p:cNvSpPr txBox="1"/>
-          <p:nvPr/>
-        </p:nvSpPr>
-        <p:spPr>
-          <a:xfrm>
-            <a:off x="528320" y="1752600"/>
-            <a:ext cx="11104880" cy="3416320"/>
+            <a:off x="721360" y="1752600"/>
+            <a:ext cx="10911840" cy="3416320"/>
           </a:xfrm>
           <a:prstGeom prst="rect">
             <a:avLst/>
@@ -7853,264 +9207,6 @@
     <p:extLst>
       <p:ext uri="{BB962C8B-B14F-4D97-AF65-F5344CB8AC3E}">
         <p14:creationId xmlns:p14="http://schemas.microsoft.com/office/powerpoint/2010/main" val="3800121739"/>
-      </p:ext>
-    </p:extLst>
-  </p:cSld>
-  <p:clrMapOvr>
-    <a:masterClrMapping/>
-  </p:clrMapOvr>
-</p:sld>
-</file>
-
-<file path=ppt/slides/slide19.xml><?xml version="1.0" encoding="utf-8"?>
-<p:sld xmlns:a="http://schemas.openxmlformats.org/drawingml/2006/main" xmlns:r="http://schemas.openxmlformats.org/officeDocument/2006/relationships" xmlns:p="http://schemas.openxmlformats.org/presentationml/2006/main">
-  <p:cSld>
-    <p:spTree>
-      <p:nvGrpSpPr>
-        <p:cNvPr id="1" name=""/>
-        <p:cNvGrpSpPr/>
-        <p:nvPr/>
-      </p:nvGrpSpPr>
-      <p:grpSpPr>
-        <a:xfrm>
-          <a:off x="0" y="0"/>
-          <a:ext cx="0" cy="0"/>
-          <a:chOff x="0" y="0"/>
-          <a:chExt cx="0" cy="0"/>
-        </a:xfrm>
-      </p:grpSpPr>
-      <p:sp>
-        <p:nvSpPr>
-          <p:cNvPr id="4" name="TextBox 3">
-            <a:extLst>
-              <a:ext uri="{FF2B5EF4-FFF2-40B4-BE49-F238E27FC236}">
-                <a16:creationId xmlns:a16="http://schemas.microsoft.com/office/drawing/2014/main" id="{17C97D89-3979-D9EC-2F9E-F1BA5D0A9EF4}"/>
-              </a:ext>
-            </a:extLst>
-          </p:cNvPr>
-          <p:cNvSpPr txBox="1"/>
-          <p:nvPr/>
-        </p:nvSpPr>
-        <p:spPr>
-          <a:xfrm>
-            <a:off x="416560" y="675640"/>
-            <a:ext cx="3921760" cy="646331"/>
-          </a:xfrm>
-          <a:prstGeom prst="rect">
-            <a:avLst/>
-          </a:prstGeom>
-          <a:noFill/>
-        </p:spPr>
-        <p:txBody>
-          <a:bodyPr wrap="square" rtlCol="0">
-            <a:spAutoFit/>
-          </a:bodyPr>
-          <a:lstStyle/>
-          <a:p>
-            <a:r>
-              <a:rPr lang="en-US" sz="3600" b="1" dirty="0"/>
-              <a:t>Proposed Method</a:t>
-            </a:r>
-          </a:p>
-        </p:txBody>
-      </p:sp>
-      <p:cxnSp>
-        <p:nvCxnSpPr>
-          <p:cNvPr id="9" name="Straight Connector 8">
-            <a:extLst>
-              <a:ext uri="{FF2B5EF4-FFF2-40B4-BE49-F238E27FC236}">
-                <a16:creationId xmlns:a16="http://schemas.microsoft.com/office/drawing/2014/main" id="{06DEB5C5-95DE-9DEC-6F84-929E462EC78F}"/>
-              </a:ext>
-            </a:extLst>
-          </p:cNvPr>
-          <p:cNvCxnSpPr>
-            <a:cxnSpLocks/>
-          </p:cNvCxnSpPr>
-          <p:nvPr/>
-        </p:nvCxnSpPr>
-        <p:spPr>
-          <a:xfrm>
-            <a:off x="335280" y="1382931"/>
-            <a:ext cx="2743200" cy="0"/>
-          </a:xfrm>
-          <a:prstGeom prst="line">
-            <a:avLst/>
-          </a:prstGeom>
-          <a:ln w="28575"/>
-          <a:effectLst>
-            <a:outerShdw blurRad="50800" dist="38100" dir="2700000" algn="tl" rotWithShape="0">
-              <a:prstClr val="black">
-                <a:alpha val="40000"/>
-              </a:prstClr>
-            </a:outerShdw>
-          </a:effectLst>
-        </p:spPr>
-        <p:style>
-          <a:lnRef idx="1">
-            <a:schemeClr val="accent1"/>
-          </a:lnRef>
-          <a:fillRef idx="0">
-            <a:schemeClr val="accent1"/>
-          </a:fillRef>
-          <a:effectRef idx="0">
-            <a:schemeClr val="accent1"/>
-          </a:effectRef>
-          <a:fontRef idx="minor">
-            <a:schemeClr val="tx1"/>
-          </a:fontRef>
-        </p:style>
-      </p:cxnSp>
-      <p:sp>
-        <p:nvSpPr>
-          <p:cNvPr id="6" name="TextBox 5">
-            <a:extLst>
-              <a:ext uri="{FF2B5EF4-FFF2-40B4-BE49-F238E27FC236}">
-                <a16:creationId xmlns:a16="http://schemas.microsoft.com/office/drawing/2014/main" id="{57CC0083-6D2E-CFA0-B34B-C13C38CC22CF}"/>
-              </a:ext>
-            </a:extLst>
-          </p:cNvPr>
-          <p:cNvSpPr txBox="1"/>
-          <p:nvPr/>
-        </p:nvSpPr>
-        <p:spPr>
-          <a:xfrm>
-            <a:off x="528320" y="1752600"/>
-            <a:ext cx="11104880" cy="4524315"/>
-          </a:xfrm>
-          <a:prstGeom prst="rect">
-            <a:avLst/>
-          </a:prstGeom>
-          <a:noFill/>
-        </p:spPr>
-        <p:txBody>
-          <a:bodyPr wrap="square" rtlCol="0">
-            <a:spAutoFit/>
-          </a:bodyPr>
-          <a:lstStyle/>
-          <a:p>
-            <a:pPr marL="285750" indent="-285750">
-              <a:buFont typeface="Arial" panose="020B0604020202020204" pitchFamily="34" charset="0"/>
-              <a:buChar char="•"/>
-            </a:pPr>
-            <a:r>
-              <a:rPr lang="en-US" sz="2400" dirty="0">
-                <a:latin typeface="+mj-lt"/>
-              </a:rPr>
-              <a:t>The system integrates an ultrasonic sensor mounted on a </a:t>
-            </a:r>
-            <a:r>
-              <a:rPr lang="en-US" sz="2400" b="1" dirty="0">
-                <a:latin typeface="+mj-lt"/>
-              </a:rPr>
-              <a:t>servo motor for 180° scanning</a:t>
-            </a:r>
-            <a:r>
-              <a:rPr lang="en-US" sz="2400" dirty="0">
-                <a:latin typeface="+mj-lt"/>
-              </a:rPr>
-              <a:t>, improving obstacle detection.  </a:t>
-            </a:r>
-          </a:p>
-          <a:p>
-            <a:pPr marL="285750" indent="-285750">
-              <a:buFont typeface="Arial" panose="020B0604020202020204" pitchFamily="34" charset="0"/>
-              <a:buChar char="•"/>
-            </a:pPr>
-            <a:endParaRPr lang="en-US" sz="2400" dirty="0">
-              <a:latin typeface="+mj-lt"/>
-            </a:endParaRPr>
-          </a:p>
-          <a:p>
-            <a:pPr marL="285750" indent="-285750">
-              <a:buFont typeface="Arial" panose="020B0604020202020204" pitchFamily="34" charset="0"/>
-              <a:buChar char="•"/>
-            </a:pPr>
-            <a:r>
-              <a:rPr lang="en-US" sz="2400" b="1" dirty="0">
-                <a:latin typeface="+mj-lt"/>
-              </a:rPr>
-              <a:t>A mean-based algorithm</a:t>
-            </a:r>
-            <a:r>
-              <a:rPr lang="en-US" sz="2400" dirty="0">
-                <a:latin typeface="+mj-lt"/>
-              </a:rPr>
-              <a:t> processes the data, reducing false positives and optimizing path selection.  </a:t>
-            </a:r>
-          </a:p>
-          <a:p>
-            <a:pPr marL="285750" indent="-285750">
-              <a:buFont typeface="Arial" panose="020B0604020202020204" pitchFamily="34" charset="0"/>
-              <a:buChar char="•"/>
-            </a:pPr>
-            <a:endParaRPr lang="en-US" sz="2400" dirty="0">
-              <a:latin typeface="+mj-lt"/>
-            </a:endParaRPr>
-          </a:p>
-          <a:p>
-            <a:pPr marL="285750" indent="-285750">
-              <a:buFont typeface="Arial" panose="020B0604020202020204" pitchFamily="34" charset="0"/>
-              <a:buChar char="•"/>
-            </a:pPr>
-            <a:r>
-              <a:rPr lang="en-US" sz="2400" dirty="0">
-                <a:latin typeface="+mj-lt"/>
-              </a:rPr>
-              <a:t>The </a:t>
-            </a:r>
-            <a:r>
-              <a:rPr lang="en-US" sz="2400" b="1" dirty="0">
-                <a:latin typeface="+mj-lt"/>
-              </a:rPr>
-              <a:t>L293D motor driver</a:t>
-            </a:r>
-            <a:r>
-              <a:rPr lang="en-US" sz="2400" dirty="0">
-                <a:latin typeface="+mj-lt"/>
-              </a:rPr>
-              <a:t> ensures precise control of the robot's movements. </a:t>
-            </a:r>
-          </a:p>
-          <a:p>
-            <a:endParaRPr lang="en-US" sz="2400" dirty="0">
-              <a:latin typeface="+mj-lt"/>
-            </a:endParaRPr>
-          </a:p>
-          <a:p>
-            <a:pPr marL="285750" indent="-285750">
-              <a:buFont typeface="Arial" panose="020B0604020202020204" pitchFamily="34" charset="0"/>
-              <a:buChar char="•"/>
-            </a:pPr>
-            <a:r>
-              <a:rPr lang="en-US" sz="2400" dirty="0">
-                <a:latin typeface="+mj-lt"/>
-              </a:rPr>
-              <a:t>Enhanced navigation makes it suitable for industrial, rescue, and autonomous applications.  </a:t>
-            </a:r>
-          </a:p>
-          <a:p>
-            <a:endParaRPr lang="en-US" sz="2400" dirty="0">
-              <a:latin typeface="+mj-lt"/>
-            </a:endParaRPr>
-          </a:p>
-          <a:p>
-            <a:pPr marL="285750" indent="-285750">
-              <a:buFont typeface="Arial" panose="020B0604020202020204" pitchFamily="34" charset="0"/>
-              <a:buChar char="•"/>
-            </a:pPr>
-            <a:r>
-              <a:rPr lang="en-US" sz="2400" dirty="0">
-                <a:latin typeface="+mj-lt"/>
-              </a:rPr>
-              <a:t>This approach provides better accuracy and efficiency compared to traditional systems. </a:t>
-            </a:r>
-          </a:p>
-        </p:txBody>
-      </p:sp>
-    </p:spTree>
-    <p:extLst>
-      <p:ext uri="{BB962C8B-B14F-4D97-AF65-F5344CB8AC3E}">
-        <p14:creationId xmlns:p14="http://schemas.microsoft.com/office/powerpoint/2010/main" val="2003600397"/>
       </p:ext>
     </p:extLst>
   </p:cSld>
@@ -8329,7 +9425,7 @@
         <p:spPr>
           <a:xfrm>
             <a:off x="416560" y="675640"/>
-            <a:ext cx="5679440" cy="646331"/>
+            <a:ext cx="3921760" cy="646331"/>
           </a:xfrm>
           <a:prstGeom prst="rect">
             <a:avLst/>
@@ -8344,7 +9440,7 @@
           <a:p>
             <a:r>
               <a:rPr lang="en-US" sz="3600" b="1" dirty="0"/>
-              <a:t>Advantages &amp; Future Scope</a:t>
+              <a:t>Proposed Method</a:t>
             </a:r>
           </a:p>
         </p:txBody>
@@ -8409,6 +9505,264 @@
         </p:nvSpPr>
         <p:spPr>
           <a:xfrm>
+            <a:off x="822960" y="1752600"/>
+            <a:ext cx="10810240" cy="4893647"/>
+          </a:xfrm>
+          <a:prstGeom prst="rect">
+            <a:avLst/>
+          </a:prstGeom>
+          <a:noFill/>
+        </p:spPr>
+        <p:txBody>
+          <a:bodyPr wrap="square" rtlCol="0">
+            <a:spAutoFit/>
+          </a:bodyPr>
+          <a:lstStyle/>
+          <a:p>
+            <a:pPr marL="285750" indent="-285750">
+              <a:buFont typeface="Arial" panose="020B0604020202020204" pitchFamily="34" charset="0"/>
+              <a:buChar char="•"/>
+            </a:pPr>
+            <a:r>
+              <a:rPr lang="en-US" sz="2400" dirty="0">
+                <a:latin typeface="+mj-lt"/>
+              </a:rPr>
+              <a:t>The system integrates an ultrasonic sensor mounted on a </a:t>
+            </a:r>
+            <a:r>
+              <a:rPr lang="en-US" sz="2400" b="1" dirty="0">
+                <a:latin typeface="+mj-lt"/>
+              </a:rPr>
+              <a:t>servo motor for 180° scanning</a:t>
+            </a:r>
+            <a:r>
+              <a:rPr lang="en-US" sz="2400" dirty="0">
+                <a:latin typeface="+mj-lt"/>
+              </a:rPr>
+              <a:t>, improving obstacle detection.  </a:t>
+            </a:r>
+          </a:p>
+          <a:p>
+            <a:pPr marL="285750" indent="-285750">
+              <a:buFont typeface="Arial" panose="020B0604020202020204" pitchFamily="34" charset="0"/>
+              <a:buChar char="•"/>
+            </a:pPr>
+            <a:endParaRPr lang="en-US" sz="2400" dirty="0">
+              <a:latin typeface="+mj-lt"/>
+            </a:endParaRPr>
+          </a:p>
+          <a:p>
+            <a:pPr marL="285750" indent="-285750">
+              <a:buFont typeface="Arial" panose="020B0604020202020204" pitchFamily="34" charset="0"/>
+              <a:buChar char="•"/>
+            </a:pPr>
+            <a:r>
+              <a:rPr lang="en-US" sz="2400" b="1" dirty="0">
+                <a:latin typeface="+mj-lt"/>
+              </a:rPr>
+              <a:t>A mean-based algorithm</a:t>
+            </a:r>
+            <a:r>
+              <a:rPr lang="en-US" sz="2400" dirty="0">
+                <a:latin typeface="+mj-lt"/>
+              </a:rPr>
+              <a:t> processes the data, reducing false positives and optimizing path selection.  </a:t>
+            </a:r>
+          </a:p>
+          <a:p>
+            <a:pPr marL="285750" indent="-285750">
+              <a:buFont typeface="Arial" panose="020B0604020202020204" pitchFamily="34" charset="0"/>
+              <a:buChar char="•"/>
+            </a:pPr>
+            <a:endParaRPr lang="en-US" sz="2400" dirty="0">
+              <a:latin typeface="+mj-lt"/>
+            </a:endParaRPr>
+          </a:p>
+          <a:p>
+            <a:pPr marL="285750" indent="-285750">
+              <a:buFont typeface="Arial" panose="020B0604020202020204" pitchFamily="34" charset="0"/>
+              <a:buChar char="•"/>
+            </a:pPr>
+            <a:r>
+              <a:rPr lang="en-US" sz="2400" dirty="0">
+                <a:latin typeface="+mj-lt"/>
+              </a:rPr>
+              <a:t>The </a:t>
+            </a:r>
+            <a:r>
+              <a:rPr lang="en-US" sz="2400" b="1" dirty="0">
+                <a:latin typeface="+mj-lt"/>
+              </a:rPr>
+              <a:t>L293D motor driver</a:t>
+            </a:r>
+            <a:r>
+              <a:rPr lang="en-US" sz="2400" dirty="0">
+                <a:latin typeface="+mj-lt"/>
+              </a:rPr>
+              <a:t> ensures precise control of the robot's movements. </a:t>
+            </a:r>
+          </a:p>
+          <a:p>
+            <a:endParaRPr lang="en-US" sz="2400" dirty="0">
+              <a:latin typeface="+mj-lt"/>
+            </a:endParaRPr>
+          </a:p>
+          <a:p>
+            <a:pPr marL="285750" indent="-285750">
+              <a:buFont typeface="Arial" panose="020B0604020202020204" pitchFamily="34" charset="0"/>
+              <a:buChar char="•"/>
+            </a:pPr>
+            <a:r>
+              <a:rPr lang="en-US" sz="2400" dirty="0">
+                <a:latin typeface="+mj-lt"/>
+              </a:rPr>
+              <a:t>Enhanced navigation makes it suitable for industrial, rescue, and autonomous applications.  </a:t>
+            </a:r>
+          </a:p>
+          <a:p>
+            <a:endParaRPr lang="en-US" sz="2400" dirty="0">
+              <a:latin typeface="+mj-lt"/>
+            </a:endParaRPr>
+          </a:p>
+          <a:p>
+            <a:pPr marL="285750" indent="-285750">
+              <a:buFont typeface="Arial" panose="020B0604020202020204" pitchFamily="34" charset="0"/>
+              <a:buChar char="•"/>
+            </a:pPr>
+            <a:r>
+              <a:rPr lang="en-US" sz="2400" dirty="0">
+                <a:latin typeface="+mj-lt"/>
+              </a:rPr>
+              <a:t>This approach provides better accuracy and efficiency compared to traditional systems. </a:t>
+            </a:r>
+          </a:p>
+        </p:txBody>
+      </p:sp>
+    </p:spTree>
+    <p:extLst>
+      <p:ext uri="{BB962C8B-B14F-4D97-AF65-F5344CB8AC3E}">
+        <p14:creationId xmlns:p14="http://schemas.microsoft.com/office/powerpoint/2010/main" val="2003600397"/>
+      </p:ext>
+    </p:extLst>
+  </p:cSld>
+  <p:clrMapOvr>
+    <a:masterClrMapping/>
+  </p:clrMapOvr>
+</p:sld>
+</file>
+
+<file path=ppt/slides/slide21.xml><?xml version="1.0" encoding="utf-8"?>
+<p:sld xmlns:a="http://schemas.openxmlformats.org/drawingml/2006/main" xmlns:r="http://schemas.openxmlformats.org/officeDocument/2006/relationships" xmlns:p="http://schemas.openxmlformats.org/presentationml/2006/main">
+  <p:cSld>
+    <p:spTree>
+      <p:nvGrpSpPr>
+        <p:cNvPr id="1" name=""/>
+        <p:cNvGrpSpPr/>
+        <p:nvPr/>
+      </p:nvGrpSpPr>
+      <p:grpSpPr>
+        <a:xfrm>
+          <a:off x="0" y="0"/>
+          <a:ext cx="0" cy="0"/>
+          <a:chOff x="0" y="0"/>
+          <a:chExt cx="0" cy="0"/>
+        </a:xfrm>
+      </p:grpSpPr>
+      <p:sp>
+        <p:nvSpPr>
+          <p:cNvPr id="4" name="TextBox 3">
+            <a:extLst>
+              <a:ext uri="{FF2B5EF4-FFF2-40B4-BE49-F238E27FC236}">
+                <a16:creationId xmlns:a16="http://schemas.microsoft.com/office/drawing/2014/main" id="{17C97D89-3979-D9EC-2F9E-F1BA5D0A9EF4}"/>
+              </a:ext>
+            </a:extLst>
+          </p:cNvPr>
+          <p:cNvSpPr txBox="1"/>
+          <p:nvPr/>
+        </p:nvSpPr>
+        <p:spPr>
+          <a:xfrm>
+            <a:off x="416560" y="675640"/>
+            <a:ext cx="5679440" cy="646331"/>
+          </a:xfrm>
+          <a:prstGeom prst="rect">
+            <a:avLst/>
+          </a:prstGeom>
+          <a:noFill/>
+        </p:spPr>
+        <p:txBody>
+          <a:bodyPr wrap="square" rtlCol="0">
+            <a:spAutoFit/>
+          </a:bodyPr>
+          <a:lstStyle/>
+          <a:p>
+            <a:r>
+              <a:rPr lang="en-US" sz="3600" b="1" dirty="0"/>
+              <a:t>Advantages &amp; Future Scope</a:t>
+            </a:r>
+          </a:p>
+        </p:txBody>
+      </p:sp>
+      <p:cxnSp>
+        <p:nvCxnSpPr>
+          <p:cNvPr id="9" name="Straight Connector 8">
+            <a:extLst>
+              <a:ext uri="{FF2B5EF4-FFF2-40B4-BE49-F238E27FC236}">
+                <a16:creationId xmlns:a16="http://schemas.microsoft.com/office/drawing/2014/main" id="{06DEB5C5-95DE-9DEC-6F84-929E462EC78F}"/>
+              </a:ext>
+            </a:extLst>
+          </p:cNvPr>
+          <p:cNvCxnSpPr>
+            <a:cxnSpLocks/>
+          </p:cNvCxnSpPr>
+          <p:nvPr/>
+        </p:nvCxnSpPr>
+        <p:spPr>
+          <a:xfrm>
+            <a:off x="335280" y="1382931"/>
+            <a:ext cx="2743200" cy="0"/>
+          </a:xfrm>
+          <a:prstGeom prst="line">
+            <a:avLst/>
+          </a:prstGeom>
+          <a:ln w="28575"/>
+          <a:effectLst>
+            <a:outerShdw blurRad="50800" dist="38100" dir="2700000" algn="tl" rotWithShape="0">
+              <a:prstClr val="black">
+                <a:alpha val="40000"/>
+              </a:prstClr>
+            </a:outerShdw>
+          </a:effectLst>
+        </p:spPr>
+        <p:style>
+          <a:lnRef idx="1">
+            <a:schemeClr val="accent1"/>
+          </a:lnRef>
+          <a:fillRef idx="0">
+            <a:schemeClr val="accent1"/>
+          </a:fillRef>
+          <a:effectRef idx="0">
+            <a:schemeClr val="accent1"/>
+          </a:effectRef>
+          <a:fontRef idx="minor">
+            <a:schemeClr val="tx1"/>
+          </a:fontRef>
+        </p:style>
+      </p:cxnSp>
+      <p:sp>
+        <p:nvSpPr>
+          <p:cNvPr id="6" name="TextBox 5">
+            <a:extLst>
+              <a:ext uri="{FF2B5EF4-FFF2-40B4-BE49-F238E27FC236}">
+                <a16:creationId xmlns:a16="http://schemas.microsoft.com/office/drawing/2014/main" id="{57CC0083-6D2E-CFA0-B34B-C13C38CC22CF}"/>
+              </a:ext>
+            </a:extLst>
+          </p:cNvPr>
+          <p:cNvSpPr txBox="1"/>
+          <p:nvPr/>
+        </p:nvSpPr>
+        <p:spPr>
+          <a:xfrm>
             <a:off x="528320" y="1752600"/>
             <a:ext cx="11104880" cy="3785652"/>
           </a:xfrm>
@@ -8538,6 +9892,156 @@
     <p:extLst>
       <p:ext uri="{BB962C8B-B14F-4D97-AF65-F5344CB8AC3E}">
         <p14:creationId xmlns:p14="http://schemas.microsoft.com/office/powerpoint/2010/main" val="2205597045"/>
+      </p:ext>
+    </p:extLst>
+  </p:cSld>
+  <p:clrMapOvr>
+    <a:masterClrMapping/>
+  </p:clrMapOvr>
+</p:sld>
+</file>
+
+<file path=ppt/slides/slide22.xml><?xml version="1.0" encoding="utf-8"?>
+<p:sld xmlns:a="http://schemas.openxmlformats.org/drawingml/2006/main" xmlns:r="http://schemas.openxmlformats.org/officeDocument/2006/relationships" xmlns:p="http://schemas.openxmlformats.org/presentationml/2006/main">
+  <p:cSld>
+    <p:spTree>
+      <p:nvGrpSpPr>
+        <p:cNvPr id="1" name=""/>
+        <p:cNvGrpSpPr/>
+        <p:nvPr/>
+      </p:nvGrpSpPr>
+      <p:grpSpPr>
+        <a:xfrm>
+          <a:off x="0" y="0"/>
+          <a:ext cx="0" cy="0"/>
+          <a:chOff x="0" y="0"/>
+          <a:chExt cx="0" cy="0"/>
+        </a:xfrm>
+      </p:grpSpPr>
+      <p:sp>
+        <p:nvSpPr>
+          <p:cNvPr id="4" name="TextBox 3">
+            <a:extLst>
+              <a:ext uri="{FF2B5EF4-FFF2-40B4-BE49-F238E27FC236}">
+                <a16:creationId xmlns:a16="http://schemas.microsoft.com/office/drawing/2014/main" id="{17C97D89-3979-D9EC-2F9E-F1BA5D0A9EF4}"/>
+              </a:ext>
+            </a:extLst>
+          </p:cNvPr>
+          <p:cNvSpPr txBox="1"/>
+          <p:nvPr/>
+        </p:nvSpPr>
+        <p:spPr>
+          <a:xfrm>
+            <a:off x="416560" y="675640"/>
+            <a:ext cx="2377440" cy="640080"/>
+          </a:xfrm>
+          <a:prstGeom prst="rect">
+            <a:avLst/>
+          </a:prstGeom>
+          <a:noFill/>
+        </p:spPr>
+        <p:txBody>
+          <a:bodyPr wrap="square" rtlCol="0">
+            <a:spAutoFit/>
+          </a:bodyPr>
+          <a:lstStyle/>
+          <a:p>
+            <a:r>
+              <a:rPr lang="en-US" sz="3600" b="1" dirty="0"/>
+              <a:t>Conclusion</a:t>
+            </a:r>
+          </a:p>
+        </p:txBody>
+      </p:sp>
+      <p:cxnSp>
+        <p:nvCxnSpPr>
+          <p:cNvPr id="9" name="Straight Connector 8">
+            <a:extLst>
+              <a:ext uri="{FF2B5EF4-FFF2-40B4-BE49-F238E27FC236}">
+                <a16:creationId xmlns:a16="http://schemas.microsoft.com/office/drawing/2014/main" id="{06DEB5C5-95DE-9DEC-6F84-929E462EC78F}"/>
+              </a:ext>
+            </a:extLst>
+          </p:cNvPr>
+          <p:cNvCxnSpPr>
+            <a:cxnSpLocks/>
+          </p:cNvCxnSpPr>
+          <p:nvPr/>
+        </p:nvCxnSpPr>
+        <p:spPr>
+          <a:xfrm>
+            <a:off x="294640" y="1321971"/>
+            <a:ext cx="2743200" cy="0"/>
+          </a:xfrm>
+          <a:prstGeom prst="line">
+            <a:avLst/>
+          </a:prstGeom>
+          <a:ln w="28575"/>
+          <a:effectLst>
+            <a:outerShdw blurRad="50800" dist="38100" dir="2700000" algn="tl" rotWithShape="0">
+              <a:prstClr val="black">
+                <a:alpha val="40000"/>
+              </a:prstClr>
+            </a:outerShdw>
+          </a:effectLst>
+        </p:spPr>
+        <p:style>
+          <a:lnRef idx="1">
+            <a:schemeClr val="accent1"/>
+          </a:lnRef>
+          <a:fillRef idx="0">
+            <a:schemeClr val="accent1"/>
+          </a:fillRef>
+          <a:effectRef idx="0">
+            <a:schemeClr val="accent1"/>
+          </a:effectRef>
+          <a:fontRef idx="minor">
+            <a:schemeClr val="tx1"/>
+          </a:fontRef>
+        </p:style>
+      </p:cxnSp>
+      <p:sp>
+        <p:nvSpPr>
+          <p:cNvPr id="6" name="TextBox 5">
+            <a:extLst>
+              <a:ext uri="{FF2B5EF4-FFF2-40B4-BE49-F238E27FC236}">
+                <a16:creationId xmlns:a16="http://schemas.microsoft.com/office/drawing/2014/main" id="{57CC0083-6D2E-CFA0-B34B-C13C38CC22CF}"/>
+              </a:ext>
+            </a:extLst>
+          </p:cNvPr>
+          <p:cNvSpPr txBox="1"/>
+          <p:nvPr/>
+        </p:nvSpPr>
+        <p:spPr>
+          <a:xfrm>
+            <a:off x="528320" y="1752600"/>
+            <a:ext cx="11104880" cy="3416320"/>
+          </a:xfrm>
+          <a:prstGeom prst="rect">
+            <a:avLst/>
+          </a:prstGeom>
+          <a:noFill/>
+        </p:spPr>
+        <p:txBody>
+          <a:bodyPr wrap="square" rtlCol="0">
+            <a:spAutoFit/>
+          </a:bodyPr>
+          <a:lstStyle/>
+          <a:p>
+            <a:pPr algn="just"/>
+            <a:r>
+              <a:rPr lang="en-US" sz="2400" dirty="0"/>
+              <a:t>The integration of an ultrasonic sensor, servo motor, and L293D motor driver offers a sophisticated solution for autonomous robotic navigation. It enhances obstacle detection with broader coverage, ensures precise movement control, and reduces navigation errors. A mean-based algorithm improves path selection accuracy by minimizing false positives. Future developments could include AI-driven obstacle recognition, adaptive navigation through machine learning, and additional sensors for greater reliability. This innovative system is cost-effective and ideal for applications in industrial automation, autonomous vehicle navigation, and hazardous environment exploration.</a:t>
+            </a:r>
+            <a:endParaRPr lang="en-US" sz="2400" dirty="0">
+              <a:latin typeface="+mj-lt"/>
+            </a:endParaRPr>
+          </a:p>
+        </p:txBody>
+      </p:sp>
+    </p:spTree>
+    <p:extLst>
+      <p:ext uri="{BB962C8B-B14F-4D97-AF65-F5344CB8AC3E}">
+        <p14:creationId xmlns:p14="http://schemas.microsoft.com/office/powerpoint/2010/main" val="2342501199"/>
       </p:ext>
     </p:extLst>
   </p:cSld>
@@ -8937,11 +10441,11 @@
             </a:r>
             <a:r>
               <a:rPr lang="en-US" sz="2400" b="1" dirty="0"/>
-              <a:t>IoT-enabled</a:t>
+              <a:t>omnidirectional</a:t>
             </a:r>
             <a:r>
               <a:rPr lang="en-US" sz="2400" dirty="0"/>
-              <a:t> omnidirectional pathfinding system to improve real-time obstacle detection and navigation for autonomous robotic vehicles. By integrating a </a:t>
+              <a:t> pathfinding system to improve real-time obstacle detection and navigation for autonomous robotic vehicles. By integrating a </a:t>
             </a:r>
             <a:r>
               <a:rPr lang="en-US" sz="2400" b="1" dirty="0"/>
@@ -8949,7 +10453,7 @@
             </a:r>
             <a:r>
               <a:rPr lang="en-US" sz="2400" dirty="0"/>
-              <a:t>, a servo motor, L293D motor driver, and IoT-based monitoring, our system scans a 180-degree field for better detection and accuracy. Processed data from the sensor allows smooth navigation via a </a:t>
+              <a:t>, a servo motor, L293D motor driver, our system scans a 180-degree field for better detection and accuracy. Processed data from the sensor allows smooth navigation via a </a:t>
             </a:r>
             <a:r>
               <a:rPr lang="en-US" sz="2400" b="1" dirty="0"/>
@@ -9682,7 +11186,7 @@
     </p:spTree>
     <p:extLst>
       <p:ext uri="{BB962C8B-B14F-4D97-AF65-F5344CB8AC3E}">
-        <p14:creationId xmlns:p14="http://schemas.microsoft.com/office/powerpoint/2010/main" val="1567286819"/>
+        <p14:creationId xmlns:p14="http://schemas.microsoft.com/office/powerpoint/2010/main" val="761136724"/>
       </p:ext>
     </p:extLst>
   </p:cSld>
@@ -9804,8 +11308,8 @@
         </p:nvSpPr>
         <p:spPr>
           <a:xfrm>
-            <a:off x="878840" y="2014835"/>
-            <a:ext cx="10434320" cy="3539430"/>
+            <a:off x="695960" y="1577955"/>
+            <a:ext cx="3418840" cy="584775"/>
           </a:xfrm>
           <a:prstGeom prst="rect">
             <a:avLst/>
@@ -9818,95 +11322,245 @@
           </a:bodyPr>
           <a:lstStyle/>
           <a:p>
-            <a:pPr marL="342900" indent="-342900">
+            <a:r>
+              <a:rPr lang="en-US" sz="3200" b="1" dirty="0">
+                <a:latin typeface="+mj-lt"/>
+              </a:rPr>
+              <a:t>1. </a:t>
+            </a:r>
+            <a:r>
+              <a:rPr lang="en-US" sz="3200" b="1" dirty="0"/>
+              <a:t>Arduino Uno</a:t>
+            </a:r>
+          </a:p>
+        </p:txBody>
+      </p:sp>
+      <p:pic>
+        <p:nvPicPr>
+          <p:cNvPr id="1026" name="Picture 2" descr="Inside the Arduino UNO Board: A Comprehensive Tour">
+            <a:extLst>
+              <a:ext uri="{FF2B5EF4-FFF2-40B4-BE49-F238E27FC236}">
+                <a16:creationId xmlns:a16="http://schemas.microsoft.com/office/drawing/2014/main" id="{E0A45467-1F54-FC62-68AE-1C33F20CB071}"/>
+              </a:ext>
+            </a:extLst>
+          </p:cNvPr>
+          <p:cNvPicPr>
+            <a:picLocks noChangeAspect="1" noChangeArrowheads="1"/>
+          </p:cNvPicPr>
+          <p:nvPr/>
+        </p:nvPicPr>
+        <p:blipFill rotWithShape="1">
+          <a:blip r:embed="rId2">
+            <a:extLst>
+              <a:ext uri="{28A0092B-C50C-407E-A947-70E740481C1C}">
+                <a14:useLocalDpi xmlns:a14="http://schemas.microsoft.com/office/drawing/2010/main" val="0"/>
+              </a:ext>
+            </a:extLst>
+          </a:blip>
+          <a:srcRect l="5113" r="4982"/>
+          <a:stretch/>
+        </p:blipFill>
+        <p:spPr bwMode="auto">
+          <a:xfrm rot="5400000">
+            <a:off x="7124703" y="1592580"/>
+            <a:ext cx="5359394" cy="3901440"/>
+          </a:xfrm>
+          <a:prstGeom prst="rect">
+            <a:avLst/>
+          </a:prstGeom>
+          <a:noFill/>
+          <a:extLst>
+            <a:ext uri="{909E8E84-426E-40DD-AFC4-6F175D3DCCD1}">
+              <a14:hiddenFill xmlns:a14="http://schemas.microsoft.com/office/drawing/2010/main">
+                <a:solidFill>
+                  <a:srgbClr val="FFFFFF"/>
+                </a:solidFill>
+              </a14:hiddenFill>
+            </a:ext>
+          </a:extLst>
+        </p:spPr>
+      </p:pic>
+      <p:sp>
+        <p:nvSpPr>
+          <p:cNvPr id="2" name="TextBox 1">
+            <a:extLst>
+              <a:ext uri="{FF2B5EF4-FFF2-40B4-BE49-F238E27FC236}">
+                <a16:creationId xmlns:a16="http://schemas.microsoft.com/office/drawing/2014/main" id="{84A99BB0-8516-FF75-3D0E-B43E9E776D45}"/>
+              </a:ext>
+            </a:extLst>
+          </p:cNvPr>
+          <p:cNvSpPr txBox="1"/>
+          <p:nvPr/>
+        </p:nvSpPr>
+        <p:spPr>
+          <a:xfrm>
+            <a:off x="1127760" y="2357753"/>
+            <a:ext cx="6116320" cy="4062651"/>
+          </a:xfrm>
+          <a:prstGeom prst="rect">
+            <a:avLst/>
+          </a:prstGeom>
+          <a:noFill/>
+        </p:spPr>
+        <p:txBody>
+          <a:bodyPr wrap="square" rtlCol="0">
+            <a:spAutoFit/>
+          </a:bodyPr>
+          <a:lstStyle/>
+          <a:p>
+            <a:pPr marL="285750" indent="-285750">
               <a:buFont typeface="Arial" panose="020B0604020202020204" pitchFamily="34" charset="0"/>
               <a:buChar char="•"/>
             </a:pPr>
             <a:r>
-              <a:rPr lang="en-US" sz="3200" dirty="0">
-                <a:latin typeface="+mj-lt"/>
-              </a:rPr>
-              <a:t>Arduino Uno</a:t>
-            </a:r>
-          </a:p>
-          <a:p>
-            <a:pPr marL="342900" indent="-342900">
+              <a:rPr lang="en-US" sz="2400" dirty="0"/>
+              <a:t>Digital Pins (D</a:t>
+            </a:r>
+            <a:r>
+              <a:rPr lang="en-US" sz="2400" baseline="-25000" dirty="0"/>
+              <a:t>0</a:t>
+            </a:r>
+            <a:r>
+              <a:rPr lang="en-US" sz="2400" dirty="0"/>
+              <a:t> – D</a:t>
+            </a:r>
+            <a:r>
+              <a:rPr lang="en-US" sz="2400" baseline="-25000" dirty="0"/>
+              <a:t>13</a:t>
+            </a:r>
+            <a:r>
+              <a:rPr lang="en-US" sz="2400" dirty="0"/>
+              <a:t>)</a:t>
+            </a:r>
+          </a:p>
+          <a:p>
+            <a:pPr marL="285750" indent="-285750">
+              <a:lnSpc>
+                <a:spcPct val="150000"/>
+              </a:lnSpc>
               <a:buFont typeface="Arial" panose="020B0604020202020204" pitchFamily="34" charset="0"/>
               <a:buChar char="•"/>
             </a:pPr>
             <a:r>
-              <a:rPr lang="en-US" sz="3200" dirty="0">
-                <a:latin typeface="+mj-lt"/>
-              </a:rPr>
-              <a:t>L293D Motor Driver</a:t>
-            </a:r>
-          </a:p>
-          <a:p>
-            <a:pPr marL="342900" indent="-342900">
+              <a:rPr lang="en-US" sz="2400" dirty="0"/>
+              <a:t>Analog Pins (A</a:t>
+            </a:r>
+            <a:r>
+              <a:rPr lang="en-US" sz="2400" baseline="-25000" dirty="0"/>
+              <a:t>0</a:t>
+            </a:r>
+            <a:r>
+              <a:rPr lang="en-US" sz="2400" dirty="0"/>
+              <a:t> – A</a:t>
+            </a:r>
+            <a:r>
+              <a:rPr lang="en-US" sz="2400" baseline="-25000" dirty="0"/>
+              <a:t>5</a:t>
+            </a:r>
+            <a:r>
+              <a:rPr lang="en-US" sz="2400" dirty="0"/>
+              <a:t>)</a:t>
+            </a:r>
+          </a:p>
+          <a:p>
+            <a:pPr marL="285750" indent="-285750">
+              <a:lnSpc>
+                <a:spcPct val="150000"/>
+              </a:lnSpc>
               <a:buFont typeface="Arial" panose="020B0604020202020204" pitchFamily="34" charset="0"/>
               <a:buChar char="•"/>
             </a:pPr>
             <a:r>
-              <a:rPr lang="en-US" sz="3200" dirty="0">
-                <a:latin typeface="+mj-lt"/>
-              </a:rPr>
-              <a:t>Chassis</a:t>
-            </a:r>
-          </a:p>
-          <a:p>
-            <a:pPr marL="342900" indent="-342900">
+              <a:rPr lang="en-US" sz="2400" dirty="0"/>
+              <a:t>Power pins</a:t>
+            </a:r>
+          </a:p>
+          <a:p>
+            <a:pPr marL="742950" lvl="1" indent="-285750">
+              <a:lnSpc>
+                <a:spcPct val="150000"/>
+              </a:lnSpc>
               <a:buFont typeface="Arial" panose="020B0604020202020204" pitchFamily="34" charset="0"/>
               <a:buChar char="•"/>
             </a:pPr>
             <a:r>
-              <a:rPr lang="en-US" sz="3200" dirty="0">
-                <a:latin typeface="+mj-lt"/>
-              </a:rPr>
-              <a:t>Motor &amp; wheels</a:t>
-            </a:r>
-          </a:p>
-          <a:p>
-            <a:pPr marL="342900" indent="-342900">
+              <a:rPr lang="en-US" sz="2400" dirty="0"/>
+              <a:t>V</a:t>
+            </a:r>
+            <a:r>
+              <a:rPr lang="en-US" sz="2400" baseline="-25000" dirty="0"/>
+              <a:t>in </a:t>
+            </a:r>
+            <a:r>
+              <a:rPr lang="en-US" sz="2400" dirty="0"/>
+              <a:t> , 3.3v,5v,ioref,reset</a:t>
+            </a:r>
+            <a:endParaRPr lang="en-US" sz="2400" baseline="-25000" dirty="0"/>
+          </a:p>
+          <a:p>
+            <a:pPr marL="285750" indent="-285750">
+              <a:lnSpc>
+                <a:spcPct val="150000"/>
+              </a:lnSpc>
               <a:buFont typeface="Arial" panose="020B0604020202020204" pitchFamily="34" charset="0"/>
               <a:buChar char="•"/>
             </a:pPr>
             <a:r>
-              <a:rPr lang="en-US" sz="3200" dirty="0">
-                <a:latin typeface="+mj-lt"/>
-              </a:rPr>
-              <a:t>Ultrasonic Sensor HC-SR04</a:t>
-            </a:r>
-          </a:p>
-          <a:p>
-            <a:pPr marL="342900" indent="-342900">
+              <a:rPr lang="en-US" sz="2400" dirty="0"/>
+              <a:t>Processor: Atmega328P</a:t>
+            </a:r>
+          </a:p>
+          <a:p>
+            <a:pPr marL="285750" indent="-285750">
+              <a:lnSpc>
+                <a:spcPct val="150000"/>
+              </a:lnSpc>
               <a:buFont typeface="Arial" panose="020B0604020202020204" pitchFamily="34" charset="0"/>
               <a:buChar char="•"/>
             </a:pPr>
             <a:r>
-              <a:rPr lang="en-US" sz="3200" dirty="0">
-                <a:latin typeface="+mj-lt"/>
-              </a:rPr>
-              <a:t>Servo motor</a:t>
-            </a:r>
-          </a:p>
-          <a:p>
-            <a:pPr marL="342900" indent="-342900">
+              <a:rPr lang="en-US" sz="2400" dirty="0"/>
+              <a:t>PWM pins: 3,5,6 , 9,10,11</a:t>
+            </a:r>
+          </a:p>
+          <a:p>
+            <a:pPr marL="285750" indent="-285750">
+              <a:lnSpc>
+                <a:spcPct val="150000"/>
+              </a:lnSpc>
               <a:buFont typeface="Arial" panose="020B0604020202020204" pitchFamily="34" charset="0"/>
               <a:buChar char="•"/>
             </a:pPr>
             <a:r>
-              <a:rPr lang="en-US" sz="3200" dirty="0">
-                <a:latin typeface="+mj-lt"/>
-              </a:rPr>
-              <a:t>Jumper wires</a:t>
-            </a:r>
+              <a:rPr lang="en-US" sz="2400" dirty="0"/>
+              <a:t>UART PINS: D</a:t>
+            </a:r>
+            <a:r>
+              <a:rPr lang="en-US" sz="2400" baseline="-25000" dirty="0"/>
+              <a:t>0</a:t>
+            </a:r>
+            <a:r>
+              <a:rPr lang="en-US" sz="2400" dirty="0"/>
+              <a:t>,D</a:t>
+            </a:r>
+            <a:r>
+              <a:rPr lang="en-US" sz="2400" baseline="-25000" dirty="0"/>
+              <a:t>1</a:t>
+            </a:r>
+          </a:p>
+          <a:p>
+            <a:pPr marL="285750" indent="-285750">
+              <a:buFont typeface="Arial" panose="020B0604020202020204" pitchFamily="34" charset="0"/>
+              <a:buChar char="•"/>
+            </a:pPr>
+            <a:endParaRPr lang="en-US" dirty="0"/>
           </a:p>
         </p:txBody>
       </p:sp>
     </p:spTree>
     <p:extLst>
       <p:ext uri="{BB962C8B-B14F-4D97-AF65-F5344CB8AC3E}">
-        <p14:creationId xmlns:p14="http://schemas.microsoft.com/office/powerpoint/2010/main" val="761136724"/>
+        <p14:creationId xmlns:p14="http://schemas.microsoft.com/office/powerpoint/2010/main" val="2420312741"/>
       </p:ext>
     </p:extLst>
   </p:cSld>
@@ -9947,7 +11601,7 @@
         </p:nvSpPr>
         <p:spPr>
           <a:xfrm>
-            <a:off x="436880" y="675640"/>
+            <a:off x="416560" y="675640"/>
             <a:ext cx="4856480" cy="646331"/>
           </a:xfrm>
           <a:prstGeom prst="rect">
@@ -9984,7 +11638,7 @@
         </p:nvCxnSpPr>
         <p:spPr>
           <a:xfrm>
-            <a:off x="355600" y="1382931"/>
+            <a:off x="335280" y="1382931"/>
             <a:ext cx="2743200" cy="0"/>
           </a:xfrm>
           <a:prstGeom prst="line">
@@ -10028,8 +11682,8 @@
         </p:nvSpPr>
         <p:spPr>
           <a:xfrm>
-            <a:off x="695960" y="1577955"/>
-            <a:ext cx="3418840" cy="584775"/>
+            <a:off x="675640" y="1577955"/>
+            <a:ext cx="4434840" cy="584775"/>
           </a:xfrm>
           <a:prstGeom prst="rect">
             <a:avLst/>
@@ -10046,21 +11700,70 @@
               <a:rPr lang="en-US" sz="3200" b="1" dirty="0">
                 <a:latin typeface="+mj-lt"/>
               </a:rPr>
-              <a:t>1. </a:t>
+              <a:t>2. </a:t>
             </a:r>
             <a:r>
               <a:rPr lang="en-US" sz="3200" b="1" dirty="0"/>
-              <a:t>Arduino Uno</a:t>
+              <a:t>L293D Motor Driver</a:t>
+            </a:r>
+          </a:p>
+        </p:txBody>
+      </p:sp>
+      <p:sp>
+        <p:nvSpPr>
+          <p:cNvPr id="3" name="TextBox 2">
+            <a:extLst>
+              <a:ext uri="{FF2B5EF4-FFF2-40B4-BE49-F238E27FC236}">
+                <a16:creationId xmlns:a16="http://schemas.microsoft.com/office/drawing/2014/main" id="{53AFE975-4E33-1ED1-CE2B-8A0EBC213B1C}"/>
+              </a:ext>
+            </a:extLst>
+          </p:cNvPr>
+          <p:cNvSpPr txBox="1"/>
+          <p:nvPr/>
+        </p:nvSpPr>
+        <p:spPr>
+          <a:xfrm>
+            <a:off x="1217930" y="2357753"/>
+            <a:ext cx="5426710" cy="2677656"/>
+          </a:xfrm>
+          <a:prstGeom prst="rect">
+            <a:avLst/>
+          </a:prstGeom>
+          <a:noFill/>
+        </p:spPr>
+        <p:txBody>
+          <a:bodyPr wrap="square" rtlCol="0">
+            <a:spAutoFit/>
+          </a:bodyPr>
+          <a:lstStyle/>
+          <a:p>
+            <a:r>
+              <a:rPr lang="en-US" sz="2800" dirty="0">
+                <a:latin typeface="+mj-lt"/>
+              </a:rPr>
+              <a:t>The </a:t>
+            </a:r>
+            <a:r>
+              <a:rPr lang="en-US" sz="2800" b="1" dirty="0">
+                <a:latin typeface="+mj-lt"/>
+              </a:rPr>
+              <a:t>L293D</a:t>
+            </a:r>
+            <a:r>
+              <a:rPr lang="en-US" sz="2800" dirty="0">
+                <a:latin typeface="+mj-lt"/>
+              </a:rPr>
+              <a:t> is a popular motor driver IC used to control the direction and speed of DC motors. It contains two H-bridge circuits, allowing it to control two DC motors simultaneously</a:t>
             </a:r>
           </a:p>
         </p:txBody>
       </p:sp>
       <p:pic>
         <p:nvPicPr>
-          <p:cNvPr id="1026" name="Picture 2" descr="Inside the Arduino UNO Board: A Comprehensive Tour">
-            <a:extLst>
-              <a:ext uri="{FF2B5EF4-FFF2-40B4-BE49-F238E27FC236}">
-                <a16:creationId xmlns:a16="http://schemas.microsoft.com/office/drawing/2014/main" id="{E0A45467-1F54-FC62-68AE-1C33F20CB071}"/>
+          <p:cNvPr id="3075" name="Picture 3" descr="L293D Dual H-Bridge Motor Driver IC Pins, Circuit, Working">
+            <a:extLst>
+              <a:ext uri="{FF2B5EF4-FFF2-40B4-BE49-F238E27FC236}">
+                <a16:creationId xmlns:a16="http://schemas.microsoft.com/office/drawing/2014/main" id="{6B5FEC76-6E02-412E-F6AA-D41B7CBC8AAB}"/>
               </a:ext>
             </a:extLst>
           </p:cNvPr>
@@ -10069,7 +11772,7 @@
           </p:cNvPicPr>
           <p:nvPr/>
         </p:nvPicPr>
-        <p:blipFill rotWithShape="1">
+        <p:blipFill>
           <a:blip r:embed="rId2">
             <a:extLst>
               <a:ext uri="{28A0092B-C50C-407E-A947-70E740481C1C}">
@@ -10077,13 +11780,15 @@
               </a:ext>
             </a:extLst>
           </a:blip>
-          <a:srcRect l="5113" r="4982"/>
-          <a:stretch/>
+          <a:srcRect/>
+          <a:stretch>
+            <a:fillRect/>
+          </a:stretch>
         </p:blipFill>
         <p:spPr bwMode="auto">
-          <a:xfrm rot="5400000">
-            <a:off x="7124703" y="1592580"/>
-            <a:ext cx="5359394" cy="3901440"/>
+          <a:xfrm>
+            <a:off x="6902450" y="2162730"/>
+            <a:ext cx="4771390" cy="3802361"/>
           </a:xfrm>
           <a:prstGeom prst="rect">
             <a:avLst/>
@@ -10100,187 +11805,10 @@
           </a:extLst>
         </p:spPr>
       </p:pic>
-      <p:sp>
-        <p:nvSpPr>
-          <p:cNvPr id="2" name="TextBox 1">
-            <a:extLst>
-              <a:ext uri="{FF2B5EF4-FFF2-40B4-BE49-F238E27FC236}">
-                <a16:creationId xmlns:a16="http://schemas.microsoft.com/office/drawing/2014/main" id="{84A99BB0-8516-FF75-3D0E-B43E9E776D45}"/>
-              </a:ext>
-            </a:extLst>
-          </p:cNvPr>
-          <p:cNvSpPr txBox="1"/>
-          <p:nvPr/>
-        </p:nvSpPr>
-        <p:spPr>
-          <a:xfrm>
-            <a:off x="1127760" y="2357753"/>
-            <a:ext cx="6116320" cy="4062651"/>
-          </a:xfrm>
-          <a:prstGeom prst="rect">
-            <a:avLst/>
-          </a:prstGeom>
-          <a:noFill/>
-        </p:spPr>
-        <p:txBody>
-          <a:bodyPr wrap="square" rtlCol="0">
-            <a:spAutoFit/>
-          </a:bodyPr>
-          <a:lstStyle/>
-          <a:p>
-            <a:pPr marL="285750" indent="-285750">
-              <a:buFont typeface="Arial" panose="020B0604020202020204" pitchFamily="34" charset="0"/>
-              <a:buChar char="•"/>
-            </a:pPr>
-            <a:r>
-              <a:rPr lang="en-US" sz="2400" dirty="0"/>
-              <a:t>Digital Pins (D</a:t>
-            </a:r>
-            <a:r>
-              <a:rPr lang="en-US" sz="2400" baseline="-25000" dirty="0"/>
-              <a:t>0</a:t>
-            </a:r>
-            <a:r>
-              <a:rPr lang="en-US" sz="2400" dirty="0"/>
-              <a:t> – D</a:t>
-            </a:r>
-            <a:r>
-              <a:rPr lang="en-US" sz="2400" baseline="-25000" dirty="0"/>
-              <a:t>13</a:t>
-            </a:r>
-            <a:r>
-              <a:rPr lang="en-US" sz="2400" dirty="0"/>
-              <a:t>)</a:t>
-            </a:r>
-          </a:p>
-          <a:p>
-            <a:pPr marL="285750" indent="-285750">
-              <a:lnSpc>
-                <a:spcPct val="150000"/>
-              </a:lnSpc>
-              <a:buFont typeface="Arial" panose="020B0604020202020204" pitchFamily="34" charset="0"/>
-              <a:buChar char="•"/>
-            </a:pPr>
-            <a:r>
-              <a:rPr lang="en-US" sz="2400" dirty="0"/>
-              <a:t>Analog Pins (A</a:t>
-            </a:r>
-            <a:r>
-              <a:rPr lang="en-US" sz="2400" baseline="-25000" dirty="0"/>
-              <a:t>0</a:t>
-            </a:r>
-            <a:r>
-              <a:rPr lang="en-US" sz="2400" dirty="0"/>
-              <a:t> – A</a:t>
-            </a:r>
-            <a:r>
-              <a:rPr lang="en-US" sz="2400" baseline="-25000" dirty="0"/>
-              <a:t>5</a:t>
-            </a:r>
-            <a:r>
-              <a:rPr lang="en-US" sz="2400" dirty="0"/>
-              <a:t>)</a:t>
-            </a:r>
-          </a:p>
-          <a:p>
-            <a:pPr marL="285750" indent="-285750">
-              <a:lnSpc>
-                <a:spcPct val="150000"/>
-              </a:lnSpc>
-              <a:buFont typeface="Arial" panose="020B0604020202020204" pitchFamily="34" charset="0"/>
-              <a:buChar char="•"/>
-            </a:pPr>
-            <a:r>
-              <a:rPr lang="en-US" sz="2400" dirty="0"/>
-              <a:t>Power pins</a:t>
-            </a:r>
-          </a:p>
-          <a:p>
-            <a:pPr marL="742950" lvl="1" indent="-285750">
-              <a:lnSpc>
-                <a:spcPct val="150000"/>
-              </a:lnSpc>
-              <a:buFont typeface="Arial" panose="020B0604020202020204" pitchFamily="34" charset="0"/>
-              <a:buChar char="•"/>
-            </a:pPr>
-            <a:r>
-              <a:rPr lang="en-US" sz="2400" dirty="0"/>
-              <a:t>V</a:t>
-            </a:r>
-            <a:r>
-              <a:rPr lang="en-US" sz="2400" baseline="-25000" dirty="0"/>
-              <a:t>in </a:t>
-            </a:r>
-            <a:r>
-              <a:rPr lang="en-US" sz="2400" dirty="0"/>
-              <a:t> , 3.3v,5v,ioref,reset</a:t>
-            </a:r>
-            <a:endParaRPr lang="en-US" sz="2400" baseline="-25000" dirty="0"/>
-          </a:p>
-          <a:p>
-            <a:pPr marL="285750" indent="-285750">
-              <a:lnSpc>
-                <a:spcPct val="150000"/>
-              </a:lnSpc>
-              <a:buFont typeface="Arial" panose="020B0604020202020204" pitchFamily="34" charset="0"/>
-              <a:buChar char="•"/>
-            </a:pPr>
-            <a:r>
-              <a:rPr lang="en-US" sz="2400" dirty="0"/>
-              <a:t>Processor: Atmega328P</a:t>
-            </a:r>
-          </a:p>
-          <a:p>
-            <a:pPr marL="285750" indent="-285750">
-              <a:lnSpc>
-                <a:spcPct val="150000"/>
-              </a:lnSpc>
-              <a:buFont typeface="Arial" panose="020B0604020202020204" pitchFamily="34" charset="0"/>
-              <a:buChar char="•"/>
-            </a:pPr>
-            <a:r>
-              <a:rPr lang="en-US" sz="2400" dirty="0"/>
-              <a:t>PWM pins: 3,5,6 , 9,10,11</a:t>
-            </a:r>
-          </a:p>
-          <a:p>
-            <a:pPr marL="285750" indent="-285750">
-              <a:lnSpc>
-                <a:spcPct val="150000"/>
-              </a:lnSpc>
-              <a:buFont typeface="Arial" panose="020B0604020202020204" pitchFamily="34" charset="0"/>
-              <a:buChar char="•"/>
-            </a:pPr>
-            <a:r>
-              <a:rPr lang="en-US" sz="2400" dirty="0"/>
-              <a:t>UART PINS: D</a:t>
-            </a:r>
-            <a:r>
-              <a:rPr lang="en-US" sz="2400" baseline="-25000" dirty="0"/>
-              <a:t>0</a:t>
-            </a:r>
-            <a:r>
-              <a:rPr lang="en-US" sz="2400" dirty="0"/>
-              <a:t>,D</a:t>
-            </a:r>
-            <a:r>
-              <a:rPr lang="en-US" sz="2400" baseline="-25000" dirty="0"/>
-              <a:t>1</a:t>
-            </a:r>
-          </a:p>
-          <a:p>
-            <a:pPr marL="285750" indent="-285750">
-              <a:buFont typeface="Arial" panose="020B0604020202020204" pitchFamily="34" charset="0"/>
-              <a:buChar char="•"/>
-            </a:pPr>
-            <a:endParaRPr lang="en-US" dirty="0"/>
-          </a:p>
-        </p:txBody>
-      </p:sp>
     </p:spTree>
     <p:extLst>
       <p:ext uri="{BB962C8B-B14F-4D97-AF65-F5344CB8AC3E}">
-        <p14:creationId xmlns:p14="http://schemas.microsoft.com/office/powerpoint/2010/main" val="2420312741"/>
+        <p14:creationId xmlns:p14="http://schemas.microsoft.com/office/powerpoint/2010/main" val="1972259746"/>
       </p:ext>
     </p:extLst>
   </p:cSld>

--- a/Batch 8 .pptx
+++ b/Batch 8 .pptx
@@ -4,6 +4,9 @@
   <p:sldMasterIdLst>
     <p:sldMasterId id="2147483706" r:id="rId1"/>
   </p:sldMasterIdLst>
+  <p:notesMasterIdLst>
+    <p:notesMasterId r:id="rId24"/>
+  </p:notesMasterIdLst>
   <p:sldIdLst>
     <p:sldId id="256" r:id="rId2"/>
     <p:sldId id="257" r:id="rId3"/>
@@ -11,20 +14,20 @@
     <p:sldId id="259" r:id="rId5"/>
     <p:sldId id="260" r:id="rId6"/>
     <p:sldId id="261" r:id="rId7"/>
-    <p:sldId id="263" r:id="rId8"/>
-    <p:sldId id="264" r:id="rId9"/>
-    <p:sldId id="265" r:id="rId10"/>
-    <p:sldId id="266" r:id="rId11"/>
-    <p:sldId id="267" r:id="rId12"/>
-    <p:sldId id="268" r:id="rId13"/>
-    <p:sldId id="269" r:id="rId14"/>
-    <p:sldId id="270" r:id="rId15"/>
-    <p:sldId id="277" r:id="rId16"/>
-    <p:sldId id="278" r:id="rId17"/>
-    <p:sldId id="271" r:id="rId18"/>
-    <p:sldId id="276" r:id="rId19"/>
-    <p:sldId id="272" r:id="rId20"/>
-    <p:sldId id="273" r:id="rId21"/>
+    <p:sldId id="272" r:id="rId8"/>
+    <p:sldId id="273" r:id="rId9"/>
+    <p:sldId id="263" r:id="rId10"/>
+    <p:sldId id="264" r:id="rId11"/>
+    <p:sldId id="265" r:id="rId12"/>
+    <p:sldId id="266" r:id="rId13"/>
+    <p:sldId id="267" r:id="rId14"/>
+    <p:sldId id="268" r:id="rId15"/>
+    <p:sldId id="269" r:id="rId16"/>
+    <p:sldId id="276" r:id="rId17"/>
+    <p:sldId id="270" r:id="rId18"/>
+    <p:sldId id="271" r:id="rId19"/>
+    <p:sldId id="277" r:id="rId20"/>
+    <p:sldId id="278" r:id="rId21"/>
     <p:sldId id="274" r:id="rId22"/>
     <p:sldId id="279" r:id="rId23"/>
   </p:sldIdLst>
@@ -133,6 +136,439 @@
 </p:presentation>
 </file>
 
+<file path=ppt/notesMasters/notesMaster1.xml><?xml version="1.0" encoding="utf-8"?>
+<p:notesMaster xmlns:a="http://schemas.openxmlformats.org/drawingml/2006/main" xmlns:r="http://schemas.openxmlformats.org/officeDocument/2006/relationships" xmlns:p="http://schemas.openxmlformats.org/presentationml/2006/main">
+  <p:cSld>
+    <p:bg>
+      <p:bgRef idx="1001">
+        <a:schemeClr val="bg1"/>
+      </p:bgRef>
+    </p:bg>
+    <p:spTree>
+      <p:nvGrpSpPr>
+        <p:cNvPr id="1" name=""/>
+        <p:cNvGrpSpPr/>
+        <p:nvPr/>
+      </p:nvGrpSpPr>
+      <p:grpSpPr>
+        <a:xfrm>
+          <a:off x="0" y="0"/>
+          <a:ext cx="0" cy="0"/>
+          <a:chOff x="0" y="0"/>
+          <a:chExt cx="0" cy="0"/>
+        </a:xfrm>
+      </p:grpSpPr>
+      <p:sp>
+        <p:nvSpPr>
+          <p:cNvPr id="2" name="Header Placeholder 1"/>
+          <p:cNvSpPr>
+            <a:spLocks noGrp="1"/>
+          </p:cNvSpPr>
+          <p:nvPr>
+            <p:ph type="hdr" sz="quarter"/>
+          </p:nvPr>
+        </p:nvSpPr>
+        <p:spPr>
+          <a:xfrm>
+            <a:off x="0" y="0"/>
+            <a:ext cx="2971800" cy="458788"/>
+          </a:xfrm>
+          <a:prstGeom prst="rect">
+            <a:avLst/>
+          </a:prstGeom>
+        </p:spPr>
+        <p:txBody>
+          <a:bodyPr vert="horz" lIns="91440" tIns="45720" rIns="91440" bIns="45720" rtlCol="0"/>
+          <a:lstStyle>
+            <a:lvl1pPr algn="l">
+              <a:defRPr sz="1200"/>
+            </a:lvl1pPr>
+          </a:lstStyle>
+          <a:p>
+            <a:endParaRPr lang="en-US"/>
+          </a:p>
+        </p:txBody>
+      </p:sp>
+      <p:sp>
+        <p:nvSpPr>
+          <p:cNvPr id="3" name="Date Placeholder 2"/>
+          <p:cNvSpPr>
+            <a:spLocks noGrp="1"/>
+          </p:cNvSpPr>
+          <p:nvPr>
+            <p:ph type="dt" idx="1"/>
+          </p:nvPr>
+        </p:nvSpPr>
+        <p:spPr>
+          <a:xfrm>
+            <a:off x="3884613" y="0"/>
+            <a:ext cx="2971800" cy="458788"/>
+          </a:xfrm>
+          <a:prstGeom prst="rect">
+            <a:avLst/>
+          </a:prstGeom>
+        </p:spPr>
+        <p:txBody>
+          <a:bodyPr vert="horz" lIns="91440" tIns="45720" rIns="91440" bIns="45720" rtlCol="0"/>
+          <a:lstStyle>
+            <a:lvl1pPr algn="r">
+              <a:defRPr sz="1200"/>
+            </a:lvl1pPr>
+          </a:lstStyle>
+          <a:p>
+            <a:fld id="{97AC54EF-F27B-4F5F-8C1D-285B121E0FF0}" type="datetimeFigureOut">
+              <a:rPr lang="en-US" smtClean="0"/>
+              <a:t>4/11/2025</a:t>
+            </a:fld>
+            <a:endParaRPr lang="en-US"/>
+          </a:p>
+        </p:txBody>
+      </p:sp>
+      <p:sp>
+        <p:nvSpPr>
+          <p:cNvPr id="4" name="Slide Image Placeholder 3"/>
+          <p:cNvSpPr>
+            <a:spLocks noGrp="1" noRot="1" noChangeAspect="1"/>
+          </p:cNvSpPr>
+          <p:nvPr>
+            <p:ph type="sldImg" idx="2"/>
+          </p:nvPr>
+        </p:nvSpPr>
+        <p:spPr>
+          <a:xfrm>
+            <a:off x="685800" y="1143000"/>
+            <a:ext cx="5486400" cy="3086100"/>
+          </a:xfrm>
+          <a:prstGeom prst="rect">
+            <a:avLst/>
+          </a:prstGeom>
+          <a:noFill/>
+          <a:ln w="12700">
+            <a:solidFill>
+              <a:prstClr val="black"/>
+            </a:solidFill>
+          </a:ln>
+        </p:spPr>
+        <p:txBody>
+          <a:bodyPr vert="horz" lIns="91440" tIns="45720" rIns="91440" bIns="45720" rtlCol="0" anchor="ctr"/>
+          <a:lstStyle/>
+          <a:p>
+            <a:endParaRPr lang="en-US"/>
+          </a:p>
+        </p:txBody>
+      </p:sp>
+      <p:sp>
+        <p:nvSpPr>
+          <p:cNvPr id="5" name="Notes Placeholder 4"/>
+          <p:cNvSpPr>
+            <a:spLocks noGrp="1"/>
+          </p:cNvSpPr>
+          <p:nvPr>
+            <p:ph type="body" sz="quarter" idx="3"/>
+          </p:nvPr>
+        </p:nvSpPr>
+        <p:spPr>
+          <a:xfrm>
+            <a:off x="685800" y="4400550"/>
+            <a:ext cx="5486400" cy="3600450"/>
+          </a:xfrm>
+          <a:prstGeom prst="rect">
+            <a:avLst/>
+          </a:prstGeom>
+        </p:spPr>
+        <p:txBody>
+          <a:bodyPr vert="horz" lIns="91440" tIns="45720" rIns="91440" bIns="45720" rtlCol="0"/>
+          <a:lstStyle/>
+          <a:p>
+            <a:pPr lvl="0"/>
+            <a:r>
+              <a:rPr lang="en-US"/>
+              <a:t>Click to edit Master text styles</a:t>
+            </a:r>
+          </a:p>
+          <a:p>
+            <a:pPr lvl="1"/>
+            <a:r>
+              <a:rPr lang="en-US"/>
+              <a:t>Second level</a:t>
+            </a:r>
+          </a:p>
+          <a:p>
+            <a:pPr lvl="2"/>
+            <a:r>
+              <a:rPr lang="en-US"/>
+              <a:t>Third level</a:t>
+            </a:r>
+          </a:p>
+          <a:p>
+            <a:pPr lvl="3"/>
+            <a:r>
+              <a:rPr lang="en-US"/>
+              <a:t>Fourth level</a:t>
+            </a:r>
+          </a:p>
+          <a:p>
+            <a:pPr lvl="4"/>
+            <a:r>
+              <a:rPr lang="en-US"/>
+              <a:t>Fifth level</a:t>
+            </a:r>
+          </a:p>
+        </p:txBody>
+      </p:sp>
+      <p:sp>
+        <p:nvSpPr>
+          <p:cNvPr id="6" name="Footer Placeholder 5"/>
+          <p:cNvSpPr>
+            <a:spLocks noGrp="1"/>
+          </p:cNvSpPr>
+          <p:nvPr>
+            <p:ph type="ftr" sz="quarter" idx="4"/>
+          </p:nvPr>
+        </p:nvSpPr>
+        <p:spPr>
+          <a:xfrm>
+            <a:off x="0" y="8685213"/>
+            <a:ext cx="2971800" cy="458787"/>
+          </a:xfrm>
+          <a:prstGeom prst="rect">
+            <a:avLst/>
+          </a:prstGeom>
+        </p:spPr>
+        <p:txBody>
+          <a:bodyPr vert="horz" lIns="91440" tIns="45720" rIns="91440" bIns="45720" rtlCol="0" anchor="b"/>
+          <a:lstStyle>
+            <a:lvl1pPr algn="l">
+              <a:defRPr sz="1200"/>
+            </a:lvl1pPr>
+          </a:lstStyle>
+          <a:p>
+            <a:endParaRPr lang="en-US"/>
+          </a:p>
+        </p:txBody>
+      </p:sp>
+      <p:sp>
+        <p:nvSpPr>
+          <p:cNvPr id="7" name="Slide Number Placeholder 6"/>
+          <p:cNvSpPr>
+            <a:spLocks noGrp="1"/>
+          </p:cNvSpPr>
+          <p:nvPr>
+            <p:ph type="sldNum" sz="quarter" idx="5"/>
+          </p:nvPr>
+        </p:nvSpPr>
+        <p:spPr>
+          <a:xfrm>
+            <a:off x="3884613" y="8685213"/>
+            <a:ext cx="2971800" cy="458787"/>
+          </a:xfrm>
+          <a:prstGeom prst="rect">
+            <a:avLst/>
+          </a:prstGeom>
+        </p:spPr>
+        <p:txBody>
+          <a:bodyPr vert="horz" lIns="91440" tIns="45720" rIns="91440" bIns="45720" rtlCol="0" anchor="b"/>
+          <a:lstStyle>
+            <a:lvl1pPr algn="r">
+              <a:defRPr sz="1200"/>
+            </a:lvl1pPr>
+          </a:lstStyle>
+          <a:p>
+            <a:fld id="{F12B1DAD-8ADF-4263-94C3-359392852796}" type="slidenum">
+              <a:rPr lang="en-US" smtClean="0"/>
+              <a:t>‹#›</a:t>
+            </a:fld>
+            <a:endParaRPr lang="en-US"/>
+          </a:p>
+        </p:txBody>
+      </p:sp>
+    </p:spTree>
+    <p:extLst>
+      <p:ext uri="{BB962C8B-B14F-4D97-AF65-F5344CB8AC3E}">
+        <p14:creationId xmlns:p14="http://schemas.microsoft.com/office/powerpoint/2010/main" val="154487666"/>
+      </p:ext>
+    </p:extLst>
+  </p:cSld>
+  <p:clrMap bg1="lt1" tx1="dk1" bg2="lt2" tx2="dk2" accent1="accent1" accent2="accent2" accent3="accent3" accent4="accent4" accent5="accent5" accent6="accent6" hlink="hlink" folHlink="folHlink"/>
+  <p:notesStyle>
+    <a:lvl1pPr marL="0" algn="l" defTabSz="914400" rtl="0" eaLnBrk="1" latinLnBrk="0" hangingPunct="1">
+      <a:defRPr sz="1200" kern="1200">
+        <a:solidFill>
+          <a:schemeClr val="tx1"/>
+        </a:solidFill>
+        <a:latin typeface="+mn-lt"/>
+        <a:ea typeface="+mn-ea"/>
+        <a:cs typeface="+mn-cs"/>
+      </a:defRPr>
+    </a:lvl1pPr>
+    <a:lvl2pPr marL="457200" algn="l" defTabSz="914400" rtl="0" eaLnBrk="1" latinLnBrk="0" hangingPunct="1">
+      <a:defRPr sz="1200" kern="1200">
+        <a:solidFill>
+          <a:schemeClr val="tx1"/>
+        </a:solidFill>
+        <a:latin typeface="+mn-lt"/>
+        <a:ea typeface="+mn-ea"/>
+        <a:cs typeface="+mn-cs"/>
+      </a:defRPr>
+    </a:lvl2pPr>
+    <a:lvl3pPr marL="914400" algn="l" defTabSz="914400" rtl="0" eaLnBrk="1" latinLnBrk="0" hangingPunct="1">
+      <a:defRPr sz="1200" kern="1200">
+        <a:solidFill>
+          <a:schemeClr val="tx1"/>
+        </a:solidFill>
+        <a:latin typeface="+mn-lt"/>
+        <a:ea typeface="+mn-ea"/>
+        <a:cs typeface="+mn-cs"/>
+      </a:defRPr>
+    </a:lvl3pPr>
+    <a:lvl4pPr marL="1371600" algn="l" defTabSz="914400" rtl="0" eaLnBrk="1" latinLnBrk="0" hangingPunct="1">
+      <a:defRPr sz="1200" kern="1200">
+        <a:solidFill>
+          <a:schemeClr val="tx1"/>
+        </a:solidFill>
+        <a:latin typeface="+mn-lt"/>
+        <a:ea typeface="+mn-ea"/>
+        <a:cs typeface="+mn-cs"/>
+      </a:defRPr>
+    </a:lvl4pPr>
+    <a:lvl5pPr marL="1828800" algn="l" defTabSz="914400" rtl="0" eaLnBrk="1" latinLnBrk="0" hangingPunct="1">
+      <a:defRPr sz="1200" kern="1200">
+        <a:solidFill>
+          <a:schemeClr val="tx1"/>
+        </a:solidFill>
+        <a:latin typeface="+mn-lt"/>
+        <a:ea typeface="+mn-ea"/>
+        <a:cs typeface="+mn-cs"/>
+      </a:defRPr>
+    </a:lvl5pPr>
+    <a:lvl6pPr marL="2286000" algn="l" defTabSz="914400" rtl="0" eaLnBrk="1" latinLnBrk="0" hangingPunct="1">
+      <a:defRPr sz="1200" kern="1200">
+        <a:solidFill>
+          <a:schemeClr val="tx1"/>
+        </a:solidFill>
+        <a:latin typeface="+mn-lt"/>
+        <a:ea typeface="+mn-ea"/>
+        <a:cs typeface="+mn-cs"/>
+      </a:defRPr>
+    </a:lvl6pPr>
+    <a:lvl7pPr marL="2743200" algn="l" defTabSz="914400" rtl="0" eaLnBrk="1" latinLnBrk="0" hangingPunct="1">
+      <a:defRPr sz="1200" kern="1200">
+        <a:solidFill>
+          <a:schemeClr val="tx1"/>
+        </a:solidFill>
+        <a:latin typeface="+mn-lt"/>
+        <a:ea typeface="+mn-ea"/>
+        <a:cs typeface="+mn-cs"/>
+      </a:defRPr>
+    </a:lvl7pPr>
+    <a:lvl8pPr marL="3200400" algn="l" defTabSz="914400" rtl="0" eaLnBrk="1" latinLnBrk="0" hangingPunct="1">
+      <a:defRPr sz="1200" kern="1200">
+        <a:solidFill>
+          <a:schemeClr val="tx1"/>
+        </a:solidFill>
+        <a:latin typeface="+mn-lt"/>
+        <a:ea typeface="+mn-ea"/>
+        <a:cs typeface="+mn-cs"/>
+      </a:defRPr>
+    </a:lvl8pPr>
+    <a:lvl9pPr marL="3657600" algn="l" defTabSz="914400" rtl="0" eaLnBrk="1" latinLnBrk="0" hangingPunct="1">
+      <a:defRPr sz="1200" kern="1200">
+        <a:solidFill>
+          <a:schemeClr val="tx1"/>
+        </a:solidFill>
+        <a:latin typeface="+mn-lt"/>
+        <a:ea typeface="+mn-ea"/>
+        <a:cs typeface="+mn-cs"/>
+      </a:defRPr>
+    </a:lvl9pPr>
+  </p:notesStyle>
+</p:notesMaster>
+</file>
+
+<file path=ppt/notesSlides/notesSlide1.xml><?xml version="1.0" encoding="utf-8"?>
+<p:notes xmlns:a="http://schemas.openxmlformats.org/drawingml/2006/main" xmlns:r="http://schemas.openxmlformats.org/officeDocument/2006/relationships" xmlns:p="http://schemas.openxmlformats.org/presentationml/2006/main">
+  <p:cSld>
+    <p:spTree>
+      <p:nvGrpSpPr>
+        <p:cNvPr id="1" name=""/>
+        <p:cNvGrpSpPr/>
+        <p:nvPr/>
+      </p:nvGrpSpPr>
+      <p:grpSpPr>
+        <a:xfrm>
+          <a:off x="0" y="0"/>
+          <a:ext cx="0" cy="0"/>
+          <a:chOff x="0" y="0"/>
+          <a:chExt cx="0" cy="0"/>
+        </a:xfrm>
+      </p:grpSpPr>
+      <p:sp>
+        <p:nvSpPr>
+          <p:cNvPr id="2" name="Slide Image Placeholder 1"/>
+          <p:cNvSpPr>
+            <a:spLocks noGrp="1" noRot="1" noChangeAspect="1"/>
+          </p:cNvSpPr>
+          <p:nvPr>
+            <p:ph type="sldImg"/>
+          </p:nvPr>
+        </p:nvSpPr>
+        <p:spPr/>
+      </p:sp>
+      <p:sp>
+        <p:nvSpPr>
+          <p:cNvPr id="3" name="Notes Placeholder 2"/>
+          <p:cNvSpPr>
+            <a:spLocks noGrp="1"/>
+          </p:cNvSpPr>
+          <p:nvPr>
+            <p:ph type="body" idx="1"/>
+          </p:nvPr>
+        </p:nvSpPr>
+        <p:spPr/>
+        <p:txBody>
+          <a:bodyPr/>
+          <a:lstStyle/>
+          <a:p>
+            <a:endParaRPr lang="en-US" dirty="0"/>
+          </a:p>
+        </p:txBody>
+      </p:sp>
+      <p:sp>
+        <p:nvSpPr>
+          <p:cNvPr id="4" name="Slide Number Placeholder 3"/>
+          <p:cNvSpPr>
+            <a:spLocks noGrp="1"/>
+          </p:cNvSpPr>
+          <p:nvPr>
+            <p:ph type="sldNum" sz="quarter" idx="5"/>
+          </p:nvPr>
+        </p:nvSpPr>
+        <p:spPr/>
+        <p:txBody>
+          <a:bodyPr/>
+          <a:lstStyle/>
+          <a:p>
+            <a:fld id="{F12B1DAD-8ADF-4263-94C3-359392852796}" type="slidenum">
+              <a:rPr lang="en-US" smtClean="0"/>
+              <a:t>16</a:t>
+            </a:fld>
+            <a:endParaRPr lang="en-US"/>
+          </a:p>
+        </p:txBody>
+      </p:sp>
+    </p:spTree>
+    <p:extLst>
+      <p:ext uri="{BB962C8B-B14F-4D97-AF65-F5344CB8AC3E}">
+        <p14:creationId xmlns:p14="http://schemas.microsoft.com/office/powerpoint/2010/main" val="887938242"/>
+      </p:ext>
+    </p:extLst>
+  </p:cSld>
+  <p:clrMapOvr>
+    <a:masterClrMapping/>
+  </p:clrMapOvr>
+</p:notes>
+</file>
+
 <file path=ppt/slideLayouts/slideLayout1.xml><?xml version="1.0" encoding="utf-8"?>
 <p:sldLayout xmlns:a="http://schemas.openxmlformats.org/drawingml/2006/main" xmlns:r="http://schemas.openxmlformats.org/officeDocument/2006/relationships" xmlns:p="http://schemas.openxmlformats.org/presentationml/2006/main" type="title" preserve="1">
   <p:cSld name="Title Slide">
@@ -280,9 +716,9 @@
           <a:p>
             <a:fld id="{06E713BE-B739-4CC0-B4CE-95E82AEB026E}" type="datetimeFigureOut">
               <a:rPr lang="en-US" smtClean="0"/>
-              <a:t>4/10/2025</a:t>
+              <a:t>4/11/2025</a:t>
             </a:fld>
-            <a:endParaRPr lang="en-US"/>
+            <a:endParaRPr lang="en-US" dirty="0"/>
           </a:p>
         </p:txBody>
       </p:sp>
@@ -307,7 +743,7 @@
           <a:bodyPr/>
           <a:lstStyle/>
           <a:p>
-            <a:endParaRPr lang="en-US"/>
+            <a:endParaRPr lang="en-US" dirty="0"/>
           </a:p>
         </p:txBody>
       </p:sp>
@@ -336,7 +772,7 @@
               <a:rPr lang="en-US" smtClean="0"/>
               <a:t>‹#›</a:t>
             </a:fld>
-            <a:endParaRPr lang="en-US"/>
+            <a:endParaRPr lang="en-US" dirty="0"/>
           </a:p>
         </p:txBody>
       </p:sp>
@@ -478,9 +914,9 @@
           <a:p>
             <a:fld id="{06E713BE-B739-4CC0-B4CE-95E82AEB026E}" type="datetimeFigureOut">
               <a:rPr lang="en-US" smtClean="0"/>
-              <a:t>4/10/2025</a:t>
+              <a:t>4/11/2025</a:t>
             </a:fld>
-            <a:endParaRPr lang="en-US"/>
+            <a:endParaRPr lang="en-US" dirty="0"/>
           </a:p>
         </p:txBody>
       </p:sp>
@@ -505,7 +941,7 @@
           <a:bodyPr/>
           <a:lstStyle/>
           <a:p>
-            <a:endParaRPr lang="en-US"/>
+            <a:endParaRPr lang="en-US" dirty="0"/>
           </a:p>
         </p:txBody>
       </p:sp>
@@ -534,7 +970,7 @@
               <a:rPr lang="en-US" smtClean="0"/>
               <a:t>‹#›</a:t>
             </a:fld>
-            <a:endParaRPr lang="en-US"/>
+            <a:endParaRPr lang="en-US" dirty="0"/>
           </a:p>
         </p:txBody>
       </p:sp>
@@ -686,9 +1122,9 @@
           <a:p>
             <a:fld id="{06E713BE-B739-4CC0-B4CE-95E82AEB026E}" type="datetimeFigureOut">
               <a:rPr lang="en-US" smtClean="0"/>
-              <a:t>4/10/2025</a:t>
+              <a:t>4/11/2025</a:t>
             </a:fld>
-            <a:endParaRPr lang="en-US"/>
+            <a:endParaRPr lang="en-US" dirty="0"/>
           </a:p>
         </p:txBody>
       </p:sp>
@@ -713,7 +1149,7 @@
           <a:bodyPr/>
           <a:lstStyle/>
           <a:p>
-            <a:endParaRPr lang="en-US"/>
+            <a:endParaRPr lang="en-US" dirty="0"/>
           </a:p>
         </p:txBody>
       </p:sp>
@@ -742,7 +1178,7 @@
               <a:rPr lang="en-US" smtClean="0"/>
               <a:t>‹#›</a:t>
             </a:fld>
-            <a:endParaRPr lang="en-US"/>
+            <a:endParaRPr lang="en-US" dirty="0"/>
           </a:p>
         </p:txBody>
       </p:sp>
@@ -884,9 +1320,9 @@
           <a:p>
             <a:fld id="{06E713BE-B739-4CC0-B4CE-95E82AEB026E}" type="datetimeFigureOut">
               <a:rPr lang="en-US" smtClean="0"/>
-              <a:t>4/10/2025</a:t>
+              <a:t>4/11/2025</a:t>
             </a:fld>
-            <a:endParaRPr lang="en-US"/>
+            <a:endParaRPr lang="en-US" dirty="0"/>
           </a:p>
         </p:txBody>
       </p:sp>
@@ -911,7 +1347,7 @@
           <a:bodyPr/>
           <a:lstStyle/>
           <a:p>
-            <a:endParaRPr lang="en-US"/>
+            <a:endParaRPr lang="en-US" dirty="0"/>
           </a:p>
         </p:txBody>
       </p:sp>
@@ -940,7 +1376,7 @@
               <a:rPr lang="en-US" smtClean="0"/>
               <a:t>‹#›</a:t>
             </a:fld>
-            <a:endParaRPr lang="en-US"/>
+            <a:endParaRPr lang="en-US" dirty="0"/>
           </a:p>
         </p:txBody>
       </p:sp>
@@ -1159,9 +1595,9 @@
           <a:p>
             <a:fld id="{06E713BE-B739-4CC0-B4CE-95E82AEB026E}" type="datetimeFigureOut">
               <a:rPr lang="en-US" smtClean="0"/>
-              <a:t>4/10/2025</a:t>
+              <a:t>4/11/2025</a:t>
             </a:fld>
-            <a:endParaRPr lang="en-US"/>
+            <a:endParaRPr lang="en-US" dirty="0"/>
           </a:p>
         </p:txBody>
       </p:sp>
@@ -1186,7 +1622,7 @@
           <a:bodyPr/>
           <a:lstStyle/>
           <a:p>
-            <a:endParaRPr lang="en-US"/>
+            <a:endParaRPr lang="en-US" dirty="0"/>
           </a:p>
         </p:txBody>
       </p:sp>
@@ -1215,7 +1651,7 @@
               <a:rPr lang="en-US" smtClean="0"/>
               <a:t>‹#›</a:t>
             </a:fld>
-            <a:endParaRPr lang="en-US"/>
+            <a:endParaRPr lang="en-US" dirty="0"/>
           </a:p>
         </p:txBody>
       </p:sp>
@@ -1424,9 +1860,9 @@
           <a:p>
             <a:fld id="{06E713BE-B739-4CC0-B4CE-95E82AEB026E}" type="datetimeFigureOut">
               <a:rPr lang="en-US" smtClean="0"/>
-              <a:t>4/10/2025</a:t>
+              <a:t>4/11/2025</a:t>
             </a:fld>
-            <a:endParaRPr lang="en-US"/>
+            <a:endParaRPr lang="en-US" dirty="0"/>
           </a:p>
         </p:txBody>
       </p:sp>
@@ -1451,7 +1887,7 @@
           <a:bodyPr/>
           <a:lstStyle/>
           <a:p>
-            <a:endParaRPr lang="en-US"/>
+            <a:endParaRPr lang="en-US" dirty="0"/>
           </a:p>
         </p:txBody>
       </p:sp>
@@ -1480,7 +1916,7 @@
               <a:rPr lang="en-US" smtClean="0"/>
               <a:t>‹#›</a:t>
             </a:fld>
-            <a:endParaRPr lang="en-US"/>
+            <a:endParaRPr lang="en-US" dirty="0"/>
           </a:p>
         </p:txBody>
       </p:sp>
@@ -1836,9 +2272,9 @@
           <a:p>
             <a:fld id="{06E713BE-B739-4CC0-B4CE-95E82AEB026E}" type="datetimeFigureOut">
               <a:rPr lang="en-US" smtClean="0"/>
-              <a:t>4/10/2025</a:t>
+              <a:t>4/11/2025</a:t>
             </a:fld>
-            <a:endParaRPr lang="en-US"/>
+            <a:endParaRPr lang="en-US" dirty="0"/>
           </a:p>
         </p:txBody>
       </p:sp>
@@ -1863,7 +2299,7 @@
           <a:bodyPr/>
           <a:lstStyle/>
           <a:p>
-            <a:endParaRPr lang="en-US"/>
+            <a:endParaRPr lang="en-US" dirty="0"/>
           </a:p>
         </p:txBody>
       </p:sp>
@@ -1892,7 +2328,7 @@
               <a:rPr lang="en-US" smtClean="0"/>
               <a:t>‹#›</a:t>
             </a:fld>
-            <a:endParaRPr lang="en-US"/>
+            <a:endParaRPr lang="en-US" dirty="0"/>
           </a:p>
         </p:txBody>
       </p:sp>
@@ -1977,9 +2413,9 @@
           <a:p>
             <a:fld id="{06E713BE-B739-4CC0-B4CE-95E82AEB026E}" type="datetimeFigureOut">
               <a:rPr lang="en-US" smtClean="0"/>
-              <a:t>4/10/2025</a:t>
+              <a:t>4/11/2025</a:t>
             </a:fld>
-            <a:endParaRPr lang="en-US"/>
+            <a:endParaRPr lang="en-US" dirty="0"/>
           </a:p>
         </p:txBody>
       </p:sp>
@@ -2004,7 +2440,7 @@
           <a:bodyPr/>
           <a:lstStyle/>
           <a:p>
-            <a:endParaRPr lang="en-US"/>
+            <a:endParaRPr lang="en-US" dirty="0"/>
           </a:p>
         </p:txBody>
       </p:sp>
@@ -2033,7 +2469,7 @@
               <a:rPr lang="en-US" smtClean="0"/>
               <a:t>‹#›</a:t>
             </a:fld>
-            <a:endParaRPr lang="en-US"/>
+            <a:endParaRPr lang="en-US" dirty="0"/>
           </a:p>
         </p:txBody>
       </p:sp>
@@ -2090,9 +2526,9 @@
           <a:p>
             <a:fld id="{06E713BE-B739-4CC0-B4CE-95E82AEB026E}" type="datetimeFigureOut">
               <a:rPr lang="en-US" smtClean="0"/>
-              <a:t>4/10/2025</a:t>
+              <a:t>4/11/2025</a:t>
             </a:fld>
-            <a:endParaRPr lang="en-US"/>
+            <a:endParaRPr lang="en-US" dirty="0"/>
           </a:p>
         </p:txBody>
       </p:sp>
@@ -2117,7 +2553,7 @@
           <a:bodyPr/>
           <a:lstStyle/>
           <a:p>
-            <a:endParaRPr lang="en-US"/>
+            <a:endParaRPr lang="en-US" dirty="0"/>
           </a:p>
         </p:txBody>
       </p:sp>
@@ -2146,7 +2582,7 @@
               <a:rPr lang="en-US" smtClean="0"/>
               <a:t>‹#›</a:t>
             </a:fld>
-            <a:endParaRPr lang="en-US"/>
+            <a:endParaRPr lang="en-US" dirty="0"/>
           </a:p>
         </p:txBody>
       </p:sp>
@@ -2401,9 +2837,9 @@
           <a:p>
             <a:fld id="{06E713BE-B739-4CC0-B4CE-95E82AEB026E}" type="datetimeFigureOut">
               <a:rPr lang="en-US" smtClean="0"/>
-              <a:t>4/10/2025</a:t>
+              <a:t>4/11/2025</a:t>
             </a:fld>
-            <a:endParaRPr lang="en-US"/>
+            <a:endParaRPr lang="en-US" dirty="0"/>
           </a:p>
         </p:txBody>
       </p:sp>
@@ -2428,7 +2864,7 @@
           <a:bodyPr/>
           <a:lstStyle/>
           <a:p>
-            <a:endParaRPr lang="en-US"/>
+            <a:endParaRPr lang="en-US" dirty="0"/>
           </a:p>
         </p:txBody>
       </p:sp>
@@ -2457,7 +2893,7 @@
               <a:rPr lang="en-US" smtClean="0"/>
               <a:t>‹#›</a:t>
             </a:fld>
-            <a:endParaRPr lang="en-US"/>
+            <a:endParaRPr lang="en-US" dirty="0"/>
           </a:p>
         </p:txBody>
       </p:sp>
@@ -2591,7 +3027,7 @@
             </a:lvl9pPr>
           </a:lstStyle>
           <a:p>
-            <a:endParaRPr lang="en-US"/>
+            <a:endParaRPr lang="en-US" dirty="0"/>
           </a:p>
         </p:txBody>
       </p:sp>
@@ -2689,9 +3125,9 @@
           <a:p>
             <a:fld id="{06E713BE-B739-4CC0-B4CE-95E82AEB026E}" type="datetimeFigureOut">
               <a:rPr lang="en-US" smtClean="0"/>
-              <a:t>4/10/2025</a:t>
+              <a:t>4/11/2025</a:t>
             </a:fld>
-            <a:endParaRPr lang="en-US"/>
+            <a:endParaRPr lang="en-US" dirty="0"/>
           </a:p>
         </p:txBody>
       </p:sp>
@@ -2716,7 +3152,7 @@
           <a:bodyPr/>
           <a:lstStyle/>
           <a:p>
-            <a:endParaRPr lang="en-US"/>
+            <a:endParaRPr lang="en-US" dirty="0"/>
           </a:p>
         </p:txBody>
       </p:sp>
@@ -2745,7 +3181,7 @@
               <a:rPr lang="en-US" smtClean="0"/>
               <a:t>‹#›</a:t>
             </a:fld>
-            <a:endParaRPr lang="en-US"/>
+            <a:endParaRPr lang="en-US" dirty="0"/>
           </a:p>
         </p:txBody>
       </p:sp>
@@ -2930,9 +3366,9 @@
           <a:p>
             <a:fld id="{06E713BE-B739-4CC0-B4CE-95E82AEB026E}" type="datetimeFigureOut">
               <a:rPr lang="en-US" smtClean="0"/>
-              <a:t>4/10/2025</a:t>
+              <a:t>4/11/2025</a:t>
             </a:fld>
-            <a:endParaRPr lang="en-US"/>
+            <a:endParaRPr lang="en-US" dirty="0"/>
           </a:p>
         </p:txBody>
       </p:sp>
@@ -2975,7 +3411,7 @@
             </a:lvl1pPr>
           </a:lstStyle>
           <a:p>
-            <a:endParaRPr lang="en-US"/>
+            <a:endParaRPr lang="en-US" dirty="0"/>
           </a:p>
         </p:txBody>
       </p:sp>
@@ -3022,7 +3458,7 @@
               <a:rPr lang="en-US" smtClean="0"/>
               <a:t>‹#›</a:t>
             </a:fld>
-            <a:endParaRPr lang="en-US"/>
+            <a:endParaRPr lang="en-US" dirty="0"/>
           </a:p>
         </p:txBody>
       </p:sp>
@@ -3661,6 +4097,628 @@
         </p:nvSpPr>
         <p:spPr>
           <a:xfrm>
+            <a:off x="436880" y="675640"/>
+            <a:ext cx="4856480" cy="646331"/>
+          </a:xfrm>
+          <a:prstGeom prst="rect">
+            <a:avLst/>
+          </a:prstGeom>
+          <a:noFill/>
+        </p:spPr>
+        <p:txBody>
+          <a:bodyPr wrap="square" rtlCol="0">
+            <a:spAutoFit/>
+          </a:bodyPr>
+          <a:lstStyle/>
+          <a:p>
+            <a:r>
+              <a:rPr lang="en-US" sz="3600" b="1" dirty="0"/>
+              <a:t>System Components </a:t>
+            </a:r>
+          </a:p>
+        </p:txBody>
+      </p:sp>
+      <p:cxnSp>
+        <p:nvCxnSpPr>
+          <p:cNvPr id="9" name="Straight Connector 8">
+            <a:extLst>
+              <a:ext uri="{FF2B5EF4-FFF2-40B4-BE49-F238E27FC236}">
+                <a16:creationId xmlns:a16="http://schemas.microsoft.com/office/drawing/2014/main" id="{06DEB5C5-95DE-9DEC-6F84-929E462EC78F}"/>
+              </a:ext>
+            </a:extLst>
+          </p:cNvPr>
+          <p:cNvCxnSpPr>
+            <a:cxnSpLocks/>
+          </p:cNvCxnSpPr>
+          <p:nvPr/>
+        </p:nvCxnSpPr>
+        <p:spPr>
+          <a:xfrm>
+            <a:off x="355600" y="1382931"/>
+            <a:ext cx="2743200" cy="0"/>
+          </a:xfrm>
+          <a:prstGeom prst="line">
+            <a:avLst/>
+          </a:prstGeom>
+          <a:ln w="28575"/>
+          <a:effectLst>
+            <a:outerShdw blurRad="50800" dist="38100" dir="2700000" algn="tl" rotWithShape="0">
+              <a:prstClr val="black">
+                <a:alpha val="40000"/>
+              </a:prstClr>
+            </a:outerShdw>
+          </a:effectLst>
+        </p:spPr>
+        <p:style>
+          <a:lnRef idx="1">
+            <a:schemeClr val="accent1"/>
+          </a:lnRef>
+          <a:fillRef idx="0">
+            <a:schemeClr val="accent1"/>
+          </a:fillRef>
+          <a:effectRef idx="0">
+            <a:schemeClr val="accent1"/>
+          </a:effectRef>
+          <a:fontRef idx="minor">
+            <a:schemeClr val="tx1"/>
+          </a:fontRef>
+        </p:style>
+      </p:cxnSp>
+      <p:sp>
+        <p:nvSpPr>
+          <p:cNvPr id="10" name="TextBox 9">
+            <a:extLst>
+              <a:ext uri="{FF2B5EF4-FFF2-40B4-BE49-F238E27FC236}">
+                <a16:creationId xmlns:a16="http://schemas.microsoft.com/office/drawing/2014/main" id="{603D59D7-9A28-C65D-5390-DFAD2739FC7B}"/>
+              </a:ext>
+            </a:extLst>
+          </p:cNvPr>
+          <p:cNvSpPr txBox="1"/>
+          <p:nvPr/>
+        </p:nvSpPr>
+        <p:spPr>
+          <a:xfrm>
+            <a:off x="695960" y="1577955"/>
+            <a:ext cx="3418840" cy="584775"/>
+          </a:xfrm>
+          <a:prstGeom prst="rect">
+            <a:avLst/>
+          </a:prstGeom>
+          <a:noFill/>
+        </p:spPr>
+        <p:txBody>
+          <a:bodyPr wrap="square" rtlCol="0">
+            <a:spAutoFit/>
+          </a:bodyPr>
+          <a:lstStyle/>
+          <a:p>
+            <a:r>
+              <a:rPr lang="en-US" sz="3200" b="1" dirty="0">
+                <a:latin typeface="+mj-lt"/>
+              </a:rPr>
+              <a:t>1. </a:t>
+            </a:r>
+            <a:r>
+              <a:rPr lang="en-US" sz="3200" b="1" dirty="0"/>
+              <a:t>Arduino Uno</a:t>
+            </a:r>
+          </a:p>
+        </p:txBody>
+      </p:sp>
+      <p:pic>
+        <p:nvPicPr>
+          <p:cNvPr id="1026" name="Picture 2" descr="Inside the Arduino UNO Board: A Comprehensive Tour">
+            <a:extLst>
+              <a:ext uri="{FF2B5EF4-FFF2-40B4-BE49-F238E27FC236}">
+                <a16:creationId xmlns:a16="http://schemas.microsoft.com/office/drawing/2014/main" id="{E0A45467-1F54-FC62-68AE-1C33F20CB071}"/>
+              </a:ext>
+            </a:extLst>
+          </p:cNvPr>
+          <p:cNvPicPr>
+            <a:picLocks noChangeAspect="1" noChangeArrowheads="1"/>
+          </p:cNvPicPr>
+          <p:nvPr/>
+        </p:nvPicPr>
+        <p:blipFill rotWithShape="1">
+          <a:blip r:embed="rId2">
+            <a:extLst>
+              <a:ext uri="{28A0092B-C50C-407E-A947-70E740481C1C}">
+                <a14:useLocalDpi xmlns:a14="http://schemas.microsoft.com/office/drawing/2010/main" val="0"/>
+              </a:ext>
+            </a:extLst>
+          </a:blip>
+          <a:srcRect l="5113" r="4982"/>
+          <a:stretch/>
+        </p:blipFill>
+        <p:spPr bwMode="auto">
+          <a:xfrm rot="5400000">
+            <a:off x="7124703" y="1592580"/>
+            <a:ext cx="5359394" cy="3901440"/>
+          </a:xfrm>
+          <a:prstGeom prst="rect">
+            <a:avLst/>
+          </a:prstGeom>
+          <a:noFill/>
+          <a:extLst>
+            <a:ext uri="{909E8E84-426E-40DD-AFC4-6F175D3DCCD1}">
+              <a14:hiddenFill xmlns:a14="http://schemas.microsoft.com/office/drawing/2010/main">
+                <a:solidFill>
+                  <a:srgbClr val="FFFFFF"/>
+                </a:solidFill>
+              </a14:hiddenFill>
+            </a:ext>
+          </a:extLst>
+        </p:spPr>
+      </p:pic>
+      <p:sp>
+        <p:nvSpPr>
+          <p:cNvPr id="2" name="TextBox 1">
+            <a:extLst>
+              <a:ext uri="{FF2B5EF4-FFF2-40B4-BE49-F238E27FC236}">
+                <a16:creationId xmlns:a16="http://schemas.microsoft.com/office/drawing/2014/main" id="{84A99BB0-8516-FF75-3D0E-B43E9E776D45}"/>
+              </a:ext>
+            </a:extLst>
+          </p:cNvPr>
+          <p:cNvSpPr txBox="1"/>
+          <p:nvPr/>
+        </p:nvSpPr>
+        <p:spPr>
+          <a:xfrm>
+            <a:off x="1127760" y="2357753"/>
+            <a:ext cx="6116320" cy="4062651"/>
+          </a:xfrm>
+          <a:prstGeom prst="rect">
+            <a:avLst/>
+          </a:prstGeom>
+          <a:noFill/>
+        </p:spPr>
+        <p:txBody>
+          <a:bodyPr wrap="square" rtlCol="0">
+            <a:spAutoFit/>
+          </a:bodyPr>
+          <a:lstStyle/>
+          <a:p>
+            <a:pPr marL="285750" indent="-285750">
+              <a:buFont typeface="Arial" panose="020B0604020202020204" pitchFamily="34" charset="0"/>
+              <a:buChar char="•"/>
+            </a:pPr>
+            <a:r>
+              <a:rPr lang="en-US" sz="2400" dirty="0"/>
+              <a:t>Digital Pins (D</a:t>
+            </a:r>
+            <a:r>
+              <a:rPr lang="en-US" sz="2400" baseline="-25000" dirty="0"/>
+              <a:t>0</a:t>
+            </a:r>
+            <a:r>
+              <a:rPr lang="en-US" sz="2400" dirty="0"/>
+              <a:t> – D</a:t>
+            </a:r>
+            <a:r>
+              <a:rPr lang="en-US" sz="2400" baseline="-25000" dirty="0"/>
+              <a:t>13</a:t>
+            </a:r>
+            <a:r>
+              <a:rPr lang="en-US" sz="2400" dirty="0"/>
+              <a:t>)</a:t>
+            </a:r>
+          </a:p>
+          <a:p>
+            <a:pPr marL="285750" indent="-285750">
+              <a:lnSpc>
+                <a:spcPct val="150000"/>
+              </a:lnSpc>
+              <a:buFont typeface="Arial" panose="020B0604020202020204" pitchFamily="34" charset="0"/>
+              <a:buChar char="•"/>
+            </a:pPr>
+            <a:r>
+              <a:rPr lang="en-US" sz="2400" dirty="0"/>
+              <a:t>Analog Pins (A</a:t>
+            </a:r>
+            <a:r>
+              <a:rPr lang="en-US" sz="2400" baseline="-25000" dirty="0"/>
+              <a:t>0</a:t>
+            </a:r>
+            <a:r>
+              <a:rPr lang="en-US" sz="2400" dirty="0"/>
+              <a:t> – A</a:t>
+            </a:r>
+            <a:r>
+              <a:rPr lang="en-US" sz="2400" baseline="-25000" dirty="0"/>
+              <a:t>5</a:t>
+            </a:r>
+            <a:r>
+              <a:rPr lang="en-US" sz="2400" dirty="0"/>
+              <a:t>)</a:t>
+            </a:r>
+          </a:p>
+          <a:p>
+            <a:pPr marL="285750" indent="-285750">
+              <a:lnSpc>
+                <a:spcPct val="150000"/>
+              </a:lnSpc>
+              <a:buFont typeface="Arial" panose="020B0604020202020204" pitchFamily="34" charset="0"/>
+              <a:buChar char="•"/>
+            </a:pPr>
+            <a:r>
+              <a:rPr lang="en-US" sz="2400" dirty="0"/>
+              <a:t>Power pins</a:t>
+            </a:r>
+          </a:p>
+          <a:p>
+            <a:pPr marL="742950" lvl="1" indent="-285750">
+              <a:lnSpc>
+                <a:spcPct val="150000"/>
+              </a:lnSpc>
+              <a:buFont typeface="Arial" panose="020B0604020202020204" pitchFamily="34" charset="0"/>
+              <a:buChar char="•"/>
+            </a:pPr>
+            <a:r>
+              <a:rPr lang="en-US" sz="2400" dirty="0"/>
+              <a:t>V</a:t>
+            </a:r>
+            <a:r>
+              <a:rPr lang="en-US" sz="2400" baseline="-25000" dirty="0"/>
+              <a:t>in </a:t>
+            </a:r>
+            <a:r>
+              <a:rPr lang="en-US" sz="2400" dirty="0"/>
+              <a:t> , 3.3v,5v,ioref,reset</a:t>
+            </a:r>
+            <a:endParaRPr lang="en-US" sz="2400" baseline="-25000" dirty="0"/>
+          </a:p>
+          <a:p>
+            <a:pPr marL="285750" indent="-285750">
+              <a:lnSpc>
+                <a:spcPct val="150000"/>
+              </a:lnSpc>
+              <a:buFont typeface="Arial" panose="020B0604020202020204" pitchFamily="34" charset="0"/>
+              <a:buChar char="•"/>
+            </a:pPr>
+            <a:r>
+              <a:rPr lang="en-US" sz="2400" dirty="0"/>
+              <a:t>Processor: Atmega328P</a:t>
+            </a:r>
+          </a:p>
+          <a:p>
+            <a:pPr marL="285750" indent="-285750">
+              <a:lnSpc>
+                <a:spcPct val="150000"/>
+              </a:lnSpc>
+              <a:buFont typeface="Arial" panose="020B0604020202020204" pitchFamily="34" charset="0"/>
+              <a:buChar char="•"/>
+            </a:pPr>
+            <a:r>
+              <a:rPr lang="en-US" sz="2400" dirty="0"/>
+              <a:t>PWM pins: 3,5,6 , 9,10,11</a:t>
+            </a:r>
+          </a:p>
+          <a:p>
+            <a:pPr marL="285750" indent="-285750">
+              <a:lnSpc>
+                <a:spcPct val="150000"/>
+              </a:lnSpc>
+              <a:buFont typeface="Arial" panose="020B0604020202020204" pitchFamily="34" charset="0"/>
+              <a:buChar char="•"/>
+            </a:pPr>
+            <a:r>
+              <a:rPr lang="en-US" sz="2400" dirty="0"/>
+              <a:t>UART PINS: D</a:t>
+            </a:r>
+            <a:r>
+              <a:rPr lang="en-US" sz="2400" baseline="-25000" dirty="0"/>
+              <a:t>0</a:t>
+            </a:r>
+            <a:r>
+              <a:rPr lang="en-US" sz="2400" dirty="0"/>
+              <a:t>,D</a:t>
+            </a:r>
+            <a:r>
+              <a:rPr lang="en-US" sz="2400" baseline="-25000" dirty="0"/>
+              <a:t>1</a:t>
+            </a:r>
+          </a:p>
+          <a:p>
+            <a:pPr marL="285750" indent="-285750">
+              <a:buFont typeface="Arial" panose="020B0604020202020204" pitchFamily="34" charset="0"/>
+              <a:buChar char="•"/>
+            </a:pPr>
+            <a:endParaRPr lang="en-US" dirty="0"/>
+          </a:p>
+        </p:txBody>
+      </p:sp>
+    </p:spTree>
+    <p:extLst>
+      <p:ext uri="{BB962C8B-B14F-4D97-AF65-F5344CB8AC3E}">
+        <p14:creationId xmlns:p14="http://schemas.microsoft.com/office/powerpoint/2010/main" val="2420312741"/>
+      </p:ext>
+    </p:extLst>
+  </p:cSld>
+  <p:clrMapOvr>
+    <a:masterClrMapping/>
+  </p:clrMapOvr>
+</p:sld>
+</file>
+
+<file path=ppt/slides/slide11.xml><?xml version="1.0" encoding="utf-8"?>
+<p:sld xmlns:a="http://schemas.openxmlformats.org/drawingml/2006/main" xmlns:r="http://schemas.openxmlformats.org/officeDocument/2006/relationships" xmlns:p="http://schemas.openxmlformats.org/presentationml/2006/main">
+  <p:cSld>
+    <p:spTree>
+      <p:nvGrpSpPr>
+        <p:cNvPr id="1" name=""/>
+        <p:cNvGrpSpPr/>
+        <p:nvPr/>
+      </p:nvGrpSpPr>
+      <p:grpSpPr>
+        <a:xfrm>
+          <a:off x="0" y="0"/>
+          <a:ext cx="0" cy="0"/>
+          <a:chOff x="0" y="0"/>
+          <a:chExt cx="0" cy="0"/>
+        </a:xfrm>
+      </p:grpSpPr>
+      <p:sp>
+        <p:nvSpPr>
+          <p:cNvPr id="4" name="TextBox 3">
+            <a:extLst>
+              <a:ext uri="{FF2B5EF4-FFF2-40B4-BE49-F238E27FC236}">
+                <a16:creationId xmlns:a16="http://schemas.microsoft.com/office/drawing/2014/main" id="{17C97D89-3979-D9EC-2F9E-F1BA5D0A9EF4}"/>
+              </a:ext>
+            </a:extLst>
+          </p:cNvPr>
+          <p:cNvSpPr txBox="1"/>
+          <p:nvPr/>
+        </p:nvSpPr>
+        <p:spPr>
+          <a:xfrm>
+            <a:off x="416560" y="675640"/>
+            <a:ext cx="4856480" cy="646331"/>
+          </a:xfrm>
+          <a:prstGeom prst="rect">
+            <a:avLst/>
+          </a:prstGeom>
+          <a:noFill/>
+        </p:spPr>
+        <p:txBody>
+          <a:bodyPr wrap="square" rtlCol="0">
+            <a:spAutoFit/>
+          </a:bodyPr>
+          <a:lstStyle/>
+          <a:p>
+            <a:r>
+              <a:rPr lang="en-US" sz="3600" b="1" dirty="0"/>
+              <a:t>System Components </a:t>
+            </a:r>
+          </a:p>
+        </p:txBody>
+      </p:sp>
+      <p:cxnSp>
+        <p:nvCxnSpPr>
+          <p:cNvPr id="9" name="Straight Connector 8">
+            <a:extLst>
+              <a:ext uri="{FF2B5EF4-FFF2-40B4-BE49-F238E27FC236}">
+                <a16:creationId xmlns:a16="http://schemas.microsoft.com/office/drawing/2014/main" id="{06DEB5C5-95DE-9DEC-6F84-929E462EC78F}"/>
+              </a:ext>
+            </a:extLst>
+          </p:cNvPr>
+          <p:cNvCxnSpPr>
+            <a:cxnSpLocks/>
+          </p:cNvCxnSpPr>
+          <p:nvPr/>
+        </p:nvCxnSpPr>
+        <p:spPr>
+          <a:xfrm>
+            <a:off x="335280" y="1382931"/>
+            <a:ext cx="2743200" cy="0"/>
+          </a:xfrm>
+          <a:prstGeom prst="line">
+            <a:avLst/>
+          </a:prstGeom>
+          <a:ln w="28575"/>
+          <a:effectLst>
+            <a:outerShdw blurRad="50800" dist="38100" dir="2700000" algn="tl" rotWithShape="0">
+              <a:prstClr val="black">
+                <a:alpha val="40000"/>
+              </a:prstClr>
+            </a:outerShdw>
+          </a:effectLst>
+        </p:spPr>
+        <p:style>
+          <a:lnRef idx="1">
+            <a:schemeClr val="accent1"/>
+          </a:lnRef>
+          <a:fillRef idx="0">
+            <a:schemeClr val="accent1"/>
+          </a:fillRef>
+          <a:effectRef idx="0">
+            <a:schemeClr val="accent1"/>
+          </a:effectRef>
+          <a:fontRef idx="minor">
+            <a:schemeClr val="tx1"/>
+          </a:fontRef>
+        </p:style>
+      </p:cxnSp>
+      <p:sp>
+        <p:nvSpPr>
+          <p:cNvPr id="10" name="TextBox 9">
+            <a:extLst>
+              <a:ext uri="{FF2B5EF4-FFF2-40B4-BE49-F238E27FC236}">
+                <a16:creationId xmlns:a16="http://schemas.microsoft.com/office/drawing/2014/main" id="{603D59D7-9A28-C65D-5390-DFAD2739FC7B}"/>
+              </a:ext>
+            </a:extLst>
+          </p:cNvPr>
+          <p:cNvSpPr txBox="1"/>
+          <p:nvPr/>
+        </p:nvSpPr>
+        <p:spPr>
+          <a:xfrm>
+            <a:off x="675640" y="1577955"/>
+            <a:ext cx="4434840" cy="584775"/>
+          </a:xfrm>
+          <a:prstGeom prst="rect">
+            <a:avLst/>
+          </a:prstGeom>
+          <a:noFill/>
+        </p:spPr>
+        <p:txBody>
+          <a:bodyPr wrap="square" rtlCol="0">
+            <a:spAutoFit/>
+          </a:bodyPr>
+          <a:lstStyle/>
+          <a:p>
+            <a:r>
+              <a:rPr lang="en-US" sz="3200" b="1" dirty="0">
+                <a:latin typeface="+mj-lt"/>
+              </a:rPr>
+              <a:t>2. </a:t>
+            </a:r>
+            <a:r>
+              <a:rPr lang="en-US" sz="3200" b="1" dirty="0"/>
+              <a:t>L293D Motor Driver</a:t>
+            </a:r>
+          </a:p>
+        </p:txBody>
+      </p:sp>
+      <p:sp>
+        <p:nvSpPr>
+          <p:cNvPr id="3" name="TextBox 2">
+            <a:extLst>
+              <a:ext uri="{FF2B5EF4-FFF2-40B4-BE49-F238E27FC236}">
+                <a16:creationId xmlns:a16="http://schemas.microsoft.com/office/drawing/2014/main" id="{53AFE975-4E33-1ED1-CE2B-8A0EBC213B1C}"/>
+              </a:ext>
+            </a:extLst>
+          </p:cNvPr>
+          <p:cNvSpPr txBox="1"/>
+          <p:nvPr/>
+        </p:nvSpPr>
+        <p:spPr>
+          <a:xfrm>
+            <a:off x="1217930" y="2357753"/>
+            <a:ext cx="5426710" cy="2677656"/>
+          </a:xfrm>
+          <a:prstGeom prst="rect">
+            <a:avLst/>
+          </a:prstGeom>
+          <a:noFill/>
+        </p:spPr>
+        <p:txBody>
+          <a:bodyPr wrap="square" rtlCol="0">
+            <a:spAutoFit/>
+          </a:bodyPr>
+          <a:lstStyle/>
+          <a:p>
+            <a:r>
+              <a:rPr lang="en-US" sz="2800" dirty="0">
+                <a:latin typeface="+mj-lt"/>
+              </a:rPr>
+              <a:t>The </a:t>
+            </a:r>
+            <a:r>
+              <a:rPr lang="en-US" sz="2800" b="1" dirty="0">
+                <a:latin typeface="+mj-lt"/>
+              </a:rPr>
+              <a:t>L293D</a:t>
+            </a:r>
+            <a:r>
+              <a:rPr lang="en-US" sz="2800" dirty="0">
+                <a:latin typeface="+mj-lt"/>
+              </a:rPr>
+              <a:t> is a popular motor driver IC used to control the direction and speed of DC motors. It contains two H-bridge circuits, allowing it to control two DC motors simultaneously</a:t>
+            </a:r>
+          </a:p>
+        </p:txBody>
+      </p:sp>
+      <p:pic>
+        <p:nvPicPr>
+          <p:cNvPr id="3075" name="Picture 3" descr="L293D Dual H-Bridge Motor Driver IC Pins, Circuit, Working">
+            <a:extLst>
+              <a:ext uri="{FF2B5EF4-FFF2-40B4-BE49-F238E27FC236}">
+                <a16:creationId xmlns:a16="http://schemas.microsoft.com/office/drawing/2014/main" id="{6B5FEC76-6E02-412E-F6AA-D41B7CBC8AAB}"/>
+              </a:ext>
+            </a:extLst>
+          </p:cNvPr>
+          <p:cNvPicPr>
+            <a:picLocks noChangeAspect="1" noChangeArrowheads="1"/>
+          </p:cNvPicPr>
+          <p:nvPr/>
+        </p:nvPicPr>
+        <p:blipFill>
+          <a:blip r:embed="rId2">
+            <a:extLst>
+              <a:ext uri="{28A0092B-C50C-407E-A947-70E740481C1C}">
+                <a14:useLocalDpi xmlns:a14="http://schemas.microsoft.com/office/drawing/2010/main" val="0"/>
+              </a:ext>
+            </a:extLst>
+          </a:blip>
+          <a:srcRect/>
+          <a:stretch>
+            <a:fillRect/>
+          </a:stretch>
+        </p:blipFill>
+        <p:spPr bwMode="auto">
+          <a:xfrm>
+            <a:off x="6902450" y="2162730"/>
+            <a:ext cx="4771390" cy="3802361"/>
+          </a:xfrm>
+          <a:prstGeom prst="rect">
+            <a:avLst/>
+          </a:prstGeom>
+          <a:noFill/>
+          <a:extLst>
+            <a:ext uri="{909E8E84-426E-40DD-AFC4-6F175D3DCCD1}">
+              <a14:hiddenFill xmlns:a14="http://schemas.microsoft.com/office/drawing/2010/main">
+                <a:solidFill>
+                  <a:srgbClr val="FFFFFF"/>
+                </a:solidFill>
+              </a14:hiddenFill>
+            </a:ext>
+          </a:extLst>
+        </p:spPr>
+      </p:pic>
+    </p:spTree>
+    <p:extLst>
+      <p:ext uri="{BB962C8B-B14F-4D97-AF65-F5344CB8AC3E}">
+        <p14:creationId xmlns:p14="http://schemas.microsoft.com/office/powerpoint/2010/main" val="1972259746"/>
+      </p:ext>
+    </p:extLst>
+  </p:cSld>
+  <p:clrMapOvr>
+    <a:masterClrMapping/>
+  </p:clrMapOvr>
+</p:sld>
+</file>
+
+<file path=ppt/slides/slide12.xml><?xml version="1.0" encoding="utf-8"?>
+<p:sld xmlns:a="http://schemas.openxmlformats.org/drawingml/2006/main" xmlns:r="http://schemas.openxmlformats.org/officeDocument/2006/relationships" xmlns:p="http://schemas.openxmlformats.org/presentationml/2006/main">
+  <p:cSld>
+    <p:spTree>
+      <p:nvGrpSpPr>
+        <p:cNvPr id="1" name=""/>
+        <p:cNvGrpSpPr/>
+        <p:nvPr/>
+      </p:nvGrpSpPr>
+      <p:grpSpPr>
+        <a:xfrm>
+          <a:off x="0" y="0"/>
+          <a:ext cx="0" cy="0"/>
+          <a:chOff x="0" y="0"/>
+          <a:chExt cx="0" cy="0"/>
+        </a:xfrm>
+      </p:grpSpPr>
+      <p:sp>
+        <p:nvSpPr>
+          <p:cNvPr id="4" name="TextBox 3">
+            <a:extLst>
+              <a:ext uri="{FF2B5EF4-FFF2-40B4-BE49-F238E27FC236}">
+                <a16:creationId xmlns:a16="http://schemas.microsoft.com/office/drawing/2014/main" id="{17C97D89-3979-D9EC-2F9E-F1BA5D0A9EF4}"/>
+              </a:ext>
+            </a:extLst>
+          </p:cNvPr>
+          <p:cNvSpPr txBox="1"/>
+          <p:nvPr/>
+        </p:nvSpPr>
+        <p:spPr>
+          <a:xfrm>
             <a:off x="416560" y="675640"/>
             <a:ext cx="4856480" cy="646331"/>
           </a:xfrm>
@@ -3859,7 +4917,7 @@
 </p:sld>
 </file>
 
-<file path=ppt/slides/slide11.xml><?xml version="1.0" encoding="utf-8"?>
+<file path=ppt/slides/slide13.xml><?xml version="1.0" encoding="utf-8"?>
 <p:sld xmlns:a="http://schemas.openxmlformats.org/drawingml/2006/main" xmlns:r="http://schemas.openxmlformats.org/officeDocument/2006/relationships" xmlns:p="http://schemas.openxmlformats.org/presentationml/2006/main">
   <p:cSld>
     <p:spTree>
@@ -4099,7 +5157,7 @@
 </p:sld>
 </file>
 
-<file path=ppt/slides/slide12.xml><?xml version="1.0" encoding="utf-8"?>
+<file path=ppt/slides/slide14.xml><?xml version="1.0" encoding="utf-8"?>
 <p:sld xmlns:a="http://schemas.openxmlformats.org/drawingml/2006/main" xmlns:r="http://schemas.openxmlformats.org/officeDocument/2006/relationships" xmlns:p="http://schemas.openxmlformats.org/presentationml/2006/main">
   <p:cSld>
     <p:spTree>
@@ -4574,7 +5632,7 @@
 </p:sld>
 </file>
 
-<file path=ppt/slides/slide13.xml><?xml version="1.0" encoding="utf-8"?>
+<file path=ppt/slides/slide15.xml><?xml version="1.0" encoding="utf-8"?>
 <p:sld xmlns:a="http://schemas.openxmlformats.org/drawingml/2006/main" xmlns:r="http://schemas.openxmlformats.org/officeDocument/2006/relationships" xmlns:p="http://schemas.openxmlformats.org/presentationml/2006/main">
   <p:cSld>
     <p:spTree>
@@ -4814,1841 +5872,7 @@
 </p:sld>
 </file>
 
-<file path=ppt/slides/slide14.xml><?xml version="1.0" encoding="utf-8"?>
-<p:sld xmlns:a="http://schemas.openxmlformats.org/drawingml/2006/main" xmlns:r="http://schemas.openxmlformats.org/officeDocument/2006/relationships" xmlns:p="http://schemas.openxmlformats.org/presentationml/2006/main">
-  <p:cSld>
-    <p:spTree>
-      <p:nvGrpSpPr>
-        <p:cNvPr id="1" name=""/>
-        <p:cNvGrpSpPr/>
-        <p:nvPr/>
-      </p:nvGrpSpPr>
-      <p:grpSpPr>
-        <a:xfrm>
-          <a:off x="0" y="0"/>
-          <a:ext cx="0" cy="0"/>
-          <a:chOff x="0" y="0"/>
-          <a:chExt cx="0" cy="0"/>
-        </a:xfrm>
-      </p:grpSpPr>
-      <p:sp>
-        <p:nvSpPr>
-          <p:cNvPr id="4" name="TextBox 3">
-            <a:extLst>
-              <a:ext uri="{FF2B5EF4-FFF2-40B4-BE49-F238E27FC236}">
-                <a16:creationId xmlns:a16="http://schemas.microsoft.com/office/drawing/2014/main" id="{17C97D89-3979-D9EC-2F9E-F1BA5D0A9EF4}"/>
-              </a:ext>
-            </a:extLst>
-          </p:cNvPr>
-          <p:cNvSpPr txBox="1"/>
-          <p:nvPr/>
-        </p:nvSpPr>
-        <p:spPr>
-          <a:xfrm>
-            <a:off x="416560" y="675640"/>
-            <a:ext cx="4856480" cy="646331"/>
-          </a:xfrm>
-          <a:prstGeom prst="rect">
-            <a:avLst/>
-          </a:prstGeom>
-          <a:noFill/>
-        </p:spPr>
-        <p:txBody>
-          <a:bodyPr wrap="square" rtlCol="0">
-            <a:spAutoFit/>
-          </a:bodyPr>
-          <a:lstStyle/>
-          <a:p>
-            <a:r>
-              <a:rPr lang="en-US" sz="3600" b="1" dirty="0"/>
-              <a:t>Working Mechanism</a:t>
-            </a:r>
-          </a:p>
-        </p:txBody>
-      </p:sp>
-      <p:cxnSp>
-        <p:nvCxnSpPr>
-          <p:cNvPr id="9" name="Straight Connector 8">
-            <a:extLst>
-              <a:ext uri="{FF2B5EF4-FFF2-40B4-BE49-F238E27FC236}">
-                <a16:creationId xmlns:a16="http://schemas.microsoft.com/office/drawing/2014/main" id="{06DEB5C5-95DE-9DEC-6F84-929E462EC78F}"/>
-              </a:ext>
-            </a:extLst>
-          </p:cNvPr>
-          <p:cNvCxnSpPr>
-            <a:cxnSpLocks/>
-          </p:cNvCxnSpPr>
-          <p:nvPr/>
-        </p:nvCxnSpPr>
-        <p:spPr>
-          <a:xfrm>
-            <a:off x="335280" y="1382931"/>
-            <a:ext cx="2743200" cy="0"/>
-          </a:xfrm>
-          <a:prstGeom prst="line">
-            <a:avLst/>
-          </a:prstGeom>
-          <a:ln w="28575"/>
-          <a:effectLst>
-            <a:outerShdw blurRad="50800" dist="38100" dir="2700000" algn="tl" rotWithShape="0">
-              <a:prstClr val="black">
-                <a:alpha val="40000"/>
-              </a:prstClr>
-            </a:outerShdw>
-          </a:effectLst>
-        </p:spPr>
-        <p:style>
-          <a:lnRef idx="1">
-            <a:schemeClr val="accent1"/>
-          </a:lnRef>
-          <a:fillRef idx="0">
-            <a:schemeClr val="accent1"/>
-          </a:fillRef>
-          <a:effectRef idx="0">
-            <a:schemeClr val="accent1"/>
-          </a:effectRef>
-          <a:fontRef idx="minor">
-            <a:schemeClr val="tx1"/>
-          </a:fontRef>
-        </p:style>
-      </p:cxnSp>
-      <p:sp>
-        <p:nvSpPr>
-          <p:cNvPr id="6" name="TextBox 5">
-            <a:extLst>
-              <a:ext uri="{FF2B5EF4-FFF2-40B4-BE49-F238E27FC236}">
-                <a16:creationId xmlns:a16="http://schemas.microsoft.com/office/drawing/2014/main" id="{CF6F4F10-B955-26C4-1954-A6F002AA681F}"/>
-              </a:ext>
-            </a:extLst>
-          </p:cNvPr>
-          <p:cNvSpPr txBox="1"/>
-          <p:nvPr/>
-        </p:nvSpPr>
-        <p:spPr>
-          <a:xfrm>
-            <a:off x="812800" y="1658045"/>
-            <a:ext cx="10342880" cy="4524315"/>
-          </a:xfrm>
-          <a:prstGeom prst="rect">
-            <a:avLst/>
-          </a:prstGeom>
-          <a:noFill/>
-        </p:spPr>
-        <p:txBody>
-          <a:bodyPr wrap="square" rtlCol="0">
-            <a:spAutoFit/>
-          </a:bodyPr>
-          <a:lstStyle/>
-          <a:p>
-            <a:pPr marL="342900" indent="-342900">
-              <a:buFont typeface="Arial" panose="020B0604020202020204" pitchFamily="34" charset="0"/>
-              <a:buChar char="•"/>
-            </a:pPr>
-            <a:r>
-              <a:rPr lang="en-US" sz="2400" b="1" dirty="0"/>
-              <a:t>Normal Detection Method:</a:t>
-            </a:r>
-          </a:p>
-          <a:p>
-            <a:pPr marL="800100" lvl="1" indent="-342900">
-              <a:buFont typeface="Arial" panose="020B0604020202020204" pitchFamily="34" charset="0"/>
-              <a:buChar char="•"/>
-            </a:pPr>
-            <a:r>
-              <a:rPr lang="en-US" sz="2400" dirty="0"/>
-              <a:t>Utilizes an ultrasonic sensor to measure the distance between the car and the nearest object in its line of sight.</a:t>
-            </a:r>
-            <a:endParaRPr lang="en-US" sz="2400" b="1" dirty="0"/>
-          </a:p>
-          <a:p>
-            <a:pPr marL="800100" lvl="1" indent="-342900">
-              <a:buFont typeface="Arial" panose="020B0604020202020204" pitchFamily="34" charset="0"/>
-              <a:buChar char="•"/>
-            </a:pPr>
-            <a:r>
-              <a:rPr lang="en-US" sz="2400" dirty="0"/>
-              <a:t>This method is not omnidirectional, meaning it only detects objects directly in front of the sensor.</a:t>
-            </a:r>
-            <a:endParaRPr lang="en-US" sz="2400" b="1" dirty="0"/>
-          </a:p>
-          <a:p>
-            <a:pPr marL="800100" lvl="1" indent="-342900">
-              <a:buFont typeface="Arial" panose="020B0604020202020204" pitchFamily="34" charset="0"/>
-              <a:buChar char="•"/>
-            </a:pPr>
-            <a:r>
-              <a:rPr lang="en-US" sz="2400" dirty="0"/>
-              <a:t>Most commonly used and does not involve the use of a servo motor</a:t>
-            </a:r>
-            <a:endParaRPr lang="en-US" sz="2400" b="1" dirty="0"/>
-          </a:p>
-          <a:p>
-            <a:pPr marL="342900" indent="-342900">
-              <a:buFont typeface="Arial" panose="020B0604020202020204" pitchFamily="34" charset="0"/>
-              <a:buChar char="•"/>
-            </a:pPr>
-            <a:r>
-              <a:rPr lang="en-US" sz="2400" b="1" dirty="0"/>
-              <a:t>Intensive Detection Method:</a:t>
-            </a:r>
-          </a:p>
-          <a:p>
-            <a:pPr marL="800100" lvl="1" indent="-342900">
-              <a:buFont typeface="Arial" panose="020B0604020202020204" pitchFamily="34" charset="0"/>
-              <a:buChar char="•"/>
-            </a:pPr>
-            <a:r>
-              <a:rPr lang="en-US" sz="2400" dirty="0"/>
-              <a:t>Employs a servo motor to rotate the ultrasonic sensor, providing a 180-degree view for omnidirectional detection</a:t>
-            </a:r>
-            <a:endParaRPr lang="en-US" sz="2400" b="1" dirty="0"/>
-          </a:p>
-          <a:p>
-            <a:pPr marL="800100" lvl="1" indent="-342900">
-              <a:buFont typeface="Arial" panose="020B0604020202020204" pitchFamily="34" charset="0"/>
-              <a:buChar char="•"/>
-            </a:pPr>
-            <a:r>
-              <a:rPr lang="en-US" sz="2400" dirty="0"/>
-              <a:t>Sensor starts at 0 degrees (extreme left) and rotates to 180 degrees (extreme right) in 3-degree steps</a:t>
-            </a:r>
-            <a:endParaRPr lang="en-US" sz="2400" b="1" dirty="0"/>
-          </a:p>
-          <a:p>
-            <a:pPr marL="800100" lvl="1" indent="-342900">
-              <a:buFont typeface="Arial" panose="020B0604020202020204" pitchFamily="34" charset="0"/>
-              <a:buChar char="•"/>
-            </a:pPr>
-            <a:r>
-              <a:rPr lang="en-US" sz="2400" dirty="0"/>
-              <a:t>Collected data is analyzed to determine the subsequent actions</a:t>
-            </a:r>
-            <a:endParaRPr lang="en-US" sz="2400" b="1" dirty="0"/>
-          </a:p>
-        </p:txBody>
-      </p:sp>
-    </p:spTree>
-    <p:extLst>
-      <p:ext uri="{BB962C8B-B14F-4D97-AF65-F5344CB8AC3E}">
-        <p14:creationId xmlns:p14="http://schemas.microsoft.com/office/powerpoint/2010/main" val="1205652728"/>
-      </p:ext>
-    </p:extLst>
-  </p:cSld>
-  <p:clrMapOvr>
-    <a:masterClrMapping/>
-  </p:clrMapOvr>
-</p:sld>
-</file>
-
-<file path=ppt/slides/slide15.xml><?xml version="1.0" encoding="utf-8"?>
-<p:sld xmlns:a="http://schemas.openxmlformats.org/drawingml/2006/main" xmlns:r="http://schemas.openxmlformats.org/officeDocument/2006/relationships" xmlns:p="http://schemas.openxmlformats.org/presentationml/2006/main">
-  <p:cSld>
-    <p:spTree>
-      <p:nvGrpSpPr>
-        <p:cNvPr id="1" name=""/>
-        <p:cNvGrpSpPr/>
-        <p:nvPr/>
-      </p:nvGrpSpPr>
-      <p:grpSpPr>
-        <a:xfrm>
-          <a:off x="0" y="0"/>
-          <a:ext cx="0" cy="0"/>
-          <a:chOff x="0" y="0"/>
-          <a:chExt cx="0" cy="0"/>
-        </a:xfrm>
-      </p:grpSpPr>
-      <p:sp>
-        <p:nvSpPr>
-          <p:cNvPr id="4" name="TextBox 3">
-            <a:extLst>
-              <a:ext uri="{FF2B5EF4-FFF2-40B4-BE49-F238E27FC236}">
-                <a16:creationId xmlns:a16="http://schemas.microsoft.com/office/drawing/2014/main" id="{17C97D89-3979-D9EC-2F9E-F1BA5D0A9EF4}"/>
-              </a:ext>
-            </a:extLst>
-          </p:cNvPr>
-          <p:cNvSpPr txBox="1"/>
-          <p:nvPr/>
-        </p:nvSpPr>
-        <p:spPr>
-          <a:xfrm>
-            <a:off x="416560" y="675640"/>
-            <a:ext cx="4856480" cy="646331"/>
-          </a:xfrm>
-          <a:prstGeom prst="rect">
-            <a:avLst/>
-          </a:prstGeom>
-          <a:noFill/>
-        </p:spPr>
-        <p:txBody>
-          <a:bodyPr wrap="square" rtlCol="0">
-            <a:spAutoFit/>
-          </a:bodyPr>
-          <a:lstStyle/>
-          <a:p>
-            <a:r>
-              <a:rPr lang="en-US" sz="3600" b="1" dirty="0"/>
-              <a:t>Software's Used</a:t>
-            </a:r>
-          </a:p>
-        </p:txBody>
-      </p:sp>
-      <p:cxnSp>
-        <p:nvCxnSpPr>
-          <p:cNvPr id="9" name="Straight Connector 8">
-            <a:extLst>
-              <a:ext uri="{FF2B5EF4-FFF2-40B4-BE49-F238E27FC236}">
-                <a16:creationId xmlns:a16="http://schemas.microsoft.com/office/drawing/2014/main" id="{06DEB5C5-95DE-9DEC-6F84-929E462EC78F}"/>
-              </a:ext>
-            </a:extLst>
-          </p:cNvPr>
-          <p:cNvCxnSpPr>
-            <a:cxnSpLocks/>
-          </p:cNvCxnSpPr>
-          <p:nvPr/>
-        </p:nvCxnSpPr>
-        <p:spPr>
-          <a:xfrm>
-            <a:off x="335280" y="1382931"/>
-            <a:ext cx="2743200" cy="0"/>
-          </a:xfrm>
-          <a:prstGeom prst="line">
-            <a:avLst/>
-          </a:prstGeom>
-          <a:ln w="28575"/>
-          <a:effectLst>
-            <a:outerShdw blurRad="50800" dist="38100" dir="2700000" algn="tl" rotWithShape="0">
-              <a:prstClr val="black">
-                <a:alpha val="40000"/>
-              </a:prstClr>
-            </a:outerShdw>
-          </a:effectLst>
-        </p:spPr>
-        <p:style>
-          <a:lnRef idx="1">
-            <a:schemeClr val="accent1"/>
-          </a:lnRef>
-          <a:fillRef idx="0">
-            <a:schemeClr val="accent1"/>
-          </a:fillRef>
-          <a:effectRef idx="0">
-            <a:schemeClr val="accent1"/>
-          </a:effectRef>
-          <a:fontRef idx="minor">
-            <a:schemeClr val="tx1"/>
-          </a:fontRef>
-        </p:style>
-      </p:cxnSp>
-      <p:sp>
-        <p:nvSpPr>
-          <p:cNvPr id="6" name="TextBox 5">
-            <a:extLst>
-              <a:ext uri="{FF2B5EF4-FFF2-40B4-BE49-F238E27FC236}">
-                <a16:creationId xmlns:a16="http://schemas.microsoft.com/office/drawing/2014/main" id="{CF6F4F10-B955-26C4-1954-A6F002AA681F}"/>
-              </a:ext>
-            </a:extLst>
-          </p:cNvPr>
-          <p:cNvSpPr txBox="1"/>
-          <p:nvPr/>
-        </p:nvSpPr>
-        <p:spPr>
-          <a:xfrm>
-            <a:off x="812800" y="1658045"/>
-            <a:ext cx="7518400" cy="4278094"/>
-          </a:xfrm>
-          <a:prstGeom prst="rect">
-            <a:avLst/>
-          </a:prstGeom>
-          <a:noFill/>
-        </p:spPr>
-        <p:txBody>
-          <a:bodyPr wrap="square" rtlCol="0">
-            <a:spAutoFit/>
-          </a:bodyPr>
-          <a:lstStyle/>
-          <a:p>
-            <a:r>
-              <a:rPr lang="en-US" sz="2800" b="1" dirty="0"/>
-              <a:t>Arduino IDE  (1.8.X)</a:t>
-            </a:r>
-          </a:p>
-          <a:p>
-            <a:endParaRPr lang="en-US" sz="2400" dirty="0"/>
-          </a:p>
-          <a:p>
-            <a:pPr marL="342900" indent="-342900">
-              <a:buFont typeface="Arial" panose="020B0604020202020204" pitchFamily="34" charset="0"/>
-              <a:buChar char="•"/>
-            </a:pPr>
-            <a:r>
-              <a:rPr lang="en-US" sz="2200" dirty="0"/>
-              <a:t>Arduino IDE (Integrated Development Environment) is a platform used for writing, compiling, and uploading code to Arduino boards.</a:t>
-            </a:r>
-          </a:p>
-          <a:p>
-            <a:pPr marL="342900" indent="-342900">
-              <a:buFont typeface="Arial" panose="020B0604020202020204" pitchFamily="34" charset="0"/>
-              <a:buChar char="•"/>
-            </a:pPr>
-            <a:r>
-              <a:rPr lang="en-US" sz="2200" b="1" dirty="0"/>
-              <a:t>Features: </a:t>
-            </a:r>
-            <a:r>
-              <a:rPr lang="en-US" sz="2200" dirty="0"/>
-              <a:t>Simple user interface, open-source nature, supports multiple programming languages (mainly C and C++).</a:t>
-            </a:r>
-          </a:p>
-          <a:p>
-            <a:pPr marL="342900" indent="-342900">
-              <a:buFont typeface="Arial" panose="020B0604020202020204" pitchFamily="34" charset="0"/>
-              <a:buChar char="•"/>
-            </a:pPr>
-            <a:r>
-              <a:rPr lang="en-US" sz="2200" dirty="0"/>
-              <a:t>Compatibility: Works on Windows, macOS, and Linux systems.</a:t>
-            </a:r>
-          </a:p>
-          <a:p>
-            <a:pPr marL="342900" indent="-342900">
-              <a:buFont typeface="Arial" panose="020B0604020202020204" pitchFamily="34" charset="0"/>
-              <a:buChar char="•"/>
-            </a:pPr>
-            <a:r>
-              <a:rPr lang="en-US" sz="2200" dirty="0"/>
-              <a:t>Applications: Widely used for prototyping, robotics, IoT projects, and educational purposes.</a:t>
-            </a:r>
-          </a:p>
-        </p:txBody>
-      </p:sp>
-      <p:pic>
-        <p:nvPicPr>
-          <p:cNvPr id="3" name="Picture 2">
-            <a:extLst>
-              <a:ext uri="{FF2B5EF4-FFF2-40B4-BE49-F238E27FC236}">
-                <a16:creationId xmlns:a16="http://schemas.microsoft.com/office/drawing/2014/main" id="{5F53F19C-0922-3A05-83D8-D3BD7E174DCA}"/>
-              </a:ext>
-            </a:extLst>
-          </p:cNvPr>
-          <p:cNvPicPr>
-            <a:picLocks noChangeAspect="1"/>
-          </p:cNvPicPr>
-          <p:nvPr/>
-        </p:nvPicPr>
-        <p:blipFill>
-          <a:blip r:embed="rId2"/>
-          <a:stretch>
-            <a:fillRect/>
-          </a:stretch>
-        </p:blipFill>
-        <p:spPr>
-          <a:xfrm>
-            <a:off x="8331200" y="2544492"/>
-            <a:ext cx="3586480" cy="2870788"/>
-          </a:xfrm>
-          <a:prstGeom prst="rect">
-            <a:avLst/>
-          </a:prstGeom>
-        </p:spPr>
-      </p:pic>
-    </p:spTree>
-    <p:extLst>
-      <p:ext uri="{BB962C8B-B14F-4D97-AF65-F5344CB8AC3E}">
-        <p14:creationId xmlns:p14="http://schemas.microsoft.com/office/powerpoint/2010/main" val="4064463697"/>
-      </p:ext>
-    </p:extLst>
-  </p:cSld>
-  <p:clrMapOvr>
-    <a:masterClrMapping/>
-  </p:clrMapOvr>
-</p:sld>
-</file>
-
 <file path=ppt/slides/slide16.xml><?xml version="1.0" encoding="utf-8"?>
-<p:sld xmlns:a="http://schemas.openxmlformats.org/drawingml/2006/main" xmlns:r="http://schemas.openxmlformats.org/officeDocument/2006/relationships" xmlns:p="http://schemas.openxmlformats.org/presentationml/2006/main">
-  <p:cSld>
-    <p:spTree>
-      <p:nvGrpSpPr>
-        <p:cNvPr id="1" name=""/>
-        <p:cNvGrpSpPr/>
-        <p:nvPr/>
-      </p:nvGrpSpPr>
-      <p:grpSpPr>
-        <a:xfrm>
-          <a:off x="0" y="0"/>
-          <a:ext cx="0" cy="0"/>
-          <a:chOff x="0" y="0"/>
-          <a:chExt cx="0" cy="0"/>
-        </a:xfrm>
-      </p:grpSpPr>
-      <p:sp>
-        <p:nvSpPr>
-          <p:cNvPr id="4" name="TextBox 3">
-            <a:extLst>
-              <a:ext uri="{FF2B5EF4-FFF2-40B4-BE49-F238E27FC236}">
-                <a16:creationId xmlns:a16="http://schemas.microsoft.com/office/drawing/2014/main" id="{17C97D89-3979-D9EC-2F9E-F1BA5D0A9EF4}"/>
-              </a:ext>
-            </a:extLst>
-          </p:cNvPr>
-          <p:cNvSpPr txBox="1"/>
-          <p:nvPr/>
-        </p:nvSpPr>
-        <p:spPr>
-          <a:xfrm>
-            <a:off x="416560" y="675640"/>
-            <a:ext cx="4856480" cy="646331"/>
-          </a:xfrm>
-          <a:prstGeom prst="rect">
-            <a:avLst/>
-          </a:prstGeom>
-          <a:noFill/>
-        </p:spPr>
-        <p:txBody>
-          <a:bodyPr wrap="square" rtlCol="0">
-            <a:spAutoFit/>
-          </a:bodyPr>
-          <a:lstStyle/>
-          <a:p>
-            <a:r>
-              <a:rPr lang="en-US" sz="3600" b="1" dirty="0"/>
-              <a:t>Software's Used</a:t>
-            </a:r>
-          </a:p>
-        </p:txBody>
-      </p:sp>
-      <p:cxnSp>
-        <p:nvCxnSpPr>
-          <p:cNvPr id="9" name="Straight Connector 8">
-            <a:extLst>
-              <a:ext uri="{FF2B5EF4-FFF2-40B4-BE49-F238E27FC236}">
-                <a16:creationId xmlns:a16="http://schemas.microsoft.com/office/drawing/2014/main" id="{06DEB5C5-95DE-9DEC-6F84-929E462EC78F}"/>
-              </a:ext>
-            </a:extLst>
-          </p:cNvPr>
-          <p:cNvCxnSpPr>
-            <a:cxnSpLocks/>
-          </p:cNvCxnSpPr>
-          <p:nvPr/>
-        </p:nvCxnSpPr>
-        <p:spPr>
-          <a:xfrm>
-            <a:off x="335280" y="1382931"/>
-            <a:ext cx="2743200" cy="0"/>
-          </a:xfrm>
-          <a:prstGeom prst="line">
-            <a:avLst/>
-          </a:prstGeom>
-          <a:ln w="28575"/>
-          <a:effectLst>
-            <a:outerShdw blurRad="50800" dist="38100" dir="2700000" algn="tl" rotWithShape="0">
-              <a:prstClr val="black">
-                <a:alpha val="40000"/>
-              </a:prstClr>
-            </a:outerShdw>
-          </a:effectLst>
-        </p:spPr>
-        <p:style>
-          <a:lnRef idx="1">
-            <a:schemeClr val="accent1"/>
-          </a:lnRef>
-          <a:fillRef idx="0">
-            <a:schemeClr val="accent1"/>
-          </a:fillRef>
-          <a:effectRef idx="0">
-            <a:schemeClr val="accent1"/>
-          </a:effectRef>
-          <a:fontRef idx="minor">
-            <a:schemeClr val="tx1"/>
-          </a:fontRef>
-        </p:style>
-      </p:cxnSp>
-      <p:sp>
-        <p:nvSpPr>
-          <p:cNvPr id="6" name="TextBox 5">
-            <a:extLst>
-              <a:ext uri="{FF2B5EF4-FFF2-40B4-BE49-F238E27FC236}">
-                <a16:creationId xmlns:a16="http://schemas.microsoft.com/office/drawing/2014/main" id="{CF6F4F10-B955-26C4-1954-A6F002AA681F}"/>
-              </a:ext>
-            </a:extLst>
-          </p:cNvPr>
-          <p:cNvSpPr txBox="1"/>
-          <p:nvPr/>
-        </p:nvSpPr>
-        <p:spPr>
-          <a:xfrm>
-            <a:off x="812800" y="1658045"/>
-            <a:ext cx="7518400" cy="5016758"/>
-          </a:xfrm>
-          <a:prstGeom prst="rect">
-            <a:avLst/>
-          </a:prstGeom>
-          <a:noFill/>
-        </p:spPr>
-        <p:txBody>
-          <a:bodyPr wrap="square" rtlCol="0">
-            <a:spAutoFit/>
-          </a:bodyPr>
-          <a:lstStyle/>
-          <a:p>
-            <a:r>
-              <a:rPr lang="en-US" sz="2800" b="1" dirty="0"/>
-              <a:t>Proteus - ISIS</a:t>
-            </a:r>
-          </a:p>
-          <a:p>
-            <a:endParaRPr lang="en-US" sz="2800" b="1" dirty="0"/>
-          </a:p>
-          <a:p>
-            <a:pPr marL="342900" indent="-342900">
-              <a:buFont typeface="Arial" panose="020B0604020202020204" pitchFamily="34" charset="0"/>
-              <a:buChar char="•"/>
-            </a:pPr>
-            <a:r>
-              <a:rPr lang="en-US" sz="2400" dirty="0"/>
-              <a:t>Proteus ISIS (Intelligent Schematic Input System) is a tool for designing and simulating electronic circuits.</a:t>
-            </a:r>
-          </a:p>
-          <a:p>
-            <a:pPr marL="342900" indent="-342900">
-              <a:buFont typeface="Arial" panose="020B0604020202020204" pitchFamily="34" charset="0"/>
-              <a:buChar char="•"/>
-            </a:pPr>
-            <a:r>
-              <a:rPr lang="en-US" sz="2400" b="1" dirty="0"/>
-              <a:t>Features</a:t>
-            </a:r>
-            <a:r>
-              <a:rPr lang="en-US" sz="2400" dirty="0"/>
-              <a:t>: Offers a vast library of components, real-time simulation, and integration with microcontroller programming.</a:t>
-            </a:r>
-          </a:p>
-          <a:p>
-            <a:pPr marL="342900" indent="-342900">
-              <a:buFont typeface="Arial" panose="020B0604020202020204" pitchFamily="34" charset="0"/>
-              <a:buChar char="•"/>
-            </a:pPr>
-            <a:r>
-              <a:rPr lang="en-US" sz="2400" b="1" dirty="0"/>
-              <a:t>Applications</a:t>
-            </a:r>
-            <a:r>
-              <a:rPr lang="en-US" sz="2400" dirty="0"/>
-              <a:t>: Used for circuit design, testing, and educational purposes, especially in embedded systems and IoT projects.</a:t>
-            </a:r>
-          </a:p>
-          <a:p>
-            <a:pPr marL="342900" indent="-342900">
-              <a:buFont typeface="Arial" panose="020B0604020202020204" pitchFamily="34" charset="0"/>
-              <a:buChar char="•"/>
-            </a:pPr>
-            <a:r>
-              <a:rPr lang="en-US" sz="2400" b="1" dirty="0"/>
-              <a:t>Part of Proteus Suite</a:t>
-            </a:r>
-            <a:r>
-              <a:rPr lang="en-US" sz="2400" dirty="0"/>
-              <a:t>: Bundled with ARES for PCB design, making it a comprehensive electronic design solution.</a:t>
-            </a:r>
-          </a:p>
-        </p:txBody>
-      </p:sp>
-      <p:pic>
-        <p:nvPicPr>
-          <p:cNvPr id="8" name="Picture 7">
-            <a:extLst>
-              <a:ext uri="{FF2B5EF4-FFF2-40B4-BE49-F238E27FC236}">
-                <a16:creationId xmlns:a16="http://schemas.microsoft.com/office/drawing/2014/main" id="{591DE59D-2701-722F-8319-159976C0634E}"/>
-              </a:ext>
-            </a:extLst>
-          </p:cNvPr>
-          <p:cNvPicPr>
-            <a:picLocks noChangeAspect="1"/>
-          </p:cNvPicPr>
-          <p:nvPr/>
-        </p:nvPicPr>
-        <p:blipFill>
-          <a:blip r:embed="rId2">
-            <a:extLst>
-              <a:ext uri="{28A0092B-C50C-407E-A947-70E740481C1C}">
-                <a14:useLocalDpi xmlns:a14="http://schemas.microsoft.com/office/drawing/2010/main" val="0"/>
-              </a:ext>
-            </a:extLst>
-          </a:blip>
-          <a:stretch>
-            <a:fillRect/>
-          </a:stretch>
-        </p:blipFill>
-        <p:spPr>
-          <a:xfrm>
-            <a:off x="8331200" y="2290816"/>
-            <a:ext cx="3657600" cy="3320327"/>
-          </a:xfrm>
-          <a:prstGeom prst="rect">
-            <a:avLst/>
-          </a:prstGeom>
-        </p:spPr>
-      </p:pic>
-    </p:spTree>
-    <p:extLst>
-      <p:ext uri="{BB962C8B-B14F-4D97-AF65-F5344CB8AC3E}">
-        <p14:creationId xmlns:p14="http://schemas.microsoft.com/office/powerpoint/2010/main" val="3056487727"/>
-      </p:ext>
-    </p:extLst>
-  </p:cSld>
-  <p:clrMapOvr>
-    <a:masterClrMapping/>
-  </p:clrMapOvr>
-</p:sld>
-</file>
-
-<file path=ppt/slides/slide17.xml><?xml version="1.0" encoding="utf-8"?>
-<p:sld xmlns:a="http://schemas.openxmlformats.org/drawingml/2006/main" xmlns:r="http://schemas.openxmlformats.org/officeDocument/2006/relationships" xmlns:p="http://schemas.openxmlformats.org/presentationml/2006/main">
-  <p:cSld>
-    <p:spTree>
-      <p:nvGrpSpPr>
-        <p:cNvPr id="1" name=""/>
-        <p:cNvGrpSpPr/>
-        <p:nvPr/>
-      </p:nvGrpSpPr>
-      <p:grpSpPr>
-        <a:xfrm>
-          <a:off x="0" y="0"/>
-          <a:ext cx="0" cy="0"/>
-          <a:chOff x="0" y="0"/>
-          <a:chExt cx="0" cy="0"/>
-        </a:xfrm>
-      </p:grpSpPr>
-      <p:sp>
-        <p:nvSpPr>
-          <p:cNvPr id="4" name="TextBox 3">
-            <a:extLst>
-              <a:ext uri="{FF2B5EF4-FFF2-40B4-BE49-F238E27FC236}">
-                <a16:creationId xmlns:a16="http://schemas.microsoft.com/office/drawing/2014/main" id="{17C97D89-3979-D9EC-2F9E-F1BA5D0A9EF4}"/>
-              </a:ext>
-            </a:extLst>
-          </p:cNvPr>
-          <p:cNvSpPr txBox="1"/>
-          <p:nvPr/>
-        </p:nvSpPr>
-        <p:spPr>
-          <a:xfrm>
-            <a:off x="416560" y="675640"/>
-            <a:ext cx="4856480" cy="646331"/>
-          </a:xfrm>
-          <a:prstGeom prst="rect">
-            <a:avLst/>
-          </a:prstGeom>
-          <a:noFill/>
-        </p:spPr>
-        <p:txBody>
-          <a:bodyPr wrap="square" rtlCol="0">
-            <a:spAutoFit/>
-          </a:bodyPr>
-          <a:lstStyle/>
-          <a:p>
-            <a:r>
-              <a:rPr lang="en-US" sz="3600" b="1" dirty="0"/>
-              <a:t>Block Diagram</a:t>
-            </a:r>
-          </a:p>
-        </p:txBody>
-      </p:sp>
-      <p:cxnSp>
-        <p:nvCxnSpPr>
-          <p:cNvPr id="9" name="Straight Connector 8">
-            <a:extLst>
-              <a:ext uri="{FF2B5EF4-FFF2-40B4-BE49-F238E27FC236}">
-                <a16:creationId xmlns:a16="http://schemas.microsoft.com/office/drawing/2014/main" id="{06DEB5C5-95DE-9DEC-6F84-929E462EC78F}"/>
-              </a:ext>
-            </a:extLst>
-          </p:cNvPr>
-          <p:cNvCxnSpPr>
-            <a:cxnSpLocks/>
-          </p:cNvCxnSpPr>
-          <p:nvPr/>
-        </p:nvCxnSpPr>
-        <p:spPr>
-          <a:xfrm>
-            <a:off x="335280" y="1382931"/>
-            <a:ext cx="2743200" cy="0"/>
-          </a:xfrm>
-          <a:prstGeom prst="line">
-            <a:avLst/>
-          </a:prstGeom>
-          <a:ln w="28575"/>
-          <a:effectLst>
-            <a:outerShdw blurRad="50800" dist="38100" dir="2700000" algn="tl" rotWithShape="0">
-              <a:prstClr val="black">
-                <a:alpha val="40000"/>
-              </a:prstClr>
-            </a:outerShdw>
-          </a:effectLst>
-        </p:spPr>
-        <p:style>
-          <a:lnRef idx="1">
-            <a:schemeClr val="accent1"/>
-          </a:lnRef>
-          <a:fillRef idx="0">
-            <a:schemeClr val="accent1"/>
-          </a:fillRef>
-          <a:effectRef idx="0">
-            <a:schemeClr val="accent1"/>
-          </a:effectRef>
-          <a:fontRef idx="minor">
-            <a:schemeClr val="tx1"/>
-          </a:fontRef>
-        </p:style>
-      </p:cxnSp>
-      <p:grpSp>
-        <p:nvGrpSpPr>
-          <p:cNvPr id="14" name="Group 13">
-            <a:extLst>
-              <a:ext uri="{FF2B5EF4-FFF2-40B4-BE49-F238E27FC236}">
-                <a16:creationId xmlns:a16="http://schemas.microsoft.com/office/drawing/2014/main" id="{EA43E49D-BA67-3363-83A7-A707E86D3EB2}"/>
-              </a:ext>
-            </a:extLst>
-          </p:cNvPr>
-          <p:cNvGrpSpPr/>
-          <p:nvPr/>
-        </p:nvGrpSpPr>
-        <p:grpSpPr>
-          <a:xfrm>
-            <a:off x="1817939" y="1789561"/>
-            <a:ext cx="8026400" cy="4763869"/>
-            <a:chOff x="1838960" y="2052320"/>
-            <a:chExt cx="8026400" cy="4763869"/>
-          </a:xfrm>
-        </p:grpSpPr>
-        <p:sp>
-          <p:nvSpPr>
-            <p:cNvPr id="2" name="Rectangle 1">
-              <a:extLst>
-                <a:ext uri="{FF2B5EF4-FFF2-40B4-BE49-F238E27FC236}">
-                  <a16:creationId xmlns:a16="http://schemas.microsoft.com/office/drawing/2014/main" id="{D6B150CB-634D-1DCF-1191-712FBEAB9378}"/>
-                </a:ext>
-              </a:extLst>
-            </p:cNvPr>
-            <p:cNvSpPr/>
-            <p:nvPr/>
-          </p:nvSpPr>
-          <p:spPr>
-            <a:xfrm>
-              <a:off x="4480560" y="2052320"/>
-              <a:ext cx="3271520" cy="3586480"/>
-            </a:xfrm>
-            <a:prstGeom prst="rect">
-              <a:avLst/>
-            </a:prstGeom>
-            <a:noFill/>
-            <a:ln w="28575">
-              <a:solidFill>
-                <a:schemeClr val="tx1"/>
-              </a:solidFill>
-            </a:ln>
-          </p:spPr>
-          <p:style>
-            <a:lnRef idx="2">
-              <a:schemeClr val="accent1">
-                <a:shade val="50000"/>
-              </a:schemeClr>
-            </a:lnRef>
-            <a:fillRef idx="1">
-              <a:schemeClr val="accent1"/>
-            </a:fillRef>
-            <a:effectRef idx="0">
-              <a:schemeClr val="accent1"/>
-            </a:effectRef>
-            <a:fontRef idx="minor">
-              <a:schemeClr val="lt1"/>
-            </a:fontRef>
-          </p:style>
-          <p:txBody>
-            <a:bodyPr rtlCol="0" anchor="ctr"/>
-            <a:lstStyle/>
-            <a:p>
-              <a:pPr algn="ctr"/>
-              <a:endParaRPr lang="en-US"/>
-            </a:p>
-          </p:txBody>
-        </p:sp>
-        <p:sp>
-          <p:nvSpPr>
-            <p:cNvPr id="3" name="Rectangle 2">
-              <a:extLst>
-                <a:ext uri="{FF2B5EF4-FFF2-40B4-BE49-F238E27FC236}">
-                  <a16:creationId xmlns:a16="http://schemas.microsoft.com/office/drawing/2014/main" id="{12123AFB-DB80-81C9-8036-999577957262}"/>
-                </a:ext>
-              </a:extLst>
-            </p:cNvPr>
-            <p:cNvSpPr/>
-            <p:nvPr/>
-          </p:nvSpPr>
-          <p:spPr>
-            <a:xfrm>
-              <a:off x="1838960" y="2123440"/>
-              <a:ext cx="1544320" cy="894080"/>
-            </a:xfrm>
-            <a:prstGeom prst="rect">
-              <a:avLst/>
-            </a:prstGeom>
-            <a:noFill/>
-            <a:ln w="28575">
-              <a:solidFill>
-                <a:schemeClr val="tx1"/>
-              </a:solidFill>
-            </a:ln>
-          </p:spPr>
-          <p:style>
-            <a:lnRef idx="2">
-              <a:schemeClr val="accent1">
-                <a:shade val="50000"/>
-              </a:schemeClr>
-            </a:lnRef>
-            <a:fillRef idx="1">
-              <a:schemeClr val="accent1"/>
-            </a:fillRef>
-            <a:effectRef idx="0">
-              <a:schemeClr val="accent1"/>
-            </a:effectRef>
-            <a:fontRef idx="minor">
-              <a:schemeClr val="lt1"/>
-            </a:fontRef>
-          </p:style>
-          <p:txBody>
-            <a:bodyPr rtlCol="0" anchor="ctr"/>
-            <a:lstStyle/>
-            <a:p>
-              <a:pPr algn="ctr"/>
-              <a:endParaRPr lang="en-US" dirty="0"/>
-            </a:p>
-          </p:txBody>
-        </p:sp>
-        <p:sp>
-          <p:nvSpPr>
-            <p:cNvPr id="5" name="Rectangle 4">
-              <a:extLst>
-                <a:ext uri="{FF2B5EF4-FFF2-40B4-BE49-F238E27FC236}">
-                  <a16:creationId xmlns:a16="http://schemas.microsoft.com/office/drawing/2014/main" id="{AE109BF9-B3AE-B05D-DB86-DEE92F77D5B1}"/>
-                </a:ext>
-              </a:extLst>
-            </p:cNvPr>
-            <p:cNvSpPr/>
-            <p:nvPr/>
-          </p:nvSpPr>
-          <p:spPr>
-            <a:xfrm>
-              <a:off x="1838960" y="3670300"/>
-              <a:ext cx="1544320" cy="894080"/>
-            </a:xfrm>
-            <a:prstGeom prst="rect">
-              <a:avLst/>
-            </a:prstGeom>
-            <a:noFill/>
-            <a:ln w="28575">
-              <a:solidFill>
-                <a:schemeClr val="tx1"/>
-              </a:solidFill>
-            </a:ln>
-          </p:spPr>
-          <p:style>
-            <a:lnRef idx="2">
-              <a:schemeClr val="accent1">
-                <a:shade val="50000"/>
-              </a:schemeClr>
-            </a:lnRef>
-            <a:fillRef idx="1">
-              <a:schemeClr val="accent1"/>
-            </a:fillRef>
-            <a:effectRef idx="0">
-              <a:schemeClr val="accent1"/>
-            </a:effectRef>
-            <a:fontRef idx="minor">
-              <a:schemeClr val="lt1"/>
-            </a:fontRef>
-          </p:style>
-          <p:txBody>
-            <a:bodyPr rtlCol="0" anchor="ctr"/>
-            <a:lstStyle/>
-            <a:p>
-              <a:pPr algn="ctr"/>
-              <a:endParaRPr lang="en-US"/>
-            </a:p>
-          </p:txBody>
-        </p:sp>
-        <p:sp>
-          <p:nvSpPr>
-            <p:cNvPr id="8" name="Rectangle 7">
-              <a:extLst>
-                <a:ext uri="{FF2B5EF4-FFF2-40B4-BE49-F238E27FC236}">
-                  <a16:creationId xmlns:a16="http://schemas.microsoft.com/office/drawing/2014/main" id="{77D758FB-C17A-1055-9D62-E9D4172089B5}"/>
-                </a:ext>
-              </a:extLst>
-            </p:cNvPr>
-            <p:cNvSpPr/>
-            <p:nvPr/>
-          </p:nvSpPr>
-          <p:spPr>
-            <a:xfrm>
-              <a:off x="8321040" y="2123440"/>
-              <a:ext cx="1544320" cy="894080"/>
-            </a:xfrm>
-            <a:prstGeom prst="rect">
-              <a:avLst/>
-            </a:prstGeom>
-            <a:noFill/>
-            <a:ln w="28575">
-              <a:solidFill>
-                <a:schemeClr val="tx1"/>
-              </a:solidFill>
-            </a:ln>
-          </p:spPr>
-          <p:style>
-            <a:lnRef idx="2">
-              <a:schemeClr val="accent1">
-                <a:shade val="50000"/>
-              </a:schemeClr>
-            </a:lnRef>
-            <a:fillRef idx="1">
-              <a:schemeClr val="accent1"/>
-            </a:fillRef>
-            <a:effectRef idx="0">
-              <a:schemeClr val="accent1"/>
-            </a:effectRef>
-            <a:fontRef idx="minor">
-              <a:schemeClr val="lt1"/>
-            </a:fontRef>
-          </p:style>
-          <p:txBody>
-            <a:bodyPr rtlCol="0" anchor="ctr"/>
-            <a:lstStyle/>
-            <a:p>
-              <a:pPr algn="ctr"/>
-              <a:endParaRPr lang="en-US"/>
-            </a:p>
-          </p:txBody>
-        </p:sp>
-        <p:sp>
-          <p:nvSpPr>
-            <p:cNvPr id="10" name="Rectangle 9">
-              <a:extLst>
-                <a:ext uri="{FF2B5EF4-FFF2-40B4-BE49-F238E27FC236}">
-                  <a16:creationId xmlns:a16="http://schemas.microsoft.com/office/drawing/2014/main" id="{6DDD68D7-7290-068C-5361-4AD985B1565D}"/>
-                </a:ext>
-              </a:extLst>
-            </p:cNvPr>
-            <p:cNvSpPr/>
-            <p:nvPr/>
-          </p:nvSpPr>
-          <p:spPr>
-            <a:xfrm>
-              <a:off x="8301771" y="3393441"/>
-              <a:ext cx="1544320" cy="894080"/>
-            </a:xfrm>
-            <a:prstGeom prst="rect">
-              <a:avLst/>
-            </a:prstGeom>
-            <a:noFill/>
-            <a:ln w="28575">
-              <a:solidFill>
-                <a:schemeClr val="tx1"/>
-              </a:solidFill>
-            </a:ln>
-          </p:spPr>
-          <p:style>
-            <a:lnRef idx="2">
-              <a:schemeClr val="accent1">
-                <a:shade val="50000"/>
-              </a:schemeClr>
-            </a:lnRef>
-            <a:fillRef idx="1">
-              <a:schemeClr val="accent1"/>
-            </a:fillRef>
-            <a:effectRef idx="0">
-              <a:schemeClr val="accent1"/>
-            </a:effectRef>
-            <a:fontRef idx="minor">
-              <a:schemeClr val="lt1"/>
-            </a:fontRef>
-          </p:style>
-          <p:txBody>
-            <a:bodyPr rtlCol="0" anchor="ctr"/>
-            <a:lstStyle/>
-            <a:p>
-              <a:pPr algn="ctr"/>
-              <a:endParaRPr lang="en-US"/>
-            </a:p>
-          </p:txBody>
-        </p:sp>
-        <p:sp>
-          <p:nvSpPr>
-            <p:cNvPr id="11" name="Rectangle 10">
-              <a:extLst>
-                <a:ext uri="{FF2B5EF4-FFF2-40B4-BE49-F238E27FC236}">
-                  <a16:creationId xmlns:a16="http://schemas.microsoft.com/office/drawing/2014/main" id="{5CD48D0A-1949-D987-BD49-8146F57129E0}"/>
-                </a:ext>
-              </a:extLst>
-            </p:cNvPr>
-            <p:cNvSpPr/>
-            <p:nvPr/>
-          </p:nvSpPr>
-          <p:spPr>
-            <a:xfrm>
-              <a:off x="8301771" y="4744720"/>
-              <a:ext cx="1544320" cy="894080"/>
-            </a:xfrm>
-            <a:prstGeom prst="rect">
-              <a:avLst/>
-            </a:prstGeom>
-            <a:noFill/>
-            <a:ln w="28575">
-              <a:solidFill>
-                <a:schemeClr val="tx1"/>
-              </a:solidFill>
-            </a:ln>
-          </p:spPr>
-          <p:style>
-            <a:lnRef idx="2">
-              <a:schemeClr val="accent1">
-                <a:shade val="50000"/>
-              </a:schemeClr>
-            </a:lnRef>
-            <a:fillRef idx="1">
-              <a:schemeClr val="accent1"/>
-            </a:fillRef>
-            <a:effectRef idx="0">
-              <a:schemeClr val="accent1"/>
-            </a:effectRef>
-            <a:fontRef idx="minor">
-              <a:schemeClr val="lt1"/>
-            </a:fontRef>
-          </p:style>
-          <p:txBody>
-            <a:bodyPr rtlCol="0" anchor="ctr"/>
-            <a:lstStyle/>
-            <a:p>
-              <a:pPr algn="ctr"/>
-              <a:endParaRPr lang="en-US"/>
-            </a:p>
-          </p:txBody>
-        </p:sp>
-        <p:sp>
-          <p:nvSpPr>
-            <p:cNvPr id="12" name="Rectangle 11">
-              <a:extLst>
-                <a:ext uri="{FF2B5EF4-FFF2-40B4-BE49-F238E27FC236}">
-                  <a16:creationId xmlns:a16="http://schemas.microsoft.com/office/drawing/2014/main" id="{CA8DE0ED-B453-76FA-585E-030D6141F1B9}"/>
-                </a:ext>
-              </a:extLst>
-            </p:cNvPr>
-            <p:cNvSpPr/>
-            <p:nvPr/>
-          </p:nvSpPr>
-          <p:spPr>
-            <a:xfrm>
-              <a:off x="8301771" y="5922109"/>
-              <a:ext cx="656897" cy="894080"/>
-            </a:xfrm>
-            <a:prstGeom prst="rect">
-              <a:avLst/>
-            </a:prstGeom>
-            <a:noFill/>
-            <a:ln w="28575">
-              <a:solidFill>
-                <a:schemeClr val="tx1"/>
-              </a:solidFill>
-            </a:ln>
-          </p:spPr>
-          <p:style>
-            <a:lnRef idx="2">
-              <a:schemeClr val="accent1">
-                <a:shade val="50000"/>
-              </a:schemeClr>
-            </a:lnRef>
-            <a:fillRef idx="1">
-              <a:schemeClr val="accent1"/>
-            </a:fillRef>
-            <a:effectRef idx="0">
-              <a:schemeClr val="accent1"/>
-            </a:effectRef>
-            <a:fontRef idx="minor">
-              <a:schemeClr val="lt1"/>
-            </a:fontRef>
-          </p:style>
-          <p:txBody>
-            <a:bodyPr rtlCol="0" anchor="ctr"/>
-            <a:lstStyle/>
-            <a:p>
-              <a:pPr algn="ctr"/>
-              <a:endParaRPr lang="en-US"/>
-            </a:p>
-          </p:txBody>
-        </p:sp>
-        <p:sp>
-          <p:nvSpPr>
-            <p:cNvPr id="13" name="Rectangle 12">
-              <a:extLst>
-                <a:ext uri="{FF2B5EF4-FFF2-40B4-BE49-F238E27FC236}">
-                  <a16:creationId xmlns:a16="http://schemas.microsoft.com/office/drawing/2014/main" id="{495891BC-25BA-4DA5-BE6E-705C8588C863}"/>
-                </a:ext>
-              </a:extLst>
-            </p:cNvPr>
-            <p:cNvSpPr/>
-            <p:nvPr/>
-          </p:nvSpPr>
-          <p:spPr>
-            <a:xfrm>
-              <a:off x="9208463" y="5922109"/>
-              <a:ext cx="656897" cy="894080"/>
-            </a:xfrm>
-            <a:prstGeom prst="rect">
-              <a:avLst/>
-            </a:prstGeom>
-            <a:noFill/>
-            <a:ln w="28575">
-              <a:solidFill>
-                <a:schemeClr val="tx1"/>
-              </a:solidFill>
-            </a:ln>
-          </p:spPr>
-          <p:style>
-            <a:lnRef idx="2">
-              <a:schemeClr val="accent1">
-                <a:shade val="50000"/>
-              </a:schemeClr>
-            </a:lnRef>
-            <a:fillRef idx="1">
-              <a:schemeClr val="accent1"/>
-            </a:fillRef>
-            <a:effectRef idx="0">
-              <a:schemeClr val="accent1"/>
-            </a:effectRef>
-            <a:fontRef idx="minor">
-              <a:schemeClr val="lt1"/>
-            </a:fontRef>
-          </p:style>
-          <p:txBody>
-            <a:bodyPr rtlCol="0" anchor="ctr"/>
-            <a:lstStyle/>
-            <a:p>
-              <a:pPr algn="ctr"/>
-              <a:endParaRPr lang="en-US"/>
-            </a:p>
-          </p:txBody>
-        </p:sp>
-      </p:grpSp>
-      <p:sp>
-        <p:nvSpPr>
-          <p:cNvPr id="16" name="TextBox 15">
-            <a:extLst>
-              <a:ext uri="{FF2B5EF4-FFF2-40B4-BE49-F238E27FC236}">
-                <a16:creationId xmlns:a16="http://schemas.microsoft.com/office/drawing/2014/main" id="{3AF00500-902B-E1AC-FA8B-47E60936F473}"/>
-              </a:ext>
-            </a:extLst>
-          </p:cNvPr>
-          <p:cNvSpPr txBox="1"/>
-          <p:nvPr/>
-        </p:nvSpPr>
-        <p:spPr>
-          <a:xfrm>
-            <a:off x="1868214" y="3531415"/>
-            <a:ext cx="1544320" cy="646331"/>
-          </a:xfrm>
-          <a:prstGeom prst="rect">
-            <a:avLst/>
-          </a:prstGeom>
-          <a:noFill/>
-        </p:spPr>
-        <p:txBody>
-          <a:bodyPr wrap="square" rtlCol="0">
-            <a:spAutoFit/>
-          </a:bodyPr>
-          <a:lstStyle/>
-          <a:p>
-            <a:r>
-              <a:rPr lang="en-US" dirty="0"/>
-              <a:t>Ultrasonic Sensor</a:t>
-            </a:r>
-          </a:p>
-        </p:txBody>
-      </p:sp>
-      <p:sp>
-        <p:nvSpPr>
-          <p:cNvPr id="17" name="TextBox 16">
-            <a:extLst>
-              <a:ext uri="{FF2B5EF4-FFF2-40B4-BE49-F238E27FC236}">
-                <a16:creationId xmlns:a16="http://schemas.microsoft.com/office/drawing/2014/main" id="{F15D1806-5948-C608-50E6-B73D716F4142}"/>
-              </a:ext>
-            </a:extLst>
-          </p:cNvPr>
-          <p:cNvSpPr txBox="1"/>
-          <p:nvPr/>
-        </p:nvSpPr>
-        <p:spPr>
-          <a:xfrm>
-            <a:off x="2164080" y="2011110"/>
-            <a:ext cx="914400" cy="646331"/>
-          </a:xfrm>
-          <a:prstGeom prst="rect">
-            <a:avLst/>
-          </a:prstGeom>
-          <a:noFill/>
-        </p:spPr>
-        <p:txBody>
-          <a:bodyPr wrap="square" rtlCol="0">
-            <a:spAutoFit/>
-          </a:bodyPr>
-          <a:lstStyle/>
-          <a:p>
-            <a:r>
-              <a:rPr lang="en-US" dirty="0"/>
-              <a:t>Power</a:t>
-            </a:r>
-            <a:br>
-              <a:rPr lang="en-US" dirty="0"/>
-            </a:br>
-            <a:r>
-              <a:rPr lang="en-US" dirty="0"/>
-              <a:t>supply</a:t>
-            </a:r>
-          </a:p>
-        </p:txBody>
-      </p:sp>
-      <p:sp>
-        <p:nvSpPr>
-          <p:cNvPr id="18" name="TextBox 17">
-            <a:extLst>
-              <a:ext uri="{FF2B5EF4-FFF2-40B4-BE49-F238E27FC236}">
-                <a16:creationId xmlns:a16="http://schemas.microsoft.com/office/drawing/2014/main" id="{ADC64342-9E89-A8D3-F566-322C4C9F46E4}"/>
-              </a:ext>
-            </a:extLst>
-          </p:cNvPr>
-          <p:cNvSpPr txBox="1"/>
-          <p:nvPr/>
-        </p:nvSpPr>
-        <p:spPr>
-          <a:xfrm>
-            <a:off x="8614979" y="2034804"/>
-            <a:ext cx="914400" cy="646331"/>
-          </a:xfrm>
-          <a:prstGeom prst="rect">
-            <a:avLst/>
-          </a:prstGeom>
-          <a:noFill/>
-        </p:spPr>
-        <p:txBody>
-          <a:bodyPr wrap="square" rtlCol="0">
-            <a:spAutoFit/>
-          </a:bodyPr>
-          <a:lstStyle/>
-          <a:p>
-            <a:pPr algn="ctr"/>
-            <a:r>
-              <a:rPr lang="en-US" dirty="0"/>
-              <a:t>16*2 LCD</a:t>
-            </a:r>
-          </a:p>
-        </p:txBody>
-      </p:sp>
-      <p:sp>
-        <p:nvSpPr>
-          <p:cNvPr id="19" name="TextBox 18">
-            <a:extLst>
-              <a:ext uri="{FF2B5EF4-FFF2-40B4-BE49-F238E27FC236}">
-                <a16:creationId xmlns:a16="http://schemas.microsoft.com/office/drawing/2014/main" id="{19B362F6-B1F2-1720-E41E-3D4323430688}"/>
-              </a:ext>
-            </a:extLst>
-          </p:cNvPr>
-          <p:cNvSpPr txBox="1"/>
-          <p:nvPr/>
-        </p:nvSpPr>
-        <p:spPr>
-          <a:xfrm>
-            <a:off x="8595710" y="3295195"/>
-            <a:ext cx="914400" cy="646331"/>
-          </a:xfrm>
-          <a:prstGeom prst="rect">
-            <a:avLst/>
-          </a:prstGeom>
-          <a:noFill/>
-        </p:spPr>
-        <p:txBody>
-          <a:bodyPr wrap="square" rtlCol="0">
-            <a:spAutoFit/>
-          </a:bodyPr>
-          <a:lstStyle/>
-          <a:p>
-            <a:pPr algn="ctr"/>
-            <a:r>
-              <a:rPr lang="en-US" dirty="0"/>
-              <a:t>Servo motor</a:t>
-            </a:r>
-          </a:p>
-        </p:txBody>
-      </p:sp>
-      <p:sp>
-        <p:nvSpPr>
-          <p:cNvPr id="20" name="TextBox 19">
-            <a:extLst>
-              <a:ext uri="{FF2B5EF4-FFF2-40B4-BE49-F238E27FC236}">
-                <a16:creationId xmlns:a16="http://schemas.microsoft.com/office/drawing/2014/main" id="{62EA93DC-0AFA-4EF4-74C6-8BD4D1DDEB98}"/>
-              </a:ext>
-            </a:extLst>
-          </p:cNvPr>
-          <p:cNvSpPr txBox="1"/>
-          <p:nvPr/>
-        </p:nvSpPr>
-        <p:spPr>
-          <a:xfrm>
-            <a:off x="8300019" y="4605835"/>
-            <a:ext cx="1544320" cy="646331"/>
-          </a:xfrm>
-          <a:prstGeom prst="rect">
-            <a:avLst/>
-          </a:prstGeom>
-          <a:noFill/>
-        </p:spPr>
-        <p:txBody>
-          <a:bodyPr wrap="square" rtlCol="0">
-            <a:spAutoFit/>
-          </a:bodyPr>
-          <a:lstStyle/>
-          <a:p>
-            <a:pPr algn="ctr"/>
-            <a:r>
-              <a:rPr lang="en-US" dirty="0"/>
-              <a:t>L293D motor driver</a:t>
-            </a:r>
-          </a:p>
-        </p:txBody>
-      </p:sp>
-      <p:sp>
-        <p:nvSpPr>
-          <p:cNvPr id="21" name="TextBox 20">
-            <a:extLst>
-              <a:ext uri="{FF2B5EF4-FFF2-40B4-BE49-F238E27FC236}">
-                <a16:creationId xmlns:a16="http://schemas.microsoft.com/office/drawing/2014/main" id="{0167A032-2383-70BE-7499-B9FECD46DAAC}"/>
-              </a:ext>
-            </a:extLst>
-          </p:cNvPr>
-          <p:cNvSpPr txBox="1"/>
-          <p:nvPr/>
-        </p:nvSpPr>
-        <p:spPr>
-          <a:xfrm>
-            <a:off x="8349484" y="5960578"/>
-            <a:ext cx="722695" cy="369332"/>
-          </a:xfrm>
-          <a:prstGeom prst="rect">
-            <a:avLst/>
-          </a:prstGeom>
-          <a:noFill/>
-        </p:spPr>
-        <p:txBody>
-          <a:bodyPr wrap="square" rtlCol="0">
-            <a:spAutoFit/>
-          </a:bodyPr>
-          <a:lstStyle/>
-          <a:p>
-            <a:r>
-              <a:rPr lang="en-US" dirty="0"/>
-              <a:t>M1</a:t>
-            </a:r>
-          </a:p>
-        </p:txBody>
-      </p:sp>
-      <p:sp>
-        <p:nvSpPr>
-          <p:cNvPr id="22" name="TextBox 21">
-            <a:extLst>
-              <a:ext uri="{FF2B5EF4-FFF2-40B4-BE49-F238E27FC236}">
-                <a16:creationId xmlns:a16="http://schemas.microsoft.com/office/drawing/2014/main" id="{9DD27AAB-3DA7-EE90-9D65-788BD8363C8C}"/>
-              </a:ext>
-            </a:extLst>
-          </p:cNvPr>
-          <p:cNvSpPr txBox="1"/>
-          <p:nvPr/>
-        </p:nvSpPr>
-        <p:spPr>
-          <a:xfrm>
-            <a:off x="9187442" y="5960578"/>
-            <a:ext cx="722695" cy="369332"/>
-          </a:xfrm>
-          <a:prstGeom prst="rect">
-            <a:avLst/>
-          </a:prstGeom>
-          <a:noFill/>
-        </p:spPr>
-        <p:txBody>
-          <a:bodyPr wrap="square" rtlCol="0">
-            <a:spAutoFit/>
-          </a:bodyPr>
-          <a:lstStyle/>
-          <a:p>
-            <a:r>
-              <a:rPr lang="en-US" dirty="0"/>
-              <a:t>M2</a:t>
-            </a:r>
-          </a:p>
-        </p:txBody>
-      </p:sp>
-      <p:sp>
-        <p:nvSpPr>
-          <p:cNvPr id="26" name="Arrow: Right 25">
-            <a:extLst>
-              <a:ext uri="{FF2B5EF4-FFF2-40B4-BE49-F238E27FC236}">
-                <a16:creationId xmlns:a16="http://schemas.microsoft.com/office/drawing/2014/main" id="{D002BACE-8033-A65D-4E2E-A27547261080}"/>
-              </a:ext>
-            </a:extLst>
-          </p:cNvPr>
-          <p:cNvSpPr/>
-          <p:nvPr/>
-        </p:nvSpPr>
-        <p:spPr>
-          <a:xfrm>
-            <a:off x="3505200" y="2164080"/>
-            <a:ext cx="772160" cy="304800"/>
-          </a:xfrm>
-          <a:prstGeom prst="rightArrow">
-            <a:avLst/>
-          </a:prstGeom>
-        </p:spPr>
-        <p:style>
-          <a:lnRef idx="2">
-            <a:schemeClr val="accent1">
-              <a:shade val="50000"/>
-            </a:schemeClr>
-          </a:lnRef>
-          <a:fillRef idx="1">
-            <a:schemeClr val="accent1"/>
-          </a:fillRef>
-          <a:effectRef idx="0">
-            <a:schemeClr val="accent1"/>
-          </a:effectRef>
-          <a:fontRef idx="minor">
-            <a:schemeClr val="lt1"/>
-          </a:fontRef>
-        </p:style>
-        <p:txBody>
-          <a:bodyPr rtlCol="0" anchor="ctr"/>
-          <a:lstStyle/>
-          <a:p>
-            <a:pPr algn="ctr"/>
-            <a:endParaRPr lang="en-US"/>
-          </a:p>
-        </p:txBody>
-      </p:sp>
-      <p:sp>
-        <p:nvSpPr>
-          <p:cNvPr id="27" name="Arrow: Right 26">
-            <a:extLst>
-              <a:ext uri="{FF2B5EF4-FFF2-40B4-BE49-F238E27FC236}">
-                <a16:creationId xmlns:a16="http://schemas.microsoft.com/office/drawing/2014/main" id="{A9BC0BF0-DCFF-4B44-F5D4-BA42E6911EB6}"/>
-              </a:ext>
-            </a:extLst>
-          </p:cNvPr>
-          <p:cNvSpPr/>
-          <p:nvPr/>
-        </p:nvSpPr>
-        <p:spPr>
-          <a:xfrm>
-            <a:off x="3462809" y="3636726"/>
-            <a:ext cx="772160" cy="304800"/>
-          </a:xfrm>
-          <a:prstGeom prst="rightArrow">
-            <a:avLst/>
-          </a:prstGeom>
-        </p:spPr>
-        <p:style>
-          <a:lnRef idx="2">
-            <a:schemeClr val="accent1">
-              <a:shade val="50000"/>
-            </a:schemeClr>
-          </a:lnRef>
-          <a:fillRef idx="1">
-            <a:schemeClr val="accent1"/>
-          </a:fillRef>
-          <a:effectRef idx="0">
-            <a:schemeClr val="accent1"/>
-          </a:effectRef>
-          <a:fontRef idx="minor">
-            <a:schemeClr val="lt1"/>
-          </a:fontRef>
-        </p:style>
-        <p:txBody>
-          <a:bodyPr rtlCol="0" anchor="ctr"/>
-          <a:lstStyle/>
-          <a:p>
-            <a:pPr algn="ctr"/>
-            <a:endParaRPr lang="en-US"/>
-          </a:p>
-        </p:txBody>
-      </p:sp>
-      <p:sp>
-        <p:nvSpPr>
-          <p:cNvPr id="28" name="Arrow: Right 27">
-            <a:extLst>
-              <a:ext uri="{FF2B5EF4-FFF2-40B4-BE49-F238E27FC236}">
-                <a16:creationId xmlns:a16="http://schemas.microsoft.com/office/drawing/2014/main" id="{21496C2C-EFEE-3E12-FB21-2770A0D96175}"/>
-              </a:ext>
-            </a:extLst>
-          </p:cNvPr>
-          <p:cNvSpPr/>
-          <p:nvPr/>
-        </p:nvSpPr>
-        <p:spPr>
-          <a:xfrm>
-            <a:off x="7731059" y="2164080"/>
-            <a:ext cx="549341" cy="263311"/>
-          </a:xfrm>
-          <a:prstGeom prst="rightArrow">
-            <a:avLst/>
-          </a:prstGeom>
-        </p:spPr>
-        <p:style>
-          <a:lnRef idx="2">
-            <a:schemeClr val="accent1">
-              <a:shade val="50000"/>
-            </a:schemeClr>
-          </a:lnRef>
-          <a:fillRef idx="1">
-            <a:schemeClr val="accent1"/>
-          </a:fillRef>
-          <a:effectRef idx="0">
-            <a:schemeClr val="accent1"/>
-          </a:effectRef>
-          <a:fontRef idx="minor">
-            <a:schemeClr val="lt1"/>
-          </a:fontRef>
-        </p:style>
-        <p:txBody>
-          <a:bodyPr rtlCol="0" anchor="ctr"/>
-          <a:lstStyle/>
-          <a:p>
-            <a:pPr algn="ctr"/>
-            <a:endParaRPr lang="en-US"/>
-          </a:p>
-        </p:txBody>
-      </p:sp>
-      <p:sp>
-        <p:nvSpPr>
-          <p:cNvPr id="29" name="Arrow: Right 28">
-            <a:extLst>
-              <a:ext uri="{FF2B5EF4-FFF2-40B4-BE49-F238E27FC236}">
-                <a16:creationId xmlns:a16="http://schemas.microsoft.com/office/drawing/2014/main" id="{DD06604A-D6CF-DE27-FEA0-2174D5269141}"/>
-              </a:ext>
-            </a:extLst>
-          </p:cNvPr>
-          <p:cNvSpPr/>
-          <p:nvPr/>
-        </p:nvSpPr>
-        <p:spPr>
-          <a:xfrm>
-            <a:off x="7761188" y="3446066"/>
-            <a:ext cx="549341" cy="263311"/>
-          </a:xfrm>
-          <a:prstGeom prst="rightArrow">
-            <a:avLst/>
-          </a:prstGeom>
-        </p:spPr>
-        <p:style>
-          <a:lnRef idx="2">
-            <a:schemeClr val="accent1">
-              <a:shade val="50000"/>
-            </a:schemeClr>
-          </a:lnRef>
-          <a:fillRef idx="1">
-            <a:schemeClr val="accent1"/>
-          </a:fillRef>
-          <a:effectRef idx="0">
-            <a:schemeClr val="accent1"/>
-          </a:effectRef>
-          <a:fontRef idx="minor">
-            <a:schemeClr val="lt1"/>
-          </a:fontRef>
-        </p:style>
-        <p:txBody>
-          <a:bodyPr rtlCol="0" anchor="ctr"/>
-          <a:lstStyle/>
-          <a:p>
-            <a:pPr algn="ctr"/>
-            <a:endParaRPr lang="en-US"/>
-          </a:p>
-        </p:txBody>
-      </p:sp>
-      <p:sp>
-        <p:nvSpPr>
-          <p:cNvPr id="30" name="Arrow: Right 29">
-            <a:extLst>
-              <a:ext uri="{FF2B5EF4-FFF2-40B4-BE49-F238E27FC236}">
-                <a16:creationId xmlns:a16="http://schemas.microsoft.com/office/drawing/2014/main" id="{C0D2F59A-A04C-EE2C-4806-2231A56BBFE1}"/>
-              </a:ext>
-            </a:extLst>
-          </p:cNvPr>
-          <p:cNvSpPr/>
-          <p:nvPr/>
-        </p:nvSpPr>
-        <p:spPr>
-          <a:xfrm>
-            <a:off x="7760837" y="4728052"/>
-            <a:ext cx="549341" cy="263311"/>
-          </a:xfrm>
-          <a:prstGeom prst="rightArrow">
-            <a:avLst/>
-          </a:prstGeom>
-        </p:spPr>
-        <p:style>
-          <a:lnRef idx="2">
-            <a:schemeClr val="accent1">
-              <a:shade val="50000"/>
-            </a:schemeClr>
-          </a:lnRef>
-          <a:fillRef idx="1">
-            <a:schemeClr val="accent1"/>
-          </a:fillRef>
-          <a:effectRef idx="0">
-            <a:schemeClr val="accent1"/>
-          </a:effectRef>
-          <a:fontRef idx="minor">
-            <a:schemeClr val="lt1"/>
-          </a:fontRef>
-        </p:style>
-        <p:txBody>
-          <a:bodyPr rtlCol="0" anchor="ctr"/>
-          <a:lstStyle/>
-          <a:p>
-            <a:pPr algn="ctr"/>
-            <a:endParaRPr lang="en-US"/>
-          </a:p>
-        </p:txBody>
-      </p:sp>
-      <p:cxnSp>
-        <p:nvCxnSpPr>
-          <p:cNvPr id="33" name="Straight Connector 32">
-            <a:extLst>
-              <a:ext uri="{FF2B5EF4-FFF2-40B4-BE49-F238E27FC236}">
-                <a16:creationId xmlns:a16="http://schemas.microsoft.com/office/drawing/2014/main" id="{87AB5C3A-853B-8A08-EE59-950F482F64C1}"/>
-              </a:ext>
-            </a:extLst>
-          </p:cNvPr>
-          <p:cNvCxnSpPr>
-            <a:cxnSpLocks/>
-            <a:endCxn id="12" idx="0"/>
-          </p:cNvCxnSpPr>
-          <p:nvPr/>
-        </p:nvCxnSpPr>
-        <p:spPr>
-          <a:xfrm>
-            <a:off x="8595710" y="5376041"/>
-            <a:ext cx="13489" cy="283309"/>
-          </a:xfrm>
-          <a:prstGeom prst="line">
-            <a:avLst/>
-          </a:prstGeom>
-          <a:ln w="28575"/>
-        </p:spPr>
-        <p:style>
-          <a:lnRef idx="1">
-            <a:schemeClr val="accent1"/>
-          </a:lnRef>
-          <a:fillRef idx="0">
-            <a:schemeClr val="accent1"/>
-          </a:fillRef>
-          <a:effectRef idx="0">
-            <a:schemeClr val="accent1"/>
-          </a:effectRef>
-          <a:fontRef idx="minor">
-            <a:schemeClr val="tx1"/>
-          </a:fontRef>
-        </p:style>
-      </p:cxnSp>
-      <p:cxnSp>
-        <p:nvCxnSpPr>
-          <p:cNvPr id="35" name="Straight Connector 34">
-            <a:extLst>
-              <a:ext uri="{FF2B5EF4-FFF2-40B4-BE49-F238E27FC236}">
-                <a16:creationId xmlns:a16="http://schemas.microsoft.com/office/drawing/2014/main" id="{B9417819-AE97-04E6-E642-A5F9AD9E5055}"/>
-              </a:ext>
-            </a:extLst>
-          </p:cNvPr>
-          <p:cNvCxnSpPr>
-            <a:cxnSpLocks/>
-          </p:cNvCxnSpPr>
-          <p:nvPr/>
-        </p:nvCxnSpPr>
-        <p:spPr>
-          <a:xfrm>
-            <a:off x="9467105" y="5345177"/>
-            <a:ext cx="13489" cy="283309"/>
-          </a:xfrm>
-          <a:prstGeom prst="line">
-            <a:avLst/>
-          </a:prstGeom>
-          <a:ln w="28575"/>
-        </p:spPr>
-        <p:style>
-          <a:lnRef idx="1">
-            <a:schemeClr val="accent1"/>
-          </a:lnRef>
-          <a:fillRef idx="0">
-            <a:schemeClr val="accent1"/>
-          </a:fillRef>
-          <a:effectRef idx="0">
-            <a:schemeClr val="accent1"/>
-          </a:effectRef>
-          <a:fontRef idx="minor">
-            <a:schemeClr val="tx1"/>
-          </a:fontRef>
-        </p:style>
-      </p:cxnSp>
-      <p:sp>
-        <p:nvSpPr>
-          <p:cNvPr id="36" name="TextBox 35">
-            <a:extLst>
-              <a:ext uri="{FF2B5EF4-FFF2-40B4-BE49-F238E27FC236}">
-                <a16:creationId xmlns:a16="http://schemas.microsoft.com/office/drawing/2014/main" id="{7C43C670-FB53-6746-9CF3-0B1BCA0EA53C}"/>
-              </a:ext>
-            </a:extLst>
-          </p:cNvPr>
-          <p:cNvSpPr txBox="1"/>
-          <p:nvPr/>
-        </p:nvSpPr>
-        <p:spPr>
-          <a:xfrm>
-            <a:off x="5281974" y="2818141"/>
-            <a:ext cx="1494148" cy="954107"/>
-          </a:xfrm>
-          <a:prstGeom prst="rect">
-            <a:avLst/>
-          </a:prstGeom>
-          <a:noFill/>
-        </p:spPr>
-        <p:txBody>
-          <a:bodyPr wrap="square" rtlCol="0">
-            <a:spAutoFit/>
-          </a:bodyPr>
-          <a:lstStyle/>
-          <a:p>
-            <a:pPr algn="ctr"/>
-            <a:r>
-              <a:rPr lang="en-US" sz="2800" dirty="0"/>
-              <a:t>Arduino Uno</a:t>
-            </a:r>
-          </a:p>
-        </p:txBody>
-      </p:sp>
-    </p:spTree>
-    <p:extLst>
-      <p:ext uri="{BB962C8B-B14F-4D97-AF65-F5344CB8AC3E}">
-        <p14:creationId xmlns:p14="http://schemas.microsoft.com/office/powerpoint/2010/main" val="3248452303"/>
-      </p:ext>
-    </p:extLst>
-  </p:cSld>
-  <p:clrMapOvr>
-    <a:masterClrMapping/>
-  </p:clrMapOvr>
-</p:sld>
-</file>
-
-<file path=ppt/slides/slide18.xml><?xml version="1.0" encoding="utf-8"?>
 <p:sld xmlns:a="http://schemas.openxmlformats.org/drawingml/2006/main" xmlns:r="http://schemas.openxmlformats.org/officeDocument/2006/relationships" xmlns:p="http://schemas.openxmlformats.org/presentationml/2006/main">
   <p:cSld>
     <p:spTree>
@@ -7004,7 +6228,7 @@
                 <a:lstStyle/>
                 <a:p>
                   <a:pPr algn="ctr"/>
-                  <a:endParaRPr lang="en-US"/>
+                  <a:endParaRPr lang="en-US" dirty="0"/>
                 </a:p>
               </p:txBody>
             </p:sp>
@@ -7050,7 +6274,7 @@
                 <a:lstStyle/>
                 <a:p>
                   <a:pPr algn="ctr"/>
-                  <a:endParaRPr lang="en-US"/>
+                  <a:endParaRPr lang="en-US" dirty="0"/>
                 </a:p>
               </p:txBody>
             </p:sp>
@@ -7096,7 +6320,7 @@
                 <a:lstStyle/>
                 <a:p>
                   <a:pPr algn="ctr"/>
-                  <a:endParaRPr lang="en-US"/>
+                  <a:endParaRPr lang="en-US" dirty="0"/>
                 </a:p>
               </p:txBody>
             </p:sp>
@@ -7209,7 +6433,7 @@
                 <a:lstStyle/>
                 <a:p>
                   <a:pPr algn="ctr"/>
-                  <a:endParaRPr lang="en-US"/>
+                  <a:endParaRPr lang="en-US" dirty="0"/>
                 </a:p>
               </p:txBody>
             </p:sp>
@@ -7255,7 +6479,7 @@
                 <a:lstStyle/>
                 <a:p>
                   <a:pPr algn="ctr"/>
-                  <a:endParaRPr lang="en-US"/>
+                  <a:endParaRPr lang="en-US" dirty="0"/>
                 </a:p>
               </p:txBody>
             </p:sp>
@@ -7307,7 +6531,7 @@
               <a:lstStyle/>
               <a:p>
                 <a:pPr algn="ctr"/>
-                <a:endParaRPr lang="en-US"/>
+                <a:endParaRPr lang="en-US" dirty="0"/>
               </a:p>
             </p:txBody>
           </p:sp>
@@ -7549,7 +6773,7 @@
                 <a:lstStyle/>
                 <a:p>
                   <a:pPr algn="ctr"/>
-                  <a:endParaRPr lang="en-US"/>
+                  <a:endParaRPr lang="en-US" dirty="0"/>
                 </a:p>
               </p:txBody>
             </p:sp>
@@ -7595,7 +6819,7 @@
                 <a:lstStyle/>
                 <a:p>
                   <a:pPr algn="ctr"/>
-                  <a:endParaRPr lang="en-US"/>
+                  <a:endParaRPr lang="en-US" dirty="0"/>
                 </a:p>
               </p:txBody>
             </p:sp>
@@ -7641,7 +6865,7 @@
                 <a:lstStyle/>
                 <a:p>
                   <a:pPr algn="ctr"/>
-                  <a:endParaRPr lang="en-US"/>
+                  <a:endParaRPr lang="en-US" dirty="0"/>
                 </a:p>
               </p:txBody>
             </p:sp>
@@ -7688,7 +6912,7 @@
               <a:lstStyle/>
               <a:p>
                 <a:pPr algn="ctr"/>
-                <a:endParaRPr lang="en-US"/>
+                <a:endParaRPr lang="en-US" dirty="0"/>
               </a:p>
             </p:txBody>
           </p:sp>
@@ -7775,7 +6999,7 @@
               <a:lstStyle/>
               <a:p>
                 <a:pPr algn="ctr"/>
-                <a:endParaRPr lang="en-US"/>
+                <a:endParaRPr lang="en-US" dirty="0"/>
               </a:p>
             </p:txBody>
           </p:sp>
@@ -8071,7 +7295,7 @@
               <a:lstStyle/>
               <a:p>
                 <a:pPr algn="ctr"/>
-                <a:endParaRPr lang="en-US">
+                <a:endParaRPr lang="en-US" dirty="0">
                   <a:ln w="0"/>
                   <a:solidFill>
                     <a:schemeClr val="tx1"/>
@@ -8509,10 +7733,9 @@
               <a:lstStyle/>
               <a:p>
                 <a:r>
-                  <a:rPr lang="en-US" dirty="0" err="1"/>
+                  <a:rPr lang="en-US" dirty="0"/>
                   <a:t>Gnd</a:t>
                 </a:r>
-                <a:endParaRPr lang="en-US" dirty="0"/>
               </a:p>
             </p:txBody>
           </p:sp>
@@ -8663,7 +7886,7 @@
                 <a:lstStyle/>
                 <a:p>
                   <a:pPr algn="ctr"/>
-                  <a:endParaRPr lang="en-US"/>
+                  <a:endParaRPr lang="en-US" dirty="0"/>
                 </a:p>
               </p:txBody>
             </p:sp>
@@ -8814,7 +8037,7 @@
               <a:lstStyle/>
               <a:p>
                 <a:pPr algn="ctr"/>
-                <a:endParaRPr lang="en-US">
+                <a:endParaRPr lang="en-US" dirty="0">
                   <a:ln w="0"/>
                   <a:solidFill>
                     <a:schemeClr val="tx1"/>
@@ -8910,7 +8133,7 @@
             <a:lstStyle/>
             <a:p>
               <a:pPr algn="ctr"/>
-              <a:endParaRPr lang="en-US"/>
+              <a:endParaRPr lang="en-US" dirty="0"/>
             </a:p>
           </p:txBody>
         </p:sp>
@@ -8974,7 +8197,7 @@
 </p:sld>
 </file>
 
-<file path=ppt/slides/slide19.xml><?xml version="1.0" encoding="utf-8"?>
+<file path=ppt/slides/slide17.xml><?xml version="1.0" encoding="utf-8"?>
 <p:sld xmlns:a="http://schemas.openxmlformats.org/drawingml/2006/main" xmlns:r="http://schemas.openxmlformats.org/officeDocument/2006/relationships" xmlns:p="http://schemas.openxmlformats.org/presentationml/2006/main">
   <p:cSld>
     <p:spTree>
@@ -9006,7 +8229,7 @@
         <p:spPr>
           <a:xfrm>
             <a:off x="416560" y="675640"/>
-            <a:ext cx="7081520" cy="646331"/>
+            <a:ext cx="4856480" cy="646331"/>
           </a:xfrm>
           <a:prstGeom prst="rect">
             <a:avLst/>
@@ -9021,7 +8244,7 @@
           <a:p>
             <a:r>
               <a:rPr lang="en-US" sz="3600" b="1" dirty="0"/>
-              <a:t>Existing Methods &amp; Limitations </a:t>
+              <a:t>Working Mechanism</a:t>
             </a:r>
           </a:p>
         </p:txBody>
@@ -9077,7 +8300,7 @@
           <p:cNvPr id="6" name="TextBox 5">
             <a:extLst>
               <a:ext uri="{FF2B5EF4-FFF2-40B4-BE49-F238E27FC236}">
-                <a16:creationId xmlns:a16="http://schemas.microsoft.com/office/drawing/2014/main" id="{57CC0083-6D2E-CFA0-B34B-C13C38CC22CF}"/>
+                <a16:creationId xmlns:a16="http://schemas.microsoft.com/office/drawing/2014/main" id="{CF6F4F10-B955-26C4-1954-A6F002AA681F}"/>
               </a:ext>
             </a:extLst>
           </p:cNvPr>
@@ -9086,8 +8309,8 @@
         </p:nvSpPr>
         <p:spPr>
           <a:xfrm>
-            <a:off x="721360" y="1752600"/>
-            <a:ext cx="10911840" cy="3416320"/>
+            <a:off x="812800" y="1658045"/>
+            <a:ext cx="10342880" cy="4524315"/>
           </a:xfrm>
           <a:prstGeom prst="rect">
             <a:avLst/>
@@ -9100,113 +8323,1468 @@
           </a:bodyPr>
           <a:lstStyle/>
           <a:p>
-            <a:pPr marL="285750" indent="-285750">
+            <a:pPr marL="342900" indent="-342900">
               <a:buFont typeface="Arial" panose="020B0604020202020204" pitchFamily="34" charset="0"/>
               <a:buChar char="•"/>
             </a:pPr>
             <a:r>
-              <a:rPr lang="en-US" sz="2400" b="1" dirty="0">
-                <a:latin typeface="+mj-lt"/>
-              </a:rPr>
-              <a:t>Static ultrasonic sensors</a:t>
-            </a:r>
-            <a:r>
-              <a:rPr lang="en-US" sz="2400" dirty="0">
-                <a:latin typeface="+mj-lt"/>
-              </a:rPr>
-              <a:t> provide monodirectional obstacle detection, leading to </a:t>
-            </a:r>
-            <a:r>
-              <a:rPr lang="en-US" sz="2400" b="1" dirty="0">
-                <a:latin typeface="+mj-lt"/>
-              </a:rPr>
-              <a:t>blind spots</a:t>
-            </a:r>
-            <a:r>
-              <a:rPr lang="en-US" sz="2400" dirty="0">
-                <a:latin typeface="+mj-lt"/>
-              </a:rPr>
-              <a:t> and inefficiencies in complex environments.</a:t>
-            </a:r>
-            <a:br>
-              <a:rPr lang="en-US" sz="2400" dirty="0">
-                <a:latin typeface="+mj-lt"/>
-              </a:rPr>
-            </a:br>
-            <a:endParaRPr lang="en-US" sz="2400" dirty="0">
-              <a:latin typeface="+mj-lt"/>
-            </a:endParaRPr>
-          </a:p>
-          <a:p>
-            <a:pPr marL="285750" indent="-285750">
+              <a:rPr lang="en-US" sz="2400" b="1" dirty="0"/>
+              <a:t>Normal Detection Method:</a:t>
+            </a:r>
+          </a:p>
+          <a:p>
+            <a:pPr marL="800100" lvl="1" indent="-342900">
               <a:buFont typeface="Arial" panose="020B0604020202020204" pitchFamily="34" charset="0"/>
               <a:buChar char="•"/>
             </a:pPr>
             <a:r>
-              <a:rPr lang="en-US" sz="2400" dirty="0">
-                <a:latin typeface="+mj-lt"/>
-              </a:rPr>
-              <a:t>Signal reflections cause inaccurate readings, requiring </a:t>
-            </a:r>
-            <a:r>
-              <a:rPr lang="en-US" sz="2400" b="1" dirty="0">
-                <a:latin typeface="+mj-lt"/>
-              </a:rPr>
-              <a:t>frequent path recalculations</a:t>
-            </a:r>
-            <a:br>
-              <a:rPr lang="en-US" sz="2400" dirty="0">
-                <a:latin typeface="+mj-lt"/>
-              </a:rPr>
-            </a:br>
-            <a:endParaRPr lang="en-US" sz="2400" dirty="0">
-              <a:latin typeface="+mj-lt"/>
-            </a:endParaRPr>
-          </a:p>
-          <a:p>
-            <a:pPr marL="285750" indent="-285750">
+              <a:rPr lang="en-US" sz="2400" dirty="0"/>
+              <a:t>Utilizes an ultrasonic sensor to measure the distance between the car and the nearest object in its line of sight.</a:t>
+            </a:r>
+            <a:endParaRPr lang="en-US" sz="2400" b="1" dirty="0"/>
+          </a:p>
+          <a:p>
+            <a:pPr marL="800100" lvl="1" indent="-342900">
               <a:buFont typeface="Arial" panose="020B0604020202020204" pitchFamily="34" charset="0"/>
               <a:buChar char="•"/>
             </a:pPr>
             <a:r>
-              <a:rPr lang="en-US" sz="2400" b="1" dirty="0">
-                <a:latin typeface="+mj-lt"/>
-              </a:rPr>
-              <a:t>Lack of servo motor-driven</a:t>
-            </a:r>
-            <a:r>
-              <a:rPr lang="en-US" sz="2400" dirty="0">
-                <a:latin typeface="+mj-lt"/>
-              </a:rPr>
-              <a:t> scanning limits adaptive obstacle detection capabilities.</a:t>
-            </a:r>
-            <a:br>
-              <a:rPr lang="en-US" sz="2400" dirty="0">
-                <a:latin typeface="+mj-lt"/>
-              </a:rPr>
-            </a:br>
-            <a:endParaRPr lang="en-US" sz="2400" dirty="0">
-              <a:latin typeface="+mj-lt"/>
-            </a:endParaRPr>
-          </a:p>
-          <a:p>
-            <a:pPr marL="285750" indent="-285750">
+              <a:rPr lang="en-US" sz="2400" dirty="0"/>
+              <a:t>This method is not omnidirectional, meaning it only detects objects directly in front of the sensor.</a:t>
+            </a:r>
+            <a:endParaRPr lang="en-US" sz="2400" b="1" dirty="0"/>
+          </a:p>
+          <a:p>
+            <a:pPr marL="800100" lvl="1" indent="-342900">
               <a:buFont typeface="Arial" panose="020B0604020202020204" pitchFamily="34" charset="0"/>
               <a:buChar char="•"/>
             </a:pPr>
             <a:r>
-              <a:rPr lang="en-US" sz="2400" dirty="0">
-                <a:latin typeface="+mj-lt"/>
-              </a:rPr>
-              <a:t>Absence of motor control mechanisms (e.g., L293D driver) results in imprecise movement and inefficient navigation.</a:t>
-            </a:r>
+              <a:rPr lang="en-US" sz="2400" dirty="0"/>
+              <a:t>Most commonly used and does not involve the use of a servo motor</a:t>
+            </a:r>
+            <a:endParaRPr lang="en-US" sz="2400" b="1" dirty="0"/>
+          </a:p>
+          <a:p>
+            <a:pPr marL="342900" indent="-342900">
+              <a:buFont typeface="Arial" panose="020B0604020202020204" pitchFamily="34" charset="0"/>
+              <a:buChar char="•"/>
+            </a:pPr>
+            <a:r>
+              <a:rPr lang="en-US" sz="2400" b="1" dirty="0"/>
+              <a:t>Intensive Detection Method:</a:t>
+            </a:r>
+          </a:p>
+          <a:p>
+            <a:pPr marL="800100" lvl="1" indent="-342900">
+              <a:buFont typeface="Arial" panose="020B0604020202020204" pitchFamily="34" charset="0"/>
+              <a:buChar char="•"/>
+            </a:pPr>
+            <a:r>
+              <a:rPr lang="en-US" sz="2400" dirty="0"/>
+              <a:t>Employs a servo motor to rotate the ultrasonic sensor, providing a 180-degree view for omnidirectional detection</a:t>
+            </a:r>
+            <a:endParaRPr lang="en-US" sz="2400" b="1" dirty="0"/>
+          </a:p>
+          <a:p>
+            <a:pPr marL="800100" lvl="1" indent="-342900">
+              <a:buFont typeface="Arial" panose="020B0604020202020204" pitchFamily="34" charset="0"/>
+              <a:buChar char="•"/>
+            </a:pPr>
+            <a:r>
+              <a:rPr lang="en-US" sz="2400" dirty="0"/>
+              <a:t>Sensor starts at 0 degrees (extreme left) and rotates to 180 degrees (extreme right) in 3-degree steps</a:t>
+            </a:r>
+            <a:endParaRPr lang="en-US" sz="2400" b="1" dirty="0"/>
+          </a:p>
+          <a:p>
+            <a:pPr marL="800100" lvl="1" indent="-342900">
+              <a:buFont typeface="Arial" panose="020B0604020202020204" pitchFamily="34" charset="0"/>
+              <a:buChar char="•"/>
+            </a:pPr>
+            <a:r>
+              <a:rPr lang="en-US" sz="2400" dirty="0"/>
+              <a:t>Collected data is analyzed to determine the subsequent actions</a:t>
+            </a:r>
+            <a:endParaRPr lang="en-US" sz="2400" b="1" dirty="0"/>
           </a:p>
         </p:txBody>
       </p:sp>
     </p:spTree>
     <p:extLst>
       <p:ext uri="{BB962C8B-B14F-4D97-AF65-F5344CB8AC3E}">
-        <p14:creationId xmlns:p14="http://schemas.microsoft.com/office/powerpoint/2010/main" val="3800121739"/>
+        <p14:creationId xmlns:p14="http://schemas.microsoft.com/office/powerpoint/2010/main" val="1205652728"/>
+      </p:ext>
+    </p:extLst>
+  </p:cSld>
+  <p:clrMapOvr>
+    <a:masterClrMapping/>
+  </p:clrMapOvr>
+</p:sld>
+</file>
+
+<file path=ppt/slides/slide18.xml><?xml version="1.0" encoding="utf-8"?>
+<p:sld xmlns:a="http://schemas.openxmlformats.org/drawingml/2006/main" xmlns:r="http://schemas.openxmlformats.org/officeDocument/2006/relationships" xmlns:p="http://schemas.openxmlformats.org/presentationml/2006/main">
+  <p:cSld>
+    <p:spTree>
+      <p:nvGrpSpPr>
+        <p:cNvPr id="1" name=""/>
+        <p:cNvGrpSpPr/>
+        <p:nvPr/>
+      </p:nvGrpSpPr>
+      <p:grpSpPr>
+        <a:xfrm>
+          <a:off x="0" y="0"/>
+          <a:ext cx="0" cy="0"/>
+          <a:chOff x="0" y="0"/>
+          <a:chExt cx="0" cy="0"/>
+        </a:xfrm>
+      </p:grpSpPr>
+      <p:sp>
+        <p:nvSpPr>
+          <p:cNvPr id="4" name="TextBox 3">
+            <a:extLst>
+              <a:ext uri="{FF2B5EF4-FFF2-40B4-BE49-F238E27FC236}">
+                <a16:creationId xmlns:a16="http://schemas.microsoft.com/office/drawing/2014/main" id="{17C97D89-3979-D9EC-2F9E-F1BA5D0A9EF4}"/>
+              </a:ext>
+            </a:extLst>
+          </p:cNvPr>
+          <p:cNvSpPr txBox="1"/>
+          <p:nvPr/>
+        </p:nvSpPr>
+        <p:spPr>
+          <a:xfrm>
+            <a:off x="416560" y="675640"/>
+            <a:ext cx="4856480" cy="646331"/>
+          </a:xfrm>
+          <a:prstGeom prst="rect">
+            <a:avLst/>
+          </a:prstGeom>
+          <a:noFill/>
+        </p:spPr>
+        <p:txBody>
+          <a:bodyPr wrap="square" rtlCol="0">
+            <a:spAutoFit/>
+          </a:bodyPr>
+          <a:lstStyle/>
+          <a:p>
+            <a:r>
+              <a:rPr lang="en-US" sz="3600" b="1" dirty="0"/>
+              <a:t>Block Diagram</a:t>
+            </a:r>
+          </a:p>
+        </p:txBody>
+      </p:sp>
+      <p:cxnSp>
+        <p:nvCxnSpPr>
+          <p:cNvPr id="9" name="Straight Connector 8">
+            <a:extLst>
+              <a:ext uri="{FF2B5EF4-FFF2-40B4-BE49-F238E27FC236}">
+                <a16:creationId xmlns:a16="http://schemas.microsoft.com/office/drawing/2014/main" id="{06DEB5C5-95DE-9DEC-6F84-929E462EC78F}"/>
+              </a:ext>
+            </a:extLst>
+          </p:cNvPr>
+          <p:cNvCxnSpPr>
+            <a:cxnSpLocks/>
+          </p:cNvCxnSpPr>
+          <p:nvPr/>
+        </p:nvCxnSpPr>
+        <p:spPr>
+          <a:xfrm>
+            <a:off x="335280" y="1382931"/>
+            <a:ext cx="2743200" cy="0"/>
+          </a:xfrm>
+          <a:prstGeom prst="line">
+            <a:avLst/>
+          </a:prstGeom>
+          <a:ln w="28575"/>
+          <a:effectLst>
+            <a:outerShdw blurRad="50800" dist="38100" dir="2700000" algn="tl" rotWithShape="0">
+              <a:prstClr val="black">
+                <a:alpha val="40000"/>
+              </a:prstClr>
+            </a:outerShdw>
+          </a:effectLst>
+        </p:spPr>
+        <p:style>
+          <a:lnRef idx="1">
+            <a:schemeClr val="accent1"/>
+          </a:lnRef>
+          <a:fillRef idx="0">
+            <a:schemeClr val="accent1"/>
+          </a:fillRef>
+          <a:effectRef idx="0">
+            <a:schemeClr val="accent1"/>
+          </a:effectRef>
+          <a:fontRef idx="minor">
+            <a:schemeClr val="tx1"/>
+          </a:fontRef>
+        </p:style>
+      </p:cxnSp>
+      <p:grpSp>
+        <p:nvGrpSpPr>
+          <p:cNvPr id="14" name="Group 13">
+            <a:extLst>
+              <a:ext uri="{FF2B5EF4-FFF2-40B4-BE49-F238E27FC236}">
+                <a16:creationId xmlns:a16="http://schemas.microsoft.com/office/drawing/2014/main" id="{EA43E49D-BA67-3363-83A7-A707E86D3EB2}"/>
+              </a:ext>
+            </a:extLst>
+          </p:cNvPr>
+          <p:cNvGrpSpPr/>
+          <p:nvPr/>
+        </p:nvGrpSpPr>
+        <p:grpSpPr>
+          <a:xfrm>
+            <a:off x="1817939" y="1789561"/>
+            <a:ext cx="8026400" cy="4763869"/>
+            <a:chOff x="1838960" y="2052320"/>
+            <a:chExt cx="8026400" cy="4763869"/>
+          </a:xfrm>
+        </p:grpSpPr>
+        <p:sp>
+          <p:nvSpPr>
+            <p:cNvPr id="2" name="Rectangle 1">
+              <a:extLst>
+                <a:ext uri="{FF2B5EF4-FFF2-40B4-BE49-F238E27FC236}">
+                  <a16:creationId xmlns:a16="http://schemas.microsoft.com/office/drawing/2014/main" id="{D6B150CB-634D-1DCF-1191-712FBEAB9378}"/>
+                </a:ext>
+              </a:extLst>
+            </p:cNvPr>
+            <p:cNvSpPr/>
+            <p:nvPr/>
+          </p:nvSpPr>
+          <p:spPr>
+            <a:xfrm>
+              <a:off x="4480560" y="2052320"/>
+              <a:ext cx="3271520" cy="3586480"/>
+            </a:xfrm>
+            <a:prstGeom prst="rect">
+              <a:avLst/>
+            </a:prstGeom>
+            <a:noFill/>
+            <a:ln w="28575">
+              <a:solidFill>
+                <a:schemeClr val="tx1"/>
+              </a:solidFill>
+            </a:ln>
+          </p:spPr>
+          <p:style>
+            <a:lnRef idx="2">
+              <a:schemeClr val="accent1">
+                <a:shade val="50000"/>
+              </a:schemeClr>
+            </a:lnRef>
+            <a:fillRef idx="1">
+              <a:schemeClr val="accent1"/>
+            </a:fillRef>
+            <a:effectRef idx="0">
+              <a:schemeClr val="accent1"/>
+            </a:effectRef>
+            <a:fontRef idx="minor">
+              <a:schemeClr val="lt1"/>
+            </a:fontRef>
+          </p:style>
+          <p:txBody>
+            <a:bodyPr rtlCol="0" anchor="ctr"/>
+            <a:lstStyle/>
+            <a:p>
+              <a:pPr algn="ctr"/>
+              <a:endParaRPr lang="en-US" dirty="0"/>
+            </a:p>
+          </p:txBody>
+        </p:sp>
+        <p:sp>
+          <p:nvSpPr>
+            <p:cNvPr id="3" name="Rectangle 2">
+              <a:extLst>
+                <a:ext uri="{FF2B5EF4-FFF2-40B4-BE49-F238E27FC236}">
+                  <a16:creationId xmlns:a16="http://schemas.microsoft.com/office/drawing/2014/main" id="{12123AFB-DB80-81C9-8036-999577957262}"/>
+                </a:ext>
+              </a:extLst>
+            </p:cNvPr>
+            <p:cNvSpPr/>
+            <p:nvPr/>
+          </p:nvSpPr>
+          <p:spPr>
+            <a:xfrm>
+              <a:off x="1838960" y="2123440"/>
+              <a:ext cx="1544320" cy="894080"/>
+            </a:xfrm>
+            <a:prstGeom prst="rect">
+              <a:avLst/>
+            </a:prstGeom>
+            <a:noFill/>
+            <a:ln w="28575">
+              <a:solidFill>
+                <a:schemeClr val="tx1"/>
+              </a:solidFill>
+            </a:ln>
+          </p:spPr>
+          <p:style>
+            <a:lnRef idx="2">
+              <a:schemeClr val="accent1">
+                <a:shade val="50000"/>
+              </a:schemeClr>
+            </a:lnRef>
+            <a:fillRef idx="1">
+              <a:schemeClr val="accent1"/>
+            </a:fillRef>
+            <a:effectRef idx="0">
+              <a:schemeClr val="accent1"/>
+            </a:effectRef>
+            <a:fontRef idx="minor">
+              <a:schemeClr val="lt1"/>
+            </a:fontRef>
+          </p:style>
+          <p:txBody>
+            <a:bodyPr rtlCol="0" anchor="ctr"/>
+            <a:lstStyle/>
+            <a:p>
+              <a:pPr algn="ctr"/>
+              <a:endParaRPr lang="en-US" dirty="0"/>
+            </a:p>
+          </p:txBody>
+        </p:sp>
+        <p:sp>
+          <p:nvSpPr>
+            <p:cNvPr id="5" name="Rectangle 4">
+              <a:extLst>
+                <a:ext uri="{FF2B5EF4-FFF2-40B4-BE49-F238E27FC236}">
+                  <a16:creationId xmlns:a16="http://schemas.microsoft.com/office/drawing/2014/main" id="{AE109BF9-B3AE-B05D-DB86-DEE92F77D5B1}"/>
+                </a:ext>
+              </a:extLst>
+            </p:cNvPr>
+            <p:cNvSpPr/>
+            <p:nvPr/>
+          </p:nvSpPr>
+          <p:spPr>
+            <a:xfrm>
+              <a:off x="1838960" y="3670300"/>
+              <a:ext cx="1544320" cy="894080"/>
+            </a:xfrm>
+            <a:prstGeom prst="rect">
+              <a:avLst/>
+            </a:prstGeom>
+            <a:noFill/>
+            <a:ln w="28575">
+              <a:solidFill>
+                <a:schemeClr val="tx1"/>
+              </a:solidFill>
+            </a:ln>
+          </p:spPr>
+          <p:style>
+            <a:lnRef idx="2">
+              <a:schemeClr val="accent1">
+                <a:shade val="50000"/>
+              </a:schemeClr>
+            </a:lnRef>
+            <a:fillRef idx="1">
+              <a:schemeClr val="accent1"/>
+            </a:fillRef>
+            <a:effectRef idx="0">
+              <a:schemeClr val="accent1"/>
+            </a:effectRef>
+            <a:fontRef idx="minor">
+              <a:schemeClr val="lt1"/>
+            </a:fontRef>
+          </p:style>
+          <p:txBody>
+            <a:bodyPr rtlCol="0" anchor="ctr"/>
+            <a:lstStyle/>
+            <a:p>
+              <a:pPr algn="ctr"/>
+              <a:endParaRPr lang="en-US" dirty="0"/>
+            </a:p>
+          </p:txBody>
+        </p:sp>
+        <p:sp>
+          <p:nvSpPr>
+            <p:cNvPr id="8" name="Rectangle 7">
+              <a:extLst>
+                <a:ext uri="{FF2B5EF4-FFF2-40B4-BE49-F238E27FC236}">
+                  <a16:creationId xmlns:a16="http://schemas.microsoft.com/office/drawing/2014/main" id="{77D758FB-C17A-1055-9D62-E9D4172089B5}"/>
+                </a:ext>
+              </a:extLst>
+            </p:cNvPr>
+            <p:cNvSpPr/>
+            <p:nvPr/>
+          </p:nvSpPr>
+          <p:spPr>
+            <a:xfrm>
+              <a:off x="8321040" y="2123440"/>
+              <a:ext cx="1544320" cy="894080"/>
+            </a:xfrm>
+            <a:prstGeom prst="rect">
+              <a:avLst/>
+            </a:prstGeom>
+            <a:noFill/>
+            <a:ln w="28575">
+              <a:solidFill>
+                <a:schemeClr val="tx1"/>
+              </a:solidFill>
+            </a:ln>
+          </p:spPr>
+          <p:style>
+            <a:lnRef idx="2">
+              <a:schemeClr val="accent1">
+                <a:shade val="50000"/>
+              </a:schemeClr>
+            </a:lnRef>
+            <a:fillRef idx="1">
+              <a:schemeClr val="accent1"/>
+            </a:fillRef>
+            <a:effectRef idx="0">
+              <a:schemeClr val="accent1"/>
+            </a:effectRef>
+            <a:fontRef idx="minor">
+              <a:schemeClr val="lt1"/>
+            </a:fontRef>
+          </p:style>
+          <p:txBody>
+            <a:bodyPr rtlCol="0" anchor="ctr"/>
+            <a:lstStyle/>
+            <a:p>
+              <a:pPr algn="ctr"/>
+              <a:endParaRPr lang="en-US" dirty="0"/>
+            </a:p>
+          </p:txBody>
+        </p:sp>
+        <p:sp>
+          <p:nvSpPr>
+            <p:cNvPr id="10" name="Rectangle 9">
+              <a:extLst>
+                <a:ext uri="{FF2B5EF4-FFF2-40B4-BE49-F238E27FC236}">
+                  <a16:creationId xmlns:a16="http://schemas.microsoft.com/office/drawing/2014/main" id="{6DDD68D7-7290-068C-5361-4AD985B1565D}"/>
+                </a:ext>
+              </a:extLst>
+            </p:cNvPr>
+            <p:cNvSpPr/>
+            <p:nvPr/>
+          </p:nvSpPr>
+          <p:spPr>
+            <a:xfrm>
+              <a:off x="8301771" y="3393441"/>
+              <a:ext cx="1544320" cy="894080"/>
+            </a:xfrm>
+            <a:prstGeom prst="rect">
+              <a:avLst/>
+            </a:prstGeom>
+            <a:noFill/>
+            <a:ln w="28575">
+              <a:solidFill>
+                <a:schemeClr val="tx1"/>
+              </a:solidFill>
+            </a:ln>
+          </p:spPr>
+          <p:style>
+            <a:lnRef idx="2">
+              <a:schemeClr val="accent1">
+                <a:shade val="50000"/>
+              </a:schemeClr>
+            </a:lnRef>
+            <a:fillRef idx="1">
+              <a:schemeClr val="accent1"/>
+            </a:fillRef>
+            <a:effectRef idx="0">
+              <a:schemeClr val="accent1"/>
+            </a:effectRef>
+            <a:fontRef idx="minor">
+              <a:schemeClr val="lt1"/>
+            </a:fontRef>
+          </p:style>
+          <p:txBody>
+            <a:bodyPr rtlCol="0" anchor="ctr"/>
+            <a:lstStyle/>
+            <a:p>
+              <a:pPr algn="ctr"/>
+              <a:endParaRPr lang="en-US" dirty="0"/>
+            </a:p>
+          </p:txBody>
+        </p:sp>
+        <p:sp>
+          <p:nvSpPr>
+            <p:cNvPr id="11" name="Rectangle 10">
+              <a:extLst>
+                <a:ext uri="{FF2B5EF4-FFF2-40B4-BE49-F238E27FC236}">
+                  <a16:creationId xmlns:a16="http://schemas.microsoft.com/office/drawing/2014/main" id="{5CD48D0A-1949-D987-BD49-8146F57129E0}"/>
+                </a:ext>
+              </a:extLst>
+            </p:cNvPr>
+            <p:cNvSpPr/>
+            <p:nvPr/>
+          </p:nvSpPr>
+          <p:spPr>
+            <a:xfrm>
+              <a:off x="8301771" y="4744720"/>
+              <a:ext cx="1544320" cy="894080"/>
+            </a:xfrm>
+            <a:prstGeom prst="rect">
+              <a:avLst/>
+            </a:prstGeom>
+            <a:noFill/>
+            <a:ln w="28575">
+              <a:solidFill>
+                <a:schemeClr val="tx1"/>
+              </a:solidFill>
+            </a:ln>
+          </p:spPr>
+          <p:style>
+            <a:lnRef idx="2">
+              <a:schemeClr val="accent1">
+                <a:shade val="50000"/>
+              </a:schemeClr>
+            </a:lnRef>
+            <a:fillRef idx="1">
+              <a:schemeClr val="accent1"/>
+            </a:fillRef>
+            <a:effectRef idx="0">
+              <a:schemeClr val="accent1"/>
+            </a:effectRef>
+            <a:fontRef idx="minor">
+              <a:schemeClr val="lt1"/>
+            </a:fontRef>
+          </p:style>
+          <p:txBody>
+            <a:bodyPr rtlCol="0" anchor="ctr"/>
+            <a:lstStyle/>
+            <a:p>
+              <a:pPr algn="ctr"/>
+              <a:endParaRPr lang="en-US" dirty="0"/>
+            </a:p>
+          </p:txBody>
+        </p:sp>
+        <p:sp>
+          <p:nvSpPr>
+            <p:cNvPr id="12" name="Rectangle 11">
+              <a:extLst>
+                <a:ext uri="{FF2B5EF4-FFF2-40B4-BE49-F238E27FC236}">
+                  <a16:creationId xmlns:a16="http://schemas.microsoft.com/office/drawing/2014/main" id="{CA8DE0ED-B453-76FA-585E-030D6141F1B9}"/>
+                </a:ext>
+              </a:extLst>
+            </p:cNvPr>
+            <p:cNvSpPr/>
+            <p:nvPr/>
+          </p:nvSpPr>
+          <p:spPr>
+            <a:xfrm>
+              <a:off x="8301771" y="5922109"/>
+              <a:ext cx="656897" cy="894080"/>
+            </a:xfrm>
+            <a:prstGeom prst="rect">
+              <a:avLst/>
+            </a:prstGeom>
+            <a:noFill/>
+            <a:ln w="28575">
+              <a:solidFill>
+                <a:schemeClr val="tx1"/>
+              </a:solidFill>
+            </a:ln>
+          </p:spPr>
+          <p:style>
+            <a:lnRef idx="2">
+              <a:schemeClr val="accent1">
+                <a:shade val="50000"/>
+              </a:schemeClr>
+            </a:lnRef>
+            <a:fillRef idx="1">
+              <a:schemeClr val="accent1"/>
+            </a:fillRef>
+            <a:effectRef idx="0">
+              <a:schemeClr val="accent1"/>
+            </a:effectRef>
+            <a:fontRef idx="minor">
+              <a:schemeClr val="lt1"/>
+            </a:fontRef>
+          </p:style>
+          <p:txBody>
+            <a:bodyPr rtlCol="0" anchor="ctr"/>
+            <a:lstStyle/>
+            <a:p>
+              <a:pPr algn="ctr"/>
+              <a:endParaRPr lang="en-US" dirty="0"/>
+            </a:p>
+          </p:txBody>
+        </p:sp>
+        <p:sp>
+          <p:nvSpPr>
+            <p:cNvPr id="13" name="Rectangle 12">
+              <a:extLst>
+                <a:ext uri="{FF2B5EF4-FFF2-40B4-BE49-F238E27FC236}">
+                  <a16:creationId xmlns:a16="http://schemas.microsoft.com/office/drawing/2014/main" id="{495891BC-25BA-4DA5-BE6E-705C8588C863}"/>
+                </a:ext>
+              </a:extLst>
+            </p:cNvPr>
+            <p:cNvSpPr/>
+            <p:nvPr/>
+          </p:nvSpPr>
+          <p:spPr>
+            <a:xfrm>
+              <a:off x="9208463" y="5922109"/>
+              <a:ext cx="656897" cy="894080"/>
+            </a:xfrm>
+            <a:prstGeom prst="rect">
+              <a:avLst/>
+            </a:prstGeom>
+            <a:noFill/>
+            <a:ln w="28575">
+              <a:solidFill>
+                <a:schemeClr val="tx1"/>
+              </a:solidFill>
+            </a:ln>
+          </p:spPr>
+          <p:style>
+            <a:lnRef idx="2">
+              <a:schemeClr val="accent1">
+                <a:shade val="50000"/>
+              </a:schemeClr>
+            </a:lnRef>
+            <a:fillRef idx="1">
+              <a:schemeClr val="accent1"/>
+            </a:fillRef>
+            <a:effectRef idx="0">
+              <a:schemeClr val="accent1"/>
+            </a:effectRef>
+            <a:fontRef idx="minor">
+              <a:schemeClr val="lt1"/>
+            </a:fontRef>
+          </p:style>
+          <p:txBody>
+            <a:bodyPr rtlCol="0" anchor="ctr"/>
+            <a:lstStyle/>
+            <a:p>
+              <a:pPr algn="ctr"/>
+              <a:endParaRPr lang="en-US" dirty="0"/>
+            </a:p>
+          </p:txBody>
+        </p:sp>
+      </p:grpSp>
+      <p:sp>
+        <p:nvSpPr>
+          <p:cNvPr id="16" name="TextBox 15">
+            <a:extLst>
+              <a:ext uri="{FF2B5EF4-FFF2-40B4-BE49-F238E27FC236}">
+                <a16:creationId xmlns:a16="http://schemas.microsoft.com/office/drawing/2014/main" id="{3AF00500-902B-E1AC-FA8B-47E60936F473}"/>
+              </a:ext>
+            </a:extLst>
+          </p:cNvPr>
+          <p:cNvSpPr txBox="1"/>
+          <p:nvPr/>
+        </p:nvSpPr>
+        <p:spPr>
+          <a:xfrm>
+            <a:off x="1868214" y="3531415"/>
+            <a:ext cx="1544320" cy="646331"/>
+          </a:xfrm>
+          <a:prstGeom prst="rect">
+            <a:avLst/>
+          </a:prstGeom>
+          <a:noFill/>
+        </p:spPr>
+        <p:txBody>
+          <a:bodyPr wrap="square" rtlCol="0">
+            <a:spAutoFit/>
+          </a:bodyPr>
+          <a:lstStyle/>
+          <a:p>
+            <a:r>
+              <a:rPr lang="en-US" dirty="0"/>
+              <a:t>Ultrasonic Sensor</a:t>
+            </a:r>
+          </a:p>
+        </p:txBody>
+      </p:sp>
+      <p:sp>
+        <p:nvSpPr>
+          <p:cNvPr id="17" name="TextBox 16">
+            <a:extLst>
+              <a:ext uri="{FF2B5EF4-FFF2-40B4-BE49-F238E27FC236}">
+                <a16:creationId xmlns:a16="http://schemas.microsoft.com/office/drawing/2014/main" id="{F15D1806-5948-C608-50E6-B73D716F4142}"/>
+              </a:ext>
+            </a:extLst>
+          </p:cNvPr>
+          <p:cNvSpPr txBox="1"/>
+          <p:nvPr/>
+        </p:nvSpPr>
+        <p:spPr>
+          <a:xfrm>
+            <a:off x="2164080" y="2011110"/>
+            <a:ext cx="914400" cy="646331"/>
+          </a:xfrm>
+          <a:prstGeom prst="rect">
+            <a:avLst/>
+          </a:prstGeom>
+          <a:noFill/>
+        </p:spPr>
+        <p:txBody>
+          <a:bodyPr wrap="square" rtlCol="0">
+            <a:spAutoFit/>
+          </a:bodyPr>
+          <a:lstStyle/>
+          <a:p>
+            <a:r>
+              <a:rPr lang="en-US" dirty="0"/>
+              <a:t>Power</a:t>
+            </a:r>
+            <a:br>
+              <a:rPr lang="en-US" dirty="0"/>
+            </a:br>
+            <a:r>
+              <a:rPr lang="en-US" dirty="0"/>
+              <a:t>supply</a:t>
+            </a:r>
+          </a:p>
+        </p:txBody>
+      </p:sp>
+      <p:sp>
+        <p:nvSpPr>
+          <p:cNvPr id="18" name="TextBox 17">
+            <a:extLst>
+              <a:ext uri="{FF2B5EF4-FFF2-40B4-BE49-F238E27FC236}">
+                <a16:creationId xmlns:a16="http://schemas.microsoft.com/office/drawing/2014/main" id="{ADC64342-9E89-A8D3-F566-322C4C9F46E4}"/>
+              </a:ext>
+            </a:extLst>
+          </p:cNvPr>
+          <p:cNvSpPr txBox="1"/>
+          <p:nvPr/>
+        </p:nvSpPr>
+        <p:spPr>
+          <a:xfrm>
+            <a:off x="8614979" y="2034804"/>
+            <a:ext cx="914400" cy="646331"/>
+          </a:xfrm>
+          <a:prstGeom prst="rect">
+            <a:avLst/>
+          </a:prstGeom>
+          <a:noFill/>
+        </p:spPr>
+        <p:txBody>
+          <a:bodyPr wrap="square" rtlCol="0">
+            <a:spAutoFit/>
+          </a:bodyPr>
+          <a:lstStyle/>
+          <a:p>
+            <a:pPr algn="ctr"/>
+            <a:r>
+              <a:rPr lang="en-US" dirty="0"/>
+              <a:t>16*2 LCD</a:t>
+            </a:r>
+          </a:p>
+        </p:txBody>
+      </p:sp>
+      <p:sp>
+        <p:nvSpPr>
+          <p:cNvPr id="19" name="TextBox 18">
+            <a:extLst>
+              <a:ext uri="{FF2B5EF4-FFF2-40B4-BE49-F238E27FC236}">
+                <a16:creationId xmlns:a16="http://schemas.microsoft.com/office/drawing/2014/main" id="{19B362F6-B1F2-1720-E41E-3D4323430688}"/>
+              </a:ext>
+            </a:extLst>
+          </p:cNvPr>
+          <p:cNvSpPr txBox="1"/>
+          <p:nvPr/>
+        </p:nvSpPr>
+        <p:spPr>
+          <a:xfrm>
+            <a:off x="8595710" y="3295195"/>
+            <a:ext cx="914400" cy="646331"/>
+          </a:xfrm>
+          <a:prstGeom prst="rect">
+            <a:avLst/>
+          </a:prstGeom>
+          <a:noFill/>
+        </p:spPr>
+        <p:txBody>
+          <a:bodyPr wrap="square" rtlCol="0">
+            <a:spAutoFit/>
+          </a:bodyPr>
+          <a:lstStyle/>
+          <a:p>
+            <a:pPr algn="ctr"/>
+            <a:r>
+              <a:rPr lang="en-US" dirty="0"/>
+              <a:t>Servo motor</a:t>
+            </a:r>
+          </a:p>
+        </p:txBody>
+      </p:sp>
+      <p:sp>
+        <p:nvSpPr>
+          <p:cNvPr id="20" name="TextBox 19">
+            <a:extLst>
+              <a:ext uri="{FF2B5EF4-FFF2-40B4-BE49-F238E27FC236}">
+                <a16:creationId xmlns:a16="http://schemas.microsoft.com/office/drawing/2014/main" id="{62EA93DC-0AFA-4EF4-74C6-8BD4D1DDEB98}"/>
+              </a:ext>
+            </a:extLst>
+          </p:cNvPr>
+          <p:cNvSpPr txBox="1"/>
+          <p:nvPr/>
+        </p:nvSpPr>
+        <p:spPr>
+          <a:xfrm>
+            <a:off x="8300019" y="4605835"/>
+            <a:ext cx="1544320" cy="646331"/>
+          </a:xfrm>
+          <a:prstGeom prst="rect">
+            <a:avLst/>
+          </a:prstGeom>
+          <a:noFill/>
+        </p:spPr>
+        <p:txBody>
+          <a:bodyPr wrap="square" rtlCol="0">
+            <a:spAutoFit/>
+          </a:bodyPr>
+          <a:lstStyle/>
+          <a:p>
+            <a:pPr algn="ctr"/>
+            <a:r>
+              <a:rPr lang="en-US" dirty="0"/>
+              <a:t>L293D motor driver</a:t>
+            </a:r>
+          </a:p>
+        </p:txBody>
+      </p:sp>
+      <p:sp>
+        <p:nvSpPr>
+          <p:cNvPr id="21" name="TextBox 20">
+            <a:extLst>
+              <a:ext uri="{FF2B5EF4-FFF2-40B4-BE49-F238E27FC236}">
+                <a16:creationId xmlns:a16="http://schemas.microsoft.com/office/drawing/2014/main" id="{0167A032-2383-70BE-7499-B9FECD46DAAC}"/>
+              </a:ext>
+            </a:extLst>
+          </p:cNvPr>
+          <p:cNvSpPr txBox="1"/>
+          <p:nvPr/>
+        </p:nvSpPr>
+        <p:spPr>
+          <a:xfrm>
+            <a:off x="8349484" y="5960578"/>
+            <a:ext cx="722695" cy="369332"/>
+          </a:xfrm>
+          <a:prstGeom prst="rect">
+            <a:avLst/>
+          </a:prstGeom>
+          <a:noFill/>
+        </p:spPr>
+        <p:txBody>
+          <a:bodyPr wrap="square" rtlCol="0">
+            <a:spAutoFit/>
+          </a:bodyPr>
+          <a:lstStyle/>
+          <a:p>
+            <a:r>
+              <a:rPr lang="en-US" dirty="0"/>
+              <a:t>M1</a:t>
+            </a:r>
+          </a:p>
+        </p:txBody>
+      </p:sp>
+      <p:sp>
+        <p:nvSpPr>
+          <p:cNvPr id="22" name="TextBox 21">
+            <a:extLst>
+              <a:ext uri="{FF2B5EF4-FFF2-40B4-BE49-F238E27FC236}">
+                <a16:creationId xmlns:a16="http://schemas.microsoft.com/office/drawing/2014/main" id="{9DD27AAB-3DA7-EE90-9D65-788BD8363C8C}"/>
+              </a:ext>
+            </a:extLst>
+          </p:cNvPr>
+          <p:cNvSpPr txBox="1"/>
+          <p:nvPr/>
+        </p:nvSpPr>
+        <p:spPr>
+          <a:xfrm>
+            <a:off x="9187442" y="5960578"/>
+            <a:ext cx="722695" cy="369332"/>
+          </a:xfrm>
+          <a:prstGeom prst="rect">
+            <a:avLst/>
+          </a:prstGeom>
+          <a:noFill/>
+        </p:spPr>
+        <p:txBody>
+          <a:bodyPr wrap="square" rtlCol="0">
+            <a:spAutoFit/>
+          </a:bodyPr>
+          <a:lstStyle/>
+          <a:p>
+            <a:r>
+              <a:rPr lang="en-US" dirty="0"/>
+              <a:t>M2</a:t>
+            </a:r>
+          </a:p>
+        </p:txBody>
+      </p:sp>
+      <p:sp>
+        <p:nvSpPr>
+          <p:cNvPr id="26" name="Arrow: Right 25">
+            <a:extLst>
+              <a:ext uri="{FF2B5EF4-FFF2-40B4-BE49-F238E27FC236}">
+                <a16:creationId xmlns:a16="http://schemas.microsoft.com/office/drawing/2014/main" id="{D002BACE-8033-A65D-4E2E-A27547261080}"/>
+              </a:ext>
+            </a:extLst>
+          </p:cNvPr>
+          <p:cNvSpPr/>
+          <p:nvPr/>
+        </p:nvSpPr>
+        <p:spPr>
+          <a:xfrm>
+            <a:off x="3505200" y="2164080"/>
+            <a:ext cx="772160" cy="304800"/>
+          </a:xfrm>
+          <a:prstGeom prst="rightArrow">
+            <a:avLst/>
+          </a:prstGeom>
+        </p:spPr>
+        <p:style>
+          <a:lnRef idx="2">
+            <a:schemeClr val="accent1">
+              <a:shade val="50000"/>
+            </a:schemeClr>
+          </a:lnRef>
+          <a:fillRef idx="1">
+            <a:schemeClr val="accent1"/>
+          </a:fillRef>
+          <a:effectRef idx="0">
+            <a:schemeClr val="accent1"/>
+          </a:effectRef>
+          <a:fontRef idx="minor">
+            <a:schemeClr val="lt1"/>
+          </a:fontRef>
+        </p:style>
+        <p:txBody>
+          <a:bodyPr rtlCol="0" anchor="ctr"/>
+          <a:lstStyle/>
+          <a:p>
+            <a:pPr algn="ctr"/>
+            <a:endParaRPr lang="en-US" dirty="0"/>
+          </a:p>
+        </p:txBody>
+      </p:sp>
+      <p:sp>
+        <p:nvSpPr>
+          <p:cNvPr id="27" name="Arrow: Right 26">
+            <a:extLst>
+              <a:ext uri="{FF2B5EF4-FFF2-40B4-BE49-F238E27FC236}">
+                <a16:creationId xmlns:a16="http://schemas.microsoft.com/office/drawing/2014/main" id="{A9BC0BF0-DCFF-4B44-F5D4-BA42E6911EB6}"/>
+              </a:ext>
+            </a:extLst>
+          </p:cNvPr>
+          <p:cNvSpPr/>
+          <p:nvPr/>
+        </p:nvSpPr>
+        <p:spPr>
+          <a:xfrm>
+            <a:off x="3462809" y="3636726"/>
+            <a:ext cx="772160" cy="304800"/>
+          </a:xfrm>
+          <a:prstGeom prst="rightArrow">
+            <a:avLst/>
+          </a:prstGeom>
+        </p:spPr>
+        <p:style>
+          <a:lnRef idx="2">
+            <a:schemeClr val="accent1">
+              <a:shade val="50000"/>
+            </a:schemeClr>
+          </a:lnRef>
+          <a:fillRef idx="1">
+            <a:schemeClr val="accent1"/>
+          </a:fillRef>
+          <a:effectRef idx="0">
+            <a:schemeClr val="accent1"/>
+          </a:effectRef>
+          <a:fontRef idx="minor">
+            <a:schemeClr val="lt1"/>
+          </a:fontRef>
+        </p:style>
+        <p:txBody>
+          <a:bodyPr rtlCol="0" anchor="ctr"/>
+          <a:lstStyle/>
+          <a:p>
+            <a:pPr algn="ctr"/>
+            <a:endParaRPr lang="en-US" dirty="0"/>
+          </a:p>
+        </p:txBody>
+      </p:sp>
+      <p:sp>
+        <p:nvSpPr>
+          <p:cNvPr id="28" name="Arrow: Right 27">
+            <a:extLst>
+              <a:ext uri="{FF2B5EF4-FFF2-40B4-BE49-F238E27FC236}">
+                <a16:creationId xmlns:a16="http://schemas.microsoft.com/office/drawing/2014/main" id="{21496C2C-EFEE-3E12-FB21-2770A0D96175}"/>
+              </a:ext>
+            </a:extLst>
+          </p:cNvPr>
+          <p:cNvSpPr/>
+          <p:nvPr/>
+        </p:nvSpPr>
+        <p:spPr>
+          <a:xfrm>
+            <a:off x="7731059" y="2164080"/>
+            <a:ext cx="549341" cy="263311"/>
+          </a:xfrm>
+          <a:prstGeom prst="rightArrow">
+            <a:avLst/>
+          </a:prstGeom>
+        </p:spPr>
+        <p:style>
+          <a:lnRef idx="2">
+            <a:schemeClr val="accent1">
+              <a:shade val="50000"/>
+            </a:schemeClr>
+          </a:lnRef>
+          <a:fillRef idx="1">
+            <a:schemeClr val="accent1"/>
+          </a:fillRef>
+          <a:effectRef idx="0">
+            <a:schemeClr val="accent1"/>
+          </a:effectRef>
+          <a:fontRef idx="minor">
+            <a:schemeClr val="lt1"/>
+          </a:fontRef>
+        </p:style>
+        <p:txBody>
+          <a:bodyPr rtlCol="0" anchor="ctr"/>
+          <a:lstStyle/>
+          <a:p>
+            <a:pPr algn="ctr"/>
+            <a:endParaRPr lang="en-US" dirty="0"/>
+          </a:p>
+        </p:txBody>
+      </p:sp>
+      <p:sp>
+        <p:nvSpPr>
+          <p:cNvPr id="29" name="Arrow: Right 28">
+            <a:extLst>
+              <a:ext uri="{FF2B5EF4-FFF2-40B4-BE49-F238E27FC236}">
+                <a16:creationId xmlns:a16="http://schemas.microsoft.com/office/drawing/2014/main" id="{DD06604A-D6CF-DE27-FEA0-2174D5269141}"/>
+              </a:ext>
+            </a:extLst>
+          </p:cNvPr>
+          <p:cNvSpPr/>
+          <p:nvPr/>
+        </p:nvSpPr>
+        <p:spPr>
+          <a:xfrm>
+            <a:off x="7761188" y="3446066"/>
+            <a:ext cx="549341" cy="263311"/>
+          </a:xfrm>
+          <a:prstGeom prst="rightArrow">
+            <a:avLst/>
+          </a:prstGeom>
+        </p:spPr>
+        <p:style>
+          <a:lnRef idx="2">
+            <a:schemeClr val="accent1">
+              <a:shade val="50000"/>
+            </a:schemeClr>
+          </a:lnRef>
+          <a:fillRef idx="1">
+            <a:schemeClr val="accent1"/>
+          </a:fillRef>
+          <a:effectRef idx="0">
+            <a:schemeClr val="accent1"/>
+          </a:effectRef>
+          <a:fontRef idx="minor">
+            <a:schemeClr val="lt1"/>
+          </a:fontRef>
+        </p:style>
+        <p:txBody>
+          <a:bodyPr rtlCol="0" anchor="ctr"/>
+          <a:lstStyle/>
+          <a:p>
+            <a:pPr algn="ctr"/>
+            <a:endParaRPr lang="en-US" dirty="0"/>
+          </a:p>
+        </p:txBody>
+      </p:sp>
+      <p:sp>
+        <p:nvSpPr>
+          <p:cNvPr id="30" name="Arrow: Right 29">
+            <a:extLst>
+              <a:ext uri="{FF2B5EF4-FFF2-40B4-BE49-F238E27FC236}">
+                <a16:creationId xmlns:a16="http://schemas.microsoft.com/office/drawing/2014/main" id="{C0D2F59A-A04C-EE2C-4806-2231A56BBFE1}"/>
+              </a:ext>
+            </a:extLst>
+          </p:cNvPr>
+          <p:cNvSpPr/>
+          <p:nvPr/>
+        </p:nvSpPr>
+        <p:spPr>
+          <a:xfrm>
+            <a:off x="7760837" y="4728052"/>
+            <a:ext cx="549341" cy="263311"/>
+          </a:xfrm>
+          <a:prstGeom prst="rightArrow">
+            <a:avLst/>
+          </a:prstGeom>
+        </p:spPr>
+        <p:style>
+          <a:lnRef idx="2">
+            <a:schemeClr val="accent1">
+              <a:shade val="50000"/>
+            </a:schemeClr>
+          </a:lnRef>
+          <a:fillRef idx="1">
+            <a:schemeClr val="accent1"/>
+          </a:fillRef>
+          <a:effectRef idx="0">
+            <a:schemeClr val="accent1"/>
+          </a:effectRef>
+          <a:fontRef idx="minor">
+            <a:schemeClr val="lt1"/>
+          </a:fontRef>
+        </p:style>
+        <p:txBody>
+          <a:bodyPr rtlCol="0" anchor="ctr"/>
+          <a:lstStyle/>
+          <a:p>
+            <a:pPr algn="ctr"/>
+            <a:endParaRPr lang="en-US" dirty="0"/>
+          </a:p>
+        </p:txBody>
+      </p:sp>
+      <p:cxnSp>
+        <p:nvCxnSpPr>
+          <p:cNvPr id="33" name="Straight Connector 32">
+            <a:extLst>
+              <a:ext uri="{FF2B5EF4-FFF2-40B4-BE49-F238E27FC236}">
+                <a16:creationId xmlns:a16="http://schemas.microsoft.com/office/drawing/2014/main" id="{87AB5C3A-853B-8A08-EE59-950F482F64C1}"/>
+              </a:ext>
+            </a:extLst>
+          </p:cNvPr>
+          <p:cNvCxnSpPr>
+            <a:cxnSpLocks/>
+            <a:endCxn id="12" idx="0"/>
+          </p:cNvCxnSpPr>
+          <p:nvPr/>
+        </p:nvCxnSpPr>
+        <p:spPr>
+          <a:xfrm>
+            <a:off x="8595710" y="5376041"/>
+            <a:ext cx="13489" cy="283309"/>
+          </a:xfrm>
+          <a:prstGeom prst="line">
+            <a:avLst/>
+          </a:prstGeom>
+          <a:ln w="28575"/>
+        </p:spPr>
+        <p:style>
+          <a:lnRef idx="1">
+            <a:schemeClr val="accent1"/>
+          </a:lnRef>
+          <a:fillRef idx="0">
+            <a:schemeClr val="accent1"/>
+          </a:fillRef>
+          <a:effectRef idx="0">
+            <a:schemeClr val="accent1"/>
+          </a:effectRef>
+          <a:fontRef idx="minor">
+            <a:schemeClr val="tx1"/>
+          </a:fontRef>
+        </p:style>
+      </p:cxnSp>
+      <p:cxnSp>
+        <p:nvCxnSpPr>
+          <p:cNvPr id="35" name="Straight Connector 34">
+            <a:extLst>
+              <a:ext uri="{FF2B5EF4-FFF2-40B4-BE49-F238E27FC236}">
+                <a16:creationId xmlns:a16="http://schemas.microsoft.com/office/drawing/2014/main" id="{B9417819-AE97-04E6-E642-A5F9AD9E5055}"/>
+              </a:ext>
+            </a:extLst>
+          </p:cNvPr>
+          <p:cNvCxnSpPr>
+            <a:cxnSpLocks/>
+          </p:cNvCxnSpPr>
+          <p:nvPr/>
+        </p:nvCxnSpPr>
+        <p:spPr>
+          <a:xfrm>
+            <a:off x="9467105" y="5345177"/>
+            <a:ext cx="13489" cy="283309"/>
+          </a:xfrm>
+          <a:prstGeom prst="line">
+            <a:avLst/>
+          </a:prstGeom>
+          <a:ln w="28575"/>
+        </p:spPr>
+        <p:style>
+          <a:lnRef idx="1">
+            <a:schemeClr val="accent1"/>
+          </a:lnRef>
+          <a:fillRef idx="0">
+            <a:schemeClr val="accent1"/>
+          </a:fillRef>
+          <a:effectRef idx="0">
+            <a:schemeClr val="accent1"/>
+          </a:effectRef>
+          <a:fontRef idx="minor">
+            <a:schemeClr val="tx1"/>
+          </a:fontRef>
+        </p:style>
+      </p:cxnSp>
+      <p:sp>
+        <p:nvSpPr>
+          <p:cNvPr id="36" name="TextBox 35">
+            <a:extLst>
+              <a:ext uri="{FF2B5EF4-FFF2-40B4-BE49-F238E27FC236}">
+                <a16:creationId xmlns:a16="http://schemas.microsoft.com/office/drawing/2014/main" id="{7C43C670-FB53-6746-9CF3-0B1BCA0EA53C}"/>
+              </a:ext>
+            </a:extLst>
+          </p:cNvPr>
+          <p:cNvSpPr txBox="1"/>
+          <p:nvPr/>
+        </p:nvSpPr>
+        <p:spPr>
+          <a:xfrm>
+            <a:off x="5281974" y="2818141"/>
+            <a:ext cx="1494148" cy="954107"/>
+          </a:xfrm>
+          <a:prstGeom prst="rect">
+            <a:avLst/>
+          </a:prstGeom>
+          <a:noFill/>
+        </p:spPr>
+        <p:txBody>
+          <a:bodyPr wrap="square" rtlCol="0">
+            <a:spAutoFit/>
+          </a:bodyPr>
+          <a:lstStyle/>
+          <a:p>
+            <a:pPr algn="ctr"/>
+            <a:r>
+              <a:rPr lang="en-US" sz="2800" dirty="0"/>
+              <a:t>Arduino Uno</a:t>
+            </a:r>
+          </a:p>
+        </p:txBody>
+      </p:sp>
+    </p:spTree>
+    <p:extLst>
+      <p:ext uri="{BB962C8B-B14F-4D97-AF65-F5344CB8AC3E}">
+        <p14:creationId xmlns:p14="http://schemas.microsoft.com/office/powerpoint/2010/main" val="3248452303"/>
+      </p:ext>
+    </p:extLst>
+  </p:cSld>
+  <p:clrMapOvr>
+    <a:masterClrMapping/>
+  </p:clrMapOvr>
+</p:sld>
+</file>
+
+<file path=ppt/slides/slide19.xml><?xml version="1.0" encoding="utf-8"?>
+<p:sld xmlns:a="http://schemas.openxmlformats.org/drawingml/2006/main" xmlns:r="http://schemas.openxmlformats.org/officeDocument/2006/relationships" xmlns:p="http://schemas.openxmlformats.org/presentationml/2006/main">
+  <p:cSld>
+    <p:spTree>
+      <p:nvGrpSpPr>
+        <p:cNvPr id="1" name=""/>
+        <p:cNvGrpSpPr/>
+        <p:nvPr/>
+      </p:nvGrpSpPr>
+      <p:grpSpPr>
+        <a:xfrm>
+          <a:off x="0" y="0"/>
+          <a:ext cx="0" cy="0"/>
+          <a:chOff x="0" y="0"/>
+          <a:chExt cx="0" cy="0"/>
+        </a:xfrm>
+      </p:grpSpPr>
+      <p:sp>
+        <p:nvSpPr>
+          <p:cNvPr id="4" name="TextBox 3">
+            <a:extLst>
+              <a:ext uri="{FF2B5EF4-FFF2-40B4-BE49-F238E27FC236}">
+                <a16:creationId xmlns:a16="http://schemas.microsoft.com/office/drawing/2014/main" id="{17C97D89-3979-D9EC-2F9E-F1BA5D0A9EF4}"/>
+              </a:ext>
+            </a:extLst>
+          </p:cNvPr>
+          <p:cNvSpPr txBox="1"/>
+          <p:nvPr/>
+        </p:nvSpPr>
+        <p:spPr>
+          <a:xfrm>
+            <a:off x="416560" y="675640"/>
+            <a:ext cx="4856480" cy="646331"/>
+          </a:xfrm>
+          <a:prstGeom prst="rect">
+            <a:avLst/>
+          </a:prstGeom>
+          <a:noFill/>
+        </p:spPr>
+        <p:txBody>
+          <a:bodyPr wrap="square" rtlCol="0">
+            <a:spAutoFit/>
+          </a:bodyPr>
+          <a:lstStyle/>
+          <a:p>
+            <a:r>
+              <a:rPr lang="en-US" sz="3600" b="1" dirty="0"/>
+              <a:t>Software's Used</a:t>
+            </a:r>
+          </a:p>
+        </p:txBody>
+      </p:sp>
+      <p:cxnSp>
+        <p:nvCxnSpPr>
+          <p:cNvPr id="9" name="Straight Connector 8">
+            <a:extLst>
+              <a:ext uri="{FF2B5EF4-FFF2-40B4-BE49-F238E27FC236}">
+                <a16:creationId xmlns:a16="http://schemas.microsoft.com/office/drawing/2014/main" id="{06DEB5C5-95DE-9DEC-6F84-929E462EC78F}"/>
+              </a:ext>
+            </a:extLst>
+          </p:cNvPr>
+          <p:cNvCxnSpPr>
+            <a:cxnSpLocks/>
+          </p:cNvCxnSpPr>
+          <p:nvPr/>
+        </p:nvCxnSpPr>
+        <p:spPr>
+          <a:xfrm>
+            <a:off x="335280" y="1382931"/>
+            <a:ext cx="2743200" cy="0"/>
+          </a:xfrm>
+          <a:prstGeom prst="line">
+            <a:avLst/>
+          </a:prstGeom>
+          <a:ln w="28575"/>
+          <a:effectLst>
+            <a:outerShdw blurRad="50800" dist="38100" dir="2700000" algn="tl" rotWithShape="0">
+              <a:prstClr val="black">
+                <a:alpha val="40000"/>
+              </a:prstClr>
+            </a:outerShdw>
+          </a:effectLst>
+        </p:spPr>
+        <p:style>
+          <a:lnRef idx="1">
+            <a:schemeClr val="accent1"/>
+          </a:lnRef>
+          <a:fillRef idx="0">
+            <a:schemeClr val="accent1"/>
+          </a:fillRef>
+          <a:effectRef idx="0">
+            <a:schemeClr val="accent1"/>
+          </a:effectRef>
+          <a:fontRef idx="minor">
+            <a:schemeClr val="tx1"/>
+          </a:fontRef>
+        </p:style>
+      </p:cxnSp>
+      <p:sp>
+        <p:nvSpPr>
+          <p:cNvPr id="6" name="TextBox 5">
+            <a:extLst>
+              <a:ext uri="{FF2B5EF4-FFF2-40B4-BE49-F238E27FC236}">
+                <a16:creationId xmlns:a16="http://schemas.microsoft.com/office/drawing/2014/main" id="{CF6F4F10-B955-26C4-1954-A6F002AA681F}"/>
+              </a:ext>
+            </a:extLst>
+          </p:cNvPr>
+          <p:cNvSpPr txBox="1"/>
+          <p:nvPr/>
+        </p:nvSpPr>
+        <p:spPr>
+          <a:xfrm>
+            <a:off x="812800" y="1658045"/>
+            <a:ext cx="7518400" cy="4278094"/>
+          </a:xfrm>
+          <a:prstGeom prst="rect">
+            <a:avLst/>
+          </a:prstGeom>
+          <a:noFill/>
+        </p:spPr>
+        <p:txBody>
+          <a:bodyPr wrap="square" rtlCol="0">
+            <a:spAutoFit/>
+          </a:bodyPr>
+          <a:lstStyle/>
+          <a:p>
+            <a:r>
+              <a:rPr lang="en-US" sz="2800" b="1" dirty="0"/>
+              <a:t>Arduino IDE  (1.8.X)</a:t>
+            </a:r>
+          </a:p>
+          <a:p>
+            <a:endParaRPr lang="en-US" sz="2400" dirty="0"/>
+          </a:p>
+          <a:p>
+            <a:pPr marL="342900" indent="-342900">
+              <a:buFont typeface="Arial" panose="020B0604020202020204" pitchFamily="34" charset="0"/>
+              <a:buChar char="•"/>
+            </a:pPr>
+            <a:r>
+              <a:rPr lang="en-US" sz="2200" dirty="0"/>
+              <a:t>Arduino IDE (Integrated Development Environment) is a platform used for writing, compiling, and uploading code to Arduino boards.</a:t>
+            </a:r>
+          </a:p>
+          <a:p>
+            <a:pPr marL="342900" indent="-342900">
+              <a:buFont typeface="Arial" panose="020B0604020202020204" pitchFamily="34" charset="0"/>
+              <a:buChar char="•"/>
+            </a:pPr>
+            <a:r>
+              <a:rPr lang="en-US" sz="2200" b="1" dirty="0"/>
+              <a:t>Features: </a:t>
+            </a:r>
+            <a:r>
+              <a:rPr lang="en-US" sz="2200" dirty="0"/>
+              <a:t>Simple user interface, open-source nature, supports multiple programming languages (mainly C and C++).</a:t>
+            </a:r>
+          </a:p>
+          <a:p>
+            <a:pPr marL="342900" indent="-342900">
+              <a:buFont typeface="Arial" panose="020B0604020202020204" pitchFamily="34" charset="0"/>
+              <a:buChar char="•"/>
+            </a:pPr>
+            <a:r>
+              <a:rPr lang="en-US" sz="2200" dirty="0"/>
+              <a:t>Compatibility: Works on Windows, macOS, and Linux systems.</a:t>
+            </a:r>
+          </a:p>
+          <a:p>
+            <a:pPr marL="342900" indent="-342900">
+              <a:buFont typeface="Arial" panose="020B0604020202020204" pitchFamily="34" charset="0"/>
+              <a:buChar char="•"/>
+            </a:pPr>
+            <a:r>
+              <a:rPr lang="en-US" sz="2200" dirty="0"/>
+              <a:t>Applications: Widely used for prototyping, robotics, IoT projects, and educational purposes.</a:t>
+            </a:r>
+          </a:p>
+        </p:txBody>
+      </p:sp>
+      <p:pic>
+        <p:nvPicPr>
+          <p:cNvPr id="3" name="Picture 2">
+            <a:extLst>
+              <a:ext uri="{FF2B5EF4-FFF2-40B4-BE49-F238E27FC236}">
+                <a16:creationId xmlns:a16="http://schemas.microsoft.com/office/drawing/2014/main" id="{5F53F19C-0922-3A05-83D8-D3BD7E174DCA}"/>
+              </a:ext>
+            </a:extLst>
+          </p:cNvPr>
+          <p:cNvPicPr>
+            <a:picLocks noChangeAspect="1"/>
+          </p:cNvPicPr>
+          <p:nvPr/>
+        </p:nvPicPr>
+        <p:blipFill>
+          <a:blip r:embed="rId2"/>
+          <a:stretch>
+            <a:fillRect/>
+          </a:stretch>
+        </p:blipFill>
+        <p:spPr>
+          <a:xfrm>
+            <a:off x="8331200" y="2544492"/>
+            <a:ext cx="3586480" cy="2870788"/>
+          </a:xfrm>
+          <a:prstGeom prst="rect">
+            <a:avLst/>
+          </a:prstGeom>
+        </p:spPr>
+      </p:pic>
+    </p:spTree>
+    <p:extLst>
+      <p:ext uri="{BB962C8B-B14F-4D97-AF65-F5344CB8AC3E}">
+        <p14:creationId xmlns:p14="http://schemas.microsoft.com/office/powerpoint/2010/main" val="4064463697"/>
       </p:ext>
     </p:extLst>
   </p:cSld>
@@ -9425,7 +10003,7 @@
         <p:spPr>
           <a:xfrm>
             <a:off x="416560" y="675640"/>
-            <a:ext cx="3921760" cy="646331"/>
+            <a:ext cx="4856480" cy="646331"/>
           </a:xfrm>
           <a:prstGeom prst="rect">
             <a:avLst/>
@@ -9440,7 +10018,7 @@
           <a:p>
             <a:r>
               <a:rPr lang="en-US" sz="3600" b="1" dirty="0"/>
-              <a:t>Proposed Method</a:t>
+              <a:t>Software's Used</a:t>
             </a:r>
           </a:p>
         </p:txBody>
@@ -9496,7 +10074,7 @@
           <p:cNvPr id="6" name="TextBox 5">
             <a:extLst>
               <a:ext uri="{FF2B5EF4-FFF2-40B4-BE49-F238E27FC236}">
-                <a16:creationId xmlns:a16="http://schemas.microsoft.com/office/drawing/2014/main" id="{57CC0083-6D2E-CFA0-B34B-C13C38CC22CF}"/>
+                <a16:creationId xmlns:a16="http://schemas.microsoft.com/office/drawing/2014/main" id="{CF6F4F10-B955-26C4-1954-A6F002AA681F}"/>
               </a:ext>
             </a:extLst>
           </p:cNvPr>
@@ -9505,8 +10083,8 @@
         </p:nvSpPr>
         <p:spPr>
           <a:xfrm>
-            <a:off x="822960" y="1752600"/>
-            <a:ext cx="10810240" cy="4893647"/>
+            <a:off x="812800" y="1658045"/>
+            <a:ext cx="7518400" cy="5016758"/>
           </a:xfrm>
           <a:prstGeom prst="rect">
             <a:avLst/>
@@ -9519,129 +10097,108 @@
           </a:bodyPr>
           <a:lstStyle/>
           <a:p>
-            <a:pPr marL="285750" indent="-285750">
+            <a:r>
+              <a:rPr lang="en-US" sz="2800" b="1" dirty="0"/>
+              <a:t>Proteus - ISIS</a:t>
+            </a:r>
+          </a:p>
+          <a:p>
+            <a:endParaRPr lang="en-US" sz="2800" b="1" dirty="0"/>
+          </a:p>
+          <a:p>
+            <a:pPr marL="342900" indent="-342900">
               <a:buFont typeface="Arial" panose="020B0604020202020204" pitchFamily="34" charset="0"/>
               <a:buChar char="•"/>
             </a:pPr>
             <a:r>
-              <a:rPr lang="en-US" sz="2400" dirty="0">
-                <a:latin typeface="+mj-lt"/>
-              </a:rPr>
-              <a:t>The system integrates an ultrasonic sensor mounted on a </a:t>
-            </a:r>
-            <a:r>
-              <a:rPr lang="en-US" sz="2400" b="1" dirty="0">
-                <a:latin typeface="+mj-lt"/>
-              </a:rPr>
-              <a:t>servo motor for 180° scanning</a:t>
-            </a:r>
-            <a:r>
-              <a:rPr lang="en-US" sz="2400" dirty="0">
-                <a:latin typeface="+mj-lt"/>
-              </a:rPr>
-              <a:t>, improving obstacle detection.  </a:t>
-            </a:r>
-          </a:p>
-          <a:p>
-            <a:pPr marL="285750" indent="-285750">
+              <a:rPr lang="en-US" sz="2400" dirty="0"/>
+              <a:t>Proteus ISIS (Intelligent Schematic Input System) is a tool for designing and simulating electronic circuits.</a:t>
+            </a:r>
+          </a:p>
+          <a:p>
+            <a:pPr marL="342900" indent="-342900">
               <a:buFont typeface="Arial" panose="020B0604020202020204" pitchFamily="34" charset="0"/>
               <a:buChar char="•"/>
             </a:pPr>
-            <a:endParaRPr lang="en-US" sz="2400" dirty="0">
-              <a:latin typeface="+mj-lt"/>
-            </a:endParaRPr>
-          </a:p>
-          <a:p>
-            <a:pPr marL="285750" indent="-285750">
+            <a:r>
+              <a:rPr lang="en-US" sz="2400" b="1" dirty="0"/>
+              <a:t>Features</a:t>
+            </a:r>
+            <a:r>
+              <a:rPr lang="en-US" sz="2400" dirty="0"/>
+              <a:t>: Offers a vast library of components, real-time simulation, and integration with microcontroller programming.</a:t>
+            </a:r>
+          </a:p>
+          <a:p>
+            <a:pPr marL="342900" indent="-342900">
               <a:buFont typeface="Arial" panose="020B0604020202020204" pitchFamily="34" charset="0"/>
               <a:buChar char="•"/>
             </a:pPr>
             <a:r>
-              <a:rPr lang="en-US" sz="2400" b="1" dirty="0">
-                <a:latin typeface="+mj-lt"/>
-              </a:rPr>
-              <a:t>A mean-based algorithm</a:t>
-            </a:r>
-            <a:r>
-              <a:rPr lang="en-US" sz="2400" dirty="0">
-                <a:latin typeface="+mj-lt"/>
-              </a:rPr>
-              <a:t> processes the data, reducing false positives and optimizing path selection.  </a:t>
-            </a:r>
-          </a:p>
-          <a:p>
-            <a:pPr marL="285750" indent="-285750">
+              <a:rPr lang="en-US" sz="2400" b="1" dirty="0"/>
+              <a:t>Applications</a:t>
+            </a:r>
+            <a:r>
+              <a:rPr lang="en-US" sz="2400" dirty="0"/>
+              <a:t>: Used for circuit design, testing, and educational purposes, especially in embedded systems and IoT projects.</a:t>
+            </a:r>
+          </a:p>
+          <a:p>
+            <a:pPr marL="342900" indent="-342900">
               <a:buFont typeface="Arial" panose="020B0604020202020204" pitchFamily="34" charset="0"/>
               <a:buChar char="•"/>
             </a:pPr>
-            <a:endParaRPr lang="en-US" sz="2400" dirty="0">
-              <a:latin typeface="+mj-lt"/>
-            </a:endParaRPr>
-          </a:p>
-          <a:p>
-            <a:pPr marL="285750" indent="-285750">
-              <a:buFont typeface="Arial" panose="020B0604020202020204" pitchFamily="34" charset="0"/>
-              <a:buChar char="•"/>
-            </a:pPr>
-            <a:r>
-              <a:rPr lang="en-US" sz="2400" dirty="0">
-                <a:latin typeface="+mj-lt"/>
-              </a:rPr>
-              <a:t>The </a:t>
-            </a:r>
-            <a:r>
-              <a:rPr lang="en-US" sz="2400" b="1" dirty="0">
-                <a:latin typeface="+mj-lt"/>
-              </a:rPr>
-              <a:t>L293D motor driver</a:t>
-            </a:r>
-            <a:r>
-              <a:rPr lang="en-US" sz="2400" dirty="0">
-                <a:latin typeface="+mj-lt"/>
-              </a:rPr>
-              <a:t> ensures precise control of the robot's movements. </a:t>
-            </a:r>
-          </a:p>
-          <a:p>
-            <a:endParaRPr lang="en-US" sz="2400" dirty="0">
-              <a:latin typeface="+mj-lt"/>
-            </a:endParaRPr>
-          </a:p>
-          <a:p>
-            <a:pPr marL="285750" indent="-285750">
-              <a:buFont typeface="Arial" panose="020B0604020202020204" pitchFamily="34" charset="0"/>
-              <a:buChar char="•"/>
-            </a:pPr>
-            <a:r>
-              <a:rPr lang="en-US" sz="2400" dirty="0">
-                <a:latin typeface="+mj-lt"/>
-              </a:rPr>
-              <a:t>Enhanced navigation makes it suitable for industrial, rescue, and autonomous applications.  </a:t>
-            </a:r>
-          </a:p>
-          <a:p>
-            <a:endParaRPr lang="en-US" sz="2400" dirty="0">
-              <a:latin typeface="+mj-lt"/>
-            </a:endParaRPr>
-          </a:p>
-          <a:p>
-            <a:pPr marL="285750" indent="-285750">
-              <a:buFont typeface="Arial" panose="020B0604020202020204" pitchFamily="34" charset="0"/>
-              <a:buChar char="•"/>
-            </a:pPr>
-            <a:r>
-              <a:rPr lang="en-US" sz="2400" dirty="0">
-                <a:latin typeface="+mj-lt"/>
-              </a:rPr>
-              <a:t>This approach provides better accuracy and efficiency compared to traditional systems. </a:t>
-            </a:r>
-          </a:p>
-        </p:txBody>
-      </p:sp>
+            <a:r>
+              <a:rPr lang="en-US" sz="2400" b="1" dirty="0"/>
+              <a:t>Part of Proteus Suite</a:t>
+            </a:r>
+            <a:r>
+              <a:rPr lang="en-US" sz="2400" dirty="0"/>
+              <a:t>: Bundled with ARES for PCB design, making it a comprehensive electronic design solution.</a:t>
+            </a:r>
+          </a:p>
+        </p:txBody>
+      </p:sp>
+      <p:pic>
+        <p:nvPicPr>
+          <p:cNvPr id="8" name="Picture 7">
+            <a:extLst>
+              <a:ext uri="{FF2B5EF4-FFF2-40B4-BE49-F238E27FC236}">
+                <a16:creationId xmlns:a16="http://schemas.microsoft.com/office/drawing/2014/main" id="{591DE59D-2701-722F-8319-159976C0634E}"/>
+              </a:ext>
+            </a:extLst>
+          </p:cNvPr>
+          <p:cNvPicPr>
+            <a:picLocks noChangeAspect="1"/>
+          </p:cNvPicPr>
+          <p:nvPr/>
+        </p:nvPicPr>
+        <p:blipFill>
+          <a:blip r:embed="rId2">
+            <a:extLst>
+              <a:ext uri="{28A0092B-C50C-407E-A947-70E740481C1C}">
+                <a14:useLocalDpi xmlns:a14="http://schemas.microsoft.com/office/drawing/2010/main" val="0"/>
+              </a:ext>
+            </a:extLst>
+          </a:blip>
+          <a:stretch>
+            <a:fillRect/>
+          </a:stretch>
+        </p:blipFill>
+        <p:spPr>
+          <a:xfrm>
+            <a:off x="8331200" y="2290816"/>
+            <a:ext cx="3657600" cy="3320327"/>
+          </a:xfrm>
+          <a:prstGeom prst="rect">
+            <a:avLst/>
+          </a:prstGeom>
+        </p:spPr>
+      </p:pic>
     </p:spTree>
     <p:extLst>
       <p:ext uri="{BB962C8B-B14F-4D97-AF65-F5344CB8AC3E}">
-        <p14:creationId xmlns:p14="http://schemas.microsoft.com/office/powerpoint/2010/main" val="2003600397"/>
+        <p14:creationId xmlns:p14="http://schemas.microsoft.com/office/powerpoint/2010/main" val="3056487727"/>
       </p:ext>
     </p:extLst>
   </p:cSld>
@@ -11003,6 +11560,506 @@
         </p:nvSpPr>
         <p:spPr>
           <a:xfrm>
+            <a:off x="416560" y="675640"/>
+            <a:ext cx="7081520" cy="646331"/>
+          </a:xfrm>
+          <a:prstGeom prst="rect">
+            <a:avLst/>
+          </a:prstGeom>
+          <a:noFill/>
+        </p:spPr>
+        <p:txBody>
+          <a:bodyPr wrap="square" rtlCol="0">
+            <a:spAutoFit/>
+          </a:bodyPr>
+          <a:lstStyle/>
+          <a:p>
+            <a:r>
+              <a:rPr lang="en-US" sz="3600" b="1" dirty="0"/>
+              <a:t>Existing Methods &amp; Limitations </a:t>
+            </a:r>
+          </a:p>
+        </p:txBody>
+      </p:sp>
+      <p:cxnSp>
+        <p:nvCxnSpPr>
+          <p:cNvPr id="9" name="Straight Connector 8">
+            <a:extLst>
+              <a:ext uri="{FF2B5EF4-FFF2-40B4-BE49-F238E27FC236}">
+                <a16:creationId xmlns:a16="http://schemas.microsoft.com/office/drawing/2014/main" id="{06DEB5C5-95DE-9DEC-6F84-929E462EC78F}"/>
+              </a:ext>
+            </a:extLst>
+          </p:cNvPr>
+          <p:cNvCxnSpPr>
+            <a:cxnSpLocks/>
+          </p:cNvCxnSpPr>
+          <p:nvPr/>
+        </p:nvCxnSpPr>
+        <p:spPr>
+          <a:xfrm>
+            <a:off x="335280" y="1382931"/>
+            <a:ext cx="2743200" cy="0"/>
+          </a:xfrm>
+          <a:prstGeom prst="line">
+            <a:avLst/>
+          </a:prstGeom>
+          <a:ln w="28575"/>
+          <a:effectLst>
+            <a:outerShdw blurRad="50800" dist="38100" dir="2700000" algn="tl" rotWithShape="0">
+              <a:prstClr val="black">
+                <a:alpha val="40000"/>
+              </a:prstClr>
+            </a:outerShdw>
+          </a:effectLst>
+        </p:spPr>
+        <p:style>
+          <a:lnRef idx="1">
+            <a:schemeClr val="accent1"/>
+          </a:lnRef>
+          <a:fillRef idx="0">
+            <a:schemeClr val="accent1"/>
+          </a:fillRef>
+          <a:effectRef idx="0">
+            <a:schemeClr val="accent1"/>
+          </a:effectRef>
+          <a:fontRef idx="minor">
+            <a:schemeClr val="tx1"/>
+          </a:fontRef>
+        </p:style>
+      </p:cxnSp>
+      <p:sp>
+        <p:nvSpPr>
+          <p:cNvPr id="6" name="TextBox 5">
+            <a:extLst>
+              <a:ext uri="{FF2B5EF4-FFF2-40B4-BE49-F238E27FC236}">
+                <a16:creationId xmlns:a16="http://schemas.microsoft.com/office/drawing/2014/main" id="{57CC0083-6D2E-CFA0-B34B-C13C38CC22CF}"/>
+              </a:ext>
+            </a:extLst>
+          </p:cNvPr>
+          <p:cNvSpPr txBox="1"/>
+          <p:nvPr/>
+        </p:nvSpPr>
+        <p:spPr>
+          <a:xfrm>
+            <a:off x="721360" y="1752600"/>
+            <a:ext cx="10911840" cy="3416320"/>
+          </a:xfrm>
+          <a:prstGeom prst="rect">
+            <a:avLst/>
+          </a:prstGeom>
+          <a:noFill/>
+        </p:spPr>
+        <p:txBody>
+          <a:bodyPr wrap="square" rtlCol="0">
+            <a:spAutoFit/>
+          </a:bodyPr>
+          <a:lstStyle/>
+          <a:p>
+            <a:pPr marL="285750" indent="-285750">
+              <a:buFont typeface="Arial" panose="020B0604020202020204" pitchFamily="34" charset="0"/>
+              <a:buChar char="•"/>
+            </a:pPr>
+            <a:r>
+              <a:rPr lang="en-US" sz="2400" b="1" dirty="0">
+                <a:latin typeface="+mj-lt"/>
+              </a:rPr>
+              <a:t>Static ultrasonic sensors</a:t>
+            </a:r>
+            <a:r>
+              <a:rPr lang="en-US" sz="2400" dirty="0">
+                <a:latin typeface="+mj-lt"/>
+              </a:rPr>
+              <a:t> provide monodirectional obstacle detection, leading to </a:t>
+            </a:r>
+            <a:r>
+              <a:rPr lang="en-US" sz="2400" b="1" dirty="0">
+                <a:latin typeface="+mj-lt"/>
+              </a:rPr>
+              <a:t>blind spots</a:t>
+            </a:r>
+            <a:r>
+              <a:rPr lang="en-US" sz="2400" dirty="0">
+                <a:latin typeface="+mj-lt"/>
+              </a:rPr>
+              <a:t> and inefficiencies in complex environments.</a:t>
+            </a:r>
+            <a:br>
+              <a:rPr lang="en-US" sz="2400" dirty="0">
+                <a:latin typeface="+mj-lt"/>
+              </a:rPr>
+            </a:br>
+            <a:endParaRPr lang="en-US" sz="2400" dirty="0">
+              <a:latin typeface="+mj-lt"/>
+            </a:endParaRPr>
+          </a:p>
+          <a:p>
+            <a:pPr marL="285750" indent="-285750">
+              <a:buFont typeface="Arial" panose="020B0604020202020204" pitchFamily="34" charset="0"/>
+              <a:buChar char="•"/>
+            </a:pPr>
+            <a:r>
+              <a:rPr lang="en-US" sz="2400" dirty="0">
+                <a:latin typeface="+mj-lt"/>
+              </a:rPr>
+              <a:t>Signal reflections cause inaccurate readings, requiring </a:t>
+            </a:r>
+            <a:r>
+              <a:rPr lang="en-US" sz="2400" b="1" dirty="0">
+                <a:latin typeface="+mj-lt"/>
+              </a:rPr>
+              <a:t>frequent path recalculations</a:t>
+            </a:r>
+            <a:br>
+              <a:rPr lang="en-US" sz="2400" dirty="0">
+                <a:latin typeface="+mj-lt"/>
+              </a:rPr>
+            </a:br>
+            <a:endParaRPr lang="en-US" sz="2400" dirty="0">
+              <a:latin typeface="+mj-lt"/>
+            </a:endParaRPr>
+          </a:p>
+          <a:p>
+            <a:pPr marL="285750" indent="-285750">
+              <a:buFont typeface="Arial" panose="020B0604020202020204" pitchFamily="34" charset="0"/>
+              <a:buChar char="•"/>
+            </a:pPr>
+            <a:r>
+              <a:rPr lang="en-US" sz="2400" b="1" dirty="0">
+                <a:latin typeface="+mj-lt"/>
+              </a:rPr>
+              <a:t>Lack of servo motor-driven</a:t>
+            </a:r>
+            <a:r>
+              <a:rPr lang="en-US" sz="2400" dirty="0">
+                <a:latin typeface="+mj-lt"/>
+              </a:rPr>
+              <a:t> scanning limits adaptive obstacle detection capabilities.</a:t>
+            </a:r>
+            <a:br>
+              <a:rPr lang="en-US" sz="2400" dirty="0">
+                <a:latin typeface="+mj-lt"/>
+              </a:rPr>
+            </a:br>
+            <a:endParaRPr lang="en-US" sz="2400" dirty="0">
+              <a:latin typeface="+mj-lt"/>
+            </a:endParaRPr>
+          </a:p>
+          <a:p>
+            <a:pPr marL="285750" indent="-285750">
+              <a:buFont typeface="Arial" panose="020B0604020202020204" pitchFamily="34" charset="0"/>
+              <a:buChar char="•"/>
+            </a:pPr>
+            <a:r>
+              <a:rPr lang="en-US" sz="2400" dirty="0">
+                <a:latin typeface="+mj-lt"/>
+              </a:rPr>
+              <a:t>Absence of motor control mechanisms (e.g., L293D driver) results in imprecise movement and inefficient navigation.</a:t>
+            </a:r>
+          </a:p>
+        </p:txBody>
+      </p:sp>
+    </p:spTree>
+    <p:extLst>
+      <p:ext uri="{BB962C8B-B14F-4D97-AF65-F5344CB8AC3E}">
+        <p14:creationId xmlns:p14="http://schemas.microsoft.com/office/powerpoint/2010/main" val="3800121739"/>
+      </p:ext>
+    </p:extLst>
+  </p:cSld>
+  <p:clrMapOvr>
+    <a:masterClrMapping/>
+  </p:clrMapOvr>
+</p:sld>
+</file>
+
+<file path=ppt/slides/slide8.xml><?xml version="1.0" encoding="utf-8"?>
+<p:sld xmlns:a="http://schemas.openxmlformats.org/drawingml/2006/main" xmlns:r="http://schemas.openxmlformats.org/officeDocument/2006/relationships" xmlns:p="http://schemas.openxmlformats.org/presentationml/2006/main">
+  <p:cSld>
+    <p:spTree>
+      <p:nvGrpSpPr>
+        <p:cNvPr id="1" name=""/>
+        <p:cNvGrpSpPr/>
+        <p:nvPr/>
+      </p:nvGrpSpPr>
+      <p:grpSpPr>
+        <a:xfrm>
+          <a:off x="0" y="0"/>
+          <a:ext cx="0" cy="0"/>
+          <a:chOff x="0" y="0"/>
+          <a:chExt cx="0" cy="0"/>
+        </a:xfrm>
+      </p:grpSpPr>
+      <p:sp>
+        <p:nvSpPr>
+          <p:cNvPr id="4" name="TextBox 3">
+            <a:extLst>
+              <a:ext uri="{FF2B5EF4-FFF2-40B4-BE49-F238E27FC236}">
+                <a16:creationId xmlns:a16="http://schemas.microsoft.com/office/drawing/2014/main" id="{17C97D89-3979-D9EC-2F9E-F1BA5D0A9EF4}"/>
+              </a:ext>
+            </a:extLst>
+          </p:cNvPr>
+          <p:cNvSpPr txBox="1"/>
+          <p:nvPr/>
+        </p:nvSpPr>
+        <p:spPr>
+          <a:xfrm>
+            <a:off x="416560" y="675640"/>
+            <a:ext cx="3921760" cy="646331"/>
+          </a:xfrm>
+          <a:prstGeom prst="rect">
+            <a:avLst/>
+          </a:prstGeom>
+          <a:noFill/>
+        </p:spPr>
+        <p:txBody>
+          <a:bodyPr wrap="square" rtlCol="0">
+            <a:spAutoFit/>
+          </a:bodyPr>
+          <a:lstStyle/>
+          <a:p>
+            <a:r>
+              <a:rPr lang="en-US" sz="3600" b="1" dirty="0"/>
+              <a:t>Proposed Method</a:t>
+            </a:r>
+          </a:p>
+        </p:txBody>
+      </p:sp>
+      <p:cxnSp>
+        <p:nvCxnSpPr>
+          <p:cNvPr id="9" name="Straight Connector 8">
+            <a:extLst>
+              <a:ext uri="{FF2B5EF4-FFF2-40B4-BE49-F238E27FC236}">
+                <a16:creationId xmlns:a16="http://schemas.microsoft.com/office/drawing/2014/main" id="{06DEB5C5-95DE-9DEC-6F84-929E462EC78F}"/>
+              </a:ext>
+            </a:extLst>
+          </p:cNvPr>
+          <p:cNvCxnSpPr>
+            <a:cxnSpLocks/>
+          </p:cNvCxnSpPr>
+          <p:nvPr/>
+        </p:nvCxnSpPr>
+        <p:spPr>
+          <a:xfrm>
+            <a:off x="335280" y="1382931"/>
+            <a:ext cx="2743200" cy="0"/>
+          </a:xfrm>
+          <a:prstGeom prst="line">
+            <a:avLst/>
+          </a:prstGeom>
+          <a:ln w="28575"/>
+          <a:effectLst>
+            <a:outerShdw blurRad="50800" dist="38100" dir="2700000" algn="tl" rotWithShape="0">
+              <a:prstClr val="black">
+                <a:alpha val="40000"/>
+              </a:prstClr>
+            </a:outerShdw>
+          </a:effectLst>
+        </p:spPr>
+        <p:style>
+          <a:lnRef idx="1">
+            <a:schemeClr val="accent1"/>
+          </a:lnRef>
+          <a:fillRef idx="0">
+            <a:schemeClr val="accent1"/>
+          </a:fillRef>
+          <a:effectRef idx="0">
+            <a:schemeClr val="accent1"/>
+          </a:effectRef>
+          <a:fontRef idx="minor">
+            <a:schemeClr val="tx1"/>
+          </a:fontRef>
+        </p:style>
+      </p:cxnSp>
+      <p:sp>
+        <p:nvSpPr>
+          <p:cNvPr id="6" name="TextBox 5">
+            <a:extLst>
+              <a:ext uri="{FF2B5EF4-FFF2-40B4-BE49-F238E27FC236}">
+                <a16:creationId xmlns:a16="http://schemas.microsoft.com/office/drawing/2014/main" id="{57CC0083-6D2E-CFA0-B34B-C13C38CC22CF}"/>
+              </a:ext>
+            </a:extLst>
+          </p:cNvPr>
+          <p:cNvSpPr txBox="1"/>
+          <p:nvPr/>
+        </p:nvSpPr>
+        <p:spPr>
+          <a:xfrm>
+            <a:off x="822960" y="1752600"/>
+            <a:ext cx="10810240" cy="4893647"/>
+          </a:xfrm>
+          <a:prstGeom prst="rect">
+            <a:avLst/>
+          </a:prstGeom>
+          <a:noFill/>
+        </p:spPr>
+        <p:txBody>
+          <a:bodyPr wrap="square" rtlCol="0">
+            <a:spAutoFit/>
+          </a:bodyPr>
+          <a:lstStyle/>
+          <a:p>
+            <a:pPr marL="285750" indent="-285750">
+              <a:buFont typeface="Arial" panose="020B0604020202020204" pitchFamily="34" charset="0"/>
+              <a:buChar char="•"/>
+            </a:pPr>
+            <a:r>
+              <a:rPr lang="en-US" sz="2400" dirty="0">
+                <a:latin typeface="+mj-lt"/>
+              </a:rPr>
+              <a:t>The system integrates an ultrasonic sensor mounted on a </a:t>
+            </a:r>
+            <a:r>
+              <a:rPr lang="en-US" sz="2400" b="1" dirty="0">
+                <a:latin typeface="+mj-lt"/>
+              </a:rPr>
+              <a:t>servo motor for 180° scanning</a:t>
+            </a:r>
+            <a:r>
+              <a:rPr lang="en-US" sz="2400" dirty="0">
+                <a:latin typeface="+mj-lt"/>
+              </a:rPr>
+              <a:t>, improving obstacle detection.  </a:t>
+            </a:r>
+          </a:p>
+          <a:p>
+            <a:pPr marL="285750" indent="-285750">
+              <a:buFont typeface="Arial" panose="020B0604020202020204" pitchFamily="34" charset="0"/>
+              <a:buChar char="•"/>
+            </a:pPr>
+            <a:endParaRPr lang="en-US" sz="2400" dirty="0">
+              <a:latin typeface="+mj-lt"/>
+            </a:endParaRPr>
+          </a:p>
+          <a:p>
+            <a:pPr marL="285750" indent="-285750">
+              <a:buFont typeface="Arial" panose="020B0604020202020204" pitchFamily="34" charset="0"/>
+              <a:buChar char="•"/>
+            </a:pPr>
+            <a:r>
+              <a:rPr lang="en-US" sz="2400" b="1" dirty="0">
+                <a:latin typeface="+mj-lt"/>
+              </a:rPr>
+              <a:t>A mean-based algorithm</a:t>
+            </a:r>
+            <a:r>
+              <a:rPr lang="en-US" sz="2400" dirty="0">
+                <a:latin typeface="+mj-lt"/>
+              </a:rPr>
+              <a:t> processes the data, reducing false positives and optimizing path selection.  </a:t>
+            </a:r>
+          </a:p>
+          <a:p>
+            <a:pPr marL="285750" indent="-285750">
+              <a:buFont typeface="Arial" panose="020B0604020202020204" pitchFamily="34" charset="0"/>
+              <a:buChar char="•"/>
+            </a:pPr>
+            <a:endParaRPr lang="en-US" sz="2400" dirty="0">
+              <a:latin typeface="+mj-lt"/>
+            </a:endParaRPr>
+          </a:p>
+          <a:p>
+            <a:pPr marL="285750" indent="-285750">
+              <a:buFont typeface="Arial" panose="020B0604020202020204" pitchFamily="34" charset="0"/>
+              <a:buChar char="•"/>
+            </a:pPr>
+            <a:r>
+              <a:rPr lang="en-US" sz="2400" dirty="0">
+                <a:latin typeface="+mj-lt"/>
+              </a:rPr>
+              <a:t>The </a:t>
+            </a:r>
+            <a:r>
+              <a:rPr lang="en-US" sz="2400" b="1" dirty="0">
+                <a:latin typeface="+mj-lt"/>
+              </a:rPr>
+              <a:t>L293D motor driver</a:t>
+            </a:r>
+            <a:r>
+              <a:rPr lang="en-US" sz="2400" dirty="0">
+                <a:latin typeface="+mj-lt"/>
+              </a:rPr>
+              <a:t> ensures precise control of the robot's movements. </a:t>
+            </a:r>
+          </a:p>
+          <a:p>
+            <a:endParaRPr lang="en-US" sz="2400" dirty="0">
+              <a:latin typeface="+mj-lt"/>
+            </a:endParaRPr>
+          </a:p>
+          <a:p>
+            <a:pPr marL="285750" indent="-285750">
+              <a:buFont typeface="Arial" panose="020B0604020202020204" pitchFamily="34" charset="0"/>
+              <a:buChar char="•"/>
+            </a:pPr>
+            <a:r>
+              <a:rPr lang="en-US" sz="2400" dirty="0">
+                <a:latin typeface="+mj-lt"/>
+              </a:rPr>
+              <a:t>Enhanced navigation makes it suitable for industrial, rescue, and autonomous applications.  </a:t>
+            </a:r>
+          </a:p>
+          <a:p>
+            <a:endParaRPr lang="en-US" sz="2400" dirty="0">
+              <a:latin typeface="+mj-lt"/>
+            </a:endParaRPr>
+          </a:p>
+          <a:p>
+            <a:pPr marL="285750" indent="-285750">
+              <a:buFont typeface="Arial" panose="020B0604020202020204" pitchFamily="34" charset="0"/>
+              <a:buChar char="•"/>
+            </a:pPr>
+            <a:r>
+              <a:rPr lang="en-US" sz="2400" dirty="0">
+                <a:latin typeface="+mj-lt"/>
+              </a:rPr>
+              <a:t>This approach provides better accuracy and efficiency compared to traditional systems. </a:t>
+            </a:r>
+          </a:p>
+        </p:txBody>
+      </p:sp>
+    </p:spTree>
+    <p:extLst>
+      <p:ext uri="{BB962C8B-B14F-4D97-AF65-F5344CB8AC3E}">
+        <p14:creationId xmlns:p14="http://schemas.microsoft.com/office/powerpoint/2010/main" val="2003600397"/>
+      </p:ext>
+    </p:extLst>
+  </p:cSld>
+  <p:clrMapOvr>
+    <a:masterClrMapping/>
+  </p:clrMapOvr>
+</p:sld>
+</file>
+
+<file path=ppt/slides/slide9.xml><?xml version="1.0" encoding="utf-8"?>
+<p:sld xmlns:a="http://schemas.openxmlformats.org/drawingml/2006/main" xmlns:r="http://schemas.openxmlformats.org/officeDocument/2006/relationships" xmlns:p="http://schemas.openxmlformats.org/presentationml/2006/main">
+  <p:cSld>
+    <p:spTree>
+      <p:nvGrpSpPr>
+        <p:cNvPr id="1" name=""/>
+        <p:cNvGrpSpPr/>
+        <p:nvPr/>
+      </p:nvGrpSpPr>
+      <p:grpSpPr>
+        <a:xfrm>
+          <a:off x="0" y="0"/>
+          <a:ext cx="0" cy="0"/>
+          <a:chOff x="0" y="0"/>
+          <a:chExt cx="0" cy="0"/>
+        </a:xfrm>
+      </p:grpSpPr>
+      <p:sp>
+        <p:nvSpPr>
+          <p:cNvPr id="4" name="TextBox 3">
+            <a:extLst>
+              <a:ext uri="{FF2B5EF4-FFF2-40B4-BE49-F238E27FC236}">
+                <a16:creationId xmlns:a16="http://schemas.microsoft.com/office/drawing/2014/main" id="{17C97D89-3979-D9EC-2F9E-F1BA5D0A9EF4}"/>
+              </a:ext>
+            </a:extLst>
+          </p:cNvPr>
+          <p:cNvSpPr txBox="1"/>
+          <p:nvPr/>
+        </p:nvSpPr>
+        <p:spPr>
+          <a:xfrm>
             <a:off x="436880" y="675640"/>
             <a:ext cx="4856480" cy="646331"/>
           </a:xfrm>
@@ -11187,628 +12244,6 @@
     <p:extLst>
       <p:ext uri="{BB962C8B-B14F-4D97-AF65-F5344CB8AC3E}">
         <p14:creationId xmlns:p14="http://schemas.microsoft.com/office/powerpoint/2010/main" val="761136724"/>
-      </p:ext>
-    </p:extLst>
-  </p:cSld>
-  <p:clrMapOvr>
-    <a:masterClrMapping/>
-  </p:clrMapOvr>
-</p:sld>
-</file>
-
-<file path=ppt/slides/slide8.xml><?xml version="1.0" encoding="utf-8"?>
-<p:sld xmlns:a="http://schemas.openxmlformats.org/drawingml/2006/main" xmlns:r="http://schemas.openxmlformats.org/officeDocument/2006/relationships" xmlns:p="http://schemas.openxmlformats.org/presentationml/2006/main">
-  <p:cSld>
-    <p:spTree>
-      <p:nvGrpSpPr>
-        <p:cNvPr id="1" name=""/>
-        <p:cNvGrpSpPr/>
-        <p:nvPr/>
-      </p:nvGrpSpPr>
-      <p:grpSpPr>
-        <a:xfrm>
-          <a:off x="0" y="0"/>
-          <a:ext cx="0" cy="0"/>
-          <a:chOff x="0" y="0"/>
-          <a:chExt cx="0" cy="0"/>
-        </a:xfrm>
-      </p:grpSpPr>
-      <p:sp>
-        <p:nvSpPr>
-          <p:cNvPr id="4" name="TextBox 3">
-            <a:extLst>
-              <a:ext uri="{FF2B5EF4-FFF2-40B4-BE49-F238E27FC236}">
-                <a16:creationId xmlns:a16="http://schemas.microsoft.com/office/drawing/2014/main" id="{17C97D89-3979-D9EC-2F9E-F1BA5D0A9EF4}"/>
-              </a:ext>
-            </a:extLst>
-          </p:cNvPr>
-          <p:cNvSpPr txBox="1"/>
-          <p:nvPr/>
-        </p:nvSpPr>
-        <p:spPr>
-          <a:xfrm>
-            <a:off x="436880" y="675640"/>
-            <a:ext cx="4856480" cy="646331"/>
-          </a:xfrm>
-          <a:prstGeom prst="rect">
-            <a:avLst/>
-          </a:prstGeom>
-          <a:noFill/>
-        </p:spPr>
-        <p:txBody>
-          <a:bodyPr wrap="square" rtlCol="0">
-            <a:spAutoFit/>
-          </a:bodyPr>
-          <a:lstStyle/>
-          <a:p>
-            <a:r>
-              <a:rPr lang="en-US" sz="3600" b="1" dirty="0"/>
-              <a:t>System Components </a:t>
-            </a:r>
-          </a:p>
-        </p:txBody>
-      </p:sp>
-      <p:cxnSp>
-        <p:nvCxnSpPr>
-          <p:cNvPr id="9" name="Straight Connector 8">
-            <a:extLst>
-              <a:ext uri="{FF2B5EF4-FFF2-40B4-BE49-F238E27FC236}">
-                <a16:creationId xmlns:a16="http://schemas.microsoft.com/office/drawing/2014/main" id="{06DEB5C5-95DE-9DEC-6F84-929E462EC78F}"/>
-              </a:ext>
-            </a:extLst>
-          </p:cNvPr>
-          <p:cNvCxnSpPr>
-            <a:cxnSpLocks/>
-          </p:cNvCxnSpPr>
-          <p:nvPr/>
-        </p:nvCxnSpPr>
-        <p:spPr>
-          <a:xfrm>
-            <a:off x="355600" y="1382931"/>
-            <a:ext cx="2743200" cy="0"/>
-          </a:xfrm>
-          <a:prstGeom prst="line">
-            <a:avLst/>
-          </a:prstGeom>
-          <a:ln w="28575"/>
-          <a:effectLst>
-            <a:outerShdw blurRad="50800" dist="38100" dir="2700000" algn="tl" rotWithShape="0">
-              <a:prstClr val="black">
-                <a:alpha val="40000"/>
-              </a:prstClr>
-            </a:outerShdw>
-          </a:effectLst>
-        </p:spPr>
-        <p:style>
-          <a:lnRef idx="1">
-            <a:schemeClr val="accent1"/>
-          </a:lnRef>
-          <a:fillRef idx="0">
-            <a:schemeClr val="accent1"/>
-          </a:fillRef>
-          <a:effectRef idx="0">
-            <a:schemeClr val="accent1"/>
-          </a:effectRef>
-          <a:fontRef idx="minor">
-            <a:schemeClr val="tx1"/>
-          </a:fontRef>
-        </p:style>
-      </p:cxnSp>
-      <p:sp>
-        <p:nvSpPr>
-          <p:cNvPr id="10" name="TextBox 9">
-            <a:extLst>
-              <a:ext uri="{FF2B5EF4-FFF2-40B4-BE49-F238E27FC236}">
-                <a16:creationId xmlns:a16="http://schemas.microsoft.com/office/drawing/2014/main" id="{603D59D7-9A28-C65D-5390-DFAD2739FC7B}"/>
-              </a:ext>
-            </a:extLst>
-          </p:cNvPr>
-          <p:cNvSpPr txBox="1"/>
-          <p:nvPr/>
-        </p:nvSpPr>
-        <p:spPr>
-          <a:xfrm>
-            <a:off x="695960" y="1577955"/>
-            <a:ext cx="3418840" cy="584775"/>
-          </a:xfrm>
-          <a:prstGeom prst="rect">
-            <a:avLst/>
-          </a:prstGeom>
-          <a:noFill/>
-        </p:spPr>
-        <p:txBody>
-          <a:bodyPr wrap="square" rtlCol="0">
-            <a:spAutoFit/>
-          </a:bodyPr>
-          <a:lstStyle/>
-          <a:p>
-            <a:r>
-              <a:rPr lang="en-US" sz="3200" b="1" dirty="0">
-                <a:latin typeface="+mj-lt"/>
-              </a:rPr>
-              <a:t>1. </a:t>
-            </a:r>
-            <a:r>
-              <a:rPr lang="en-US" sz="3200" b="1" dirty="0"/>
-              <a:t>Arduino Uno</a:t>
-            </a:r>
-          </a:p>
-        </p:txBody>
-      </p:sp>
-      <p:pic>
-        <p:nvPicPr>
-          <p:cNvPr id="1026" name="Picture 2" descr="Inside the Arduino UNO Board: A Comprehensive Tour">
-            <a:extLst>
-              <a:ext uri="{FF2B5EF4-FFF2-40B4-BE49-F238E27FC236}">
-                <a16:creationId xmlns:a16="http://schemas.microsoft.com/office/drawing/2014/main" id="{E0A45467-1F54-FC62-68AE-1C33F20CB071}"/>
-              </a:ext>
-            </a:extLst>
-          </p:cNvPr>
-          <p:cNvPicPr>
-            <a:picLocks noChangeAspect="1" noChangeArrowheads="1"/>
-          </p:cNvPicPr>
-          <p:nvPr/>
-        </p:nvPicPr>
-        <p:blipFill rotWithShape="1">
-          <a:blip r:embed="rId2">
-            <a:extLst>
-              <a:ext uri="{28A0092B-C50C-407E-A947-70E740481C1C}">
-                <a14:useLocalDpi xmlns:a14="http://schemas.microsoft.com/office/drawing/2010/main" val="0"/>
-              </a:ext>
-            </a:extLst>
-          </a:blip>
-          <a:srcRect l="5113" r="4982"/>
-          <a:stretch/>
-        </p:blipFill>
-        <p:spPr bwMode="auto">
-          <a:xfrm rot="5400000">
-            <a:off x="7124703" y="1592580"/>
-            <a:ext cx="5359394" cy="3901440"/>
-          </a:xfrm>
-          <a:prstGeom prst="rect">
-            <a:avLst/>
-          </a:prstGeom>
-          <a:noFill/>
-          <a:extLst>
-            <a:ext uri="{909E8E84-426E-40DD-AFC4-6F175D3DCCD1}">
-              <a14:hiddenFill xmlns:a14="http://schemas.microsoft.com/office/drawing/2010/main">
-                <a:solidFill>
-                  <a:srgbClr val="FFFFFF"/>
-                </a:solidFill>
-              </a14:hiddenFill>
-            </a:ext>
-          </a:extLst>
-        </p:spPr>
-      </p:pic>
-      <p:sp>
-        <p:nvSpPr>
-          <p:cNvPr id="2" name="TextBox 1">
-            <a:extLst>
-              <a:ext uri="{FF2B5EF4-FFF2-40B4-BE49-F238E27FC236}">
-                <a16:creationId xmlns:a16="http://schemas.microsoft.com/office/drawing/2014/main" id="{84A99BB0-8516-FF75-3D0E-B43E9E776D45}"/>
-              </a:ext>
-            </a:extLst>
-          </p:cNvPr>
-          <p:cNvSpPr txBox="1"/>
-          <p:nvPr/>
-        </p:nvSpPr>
-        <p:spPr>
-          <a:xfrm>
-            <a:off x="1127760" y="2357753"/>
-            <a:ext cx="6116320" cy="4062651"/>
-          </a:xfrm>
-          <a:prstGeom prst="rect">
-            <a:avLst/>
-          </a:prstGeom>
-          <a:noFill/>
-        </p:spPr>
-        <p:txBody>
-          <a:bodyPr wrap="square" rtlCol="0">
-            <a:spAutoFit/>
-          </a:bodyPr>
-          <a:lstStyle/>
-          <a:p>
-            <a:pPr marL="285750" indent="-285750">
-              <a:buFont typeface="Arial" panose="020B0604020202020204" pitchFamily="34" charset="0"/>
-              <a:buChar char="•"/>
-            </a:pPr>
-            <a:r>
-              <a:rPr lang="en-US" sz="2400" dirty="0"/>
-              <a:t>Digital Pins (D</a:t>
-            </a:r>
-            <a:r>
-              <a:rPr lang="en-US" sz="2400" baseline="-25000" dirty="0"/>
-              <a:t>0</a:t>
-            </a:r>
-            <a:r>
-              <a:rPr lang="en-US" sz="2400" dirty="0"/>
-              <a:t> – D</a:t>
-            </a:r>
-            <a:r>
-              <a:rPr lang="en-US" sz="2400" baseline="-25000" dirty="0"/>
-              <a:t>13</a:t>
-            </a:r>
-            <a:r>
-              <a:rPr lang="en-US" sz="2400" dirty="0"/>
-              <a:t>)</a:t>
-            </a:r>
-          </a:p>
-          <a:p>
-            <a:pPr marL="285750" indent="-285750">
-              <a:lnSpc>
-                <a:spcPct val="150000"/>
-              </a:lnSpc>
-              <a:buFont typeface="Arial" panose="020B0604020202020204" pitchFamily="34" charset="0"/>
-              <a:buChar char="•"/>
-            </a:pPr>
-            <a:r>
-              <a:rPr lang="en-US" sz="2400" dirty="0"/>
-              <a:t>Analog Pins (A</a:t>
-            </a:r>
-            <a:r>
-              <a:rPr lang="en-US" sz="2400" baseline="-25000" dirty="0"/>
-              <a:t>0</a:t>
-            </a:r>
-            <a:r>
-              <a:rPr lang="en-US" sz="2400" dirty="0"/>
-              <a:t> – A</a:t>
-            </a:r>
-            <a:r>
-              <a:rPr lang="en-US" sz="2400" baseline="-25000" dirty="0"/>
-              <a:t>5</a:t>
-            </a:r>
-            <a:r>
-              <a:rPr lang="en-US" sz="2400" dirty="0"/>
-              <a:t>)</a:t>
-            </a:r>
-          </a:p>
-          <a:p>
-            <a:pPr marL="285750" indent="-285750">
-              <a:lnSpc>
-                <a:spcPct val="150000"/>
-              </a:lnSpc>
-              <a:buFont typeface="Arial" panose="020B0604020202020204" pitchFamily="34" charset="0"/>
-              <a:buChar char="•"/>
-            </a:pPr>
-            <a:r>
-              <a:rPr lang="en-US" sz="2400" dirty="0"/>
-              <a:t>Power pins</a:t>
-            </a:r>
-          </a:p>
-          <a:p>
-            <a:pPr marL="742950" lvl="1" indent="-285750">
-              <a:lnSpc>
-                <a:spcPct val="150000"/>
-              </a:lnSpc>
-              <a:buFont typeface="Arial" panose="020B0604020202020204" pitchFamily="34" charset="0"/>
-              <a:buChar char="•"/>
-            </a:pPr>
-            <a:r>
-              <a:rPr lang="en-US" sz="2400" dirty="0"/>
-              <a:t>V</a:t>
-            </a:r>
-            <a:r>
-              <a:rPr lang="en-US" sz="2400" baseline="-25000" dirty="0"/>
-              <a:t>in </a:t>
-            </a:r>
-            <a:r>
-              <a:rPr lang="en-US" sz="2400" dirty="0"/>
-              <a:t> , 3.3v,5v,ioref,reset</a:t>
-            </a:r>
-            <a:endParaRPr lang="en-US" sz="2400" baseline="-25000" dirty="0"/>
-          </a:p>
-          <a:p>
-            <a:pPr marL="285750" indent="-285750">
-              <a:lnSpc>
-                <a:spcPct val="150000"/>
-              </a:lnSpc>
-              <a:buFont typeface="Arial" panose="020B0604020202020204" pitchFamily="34" charset="0"/>
-              <a:buChar char="•"/>
-            </a:pPr>
-            <a:r>
-              <a:rPr lang="en-US" sz="2400" dirty="0"/>
-              <a:t>Processor: Atmega328P</a:t>
-            </a:r>
-          </a:p>
-          <a:p>
-            <a:pPr marL="285750" indent="-285750">
-              <a:lnSpc>
-                <a:spcPct val="150000"/>
-              </a:lnSpc>
-              <a:buFont typeface="Arial" panose="020B0604020202020204" pitchFamily="34" charset="0"/>
-              <a:buChar char="•"/>
-            </a:pPr>
-            <a:r>
-              <a:rPr lang="en-US" sz="2400" dirty="0"/>
-              <a:t>PWM pins: 3,5,6 , 9,10,11</a:t>
-            </a:r>
-          </a:p>
-          <a:p>
-            <a:pPr marL="285750" indent="-285750">
-              <a:lnSpc>
-                <a:spcPct val="150000"/>
-              </a:lnSpc>
-              <a:buFont typeface="Arial" panose="020B0604020202020204" pitchFamily="34" charset="0"/>
-              <a:buChar char="•"/>
-            </a:pPr>
-            <a:r>
-              <a:rPr lang="en-US" sz="2400" dirty="0"/>
-              <a:t>UART PINS: D</a:t>
-            </a:r>
-            <a:r>
-              <a:rPr lang="en-US" sz="2400" baseline="-25000" dirty="0"/>
-              <a:t>0</a:t>
-            </a:r>
-            <a:r>
-              <a:rPr lang="en-US" sz="2400" dirty="0"/>
-              <a:t>,D</a:t>
-            </a:r>
-            <a:r>
-              <a:rPr lang="en-US" sz="2400" baseline="-25000" dirty="0"/>
-              <a:t>1</a:t>
-            </a:r>
-          </a:p>
-          <a:p>
-            <a:pPr marL="285750" indent="-285750">
-              <a:buFont typeface="Arial" panose="020B0604020202020204" pitchFamily="34" charset="0"/>
-              <a:buChar char="•"/>
-            </a:pPr>
-            <a:endParaRPr lang="en-US" dirty="0"/>
-          </a:p>
-        </p:txBody>
-      </p:sp>
-    </p:spTree>
-    <p:extLst>
-      <p:ext uri="{BB962C8B-B14F-4D97-AF65-F5344CB8AC3E}">
-        <p14:creationId xmlns:p14="http://schemas.microsoft.com/office/powerpoint/2010/main" val="2420312741"/>
-      </p:ext>
-    </p:extLst>
-  </p:cSld>
-  <p:clrMapOvr>
-    <a:masterClrMapping/>
-  </p:clrMapOvr>
-</p:sld>
-</file>
-
-<file path=ppt/slides/slide9.xml><?xml version="1.0" encoding="utf-8"?>
-<p:sld xmlns:a="http://schemas.openxmlformats.org/drawingml/2006/main" xmlns:r="http://schemas.openxmlformats.org/officeDocument/2006/relationships" xmlns:p="http://schemas.openxmlformats.org/presentationml/2006/main">
-  <p:cSld>
-    <p:spTree>
-      <p:nvGrpSpPr>
-        <p:cNvPr id="1" name=""/>
-        <p:cNvGrpSpPr/>
-        <p:nvPr/>
-      </p:nvGrpSpPr>
-      <p:grpSpPr>
-        <a:xfrm>
-          <a:off x="0" y="0"/>
-          <a:ext cx="0" cy="0"/>
-          <a:chOff x="0" y="0"/>
-          <a:chExt cx="0" cy="0"/>
-        </a:xfrm>
-      </p:grpSpPr>
-      <p:sp>
-        <p:nvSpPr>
-          <p:cNvPr id="4" name="TextBox 3">
-            <a:extLst>
-              <a:ext uri="{FF2B5EF4-FFF2-40B4-BE49-F238E27FC236}">
-                <a16:creationId xmlns:a16="http://schemas.microsoft.com/office/drawing/2014/main" id="{17C97D89-3979-D9EC-2F9E-F1BA5D0A9EF4}"/>
-              </a:ext>
-            </a:extLst>
-          </p:cNvPr>
-          <p:cNvSpPr txBox="1"/>
-          <p:nvPr/>
-        </p:nvSpPr>
-        <p:spPr>
-          <a:xfrm>
-            <a:off x="416560" y="675640"/>
-            <a:ext cx="4856480" cy="646331"/>
-          </a:xfrm>
-          <a:prstGeom prst="rect">
-            <a:avLst/>
-          </a:prstGeom>
-          <a:noFill/>
-        </p:spPr>
-        <p:txBody>
-          <a:bodyPr wrap="square" rtlCol="0">
-            <a:spAutoFit/>
-          </a:bodyPr>
-          <a:lstStyle/>
-          <a:p>
-            <a:r>
-              <a:rPr lang="en-US" sz="3600" b="1" dirty="0"/>
-              <a:t>System Components </a:t>
-            </a:r>
-          </a:p>
-        </p:txBody>
-      </p:sp>
-      <p:cxnSp>
-        <p:nvCxnSpPr>
-          <p:cNvPr id="9" name="Straight Connector 8">
-            <a:extLst>
-              <a:ext uri="{FF2B5EF4-FFF2-40B4-BE49-F238E27FC236}">
-                <a16:creationId xmlns:a16="http://schemas.microsoft.com/office/drawing/2014/main" id="{06DEB5C5-95DE-9DEC-6F84-929E462EC78F}"/>
-              </a:ext>
-            </a:extLst>
-          </p:cNvPr>
-          <p:cNvCxnSpPr>
-            <a:cxnSpLocks/>
-          </p:cNvCxnSpPr>
-          <p:nvPr/>
-        </p:nvCxnSpPr>
-        <p:spPr>
-          <a:xfrm>
-            <a:off x="335280" y="1382931"/>
-            <a:ext cx="2743200" cy="0"/>
-          </a:xfrm>
-          <a:prstGeom prst="line">
-            <a:avLst/>
-          </a:prstGeom>
-          <a:ln w="28575"/>
-          <a:effectLst>
-            <a:outerShdw blurRad="50800" dist="38100" dir="2700000" algn="tl" rotWithShape="0">
-              <a:prstClr val="black">
-                <a:alpha val="40000"/>
-              </a:prstClr>
-            </a:outerShdw>
-          </a:effectLst>
-        </p:spPr>
-        <p:style>
-          <a:lnRef idx="1">
-            <a:schemeClr val="accent1"/>
-          </a:lnRef>
-          <a:fillRef idx="0">
-            <a:schemeClr val="accent1"/>
-          </a:fillRef>
-          <a:effectRef idx="0">
-            <a:schemeClr val="accent1"/>
-          </a:effectRef>
-          <a:fontRef idx="minor">
-            <a:schemeClr val="tx1"/>
-          </a:fontRef>
-        </p:style>
-      </p:cxnSp>
-      <p:sp>
-        <p:nvSpPr>
-          <p:cNvPr id="10" name="TextBox 9">
-            <a:extLst>
-              <a:ext uri="{FF2B5EF4-FFF2-40B4-BE49-F238E27FC236}">
-                <a16:creationId xmlns:a16="http://schemas.microsoft.com/office/drawing/2014/main" id="{603D59D7-9A28-C65D-5390-DFAD2739FC7B}"/>
-              </a:ext>
-            </a:extLst>
-          </p:cNvPr>
-          <p:cNvSpPr txBox="1"/>
-          <p:nvPr/>
-        </p:nvSpPr>
-        <p:spPr>
-          <a:xfrm>
-            <a:off x="675640" y="1577955"/>
-            <a:ext cx="4434840" cy="584775"/>
-          </a:xfrm>
-          <a:prstGeom prst="rect">
-            <a:avLst/>
-          </a:prstGeom>
-          <a:noFill/>
-        </p:spPr>
-        <p:txBody>
-          <a:bodyPr wrap="square" rtlCol="0">
-            <a:spAutoFit/>
-          </a:bodyPr>
-          <a:lstStyle/>
-          <a:p>
-            <a:r>
-              <a:rPr lang="en-US" sz="3200" b="1" dirty="0">
-                <a:latin typeface="+mj-lt"/>
-              </a:rPr>
-              <a:t>2. </a:t>
-            </a:r>
-            <a:r>
-              <a:rPr lang="en-US" sz="3200" b="1" dirty="0"/>
-              <a:t>L293D Motor Driver</a:t>
-            </a:r>
-          </a:p>
-        </p:txBody>
-      </p:sp>
-      <p:sp>
-        <p:nvSpPr>
-          <p:cNvPr id="3" name="TextBox 2">
-            <a:extLst>
-              <a:ext uri="{FF2B5EF4-FFF2-40B4-BE49-F238E27FC236}">
-                <a16:creationId xmlns:a16="http://schemas.microsoft.com/office/drawing/2014/main" id="{53AFE975-4E33-1ED1-CE2B-8A0EBC213B1C}"/>
-              </a:ext>
-            </a:extLst>
-          </p:cNvPr>
-          <p:cNvSpPr txBox="1"/>
-          <p:nvPr/>
-        </p:nvSpPr>
-        <p:spPr>
-          <a:xfrm>
-            <a:off x="1217930" y="2357753"/>
-            <a:ext cx="5426710" cy="2677656"/>
-          </a:xfrm>
-          <a:prstGeom prst="rect">
-            <a:avLst/>
-          </a:prstGeom>
-          <a:noFill/>
-        </p:spPr>
-        <p:txBody>
-          <a:bodyPr wrap="square" rtlCol="0">
-            <a:spAutoFit/>
-          </a:bodyPr>
-          <a:lstStyle/>
-          <a:p>
-            <a:r>
-              <a:rPr lang="en-US" sz="2800" dirty="0">
-                <a:latin typeface="+mj-lt"/>
-              </a:rPr>
-              <a:t>The </a:t>
-            </a:r>
-            <a:r>
-              <a:rPr lang="en-US" sz="2800" b="1" dirty="0">
-                <a:latin typeface="+mj-lt"/>
-              </a:rPr>
-              <a:t>L293D</a:t>
-            </a:r>
-            <a:r>
-              <a:rPr lang="en-US" sz="2800" dirty="0">
-                <a:latin typeface="+mj-lt"/>
-              </a:rPr>
-              <a:t> is a popular motor driver IC used to control the direction and speed of DC motors. It contains two H-bridge circuits, allowing it to control two DC motors simultaneously</a:t>
-            </a:r>
-          </a:p>
-        </p:txBody>
-      </p:sp>
-      <p:pic>
-        <p:nvPicPr>
-          <p:cNvPr id="3075" name="Picture 3" descr="L293D Dual H-Bridge Motor Driver IC Pins, Circuit, Working">
-            <a:extLst>
-              <a:ext uri="{FF2B5EF4-FFF2-40B4-BE49-F238E27FC236}">
-                <a16:creationId xmlns:a16="http://schemas.microsoft.com/office/drawing/2014/main" id="{6B5FEC76-6E02-412E-F6AA-D41B7CBC8AAB}"/>
-              </a:ext>
-            </a:extLst>
-          </p:cNvPr>
-          <p:cNvPicPr>
-            <a:picLocks noChangeAspect="1" noChangeArrowheads="1"/>
-          </p:cNvPicPr>
-          <p:nvPr/>
-        </p:nvPicPr>
-        <p:blipFill>
-          <a:blip r:embed="rId2">
-            <a:extLst>
-              <a:ext uri="{28A0092B-C50C-407E-A947-70E740481C1C}">
-                <a14:useLocalDpi xmlns:a14="http://schemas.microsoft.com/office/drawing/2010/main" val="0"/>
-              </a:ext>
-            </a:extLst>
-          </a:blip>
-          <a:srcRect/>
-          <a:stretch>
-            <a:fillRect/>
-          </a:stretch>
-        </p:blipFill>
-        <p:spPr bwMode="auto">
-          <a:xfrm>
-            <a:off x="6902450" y="2162730"/>
-            <a:ext cx="4771390" cy="3802361"/>
-          </a:xfrm>
-          <a:prstGeom prst="rect">
-            <a:avLst/>
-          </a:prstGeom>
-          <a:noFill/>
-          <a:extLst>
-            <a:ext uri="{909E8E84-426E-40DD-AFC4-6F175D3DCCD1}">
-              <a14:hiddenFill xmlns:a14="http://schemas.microsoft.com/office/drawing/2010/main">
-                <a:solidFill>
-                  <a:srgbClr val="FFFFFF"/>
-                </a:solidFill>
-              </a14:hiddenFill>
-            </a:ext>
-          </a:extLst>
-        </p:spPr>
-      </p:pic>
-    </p:spTree>
-    <p:extLst>
-      <p:ext uri="{BB962C8B-B14F-4D97-AF65-F5344CB8AC3E}">
-        <p14:creationId xmlns:p14="http://schemas.microsoft.com/office/powerpoint/2010/main" val="1972259746"/>
       </p:ext>
     </p:extLst>
   </p:cSld>
@@ -12111,4 +12546,299 @@
     </a:ext>
   </a:extLst>
 </a:theme>
+</file>
+
+<file path=ppt/theme/theme2.xml><?xml version="1.0" encoding="utf-8"?>
+<a:theme xmlns:a="http://schemas.openxmlformats.org/drawingml/2006/main" name="Office Theme">
+  <a:themeElements>
+    <a:clrScheme name="Office">
+      <a:dk1>
+        <a:sysClr val="windowText" lastClr="000000"/>
+      </a:dk1>
+      <a:lt1>
+        <a:sysClr val="window" lastClr="FFFFFF"/>
+      </a:lt1>
+      <a:dk2>
+        <a:srgbClr val="44546A"/>
+      </a:dk2>
+      <a:lt2>
+        <a:srgbClr val="E7E6E6"/>
+      </a:lt2>
+      <a:accent1>
+        <a:srgbClr val="4472C4"/>
+      </a:accent1>
+      <a:accent2>
+        <a:srgbClr val="ED7D31"/>
+      </a:accent2>
+      <a:accent3>
+        <a:srgbClr val="A5A5A5"/>
+      </a:accent3>
+      <a:accent4>
+        <a:srgbClr val="FFC000"/>
+      </a:accent4>
+      <a:accent5>
+        <a:srgbClr val="5B9BD5"/>
+      </a:accent5>
+      <a:accent6>
+        <a:srgbClr val="70AD47"/>
+      </a:accent6>
+      <a:hlink>
+        <a:srgbClr val="0563C1"/>
+      </a:hlink>
+      <a:folHlink>
+        <a:srgbClr val="954F72"/>
+      </a:folHlink>
+    </a:clrScheme>
+    <a:fontScheme name="Office">
+      <a:majorFont>
+        <a:latin typeface="Calibri Light" panose="020F0302020204030204"/>
+        <a:ea typeface=""/>
+        <a:cs typeface=""/>
+        <a:font script="Jpan" typeface="游ゴシック Light"/>
+        <a:font script="Hang" typeface="맑은 고딕"/>
+        <a:font script="Hans" typeface="等线 Light"/>
+        <a:font script="Hant" typeface="新細明體"/>
+        <a:font script="Arab" typeface="Times New Roman"/>
+        <a:font script="Hebr" typeface="Times New Roman"/>
+        <a:font script="Thai" typeface="Angsana New"/>
+        <a:font script="Ethi" typeface="Nyala"/>
+        <a:font script="Beng" typeface="Vrinda"/>
+        <a:font script="Gujr" typeface="Shruti"/>
+        <a:font script="Khmr" typeface="MoolBoran"/>
+        <a:font script="Knda" typeface="Tunga"/>
+        <a:font script="Guru" typeface="Raavi"/>
+        <a:font script="Cans" typeface="Euphemia"/>
+        <a:font script="Cher" typeface="Plantagenet Cherokee"/>
+        <a:font script="Yiii" typeface="Microsoft Yi Baiti"/>
+        <a:font script="Tibt" typeface="Microsoft Himalaya"/>
+        <a:font script="Thaa" typeface="MV Boli"/>
+        <a:font script="Deva" typeface="Mangal"/>
+        <a:font script="Telu" typeface="Gautami"/>
+        <a:font script="Taml" typeface="Latha"/>
+        <a:font script="Syrc" typeface="Estrangelo Edessa"/>
+        <a:font script="Orya" typeface="Kalinga"/>
+        <a:font script="Mlym" typeface="Kartika"/>
+        <a:font script="Laoo" typeface="DokChampa"/>
+        <a:font script="Sinh" typeface="Iskoola Pota"/>
+        <a:font script="Mong" typeface="Mongolian Baiti"/>
+        <a:font script="Viet" typeface="Times New Roman"/>
+        <a:font script="Uigh" typeface="Microsoft Uighur"/>
+        <a:font script="Geor" typeface="Sylfaen"/>
+        <a:font script="Armn" typeface="Arial"/>
+        <a:font script="Bugi" typeface="Leelawadee UI"/>
+        <a:font script="Bopo" typeface="Microsoft JhengHei"/>
+        <a:font script="Java" typeface="Javanese Text"/>
+        <a:font script="Lisu" typeface="Segoe UI"/>
+        <a:font script="Mymr" typeface="Myanmar Text"/>
+        <a:font script="Nkoo" typeface="Ebrima"/>
+        <a:font script="Olck" typeface="Nirmala UI"/>
+        <a:font script="Osma" typeface="Ebrima"/>
+        <a:font script="Phag" typeface="Phagspa"/>
+        <a:font script="Syrn" typeface="Estrangelo Edessa"/>
+        <a:font script="Syrj" typeface="Estrangelo Edessa"/>
+        <a:font script="Syre" typeface="Estrangelo Edessa"/>
+        <a:font script="Sora" typeface="Nirmala UI"/>
+        <a:font script="Tale" typeface="Microsoft Tai Le"/>
+        <a:font script="Talu" typeface="Microsoft New Tai Lue"/>
+        <a:font script="Tfng" typeface="Ebrima"/>
+      </a:majorFont>
+      <a:minorFont>
+        <a:latin typeface="Calibri" panose="020F0502020204030204"/>
+        <a:ea typeface=""/>
+        <a:cs typeface=""/>
+        <a:font script="Jpan" typeface="游ゴシック"/>
+        <a:font script="Hang" typeface="맑은 고딕"/>
+        <a:font script="Hans" typeface="等线"/>
+        <a:font script="Hant" typeface="新細明體"/>
+        <a:font script="Arab" typeface="Arial"/>
+        <a:font script="Hebr" typeface="Arial"/>
+        <a:font script="Thai" typeface="Cordia New"/>
+        <a:font script="Ethi" typeface="Nyala"/>
+        <a:font script="Beng" typeface="Vrinda"/>
+        <a:font script="Gujr" typeface="Shruti"/>
+        <a:font script="Khmr" typeface="DaunPenh"/>
+        <a:font script="Knda" typeface="Tunga"/>
+        <a:font script="Guru" typeface="Raavi"/>
+        <a:font script="Cans" typeface="Euphemia"/>
+        <a:font script="Cher" typeface="Plantagenet Cherokee"/>
+        <a:font script="Yiii" typeface="Microsoft Yi Baiti"/>
+        <a:font script="Tibt" typeface="Microsoft Himalaya"/>
+        <a:font script="Thaa" typeface="MV Boli"/>
+        <a:font script="Deva" typeface="Mangal"/>
+        <a:font script="Telu" typeface="Gautami"/>
+        <a:font script="Taml" typeface="Latha"/>
+        <a:font script="Syrc" typeface="Estrangelo Edessa"/>
+        <a:font script="Orya" typeface="Kalinga"/>
+        <a:font script="Mlym" typeface="Kartika"/>
+        <a:font script="Laoo" typeface="DokChampa"/>
+        <a:font script="Sinh" typeface="Iskoola Pota"/>
+        <a:font script="Mong" typeface="Mongolian Baiti"/>
+        <a:font script="Viet" typeface="Arial"/>
+        <a:font script="Uigh" typeface="Microsoft Uighur"/>
+        <a:font script="Geor" typeface="Sylfaen"/>
+        <a:font script="Armn" typeface="Arial"/>
+        <a:font script="Bugi" typeface="Leelawadee UI"/>
+        <a:font script="Bopo" typeface="Microsoft JhengHei"/>
+        <a:font script="Java" typeface="Javanese Text"/>
+        <a:font script="Lisu" typeface="Segoe UI"/>
+        <a:font script="Mymr" typeface="Myanmar Text"/>
+        <a:font script="Nkoo" typeface="Ebrima"/>
+        <a:font script="Olck" typeface="Nirmala UI"/>
+        <a:font script="Osma" typeface="Ebrima"/>
+        <a:font script="Phag" typeface="Phagspa"/>
+        <a:font script="Syrn" typeface="Estrangelo Edessa"/>
+        <a:font script="Syrj" typeface="Estrangelo Edessa"/>
+        <a:font script="Syre" typeface="Estrangelo Edessa"/>
+        <a:font script="Sora" typeface="Nirmala UI"/>
+        <a:font script="Tale" typeface="Microsoft Tai Le"/>
+        <a:font script="Talu" typeface="Microsoft New Tai Lue"/>
+        <a:font script="Tfng" typeface="Ebrima"/>
+      </a:minorFont>
+    </a:fontScheme>
+    <a:fmtScheme name="Office">
+      <a:fillStyleLst>
+        <a:solidFill>
+          <a:schemeClr val="phClr"/>
+        </a:solidFill>
+        <a:gradFill rotWithShape="1">
+          <a:gsLst>
+            <a:gs pos="0">
+              <a:schemeClr val="phClr">
+                <a:lumMod val="110000"/>
+                <a:satMod val="105000"/>
+                <a:tint val="67000"/>
+              </a:schemeClr>
+            </a:gs>
+            <a:gs pos="50000">
+              <a:schemeClr val="phClr">
+                <a:lumMod val="105000"/>
+                <a:satMod val="103000"/>
+                <a:tint val="73000"/>
+              </a:schemeClr>
+            </a:gs>
+            <a:gs pos="100000">
+              <a:schemeClr val="phClr">
+                <a:lumMod val="105000"/>
+                <a:satMod val="109000"/>
+                <a:tint val="81000"/>
+              </a:schemeClr>
+            </a:gs>
+          </a:gsLst>
+          <a:lin ang="5400000" scaled="0"/>
+        </a:gradFill>
+        <a:gradFill rotWithShape="1">
+          <a:gsLst>
+            <a:gs pos="0">
+              <a:schemeClr val="phClr">
+                <a:satMod val="103000"/>
+                <a:lumMod val="102000"/>
+                <a:tint val="94000"/>
+              </a:schemeClr>
+            </a:gs>
+            <a:gs pos="50000">
+              <a:schemeClr val="phClr">
+                <a:satMod val="110000"/>
+                <a:lumMod val="100000"/>
+                <a:shade val="100000"/>
+              </a:schemeClr>
+            </a:gs>
+            <a:gs pos="100000">
+              <a:schemeClr val="phClr">
+                <a:lumMod val="99000"/>
+                <a:satMod val="120000"/>
+                <a:shade val="78000"/>
+              </a:schemeClr>
+            </a:gs>
+          </a:gsLst>
+          <a:lin ang="5400000" scaled="0"/>
+        </a:gradFill>
+      </a:fillStyleLst>
+      <a:lnStyleLst>
+        <a:ln w="6350" cap="flat" cmpd="sng" algn="ctr">
+          <a:solidFill>
+            <a:schemeClr val="phClr"/>
+          </a:solidFill>
+          <a:prstDash val="solid"/>
+          <a:miter lim="800000"/>
+        </a:ln>
+        <a:ln w="12700" cap="flat" cmpd="sng" algn="ctr">
+          <a:solidFill>
+            <a:schemeClr val="phClr"/>
+          </a:solidFill>
+          <a:prstDash val="solid"/>
+          <a:miter lim="800000"/>
+        </a:ln>
+        <a:ln w="19050" cap="flat" cmpd="sng" algn="ctr">
+          <a:solidFill>
+            <a:schemeClr val="phClr"/>
+          </a:solidFill>
+          <a:prstDash val="solid"/>
+          <a:miter lim="800000"/>
+        </a:ln>
+      </a:lnStyleLst>
+      <a:effectStyleLst>
+        <a:effectStyle>
+          <a:effectLst/>
+        </a:effectStyle>
+        <a:effectStyle>
+          <a:effectLst/>
+        </a:effectStyle>
+        <a:effectStyle>
+          <a:effectLst>
+            <a:outerShdw blurRad="57150" dist="19050" dir="5400000" algn="ctr" rotWithShape="0">
+              <a:srgbClr val="000000">
+                <a:alpha val="63000"/>
+              </a:srgbClr>
+            </a:outerShdw>
+          </a:effectLst>
+        </a:effectStyle>
+      </a:effectStyleLst>
+      <a:bgFillStyleLst>
+        <a:solidFill>
+          <a:schemeClr val="phClr"/>
+        </a:solidFill>
+        <a:solidFill>
+          <a:schemeClr val="phClr">
+            <a:tint val="95000"/>
+            <a:satMod val="170000"/>
+          </a:schemeClr>
+        </a:solidFill>
+        <a:gradFill rotWithShape="1">
+          <a:gsLst>
+            <a:gs pos="0">
+              <a:schemeClr val="phClr">
+                <a:tint val="93000"/>
+                <a:satMod val="150000"/>
+                <a:shade val="98000"/>
+                <a:lumMod val="102000"/>
+              </a:schemeClr>
+            </a:gs>
+            <a:gs pos="50000">
+              <a:schemeClr val="phClr">
+                <a:tint val="98000"/>
+                <a:satMod val="130000"/>
+                <a:shade val="90000"/>
+                <a:lumMod val="103000"/>
+              </a:schemeClr>
+            </a:gs>
+            <a:gs pos="100000">
+              <a:schemeClr val="phClr">
+                <a:shade val="63000"/>
+                <a:satMod val="120000"/>
+              </a:schemeClr>
+            </a:gs>
+          </a:gsLst>
+          <a:lin ang="5400000" scaled="0"/>
+        </a:gradFill>
+      </a:bgFillStyleLst>
+    </a:fmtScheme>
+  </a:themeElements>
+  <a:objectDefaults/>
+  <a:extraClrSchemeLst/>
+  <a:extLst>
+    <a:ext uri="{05A4C25C-085E-4340-85A3-A5531E510DB2}">
+      <thm15:themeFamily xmlns:thm15="http://schemas.microsoft.com/office/thememl/2012/main" name="Office Theme" id="{62F939B6-93AF-4DB8-9C6B-D6C7DFDC589F}" vid="{4A3C46E8-61CC-4603-A589-7422A47A8E4A}"/>
+    </a:ext>
+  </a:extLst>
+</a:theme>
 </file>
--- a/Batch 8 .pptx
+++ b/Batch 8 .pptx
@@ -218,7 +218,7 @@
           <a:p>
             <a:fld id="{97AC54EF-F27B-4F5F-8C1D-285B121E0FF0}" type="datetimeFigureOut">
               <a:rPr lang="en-US" smtClean="0"/>
-              <a:t>4/11/2025</a:t>
+              <a:t>4/12/2025</a:t>
             </a:fld>
             <a:endParaRPr lang="en-US"/>
           </a:p>
@@ -716,7 +716,7 @@
           <a:p>
             <a:fld id="{06E713BE-B739-4CC0-B4CE-95E82AEB026E}" type="datetimeFigureOut">
               <a:rPr lang="en-US" smtClean="0"/>
-              <a:t>4/11/2025</a:t>
+              <a:t>4/12/2025</a:t>
             </a:fld>
             <a:endParaRPr lang="en-US" dirty="0"/>
           </a:p>
@@ -914,7 +914,7 @@
           <a:p>
             <a:fld id="{06E713BE-B739-4CC0-B4CE-95E82AEB026E}" type="datetimeFigureOut">
               <a:rPr lang="en-US" smtClean="0"/>
-              <a:t>4/11/2025</a:t>
+              <a:t>4/12/2025</a:t>
             </a:fld>
             <a:endParaRPr lang="en-US" dirty="0"/>
           </a:p>
@@ -1122,7 +1122,7 @@
           <a:p>
             <a:fld id="{06E713BE-B739-4CC0-B4CE-95E82AEB026E}" type="datetimeFigureOut">
               <a:rPr lang="en-US" smtClean="0"/>
-              <a:t>4/11/2025</a:t>
+              <a:t>4/12/2025</a:t>
             </a:fld>
             <a:endParaRPr lang="en-US" dirty="0"/>
           </a:p>
@@ -1320,7 +1320,7 @@
           <a:p>
             <a:fld id="{06E713BE-B739-4CC0-B4CE-95E82AEB026E}" type="datetimeFigureOut">
               <a:rPr lang="en-US" smtClean="0"/>
-              <a:t>4/11/2025</a:t>
+              <a:t>4/12/2025</a:t>
             </a:fld>
             <a:endParaRPr lang="en-US" dirty="0"/>
           </a:p>
@@ -1595,7 +1595,7 @@
           <a:p>
             <a:fld id="{06E713BE-B739-4CC0-B4CE-95E82AEB026E}" type="datetimeFigureOut">
               <a:rPr lang="en-US" smtClean="0"/>
-              <a:t>4/11/2025</a:t>
+              <a:t>4/12/2025</a:t>
             </a:fld>
             <a:endParaRPr lang="en-US" dirty="0"/>
           </a:p>
@@ -1860,7 +1860,7 @@
           <a:p>
             <a:fld id="{06E713BE-B739-4CC0-B4CE-95E82AEB026E}" type="datetimeFigureOut">
               <a:rPr lang="en-US" smtClean="0"/>
-              <a:t>4/11/2025</a:t>
+              <a:t>4/12/2025</a:t>
             </a:fld>
             <a:endParaRPr lang="en-US" dirty="0"/>
           </a:p>
@@ -2272,7 +2272,7 @@
           <a:p>
             <a:fld id="{06E713BE-B739-4CC0-B4CE-95E82AEB026E}" type="datetimeFigureOut">
               <a:rPr lang="en-US" smtClean="0"/>
-              <a:t>4/11/2025</a:t>
+              <a:t>4/12/2025</a:t>
             </a:fld>
             <a:endParaRPr lang="en-US" dirty="0"/>
           </a:p>
@@ -2413,7 +2413,7 @@
           <a:p>
             <a:fld id="{06E713BE-B739-4CC0-B4CE-95E82AEB026E}" type="datetimeFigureOut">
               <a:rPr lang="en-US" smtClean="0"/>
-              <a:t>4/11/2025</a:t>
+              <a:t>4/12/2025</a:t>
             </a:fld>
             <a:endParaRPr lang="en-US" dirty="0"/>
           </a:p>
@@ -2526,7 +2526,7 @@
           <a:p>
             <a:fld id="{06E713BE-B739-4CC0-B4CE-95E82AEB026E}" type="datetimeFigureOut">
               <a:rPr lang="en-US" smtClean="0"/>
-              <a:t>4/11/2025</a:t>
+              <a:t>4/12/2025</a:t>
             </a:fld>
             <a:endParaRPr lang="en-US" dirty="0"/>
           </a:p>
@@ -2837,7 +2837,7 @@
           <a:p>
             <a:fld id="{06E713BE-B739-4CC0-B4CE-95E82AEB026E}" type="datetimeFigureOut">
               <a:rPr lang="en-US" smtClean="0"/>
-              <a:t>4/11/2025</a:t>
+              <a:t>4/12/2025</a:t>
             </a:fld>
             <a:endParaRPr lang="en-US" dirty="0"/>
           </a:p>
@@ -3125,7 +3125,7 @@
           <a:p>
             <a:fld id="{06E713BE-B739-4CC0-B4CE-95E82AEB026E}" type="datetimeFigureOut">
               <a:rPr lang="en-US" smtClean="0"/>
-              <a:t>4/11/2025</a:t>
+              <a:t>4/12/2025</a:t>
             </a:fld>
             <a:endParaRPr lang="en-US" dirty="0"/>
           </a:p>
@@ -3366,7 +3366,7 @@
           <a:p>
             <a:fld id="{06E713BE-B739-4CC0-B4CE-95E82AEB026E}" type="datetimeFigureOut">
               <a:rPr lang="en-US" smtClean="0"/>
-              <a:t>4/11/2025</a:t>
+              <a:t>4/12/2025</a:t>
             </a:fld>
             <a:endParaRPr lang="en-US" dirty="0"/>
           </a:p>
@@ -3903,7 +3903,7 @@
         </p:nvSpPr>
         <p:spPr>
           <a:xfrm>
-            <a:off x="1894840" y="2049304"/>
+            <a:off x="1894840" y="2510860"/>
             <a:ext cx="8402320" cy="461665"/>
           </a:xfrm>
           <a:prstGeom prst="rect">
@@ -3943,7 +3943,7 @@
         <p:spPr>
           <a:xfrm>
             <a:off x="633730" y="4116307"/>
-            <a:ext cx="3348990" cy="1200329"/>
+            <a:ext cx="3348990" cy="1569660"/>
           </a:xfrm>
           <a:prstGeom prst="rect">
             <a:avLst/>
@@ -3979,6 +3979,14 @@
               <a:t>M.Tech, Ph.D.</a:t>
             </a:r>
           </a:p>
+          <a:p>
+            <a:r>
+              <a:rPr lang="en-US" sz="2400" dirty="0">
+                <a:cs typeface="Times New Roman" panose="02020603050405020304" pitchFamily="18" charset="0"/>
+              </a:rPr>
+              <a:t>HOD &amp; Professor</a:t>
+            </a:r>
+          </a:p>
         </p:txBody>
       </p:sp>
       <p:sp>
@@ -3995,8 +4003,8 @@
         </p:nvSpPr>
         <p:spPr>
           <a:xfrm>
-            <a:off x="6096000" y="4116307"/>
-            <a:ext cx="6096000" cy="1938992"/>
+            <a:off x="5567680" y="4116307"/>
+            <a:ext cx="6350000" cy="1938992"/>
           </a:xfrm>
           <a:prstGeom prst="rect">
             <a:avLst/>
@@ -4048,7 +4056,7 @@
               <a:rPr lang="en-US" sz="2400" dirty="0">
                 <a:cs typeface="Times New Roman" panose="02020603050405020304" pitchFamily="18" charset="0"/>
               </a:rPr>
-              <a:t>M. JAGADIESHESWAR 		21MD1A0440</a:t>
+              <a:t>M. K. JAGADIESHESWAR 	21MD1A0440</a:t>
             </a:r>
           </a:p>
         </p:txBody>
@@ -5295,13 +5303,13 @@
             </a:r>
             <a:r>
               <a:rPr lang="en-US" sz="3200" b="1" dirty="0"/>
-              <a:t>Ultra Sonic Sensor HC-SR104</a:t>
-            </a:r>
-          </a:p>
-        </p:txBody>
-      </p:sp>
-      <mc:AlternateContent xmlns:mc="http://schemas.openxmlformats.org/markup-compatibility/2006" xmlns:a14="http://schemas.microsoft.com/office/drawing/2010/main">
-        <mc:Choice Requires="a14">
+              <a:t>Ultra Sonic Sensor HC-SR 04</a:t>
+            </a:r>
+          </a:p>
+        </p:txBody>
+      </p:sp>
+      <mc:AlternateContent xmlns:mc="http://schemas.openxmlformats.org/markup-compatibility/2006">
+        <mc:Choice xmlns:a14="http://schemas.microsoft.com/office/drawing/2010/main" Requires="a14">
           <p:sp>
             <p:nvSpPr>
               <p:cNvPr id="2" name="TextBox 1">
@@ -5411,7 +5419,25 @@
                             <a:rPr lang="en-US" sz="2400" b="0" i="1" smtClean="0">
                               <a:latin typeface="Cambria Math" panose="02040503050406030204" pitchFamily="18" charset="0"/>
                             </a:rPr>
-                            <m:t>𝐷𝑖𝑠𝑡𝑎𝑛𝑐𝑒</m:t>
+                            <m:t>𝑇𝑖𝑚𝑒</m:t>
+                          </m:r>
+                          <m:r>
+                            <a:rPr lang="en-US" sz="2400" b="0" i="1" smtClean="0">
+                              <a:latin typeface="Cambria Math" panose="02040503050406030204" pitchFamily="18" charset="0"/>
+                            </a:rPr>
+                            <m:t> </m:t>
+                          </m:r>
+                          <m:r>
+                            <a:rPr lang="en-US" sz="2400" b="0" i="1" smtClean="0">
+                              <a:latin typeface="Cambria Math" panose="02040503050406030204" pitchFamily="18" charset="0"/>
+                            </a:rPr>
+                            <m:t>𝑡𝑎𝑘𝑒𝑛</m:t>
+                          </m:r>
+                          <m:r>
+                            <a:rPr lang="en-US" sz="2400" b="0" i="1" smtClean="0">
+                              <a:latin typeface="Cambria Math" panose="02040503050406030204" pitchFamily="18" charset="0"/>
+                            </a:rPr>
+                            <m:t> </m:t>
                           </m:r>
                         </m:num>
                         <m:den>
@@ -5438,7 +5464,7 @@
             </p:txBody>
           </p:sp>
         </mc:Choice>
-        <mc:Fallback xmlns="">
+        <mc:Fallback>
           <p:sp>
             <p:nvSpPr>
               <p:cNvPr id="2" name="TextBox 1">
@@ -5500,6 +5526,44 @@
         <p:blipFill>
           <a:blip r:embed="rId3">
             <a:extLst>
+              <a:ext uri="{BEBA8EAE-BF5A-486C-A8C5-ECC9F3942E4B}">
+                <a14:imgProps xmlns:a14="http://schemas.microsoft.com/office/drawing/2010/main">
+                  <a14:imgLayer r:embed="rId4">
+                    <a14:imgEffect>
+                      <a14:backgroundRemoval t="9778" b="89778" l="5778" r="94667">
+                        <a14:foregroundMark x1="7556" y1="40889" x2="7556" y2="40889"/>
+                        <a14:foregroundMark x1="93333" y1="44000" x2="93333" y2="44000"/>
+                        <a14:foregroundMark x1="34222" y1="30667" x2="34222" y2="30667"/>
+                        <a14:foregroundMark x1="6222" y1="29333" x2="6222" y2="29333"/>
+                        <a14:foregroundMark x1="94667" y1="29333" x2="94667" y2="29333"/>
+                        <a14:foregroundMark x1="57778" y1="70667" x2="57778" y2="70667"/>
+                        <a14:foregroundMark x1="58222" y1="73778" x2="58222" y2="73778"/>
+                        <a14:foregroundMark x1="58222" y1="77778" x2="58222" y2="77778"/>
+                        <a14:foregroundMark x1="42649" y1="72444" x2="43556" y2="80000"/>
+                        <a14:foregroundMark x1="42222" y1="68889" x2="42649" y2="72444"/>
+                        <a14:foregroundMark x1="40858" y1="72444" x2="43556" y2="82222"/>
+                        <a14:foregroundMark x1="40000" y1="69333" x2="40858" y2="72444"/>
+                        <a14:foregroundMark x1="48000" y1="72444" x2="48000" y2="79556"/>
+                        <a14:foregroundMark x1="48000" y1="70667" x2="48000" y2="72444"/>
+                        <a14:foregroundMark x1="52271" y1="72444" x2="52889" y2="79556"/>
+                        <a14:foregroundMark x1="52000" y1="69333" x2="52271" y2="72444"/>
+                        <a14:foregroundMark x1="58222" y1="70667" x2="58222" y2="80889"/>
+                        <a14:foregroundMark x1="62222" y1="72000" x2="43111" y2="80000"/>
+                        <a14:foregroundMark x1="43111" y1="80000" x2="42222" y2="80444"/>
+                        <a14:foregroundMark x1="40000" y1="80000" x2="59556" y2="80444"/>
+                        <a14:foregroundMark x1="46502" y1="72444" x2="45778" y2="72000"/>
+                        <a14:foregroundMark x1="59556" y1="80444" x2="46502" y2="72444"/>
+                        <a14:foregroundMark x1="45605" y1="72444" x2="42667" y2="80000"/>
+                        <a14:foregroundMark x1="45778" y1="72000" x2="45605" y2="72444"/>
+                        <a14:foregroundMark x1="62222" y1="74222" x2="60444" y2="80444"/>
+                        <a14:backgroundMark x1="16444" y1="20889" x2="16444" y2="20889"/>
+                        <a14:backgroundMark x1="28444" y1="76000" x2="28444" y2="76000"/>
+                        <a14:backgroundMark x1="44889" y1="72444" x2="44889" y2="72444"/>
+                      </a14:backgroundRemoval>
+                    </a14:imgEffect>
+                  </a14:imgLayer>
+                </a14:imgProps>
+              </a:ext>
               <a:ext uri="{28A0092B-C50C-407E-A947-70E740481C1C}">
                 <a14:useLocalDpi xmlns:a14="http://schemas.microsoft.com/office/drawing/2010/main" val="0"/>
               </a:ext>
@@ -10320,7 +10384,7 @@
         </p:nvSpPr>
         <p:spPr>
           <a:xfrm>
-            <a:off x="528320" y="1752600"/>
+            <a:off x="543560" y="1803400"/>
             <a:ext cx="11104880" cy="3785652"/>
           </a:xfrm>
           <a:prstGeom prst="rect">

--- a/Batch 8 .pptx
+++ b/Batch 8 .pptx
@@ -5,7 +5,7 @@
     <p:sldMasterId id="2147483706" r:id="rId1"/>
   </p:sldMasterIdLst>
   <p:notesMasterIdLst>
-    <p:notesMasterId r:id="rId24"/>
+    <p:notesMasterId r:id="rId27"/>
   </p:notesMasterIdLst>
   <p:sldIdLst>
     <p:sldId id="256" r:id="rId2"/>
@@ -23,13 +23,16 @@
     <p:sldId id="267" r:id="rId14"/>
     <p:sldId id="268" r:id="rId15"/>
     <p:sldId id="269" r:id="rId16"/>
-    <p:sldId id="276" r:id="rId17"/>
-    <p:sldId id="270" r:id="rId18"/>
-    <p:sldId id="271" r:id="rId19"/>
-    <p:sldId id="277" r:id="rId20"/>
-    <p:sldId id="278" r:id="rId21"/>
-    <p:sldId id="274" r:id="rId22"/>
-    <p:sldId id="279" r:id="rId23"/>
+    <p:sldId id="280" r:id="rId17"/>
+    <p:sldId id="281" r:id="rId18"/>
+    <p:sldId id="276" r:id="rId19"/>
+    <p:sldId id="270" r:id="rId20"/>
+    <p:sldId id="271" r:id="rId21"/>
+    <p:sldId id="277" r:id="rId22"/>
+    <p:sldId id="278" r:id="rId23"/>
+    <p:sldId id="274" r:id="rId24"/>
+    <p:sldId id="279" r:id="rId25"/>
+    <p:sldId id="282" r:id="rId26"/>
   </p:sldIdLst>
   <p:sldSz cx="12192000" cy="6858000"/>
   <p:notesSz cx="6858000" cy="9144000"/>
@@ -218,7 +221,7 @@
           <a:p>
             <a:fld id="{97AC54EF-F27B-4F5F-8C1D-285B121E0FF0}" type="datetimeFigureOut">
               <a:rPr lang="en-US" smtClean="0"/>
-              <a:t>4/12/2025</a:t>
+              <a:t>4/14/2025</a:t>
             </a:fld>
             <a:endParaRPr lang="en-US"/>
           </a:p>
@@ -559,6 +562,174 @@
     </p:spTree>
     <p:extLst>
       <p:ext uri="{BB962C8B-B14F-4D97-AF65-F5344CB8AC3E}">
+        <p14:creationId xmlns:p14="http://schemas.microsoft.com/office/powerpoint/2010/main" val="3238297766"/>
+      </p:ext>
+    </p:extLst>
+  </p:cSld>
+  <p:clrMapOvr>
+    <a:masterClrMapping/>
+  </p:clrMapOvr>
+</p:notes>
+</file>
+
+<file path=ppt/notesSlides/notesSlide2.xml><?xml version="1.0" encoding="utf-8"?>
+<p:notes xmlns:a="http://schemas.openxmlformats.org/drawingml/2006/main" xmlns:r="http://schemas.openxmlformats.org/officeDocument/2006/relationships" xmlns:p="http://schemas.openxmlformats.org/presentationml/2006/main">
+  <p:cSld>
+    <p:spTree>
+      <p:nvGrpSpPr>
+        <p:cNvPr id="1" name=""/>
+        <p:cNvGrpSpPr/>
+        <p:nvPr/>
+      </p:nvGrpSpPr>
+      <p:grpSpPr>
+        <a:xfrm>
+          <a:off x="0" y="0"/>
+          <a:ext cx="0" cy="0"/>
+          <a:chOff x="0" y="0"/>
+          <a:chExt cx="0" cy="0"/>
+        </a:xfrm>
+      </p:grpSpPr>
+      <p:sp>
+        <p:nvSpPr>
+          <p:cNvPr id="2" name="Slide Image Placeholder 1"/>
+          <p:cNvSpPr>
+            <a:spLocks noGrp="1" noRot="1" noChangeAspect="1"/>
+          </p:cNvSpPr>
+          <p:nvPr>
+            <p:ph type="sldImg"/>
+          </p:nvPr>
+        </p:nvSpPr>
+        <p:spPr/>
+      </p:sp>
+      <p:sp>
+        <p:nvSpPr>
+          <p:cNvPr id="3" name="Notes Placeholder 2"/>
+          <p:cNvSpPr>
+            <a:spLocks noGrp="1"/>
+          </p:cNvSpPr>
+          <p:nvPr>
+            <p:ph type="body" idx="1"/>
+          </p:nvPr>
+        </p:nvSpPr>
+        <p:spPr/>
+        <p:txBody>
+          <a:bodyPr/>
+          <a:lstStyle/>
+          <a:p>
+            <a:endParaRPr lang="en-US" dirty="0"/>
+          </a:p>
+        </p:txBody>
+      </p:sp>
+      <p:sp>
+        <p:nvSpPr>
+          <p:cNvPr id="4" name="Slide Number Placeholder 3"/>
+          <p:cNvSpPr>
+            <a:spLocks noGrp="1"/>
+          </p:cNvSpPr>
+          <p:nvPr>
+            <p:ph type="sldNum" sz="quarter" idx="5"/>
+          </p:nvPr>
+        </p:nvSpPr>
+        <p:spPr/>
+        <p:txBody>
+          <a:bodyPr/>
+          <a:lstStyle/>
+          <a:p>
+            <a:fld id="{F12B1DAD-8ADF-4263-94C3-359392852796}" type="slidenum">
+              <a:rPr lang="en-US" smtClean="0"/>
+              <a:t>17</a:t>
+            </a:fld>
+            <a:endParaRPr lang="en-US"/>
+          </a:p>
+        </p:txBody>
+      </p:sp>
+    </p:spTree>
+    <p:extLst>
+      <p:ext uri="{BB962C8B-B14F-4D97-AF65-F5344CB8AC3E}">
+        <p14:creationId xmlns:p14="http://schemas.microsoft.com/office/powerpoint/2010/main" val="3510318947"/>
+      </p:ext>
+    </p:extLst>
+  </p:cSld>
+  <p:clrMapOvr>
+    <a:masterClrMapping/>
+  </p:clrMapOvr>
+</p:notes>
+</file>
+
+<file path=ppt/notesSlides/notesSlide3.xml><?xml version="1.0" encoding="utf-8"?>
+<p:notes xmlns:a="http://schemas.openxmlformats.org/drawingml/2006/main" xmlns:r="http://schemas.openxmlformats.org/officeDocument/2006/relationships" xmlns:p="http://schemas.openxmlformats.org/presentationml/2006/main">
+  <p:cSld>
+    <p:spTree>
+      <p:nvGrpSpPr>
+        <p:cNvPr id="1" name=""/>
+        <p:cNvGrpSpPr/>
+        <p:nvPr/>
+      </p:nvGrpSpPr>
+      <p:grpSpPr>
+        <a:xfrm>
+          <a:off x="0" y="0"/>
+          <a:ext cx="0" cy="0"/>
+          <a:chOff x="0" y="0"/>
+          <a:chExt cx="0" cy="0"/>
+        </a:xfrm>
+      </p:grpSpPr>
+      <p:sp>
+        <p:nvSpPr>
+          <p:cNvPr id="2" name="Slide Image Placeholder 1"/>
+          <p:cNvSpPr>
+            <a:spLocks noGrp="1" noRot="1" noChangeAspect="1"/>
+          </p:cNvSpPr>
+          <p:nvPr>
+            <p:ph type="sldImg"/>
+          </p:nvPr>
+        </p:nvSpPr>
+        <p:spPr/>
+      </p:sp>
+      <p:sp>
+        <p:nvSpPr>
+          <p:cNvPr id="3" name="Notes Placeholder 2"/>
+          <p:cNvSpPr>
+            <a:spLocks noGrp="1"/>
+          </p:cNvSpPr>
+          <p:nvPr>
+            <p:ph type="body" idx="1"/>
+          </p:nvPr>
+        </p:nvSpPr>
+        <p:spPr/>
+        <p:txBody>
+          <a:bodyPr/>
+          <a:lstStyle/>
+          <a:p>
+            <a:endParaRPr lang="en-US" dirty="0"/>
+          </a:p>
+        </p:txBody>
+      </p:sp>
+      <p:sp>
+        <p:nvSpPr>
+          <p:cNvPr id="4" name="Slide Number Placeholder 3"/>
+          <p:cNvSpPr>
+            <a:spLocks noGrp="1"/>
+          </p:cNvSpPr>
+          <p:nvPr>
+            <p:ph type="sldNum" sz="quarter" idx="5"/>
+          </p:nvPr>
+        </p:nvSpPr>
+        <p:spPr/>
+        <p:txBody>
+          <a:bodyPr/>
+          <a:lstStyle/>
+          <a:p>
+            <a:fld id="{F12B1DAD-8ADF-4263-94C3-359392852796}" type="slidenum">
+              <a:rPr lang="en-US" smtClean="0"/>
+              <a:t>18</a:t>
+            </a:fld>
+            <a:endParaRPr lang="en-US"/>
+          </a:p>
+        </p:txBody>
+      </p:sp>
+    </p:spTree>
+    <p:extLst>
+      <p:ext uri="{BB962C8B-B14F-4D97-AF65-F5344CB8AC3E}">
         <p14:creationId xmlns:p14="http://schemas.microsoft.com/office/powerpoint/2010/main" val="887938242"/>
       </p:ext>
     </p:extLst>
@@ -716,7 +887,7 @@
           <a:p>
             <a:fld id="{06E713BE-B739-4CC0-B4CE-95E82AEB026E}" type="datetimeFigureOut">
               <a:rPr lang="en-US" smtClean="0"/>
-              <a:t>4/12/2025</a:t>
+              <a:t>4/14/2025</a:t>
             </a:fld>
             <a:endParaRPr lang="en-US" dirty="0"/>
           </a:p>
@@ -914,7 +1085,7 @@
           <a:p>
             <a:fld id="{06E713BE-B739-4CC0-B4CE-95E82AEB026E}" type="datetimeFigureOut">
               <a:rPr lang="en-US" smtClean="0"/>
-              <a:t>4/12/2025</a:t>
+              <a:t>4/14/2025</a:t>
             </a:fld>
             <a:endParaRPr lang="en-US" dirty="0"/>
           </a:p>
@@ -1122,7 +1293,7 @@
           <a:p>
             <a:fld id="{06E713BE-B739-4CC0-B4CE-95E82AEB026E}" type="datetimeFigureOut">
               <a:rPr lang="en-US" smtClean="0"/>
-              <a:t>4/12/2025</a:t>
+              <a:t>4/14/2025</a:t>
             </a:fld>
             <a:endParaRPr lang="en-US" dirty="0"/>
           </a:p>
@@ -1320,7 +1491,7 @@
           <a:p>
             <a:fld id="{06E713BE-B739-4CC0-B4CE-95E82AEB026E}" type="datetimeFigureOut">
               <a:rPr lang="en-US" smtClean="0"/>
-              <a:t>4/12/2025</a:t>
+              <a:t>4/14/2025</a:t>
             </a:fld>
             <a:endParaRPr lang="en-US" dirty="0"/>
           </a:p>
@@ -1595,7 +1766,7 @@
           <a:p>
             <a:fld id="{06E713BE-B739-4CC0-B4CE-95E82AEB026E}" type="datetimeFigureOut">
               <a:rPr lang="en-US" smtClean="0"/>
-              <a:t>4/12/2025</a:t>
+              <a:t>4/14/2025</a:t>
             </a:fld>
             <a:endParaRPr lang="en-US" dirty="0"/>
           </a:p>
@@ -1860,7 +2031,7 @@
           <a:p>
             <a:fld id="{06E713BE-B739-4CC0-B4CE-95E82AEB026E}" type="datetimeFigureOut">
               <a:rPr lang="en-US" smtClean="0"/>
-              <a:t>4/12/2025</a:t>
+              <a:t>4/14/2025</a:t>
             </a:fld>
             <a:endParaRPr lang="en-US" dirty="0"/>
           </a:p>
@@ -2272,7 +2443,7 @@
           <a:p>
             <a:fld id="{06E713BE-B739-4CC0-B4CE-95E82AEB026E}" type="datetimeFigureOut">
               <a:rPr lang="en-US" smtClean="0"/>
-              <a:t>4/12/2025</a:t>
+              <a:t>4/14/2025</a:t>
             </a:fld>
             <a:endParaRPr lang="en-US" dirty="0"/>
           </a:p>
@@ -2413,7 +2584,7 @@
           <a:p>
             <a:fld id="{06E713BE-B739-4CC0-B4CE-95E82AEB026E}" type="datetimeFigureOut">
               <a:rPr lang="en-US" smtClean="0"/>
-              <a:t>4/12/2025</a:t>
+              <a:t>4/14/2025</a:t>
             </a:fld>
             <a:endParaRPr lang="en-US" dirty="0"/>
           </a:p>
@@ -2526,7 +2697,7 @@
           <a:p>
             <a:fld id="{06E713BE-B739-4CC0-B4CE-95E82AEB026E}" type="datetimeFigureOut">
               <a:rPr lang="en-US" smtClean="0"/>
-              <a:t>4/12/2025</a:t>
+              <a:t>4/14/2025</a:t>
             </a:fld>
             <a:endParaRPr lang="en-US" dirty="0"/>
           </a:p>
@@ -2837,7 +3008,7 @@
           <a:p>
             <a:fld id="{06E713BE-B739-4CC0-B4CE-95E82AEB026E}" type="datetimeFigureOut">
               <a:rPr lang="en-US" smtClean="0"/>
-              <a:t>4/12/2025</a:t>
+              <a:t>4/14/2025</a:t>
             </a:fld>
             <a:endParaRPr lang="en-US" dirty="0"/>
           </a:p>
@@ -3125,7 +3296,7 @@
           <a:p>
             <a:fld id="{06E713BE-B739-4CC0-B4CE-95E82AEB026E}" type="datetimeFigureOut">
               <a:rPr lang="en-US" smtClean="0"/>
-              <a:t>4/12/2025</a:t>
+              <a:t>4/14/2025</a:t>
             </a:fld>
             <a:endParaRPr lang="en-US" dirty="0"/>
           </a:p>
@@ -3366,7 +3537,7 @@
           <a:p>
             <a:fld id="{06E713BE-B739-4CC0-B4CE-95E82AEB026E}" type="datetimeFigureOut">
               <a:rPr lang="en-US" smtClean="0"/>
-              <a:t>4/12/2025</a:t>
+              <a:t>4/14/2025</a:t>
             </a:fld>
             <a:endParaRPr lang="en-US" dirty="0"/>
           </a:p>
@@ -3903,7 +4074,7 @@
         </p:nvSpPr>
         <p:spPr>
           <a:xfrm>
-            <a:off x="1894840" y="2510860"/>
+            <a:off x="1894840" y="2256199"/>
             <a:ext cx="8402320" cy="461665"/>
           </a:xfrm>
           <a:prstGeom prst="rect">
@@ -3919,144 +4090,183 @@
           <a:p>
             <a:pPr algn="ctr"/>
             <a:r>
+              <a:rPr lang="en-US" sz="2400" b="1" dirty="0">
+                <a:latin typeface="Arial" panose="020B0604020202020204" pitchFamily="34" charset="0"/>
+                <a:cs typeface="Arial" panose="020B0604020202020204" pitchFamily="34" charset="0"/>
+              </a:rPr>
+              <a:t>Department of </a:t>
+            </a:r>
+          </a:p>
+        </p:txBody>
+      </p:sp>
+      <p:sp>
+        <p:nvSpPr>
+          <p:cNvPr id="5" name="TextBox 4">
+            <a:extLst>
+              <a:ext uri="{FF2B5EF4-FFF2-40B4-BE49-F238E27FC236}">
+                <a16:creationId xmlns:a16="http://schemas.microsoft.com/office/drawing/2014/main" id="{E20B0A40-D484-44AC-19B4-B5DA138AAB7E}"/>
+              </a:ext>
+            </a:extLst>
+          </p:cNvPr>
+          <p:cNvSpPr txBox="1"/>
+          <p:nvPr/>
+        </p:nvSpPr>
+        <p:spPr>
+          <a:xfrm>
+            <a:off x="633730" y="4116307"/>
+            <a:ext cx="3348990" cy="1569660"/>
+          </a:xfrm>
+          <a:prstGeom prst="rect">
+            <a:avLst/>
+          </a:prstGeom>
+          <a:noFill/>
+        </p:spPr>
+        <p:txBody>
+          <a:bodyPr wrap="square" rtlCol="0">
+            <a:spAutoFit/>
+          </a:bodyPr>
+          <a:lstStyle/>
+          <a:p>
+            <a:r>
+              <a:rPr lang="en-US" sz="2400" b="1" dirty="0">
+                <a:cs typeface="Times New Roman" panose="02020603050405020304" pitchFamily="18" charset="0"/>
+              </a:rPr>
+              <a:t>Under the Guidance of</a:t>
+            </a:r>
+          </a:p>
+          <a:p>
+            <a:r>
+              <a:rPr lang="en-US" sz="2400" dirty="0">
+                <a:cs typeface="Times New Roman" panose="02020603050405020304" pitchFamily="18" charset="0"/>
+              </a:rPr>
+              <a:t>Dr. CH. SURYABABU,</a:t>
+            </a:r>
+          </a:p>
+          <a:p>
+            <a:r>
+              <a:rPr lang="en-US" sz="2400" dirty="0">
+                <a:cs typeface="Times New Roman" panose="02020603050405020304" pitchFamily="18" charset="0"/>
+              </a:rPr>
+              <a:t>M.Tech, Ph.D.</a:t>
+            </a:r>
+          </a:p>
+          <a:p>
+            <a:r>
+              <a:rPr lang="en-US" sz="2400" dirty="0">
+                <a:cs typeface="Times New Roman" panose="02020603050405020304" pitchFamily="18" charset="0"/>
+              </a:rPr>
+              <a:t>HOD &amp; Professor</a:t>
+            </a:r>
+          </a:p>
+        </p:txBody>
+      </p:sp>
+      <p:sp>
+        <p:nvSpPr>
+          <p:cNvPr id="6" name="TextBox 5">
+            <a:extLst>
+              <a:ext uri="{FF2B5EF4-FFF2-40B4-BE49-F238E27FC236}">
+                <a16:creationId xmlns:a16="http://schemas.microsoft.com/office/drawing/2014/main" id="{5D03C4C9-EDC5-24D3-4AF9-620A472F2588}"/>
+              </a:ext>
+            </a:extLst>
+          </p:cNvPr>
+          <p:cNvSpPr txBox="1"/>
+          <p:nvPr/>
+        </p:nvSpPr>
+        <p:spPr>
+          <a:xfrm>
+            <a:off x="5567680" y="4116307"/>
+            <a:ext cx="6350000" cy="1938992"/>
+          </a:xfrm>
+          <a:prstGeom prst="rect">
+            <a:avLst/>
+          </a:prstGeom>
+          <a:noFill/>
+        </p:spPr>
+        <p:txBody>
+          <a:bodyPr wrap="square" rtlCol="0">
+            <a:spAutoFit/>
+          </a:bodyPr>
+          <a:lstStyle/>
+          <a:p>
+            <a:r>
+              <a:rPr lang="en-US" sz="2400" b="1" dirty="0">
+                <a:cs typeface="Times New Roman" panose="02020603050405020304" pitchFamily="18" charset="0"/>
+              </a:rPr>
+              <a:t>PRESENTED BY:</a:t>
+            </a:r>
+            <a:br>
+              <a:rPr lang="en-US" sz="2400" dirty="0">
+                <a:cs typeface="Times New Roman" panose="02020603050405020304" pitchFamily="18" charset="0"/>
+              </a:rPr>
+            </a:br>
+            <a:r>
+              <a:rPr lang="en-US" sz="2400" dirty="0">
+                <a:cs typeface="Times New Roman" panose="02020603050405020304" pitchFamily="18" charset="0"/>
+              </a:rPr>
+              <a:t>J. DHEERAJ			21MD1A0429</a:t>
+            </a:r>
+          </a:p>
+          <a:p>
+            <a:r>
+              <a:rPr lang="en-US" sz="2400" dirty="0">
+                <a:cs typeface="Times New Roman" panose="02020603050405020304" pitchFamily="18" charset="0"/>
+              </a:rPr>
+              <a:t>G. BHARATH CHANDU		21MD1A0422</a:t>
+            </a:r>
+          </a:p>
+          <a:p>
+            <a:r>
+              <a:rPr lang="en-US" sz="2400" dirty="0">
+                <a:cs typeface="Times New Roman" panose="02020603050405020304" pitchFamily="18" charset="0"/>
+              </a:rPr>
+              <a:t>N. SATISH CHANDRA 		22MD5A0407</a:t>
+            </a:r>
+          </a:p>
+          <a:p>
+            <a:r>
+              <a:rPr lang="en-US" sz="2400" dirty="0">
+                <a:cs typeface="Times New Roman" panose="02020603050405020304" pitchFamily="18" charset="0"/>
+              </a:rPr>
+              <a:t>M. K. JAGADIESHESWAR 	21MD1A0440</a:t>
+            </a:r>
+          </a:p>
+        </p:txBody>
+      </p:sp>
+      <p:sp>
+        <p:nvSpPr>
+          <p:cNvPr id="7" name="TextBox 6">
+            <a:extLst>
+              <a:ext uri="{FF2B5EF4-FFF2-40B4-BE49-F238E27FC236}">
+                <a16:creationId xmlns:a16="http://schemas.microsoft.com/office/drawing/2014/main" id="{364E74E1-29DB-2F50-7D15-0CB04631B879}"/>
+              </a:ext>
+            </a:extLst>
+          </p:cNvPr>
+          <p:cNvSpPr txBox="1"/>
+          <p:nvPr/>
+        </p:nvSpPr>
+        <p:spPr>
+          <a:xfrm>
+            <a:off x="2047240" y="2791831"/>
+            <a:ext cx="8402320" cy="461665"/>
+          </a:xfrm>
+          <a:prstGeom prst="rect">
+            <a:avLst/>
+          </a:prstGeom>
+          <a:noFill/>
+        </p:spPr>
+        <p:txBody>
+          <a:bodyPr wrap="square" rtlCol="0">
+            <a:spAutoFit/>
+          </a:bodyPr>
+          <a:lstStyle/>
+          <a:p>
+            <a:pPr algn="ctr"/>
+            <a:r>
               <a:rPr lang="en-US" sz="2400" dirty="0">
                 <a:latin typeface="Arial" panose="020B0604020202020204" pitchFamily="34" charset="0"/>
                 <a:cs typeface="Arial" panose="020B0604020202020204" pitchFamily="34" charset="0"/>
               </a:rPr>
               <a:t>ELECTRONICS AND COMMUNICATION ENGINEERING </a:t>
-            </a:r>
-          </a:p>
-        </p:txBody>
-      </p:sp>
-      <p:sp>
-        <p:nvSpPr>
-          <p:cNvPr id="5" name="TextBox 4">
-            <a:extLst>
-              <a:ext uri="{FF2B5EF4-FFF2-40B4-BE49-F238E27FC236}">
-                <a16:creationId xmlns:a16="http://schemas.microsoft.com/office/drawing/2014/main" id="{E20B0A40-D484-44AC-19B4-B5DA138AAB7E}"/>
-              </a:ext>
-            </a:extLst>
-          </p:cNvPr>
-          <p:cNvSpPr txBox="1"/>
-          <p:nvPr/>
-        </p:nvSpPr>
-        <p:spPr>
-          <a:xfrm>
-            <a:off x="633730" y="4116307"/>
-            <a:ext cx="3348990" cy="1569660"/>
-          </a:xfrm>
-          <a:prstGeom prst="rect">
-            <a:avLst/>
-          </a:prstGeom>
-          <a:noFill/>
-        </p:spPr>
-        <p:txBody>
-          <a:bodyPr wrap="square" rtlCol="0">
-            <a:spAutoFit/>
-          </a:bodyPr>
-          <a:lstStyle/>
-          <a:p>
-            <a:r>
-              <a:rPr lang="en-US" sz="2400" b="1" dirty="0">
-                <a:cs typeface="Times New Roman" panose="02020603050405020304" pitchFamily="18" charset="0"/>
-              </a:rPr>
-              <a:t>Under the Guidance of</a:t>
-            </a:r>
-          </a:p>
-          <a:p>
-            <a:r>
-              <a:rPr lang="en-US" sz="2400" dirty="0">
-                <a:cs typeface="Times New Roman" panose="02020603050405020304" pitchFamily="18" charset="0"/>
-              </a:rPr>
-              <a:t>Dr. CH. SURYABABU,</a:t>
-            </a:r>
-          </a:p>
-          <a:p>
-            <a:r>
-              <a:rPr lang="en-US" sz="2400" dirty="0">
-                <a:cs typeface="Times New Roman" panose="02020603050405020304" pitchFamily="18" charset="0"/>
-              </a:rPr>
-              <a:t>M.Tech, Ph.D.</a:t>
-            </a:r>
-          </a:p>
-          <a:p>
-            <a:r>
-              <a:rPr lang="en-US" sz="2400" dirty="0">
-                <a:cs typeface="Times New Roman" panose="02020603050405020304" pitchFamily="18" charset="0"/>
-              </a:rPr>
-              <a:t>HOD &amp; Professor</a:t>
-            </a:r>
-          </a:p>
-        </p:txBody>
-      </p:sp>
-      <p:sp>
-        <p:nvSpPr>
-          <p:cNvPr id="6" name="TextBox 5">
-            <a:extLst>
-              <a:ext uri="{FF2B5EF4-FFF2-40B4-BE49-F238E27FC236}">
-                <a16:creationId xmlns:a16="http://schemas.microsoft.com/office/drawing/2014/main" id="{5D03C4C9-EDC5-24D3-4AF9-620A472F2588}"/>
-              </a:ext>
-            </a:extLst>
-          </p:cNvPr>
-          <p:cNvSpPr txBox="1"/>
-          <p:nvPr/>
-        </p:nvSpPr>
-        <p:spPr>
-          <a:xfrm>
-            <a:off x="5567680" y="4116307"/>
-            <a:ext cx="6350000" cy="1938992"/>
-          </a:xfrm>
-          <a:prstGeom prst="rect">
-            <a:avLst/>
-          </a:prstGeom>
-          <a:noFill/>
-        </p:spPr>
-        <p:txBody>
-          <a:bodyPr wrap="square" rtlCol="0">
-            <a:spAutoFit/>
-          </a:bodyPr>
-          <a:lstStyle/>
-          <a:p>
-            <a:r>
-              <a:rPr lang="en-US" sz="2400" b="1" dirty="0">
-                <a:cs typeface="Times New Roman" panose="02020603050405020304" pitchFamily="18" charset="0"/>
-              </a:rPr>
-              <a:t>PRESENTED BY:</a:t>
-            </a:r>
-            <a:br>
-              <a:rPr lang="en-US" sz="2400" dirty="0">
-                <a:cs typeface="Times New Roman" panose="02020603050405020304" pitchFamily="18" charset="0"/>
-              </a:rPr>
-            </a:br>
-            <a:r>
-              <a:rPr lang="en-US" sz="2400" dirty="0">
-                <a:cs typeface="Times New Roman" panose="02020603050405020304" pitchFamily="18" charset="0"/>
-              </a:rPr>
-              <a:t>J. DHEERAJ			21MD1A0429</a:t>
-            </a:r>
-          </a:p>
-          <a:p>
-            <a:r>
-              <a:rPr lang="en-US" sz="2400" dirty="0">
-                <a:cs typeface="Times New Roman" panose="02020603050405020304" pitchFamily="18" charset="0"/>
-              </a:rPr>
-              <a:t>G. BHARATH CHANDU		21MD1A0422</a:t>
-            </a:r>
-          </a:p>
-          <a:p>
-            <a:r>
-              <a:rPr lang="en-US" sz="2400" dirty="0">
-                <a:cs typeface="Times New Roman" panose="02020603050405020304" pitchFamily="18" charset="0"/>
-              </a:rPr>
-              <a:t>N. SATISH CHANDRA 		22MD5A0407</a:t>
-            </a:r>
-          </a:p>
-          <a:p>
-            <a:r>
-              <a:rPr lang="en-US" sz="2400" dirty="0">
-                <a:cs typeface="Times New Roman" panose="02020603050405020304" pitchFamily="18" charset="0"/>
-              </a:rPr>
-              <a:t>M. K. JAGADIESHESWAR 	21MD1A0440</a:t>
             </a:r>
           </a:p>
         </p:txBody>
@@ -5308,8 +5518,8 @@
           </a:p>
         </p:txBody>
       </p:sp>
-      <mc:AlternateContent xmlns:mc="http://schemas.openxmlformats.org/markup-compatibility/2006">
-        <mc:Choice xmlns:a14="http://schemas.microsoft.com/office/drawing/2010/main" Requires="a14">
+      <mc:AlternateContent xmlns:mc="http://schemas.openxmlformats.org/markup-compatibility/2006" xmlns:a14="http://schemas.microsoft.com/office/drawing/2010/main">
+        <mc:Choice Requires="a14">
           <p:sp>
             <p:nvSpPr>
               <p:cNvPr id="2" name="TextBox 1">
@@ -5464,7 +5674,7 @@
             </p:txBody>
           </p:sp>
         </mc:Choice>
-        <mc:Fallback>
+        <mc:Fallback xmlns="">
           <p:sp>
             <p:nvSpPr>
               <p:cNvPr id="2" name="TextBox 1">
@@ -5937,6 +6147,622 @@
 </file>
 
 <file path=ppt/slides/slide16.xml><?xml version="1.0" encoding="utf-8"?>
+<p:sld xmlns:a="http://schemas.openxmlformats.org/drawingml/2006/main" xmlns:r="http://schemas.openxmlformats.org/officeDocument/2006/relationships" xmlns:p="http://schemas.openxmlformats.org/presentationml/2006/main">
+  <p:cSld>
+    <p:spTree>
+      <p:nvGrpSpPr>
+        <p:cNvPr id="1" name=""/>
+        <p:cNvGrpSpPr/>
+        <p:nvPr/>
+      </p:nvGrpSpPr>
+      <p:grpSpPr>
+        <a:xfrm>
+          <a:off x="0" y="0"/>
+          <a:ext cx="0" cy="0"/>
+          <a:chOff x="0" y="0"/>
+          <a:chExt cx="0" cy="0"/>
+        </a:xfrm>
+      </p:grpSpPr>
+      <p:sp>
+        <p:nvSpPr>
+          <p:cNvPr id="4" name="TextBox 3">
+            <a:extLst>
+              <a:ext uri="{FF2B5EF4-FFF2-40B4-BE49-F238E27FC236}">
+                <a16:creationId xmlns:a16="http://schemas.microsoft.com/office/drawing/2014/main" id="{17C97D89-3979-D9EC-2F9E-F1BA5D0A9EF4}"/>
+              </a:ext>
+            </a:extLst>
+          </p:cNvPr>
+          <p:cNvSpPr txBox="1"/>
+          <p:nvPr/>
+        </p:nvSpPr>
+        <p:spPr>
+          <a:xfrm>
+            <a:off x="416560" y="675640"/>
+            <a:ext cx="4856480" cy="646331"/>
+          </a:xfrm>
+          <a:prstGeom prst="rect">
+            <a:avLst/>
+          </a:prstGeom>
+          <a:noFill/>
+        </p:spPr>
+        <p:txBody>
+          <a:bodyPr wrap="square" rtlCol="0">
+            <a:spAutoFit/>
+          </a:bodyPr>
+          <a:lstStyle/>
+          <a:p>
+            <a:r>
+              <a:rPr lang="en-US" sz="3600" b="1" dirty="0"/>
+              <a:t>System Components </a:t>
+            </a:r>
+          </a:p>
+        </p:txBody>
+      </p:sp>
+      <p:cxnSp>
+        <p:nvCxnSpPr>
+          <p:cNvPr id="9" name="Straight Connector 8">
+            <a:extLst>
+              <a:ext uri="{FF2B5EF4-FFF2-40B4-BE49-F238E27FC236}">
+                <a16:creationId xmlns:a16="http://schemas.microsoft.com/office/drawing/2014/main" id="{06DEB5C5-95DE-9DEC-6F84-929E462EC78F}"/>
+              </a:ext>
+            </a:extLst>
+          </p:cNvPr>
+          <p:cNvCxnSpPr>
+            <a:cxnSpLocks/>
+          </p:cNvCxnSpPr>
+          <p:nvPr/>
+        </p:nvCxnSpPr>
+        <p:spPr>
+          <a:xfrm>
+            <a:off x="335280" y="1382931"/>
+            <a:ext cx="2743200" cy="0"/>
+          </a:xfrm>
+          <a:prstGeom prst="line">
+            <a:avLst/>
+          </a:prstGeom>
+          <a:ln w="28575"/>
+          <a:effectLst>
+            <a:outerShdw blurRad="50800" dist="38100" dir="2700000" algn="tl" rotWithShape="0">
+              <a:prstClr val="black">
+                <a:alpha val="40000"/>
+              </a:prstClr>
+            </a:outerShdw>
+          </a:effectLst>
+        </p:spPr>
+        <p:style>
+          <a:lnRef idx="1">
+            <a:schemeClr val="accent1"/>
+          </a:lnRef>
+          <a:fillRef idx="0">
+            <a:schemeClr val="accent1"/>
+          </a:fillRef>
+          <a:effectRef idx="0">
+            <a:schemeClr val="accent1"/>
+          </a:effectRef>
+          <a:fontRef idx="minor">
+            <a:schemeClr val="tx1"/>
+          </a:fontRef>
+        </p:style>
+      </p:cxnSp>
+      <p:sp>
+        <p:nvSpPr>
+          <p:cNvPr id="10" name="TextBox 9">
+            <a:extLst>
+              <a:ext uri="{FF2B5EF4-FFF2-40B4-BE49-F238E27FC236}">
+                <a16:creationId xmlns:a16="http://schemas.microsoft.com/office/drawing/2014/main" id="{603D59D7-9A28-C65D-5390-DFAD2739FC7B}"/>
+              </a:ext>
+            </a:extLst>
+          </p:cNvPr>
+          <p:cNvSpPr txBox="1"/>
+          <p:nvPr/>
+        </p:nvSpPr>
+        <p:spPr>
+          <a:xfrm>
+            <a:off x="675640" y="1577955"/>
+            <a:ext cx="5908040" cy="584775"/>
+          </a:xfrm>
+          <a:prstGeom prst="rect">
+            <a:avLst/>
+          </a:prstGeom>
+          <a:noFill/>
+        </p:spPr>
+        <p:txBody>
+          <a:bodyPr wrap="square" rtlCol="0">
+            <a:spAutoFit/>
+          </a:bodyPr>
+          <a:lstStyle/>
+          <a:p>
+            <a:r>
+              <a:rPr lang="en-US" sz="3200" b="1" dirty="0"/>
+              <a:t>7.</a:t>
+            </a:r>
+            <a:r>
+              <a:rPr lang="en-US" sz="3200" b="1" dirty="0">
+                <a:latin typeface="+mj-lt"/>
+              </a:rPr>
+              <a:t> </a:t>
+            </a:r>
+            <a:r>
+              <a:rPr lang="en-US" sz="3200" b="1" dirty="0"/>
+              <a:t>LCD display</a:t>
+            </a:r>
+          </a:p>
+        </p:txBody>
+      </p:sp>
+      <p:sp>
+        <p:nvSpPr>
+          <p:cNvPr id="2" name="TextBox 1">
+            <a:extLst>
+              <a:ext uri="{FF2B5EF4-FFF2-40B4-BE49-F238E27FC236}">
+                <a16:creationId xmlns:a16="http://schemas.microsoft.com/office/drawing/2014/main" id="{636B8627-F01B-E63B-487A-512E6920E32E}"/>
+              </a:ext>
+            </a:extLst>
+          </p:cNvPr>
+          <p:cNvSpPr txBox="1"/>
+          <p:nvPr/>
+        </p:nvSpPr>
+        <p:spPr>
+          <a:xfrm>
+            <a:off x="955040" y="2357753"/>
+            <a:ext cx="6746240" cy="3816429"/>
+          </a:xfrm>
+          <a:prstGeom prst="rect">
+            <a:avLst/>
+          </a:prstGeom>
+          <a:noFill/>
+        </p:spPr>
+        <p:txBody>
+          <a:bodyPr wrap="square" rtlCol="0">
+            <a:spAutoFit/>
+          </a:bodyPr>
+          <a:lstStyle/>
+          <a:p>
+            <a:pPr marL="342900" indent="-342900">
+              <a:buFont typeface="Arial" panose="020B0604020202020204" pitchFamily="34" charset="0"/>
+              <a:buChar char="•"/>
+            </a:pPr>
+            <a:r>
+              <a:rPr lang="en-US" sz="2200" b="1" dirty="0">
+                <a:latin typeface="+mj-lt"/>
+              </a:rPr>
+              <a:t>Size:</a:t>
+            </a:r>
+            <a:r>
+              <a:rPr lang="en-US" sz="2200" dirty="0">
+                <a:latin typeface="+mj-lt"/>
+              </a:rPr>
+              <a:t> A 16x2 LCD display can show up to 32 characters (16 per row).</a:t>
+            </a:r>
+          </a:p>
+          <a:p>
+            <a:pPr marL="342900" indent="-342900">
+              <a:buFont typeface="Arial" panose="020B0604020202020204" pitchFamily="34" charset="0"/>
+              <a:buChar char="•"/>
+            </a:pPr>
+            <a:r>
+              <a:rPr lang="en-US" sz="2200" b="1" dirty="0">
+                <a:latin typeface="+mj-lt"/>
+              </a:rPr>
+              <a:t>Operation Modes: </a:t>
+            </a:r>
+            <a:r>
+              <a:rPr lang="en-US" sz="2200" dirty="0">
+                <a:latin typeface="+mj-lt"/>
+              </a:rPr>
+              <a:t>Supports both 4-bit and 8-bit communication modes for flexibility in microcontroller connections.</a:t>
+            </a:r>
+          </a:p>
+          <a:p>
+            <a:pPr marL="342900" indent="-342900">
+              <a:buFont typeface="Arial" panose="020B0604020202020204" pitchFamily="34" charset="0"/>
+              <a:buChar char="•"/>
+            </a:pPr>
+            <a:r>
+              <a:rPr lang="en-US" sz="2200" b="1" dirty="0">
+                <a:latin typeface="+mj-lt"/>
+              </a:rPr>
+              <a:t>Backlight:</a:t>
+            </a:r>
+            <a:r>
+              <a:rPr lang="en-US" sz="2200" dirty="0">
+                <a:latin typeface="+mj-lt"/>
+              </a:rPr>
+              <a:t> Equipped with an LED backlight for better visibility in low-light environments.</a:t>
+            </a:r>
+          </a:p>
+          <a:p>
+            <a:pPr marL="342900" indent="-342900">
+              <a:buFont typeface="Arial" panose="020B0604020202020204" pitchFamily="34" charset="0"/>
+              <a:buChar char="•"/>
+            </a:pPr>
+            <a:r>
+              <a:rPr lang="en-US" sz="2200" b="1" dirty="0">
+                <a:latin typeface="+mj-lt"/>
+              </a:rPr>
+              <a:t>Contrast Adjustment: </a:t>
+            </a:r>
+            <a:r>
+              <a:rPr lang="en-US" sz="2200" dirty="0">
+                <a:latin typeface="+mj-lt"/>
+              </a:rPr>
+              <a:t>Includes a pin (V0) for connecting a potentiometer to adjust screen contrast.</a:t>
+            </a:r>
+          </a:p>
+          <a:p>
+            <a:pPr marL="342900" indent="-342900">
+              <a:buFont typeface="Arial" panose="020B0604020202020204" pitchFamily="34" charset="0"/>
+              <a:buChar char="•"/>
+            </a:pPr>
+            <a:r>
+              <a:rPr lang="en-US" sz="2200" b="1" dirty="0">
+                <a:latin typeface="+mj-lt"/>
+              </a:rPr>
+              <a:t>Applications: </a:t>
+            </a:r>
+            <a:r>
+              <a:rPr lang="en-US" sz="2200" dirty="0">
+                <a:latin typeface="+mj-lt"/>
+              </a:rPr>
+              <a:t>Widely used in embedded systems, consumer electronics, and industrial machines.</a:t>
+            </a:r>
+          </a:p>
+        </p:txBody>
+      </p:sp>
+      <p:pic>
+        <p:nvPicPr>
+          <p:cNvPr id="1028" name="Picture 4" descr="16x2 LCD DISPLAY - PiEmbSysTech">
+            <a:extLst>
+              <a:ext uri="{FF2B5EF4-FFF2-40B4-BE49-F238E27FC236}">
+                <a16:creationId xmlns:a16="http://schemas.microsoft.com/office/drawing/2014/main" id="{78042CDB-E169-8618-34B6-086B07738D66}"/>
+              </a:ext>
+            </a:extLst>
+          </p:cNvPr>
+          <p:cNvPicPr>
+            <a:picLocks noChangeAspect="1" noChangeArrowheads="1"/>
+          </p:cNvPicPr>
+          <p:nvPr/>
+        </p:nvPicPr>
+        <p:blipFill>
+          <a:blip r:embed="rId3">
+            <a:extLst>
+              <a:ext uri="{28A0092B-C50C-407E-A947-70E740481C1C}">
+                <a14:useLocalDpi xmlns:a14="http://schemas.microsoft.com/office/drawing/2010/main" val="0"/>
+              </a:ext>
+            </a:extLst>
+          </a:blip>
+          <a:srcRect/>
+          <a:stretch>
+            <a:fillRect/>
+          </a:stretch>
+        </p:blipFill>
+        <p:spPr bwMode="auto">
+          <a:xfrm>
+            <a:off x="7884160" y="2608230"/>
+            <a:ext cx="4071548" cy="2011680"/>
+          </a:xfrm>
+          <a:prstGeom prst="rect">
+            <a:avLst/>
+          </a:prstGeom>
+          <a:noFill/>
+          <a:extLst>
+            <a:ext uri="{909E8E84-426E-40DD-AFC4-6F175D3DCCD1}">
+              <a14:hiddenFill xmlns:a14="http://schemas.microsoft.com/office/drawing/2010/main">
+                <a:solidFill>
+                  <a:srgbClr val="FFFFFF"/>
+                </a:solidFill>
+              </a14:hiddenFill>
+            </a:ext>
+          </a:extLst>
+        </p:spPr>
+      </p:pic>
+    </p:spTree>
+    <p:extLst>
+      <p:ext uri="{BB962C8B-B14F-4D97-AF65-F5344CB8AC3E}">
+        <p14:creationId xmlns:p14="http://schemas.microsoft.com/office/powerpoint/2010/main" val="2356941805"/>
+      </p:ext>
+    </p:extLst>
+  </p:cSld>
+  <p:clrMapOvr>
+    <a:masterClrMapping/>
+  </p:clrMapOvr>
+</p:sld>
+</file>
+
+<file path=ppt/slides/slide17.xml><?xml version="1.0" encoding="utf-8"?>
+<p:sld xmlns:a="http://schemas.openxmlformats.org/drawingml/2006/main" xmlns:r="http://schemas.openxmlformats.org/officeDocument/2006/relationships" xmlns:p="http://schemas.openxmlformats.org/presentationml/2006/main">
+  <p:cSld>
+    <p:spTree>
+      <p:nvGrpSpPr>
+        <p:cNvPr id="1" name=""/>
+        <p:cNvGrpSpPr/>
+        <p:nvPr/>
+      </p:nvGrpSpPr>
+      <p:grpSpPr>
+        <a:xfrm>
+          <a:off x="0" y="0"/>
+          <a:ext cx="0" cy="0"/>
+          <a:chOff x="0" y="0"/>
+          <a:chExt cx="0" cy="0"/>
+        </a:xfrm>
+      </p:grpSpPr>
+      <p:sp>
+        <p:nvSpPr>
+          <p:cNvPr id="4" name="TextBox 3">
+            <a:extLst>
+              <a:ext uri="{FF2B5EF4-FFF2-40B4-BE49-F238E27FC236}">
+                <a16:creationId xmlns:a16="http://schemas.microsoft.com/office/drawing/2014/main" id="{17C97D89-3979-D9EC-2F9E-F1BA5D0A9EF4}"/>
+              </a:ext>
+            </a:extLst>
+          </p:cNvPr>
+          <p:cNvSpPr txBox="1"/>
+          <p:nvPr/>
+        </p:nvSpPr>
+        <p:spPr>
+          <a:xfrm>
+            <a:off x="416560" y="675640"/>
+            <a:ext cx="4856480" cy="646331"/>
+          </a:xfrm>
+          <a:prstGeom prst="rect">
+            <a:avLst/>
+          </a:prstGeom>
+          <a:noFill/>
+        </p:spPr>
+        <p:txBody>
+          <a:bodyPr wrap="square" rtlCol="0">
+            <a:spAutoFit/>
+          </a:bodyPr>
+          <a:lstStyle/>
+          <a:p>
+            <a:r>
+              <a:rPr lang="en-US" sz="3600" b="1" dirty="0"/>
+              <a:t>System Components </a:t>
+            </a:r>
+          </a:p>
+        </p:txBody>
+      </p:sp>
+      <p:cxnSp>
+        <p:nvCxnSpPr>
+          <p:cNvPr id="9" name="Straight Connector 8">
+            <a:extLst>
+              <a:ext uri="{FF2B5EF4-FFF2-40B4-BE49-F238E27FC236}">
+                <a16:creationId xmlns:a16="http://schemas.microsoft.com/office/drawing/2014/main" id="{06DEB5C5-95DE-9DEC-6F84-929E462EC78F}"/>
+              </a:ext>
+            </a:extLst>
+          </p:cNvPr>
+          <p:cNvCxnSpPr>
+            <a:cxnSpLocks/>
+          </p:cNvCxnSpPr>
+          <p:nvPr/>
+        </p:nvCxnSpPr>
+        <p:spPr>
+          <a:xfrm>
+            <a:off x="335280" y="1382931"/>
+            <a:ext cx="2743200" cy="0"/>
+          </a:xfrm>
+          <a:prstGeom prst="line">
+            <a:avLst/>
+          </a:prstGeom>
+          <a:ln w="28575"/>
+          <a:effectLst>
+            <a:outerShdw blurRad="50800" dist="38100" dir="2700000" algn="tl" rotWithShape="0">
+              <a:prstClr val="black">
+                <a:alpha val="40000"/>
+              </a:prstClr>
+            </a:outerShdw>
+          </a:effectLst>
+        </p:spPr>
+        <p:style>
+          <a:lnRef idx="1">
+            <a:schemeClr val="accent1"/>
+          </a:lnRef>
+          <a:fillRef idx="0">
+            <a:schemeClr val="accent1"/>
+          </a:fillRef>
+          <a:effectRef idx="0">
+            <a:schemeClr val="accent1"/>
+          </a:effectRef>
+          <a:fontRef idx="minor">
+            <a:schemeClr val="tx1"/>
+          </a:fontRef>
+        </p:style>
+      </p:cxnSp>
+      <p:sp>
+        <p:nvSpPr>
+          <p:cNvPr id="10" name="TextBox 9">
+            <a:extLst>
+              <a:ext uri="{FF2B5EF4-FFF2-40B4-BE49-F238E27FC236}">
+                <a16:creationId xmlns:a16="http://schemas.microsoft.com/office/drawing/2014/main" id="{603D59D7-9A28-C65D-5390-DFAD2739FC7B}"/>
+              </a:ext>
+            </a:extLst>
+          </p:cNvPr>
+          <p:cNvSpPr txBox="1"/>
+          <p:nvPr/>
+        </p:nvSpPr>
+        <p:spPr>
+          <a:xfrm>
+            <a:off x="675640" y="1577955"/>
+            <a:ext cx="5908040" cy="584775"/>
+          </a:xfrm>
+          <a:prstGeom prst="rect">
+            <a:avLst/>
+          </a:prstGeom>
+          <a:noFill/>
+        </p:spPr>
+        <p:txBody>
+          <a:bodyPr wrap="square" rtlCol="0">
+            <a:spAutoFit/>
+          </a:bodyPr>
+          <a:lstStyle/>
+          <a:p>
+            <a:r>
+              <a:rPr lang="en-US" sz="3200" b="1" dirty="0"/>
+              <a:t>8.</a:t>
+            </a:r>
+            <a:r>
+              <a:rPr lang="en-US" sz="3200" b="1" dirty="0">
+                <a:latin typeface="+mj-lt"/>
+              </a:rPr>
+              <a:t> </a:t>
+            </a:r>
+            <a:r>
+              <a:rPr lang="en-US" sz="3200" b="1" dirty="0"/>
+              <a:t>Transformer</a:t>
+            </a:r>
+          </a:p>
+        </p:txBody>
+      </p:sp>
+      <p:sp>
+        <p:nvSpPr>
+          <p:cNvPr id="2" name="TextBox 1">
+            <a:extLst>
+              <a:ext uri="{FF2B5EF4-FFF2-40B4-BE49-F238E27FC236}">
+                <a16:creationId xmlns:a16="http://schemas.microsoft.com/office/drawing/2014/main" id="{636B8627-F01B-E63B-487A-512E6920E32E}"/>
+              </a:ext>
+            </a:extLst>
+          </p:cNvPr>
+          <p:cNvSpPr txBox="1"/>
+          <p:nvPr/>
+        </p:nvSpPr>
+        <p:spPr>
+          <a:xfrm>
+            <a:off x="955040" y="2357753"/>
+            <a:ext cx="6746240" cy="3785652"/>
+          </a:xfrm>
+          <a:prstGeom prst="rect">
+            <a:avLst/>
+          </a:prstGeom>
+          <a:noFill/>
+        </p:spPr>
+        <p:txBody>
+          <a:bodyPr wrap="square" rtlCol="0">
+            <a:spAutoFit/>
+          </a:bodyPr>
+          <a:lstStyle/>
+          <a:p>
+            <a:r>
+              <a:rPr lang="en-US" sz="2400" dirty="0">
+                <a:latin typeface="+mj-lt"/>
+              </a:rPr>
+              <a:t>A </a:t>
+            </a:r>
+            <a:r>
+              <a:rPr lang="en-US" sz="2400" b="1" dirty="0">
+                <a:latin typeface="+mj-lt"/>
+              </a:rPr>
+              <a:t>12-0-12 center-tapped transformer</a:t>
+            </a:r>
+            <a:r>
+              <a:rPr lang="en-US" sz="2400" dirty="0">
+                <a:latin typeface="+mj-lt"/>
+              </a:rPr>
+              <a:t> is a type of step-down transformer commonly used in electronics projects.</a:t>
+            </a:r>
+          </a:p>
+          <a:p>
+            <a:endParaRPr lang="en-US" sz="2400" dirty="0"/>
+          </a:p>
+          <a:p>
+            <a:pPr marL="342900" indent="-342900">
+              <a:buFont typeface="Arial" panose="020B0604020202020204" pitchFamily="34" charset="0"/>
+              <a:buChar char="•"/>
+            </a:pPr>
+            <a:r>
+              <a:rPr lang="en-US" sz="2400" b="1" dirty="0">
+                <a:latin typeface="+mj-lt"/>
+              </a:rPr>
+              <a:t>Primary Voltage</a:t>
+            </a:r>
+            <a:r>
+              <a:rPr lang="en-US" sz="2400" dirty="0">
+                <a:latin typeface="+mj-lt"/>
+              </a:rPr>
+              <a:t>: Typically operates at 220V or 230V AC input.</a:t>
+            </a:r>
+          </a:p>
+          <a:p>
+            <a:pPr marL="342900" indent="-342900">
+              <a:buFont typeface="Arial" panose="020B0604020202020204" pitchFamily="34" charset="0"/>
+              <a:buChar char="•"/>
+            </a:pPr>
+            <a:r>
+              <a:rPr lang="en-US" sz="2400" b="1" dirty="0">
+                <a:latin typeface="+mj-lt"/>
+              </a:rPr>
+              <a:t>Secondary Voltage</a:t>
+            </a:r>
+            <a:r>
+              <a:rPr lang="en-US" sz="2400" dirty="0">
+                <a:latin typeface="+mj-lt"/>
+              </a:rPr>
+              <a:t>: Provides three output voltages: 12V, 0V (center tap), and another 12V. The voltage across the two outer terminals is 24V AC.</a:t>
+            </a:r>
+          </a:p>
+          <a:p>
+            <a:endParaRPr lang="en-US" sz="2400" dirty="0"/>
+          </a:p>
+        </p:txBody>
+      </p:sp>
+      <p:pic>
+        <p:nvPicPr>
+          <p:cNvPr id="1026" name="Picture 2" descr="12-0-12 12V 1A Center Tapped Step Down Transformer : Amazon.in: Toys &amp; Games">
+            <a:extLst>
+              <a:ext uri="{FF2B5EF4-FFF2-40B4-BE49-F238E27FC236}">
+                <a16:creationId xmlns:a16="http://schemas.microsoft.com/office/drawing/2014/main" id="{C0212761-FECB-C888-8001-52907E226943}"/>
+              </a:ext>
+            </a:extLst>
+          </p:cNvPr>
+          <p:cNvPicPr>
+            <a:picLocks noChangeAspect="1" noChangeArrowheads="1"/>
+          </p:cNvPicPr>
+          <p:nvPr/>
+        </p:nvPicPr>
+        <p:blipFill>
+          <a:blip r:embed="rId3">
+            <a:extLst>
+              <a:ext uri="{28A0092B-C50C-407E-A947-70E740481C1C}">
+                <a14:useLocalDpi xmlns:a14="http://schemas.microsoft.com/office/drawing/2010/main" val="0"/>
+              </a:ext>
+            </a:extLst>
+          </a:blip>
+          <a:srcRect/>
+          <a:stretch>
+            <a:fillRect/>
+          </a:stretch>
+        </p:blipFill>
+        <p:spPr bwMode="auto">
+          <a:xfrm>
+            <a:off x="8432800" y="2357753"/>
+            <a:ext cx="3423920" cy="2523257"/>
+          </a:xfrm>
+          <a:prstGeom prst="rect">
+            <a:avLst/>
+          </a:prstGeom>
+          <a:noFill/>
+          <a:extLst>
+            <a:ext uri="{909E8E84-426E-40DD-AFC4-6F175D3DCCD1}">
+              <a14:hiddenFill xmlns:a14="http://schemas.microsoft.com/office/drawing/2010/main">
+                <a:solidFill>
+                  <a:srgbClr val="FFFFFF"/>
+                </a:solidFill>
+              </a14:hiddenFill>
+            </a:ext>
+          </a:extLst>
+        </p:spPr>
+      </p:pic>
+    </p:spTree>
+    <p:extLst>
+      <p:ext uri="{BB962C8B-B14F-4D97-AF65-F5344CB8AC3E}">
+        <p14:creationId xmlns:p14="http://schemas.microsoft.com/office/powerpoint/2010/main" val="3173803684"/>
+      </p:ext>
+    </p:extLst>
+  </p:cSld>
+  <p:clrMapOvr>
+    <a:masterClrMapping/>
+  </p:clrMapOvr>
+</p:sld>
+</file>
+
+<file path=ppt/slides/slide18.xml><?xml version="1.0" encoding="utf-8"?>
 <p:sld xmlns:a="http://schemas.openxmlformats.org/drawingml/2006/main" xmlns:r="http://schemas.openxmlformats.org/officeDocument/2006/relationships" xmlns:p="http://schemas.openxmlformats.org/presentationml/2006/main">
   <p:cSld>
     <p:spTree>
@@ -8261,7 +9087,7 @@
 </p:sld>
 </file>
 
-<file path=ppt/slides/slide17.xml><?xml version="1.0" encoding="utf-8"?>
+<file path=ppt/slides/slide19.xml><?xml version="1.0" encoding="utf-8"?>
 <p:sld xmlns:a="http://schemas.openxmlformats.org/drawingml/2006/main" xmlns:r="http://schemas.openxmlformats.org/officeDocument/2006/relationships" xmlns:p="http://schemas.openxmlformats.org/presentationml/2006/main">
   <p:cSld>
     <p:spTree>
@@ -8487,7 +9313,184 @@
 </p:sld>
 </file>
 
-<file path=ppt/slides/slide18.xml><?xml version="1.0" encoding="utf-8"?>
+<file path=ppt/slides/slide2.xml><?xml version="1.0" encoding="utf-8"?>
+<p:sld xmlns:a="http://schemas.openxmlformats.org/drawingml/2006/main" xmlns:r="http://schemas.openxmlformats.org/officeDocument/2006/relationships" xmlns:p="http://schemas.openxmlformats.org/presentationml/2006/main">
+  <p:cSld>
+    <p:spTree>
+      <p:nvGrpSpPr>
+        <p:cNvPr id="1" name=""/>
+        <p:cNvGrpSpPr/>
+        <p:nvPr/>
+      </p:nvGrpSpPr>
+      <p:grpSpPr>
+        <a:xfrm>
+          <a:off x="0" y="0"/>
+          <a:ext cx="0" cy="0"/>
+          <a:chOff x="0" y="0"/>
+          <a:chExt cx="0" cy="0"/>
+        </a:xfrm>
+      </p:grpSpPr>
+      <p:sp>
+        <p:nvSpPr>
+          <p:cNvPr id="4" name="TextBox 3">
+            <a:extLst>
+              <a:ext uri="{FF2B5EF4-FFF2-40B4-BE49-F238E27FC236}">
+                <a16:creationId xmlns:a16="http://schemas.microsoft.com/office/drawing/2014/main" id="{17C97D89-3979-D9EC-2F9E-F1BA5D0A9EF4}"/>
+              </a:ext>
+            </a:extLst>
+          </p:cNvPr>
+          <p:cNvSpPr txBox="1"/>
+          <p:nvPr/>
+        </p:nvSpPr>
+        <p:spPr>
+          <a:xfrm>
+            <a:off x="721360" y="695960"/>
+            <a:ext cx="1351280" cy="646331"/>
+          </a:xfrm>
+          <a:prstGeom prst="rect">
+            <a:avLst/>
+          </a:prstGeom>
+          <a:noFill/>
+        </p:spPr>
+        <p:txBody>
+          <a:bodyPr wrap="square" rtlCol="0">
+            <a:spAutoFit/>
+          </a:bodyPr>
+          <a:lstStyle/>
+          <a:p>
+            <a:r>
+              <a:rPr lang="en-US" sz="3600" b="1" dirty="0"/>
+              <a:t>TITLE</a:t>
+            </a:r>
+          </a:p>
+        </p:txBody>
+      </p:sp>
+      <p:cxnSp>
+        <p:nvCxnSpPr>
+          <p:cNvPr id="9" name="Straight Connector 8">
+            <a:extLst>
+              <a:ext uri="{FF2B5EF4-FFF2-40B4-BE49-F238E27FC236}">
+                <a16:creationId xmlns:a16="http://schemas.microsoft.com/office/drawing/2014/main" id="{06DEB5C5-95DE-9DEC-6F84-929E462EC78F}"/>
+              </a:ext>
+            </a:extLst>
+          </p:cNvPr>
+          <p:cNvCxnSpPr/>
+          <p:nvPr/>
+        </p:nvCxnSpPr>
+        <p:spPr>
+          <a:xfrm>
+            <a:off x="355600" y="1382931"/>
+            <a:ext cx="1828800" cy="0"/>
+          </a:xfrm>
+          <a:prstGeom prst="line">
+            <a:avLst/>
+          </a:prstGeom>
+          <a:ln w="28575"/>
+          <a:effectLst>
+            <a:outerShdw blurRad="50800" dist="38100" dir="2700000" algn="tl" rotWithShape="0">
+              <a:prstClr val="black">
+                <a:alpha val="40000"/>
+              </a:prstClr>
+            </a:outerShdw>
+          </a:effectLst>
+        </p:spPr>
+        <p:style>
+          <a:lnRef idx="1">
+            <a:schemeClr val="accent1"/>
+          </a:lnRef>
+          <a:fillRef idx="0">
+            <a:schemeClr val="accent1"/>
+          </a:fillRef>
+          <a:effectRef idx="0">
+            <a:schemeClr val="accent1"/>
+          </a:effectRef>
+          <a:fontRef idx="minor">
+            <a:schemeClr val="tx1"/>
+          </a:fontRef>
+        </p:style>
+      </p:cxnSp>
+      <p:sp>
+        <p:nvSpPr>
+          <p:cNvPr id="10" name="TextBox 9">
+            <a:extLst>
+              <a:ext uri="{FF2B5EF4-FFF2-40B4-BE49-F238E27FC236}">
+                <a16:creationId xmlns:a16="http://schemas.microsoft.com/office/drawing/2014/main" id="{603D59D7-9A28-C65D-5390-DFAD2739FC7B}"/>
+              </a:ext>
+            </a:extLst>
+          </p:cNvPr>
+          <p:cNvSpPr txBox="1"/>
+          <p:nvPr/>
+        </p:nvSpPr>
+        <p:spPr>
+          <a:xfrm>
+            <a:off x="670560" y="2459504"/>
+            <a:ext cx="6522720" cy="2308324"/>
+          </a:xfrm>
+          <a:prstGeom prst="rect">
+            <a:avLst/>
+          </a:prstGeom>
+          <a:noFill/>
+        </p:spPr>
+        <p:txBody>
+          <a:bodyPr wrap="square" rtlCol="0">
+            <a:spAutoFit/>
+          </a:bodyPr>
+          <a:lstStyle/>
+          <a:p>
+            <a:r>
+              <a:rPr lang="en-US" sz="3600" b="1" dirty="0">
+                <a:latin typeface="+mj-lt"/>
+                <a:cs typeface="Times New Roman" panose="02020603050405020304" pitchFamily="18" charset="0"/>
+              </a:rPr>
+              <a:t>Mean Based Approach To Omnidirectional Pathfinding Algorithm Using Single Ultrasonic Sensor for Robotic Car</a:t>
+            </a:r>
+          </a:p>
+        </p:txBody>
+      </p:sp>
+      <p:pic>
+        <p:nvPicPr>
+          <p:cNvPr id="13" name="Picture 12">
+            <a:extLst>
+              <a:ext uri="{FF2B5EF4-FFF2-40B4-BE49-F238E27FC236}">
+                <a16:creationId xmlns:a16="http://schemas.microsoft.com/office/drawing/2014/main" id="{CFD124E6-63D7-8D3A-1091-87D4B848AF4D}"/>
+              </a:ext>
+            </a:extLst>
+          </p:cNvPr>
+          <p:cNvPicPr>
+            <a:picLocks noChangeAspect="1"/>
+          </p:cNvPicPr>
+          <p:nvPr/>
+        </p:nvPicPr>
+        <p:blipFill>
+          <a:blip r:embed="rId2"/>
+          <a:stretch>
+            <a:fillRect/>
+          </a:stretch>
+        </p:blipFill>
+        <p:spPr>
+          <a:xfrm>
+            <a:off x="7193280" y="2247264"/>
+            <a:ext cx="4460240" cy="3300095"/>
+          </a:xfrm>
+          <a:prstGeom prst="rect">
+            <a:avLst/>
+          </a:prstGeom>
+        </p:spPr>
+      </p:pic>
+    </p:spTree>
+    <p:extLst>
+      <p:ext uri="{BB962C8B-B14F-4D97-AF65-F5344CB8AC3E}">
+        <p14:creationId xmlns:p14="http://schemas.microsoft.com/office/powerpoint/2010/main" val="550662415"/>
+      </p:ext>
+    </p:extLst>
+  </p:cSld>
+  <p:clrMapOvr>
+    <a:masterClrMapping/>
+  </p:clrMapOvr>
+</p:sld>
+</file>
+
+<file path=ppt/slides/slide20.xml><?xml version="1.0" encoding="utf-8"?>
 <p:sld xmlns:a="http://schemas.openxmlformats.org/drawingml/2006/main" xmlns:r="http://schemas.openxmlformats.org/officeDocument/2006/relationships" xmlns:p="http://schemas.openxmlformats.org/presentationml/2006/main">
   <p:cSld>
     <p:spTree>
@@ -9635,7 +10638,7 @@
 </p:sld>
 </file>
 
-<file path=ppt/slides/slide19.xml><?xml version="1.0" encoding="utf-8"?>
+<file path=ppt/slides/slide21.xml><?xml version="1.0" encoding="utf-8"?>
 <p:sld xmlns:a="http://schemas.openxmlformats.org/drawingml/2006/main" xmlns:r="http://schemas.openxmlformats.org/officeDocument/2006/relationships" xmlns:p="http://schemas.openxmlformats.org/presentationml/2006/main">
   <p:cSld>
     <p:spTree>
@@ -9858,7 +10861,7 @@
 </p:sld>
 </file>
 
-<file path=ppt/slides/slide2.xml><?xml version="1.0" encoding="utf-8"?>
+<file path=ppt/slides/slide22.xml><?xml version="1.0" encoding="utf-8"?>
 <p:sld xmlns:a="http://schemas.openxmlformats.org/drawingml/2006/main" xmlns:r="http://schemas.openxmlformats.org/officeDocument/2006/relationships" xmlns:p="http://schemas.openxmlformats.org/presentationml/2006/main">
   <p:cSld>
     <p:spTree>
@@ -9889,8 +10892,8 @@
         </p:nvSpPr>
         <p:spPr>
           <a:xfrm>
-            <a:off x="721360" y="695960"/>
-            <a:ext cx="1351280" cy="646331"/>
+            <a:off x="416560" y="675640"/>
+            <a:ext cx="4856480" cy="646331"/>
           </a:xfrm>
           <a:prstGeom prst="rect">
             <a:avLst/>
@@ -9905,7 +10908,7 @@
           <a:p>
             <a:r>
               <a:rPr lang="en-US" sz="3600" b="1" dirty="0"/>
-              <a:t>TITLE</a:t>
+              <a:t>Software's Used</a:t>
             </a:r>
           </a:p>
         </p:txBody>
@@ -9919,13 +10922,15 @@
               </a:ext>
             </a:extLst>
           </p:cNvPr>
-          <p:cNvCxnSpPr/>
+          <p:cNvCxnSpPr>
+            <a:cxnSpLocks/>
+          </p:cNvCxnSpPr>
           <p:nvPr/>
         </p:nvCxnSpPr>
         <p:spPr>
           <a:xfrm>
-            <a:off x="355600" y="1382931"/>
-            <a:ext cx="1828800" cy="0"/>
+            <a:off x="335280" y="1382931"/>
+            <a:ext cx="2743200" cy="0"/>
           </a:xfrm>
           <a:prstGeom prst="line">
             <a:avLst/>
@@ -9956,10 +10961,10 @@
       </p:cxnSp>
       <p:sp>
         <p:nvSpPr>
-          <p:cNvPr id="10" name="TextBox 9">
-            <a:extLst>
-              <a:ext uri="{FF2B5EF4-FFF2-40B4-BE49-F238E27FC236}">
-                <a16:creationId xmlns:a16="http://schemas.microsoft.com/office/drawing/2014/main" id="{603D59D7-9A28-C65D-5390-DFAD2739FC7B}"/>
+          <p:cNvPr id="6" name="TextBox 5">
+            <a:extLst>
+              <a:ext uri="{FF2B5EF4-FFF2-40B4-BE49-F238E27FC236}">
+                <a16:creationId xmlns:a16="http://schemas.microsoft.com/office/drawing/2014/main" id="{CF6F4F10-B955-26C4-1954-A6F002AA681F}"/>
               </a:ext>
             </a:extLst>
           </p:cNvPr>
@@ -9968,8 +10973,8 @@
         </p:nvSpPr>
         <p:spPr>
           <a:xfrm>
-            <a:off x="670560" y="2459504"/>
-            <a:ext cx="6522720" cy="2308324"/>
+            <a:off x="812800" y="1658045"/>
+            <a:ext cx="7518400" cy="5016758"/>
           </a:xfrm>
           <a:prstGeom prst="rect">
             <a:avLst/>
@@ -9983,21 +10988,73 @@
           <a:lstStyle/>
           <a:p>
             <a:r>
-              <a:rPr lang="en-US" sz="3600" b="1" dirty="0">
-                <a:latin typeface="+mj-lt"/>
-                <a:cs typeface="Times New Roman" panose="02020603050405020304" pitchFamily="18" charset="0"/>
-              </a:rPr>
-              <a:t>Mean Based Approach To Omnidirectional Pathfinding Algorithm Using Single Ultrasonic Sensor for Robotic Car</a:t>
+              <a:rPr lang="en-US" sz="2800" b="1" dirty="0"/>
+              <a:t>Proteus - ISIS</a:t>
+            </a:r>
+          </a:p>
+          <a:p>
+            <a:endParaRPr lang="en-US" sz="2800" b="1" dirty="0"/>
+          </a:p>
+          <a:p>
+            <a:pPr marL="342900" indent="-342900">
+              <a:buFont typeface="Arial" panose="020B0604020202020204" pitchFamily="34" charset="0"/>
+              <a:buChar char="•"/>
+            </a:pPr>
+            <a:r>
+              <a:rPr lang="en-US" sz="2400" dirty="0"/>
+              <a:t>Proteus ISIS (Intelligent Schematic Input System) is a tool for designing and simulating electronic circuits.</a:t>
+            </a:r>
+          </a:p>
+          <a:p>
+            <a:pPr marL="342900" indent="-342900">
+              <a:buFont typeface="Arial" panose="020B0604020202020204" pitchFamily="34" charset="0"/>
+              <a:buChar char="•"/>
+            </a:pPr>
+            <a:r>
+              <a:rPr lang="en-US" sz="2400" b="1" dirty="0"/>
+              <a:t>Features</a:t>
+            </a:r>
+            <a:r>
+              <a:rPr lang="en-US" sz="2400" dirty="0"/>
+              <a:t>: Offers a vast library of components, real-time simulation, and integration with microcontroller programming.</a:t>
+            </a:r>
+          </a:p>
+          <a:p>
+            <a:pPr marL="342900" indent="-342900">
+              <a:buFont typeface="Arial" panose="020B0604020202020204" pitchFamily="34" charset="0"/>
+              <a:buChar char="•"/>
+            </a:pPr>
+            <a:r>
+              <a:rPr lang="en-US" sz="2400" b="1" dirty="0"/>
+              <a:t>Applications</a:t>
+            </a:r>
+            <a:r>
+              <a:rPr lang="en-US" sz="2400" dirty="0"/>
+              <a:t>: Used for circuit design, testing, and educational purposes, especially in embedded systems and IoT projects.</a:t>
+            </a:r>
+          </a:p>
+          <a:p>
+            <a:pPr marL="342900" indent="-342900">
+              <a:buFont typeface="Arial" panose="020B0604020202020204" pitchFamily="34" charset="0"/>
+              <a:buChar char="•"/>
+            </a:pPr>
+            <a:r>
+              <a:rPr lang="en-US" sz="2400" b="1" dirty="0"/>
+              <a:t>Part of Proteus Suite</a:t>
+            </a:r>
+            <a:r>
+              <a:rPr lang="en-US" sz="2400" dirty="0"/>
+              <a:t>: Bundled with ARES for PCB design, making it a comprehensive electronic design solution.</a:t>
             </a:r>
           </a:p>
         </p:txBody>
       </p:sp>
       <p:pic>
         <p:nvPicPr>
-          <p:cNvPr id="13" name="Picture 12">
-            <a:extLst>
-              <a:ext uri="{FF2B5EF4-FFF2-40B4-BE49-F238E27FC236}">
-                <a16:creationId xmlns:a16="http://schemas.microsoft.com/office/drawing/2014/main" id="{CFD124E6-63D7-8D3A-1091-87D4B848AF4D}"/>
+          <p:cNvPr id="8" name="Picture 7">
+            <a:extLst>
+              <a:ext uri="{FF2B5EF4-FFF2-40B4-BE49-F238E27FC236}">
+                <a16:creationId xmlns:a16="http://schemas.microsoft.com/office/drawing/2014/main" id="{591DE59D-2701-722F-8319-159976C0634E}"/>
               </a:ext>
             </a:extLst>
           </p:cNvPr>
@@ -10007,15 +11064,21 @@
           <p:nvPr/>
         </p:nvPicPr>
         <p:blipFill>
-          <a:blip r:embed="rId2"/>
+          <a:blip r:embed="rId2">
+            <a:extLst>
+              <a:ext uri="{28A0092B-C50C-407E-A947-70E740481C1C}">
+                <a14:useLocalDpi xmlns:a14="http://schemas.microsoft.com/office/drawing/2010/main" val="0"/>
+              </a:ext>
+            </a:extLst>
+          </a:blip>
           <a:stretch>
             <a:fillRect/>
           </a:stretch>
         </p:blipFill>
         <p:spPr>
           <a:xfrm>
-            <a:off x="7193280" y="2247264"/>
-            <a:ext cx="4460240" cy="3300095"/>
+            <a:off x="8331200" y="2290816"/>
+            <a:ext cx="3657600" cy="3320327"/>
           </a:xfrm>
           <a:prstGeom prst="rect">
             <a:avLst/>
@@ -10025,7 +11088,7 @@
     </p:spTree>
     <p:extLst>
       <p:ext uri="{BB962C8B-B14F-4D97-AF65-F5344CB8AC3E}">
-        <p14:creationId xmlns:p14="http://schemas.microsoft.com/office/powerpoint/2010/main" val="550662415"/>
+        <p14:creationId xmlns:p14="http://schemas.microsoft.com/office/powerpoint/2010/main" val="3056487727"/>
       </p:ext>
     </p:extLst>
   </p:cSld>
@@ -10035,7 +11098,7 @@
 </p:sld>
 </file>
 
-<file path=ppt/slides/slide20.xml><?xml version="1.0" encoding="utf-8"?>
+<file path=ppt/slides/slide23.xml><?xml version="1.0" encoding="utf-8"?>
 <p:sld xmlns:a="http://schemas.openxmlformats.org/drawingml/2006/main" xmlns:r="http://schemas.openxmlformats.org/officeDocument/2006/relationships" xmlns:p="http://schemas.openxmlformats.org/presentationml/2006/main">
   <p:cSld>
     <p:spTree>
@@ -10067,7 +11130,7 @@
         <p:spPr>
           <a:xfrm>
             <a:off x="416560" y="675640"/>
-            <a:ext cx="4856480" cy="646331"/>
+            <a:ext cx="5679440" cy="646331"/>
           </a:xfrm>
           <a:prstGeom prst="rect">
             <a:avLst/>
@@ -10082,7 +11145,7 @@
           <a:p>
             <a:r>
               <a:rPr lang="en-US" sz="3600" b="1" dirty="0"/>
-              <a:t>Software's Used</a:t>
+              <a:t>Advantages &amp; Future Scope</a:t>
             </a:r>
           </a:p>
         </p:txBody>
@@ -10138,7 +11201,7 @@
           <p:cNvPr id="6" name="TextBox 5">
             <a:extLst>
               <a:ext uri="{FF2B5EF4-FFF2-40B4-BE49-F238E27FC236}">
-                <a16:creationId xmlns:a16="http://schemas.microsoft.com/office/drawing/2014/main" id="{CF6F4F10-B955-26C4-1954-A6F002AA681F}"/>
+                <a16:creationId xmlns:a16="http://schemas.microsoft.com/office/drawing/2014/main" id="{57CC0083-6D2E-CFA0-B34B-C13C38CC22CF}"/>
               </a:ext>
             </a:extLst>
           </p:cNvPr>
@@ -10147,8 +11210,8 @@
         </p:nvSpPr>
         <p:spPr>
           <a:xfrm>
-            <a:off x="812800" y="1658045"/>
-            <a:ext cx="7518400" cy="5016758"/>
+            <a:off x="543560" y="1803400"/>
+            <a:ext cx="11104880" cy="3785652"/>
           </a:xfrm>
           <a:prstGeom prst="rect">
             <a:avLst/>
@@ -10162,12 +11225,9 @@
           <a:lstStyle/>
           <a:p>
             <a:r>
-              <a:rPr lang="en-US" sz="2800" b="1" dirty="0"/>
-              <a:t>Proteus - ISIS</a:t>
-            </a:r>
-          </a:p>
-          <a:p>
-            <a:endParaRPr lang="en-US" sz="2800" b="1" dirty="0"/>
+              <a:rPr lang="en-US" sz="2400" b="1" dirty="0"/>
+              <a:t>Advantage:</a:t>
+            </a:r>
           </a:p>
           <a:p>
             <a:pPr marL="342900" indent="-342900">
@@ -10175,8 +11235,10 @@
               <a:buChar char="•"/>
             </a:pPr>
             <a:r>
-              <a:rPr lang="en-US" sz="2400" dirty="0"/>
-              <a:t>Proteus ISIS (Intelligent Schematic Input System) is a tool for designing and simulating electronic circuits.</a:t>
+              <a:rPr lang="en-US" sz="2400" dirty="0">
+                <a:latin typeface="+mj-lt"/>
+              </a:rPr>
+              <a:t>Enhanced Mobility</a:t>
             </a:r>
           </a:p>
           <a:p>
@@ -10185,13 +11247,14 @@
               <a:buChar char="•"/>
             </a:pPr>
             <a:r>
-              <a:rPr lang="en-US" sz="2400" b="1" dirty="0"/>
-              <a:t>Features</a:t>
-            </a:r>
-            <a:r>
-              <a:rPr lang="en-US" sz="2400" dirty="0"/>
-              <a:t>: Offers a vast library of components, real-time simulation, and integration with microcontroller programming.</a:t>
-            </a:r>
+              <a:rPr lang="en-US" sz="2400" dirty="0">
+                <a:latin typeface="+mj-lt"/>
+              </a:rPr>
+              <a:t>Time Efficiency</a:t>
+            </a:r>
+            <a:endParaRPr lang="en-US" sz="2400" b="1" dirty="0">
+              <a:latin typeface="+mj-lt"/>
+            </a:endParaRPr>
           </a:p>
           <a:p>
             <a:pPr marL="342900" indent="-342900">
@@ -10199,13 +11262,14 @@
               <a:buChar char="•"/>
             </a:pPr>
             <a:r>
-              <a:rPr lang="en-US" sz="2400" b="1" dirty="0"/>
-              <a:t>Applications</a:t>
-            </a:r>
-            <a:r>
-              <a:rPr lang="en-US" sz="2400" dirty="0"/>
-              <a:t>: Used for circuit design, testing, and educational purposes, especially in embedded systems and IoT projects.</a:t>
-            </a:r>
+              <a:rPr lang="en-US" sz="2400" dirty="0">
+                <a:latin typeface="+mj-lt"/>
+              </a:rPr>
+              <a:t>Efficient Pathfinding</a:t>
+            </a:r>
+            <a:endParaRPr lang="en-US" sz="2400" b="1" dirty="0">
+              <a:latin typeface="+mj-lt"/>
+            </a:endParaRPr>
           </a:p>
           <a:p>
             <a:pPr marL="342900" indent="-342900">
@@ -10213,56 +11277,68 @@
               <a:buChar char="•"/>
             </a:pPr>
             <a:r>
+              <a:rPr lang="en-US" sz="2400" dirty="0">
+                <a:latin typeface="+mj-lt"/>
+              </a:rPr>
+              <a:t>Energy Efficiency</a:t>
+            </a:r>
+          </a:p>
+          <a:p>
+            <a:r>
+              <a:rPr lang="en-US" sz="2400" dirty="0">
+                <a:latin typeface="+mj-lt"/>
+              </a:rPr>
+              <a:t> </a:t>
+            </a:r>
+          </a:p>
+          <a:p>
+            <a:r>
               <a:rPr lang="en-US" sz="2400" b="1" dirty="0"/>
-              <a:t>Part of Proteus Suite</a:t>
-            </a:r>
-            <a:r>
-              <a:rPr lang="en-US" sz="2400" dirty="0"/>
-              <a:t>: Bundled with ARES for PCB design, making it a comprehensive electronic design solution.</a:t>
-            </a:r>
-          </a:p>
-        </p:txBody>
-      </p:sp>
-      <p:pic>
-        <p:nvPicPr>
-          <p:cNvPr id="8" name="Picture 7">
-            <a:extLst>
-              <a:ext uri="{FF2B5EF4-FFF2-40B4-BE49-F238E27FC236}">
-                <a16:creationId xmlns:a16="http://schemas.microsoft.com/office/drawing/2014/main" id="{591DE59D-2701-722F-8319-159976C0634E}"/>
-              </a:ext>
-            </a:extLst>
-          </p:cNvPr>
-          <p:cNvPicPr>
-            <a:picLocks noChangeAspect="1"/>
-          </p:cNvPicPr>
-          <p:nvPr/>
-        </p:nvPicPr>
-        <p:blipFill>
-          <a:blip r:embed="rId2">
-            <a:extLst>
-              <a:ext uri="{28A0092B-C50C-407E-A947-70E740481C1C}">
-                <a14:useLocalDpi xmlns:a14="http://schemas.microsoft.com/office/drawing/2010/main" val="0"/>
-              </a:ext>
-            </a:extLst>
-          </a:blip>
-          <a:stretch>
-            <a:fillRect/>
-          </a:stretch>
-        </p:blipFill>
-        <p:spPr>
-          <a:xfrm>
-            <a:off x="8331200" y="2290816"/>
-            <a:ext cx="3657600" cy="3320327"/>
-          </a:xfrm>
-          <a:prstGeom prst="rect">
-            <a:avLst/>
-          </a:prstGeom>
-        </p:spPr>
-      </p:pic>
+              <a:t>Future Scopes:</a:t>
+            </a:r>
+          </a:p>
+          <a:p>
+            <a:pPr marL="342900" indent="-342900">
+              <a:buFont typeface="Arial" panose="020B0604020202020204" pitchFamily="34" charset="0"/>
+              <a:buChar char="•"/>
+            </a:pPr>
+            <a:r>
+              <a:rPr lang="en-US" sz="2400" dirty="0">
+                <a:latin typeface="+mj-lt"/>
+              </a:rPr>
+              <a:t>Disaster Response</a:t>
+            </a:r>
+          </a:p>
+          <a:p>
+            <a:pPr marL="342900" indent="-342900">
+              <a:buFont typeface="Arial" panose="020B0604020202020204" pitchFamily="34" charset="0"/>
+              <a:buChar char="•"/>
+            </a:pPr>
+            <a:r>
+              <a:rPr lang="en-US" sz="2400" dirty="0">
+                <a:latin typeface="+mj-lt"/>
+              </a:rPr>
+              <a:t>Smart Vehicles</a:t>
+            </a:r>
+          </a:p>
+          <a:p>
+            <a:pPr marL="342900" indent="-342900">
+              <a:buFont typeface="Arial" panose="020B0604020202020204" pitchFamily="34" charset="0"/>
+              <a:buChar char="•"/>
+            </a:pPr>
+            <a:r>
+              <a:rPr lang="en-US" sz="2400" dirty="0">
+                <a:latin typeface="+mj-lt"/>
+              </a:rPr>
+              <a:t>Space Exploration</a:t>
+            </a:r>
+          </a:p>
+        </p:txBody>
+      </p:sp>
     </p:spTree>
     <p:extLst>
       <p:ext uri="{BB962C8B-B14F-4D97-AF65-F5344CB8AC3E}">
-        <p14:creationId xmlns:p14="http://schemas.microsoft.com/office/powerpoint/2010/main" val="3056487727"/>
+        <p14:creationId xmlns:p14="http://schemas.microsoft.com/office/powerpoint/2010/main" val="2205597045"/>
       </p:ext>
     </p:extLst>
   </p:cSld>
@@ -10272,7 +11348,7 @@
 </p:sld>
 </file>
 
-<file path=ppt/slides/slide21.xml><?xml version="1.0" encoding="utf-8"?>
+<file path=ppt/slides/slide24.xml><?xml version="1.0" encoding="utf-8"?>
 <p:sld xmlns:a="http://schemas.openxmlformats.org/drawingml/2006/main" xmlns:r="http://schemas.openxmlformats.org/officeDocument/2006/relationships" xmlns:p="http://schemas.openxmlformats.org/presentationml/2006/main">
   <p:cSld>
     <p:spTree>
@@ -10304,7 +11380,7 @@
         <p:spPr>
           <a:xfrm>
             <a:off x="416560" y="675640"/>
-            <a:ext cx="5679440" cy="646331"/>
+            <a:ext cx="2377440" cy="640080"/>
           </a:xfrm>
           <a:prstGeom prst="rect">
             <a:avLst/>
@@ -10319,7 +11395,7 @@
           <a:p>
             <a:r>
               <a:rPr lang="en-US" sz="3600" b="1" dirty="0"/>
-              <a:t>Advantages &amp; Future Scope</a:t>
+              <a:t>Conclusion</a:t>
             </a:r>
           </a:p>
         </p:txBody>
@@ -10340,7 +11416,7 @@
         </p:nvCxnSpPr>
         <p:spPr>
           <a:xfrm>
-            <a:off x="335280" y="1382931"/>
+            <a:off x="294640" y="1321971"/>
             <a:ext cx="2743200" cy="0"/>
           </a:xfrm>
           <a:prstGeom prst="line">
@@ -10384,8 +11460,8 @@
         </p:nvSpPr>
         <p:spPr>
           <a:xfrm>
-            <a:off x="543560" y="1803400"/>
-            <a:ext cx="11104880" cy="3785652"/>
+            <a:off x="528320" y="1752600"/>
+            <a:ext cx="11104880" cy="3416320"/>
           </a:xfrm>
           <a:prstGeom prst="rect">
             <a:avLst/>
@@ -10398,121 +11474,21 @@
           </a:bodyPr>
           <a:lstStyle/>
           <a:p>
-            <a:r>
-              <a:rPr lang="en-US" sz="2400" b="1" dirty="0"/>
-              <a:t>Advantage:</a:t>
-            </a:r>
-          </a:p>
-          <a:p>
-            <a:pPr marL="342900" indent="-342900">
-              <a:buFont typeface="Arial" panose="020B0604020202020204" pitchFamily="34" charset="0"/>
-              <a:buChar char="•"/>
-            </a:pPr>
-            <a:r>
-              <a:rPr lang="en-US" sz="2400" dirty="0">
-                <a:latin typeface="+mj-lt"/>
-              </a:rPr>
-              <a:t>Enhanced Mobility</a:t>
-            </a:r>
-          </a:p>
-          <a:p>
-            <a:pPr marL="342900" indent="-342900">
-              <a:buFont typeface="Arial" panose="020B0604020202020204" pitchFamily="34" charset="0"/>
-              <a:buChar char="•"/>
-            </a:pPr>
-            <a:r>
-              <a:rPr lang="en-US" sz="2400" dirty="0">
-                <a:latin typeface="+mj-lt"/>
-              </a:rPr>
-              <a:t>Time Efficiency</a:t>
-            </a:r>
-            <a:endParaRPr lang="en-US" sz="2400" b="1" dirty="0">
+            <a:pPr algn="just"/>
+            <a:r>
+              <a:rPr lang="en-US" sz="2400" dirty="0"/>
+              <a:t>The integration of an ultrasonic sensor, servo motor, and L293D motor driver offers a sophisticated solution for autonomous robotic navigation. It enhances obstacle detection with broader coverage, ensures precise movement control, and reduces navigation errors. A mean-based algorithm improves path selection accuracy by minimizing false positives. Future developments could include AI-driven obstacle recognition, adaptive navigation through machine learning, and additional sensors for greater reliability. This innovative system is cost-effective and ideal for applications in industrial automation, autonomous vehicle navigation, and hazardous environment exploration.</a:t>
+            </a:r>
+            <a:endParaRPr lang="en-US" sz="2400" dirty="0">
               <a:latin typeface="+mj-lt"/>
             </a:endParaRPr>
-          </a:p>
-          <a:p>
-            <a:pPr marL="342900" indent="-342900">
-              <a:buFont typeface="Arial" panose="020B0604020202020204" pitchFamily="34" charset="0"/>
-              <a:buChar char="•"/>
-            </a:pPr>
-            <a:r>
-              <a:rPr lang="en-US" sz="2400" dirty="0">
-                <a:latin typeface="+mj-lt"/>
-              </a:rPr>
-              <a:t>Efficient Pathfinding</a:t>
-            </a:r>
-            <a:endParaRPr lang="en-US" sz="2400" b="1" dirty="0">
-              <a:latin typeface="+mj-lt"/>
-            </a:endParaRPr>
-          </a:p>
-          <a:p>
-            <a:pPr marL="342900" indent="-342900">
-              <a:buFont typeface="Arial" panose="020B0604020202020204" pitchFamily="34" charset="0"/>
-              <a:buChar char="•"/>
-            </a:pPr>
-            <a:r>
-              <a:rPr lang="en-US" sz="2400" dirty="0">
-                <a:latin typeface="+mj-lt"/>
-              </a:rPr>
-              <a:t>Energy Efficiency</a:t>
-            </a:r>
-          </a:p>
-          <a:p>
-            <a:r>
-              <a:rPr lang="en-US" sz="2400" dirty="0">
-                <a:latin typeface="+mj-lt"/>
-              </a:rPr>
-              <a:t> </a:t>
-            </a:r>
-          </a:p>
-          <a:p>
-            <a:r>
-              <a:rPr lang="en-US" sz="2400" b="1" dirty="0"/>
-              <a:t>Future Scopes:</a:t>
-            </a:r>
-          </a:p>
-          <a:p>
-            <a:pPr marL="342900" indent="-342900">
-              <a:buFont typeface="Arial" panose="020B0604020202020204" pitchFamily="34" charset="0"/>
-              <a:buChar char="•"/>
-            </a:pPr>
-            <a:r>
-              <a:rPr lang="en-US" sz="2400" dirty="0">
-                <a:latin typeface="+mj-lt"/>
-              </a:rPr>
-              <a:t>Disaster Response</a:t>
-            </a:r>
-          </a:p>
-          <a:p>
-            <a:pPr marL="342900" indent="-342900">
-              <a:buFont typeface="Arial" panose="020B0604020202020204" pitchFamily="34" charset="0"/>
-              <a:buChar char="•"/>
-            </a:pPr>
-            <a:r>
-              <a:rPr lang="en-US" sz="2400" dirty="0">
-                <a:latin typeface="+mj-lt"/>
-              </a:rPr>
-              <a:t>Smart Vehicles</a:t>
-            </a:r>
-          </a:p>
-          <a:p>
-            <a:pPr marL="342900" indent="-342900">
-              <a:buFont typeface="Arial" panose="020B0604020202020204" pitchFamily="34" charset="0"/>
-              <a:buChar char="•"/>
-            </a:pPr>
-            <a:r>
-              <a:rPr lang="en-US" sz="2400" dirty="0">
-                <a:latin typeface="+mj-lt"/>
-              </a:rPr>
-              <a:t>Space Exploration</a:t>
-            </a:r>
           </a:p>
         </p:txBody>
       </p:sp>
     </p:spTree>
     <p:extLst>
       <p:ext uri="{BB962C8B-B14F-4D97-AF65-F5344CB8AC3E}">
-        <p14:creationId xmlns:p14="http://schemas.microsoft.com/office/powerpoint/2010/main" val="2205597045"/>
+        <p14:creationId xmlns:p14="http://schemas.microsoft.com/office/powerpoint/2010/main" val="2342501199"/>
       </p:ext>
     </p:extLst>
   </p:cSld>
@@ -10522,7 +11498,7 @@
 </p:sld>
 </file>
 
-<file path=ppt/slides/slide22.xml><?xml version="1.0" encoding="utf-8"?>
+<file path=ppt/slides/slide25.xml><?xml version="1.0" encoding="utf-8"?>
 <p:sld xmlns:a="http://schemas.openxmlformats.org/drawingml/2006/main" xmlns:r="http://schemas.openxmlformats.org/officeDocument/2006/relationships" xmlns:p="http://schemas.openxmlformats.org/presentationml/2006/main">
   <p:cSld>
     <p:spTree>
@@ -10541,6 +11517,72 @@
       </p:grpSpPr>
       <p:sp>
         <p:nvSpPr>
+          <p:cNvPr id="2" name="Title 1">
+            <a:extLst>
+              <a:ext uri="{FF2B5EF4-FFF2-40B4-BE49-F238E27FC236}">
+                <a16:creationId xmlns:a16="http://schemas.microsoft.com/office/drawing/2014/main" id="{D13F6932-8D5D-DD6D-252A-DD6A8ECF603E}"/>
+              </a:ext>
+            </a:extLst>
+          </p:cNvPr>
+          <p:cNvSpPr>
+            <a:spLocks noGrp="1"/>
+          </p:cNvSpPr>
+          <p:nvPr>
+            <p:ph type="title"/>
+          </p:nvPr>
+        </p:nvSpPr>
+        <p:spPr>
+          <a:xfrm>
+            <a:off x="838200" y="2766219"/>
+            <a:ext cx="10515600" cy="1325563"/>
+          </a:xfrm>
+        </p:spPr>
+        <p:txBody>
+          <a:bodyPr>
+            <a:normAutofit/>
+          </a:bodyPr>
+          <a:lstStyle/>
+          <a:p>
+            <a:pPr algn="ctr"/>
+            <a:r>
+              <a:rPr lang="en-US" sz="7200" b="1" dirty="0"/>
+              <a:t>Thank you</a:t>
+            </a:r>
+          </a:p>
+        </p:txBody>
+      </p:sp>
+    </p:spTree>
+    <p:extLst>
+      <p:ext uri="{BB962C8B-B14F-4D97-AF65-F5344CB8AC3E}">
+        <p14:creationId xmlns:p14="http://schemas.microsoft.com/office/powerpoint/2010/main" val="2961277381"/>
+      </p:ext>
+    </p:extLst>
+  </p:cSld>
+  <p:clrMapOvr>
+    <a:masterClrMapping/>
+  </p:clrMapOvr>
+</p:sld>
+</file>
+
+<file path=ppt/slides/slide3.xml><?xml version="1.0" encoding="utf-8"?>
+<p:sld xmlns:a="http://schemas.openxmlformats.org/drawingml/2006/main" xmlns:r="http://schemas.openxmlformats.org/officeDocument/2006/relationships" xmlns:p="http://schemas.openxmlformats.org/presentationml/2006/main">
+  <p:cSld>
+    <p:spTree>
+      <p:nvGrpSpPr>
+        <p:cNvPr id="1" name=""/>
+        <p:cNvGrpSpPr/>
+        <p:nvPr/>
+      </p:nvGrpSpPr>
+      <p:grpSpPr>
+        <a:xfrm>
+          <a:off x="0" y="0"/>
+          <a:ext cx="0" cy="0"/>
+          <a:chOff x="0" y="0"/>
+          <a:chExt cx="0" cy="0"/>
+        </a:xfrm>
+      </p:grpSpPr>
+      <p:sp>
+        <p:nvSpPr>
           <p:cNvPr id="4" name="TextBox 3">
             <a:extLst>
               <a:ext uri="{FF2B5EF4-FFF2-40B4-BE49-F238E27FC236}">
@@ -10553,8 +11595,8 @@
         </p:nvSpPr>
         <p:spPr>
           <a:xfrm>
-            <a:off x="416560" y="675640"/>
-            <a:ext cx="2377440" cy="640080"/>
+            <a:off x="721360" y="675640"/>
+            <a:ext cx="2194560" cy="646331"/>
           </a:xfrm>
           <a:prstGeom prst="rect">
             <a:avLst/>
@@ -10569,7 +11611,7 @@
           <a:p>
             <a:r>
               <a:rPr lang="en-US" sz="3600" b="1" dirty="0"/>
-              <a:t>Conclusion</a:t>
+              <a:t>Contents </a:t>
             </a:r>
           </a:p>
         </p:txBody>
@@ -10590,7 +11632,7 @@
         </p:nvCxnSpPr>
         <p:spPr>
           <a:xfrm>
-            <a:off x="294640" y="1321971"/>
+            <a:off x="355600" y="1382931"/>
             <a:ext cx="2743200" cy="0"/>
           </a:xfrm>
           <a:prstGeom prst="line">
@@ -10622,10 +11664,10 @@
       </p:cxnSp>
       <p:sp>
         <p:nvSpPr>
-          <p:cNvPr id="6" name="TextBox 5">
-            <a:extLst>
-              <a:ext uri="{FF2B5EF4-FFF2-40B4-BE49-F238E27FC236}">
-                <a16:creationId xmlns:a16="http://schemas.microsoft.com/office/drawing/2014/main" id="{57CC0083-6D2E-CFA0-B34B-C13C38CC22CF}"/>
+          <p:cNvPr id="10" name="TextBox 9">
+            <a:extLst>
+              <a:ext uri="{FF2B5EF4-FFF2-40B4-BE49-F238E27FC236}">
+                <a16:creationId xmlns:a16="http://schemas.microsoft.com/office/drawing/2014/main" id="{603D59D7-9A28-C65D-5390-DFAD2739FC7B}"/>
               </a:ext>
             </a:extLst>
           </p:cNvPr>
@@ -10634,8 +11676,8 @@
         </p:nvSpPr>
         <p:spPr>
           <a:xfrm>
-            <a:off x="528320" y="1752600"/>
-            <a:ext cx="11104880" cy="3416320"/>
+            <a:off x="1036320" y="1781155"/>
+            <a:ext cx="6522720" cy="4401205"/>
           </a:xfrm>
           <a:prstGeom prst="rect">
             <a:avLst/>
@@ -10648,156 +11690,6 @@
           </a:bodyPr>
           <a:lstStyle/>
           <a:p>
-            <a:pPr algn="just"/>
-            <a:r>
-              <a:rPr lang="en-US" sz="2400" dirty="0"/>
-              <a:t>The integration of an ultrasonic sensor, servo motor, and L293D motor driver offers a sophisticated solution for autonomous robotic navigation. It enhances obstacle detection with broader coverage, ensures precise movement control, and reduces navigation errors. A mean-based algorithm improves path selection accuracy by minimizing false positives. Future developments could include AI-driven obstacle recognition, adaptive navigation through machine learning, and additional sensors for greater reliability. This innovative system is cost-effective and ideal for applications in industrial automation, autonomous vehicle navigation, and hazardous environment exploration.</a:t>
-            </a:r>
-            <a:endParaRPr lang="en-US" sz="2400" dirty="0">
-              <a:latin typeface="+mj-lt"/>
-            </a:endParaRPr>
-          </a:p>
-        </p:txBody>
-      </p:sp>
-    </p:spTree>
-    <p:extLst>
-      <p:ext uri="{BB962C8B-B14F-4D97-AF65-F5344CB8AC3E}">
-        <p14:creationId xmlns:p14="http://schemas.microsoft.com/office/powerpoint/2010/main" val="2342501199"/>
-      </p:ext>
-    </p:extLst>
-  </p:cSld>
-  <p:clrMapOvr>
-    <a:masterClrMapping/>
-  </p:clrMapOvr>
-</p:sld>
-</file>
-
-<file path=ppt/slides/slide3.xml><?xml version="1.0" encoding="utf-8"?>
-<p:sld xmlns:a="http://schemas.openxmlformats.org/drawingml/2006/main" xmlns:r="http://schemas.openxmlformats.org/officeDocument/2006/relationships" xmlns:p="http://schemas.openxmlformats.org/presentationml/2006/main">
-  <p:cSld>
-    <p:spTree>
-      <p:nvGrpSpPr>
-        <p:cNvPr id="1" name=""/>
-        <p:cNvGrpSpPr/>
-        <p:nvPr/>
-      </p:nvGrpSpPr>
-      <p:grpSpPr>
-        <a:xfrm>
-          <a:off x="0" y="0"/>
-          <a:ext cx="0" cy="0"/>
-          <a:chOff x="0" y="0"/>
-          <a:chExt cx="0" cy="0"/>
-        </a:xfrm>
-      </p:grpSpPr>
-      <p:sp>
-        <p:nvSpPr>
-          <p:cNvPr id="4" name="TextBox 3">
-            <a:extLst>
-              <a:ext uri="{FF2B5EF4-FFF2-40B4-BE49-F238E27FC236}">
-                <a16:creationId xmlns:a16="http://schemas.microsoft.com/office/drawing/2014/main" id="{17C97D89-3979-D9EC-2F9E-F1BA5D0A9EF4}"/>
-              </a:ext>
-            </a:extLst>
-          </p:cNvPr>
-          <p:cNvSpPr txBox="1"/>
-          <p:nvPr/>
-        </p:nvSpPr>
-        <p:spPr>
-          <a:xfrm>
-            <a:off x="721360" y="675640"/>
-            <a:ext cx="2194560" cy="646331"/>
-          </a:xfrm>
-          <a:prstGeom prst="rect">
-            <a:avLst/>
-          </a:prstGeom>
-          <a:noFill/>
-        </p:spPr>
-        <p:txBody>
-          <a:bodyPr wrap="square" rtlCol="0">
-            <a:spAutoFit/>
-          </a:bodyPr>
-          <a:lstStyle/>
-          <a:p>
-            <a:r>
-              <a:rPr lang="en-US" sz="3600" b="1" dirty="0"/>
-              <a:t>Contents </a:t>
-            </a:r>
-          </a:p>
-        </p:txBody>
-      </p:sp>
-      <p:cxnSp>
-        <p:nvCxnSpPr>
-          <p:cNvPr id="9" name="Straight Connector 8">
-            <a:extLst>
-              <a:ext uri="{FF2B5EF4-FFF2-40B4-BE49-F238E27FC236}">
-                <a16:creationId xmlns:a16="http://schemas.microsoft.com/office/drawing/2014/main" id="{06DEB5C5-95DE-9DEC-6F84-929E462EC78F}"/>
-              </a:ext>
-            </a:extLst>
-          </p:cNvPr>
-          <p:cNvCxnSpPr>
-            <a:cxnSpLocks/>
-          </p:cNvCxnSpPr>
-          <p:nvPr/>
-        </p:nvCxnSpPr>
-        <p:spPr>
-          <a:xfrm>
-            <a:off x="355600" y="1382931"/>
-            <a:ext cx="2743200" cy="0"/>
-          </a:xfrm>
-          <a:prstGeom prst="line">
-            <a:avLst/>
-          </a:prstGeom>
-          <a:ln w="28575"/>
-          <a:effectLst>
-            <a:outerShdw blurRad="50800" dist="38100" dir="2700000" algn="tl" rotWithShape="0">
-              <a:prstClr val="black">
-                <a:alpha val="40000"/>
-              </a:prstClr>
-            </a:outerShdw>
-          </a:effectLst>
-        </p:spPr>
-        <p:style>
-          <a:lnRef idx="1">
-            <a:schemeClr val="accent1"/>
-          </a:lnRef>
-          <a:fillRef idx="0">
-            <a:schemeClr val="accent1"/>
-          </a:fillRef>
-          <a:effectRef idx="0">
-            <a:schemeClr val="accent1"/>
-          </a:effectRef>
-          <a:fontRef idx="minor">
-            <a:schemeClr val="tx1"/>
-          </a:fontRef>
-        </p:style>
-      </p:cxnSp>
-      <p:sp>
-        <p:nvSpPr>
-          <p:cNvPr id="10" name="TextBox 9">
-            <a:extLst>
-              <a:ext uri="{FF2B5EF4-FFF2-40B4-BE49-F238E27FC236}">
-                <a16:creationId xmlns:a16="http://schemas.microsoft.com/office/drawing/2014/main" id="{603D59D7-9A28-C65D-5390-DFAD2739FC7B}"/>
-              </a:ext>
-            </a:extLst>
-          </p:cNvPr>
-          <p:cNvSpPr txBox="1"/>
-          <p:nvPr/>
-        </p:nvSpPr>
-        <p:spPr>
-          <a:xfrm>
-            <a:off x="1036320" y="1781155"/>
-            <a:ext cx="6522720" cy="3970318"/>
-          </a:xfrm>
-          <a:prstGeom prst="rect">
-            <a:avLst/>
-          </a:prstGeom>
-          <a:noFill/>
-        </p:spPr>
-        <p:txBody>
-          <a:bodyPr wrap="square" rtlCol="0">
-            <a:spAutoFit/>
-          </a:bodyPr>
-          <a:lstStyle/>
-          <a:p>
             <a:pPr marL="342900" indent="-342900">
               <a:buFont typeface="Arial" panose="020B0604020202020204" pitchFamily="34" charset="0"/>
               <a:buChar char="•"/>
@@ -10912,6 +11804,19 @@
                 <a:cs typeface="Times New Roman" panose="02020603050405020304" pitchFamily="18" charset="0"/>
               </a:rPr>
               <a:t>Advantages and future scope </a:t>
+            </a:r>
+          </a:p>
+          <a:p>
+            <a:pPr marL="342900" indent="-342900">
+              <a:buFont typeface="Arial" panose="020B0604020202020204" pitchFamily="34" charset="0"/>
+              <a:buChar char="•"/>
+            </a:pPr>
+            <a:r>
+              <a:rPr lang="en-US" sz="2800" dirty="0">
+                <a:latin typeface="+mj-lt"/>
+                <a:cs typeface="Times New Roman" panose="02020603050405020304" pitchFamily="18" charset="0"/>
+              </a:rPr>
+              <a:t>Conclusion</a:t>
             </a:r>
           </a:p>
         </p:txBody>
@@ -12205,8 +13110,8 @@
         </p:nvSpPr>
         <p:spPr>
           <a:xfrm>
-            <a:off x="878840" y="2014835"/>
-            <a:ext cx="10434320" cy="3539430"/>
+            <a:off x="878840" y="1811635"/>
+            <a:ext cx="10434320" cy="4524315"/>
           </a:xfrm>
           <a:prstGeom prst="rect">
             <a:avLst/>
@@ -12300,6 +13205,30 @@
                 <a:latin typeface="+mj-lt"/>
               </a:rPr>
               <a:t>Jumper wires</a:t>
+            </a:r>
+          </a:p>
+          <a:p>
+            <a:pPr marL="342900" indent="-342900">
+              <a:buFont typeface="Arial" panose="020B0604020202020204" pitchFamily="34" charset="0"/>
+              <a:buChar char="•"/>
+            </a:pPr>
+            <a:r>
+              <a:rPr lang="en-US" sz="3200" dirty="0">
+                <a:latin typeface="+mj-lt"/>
+              </a:rPr>
+              <a:t>Lcd display</a:t>
+            </a:r>
+          </a:p>
+          <a:p>
+            <a:pPr marL="342900" indent="-342900">
+              <a:buFont typeface="Arial" panose="020B0604020202020204" pitchFamily="34" charset="0"/>
+              <a:buChar char="•"/>
+            </a:pPr>
+            <a:r>
+              <a:rPr lang="en-US" sz="3200" dirty="0">
+                <a:latin typeface="+mj-lt"/>
+              </a:rPr>
+              <a:t>Transformer</a:t>
             </a:r>
           </a:p>
         </p:txBody>
